--- a/Steam.pptx
+++ b/Steam.pptx
@@ -19,8 +19,15 @@
     <p:sldId id="272" r:id="rId13"/>
     <p:sldId id="267" r:id="rId14"/>
     <p:sldId id="271" r:id="rId15"/>
-    <p:sldId id="274" r:id="rId16"/>
-    <p:sldId id="275" r:id="rId17"/>
+    <p:sldId id="278" r:id="rId16"/>
+    <p:sldId id="274" r:id="rId17"/>
+    <p:sldId id="277" r:id="rId18"/>
+    <p:sldId id="275" r:id="rId19"/>
+    <p:sldId id="279" r:id="rId20"/>
+    <p:sldId id="280" r:id="rId21"/>
+    <p:sldId id="281" r:id="rId22"/>
+    <p:sldId id="283" r:id="rId23"/>
+    <p:sldId id="282" r:id="rId24"/>
   </p:sldIdLst>
   <p:sldSz cx="12192000" cy="6858000"/>
   <p:notesSz cx="6858000" cy="9144000"/>
@@ -276,7 +283,7 @@
           <a:p>
             <a:fld id="{6014689B-0DCE-4194-8205-09B15DFDD564}" type="datetimeFigureOut">
               <a:rPr lang="en-US" smtClean="0"/>
-              <a:t>6/29/2023</a:t>
+              <a:t>6/30/2023</a:t>
             </a:fld>
             <a:endParaRPr lang="en-US"/>
           </a:p>
@@ -476,7 +483,7 @@
           <a:p>
             <a:fld id="{6014689B-0DCE-4194-8205-09B15DFDD564}" type="datetimeFigureOut">
               <a:rPr lang="en-US" smtClean="0"/>
-              <a:t>6/29/2023</a:t>
+              <a:t>6/30/2023</a:t>
             </a:fld>
             <a:endParaRPr lang="en-US"/>
           </a:p>
@@ -686,7 +693,7 @@
           <a:p>
             <a:fld id="{6014689B-0DCE-4194-8205-09B15DFDD564}" type="datetimeFigureOut">
               <a:rPr lang="en-US" smtClean="0"/>
-              <a:t>6/29/2023</a:t>
+              <a:t>6/30/2023</a:t>
             </a:fld>
             <a:endParaRPr lang="en-US"/>
           </a:p>
@@ -886,7 +893,7 @@
           <a:p>
             <a:fld id="{6014689B-0DCE-4194-8205-09B15DFDD564}" type="datetimeFigureOut">
               <a:rPr lang="en-US" smtClean="0"/>
-              <a:t>6/29/2023</a:t>
+              <a:t>6/30/2023</a:t>
             </a:fld>
             <a:endParaRPr lang="en-US"/>
           </a:p>
@@ -1162,7 +1169,7 @@
           <a:p>
             <a:fld id="{6014689B-0DCE-4194-8205-09B15DFDD564}" type="datetimeFigureOut">
               <a:rPr lang="en-US" smtClean="0"/>
-              <a:t>6/29/2023</a:t>
+              <a:t>6/30/2023</a:t>
             </a:fld>
             <a:endParaRPr lang="en-US"/>
           </a:p>
@@ -1430,7 +1437,7 @@
           <a:p>
             <a:fld id="{6014689B-0DCE-4194-8205-09B15DFDD564}" type="datetimeFigureOut">
               <a:rPr lang="en-US" smtClean="0"/>
-              <a:t>6/29/2023</a:t>
+              <a:t>6/30/2023</a:t>
             </a:fld>
             <a:endParaRPr lang="en-US"/>
           </a:p>
@@ -1845,7 +1852,7 @@
           <a:p>
             <a:fld id="{6014689B-0DCE-4194-8205-09B15DFDD564}" type="datetimeFigureOut">
               <a:rPr lang="en-US" smtClean="0"/>
-              <a:t>6/29/2023</a:t>
+              <a:t>6/30/2023</a:t>
             </a:fld>
             <a:endParaRPr lang="en-US"/>
           </a:p>
@@ -1987,7 +1994,7 @@
           <a:p>
             <a:fld id="{6014689B-0DCE-4194-8205-09B15DFDD564}" type="datetimeFigureOut">
               <a:rPr lang="en-US" smtClean="0"/>
-              <a:t>6/29/2023</a:t>
+              <a:t>6/30/2023</a:t>
             </a:fld>
             <a:endParaRPr lang="en-US"/>
           </a:p>
@@ -2100,7 +2107,7 @@
           <a:p>
             <a:fld id="{6014689B-0DCE-4194-8205-09B15DFDD564}" type="datetimeFigureOut">
               <a:rPr lang="en-US" smtClean="0"/>
-              <a:t>6/29/2023</a:t>
+              <a:t>6/30/2023</a:t>
             </a:fld>
             <a:endParaRPr lang="en-US"/>
           </a:p>
@@ -2413,7 +2420,7 @@
           <a:p>
             <a:fld id="{6014689B-0DCE-4194-8205-09B15DFDD564}" type="datetimeFigureOut">
               <a:rPr lang="en-US" smtClean="0"/>
-              <a:t>6/29/2023</a:t>
+              <a:t>6/30/2023</a:t>
             </a:fld>
             <a:endParaRPr lang="en-US"/>
           </a:p>
@@ -2702,7 +2709,7 @@
           <a:p>
             <a:fld id="{6014689B-0DCE-4194-8205-09B15DFDD564}" type="datetimeFigureOut">
               <a:rPr lang="en-US" smtClean="0"/>
-              <a:t>6/29/2023</a:t>
+              <a:t>6/30/2023</a:t>
             </a:fld>
             <a:endParaRPr lang="en-US"/>
           </a:p>
@@ -2945,7 +2952,7 @@
           <a:p>
             <a:fld id="{6014689B-0DCE-4194-8205-09B15DFDD564}" type="datetimeFigureOut">
               <a:rPr lang="en-US" smtClean="0"/>
-              <a:t>6/29/2023</a:t>
+              <a:t>6/30/2023</a:t>
             </a:fld>
             <a:endParaRPr lang="en-US"/>
           </a:p>
@@ -4353,13 +4360,16 @@
                   <a:srgbClr val="66C0F4"/>
                 </a:solidFill>
               </a:rPr>
-              <a:t>periodo</a:t>
-            </a:r>
-            <a:endParaRPr lang="en-US" sz="3200" b="1" dirty="0">
-              <a:solidFill>
-                <a:srgbClr val="66C0F4"/>
-              </a:solidFill>
-            </a:endParaRPr>
+              <a:t>popolarita</a:t>
+            </a:r>
+            <a:r>
+              <a:rPr lang="en-US" sz="3200" b="1" dirty="0">
+                <a:solidFill>
+                  <a:srgbClr val="66C0F4"/>
+                </a:solidFill>
+              </a:rPr>
+              <a:t>’</a:t>
+            </a:r>
           </a:p>
         </p:txBody>
       </p:sp>
@@ -4414,10 +4424,10 @@
       </p:pic>
       <p:pic>
         <p:nvPicPr>
-          <p:cNvPr id="3" name="Immagine 2">
-            <a:extLst>
-              <a:ext uri="{FF2B5EF4-FFF2-40B4-BE49-F238E27FC236}">
-                <a16:creationId xmlns:a16="http://schemas.microsoft.com/office/drawing/2014/main" id="{97F5EB6A-9336-A9A1-1459-350524213097}"/>
+          <p:cNvPr id="4" name="Immagine 3">
+            <a:extLst>
+              <a:ext uri="{FF2B5EF4-FFF2-40B4-BE49-F238E27FC236}">
+                <a16:creationId xmlns:a16="http://schemas.microsoft.com/office/drawing/2014/main" id="{08ACFBB1-E879-3F03-3BAC-1F9B9ACCA71A}"/>
               </a:ext>
             </a:extLst>
           </p:cNvPr>
@@ -4434,299 +4444,14 @@
         </p:blipFill>
         <p:spPr>
           <a:xfrm>
-            <a:off x="4938551" y="2624025"/>
-            <a:ext cx="2314898" cy="1609950"/>
+            <a:off x="3740223" y="2268651"/>
+            <a:ext cx="4925210" cy="2512354"/>
           </a:xfrm>
           <a:prstGeom prst="rect">
             <a:avLst/>
           </a:prstGeom>
         </p:spPr>
       </p:pic>
-      <p:pic>
-        <p:nvPicPr>
-          <p:cNvPr id="5" name="Immagine 4">
-            <a:extLst>
-              <a:ext uri="{FF2B5EF4-FFF2-40B4-BE49-F238E27FC236}">
-                <a16:creationId xmlns:a16="http://schemas.microsoft.com/office/drawing/2014/main" id="{12870A09-9B13-5BFA-0270-0BC98DE8660A}"/>
-              </a:ext>
-            </a:extLst>
-          </p:cNvPr>
-          <p:cNvPicPr>
-            <a:picLocks noChangeAspect="1"/>
-          </p:cNvPicPr>
-          <p:nvPr/>
-        </p:nvPicPr>
-        <p:blipFill>
-          <a:blip r:embed="rId3"/>
-          <a:stretch>
-            <a:fillRect/>
-          </a:stretch>
-        </p:blipFill>
-        <p:spPr>
-          <a:xfrm>
-            <a:off x="4938551" y="2624024"/>
-            <a:ext cx="3041978" cy="2115615"/>
-          </a:xfrm>
-          <a:prstGeom prst="rect">
-            <a:avLst/>
-          </a:prstGeom>
-        </p:spPr>
-      </p:pic>
-      <p:sp>
-        <p:nvSpPr>
-          <p:cNvPr id="6" name="Segnaposto contenuto 2">
-            <a:extLst>
-              <a:ext uri="{FF2B5EF4-FFF2-40B4-BE49-F238E27FC236}">
-                <a16:creationId xmlns:a16="http://schemas.microsoft.com/office/drawing/2014/main" id="{948825FB-1932-F334-6B85-E322E79C5130}"/>
-              </a:ext>
-            </a:extLst>
-          </p:cNvPr>
-          <p:cNvSpPr txBox="1">
-            <a:spLocks/>
-          </p:cNvSpPr>
-          <p:nvPr/>
-        </p:nvSpPr>
-        <p:spPr>
-          <a:xfrm>
-            <a:off x="906780" y="2364025"/>
-            <a:ext cx="3657600" cy="2129950"/>
-          </a:xfrm>
-          <a:prstGeom prst="rect">
-            <a:avLst/>
-          </a:prstGeom>
-        </p:spPr>
-        <p:txBody>
-          <a:bodyPr vert="horz" lIns="91440" tIns="45720" rIns="91440" bIns="45720" rtlCol="0">
-            <a:normAutofit/>
-          </a:bodyPr>
-          <a:lstStyle>
-            <a:lvl1pPr marL="228600" indent="-228600" algn="l" defTabSz="914400" rtl="0" eaLnBrk="1" latinLnBrk="0" hangingPunct="1">
-              <a:lnSpc>
-                <a:spcPct val="90000"/>
-              </a:lnSpc>
-              <a:spcBef>
-                <a:spcPts val="1000"/>
-              </a:spcBef>
-              <a:buFont typeface="Arial" panose="020B0604020202020204" pitchFamily="34" charset="0"/>
-              <a:buChar char="•"/>
-              <a:defRPr sz="2800" kern="1200">
-                <a:solidFill>
-                  <a:schemeClr val="tx1"/>
-                </a:solidFill>
-                <a:latin typeface="+mn-lt"/>
-                <a:ea typeface="+mn-ea"/>
-                <a:cs typeface="+mn-cs"/>
-              </a:defRPr>
-            </a:lvl1pPr>
-            <a:lvl2pPr marL="685800" indent="-228600" algn="l" defTabSz="914400" rtl="0" eaLnBrk="1" latinLnBrk="0" hangingPunct="1">
-              <a:lnSpc>
-                <a:spcPct val="90000"/>
-              </a:lnSpc>
-              <a:spcBef>
-                <a:spcPts val="500"/>
-              </a:spcBef>
-              <a:buFont typeface="Arial" panose="020B0604020202020204" pitchFamily="34" charset="0"/>
-              <a:buChar char="•"/>
-              <a:defRPr sz="2400" kern="1200">
-                <a:solidFill>
-                  <a:schemeClr val="tx1"/>
-                </a:solidFill>
-                <a:latin typeface="+mn-lt"/>
-                <a:ea typeface="+mn-ea"/>
-                <a:cs typeface="+mn-cs"/>
-              </a:defRPr>
-            </a:lvl2pPr>
-            <a:lvl3pPr marL="1143000" indent="-228600" algn="l" defTabSz="914400" rtl="0" eaLnBrk="1" latinLnBrk="0" hangingPunct="1">
-              <a:lnSpc>
-                <a:spcPct val="90000"/>
-              </a:lnSpc>
-              <a:spcBef>
-                <a:spcPts val="500"/>
-              </a:spcBef>
-              <a:buFont typeface="Arial" panose="020B0604020202020204" pitchFamily="34" charset="0"/>
-              <a:buChar char="•"/>
-              <a:defRPr sz="2000" kern="1200">
-                <a:solidFill>
-                  <a:schemeClr val="tx1"/>
-                </a:solidFill>
-                <a:latin typeface="+mn-lt"/>
-                <a:ea typeface="+mn-ea"/>
-                <a:cs typeface="+mn-cs"/>
-              </a:defRPr>
-            </a:lvl3pPr>
-            <a:lvl4pPr marL="1600200" indent="-228600" algn="l" defTabSz="914400" rtl="0" eaLnBrk="1" latinLnBrk="0" hangingPunct="1">
-              <a:lnSpc>
-                <a:spcPct val="90000"/>
-              </a:lnSpc>
-              <a:spcBef>
-                <a:spcPts val="500"/>
-              </a:spcBef>
-              <a:buFont typeface="Arial" panose="020B0604020202020204" pitchFamily="34" charset="0"/>
-              <a:buChar char="•"/>
-              <a:defRPr sz="1800" kern="1200">
-                <a:solidFill>
-                  <a:schemeClr val="tx1"/>
-                </a:solidFill>
-                <a:latin typeface="+mn-lt"/>
-                <a:ea typeface="+mn-ea"/>
-                <a:cs typeface="+mn-cs"/>
-              </a:defRPr>
-            </a:lvl4pPr>
-            <a:lvl5pPr marL="2057400" indent="-228600" algn="l" defTabSz="914400" rtl="0" eaLnBrk="1" latinLnBrk="0" hangingPunct="1">
-              <a:lnSpc>
-                <a:spcPct val="90000"/>
-              </a:lnSpc>
-              <a:spcBef>
-                <a:spcPts val="500"/>
-              </a:spcBef>
-              <a:buFont typeface="Arial" panose="020B0604020202020204" pitchFamily="34" charset="0"/>
-              <a:buChar char="•"/>
-              <a:defRPr sz="1800" kern="1200">
-                <a:solidFill>
-                  <a:schemeClr val="tx1"/>
-                </a:solidFill>
-                <a:latin typeface="+mn-lt"/>
-                <a:ea typeface="+mn-ea"/>
-                <a:cs typeface="+mn-cs"/>
-              </a:defRPr>
-            </a:lvl5pPr>
-            <a:lvl6pPr marL="2514600" indent="-228600" algn="l" defTabSz="914400" rtl="0" eaLnBrk="1" latinLnBrk="0" hangingPunct="1">
-              <a:lnSpc>
-                <a:spcPct val="90000"/>
-              </a:lnSpc>
-              <a:spcBef>
-                <a:spcPts val="500"/>
-              </a:spcBef>
-              <a:buFont typeface="Arial" panose="020B0604020202020204" pitchFamily="34" charset="0"/>
-              <a:buChar char="•"/>
-              <a:defRPr sz="1800" kern="1200">
-                <a:solidFill>
-                  <a:schemeClr val="tx1"/>
-                </a:solidFill>
-                <a:latin typeface="+mn-lt"/>
-                <a:ea typeface="+mn-ea"/>
-                <a:cs typeface="+mn-cs"/>
-              </a:defRPr>
-            </a:lvl6pPr>
-            <a:lvl7pPr marL="2971800" indent="-228600" algn="l" defTabSz="914400" rtl="0" eaLnBrk="1" latinLnBrk="0" hangingPunct="1">
-              <a:lnSpc>
-                <a:spcPct val="90000"/>
-              </a:lnSpc>
-              <a:spcBef>
-                <a:spcPts val="500"/>
-              </a:spcBef>
-              <a:buFont typeface="Arial" panose="020B0604020202020204" pitchFamily="34" charset="0"/>
-              <a:buChar char="•"/>
-              <a:defRPr sz="1800" kern="1200">
-                <a:solidFill>
-                  <a:schemeClr val="tx1"/>
-                </a:solidFill>
-                <a:latin typeface="+mn-lt"/>
-                <a:ea typeface="+mn-ea"/>
-                <a:cs typeface="+mn-cs"/>
-              </a:defRPr>
-            </a:lvl7pPr>
-            <a:lvl8pPr marL="3429000" indent="-228600" algn="l" defTabSz="914400" rtl="0" eaLnBrk="1" latinLnBrk="0" hangingPunct="1">
-              <a:lnSpc>
-                <a:spcPct val="90000"/>
-              </a:lnSpc>
-              <a:spcBef>
-                <a:spcPts val="500"/>
-              </a:spcBef>
-              <a:buFont typeface="Arial" panose="020B0604020202020204" pitchFamily="34" charset="0"/>
-              <a:buChar char="•"/>
-              <a:defRPr sz="1800" kern="1200">
-                <a:solidFill>
-                  <a:schemeClr val="tx1"/>
-                </a:solidFill>
-                <a:latin typeface="+mn-lt"/>
-                <a:ea typeface="+mn-ea"/>
-                <a:cs typeface="+mn-cs"/>
-              </a:defRPr>
-            </a:lvl8pPr>
-            <a:lvl9pPr marL="3886200" indent="-228600" algn="l" defTabSz="914400" rtl="0" eaLnBrk="1" latinLnBrk="0" hangingPunct="1">
-              <a:lnSpc>
-                <a:spcPct val="90000"/>
-              </a:lnSpc>
-              <a:spcBef>
-                <a:spcPts val="500"/>
-              </a:spcBef>
-              <a:buFont typeface="Arial" panose="020B0604020202020204" pitchFamily="34" charset="0"/>
-              <a:buChar char="•"/>
-              <a:defRPr sz="1800" kern="1200">
-                <a:solidFill>
-                  <a:schemeClr val="tx1"/>
-                </a:solidFill>
-                <a:latin typeface="+mn-lt"/>
-                <a:ea typeface="+mn-ea"/>
-                <a:cs typeface="+mn-cs"/>
-              </a:defRPr>
-            </a:lvl9pPr>
-          </a:lstStyle>
-          <a:p>
-            <a:pPr>
-              <a:buClr>
-                <a:srgbClr val="66C0F4"/>
-              </a:buClr>
-            </a:pPr>
-            <a:r>
-              <a:rPr lang="en-US" sz="2000" dirty="0">
-                <a:solidFill>
-                  <a:srgbClr val="C7D5E0"/>
-                </a:solidFill>
-              </a:rPr>
-              <a:t>I </a:t>
-            </a:r>
-            <a:r>
-              <a:rPr lang="en-US" sz="2000" dirty="0" err="1">
-                <a:solidFill>
-                  <a:srgbClr val="C7D5E0"/>
-                </a:solidFill>
-              </a:rPr>
-              <a:t>generi</a:t>
-            </a:r>
-            <a:r>
-              <a:rPr lang="en-US" sz="2000" dirty="0">
-                <a:solidFill>
-                  <a:srgbClr val="C7D5E0"/>
-                </a:solidFill>
-              </a:rPr>
-              <a:t> Pre Covid</a:t>
-            </a:r>
-          </a:p>
-          <a:p>
-            <a:pPr>
-              <a:buClr>
-                <a:srgbClr val="66C0F4"/>
-              </a:buClr>
-            </a:pPr>
-            <a:r>
-              <a:rPr lang="en-US" sz="2000" dirty="0">
-                <a:solidFill>
-                  <a:srgbClr val="C7D5E0"/>
-                </a:solidFill>
-              </a:rPr>
-              <a:t>I </a:t>
-            </a:r>
-            <a:r>
-              <a:rPr lang="en-US" sz="2000" dirty="0" err="1">
-                <a:solidFill>
-                  <a:srgbClr val="C7D5E0"/>
-                </a:solidFill>
-              </a:rPr>
-              <a:t>generi</a:t>
-            </a:r>
-            <a:r>
-              <a:rPr lang="en-US" sz="2000" dirty="0">
-                <a:solidFill>
-                  <a:srgbClr val="C7D5E0"/>
-                </a:solidFill>
-              </a:rPr>
-              <a:t> Post</a:t>
-            </a:r>
-          </a:p>
-        </p:txBody>
-      </p:sp>
     </p:spTree>
     <p:extLst>
       <p:ext uri="{BB962C8B-B14F-4D97-AF65-F5344CB8AC3E}">
@@ -5562,6 +5287,36 @@
           </a:p>
         </p:txBody>
       </p:sp>
+      <p:pic>
+        <p:nvPicPr>
+          <p:cNvPr id="2" name="Immagine 1">
+            <a:extLst>
+              <a:ext uri="{FF2B5EF4-FFF2-40B4-BE49-F238E27FC236}">
+                <a16:creationId xmlns:a16="http://schemas.microsoft.com/office/drawing/2014/main" id="{A92437FA-E006-1A28-2C9E-B8C5004FD7A2}"/>
+              </a:ext>
+            </a:extLst>
+          </p:cNvPr>
+          <p:cNvPicPr>
+            <a:picLocks noChangeAspect="1"/>
+          </p:cNvPicPr>
+          <p:nvPr/>
+        </p:nvPicPr>
+        <p:blipFill>
+          <a:blip r:embed="rId4"/>
+          <a:stretch>
+            <a:fillRect/>
+          </a:stretch>
+        </p:blipFill>
+        <p:spPr>
+          <a:xfrm>
+            <a:off x="6026909" y="1762252"/>
+            <a:ext cx="5182323" cy="3524742"/>
+          </a:xfrm>
+          <a:prstGeom prst="rect">
+            <a:avLst/>
+          </a:prstGeom>
+        </p:spPr>
+      </p:pic>
     </p:spTree>
     <p:extLst>
       <p:ext uri="{BB962C8B-B14F-4D97-AF65-F5344CB8AC3E}">
@@ -5669,11 +5424,14 @@
               </a:rPr>
               <a:t>successo</a:t>
             </a:r>
-            <a:endParaRPr lang="en-US" sz="3200" b="1" dirty="0">
-              <a:solidFill>
-                <a:srgbClr val="66C0F4"/>
-              </a:solidFill>
-            </a:endParaRPr>
+            <a:r>
+              <a:rPr lang="en-US" sz="3200" b="1" dirty="0">
+                <a:solidFill>
+                  <a:srgbClr val="66C0F4"/>
+                </a:solidFill>
+              </a:rPr>
+              <a:t>: Peak CCU</a:t>
+            </a:r>
           </a:p>
         </p:txBody>
       </p:sp>
@@ -5824,12 +5582,52 @@
           <a:p>
             <a:pPr algn="ctr"/>
             <a:r>
+              <a:rPr lang="en-US" sz="3200" b="1" dirty="0" err="1">
+                <a:solidFill>
+                  <a:srgbClr val="66C0F4"/>
+                </a:solidFill>
+              </a:rPr>
+              <a:t>Scelta</a:t>
+            </a:r>
+            <a:r>
               <a:rPr lang="en-US" sz="3200" b="1" dirty="0">
                 <a:solidFill>
                   <a:srgbClr val="66C0F4"/>
                 </a:solidFill>
               </a:rPr>
-              <a:t>Free2Play(f2p) vs Pay2Play(p2p) – Peak CCU</a:t>
+              <a:t> di un </a:t>
+            </a:r>
+            <a:r>
+              <a:rPr lang="en-US" sz="3200" b="1" dirty="0" err="1">
+                <a:solidFill>
+                  <a:srgbClr val="66C0F4"/>
+                </a:solidFill>
+              </a:rPr>
+              <a:t>classificatore</a:t>
+            </a:r>
+            <a:r>
+              <a:rPr lang="en-US" sz="3200" b="1" dirty="0">
+                <a:solidFill>
+                  <a:srgbClr val="66C0F4"/>
+                </a:solidFill>
+              </a:rPr>
+              <a:t> per il </a:t>
+            </a:r>
+            <a:r>
+              <a:rPr lang="en-US" sz="3200" b="1" dirty="0" err="1">
+                <a:solidFill>
+                  <a:srgbClr val="66C0F4"/>
+                </a:solidFill>
+              </a:rPr>
+              <a:t>successo</a:t>
+            </a:r>
+            <a:r>
+              <a:rPr lang="en-US" sz="3200" b="1" dirty="0">
+                <a:solidFill>
+                  <a:srgbClr val="66C0F4"/>
+                </a:solidFill>
+              </a:rPr>
+              <a:t>: Average Time</a:t>
             </a:r>
           </a:p>
         </p:txBody>
@@ -5885,10 +5683,10 @@
       </p:pic>
       <p:pic>
         <p:nvPicPr>
-          <p:cNvPr id="3" name="Immagine 2">
-            <a:extLst>
-              <a:ext uri="{FF2B5EF4-FFF2-40B4-BE49-F238E27FC236}">
-                <a16:creationId xmlns:a16="http://schemas.microsoft.com/office/drawing/2014/main" id="{B09B973C-31A6-8A88-B84E-10707F2BE4B0}"/>
+          <p:cNvPr id="4" name="Immagine 3">
+            <a:extLst>
+              <a:ext uri="{FF2B5EF4-FFF2-40B4-BE49-F238E27FC236}">
+                <a16:creationId xmlns:a16="http://schemas.microsoft.com/office/drawing/2014/main" id="{AF06DDF4-62B9-CDAE-85EC-D12E9257C662}"/>
               </a:ext>
             </a:extLst>
           </p:cNvPr>
@@ -5905,8 +5703,8 @@
         </p:blipFill>
         <p:spPr>
           <a:xfrm>
-            <a:off x="3504838" y="1666629"/>
-            <a:ext cx="5182323" cy="3524742"/>
+            <a:off x="951782" y="1390365"/>
+            <a:ext cx="10288436" cy="4077269"/>
           </a:xfrm>
           <a:prstGeom prst="rect">
             <a:avLst/>
@@ -5916,7 +5714,7 @@
     </p:spTree>
     <p:extLst>
       <p:ext uri="{BB962C8B-B14F-4D97-AF65-F5344CB8AC3E}">
-        <p14:creationId xmlns:p14="http://schemas.microsoft.com/office/powerpoint/2010/main" val="71784459"/>
+        <p14:creationId xmlns:p14="http://schemas.microsoft.com/office/powerpoint/2010/main" val="2021737590"/>
       </p:ext>
     </p:extLst>
   </p:cSld>
@@ -5981,6 +5779,317 @@
           <a:p>
             <a:pPr algn="ctr"/>
             <a:r>
+              <a:rPr lang="en-US" sz="3200" b="1" dirty="0">
+                <a:solidFill>
+                  <a:srgbClr val="66C0F4"/>
+                </a:solidFill>
+              </a:rPr>
+              <a:t>Free2Play(f2p) vs Pay2Play(p2p) – Peak CCU/Average Time</a:t>
+            </a:r>
+          </a:p>
+        </p:txBody>
+      </p:sp>
+      <p:pic>
+        <p:nvPicPr>
+          <p:cNvPr id="17" name="Immagine 16" descr="Immagine che contiene Elementi grafici, cerchio, clipart, cartone animato">
+            <a:extLst>
+              <a:ext uri="{FF2B5EF4-FFF2-40B4-BE49-F238E27FC236}">
+                <a16:creationId xmlns:a16="http://schemas.microsoft.com/office/drawing/2014/main" id="{05A5E460-1E13-E434-F2FF-8F2679A217ED}"/>
+              </a:ext>
+            </a:extLst>
+          </p:cNvPr>
+          <p:cNvPicPr>
+            <a:picLocks noChangeAspect="1"/>
+          </p:cNvPicPr>
+          <p:nvPr/>
+        </p:nvPicPr>
+        <p:blipFill>
+          <a:blip r:embed="rId2">
+            <a:alphaModFix/>
+            <a:extLst>
+              <a:ext uri="{28A0092B-C50C-407E-A947-70E740481C1C}">
+                <a14:useLocalDpi xmlns:a14="http://schemas.microsoft.com/office/drawing/2010/main" val="0"/>
+              </a:ext>
+            </a:extLst>
+          </a:blip>
+          <a:stretch>
+            <a:fillRect/>
+          </a:stretch>
+        </p:blipFill>
+        <p:spPr>
+          <a:xfrm>
+            <a:off x="11642903" y="0"/>
+            <a:ext cx="549097" cy="548640"/>
+          </a:xfrm>
+          <a:prstGeom prst="rect">
+            <a:avLst/>
+          </a:prstGeom>
+          <a:effectLst>
+            <a:glow>
+              <a:schemeClr val="accent1">
+                <a:alpha val="40000"/>
+              </a:schemeClr>
+            </a:glow>
+            <a:outerShdw blurRad="1270000" dist="50800" algn="ctr" rotWithShape="0">
+              <a:srgbClr val="000000"/>
+            </a:outerShdw>
+            <a:reflection endPos="0" dir="5400000" sy="-100000" algn="bl" rotWithShape="0"/>
+            <a:softEdge rad="0"/>
+          </a:effectLst>
+        </p:spPr>
+      </p:pic>
+      <p:pic>
+        <p:nvPicPr>
+          <p:cNvPr id="3" name="Immagine 2">
+            <a:extLst>
+              <a:ext uri="{FF2B5EF4-FFF2-40B4-BE49-F238E27FC236}">
+                <a16:creationId xmlns:a16="http://schemas.microsoft.com/office/drawing/2014/main" id="{B09B973C-31A6-8A88-B84E-10707F2BE4B0}"/>
+              </a:ext>
+            </a:extLst>
+          </p:cNvPr>
+          <p:cNvPicPr>
+            <a:picLocks noChangeAspect="1"/>
+          </p:cNvPicPr>
+          <p:nvPr/>
+        </p:nvPicPr>
+        <p:blipFill>
+          <a:blip r:embed="rId3"/>
+          <a:stretch>
+            <a:fillRect/>
+          </a:stretch>
+        </p:blipFill>
+        <p:spPr>
+          <a:xfrm>
+            <a:off x="3504838" y="1666629"/>
+            <a:ext cx="5182323" cy="3524742"/>
+          </a:xfrm>
+          <a:prstGeom prst="rect">
+            <a:avLst/>
+          </a:prstGeom>
+        </p:spPr>
+      </p:pic>
+    </p:spTree>
+    <p:extLst>
+      <p:ext uri="{BB962C8B-B14F-4D97-AF65-F5344CB8AC3E}">
+        <p14:creationId xmlns:p14="http://schemas.microsoft.com/office/powerpoint/2010/main" val="71784459"/>
+      </p:ext>
+    </p:extLst>
+  </p:cSld>
+  <p:clrMapOvr>
+    <a:masterClrMapping/>
+  </p:clrMapOvr>
+</p:sld>
+</file>
+
+<file path=ppt/slides/slide17.xml><?xml version="1.0" encoding="utf-8"?>
+<p:sld xmlns:a="http://schemas.openxmlformats.org/drawingml/2006/main" xmlns:r="http://schemas.openxmlformats.org/officeDocument/2006/relationships" xmlns:p="http://schemas.openxmlformats.org/presentationml/2006/main">
+  <p:cSld>
+    <p:bg>
+      <p:bgPr>
+        <a:solidFill>
+          <a:srgbClr val="171A21"/>
+        </a:solidFill>
+        <a:effectLst/>
+      </p:bgPr>
+    </p:bg>
+    <p:spTree>
+      <p:nvGrpSpPr>
+        <p:cNvPr id="1" name=""/>
+        <p:cNvGrpSpPr/>
+        <p:nvPr/>
+      </p:nvGrpSpPr>
+      <p:grpSpPr>
+        <a:xfrm>
+          <a:off x="0" y="0"/>
+          <a:ext cx="0" cy="0"/>
+          <a:chOff x="0" y="0"/>
+          <a:chExt cx="0" cy="0"/>
+        </a:xfrm>
+      </p:grpSpPr>
+      <p:sp>
+        <p:nvSpPr>
+          <p:cNvPr id="16" name="Titolo 15">
+            <a:extLst>
+              <a:ext uri="{FF2B5EF4-FFF2-40B4-BE49-F238E27FC236}">
+                <a16:creationId xmlns:a16="http://schemas.microsoft.com/office/drawing/2014/main" id="{F7263360-930D-9D6A-C2AC-5E06A3EFBC66}"/>
+              </a:ext>
+            </a:extLst>
+          </p:cNvPr>
+          <p:cNvSpPr>
+            <a:spLocks noGrp="1"/>
+          </p:cNvSpPr>
+          <p:nvPr>
+            <p:ph type="title"/>
+          </p:nvPr>
+        </p:nvSpPr>
+        <p:spPr>
+          <a:xfrm>
+            <a:off x="838200" y="159702"/>
+            <a:ext cx="10515600" cy="777875"/>
+          </a:xfrm>
+        </p:spPr>
+        <p:txBody>
+          <a:bodyPr>
+            <a:normAutofit/>
+          </a:bodyPr>
+          <a:lstStyle/>
+          <a:p>
+            <a:pPr algn="ctr"/>
+            <a:endParaRPr lang="en-US" sz="3200" b="1" dirty="0">
+              <a:solidFill>
+                <a:srgbClr val="66C0F4"/>
+              </a:solidFill>
+            </a:endParaRPr>
+          </a:p>
+        </p:txBody>
+      </p:sp>
+      <p:pic>
+        <p:nvPicPr>
+          <p:cNvPr id="17" name="Immagine 16" descr="Immagine che contiene Elementi grafici, cerchio, clipart, cartone animato">
+            <a:extLst>
+              <a:ext uri="{FF2B5EF4-FFF2-40B4-BE49-F238E27FC236}">
+                <a16:creationId xmlns:a16="http://schemas.microsoft.com/office/drawing/2014/main" id="{05A5E460-1E13-E434-F2FF-8F2679A217ED}"/>
+              </a:ext>
+            </a:extLst>
+          </p:cNvPr>
+          <p:cNvPicPr>
+            <a:picLocks noChangeAspect="1"/>
+          </p:cNvPicPr>
+          <p:nvPr/>
+        </p:nvPicPr>
+        <p:blipFill>
+          <a:blip r:embed="rId2">
+            <a:alphaModFix/>
+            <a:extLst>
+              <a:ext uri="{28A0092B-C50C-407E-A947-70E740481C1C}">
+                <a14:useLocalDpi xmlns:a14="http://schemas.microsoft.com/office/drawing/2010/main" val="0"/>
+              </a:ext>
+            </a:extLst>
+          </a:blip>
+          <a:stretch>
+            <a:fillRect/>
+          </a:stretch>
+        </p:blipFill>
+        <p:spPr>
+          <a:xfrm>
+            <a:off x="11642903" y="0"/>
+            <a:ext cx="549097" cy="548640"/>
+          </a:xfrm>
+          <a:prstGeom prst="rect">
+            <a:avLst/>
+          </a:prstGeom>
+          <a:effectLst>
+            <a:glow>
+              <a:schemeClr val="accent1">
+                <a:alpha val="40000"/>
+              </a:schemeClr>
+            </a:glow>
+            <a:outerShdw blurRad="1270000" dist="50800" algn="ctr" rotWithShape="0">
+              <a:srgbClr val="000000"/>
+            </a:outerShdw>
+            <a:reflection endPos="0" dir="5400000" sy="-100000" algn="bl" rotWithShape="0"/>
+            <a:softEdge rad="0"/>
+          </a:effectLst>
+        </p:spPr>
+      </p:pic>
+      <p:pic>
+        <p:nvPicPr>
+          <p:cNvPr id="3" name="Immagine 2">
+            <a:extLst>
+              <a:ext uri="{FF2B5EF4-FFF2-40B4-BE49-F238E27FC236}">
+                <a16:creationId xmlns:a16="http://schemas.microsoft.com/office/drawing/2014/main" id="{B09B973C-31A6-8A88-B84E-10707F2BE4B0}"/>
+              </a:ext>
+            </a:extLst>
+          </p:cNvPr>
+          <p:cNvPicPr>
+            <a:picLocks noChangeAspect="1"/>
+          </p:cNvPicPr>
+          <p:nvPr/>
+        </p:nvPicPr>
+        <p:blipFill>
+          <a:blip r:embed="rId3"/>
+          <a:stretch>
+            <a:fillRect/>
+          </a:stretch>
+        </p:blipFill>
+        <p:spPr>
+          <a:xfrm>
+            <a:off x="3504838" y="1666629"/>
+            <a:ext cx="5182323" cy="3524742"/>
+          </a:xfrm>
+          <a:prstGeom prst="rect">
+            <a:avLst/>
+          </a:prstGeom>
+        </p:spPr>
+      </p:pic>
+    </p:spTree>
+    <p:extLst>
+      <p:ext uri="{BB962C8B-B14F-4D97-AF65-F5344CB8AC3E}">
+        <p14:creationId xmlns:p14="http://schemas.microsoft.com/office/powerpoint/2010/main" val="4065463501"/>
+      </p:ext>
+    </p:extLst>
+  </p:cSld>
+  <p:clrMapOvr>
+    <a:masterClrMapping/>
+  </p:clrMapOvr>
+</p:sld>
+</file>
+
+<file path=ppt/slides/slide18.xml><?xml version="1.0" encoding="utf-8"?>
+<p:sld xmlns:a="http://schemas.openxmlformats.org/drawingml/2006/main" xmlns:r="http://schemas.openxmlformats.org/officeDocument/2006/relationships" xmlns:p="http://schemas.openxmlformats.org/presentationml/2006/main">
+  <p:cSld>
+    <p:bg>
+      <p:bgPr>
+        <a:solidFill>
+          <a:srgbClr val="171A21"/>
+        </a:solidFill>
+        <a:effectLst/>
+      </p:bgPr>
+    </p:bg>
+    <p:spTree>
+      <p:nvGrpSpPr>
+        <p:cNvPr id="1" name=""/>
+        <p:cNvGrpSpPr/>
+        <p:nvPr/>
+      </p:nvGrpSpPr>
+      <p:grpSpPr>
+        <a:xfrm>
+          <a:off x="0" y="0"/>
+          <a:ext cx="0" cy="0"/>
+          <a:chOff x="0" y="0"/>
+          <a:chExt cx="0" cy="0"/>
+        </a:xfrm>
+      </p:grpSpPr>
+      <p:sp>
+        <p:nvSpPr>
+          <p:cNvPr id="16" name="Titolo 15">
+            <a:extLst>
+              <a:ext uri="{FF2B5EF4-FFF2-40B4-BE49-F238E27FC236}">
+                <a16:creationId xmlns:a16="http://schemas.microsoft.com/office/drawing/2014/main" id="{F7263360-930D-9D6A-C2AC-5E06A3EFBC66}"/>
+              </a:ext>
+            </a:extLst>
+          </p:cNvPr>
+          <p:cNvSpPr>
+            <a:spLocks noGrp="1"/>
+          </p:cNvSpPr>
+          <p:nvPr>
+            <p:ph type="title"/>
+          </p:nvPr>
+        </p:nvSpPr>
+        <p:spPr>
+          <a:xfrm>
+            <a:off x="838200" y="159702"/>
+            <a:ext cx="10515600" cy="777875"/>
+          </a:xfrm>
+        </p:spPr>
+        <p:txBody>
+          <a:bodyPr>
+            <a:normAutofit/>
+          </a:bodyPr>
+          <a:lstStyle/>
+          <a:p>
+            <a:pPr algn="ctr"/>
+            <a:r>
               <a:rPr lang="en-US" sz="3200" b="1" dirty="0" err="1">
                 <a:solidFill>
                   <a:srgbClr val="66C0F4"/>
@@ -6010,7 +6119,39 @@
                   <a:srgbClr val="66C0F4"/>
                 </a:solidFill>
               </a:rPr>
-              <a:t> (Placeholder)</a:t>
+              <a:t> (Placeholder) (</a:t>
+            </a:r>
+            <a:r>
+              <a:rPr lang="en-US" sz="3200" b="1" dirty="0" err="1">
+                <a:solidFill>
+                  <a:srgbClr val="66C0F4"/>
+                </a:solidFill>
+              </a:rPr>
+              <a:t>Fasce</a:t>
+            </a:r>
+            <a:r>
+              <a:rPr lang="en-US" sz="3200" b="1" dirty="0">
+                <a:solidFill>
+                  <a:srgbClr val="66C0F4"/>
+                </a:solidFill>
+              </a:rPr>
+              <a:t> di </a:t>
+            </a:r>
+            <a:r>
+              <a:rPr lang="en-US" sz="3200" b="1" dirty="0" err="1">
+                <a:solidFill>
+                  <a:srgbClr val="66C0F4"/>
+                </a:solidFill>
+              </a:rPr>
+              <a:t>positivita</a:t>
+            </a:r>
+            <a:r>
+              <a:rPr lang="en-US" sz="3200" b="1" dirty="0">
+                <a:solidFill>
+                  <a:srgbClr val="66C0F4"/>
+                </a:solidFill>
+              </a:rPr>
+              <a:t>’)</a:t>
             </a:r>
           </a:p>
         </p:txBody>
@@ -6098,6 +6239,617 @@
     <p:extLst>
       <p:ext uri="{BB962C8B-B14F-4D97-AF65-F5344CB8AC3E}">
         <p14:creationId xmlns:p14="http://schemas.microsoft.com/office/powerpoint/2010/main" val="551743755"/>
+      </p:ext>
+    </p:extLst>
+  </p:cSld>
+  <p:clrMapOvr>
+    <a:masterClrMapping/>
+  </p:clrMapOvr>
+</p:sld>
+</file>
+
+<file path=ppt/slides/slide19.xml><?xml version="1.0" encoding="utf-8"?>
+<p:sld xmlns:a="http://schemas.openxmlformats.org/drawingml/2006/main" xmlns:r="http://schemas.openxmlformats.org/officeDocument/2006/relationships" xmlns:p="http://schemas.openxmlformats.org/presentationml/2006/main">
+  <p:cSld>
+    <p:bg>
+      <p:bgPr>
+        <a:solidFill>
+          <a:srgbClr val="171A21"/>
+        </a:solidFill>
+        <a:effectLst/>
+      </p:bgPr>
+    </p:bg>
+    <p:spTree>
+      <p:nvGrpSpPr>
+        <p:cNvPr id="1" name=""/>
+        <p:cNvGrpSpPr/>
+        <p:nvPr/>
+      </p:nvGrpSpPr>
+      <p:grpSpPr>
+        <a:xfrm>
+          <a:off x="0" y="0"/>
+          <a:ext cx="0" cy="0"/>
+          <a:chOff x="0" y="0"/>
+          <a:chExt cx="0" cy="0"/>
+        </a:xfrm>
+      </p:grpSpPr>
+      <p:sp>
+        <p:nvSpPr>
+          <p:cNvPr id="16" name="Titolo 15">
+            <a:extLst>
+              <a:ext uri="{FF2B5EF4-FFF2-40B4-BE49-F238E27FC236}">
+                <a16:creationId xmlns:a16="http://schemas.microsoft.com/office/drawing/2014/main" id="{F7263360-930D-9D6A-C2AC-5E06A3EFBC66}"/>
+              </a:ext>
+            </a:extLst>
+          </p:cNvPr>
+          <p:cNvSpPr>
+            <a:spLocks noGrp="1"/>
+          </p:cNvSpPr>
+          <p:nvPr>
+            <p:ph type="title"/>
+          </p:nvPr>
+        </p:nvSpPr>
+        <p:spPr>
+          <a:xfrm>
+            <a:off x="838200" y="159702"/>
+            <a:ext cx="10515600" cy="777875"/>
+          </a:xfrm>
+        </p:spPr>
+        <p:txBody>
+          <a:bodyPr>
+            <a:normAutofit/>
+          </a:bodyPr>
+          <a:lstStyle/>
+          <a:p>
+            <a:pPr algn="ctr"/>
+            <a:r>
+              <a:rPr lang="en-US" sz="3200" b="1" dirty="0">
+                <a:solidFill>
+                  <a:srgbClr val="66C0F4"/>
+                </a:solidFill>
+              </a:rPr>
+              <a:t>Le </a:t>
+            </a:r>
+            <a:r>
+              <a:rPr lang="en-US" sz="3200" b="1" dirty="0" err="1">
+                <a:solidFill>
+                  <a:srgbClr val="66C0F4"/>
+                </a:solidFill>
+              </a:rPr>
+              <a:t>caratteristice</a:t>
+            </a:r>
+            <a:r>
+              <a:rPr lang="en-US" sz="3200" b="1" dirty="0">
+                <a:solidFill>
+                  <a:srgbClr val="66C0F4"/>
+                </a:solidFill>
+              </a:rPr>
+              <a:t> piu’ </a:t>
+            </a:r>
+            <a:r>
+              <a:rPr lang="en-US" sz="3200" b="1" dirty="0" err="1">
+                <a:solidFill>
+                  <a:srgbClr val="66C0F4"/>
+                </a:solidFill>
+              </a:rPr>
+              <a:t>desiderabili</a:t>
+            </a:r>
+            <a:r>
+              <a:rPr lang="en-US" sz="3200" b="1" dirty="0">
+                <a:solidFill>
+                  <a:srgbClr val="66C0F4"/>
+                </a:solidFill>
+              </a:rPr>
+              <a:t> </a:t>
+            </a:r>
+            <a:r>
+              <a:rPr lang="en-US" sz="3200" b="1" dirty="0" err="1">
+                <a:solidFill>
+                  <a:srgbClr val="66C0F4"/>
+                </a:solidFill>
+              </a:rPr>
+              <a:t>dai</a:t>
+            </a:r>
+            <a:r>
+              <a:rPr lang="en-US" sz="3200" b="1" dirty="0">
+                <a:solidFill>
+                  <a:srgbClr val="66C0F4"/>
+                </a:solidFill>
+              </a:rPr>
+              <a:t> </a:t>
+            </a:r>
+            <a:r>
+              <a:rPr lang="en-US" sz="3200" b="1" dirty="0" err="1">
+                <a:solidFill>
+                  <a:srgbClr val="66C0F4"/>
+                </a:solidFill>
+              </a:rPr>
+              <a:t>Giocatori</a:t>
+            </a:r>
+            <a:endParaRPr lang="en-US" sz="3200" b="1" dirty="0">
+              <a:solidFill>
+                <a:srgbClr val="66C0F4"/>
+              </a:solidFill>
+            </a:endParaRPr>
+          </a:p>
+        </p:txBody>
+      </p:sp>
+      <p:pic>
+        <p:nvPicPr>
+          <p:cNvPr id="17" name="Immagine 16" descr="Immagine che contiene Elementi grafici, cerchio, clipart, cartone animato">
+            <a:extLst>
+              <a:ext uri="{FF2B5EF4-FFF2-40B4-BE49-F238E27FC236}">
+                <a16:creationId xmlns:a16="http://schemas.microsoft.com/office/drawing/2014/main" id="{05A5E460-1E13-E434-F2FF-8F2679A217ED}"/>
+              </a:ext>
+            </a:extLst>
+          </p:cNvPr>
+          <p:cNvPicPr>
+            <a:picLocks noChangeAspect="1"/>
+          </p:cNvPicPr>
+          <p:nvPr/>
+        </p:nvPicPr>
+        <p:blipFill>
+          <a:blip r:embed="rId2">
+            <a:alphaModFix/>
+            <a:extLst>
+              <a:ext uri="{28A0092B-C50C-407E-A947-70E740481C1C}">
+                <a14:useLocalDpi xmlns:a14="http://schemas.microsoft.com/office/drawing/2010/main" val="0"/>
+              </a:ext>
+            </a:extLst>
+          </a:blip>
+          <a:stretch>
+            <a:fillRect/>
+          </a:stretch>
+        </p:blipFill>
+        <p:spPr>
+          <a:xfrm>
+            <a:off x="11642903" y="0"/>
+            <a:ext cx="549097" cy="548640"/>
+          </a:xfrm>
+          <a:prstGeom prst="rect">
+            <a:avLst/>
+          </a:prstGeom>
+          <a:effectLst>
+            <a:glow>
+              <a:schemeClr val="accent1">
+                <a:alpha val="40000"/>
+              </a:schemeClr>
+            </a:glow>
+            <a:outerShdw blurRad="1270000" dist="50800" algn="ctr" rotWithShape="0">
+              <a:srgbClr val="000000"/>
+            </a:outerShdw>
+            <a:reflection endPos="0" dir="5400000" sy="-100000" algn="bl" rotWithShape="0"/>
+            <a:softEdge rad="0"/>
+          </a:effectLst>
+        </p:spPr>
+      </p:pic>
+      <p:sp>
+        <p:nvSpPr>
+          <p:cNvPr id="3" name="CasellaDiTesto 2">
+            <a:extLst>
+              <a:ext uri="{FF2B5EF4-FFF2-40B4-BE49-F238E27FC236}">
+                <a16:creationId xmlns:a16="http://schemas.microsoft.com/office/drawing/2014/main" id="{EA2C6FA7-F801-AA7D-C84E-C799E9188CB2}"/>
+              </a:ext>
+            </a:extLst>
+          </p:cNvPr>
+          <p:cNvSpPr txBox="1"/>
+          <p:nvPr/>
+        </p:nvSpPr>
+        <p:spPr>
+          <a:xfrm>
+            <a:off x="1494118" y="1452283"/>
+            <a:ext cx="5487080" cy="3139321"/>
+          </a:xfrm>
+          <a:prstGeom prst="rect">
+            <a:avLst/>
+          </a:prstGeom>
+          <a:noFill/>
+        </p:spPr>
+        <p:txBody>
+          <a:bodyPr wrap="none" rtlCol="0">
+            <a:spAutoFit/>
+          </a:bodyPr>
+          <a:lstStyle/>
+          <a:p>
+            <a:r>
+              <a:rPr lang="en-US" dirty="0" err="1">
+                <a:solidFill>
+                  <a:srgbClr val="C7D5E0"/>
+                </a:solidFill>
+              </a:rPr>
+              <a:t>Treemap</a:t>
+            </a:r>
+            <a:endParaRPr lang="en-US" dirty="0">
+              <a:solidFill>
+                <a:srgbClr val="C7D5E0"/>
+              </a:solidFill>
+            </a:endParaRPr>
+          </a:p>
+          <a:p>
+            <a:r>
+              <a:rPr lang="en-US" dirty="0" err="1">
+                <a:solidFill>
+                  <a:srgbClr val="C7D5E0"/>
+                </a:solidFill>
+              </a:rPr>
+              <a:t>Generi</a:t>
+            </a:r>
+            <a:r>
+              <a:rPr lang="en-US" dirty="0">
+                <a:solidFill>
+                  <a:srgbClr val="C7D5E0"/>
+                </a:solidFill>
+              </a:rPr>
+              <a:t> per </a:t>
+            </a:r>
+            <a:r>
+              <a:rPr lang="en-US" dirty="0" err="1">
+                <a:solidFill>
+                  <a:srgbClr val="C7D5E0"/>
+                </a:solidFill>
+              </a:rPr>
+              <a:t>e_u</a:t>
+            </a:r>
+            <a:r>
+              <a:rPr lang="en-US" dirty="0">
+                <a:solidFill>
+                  <a:srgbClr val="C7D5E0"/>
+                </a:solidFill>
+              </a:rPr>
+              <a:t>  per </a:t>
+            </a:r>
+            <a:r>
+              <a:rPr lang="en-US" dirty="0" err="1">
+                <a:solidFill>
+                  <a:srgbClr val="C7D5E0"/>
+                </a:solidFill>
+              </a:rPr>
+              <a:t>indicatore</a:t>
+            </a:r>
+            <a:r>
+              <a:rPr lang="en-US" dirty="0">
+                <a:solidFill>
+                  <a:srgbClr val="C7D5E0"/>
+                </a:solidFill>
+              </a:rPr>
+              <a:t> di </a:t>
+            </a:r>
+            <a:r>
+              <a:rPr lang="en-US" dirty="0" err="1">
+                <a:solidFill>
+                  <a:srgbClr val="C7D5E0"/>
+                </a:solidFill>
+              </a:rPr>
+              <a:t>positivita</a:t>
+            </a:r>
+            <a:r>
+              <a:rPr lang="en-US" dirty="0">
+                <a:solidFill>
+                  <a:srgbClr val="C7D5E0"/>
+                </a:solidFill>
+              </a:rPr>
+              <a:t>’ alto</a:t>
+            </a:r>
+          </a:p>
+          <a:p>
+            <a:r>
+              <a:rPr lang="en-US" dirty="0" err="1">
+                <a:solidFill>
+                  <a:srgbClr val="C7D5E0"/>
+                </a:solidFill>
+              </a:rPr>
+              <a:t>Generi</a:t>
+            </a:r>
+            <a:r>
+              <a:rPr lang="en-US" dirty="0">
+                <a:solidFill>
+                  <a:srgbClr val="C7D5E0"/>
+                </a:solidFill>
+              </a:rPr>
+              <a:t> per </a:t>
+            </a:r>
+            <a:r>
+              <a:rPr lang="en-US" dirty="0" err="1">
+                <a:solidFill>
+                  <a:srgbClr val="C7D5E0"/>
+                </a:solidFill>
+              </a:rPr>
+              <a:t>peak_ccu</a:t>
+            </a:r>
+            <a:r>
+              <a:rPr lang="en-US" dirty="0">
+                <a:solidFill>
+                  <a:srgbClr val="C7D5E0"/>
+                </a:solidFill>
+              </a:rPr>
+              <a:t> per </a:t>
+            </a:r>
+            <a:r>
+              <a:rPr lang="en-US" dirty="0" err="1">
+                <a:solidFill>
+                  <a:srgbClr val="C7D5E0"/>
+                </a:solidFill>
+              </a:rPr>
+              <a:t>indicatore</a:t>
+            </a:r>
+            <a:r>
+              <a:rPr lang="en-US" dirty="0">
+                <a:solidFill>
+                  <a:srgbClr val="C7D5E0"/>
+                </a:solidFill>
+              </a:rPr>
+              <a:t> di </a:t>
+            </a:r>
+            <a:r>
+              <a:rPr lang="en-US" dirty="0" err="1">
+                <a:solidFill>
+                  <a:srgbClr val="C7D5E0"/>
+                </a:solidFill>
+              </a:rPr>
+              <a:t>positivita</a:t>
+            </a:r>
+            <a:r>
+              <a:rPr lang="en-US" dirty="0">
+                <a:solidFill>
+                  <a:srgbClr val="C7D5E0"/>
+                </a:solidFill>
+              </a:rPr>
+              <a:t>’ alto</a:t>
+            </a:r>
+          </a:p>
+          <a:p>
+            <a:r>
+              <a:rPr lang="en-US" dirty="0" err="1">
+                <a:solidFill>
+                  <a:srgbClr val="C7D5E0"/>
+                </a:solidFill>
+              </a:rPr>
+              <a:t>Generi</a:t>
+            </a:r>
+            <a:r>
+              <a:rPr lang="en-US" dirty="0">
+                <a:solidFill>
+                  <a:srgbClr val="C7D5E0"/>
+                </a:solidFill>
+              </a:rPr>
+              <a:t> per </a:t>
+            </a:r>
+            <a:r>
+              <a:rPr lang="en-US" dirty="0" err="1">
+                <a:solidFill>
+                  <a:srgbClr val="C7D5E0"/>
+                </a:solidFill>
+              </a:rPr>
+              <a:t>AverageTime</a:t>
+            </a:r>
+            <a:r>
+              <a:rPr lang="en-US" dirty="0">
+                <a:solidFill>
+                  <a:srgbClr val="C7D5E0"/>
+                </a:solidFill>
+              </a:rPr>
+              <a:t>  per </a:t>
+            </a:r>
+            <a:r>
+              <a:rPr lang="en-US" dirty="0" err="1">
+                <a:solidFill>
+                  <a:srgbClr val="C7D5E0"/>
+                </a:solidFill>
+              </a:rPr>
+              <a:t>indicatore</a:t>
+            </a:r>
+            <a:r>
+              <a:rPr lang="en-US" dirty="0">
+                <a:solidFill>
+                  <a:srgbClr val="C7D5E0"/>
+                </a:solidFill>
+              </a:rPr>
+              <a:t> di </a:t>
+            </a:r>
+            <a:r>
+              <a:rPr lang="en-US" dirty="0" err="1">
+                <a:solidFill>
+                  <a:srgbClr val="C7D5E0"/>
+                </a:solidFill>
+              </a:rPr>
+              <a:t>positivita</a:t>
+            </a:r>
+            <a:r>
+              <a:rPr lang="en-US" dirty="0">
+                <a:solidFill>
+                  <a:srgbClr val="C7D5E0"/>
+                </a:solidFill>
+              </a:rPr>
+              <a:t>’ alto</a:t>
+            </a:r>
+          </a:p>
+          <a:p>
+            <a:endParaRPr lang="en-US" dirty="0">
+              <a:solidFill>
+                <a:srgbClr val="C7D5E0"/>
+              </a:solidFill>
+            </a:endParaRPr>
+          </a:p>
+          <a:p>
+            <a:endParaRPr lang="en-US" dirty="0">
+              <a:solidFill>
+                <a:srgbClr val="C7D5E0"/>
+              </a:solidFill>
+            </a:endParaRPr>
+          </a:p>
+          <a:p>
+            <a:r>
+              <a:rPr lang="en-US" dirty="0">
+                <a:solidFill>
+                  <a:srgbClr val="C7D5E0"/>
+                </a:solidFill>
+              </a:rPr>
+              <a:t>F2P vs P2P per </a:t>
+            </a:r>
+            <a:r>
+              <a:rPr lang="en-US" dirty="0" err="1">
+                <a:solidFill>
+                  <a:srgbClr val="C7D5E0"/>
+                </a:solidFill>
+              </a:rPr>
+              <a:t>indicatore</a:t>
+            </a:r>
+            <a:r>
+              <a:rPr lang="en-US" dirty="0">
+                <a:solidFill>
+                  <a:srgbClr val="C7D5E0"/>
+                </a:solidFill>
+              </a:rPr>
+              <a:t> di </a:t>
+            </a:r>
+            <a:r>
+              <a:rPr lang="en-US" dirty="0" err="1">
+                <a:solidFill>
+                  <a:srgbClr val="C7D5E0"/>
+                </a:solidFill>
+              </a:rPr>
+              <a:t>positivita</a:t>
+            </a:r>
+            <a:r>
+              <a:rPr lang="en-US" dirty="0">
+                <a:solidFill>
+                  <a:srgbClr val="C7D5E0"/>
+                </a:solidFill>
+              </a:rPr>
+              <a:t>’ alto (in media)</a:t>
+            </a:r>
+          </a:p>
+          <a:p>
+            <a:r>
+              <a:rPr lang="en-US" dirty="0">
+                <a:solidFill>
+                  <a:srgbClr val="C7D5E0"/>
+                </a:solidFill>
+              </a:rPr>
+              <a:t>(</a:t>
+            </a:r>
+            <a:r>
+              <a:rPr lang="en-US" dirty="0" err="1">
+                <a:solidFill>
+                  <a:srgbClr val="C7D5E0"/>
+                </a:solidFill>
+              </a:rPr>
+              <a:t>Infografica</a:t>
+            </a:r>
+            <a:r>
+              <a:rPr lang="en-US" dirty="0">
+                <a:solidFill>
+                  <a:srgbClr val="C7D5E0"/>
+                </a:solidFill>
+              </a:rPr>
+              <a:t>)</a:t>
+            </a:r>
+          </a:p>
+          <a:p>
+            <a:r>
+              <a:rPr lang="en-US" dirty="0">
+                <a:solidFill>
+                  <a:srgbClr val="C7D5E0"/>
+                </a:solidFill>
+              </a:rPr>
+              <a:t>Con 3 </a:t>
+            </a:r>
+            <a:r>
+              <a:rPr lang="en-US" dirty="0" err="1">
+                <a:solidFill>
+                  <a:srgbClr val="C7D5E0"/>
+                </a:solidFill>
+              </a:rPr>
+              <a:t>generi</a:t>
+            </a:r>
+            <a:r>
+              <a:rPr lang="en-US" dirty="0">
+                <a:solidFill>
+                  <a:srgbClr val="C7D5E0"/>
+                </a:solidFill>
+              </a:rPr>
+              <a:t> </a:t>
+            </a:r>
+            <a:r>
+              <a:rPr lang="en-US" dirty="0" err="1">
+                <a:solidFill>
+                  <a:srgbClr val="C7D5E0"/>
+                </a:solidFill>
+              </a:rPr>
+              <a:t>migliori</a:t>
+            </a:r>
+            <a:r>
+              <a:rPr lang="en-US" dirty="0">
+                <a:solidFill>
+                  <a:srgbClr val="C7D5E0"/>
+                </a:solidFill>
+              </a:rPr>
+              <a:t> per I 3 </a:t>
+            </a:r>
+            <a:r>
+              <a:rPr lang="en-US" dirty="0" err="1">
+                <a:solidFill>
+                  <a:srgbClr val="C7D5E0"/>
+                </a:solidFill>
+              </a:rPr>
+              <a:t>indicatori</a:t>
+            </a:r>
+            <a:endParaRPr lang="en-US" dirty="0">
+              <a:solidFill>
+                <a:srgbClr val="C7D5E0"/>
+              </a:solidFill>
+            </a:endParaRPr>
+          </a:p>
+          <a:p>
+            <a:endParaRPr lang="en-US" dirty="0">
+              <a:solidFill>
+                <a:srgbClr val="C7D5E0"/>
+              </a:solidFill>
+            </a:endParaRPr>
+          </a:p>
+          <a:p>
+            <a:endParaRPr lang="en-US" dirty="0">
+              <a:solidFill>
+                <a:srgbClr val="C7D5E0"/>
+              </a:solidFill>
+            </a:endParaRPr>
+          </a:p>
+        </p:txBody>
+      </p:sp>
+      <p:pic>
+        <p:nvPicPr>
+          <p:cNvPr id="5" name="Immagine 4">
+            <a:extLst>
+              <a:ext uri="{FF2B5EF4-FFF2-40B4-BE49-F238E27FC236}">
+                <a16:creationId xmlns:a16="http://schemas.microsoft.com/office/drawing/2014/main" id="{9CE2F709-B0A5-63FD-30AC-7988EE45CAAA}"/>
+              </a:ext>
+            </a:extLst>
+          </p:cNvPr>
+          <p:cNvPicPr>
+            <a:picLocks noChangeAspect="1"/>
+          </p:cNvPicPr>
+          <p:nvPr/>
+        </p:nvPicPr>
+        <p:blipFill>
+          <a:blip r:embed="rId3"/>
+          <a:stretch>
+            <a:fillRect/>
+          </a:stretch>
+        </p:blipFill>
+        <p:spPr>
+          <a:xfrm>
+            <a:off x="7921821" y="1678194"/>
+            <a:ext cx="2570932" cy="2332103"/>
+          </a:xfrm>
+          <a:prstGeom prst="rect">
+            <a:avLst/>
+          </a:prstGeom>
+        </p:spPr>
+      </p:pic>
+    </p:spTree>
+    <p:extLst>
+      <p:ext uri="{BB962C8B-B14F-4D97-AF65-F5344CB8AC3E}">
+        <p14:creationId xmlns:p14="http://schemas.microsoft.com/office/powerpoint/2010/main" val="233292230"/>
       </p:ext>
     </p:extLst>
   </p:cSld>
@@ -7356,6 +8108,1447 @@
     <p:extLst>
       <p:ext uri="{BB962C8B-B14F-4D97-AF65-F5344CB8AC3E}">
         <p14:creationId xmlns:p14="http://schemas.microsoft.com/office/powerpoint/2010/main" val="3520021442"/>
+      </p:ext>
+    </p:extLst>
+  </p:cSld>
+  <p:clrMapOvr>
+    <a:masterClrMapping/>
+  </p:clrMapOvr>
+</p:sld>
+</file>
+
+<file path=ppt/slides/slide20.xml><?xml version="1.0" encoding="utf-8"?>
+<p:sld xmlns:a="http://schemas.openxmlformats.org/drawingml/2006/main" xmlns:r="http://schemas.openxmlformats.org/officeDocument/2006/relationships" xmlns:p="http://schemas.openxmlformats.org/presentationml/2006/main">
+  <p:cSld>
+    <p:bg>
+      <p:bgPr>
+        <a:solidFill>
+          <a:srgbClr val="171A21"/>
+        </a:solidFill>
+        <a:effectLst/>
+      </p:bgPr>
+    </p:bg>
+    <p:spTree>
+      <p:nvGrpSpPr>
+        <p:cNvPr id="1" name=""/>
+        <p:cNvGrpSpPr/>
+        <p:nvPr/>
+      </p:nvGrpSpPr>
+      <p:grpSpPr>
+        <a:xfrm>
+          <a:off x="0" y="0"/>
+          <a:ext cx="0" cy="0"/>
+          <a:chOff x="0" y="0"/>
+          <a:chExt cx="0" cy="0"/>
+        </a:xfrm>
+      </p:grpSpPr>
+      <p:sp>
+        <p:nvSpPr>
+          <p:cNvPr id="16" name="Titolo 15">
+            <a:extLst>
+              <a:ext uri="{FF2B5EF4-FFF2-40B4-BE49-F238E27FC236}">
+                <a16:creationId xmlns:a16="http://schemas.microsoft.com/office/drawing/2014/main" id="{F7263360-930D-9D6A-C2AC-5E06A3EFBC66}"/>
+              </a:ext>
+            </a:extLst>
+          </p:cNvPr>
+          <p:cNvSpPr>
+            <a:spLocks noGrp="1"/>
+          </p:cNvSpPr>
+          <p:nvPr>
+            <p:ph type="title"/>
+          </p:nvPr>
+        </p:nvSpPr>
+        <p:spPr>
+          <a:xfrm>
+            <a:off x="838200" y="159702"/>
+            <a:ext cx="10515600" cy="777875"/>
+          </a:xfrm>
+        </p:spPr>
+        <p:txBody>
+          <a:bodyPr>
+            <a:normAutofit/>
+          </a:bodyPr>
+          <a:lstStyle/>
+          <a:p>
+            <a:pPr algn="ctr"/>
+            <a:r>
+              <a:rPr lang="en-US" sz="3200" b="1" dirty="0">
+                <a:solidFill>
+                  <a:srgbClr val="66C0F4"/>
+                </a:solidFill>
+              </a:rPr>
+              <a:t>Le </a:t>
+            </a:r>
+            <a:r>
+              <a:rPr lang="en-US" sz="3200" b="1" dirty="0" err="1">
+                <a:solidFill>
+                  <a:srgbClr val="66C0F4"/>
+                </a:solidFill>
+              </a:rPr>
+              <a:t>caratteristice</a:t>
+            </a:r>
+            <a:r>
+              <a:rPr lang="en-US" sz="3200" b="1" dirty="0">
+                <a:solidFill>
+                  <a:srgbClr val="66C0F4"/>
+                </a:solidFill>
+              </a:rPr>
+              <a:t> piu’ </a:t>
+            </a:r>
+            <a:r>
+              <a:rPr lang="en-US" sz="3200" b="1" dirty="0" err="1">
+                <a:solidFill>
+                  <a:srgbClr val="66C0F4"/>
+                </a:solidFill>
+              </a:rPr>
+              <a:t>desiderabili</a:t>
+            </a:r>
+            <a:r>
+              <a:rPr lang="en-US" sz="3200" b="1" dirty="0">
+                <a:solidFill>
+                  <a:srgbClr val="66C0F4"/>
+                </a:solidFill>
+              </a:rPr>
+              <a:t> </a:t>
+            </a:r>
+            <a:r>
+              <a:rPr lang="en-US" sz="3200" b="1" dirty="0" err="1">
+                <a:solidFill>
+                  <a:srgbClr val="66C0F4"/>
+                </a:solidFill>
+              </a:rPr>
+              <a:t>dai</a:t>
+            </a:r>
+            <a:r>
+              <a:rPr lang="en-US" sz="3200" b="1" dirty="0">
+                <a:solidFill>
+                  <a:srgbClr val="66C0F4"/>
+                </a:solidFill>
+              </a:rPr>
+              <a:t> </a:t>
+            </a:r>
+            <a:r>
+              <a:rPr lang="en-US" sz="3200" b="1" dirty="0" err="1">
+                <a:solidFill>
+                  <a:srgbClr val="66C0F4"/>
+                </a:solidFill>
+              </a:rPr>
+              <a:t>Giocatori</a:t>
+            </a:r>
+            <a:endParaRPr lang="en-US" sz="3200" b="1" dirty="0">
+              <a:solidFill>
+                <a:srgbClr val="66C0F4"/>
+              </a:solidFill>
+            </a:endParaRPr>
+          </a:p>
+        </p:txBody>
+      </p:sp>
+      <p:pic>
+        <p:nvPicPr>
+          <p:cNvPr id="17" name="Immagine 16" descr="Immagine che contiene Elementi grafici, cerchio, clipart, cartone animato">
+            <a:extLst>
+              <a:ext uri="{FF2B5EF4-FFF2-40B4-BE49-F238E27FC236}">
+                <a16:creationId xmlns:a16="http://schemas.microsoft.com/office/drawing/2014/main" id="{05A5E460-1E13-E434-F2FF-8F2679A217ED}"/>
+              </a:ext>
+            </a:extLst>
+          </p:cNvPr>
+          <p:cNvPicPr>
+            <a:picLocks noChangeAspect="1"/>
+          </p:cNvPicPr>
+          <p:nvPr/>
+        </p:nvPicPr>
+        <p:blipFill>
+          <a:blip r:embed="rId2">
+            <a:alphaModFix/>
+            <a:extLst>
+              <a:ext uri="{28A0092B-C50C-407E-A947-70E740481C1C}">
+                <a14:useLocalDpi xmlns:a14="http://schemas.microsoft.com/office/drawing/2010/main" val="0"/>
+              </a:ext>
+            </a:extLst>
+          </a:blip>
+          <a:stretch>
+            <a:fillRect/>
+          </a:stretch>
+        </p:blipFill>
+        <p:spPr>
+          <a:xfrm>
+            <a:off x="11642903" y="0"/>
+            <a:ext cx="549097" cy="548640"/>
+          </a:xfrm>
+          <a:prstGeom prst="rect">
+            <a:avLst/>
+          </a:prstGeom>
+          <a:effectLst>
+            <a:glow>
+              <a:schemeClr val="accent1">
+                <a:alpha val="40000"/>
+              </a:schemeClr>
+            </a:glow>
+            <a:outerShdw blurRad="1270000" dist="50800" algn="ctr" rotWithShape="0">
+              <a:srgbClr val="000000"/>
+            </a:outerShdw>
+            <a:reflection endPos="0" dir="5400000" sy="-100000" algn="bl" rotWithShape="0"/>
+            <a:softEdge rad="0"/>
+          </a:effectLst>
+        </p:spPr>
+      </p:pic>
+      <p:sp>
+        <p:nvSpPr>
+          <p:cNvPr id="3" name="CasellaDiTesto 2">
+            <a:extLst>
+              <a:ext uri="{FF2B5EF4-FFF2-40B4-BE49-F238E27FC236}">
+                <a16:creationId xmlns:a16="http://schemas.microsoft.com/office/drawing/2014/main" id="{EA2C6FA7-F801-AA7D-C84E-C799E9188CB2}"/>
+              </a:ext>
+            </a:extLst>
+          </p:cNvPr>
+          <p:cNvSpPr txBox="1"/>
+          <p:nvPr/>
+        </p:nvSpPr>
+        <p:spPr>
+          <a:xfrm>
+            <a:off x="1494118" y="1452283"/>
+            <a:ext cx="5487080" cy="3139321"/>
+          </a:xfrm>
+          <a:prstGeom prst="rect">
+            <a:avLst/>
+          </a:prstGeom>
+          <a:noFill/>
+        </p:spPr>
+        <p:txBody>
+          <a:bodyPr wrap="none" rtlCol="0">
+            <a:spAutoFit/>
+          </a:bodyPr>
+          <a:lstStyle/>
+          <a:p>
+            <a:r>
+              <a:rPr lang="en-US" dirty="0" err="1">
+                <a:solidFill>
+                  <a:srgbClr val="C7D5E0"/>
+                </a:solidFill>
+              </a:rPr>
+              <a:t>Treemap</a:t>
+            </a:r>
+            <a:endParaRPr lang="en-US" dirty="0">
+              <a:solidFill>
+                <a:srgbClr val="C7D5E0"/>
+              </a:solidFill>
+            </a:endParaRPr>
+          </a:p>
+          <a:p>
+            <a:r>
+              <a:rPr lang="en-US" dirty="0" err="1">
+                <a:solidFill>
+                  <a:srgbClr val="C7D5E0"/>
+                </a:solidFill>
+              </a:rPr>
+              <a:t>Generi</a:t>
+            </a:r>
+            <a:r>
+              <a:rPr lang="en-US" dirty="0">
+                <a:solidFill>
+                  <a:srgbClr val="C7D5E0"/>
+                </a:solidFill>
+              </a:rPr>
+              <a:t> per </a:t>
+            </a:r>
+            <a:r>
+              <a:rPr lang="en-US" dirty="0" err="1">
+                <a:solidFill>
+                  <a:srgbClr val="C7D5E0"/>
+                </a:solidFill>
+              </a:rPr>
+              <a:t>e_u</a:t>
+            </a:r>
+            <a:r>
+              <a:rPr lang="en-US" dirty="0">
+                <a:solidFill>
+                  <a:srgbClr val="C7D5E0"/>
+                </a:solidFill>
+              </a:rPr>
+              <a:t>  per </a:t>
+            </a:r>
+            <a:r>
+              <a:rPr lang="en-US" dirty="0" err="1">
+                <a:solidFill>
+                  <a:srgbClr val="C7D5E0"/>
+                </a:solidFill>
+              </a:rPr>
+              <a:t>indicatore</a:t>
+            </a:r>
+            <a:r>
+              <a:rPr lang="en-US" dirty="0">
+                <a:solidFill>
+                  <a:srgbClr val="C7D5E0"/>
+                </a:solidFill>
+              </a:rPr>
+              <a:t> di </a:t>
+            </a:r>
+            <a:r>
+              <a:rPr lang="en-US" dirty="0" err="1">
+                <a:solidFill>
+                  <a:srgbClr val="C7D5E0"/>
+                </a:solidFill>
+              </a:rPr>
+              <a:t>positivita</a:t>
+            </a:r>
+            <a:r>
+              <a:rPr lang="en-US" dirty="0">
+                <a:solidFill>
+                  <a:srgbClr val="C7D5E0"/>
+                </a:solidFill>
+              </a:rPr>
+              <a:t>’ alto</a:t>
+            </a:r>
+          </a:p>
+          <a:p>
+            <a:r>
+              <a:rPr lang="en-US" dirty="0" err="1">
+                <a:solidFill>
+                  <a:srgbClr val="C7D5E0"/>
+                </a:solidFill>
+              </a:rPr>
+              <a:t>Generi</a:t>
+            </a:r>
+            <a:r>
+              <a:rPr lang="en-US" dirty="0">
+                <a:solidFill>
+                  <a:srgbClr val="C7D5E0"/>
+                </a:solidFill>
+              </a:rPr>
+              <a:t> per </a:t>
+            </a:r>
+            <a:r>
+              <a:rPr lang="en-US" dirty="0" err="1">
+                <a:solidFill>
+                  <a:srgbClr val="C7D5E0"/>
+                </a:solidFill>
+              </a:rPr>
+              <a:t>peak_ccu</a:t>
+            </a:r>
+            <a:r>
+              <a:rPr lang="en-US" dirty="0">
+                <a:solidFill>
+                  <a:srgbClr val="C7D5E0"/>
+                </a:solidFill>
+              </a:rPr>
+              <a:t> per </a:t>
+            </a:r>
+            <a:r>
+              <a:rPr lang="en-US" dirty="0" err="1">
+                <a:solidFill>
+                  <a:srgbClr val="C7D5E0"/>
+                </a:solidFill>
+              </a:rPr>
+              <a:t>indicatore</a:t>
+            </a:r>
+            <a:r>
+              <a:rPr lang="en-US" dirty="0">
+                <a:solidFill>
+                  <a:srgbClr val="C7D5E0"/>
+                </a:solidFill>
+              </a:rPr>
+              <a:t> di </a:t>
+            </a:r>
+            <a:r>
+              <a:rPr lang="en-US" dirty="0" err="1">
+                <a:solidFill>
+                  <a:srgbClr val="C7D5E0"/>
+                </a:solidFill>
+              </a:rPr>
+              <a:t>positivita</a:t>
+            </a:r>
+            <a:r>
+              <a:rPr lang="en-US" dirty="0">
+                <a:solidFill>
+                  <a:srgbClr val="C7D5E0"/>
+                </a:solidFill>
+              </a:rPr>
+              <a:t>’ alto</a:t>
+            </a:r>
+          </a:p>
+          <a:p>
+            <a:r>
+              <a:rPr lang="en-US" dirty="0" err="1">
+                <a:solidFill>
+                  <a:srgbClr val="C7D5E0"/>
+                </a:solidFill>
+              </a:rPr>
+              <a:t>Generi</a:t>
+            </a:r>
+            <a:r>
+              <a:rPr lang="en-US" dirty="0">
+                <a:solidFill>
+                  <a:srgbClr val="C7D5E0"/>
+                </a:solidFill>
+              </a:rPr>
+              <a:t> per </a:t>
+            </a:r>
+            <a:r>
+              <a:rPr lang="en-US" dirty="0" err="1">
+                <a:solidFill>
+                  <a:srgbClr val="C7D5E0"/>
+                </a:solidFill>
+              </a:rPr>
+              <a:t>AverageTime</a:t>
+            </a:r>
+            <a:r>
+              <a:rPr lang="en-US" dirty="0">
+                <a:solidFill>
+                  <a:srgbClr val="C7D5E0"/>
+                </a:solidFill>
+              </a:rPr>
+              <a:t>  per </a:t>
+            </a:r>
+            <a:r>
+              <a:rPr lang="en-US" dirty="0" err="1">
+                <a:solidFill>
+                  <a:srgbClr val="C7D5E0"/>
+                </a:solidFill>
+              </a:rPr>
+              <a:t>indicatore</a:t>
+            </a:r>
+            <a:r>
+              <a:rPr lang="en-US" dirty="0">
+                <a:solidFill>
+                  <a:srgbClr val="C7D5E0"/>
+                </a:solidFill>
+              </a:rPr>
+              <a:t> di </a:t>
+            </a:r>
+            <a:r>
+              <a:rPr lang="en-US" dirty="0" err="1">
+                <a:solidFill>
+                  <a:srgbClr val="C7D5E0"/>
+                </a:solidFill>
+              </a:rPr>
+              <a:t>positivita</a:t>
+            </a:r>
+            <a:r>
+              <a:rPr lang="en-US" dirty="0">
+                <a:solidFill>
+                  <a:srgbClr val="C7D5E0"/>
+                </a:solidFill>
+              </a:rPr>
+              <a:t>’ alto</a:t>
+            </a:r>
+          </a:p>
+          <a:p>
+            <a:endParaRPr lang="en-US" dirty="0">
+              <a:solidFill>
+                <a:srgbClr val="C7D5E0"/>
+              </a:solidFill>
+            </a:endParaRPr>
+          </a:p>
+          <a:p>
+            <a:endParaRPr lang="en-US" dirty="0">
+              <a:solidFill>
+                <a:srgbClr val="C7D5E0"/>
+              </a:solidFill>
+            </a:endParaRPr>
+          </a:p>
+          <a:p>
+            <a:r>
+              <a:rPr lang="en-US" dirty="0">
+                <a:solidFill>
+                  <a:srgbClr val="C7D5E0"/>
+                </a:solidFill>
+              </a:rPr>
+              <a:t>F2P vs P2P per </a:t>
+            </a:r>
+            <a:r>
+              <a:rPr lang="en-US" dirty="0" err="1">
+                <a:solidFill>
+                  <a:srgbClr val="C7D5E0"/>
+                </a:solidFill>
+              </a:rPr>
+              <a:t>indicatore</a:t>
+            </a:r>
+            <a:r>
+              <a:rPr lang="en-US" dirty="0">
+                <a:solidFill>
+                  <a:srgbClr val="C7D5E0"/>
+                </a:solidFill>
+              </a:rPr>
+              <a:t> di </a:t>
+            </a:r>
+            <a:r>
+              <a:rPr lang="en-US" dirty="0" err="1">
+                <a:solidFill>
+                  <a:srgbClr val="C7D5E0"/>
+                </a:solidFill>
+              </a:rPr>
+              <a:t>positivita</a:t>
+            </a:r>
+            <a:r>
+              <a:rPr lang="en-US" dirty="0">
+                <a:solidFill>
+                  <a:srgbClr val="C7D5E0"/>
+                </a:solidFill>
+              </a:rPr>
+              <a:t>’ alto (in media)</a:t>
+            </a:r>
+          </a:p>
+          <a:p>
+            <a:r>
+              <a:rPr lang="en-US" dirty="0">
+                <a:solidFill>
+                  <a:srgbClr val="C7D5E0"/>
+                </a:solidFill>
+              </a:rPr>
+              <a:t>(</a:t>
+            </a:r>
+            <a:r>
+              <a:rPr lang="en-US" dirty="0" err="1">
+                <a:solidFill>
+                  <a:srgbClr val="C7D5E0"/>
+                </a:solidFill>
+              </a:rPr>
+              <a:t>Infografica</a:t>
+            </a:r>
+            <a:r>
+              <a:rPr lang="en-US" dirty="0">
+                <a:solidFill>
+                  <a:srgbClr val="C7D5E0"/>
+                </a:solidFill>
+              </a:rPr>
+              <a:t>)</a:t>
+            </a:r>
+          </a:p>
+          <a:p>
+            <a:r>
+              <a:rPr lang="en-US" dirty="0">
+                <a:solidFill>
+                  <a:srgbClr val="C7D5E0"/>
+                </a:solidFill>
+              </a:rPr>
+              <a:t>Con 3 </a:t>
+            </a:r>
+            <a:r>
+              <a:rPr lang="en-US" dirty="0" err="1">
+                <a:solidFill>
+                  <a:srgbClr val="C7D5E0"/>
+                </a:solidFill>
+              </a:rPr>
+              <a:t>generi</a:t>
+            </a:r>
+            <a:r>
+              <a:rPr lang="en-US" dirty="0">
+                <a:solidFill>
+                  <a:srgbClr val="C7D5E0"/>
+                </a:solidFill>
+              </a:rPr>
+              <a:t> </a:t>
+            </a:r>
+            <a:r>
+              <a:rPr lang="en-US" dirty="0" err="1">
+                <a:solidFill>
+                  <a:srgbClr val="C7D5E0"/>
+                </a:solidFill>
+              </a:rPr>
+              <a:t>migliori</a:t>
+            </a:r>
+            <a:r>
+              <a:rPr lang="en-US" dirty="0">
+                <a:solidFill>
+                  <a:srgbClr val="C7D5E0"/>
+                </a:solidFill>
+              </a:rPr>
+              <a:t> per I 3 </a:t>
+            </a:r>
+            <a:r>
+              <a:rPr lang="en-US" dirty="0" err="1">
+                <a:solidFill>
+                  <a:srgbClr val="C7D5E0"/>
+                </a:solidFill>
+              </a:rPr>
+              <a:t>indicatori</a:t>
+            </a:r>
+            <a:endParaRPr lang="en-US" dirty="0">
+              <a:solidFill>
+                <a:srgbClr val="C7D5E0"/>
+              </a:solidFill>
+            </a:endParaRPr>
+          </a:p>
+          <a:p>
+            <a:endParaRPr lang="en-US" dirty="0">
+              <a:solidFill>
+                <a:srgbClr val="C7D5E0"/>
+              </a:solidFill>
+            </a:endParaRPr>
+          </a:p>
+          <a:p>
+            <a:endParaRPr lang="en-US" dirty="0">
+              <a:solidFill>
+                <a:srgbClr val="C7D5E0"/>
+              </a:solidFill>
+            </a:endParaRPr>
+          </a:p>
+        </p:txBody>
+      </p:sp>
+      <p:pic>
+        <p:nvPicPr>
+          <p:cNvPr id="5" name="Immagine 4">
+            <a:extLst>
+              <a:ext uri="{FF2B5EF4-FFF2-40B4-BE49-F238E27FC236}">
+                <a16:creationId xmlns:a16="http://schemas.microsoft.com/office/drawing/2014/main" id="{9CE2F709-B0A5-63FD-30AC-7988EE45CAAA}"/>
+              </a:ext>
+            </a:extLst>
+          </p:cNvPr>
+          <p:cNvPicPr>
+            <a:picLocks noChangeAspect="1"/>
+          </p:cNvPicPr>
+          <p:nvPr/>
+        </p:nvPicPr>
+        <p:blipFill>
+          <a:blip r:embed="rId3"/>
+          <a:stretch>
+            <a:fillRect/>
+          </a:stretch>
+        </p:blipFill>
+        <p:spPr>
+          <a:xfrm>
+            <a:off x="7921821" y="1678194"/>
+            <a:ext cx="2570932" cy="2332103"/>
+          </a:xfrm>
+          <a:prstGeom prst="rect">
+            <a:avLst/>
+          </a:prstGeom>
+        </p:spPr>
+      </p:pic>
+    </p:spTree>
+    <p:extLst>
+      <p:ext uri="{BB962C8B-B14F-4D97-AF65-F5344CB8AC3E}">
+        <p14:creationId xmlns:p14="http://schemas.microsoft.com/office/powerpoint/2010/main" val="2807750695"/>
+      </p:ext>
+    </p:extLst>
+  </p:cSld>
+  <p:clrMapOvr>
+    <a:masterClrMapping/>
+  </p:clrMapOvr>
+</p:sld>
+</file>
+
+<file path=ppt/slides/slide21.xml><?xml version="1.0" encoding="utf-8"?>
+<p:sld xmlns:a="http://schemas.openxmlformats.org/drawingml/2006/main" xmlns:r="http://schemas.openxmlformats.org/officeDocument/2006/relationships" xmlns:p="http://schemas.openxmlformats.org/presentationml/2006/main">
+  <p:cSld>
+    <p:bg>
+      <p:bgPr>
+        <a:solidFill>
+          <a:srgbClr val="171A21"/>
+        </a:solidFill>
+        <a:effectLst/>
+      </p:bgPr>
+    </p:bg>
+    <p:spTree>
+      <p:nvGrpSpPr>
+        <p:cNvPr id="1" name=""/>
+        <p:cNvGrpSpPr/>
+        <p:nvPr/>
+      </p:nvGrpSpPr>
+      <p:grpSpPr>
+        <a:xfrm>
+          <a:off x="0" y="0"/>
+          <a:ext cx="0" cy="0"/>
+          <a:chOff x="0" y="0"/>
+          <a:chExt cx="0" cy="0"/>
+        </a:xfrm>
+      </p:grpSpPr>
+      <p:sp>
+        <p:nvSpPr>
+          <p:cNvPr id="16" name="Titolo 15">
+            <a:extLst>
+              <a:ext uri="{FF2B5EF4-FFF2-40B4-BE49-F238E27FC236}">
+                <a16:creationId xmlns:a16="http://schemas.microsoft.com/office/drawing/2014/main" id="{F7263360-930D-9D6A-C2AC-5E06A3EFBC66}"/>
+              </a:ext>
+            </a:extLst>
+          </p:cNvPr>
+          <p:cNvSpPr>
+            <a:spLocks noGrp="1"/>
+          </p:cNvSpPr>
+          <p:nvPr>
+            <p:ph type="title"/>
+          </p:nvPr>
+        </p:nvSpPr>
+        <p:spPr>
+          <a:xfrm>
+            <a:off x="838200" y="159702"/>
+            <a:ext cx="10515600" cy="777875"/>
+          </a:xfrm>
+        </p:spPr>
+        <p:txBody>
+          <a:bodyPr>
+            <a:normAutofit/>
+          </a:bodyPr>
+          <a:lstStyle/>
+          <a:p>
+            <a:pPr algn="ctr"/>
+            <a:r>
+              <a:rPr lang="en-US" sz="3200" b="1" dirty="0" err="1">
+                <a:solidFill>
+                  <a:srgbClr val="66C0F4"/>
+                </a:solidFill>
+              </a:rPr>
+              <a:t>Conclusione</a:t>
+            </a:r>
+            <a:endParaRPr lang="en-US" sz="3200" b="1" dirty="0">
+              <a:solidFill>
+                <a:srgbClr val="66C0F4"/>
+              </a:solidFill>
+            </a:endParaRPr>
+          </a:p>
+        </p:txBody>
+      </p:sp>
+      <p:pic>
+        <p:nvPicPr>
+          <p:cNvPr id="17" name="Immagine 16" descr="Immagine che contiene Elementi grafici, cerchio, clipart, cartone animato">
+            <a:extLst>
+              <a:ext uri="{FF2B5EF4-FFF2-40B4-BE49-F238E27FC236}">
+                <a16:creationId xmlns:a16="http://schemas.microsoft.com/office/drawing/2014/main" id="{05A5E460-1E13-E434-F2FF-8F2679A217ED}"/>
+              </a:ext>
+            </a:extLst>
+          </p:cNvPr>
+          <p:cNvPicPr>
+            <a:picLocks noChangeAspect="1"/>
+          </p:cNvPicPr>
+          <p:nvPr/>
+        </p:nvPicPr>
+        <p:blipFill>
+          <a:blip r:embed="rId2">
+            <a:alphaModFix/>
+            <a:extLst>
+              <a:ext uri="{28A0092B-C50C-407E-A947-70E740481C1C}">
+                <a14:useLocalDpi xmlns:a14="http://schemas.microsoft.com/office/drawing/2010/main" val="0"/>
+              </a:ext>
+            </a:extLst>
+          </a:blip>
+          <a:stretch>
+            <a:fillRect/>
+          </a:stretch>
+        </p:blipFill>
+        <p:spPr>
+          <a:xfrm>
+            <a:off x="11642903" y="0"/>
+            <a:ext cx="549097" cy="548640"/>
+          </a:xfrm>
+          <a:prstGeom prst="rect">
+            <a:avLst/>
+          </a:prstGeom>
+          <a:effectLst>
+            <a:glow>
+              <a:schemeClr val="accent1">
+                <a:alpha val="40000"/>
+              </a:schemeClr>
+            </a:glow>
+            <a:outerShdw blurRad="1270000" dist="50800" algn="ctr" rotWithShape="0">
+              <a:srgbClr val="000000"/>
+            </a:outerShdw>
+            <a:reflection endPos="0" dir="5400000" sy="-100000" algn="bl" rotWithShape="0"/>
+            <a:softEdge rad="0"/>
+          </a:effectLst>
+        </p:spPr>
+      </p:pic>
+      <p:sp>
+        <p:nvSpPr>
+          <p:cNvPr id="3" name="CasellaDiTesto 2">
+            <a:extLst>
+              <a:ext uri="{FF2B5EF4-FFF2-40B4-BE49-F238E27FC236}">
+                <a16:creationId xmlns:a16="http://schemas.microsoft.com/office/drawing/2014/main" id="{EA2C6FA7-F801-AA7D-C84E-C799E9188CB2}"/>
+              </a:ext>
+            </a:extLst>
+          </p:cNvPr>
+          <p:cNvSpPr txBox="1"/>
+          <p:nvPr/>
+        </p:nvSpPr>
+        <p:spPr>
+          <a:xfrm>
+            <a:off x="1494118" y="1452283"/>
+            <a:ext cx="5487080" cy="3139321"/>
+          </a:xfrm>
+          <a:prstGeom prst="rect">
+            <a:avLst/>
+          </a:prstGeom>
+          <a:noFill/>
+        </p:spPr>
+        <p:txBody>
+          <a:bodyPr wrap="none" rtlCol="0">
+            <a:spAutoFit/>
+          </a:bodyPr>
+          <a:lstStyle/>
+          <a:p>
+            <a:r>
+              <a:rPr lang="en-US" dirty="0" err="1">
+                <a:solidFill>
+                  <a:srgbClr val="C7D5E0"/>
+                </a:solidFill>
+              </a:rPr>
+              <a:t>Treemap</a:t>
+            </a:r>
+            <a:endParaRPr lang="en-US" dirty="0">
+              <a:solidFill>
+                <a:srgbClr val="C7D5E0"/>
+              </a:solidFill>
+            </a:endParaRPr>
+          </a:p>
+          <a:p>
+            <a:r>
+              <a:rPr lang="en-US" dirty="0" err="1">
+                <a:solidFill>
+                  <a:srgbClr val="C7D5E0"/>
+                </a:solidFill>
+              </a:rPr>
+              <a:t>Generi</a:t>
+            </a:r>
+            <a:r>
+              <a:rPr lang="en-US" dirty="0">
+                <a:solidFill>
+                  <a:srgbClr val="C7D5E0"/>
+                </a:solidFill>
+              </a:rPr>
+              <a:t> per </a:t>
+            </a:r>
+            <a:r>
+              <a:rPr lang="en-US" dirty="0" err="1">
+                <a:solidFill>
+                  <a:srgbClr val="C7D5E0"/>
+                </a:solidFill>
+              </a:rPr>
+              <a:t>e_u</a:t>
+            </a:r>
+            <a:r>
+              <a:rPr lang="en-US" dirty="0">
+                <a:solidFill>
+                  <a:srgbClr val="C7D5E0"/>
+                </a:solidFill>
+              </a:rPr>
+              <a:t>  per </a:t>
+            </a:r>
+            <a:r>
+              <a:rPr lang="en-US" dirty="0" err="1">
+                <a:solidFill>
+                  <a:srgbClr val="C7D5E0"/>
+                </a:solidFill>
+              </a:rPr>
+              <a:t>indicatore</a:t>
+            </a:r>
+            <a:r>
+              <a:rPr lang="en-US" dirty="0">
+                <a:solidFill>
+                  <a:srgbClr val="C7D5E0"/>
+                </a:solidFill>
+              </a:rPr>
+              <a:t> di </a:t>
+            </a:r>
+            <a:r>
+              <a:rPr lang="en-US" dirty="0" err="1">
+                <a:solidFill>
+                  <a:srgbClr val="C7D5E0"/>
+                </a:solidFill>
+              </a:rPr>
+              <a:t>positivita</a:t>
+            </a:r>
+            <a:r>
+              <a:rPr lang="en-US" dirty="0">
+                <a:solidFill>
+                  <a:srgbClr val="C7D5E0"/>
+                </a:solidFill>
+              </a:rPr>
+              <a:t>’ alto</a:t>
+            </a:r>
+          </a:p>
+          <a:p>
+            <a:r>
+              <a:rPr lang="en-US" dirty="0" err="1">
+                <a:solidFill>
+                  <a:srgbClr val="C7D5E0"/>
+                </a:solidFill>
+              </a:rPr>
+              <a:t>Generi</a:t>
+            </a:r>
+            <a:r>
+              <a:rPr lang="en-US" dirty="0">
+                <a:solidFill>
+                  <a:srgbClr val="C7D5E0"/>
+                </a:solidFill>
+              </a:rPr>
+              <a:t> per </a:t>
+            </a:r>
+            <a:r>
+              <a:rPr lang="en-US" dirty="0" err="1">
+                <a:solidFill>
+                  <a:srgbClr val="C7D5E0"/>
+                </a:solidFill>
+              </a:rPr>
+              <a:t>peak_ccu</a:t>
+            </a:r>
+            <a:r>
+              <a:rPr lang="en-US" dirty="0">
+                <a:solidFill>
+                  <a:srgbClr val="C7D5E0"/>
+                </a:solidFill>
+              </a:rPr>
+              <a:t> per </a:t>
+            </a:r>
+            <a:r>
+              <a:rPr lang="en-US" dirty="0" err="1">
+                <a:solidFill>
+                  <a:srgbClr val="C7D5E0"/>
+                </a:solidFill>
+              </a:rPr>
+              <a:t>indicatore</a:t>
+            </a:r>
+            <a:r>
+              <a:rPr lang="en-US" dirty="0">
+                <a:solidFill>
+                  <a:srgbClr val="C7D5E0"/>
+                </a:solidFill>
+              </a:rPr>
+              <a:t> di </a:t>
+            </a:r>
+            <a:r>
+              <a:rPr lang="en-US" dirty="0" err="1">
+                <a:solidFill>
+                  <a:srgbClr val="C7D5E0"/>
+                </a:solidFill>
+              </a:rPr>
+              <a:t>positivita</a:t>
+            </a:r>
+            <a:r>
+              <a:rPr lang="en-US" dirty="0">
+                <a:solidFill>
+                  <a:srgbClr val="C7D5E0"/>
+                </a:solidFill>
+              </a:rPr>
+              <a:t>’ alto</a:t>
+            </a:r>
+          </a:p>
+          <a:p>
+            <a:r>
+              <a:rPr lang="en-US" dirty="0" err="1">
+                <a:solidFill>
+                  <a:srgbClr val="C7D5E0"/>
+                </a:solidFill>
+              </a:rPr>
+              <a:t>Generi</a:t>
+            </a:r>
+            <a:r>
+              <a:rPr lang="en-US" dirty="0">
+                <a:solidFill>
+                  <a:srgbClr val="C7D5E0"/>
+                </a:solidFill>
+              </a:rPr>
+              <a:t> per </a:t>
+            </a:r>
+            <a:r>
+              <a:rPr lang="en-US" dirty="0" err="1">
+                <a:solidFill>
+                  <a:srgbClr val="C7D5E0"/>
+                </a:solidFill>
+              </a:rPr>
+              <a:t>AverageTime</a:t>
+            </a:r>
+            <a:r>
+              <a:rPr lang="en-US" dirty="0">
+                <a:solidFill>
+                  <a:srgbClr val="C7D5E0"/>
+                </a:solidFill>
+              </a:rPr>
+              <a:t>  per </a:t>
+            </a:r>
+            <a:r>
+              <a:rPr lang="en-US" dirty="0" err="1">
+                <a:solidFill>
+                  <a:srgbClr val="C7D5E0"/>
+                </a:solidFill>
+              </a:rPr>
+              <a:t>indicatore</a:t>
+            </a:r>
+            <a:r>
+              <a:rPr lang="en-US" dirty="0">
+                <a:solidFill>
+                  <a:srgbClr val="C7D5E0"/>
+                </a:solidFill>
+              </a:rPr>
+              <a:t> di </a:t>
+            </a:r>
+            <a:r>
+              <a:rPr lang="en-US" dirty="0" err="1">
+                <a:solidFill>
+                  <a:srgbClr val="C7D5E0"/>
+                </a:solidFill>
+              </a:rPr>
+              <a:t>positivita</a:t>
+            </a:r>
+            <a:r>
+              <a:rPr lang="en-US" dirty="0">
+                <a:solidFill>
+                  <a:srgbClr val="C7D5E0"/>
+                </a:solidFill>
+              </a:rPr>
+              <a:t>’ alto</a:t>
+            </a:r>
+          </a:p>
+          <a:p>
+            <a:endParaRPr lang="en-US" dirty="0">
+              <a:solidFill>
+                <a:srgbClr val="C7D5E0"/>
+              </a:solidFill>
+            </a:endParaRPr>
+          </a:p>
+          <a:p>
+            <a:endParaRPr lang="en-US" dirty="0">
+              <a:solidFill>
+                <a:srgbClr val="C7D5E0"/>
+              </a:solidFill>
+            </a:endParaRPr>
+          </a:p>
+          <a:p>
+            <a:r>
+              <a:rPr lang="en-US" dirty="0">
+                <a:solidFill>
+                  <a:srgbClr val="C7D5E0"/>
+                </a:solidFill>
+              </a:rPr>
+              <a:t>F2P vs P2P per </a:t>
+            </a:r>
+            <a:r>
+              <a:rPr lang="en-US" dirty="0" err="1">
+                <a:solidFill>
+                  <a:srgbClr val="C7D5E0"/>
+                </a:solidFill>
+              </a:rPr>
+              <a:t>indicatore</a:t>
+            </a:r>
+            <a:r>
+              <a:rPr lang="en-US" dirty="0">
+                <a:solidFill>
+                  <a:srgbClr val="C7D5E0"/>
+                </a:solidFill>
+              </a:rPr>
+              <a:t> di </a:t>
+            </a:r>
+            <a:r>
+              <a:rPr lang="en-US" dirty="0" err="1">
+                <a:solidFill>
+                  <a:srgbClr val="C7D5E0"/>
+                </a:solidFill>
+              </a:rPr>
+              <a:t>positivita</a:t>
+            </a:r>
+            <a:r>
+              <a:rPr lang="en-US" dirty="0">
+                <a:solidFill>
+                  <a:srgbClr val="C7D5E0"/>
+                </a:solidFill>
+              </a:rPr>
+              <a:t>’ alto (in media)</a:t>
+            </a:r>
+          </a:p>
+          <a:p>
+            <a:r>
+              <a:rPr lang="en-US" dirty="0">
+                <a:solidFill>
+                  <a:srgbClr val="C7D5E0"/>
+                </a:solidFill>
+              </a:rPr>
+              <a:t>(</a:t>
+            </a:r>
+            <a:r>
+              <a:rPr lang="en-US" dirty="0" err="1">
+                <a:solidFill>
+                  <a:srgbClr val="C7D5E0"/>
+                </a:solidFill>
+              </a:rPr>
+              <a:t>Infografica</a:t>
+            </a:r>
+            <a:r>
+              <a:rPr lang="en-US" dirty="0">
+                <a:solidFill>
+                  <a:srgbClr val="C7D5E0"/>
+                </a:solidFill>
+              </a:rPr>
+              <a:t>)</a:t>
+            </a:r>
+          </a:p>
+          <a:p>
+            <a:r>
+              <a:rPr lang="en-US" dirty="0">
+                <a:solidFill>
+                  <a:srgbClr val="C7D5E0"/>
+                </a:solidFill>
+              </a:rPr>
+              <a:t>Con 3 </a:t>
+            </a:r>
+            <a:r>
+              <a:rPr lang="en-US" dirty="0" err="1">
+                <a:solidFill>
+                  <a:srgbClr val="C7D5E0"/>
+                </a:solidFill>
+              </a:rPr>
+              <a:t>generi</a:t>
+            </a:r>
+            <a:r>
+              <a:rPr lang="en-US" dirty="0">
+                <a:solidFill>
+                  <a:srgbClr val="C7D5E0"/>
+                </a:solidFill>
+              </a:rPr>
+              <a:t> </a:t>
+            </a:r>
+            <a:r>
+              <a:rPr lang="en-US" dirty="0" err="1">
+                <a:solidFill>
+                  <a:srgbClr val="C7D5E0"/>
+                </a:solidFill>
+              </a:rPr>
+              <a:t>migliori</a:t>
+            </a:r>
+            <a:r>
+              <a:rPr lang="en-US" dirty="0">
+                <a:solidFill>
+                  <a:srgbClr val="C7D5E0"/>
+                </a:solidFill>
+              </a:rPr>
+              <a:t> per I 3 </a:t>
+            </a:r>
+            <a:r>
+              <a:rPr lang="en-US" dirty="0" err="1">
+                <a:solidFill>
+                  <a:srgbClr val="C7D5E0"/>
+                </a:solidFill>
+              </a:rPr>
+              <a:t>indicatori</a:t>
+            </a:r>
+            <a:endParaRPr lang="en-US" dirty="0">
+              <a:solidFill>
+                <a:srgbClr val="C7D5E0"/>
+              </a:solidFill>
+            </a:endParaRPr>
+          </a:p>
+          <a:p>
+            <a:endParaRPr lang="en-US" dirty="0">
+              <a:solidFill>
+                <a:srgbClr val="C7D5E0"/>
+              </a:solidFill>
+            </a:endParaRPr>
+          </a:p>
+          <a:p>
+            <a:endParaRPr lang="en-US" dirty="0">
+              <a:solidFill>
+                <a:srgbClr val="C7D5E0"/>
+              </a:solidFill>
+            </a:endParaRPr>
+          </a:p>
+        </p:txBody>
+      </p:sp>
+      <p:pic>
+        <p:nvPicPr>
+          <p:cNvPr id="5" name="Immagine 4">
+            <a:extLst>
+              <a:ext uri="{FF2B5EF4-FFF2-40B4-BE49-F238E27FC236}">
+                <a16:creationId xmlns:a16="http://schemas.microsoft.com/office/drawing/2014/main" id="{9CE2F709-B0A5-63FD-30AC-7988EE45CAAA}"/>
+              </a:ext>
+            </a:extLst>
+          </p:cNvPr>
+          <p:cNvPicPr>
+            <a:picLocks noChangeAspect="1"/>
+          </p:cNvPicPr>
+          <p:nvPr/>
+        </p:nvPicPr>
+        <p:blipFill>
+          <a:blip r:embed="rId3"/>
+          <a:stretch>
+            <a:fillRect/>
+          </a:stretch>
+        </p:blipFill>
+        <p:spPr>
+          <a:xfrm>
+            <a:off x="7921821" y="1678194"/>
+            <a:ext cx="2570932" cy="2332103"/>
+          </a:xfrm>
+          <a:prstGeom prst="rect">
+            <a:avLst/>
+          </a:prstGeom>
+        </p:spPr>
+      </p:pic>
+    </p:spTree>
+    <p:extLst>
+      <p:ext uri="{BB962C8B-B14F-4D97-AF65-F5344CB8AC3E}">
+        <p14:creationId xmlns:p14="http://schemas.microsoft.com/office/powerpoint/2010/main" val="2621306650"/>
+      </p:ext>
+    </p:extLst>
+  </p:cSld>
+  <p:clrMapOvr>
+    <a:masterClrMapping/>
+  </p:clrMapOvr>
+</p:sld>
+</file>
+
+<file path=ppt/slides/slide22.xml><?xml version="1.0" encoding="utf-8"?>
+<p:sld xmlns:a="http://schemas.openxmlformats.org/drawingml/2006/main" xmlns:r="http://schemas.openxmlformats.org/officeDocument/2006/relationships" xmlns:p="http://schemas.openxmlformats.org/presentationml/2006/main">
+  <p:cSld>
+    <p:bg>
+      <p:bgPr>
+        <a:solidFill>
+          <a:srgbClr val="171A21"/>
+        </a:solidFill>
+        <a:effectLst/>
+      </p:bgPr>
+    </p:bg>
+    <p:spTree>
+      <p:nvGrpSpPr>
+        <p:cNvPr id="1" name=""/>
+        <p:cNvGrpSpPr/>
+        <p:nvPr/>
+      </p:nvGrpSpPr>
+      <p:grpSpPr>
+        <a:xfrm>
+          <a:off x="0" y="0"/>
+          <a:ext cx="0" cy="0"/>
+          <a:chOff x="0" y="0"/>
+          <a:chExt cx="0" cy="0"/>
+        </a:xfrm>
+      </p:grpSpPr>
+      <p:sp>
+        <p:nvSpPr>
+          <p:cNvPr id="16" name="Titolo 15">
+            <a:extLst>
+              <a:ext uri="{FF2B5EF4-FFF2-40B4-BE49-F238E27FC236}">
+                <a16:creationId xmlns:a16="http://schemas.microsoft.com/office/drawing/2014/main" id="{F7263360-930D-9D6A-C2AC-5E06A3EFBC66}"/>
+              </a:ext>
+            </a:extLst>
+          </p:cNvPr>
+          <p:cNvSpPr>
+            <a:spLocks noGrp="1"/>
+          </p:cNvSpPr>
+          <p:nvPr>
+            <p:ph type="title"/>
+          </p:nvPr>
+        </p:nvSpPr>
+        <p:spPr>
+          <a:xfrm>
+            <a:off x="838200" y="159702"/>
+            <a:ext cx="10515600" cy="777875"/>
+          </a:xfrm>
+        </p:spPr>
+        <p:txBody>
+          <a:bodyPr>
+            <a:normAutofit/>
+          </a:bodyPr>
+          <a:lstStyle/>
+          <a:p>
+            <a:pPr algn="ctr"/>
+            <a:r>
+              <a:rPr lang="en-US" sz="3200" b="1" dirty="0" err="1">
+                <a:solidFill>
+                  <a:srgbClr val="66C0F4"/>
+                </a:solidFill>
+              </a:rPr>
+              <a:t>Possibili</a:t>
+            </a:r>
+            <a:r>
+              <a:rPr lang="en-US" sz="3200" b="1" dirty="0">
+                <a:solidFill>
+                  <a:srgbClr val="66C0F4"/>
+                </a:solidFill>
+              </a:rPr>
+              <a:t> </a:t>
+            </a:r>
+            <a:r>
+              <a:rPr lang="en-US" sz="3200" b="1" dirty="0" err="1">
+                <a:solidFill>
+                  <a:srgbClr val="66C0F4"/>
+                </a:solidFill>
+              </a:rPr>
+              <a:t>Sviluppi</a:t>
+            </a:r>
+            <a:endParaRPr lang="en-US" sz="3200" b="1" dirty="0">
+              <a:solidFill>
+                <a:srgbClr val="66C0F4"/>
+              </a:solidFill>
+            </a:endParaRPr>
+          </a:p>
+        </p:txBody>
+      </p:sp>
+      <p:pic>
+        <p:nvPicPr>
+          <p:cNvPr id="17" name="Immagine 16" descr="Immagine che contiene Elementi grafici, cerchio, clipart, cartone animato">
+            <a:extLst>
+              <a:ext uri="{FF2B5EF4-FFF2-40B4-BE49-F238E27FC236}">
+                <a16:creationId xmlns:a16="http://schemas.microsoft.com/office/drawing/2014/main" id="{05A5E460-1E13-E434-F2FF-8F2679A217ED}"/>
+              </a:ext>
+            </a:extLst>
+          </p:cNvPr>
+          <p:cNvPicPr>
+            <a:picLocks noChangeAspect="1"/>
+          </p:cNvPicPr>
+          <p:nvPr/>
+        </p:nvPicPr>
+        <p:blipFill>
+          <a:blip r:embed="rId2">
+            <a:alphaModFix/>
+            <a:extLst>
+              <a:ext uri="{28A0092B-C50C-407E-A947-70E740481C1C}">
+                <a14:useLocalDpi xmlns:a14="http://schemas.microsoft.com/office/drawing/2010/main" val="0"/>
+              </a:ext>
+            </a:extLst>
+          </a:blip>
+          <a:stretch>
+            <a:fillRect/>
+          </a:stretch>
+        </p:blipFill>
+        <p:spPr>
+          <a:xfrm>
+            <a:off x="11642903" y="0"/>
+            <a:ext cx="549097" cy="548640"/>
+          </a:xfrm>
+          <a:prstGeom prst="rect">
+            <a:avLst/>
+          </a:prstGeom>
+          <a:effectLst>
+            <a:glow>
+              <a:schemeClr val="accent1">
+                <a:alpha val="40000"/>
+              </a:schemeClr>
+            </a:glow>
+            <a:outerShdw blurRad="1270000" dist="50800" algn="ctr" rotWithShape="0">
+              <a:srgbClr val="000000"/>
+            </a:outerShdw>
+            <a:reflection endPos="0" dir="5400000" sy="-100000" algn="bl" rotWithShape="0"/>
+            <a:softEdge rad="0"/>
+          </a:effectLst>
+        </p:spPr>
+      </p:pic>
+    </p:spTree>
+    <p:extLst>
+      <p:ext uri="{BB962C8B-B14F-4D97-AF65-F5344CB8AC3E}">
+        <p14:creationId xmlns:p14="http://schemas.microsoft.com/office/powerpoint/2010/main" val="2689063581"/>
+      </p:ext>
+    </p:extLst>
+  </p:cSld>
+  <p:clrMapOvr>
+    <a:masterClrMapping/>
+  </p:clrMapOvr>
+</p:sld>
+</file>
+
+<file path=ppt/slides/slide23.xml><?xml version="1.0" encoding="utf-8"?>
+<p:sld xmlns:a="http://schemas.openxmlformats.org/drawingml/2006/main" xmlns:r="http://schemas.openxmlformats.org/officeDocument/2006/relationships" xmlns:p="http://schemas.openxmlformats.org/presentationml/2006/main">
+  <p:cSld>
+    <p:bg>
+      <p:bgPr>
+        <a:solidFill>
+          <a:srgbClr val="171A21"/>
+        </a:solidFill>
+        <a:effectLst/>
+      </p:bgPr>
+    </p:bg>
+    <p:spTree>
+      <p:nvGrpSpPr>
+        <p:cNvPr id="1" name=""/>
+        <p:cNvGrpSpPr/>
+        <p:nvPr/>
+      </p:nvGrpSpPr>
+      <p:grpSpPr>
+        <a:xfrm>
+          <a:off x="0" y="0"/>
+          <a:ext cx="0" cy="0"/>
+          <a:chOff x="0" y="0"/>
+          <a:chExt cx="0" cy="0"/>
+        </a:xfrm>
+      </p:grpSpPr>
+      <p:sp>
+        <p:nvSpPr>
+          <p:cNvPr id="16" name="Titolo 15">
+            <a:extLst>
+              <a:ext uri="{FF2B5EF4-FFF2-40B4-BE49-F238E27FC236}">
+                <a16:creationId xmlns:a16="http://schemas.microsoft.com/office/drawing/2014/main" id="{F7263360-930D-9D6A-C2AC-5E06A3EFBC66}"/>
+              </a:ext>
+            </a:extLst>
+          </p:cNvPr>
+          <p:cNvSpPr>
+            <a:spLocks noGrp="1"/>
+          </p:cNvSpPr>
+          <p:nvPr>
+            <p:ph type="title"/>
+          </p:nvPr>
+        </p:nvSpPr>
+        <p:spPr>
+          <a:xfrm>
+            <a:off x="838200" y="159702"/>
+            <a:ext cx="10515600" cy="777875"/>
+          </a:xfrm>
+        </p:spPr>
+        <p:txBody>
+          <a:bodyPr>
+            <a:normAutofit/>
+          </a:bodyPr>
+          <a:lstStyle/>
+          <a:p>
+            <a:pPr algn="ctr"/>
+            <a:r>
+              <a:rPr lang="en-US" sz="3200" b="1" dirty="0">
+                <a:solidFill>
+                  <a:srgbClr val="66C0F4"/>
+                </a:solidFill>
+              </a:rPr>
+              <a:t>FIN</a:t>
+            </a:r>
+          </a:p>
+        </p:txBody>
+      </p:sp>
+      <p:pic>
+        <p:nvPicPr>
+          <p:cNvPr id="17" name="Immagine 16" descr="Immagine che contiene Elementi grafici, cerchio, clipart, cartone animato">
+            <a:extLst>
+              <a:ext uri="{FF2B5EF4-FFF2-40B4-BE49-F238E27FC236}">
+                <a16:creationId xmlns:a16="http://schemas.microsoft.com/office/drawing/2014/main" id="{05A5E460-1E13-E434-F2FF-8F2679A217ED}"/>
+              </a:ext>
+            </a:extLst>
+          </p:cNvPr>
+          <p:cNvPicPr>
+            <a:picLocks noChangeAspect="1"/>
+          </p:cNvPicPr>
+          <p:nvPr/>
+        </p:nvPicPr>
+        <p:blipFill>
+          <a:blip r:embed="rId2">
+            <a:alphaModFix/>
+            <a:extLst>
+              <a:ext uri="{28A0092B-C50C-407E-A947-70E740481C1C}">
+                <a14:useLocalDpi xmlns:a14="http://schemas.microsoft.com/office/drawing/2010/main" val="0"/>
+              </a:ext>
+            </a:extLst>
+          </a:blip>
+          <a:stretch>
+            <a:fillRect/>
+          </a:stretch>
+        </p:blipFill>
+        <p:spPr>
+          <a:xfrm>
+            <a:off x="11642903" y="0"/>
+            <a:ext cx="549097" cy="548640"/>
+          </a:xfrm>
+          <a:prstGeom prst="rect">
+            <a:avLst/>
+          </a:prstGeom>
+          <a:effectLst>
+            <a:glow>
+              <a:schemeClr val="accent1">
+                <a:alpha val="40000"/>
+              </a:schemeClr>
+            </a:glow>
+            <a:outerShdw blurRad="1270000" dist="50800" algn="ctr" rotWithShape="0">
+              <a:srgbClr val="000000"/>
+            </a:outerShdw>
+            <a:reflection endPos="0" dir="5400000" sy="-100000" algn="bl" rotWithShape="0"/>
+            <a:softEdge rad="0"/>
+          </a:effectLst>
+        </p:spPr>
+      </p:pic>
+    </p:spTree>
+    <p:extLst>
+      <p:ext uri="{BB962C8B-B14F-4D97-AF65-F5344CB8AC3E}">
+        <p14:creationId xmlns:p14="http://schemas.microsoft.com/office/powerpoint/2010/main" val="2005865351"/>
       </p:ext>
     </p:extLst>
   </p:cSld>

--- a/Steam.pptx
+++ b/Steam.pptx
@@ -283,7 +283,7 @@
           <a:p>
             <a:fld id="{6014689B-0DCE-4194-8205-09B15DFDD564}" type="datetimeFigureOut">
               <a:rPr lang="en-US" smtClean="0"/>
-              <a:t>6/30/2023</a:t>
+              <a:t>7/2/2023</a:t>
             </a:fld>
             <a:endParaRPr lang="en-US"/>
           </a:p>
@@ -483,7 +483,7 @@
           <a:p>
             <a:fld id="{6014689B-0DCE-4194-8205-09B15DFDD564}" type="datetimeFigureOut">
               <a:rPr lang="en-US" smtClean="0"/>
-              <a:t>6/30/2023</a:t>
+              <a:t>7/2/2023</a:t>
             </a:fld>
             <a:endParaRPr lang="en-US"/>
           </a:p>
@@ -693,7 +693,7 @@
           <a:p>
             <a:fld id="{6014689B-0DCE-4194-8205-09B15DFDD564}" type="datetimeFigureOut">
               <a:rPr lang="en-US" smtClean="0"/>
-              <a:t>6/30/2023</a:t>
+              <a:t>7/2/2023</a:t>
             </a:fld>
             <a:endParaRPr lang="en-US"/>
           </a:p>
@@ -893,7 +893,7 @@
           <a:p>
             <a:fld id="{6014689B-0DCE-4194-8205-09B15DFDD564}" type="datetimeFigureOut">
               <a:rPr lang="en-US" smtClean="0"/>
-              <a:t>6/30/2023</a:t>
+              <a:t>7/2/2023</a:t>
             </a:fld>
             <a:endParaRPr lang="en-US"/>
           </a:p>
@@ -1169,7 +1169,7 @@
           <a:p>
             <a:fld id="{6014689B-0DCE-4194-8205-09B15DFDD564}" type="datetimeFigureOut">
               <a:rPr lang="en-US" smtClean="0"/>
-              <a:t>6/30/2023</a:t>
+              <a:t>7/2/2023</a:t>
             </a:fld>
             <a:endParaRPr lang="en-US"/>
           </a:p>
@@ -1437,7 +1437,7 @@
           <a:p>
             <a:fld id="{6014689B-0DCE-4194-8205-09B15DFDD564}" type="datetimeFigureOut">
               <a:rPr lang="en-US" smtClean="0"/>
-              <a:t>6/30/2023</a:t>
+              <a:t>7/2/2023</a:t>
             </a:fld>
             <a:endParaRPr lang="en-US"/>
           </a:p>
@@ -1852,7 +1852,7 @@
           <a:p>
             <a:fld id="{6014689B-0DCE-4194-8205-09B15DFDD564}" type="datetimeFigureOut">
               <a:rPr lang="en-US" smtClean="0"/>
-              <a:t>6/30/2023</a:t>
+              <a:t>7/2/2023</a:t>
             </a:fld>
             <a:endParaRPr lang="en-US"/>
           </a:p>
@@ -1994,7 +1994,7 @@
           <a:p>
             <a:fld id="{6014689B-0DCE-4194-8205-09B15DFDD564}" type="datetimeFigureOut">
               <a:rPr lang="en-US" smtClean="0"/>
-              <a:t>6/30/2023</a:t>
+              <a:t>7/2/2023</a:t>
             </a:fld>
             <a:endParaRPr lang="en-US"/>
           </a:p>
@@ -2107,7 +2107,7 @@
           <a:p>
             <a:fld id="{6014689B-0DCE-4194-8205-09B15DFDD564}" type="datetimeFigureOut">
               <a:rPr lang="en-US" smtClean="0"/>
-              <a:t>6/30/2023</a:t>
+              <a:t>7/2/2023</a:t>
             </a:fld>
             <a:endParaRPr lang="en-US"/>
           </a:p>
@@ -2420,7 +2420,7 @@
           <a:p>
             <a:fld id="{6014689B-0DCE-4194-8205-09B15DFDD564}" type="datetimeFigureOut">
               <a:rPr lang="en-US" smtClean="0"/>
-              <a:t>6/30/2023</a:t>
+              <a:t>7/2/2023</a:t>
             </a:fld>
             <a:endParaRPr lang="en-US"/>
           </a:p>
@@ -2709,7 +2709,7 @@
           <a:p>
             <a:fld id="{6014689B-0DCE-4194-8205-09B15DFDD564}" type="datetimeFigureOut">
               <a:rPr lang="en-US" smtClean="0"/>
-              <a:t>6/30/2023</a:t>
+              <a:t>7/2/2023</a:t>
             </a:fld>
             <a:endParaRPr lang="en-US"/>
           </a:p>
@@ -2952,7 +2952,7 @@
           <a:p>
             <a:fld id="{6014689B-0DCE-4194-8205-09B15DFDD564}" type="datetimeFigureOut">
               <a:rPr lang="en-US" smtClean="0"/>
-              <a:t>6/30/2023</a:t>
+              <a:t>7/2/2023</a:t>
             </a:fld>
             <a:endParaRPr lang="en-US"/>
           </a:p>
@@ -4719,7 +4719,23 @@
                   <a:srgbClr val="66C0F4"/>
                 </a:solidFill>
               </a:rPr>
-              <a:t>Free2Play(f2p) vs Pay2Play(p2p)</a:t>
+              <a:t>Free2Play(f2p) vs Pay2Play(p2p) (</a:t>
+            </a:r>
+            <a:r>
+              <a:rPr lang="en-US" sz="3200" b="1" dirty="0" err="1">
+                <a:solidFill>
+                  <a:srgbClr val="66C0F4"/>
+                </a:solidFill>
+              </a:rPr>
+              <a:t>e_u</a:t>
+            </a:r>
+            <a:r>
+              <a:rPr lang="en-US" sz="3200" b="1" dirty="0">
+                <a:solidFill>
+                  <a:srgbClr val="66C0F4"/>
+                </a:solidFill>
+              </a:rPr>
+              <a:t>)</a:t>
             </a:r>
           </a:p>
         </p:txBody>
@@ -5935,11 +5951,46 @@
           <a:lstStyle/>
           <a:p>
             <a:pPr algn="ctr"/>
-            <a:endParaRPr lang="en-US" sz="3200" b="1" dirty="0">
-              <a:solidFill>
-                <a:srgbClr val="66C0F4"/>
-              </a:solidFill>
-            </a:endParaRPr>
+            <a:r>
+              <a:rPr lang="en-US" sz="3200" b="1" dirty="0">
+                <a:solidFill>
+                  <a:srgbClr val="66C0F4"/>
+                </a:solidFill>
+              </a:rPr>
+              <a:t>Free2Play(f2p) vs Pay2Play(p2p) (</a:t>
+            </a:r>
+            <a:r>
+              <a:rPr lang="en-US" sz="3200" b="1" dirty="0" err="1">
+                <a:solidFill>
+                  <a:srgbClr val="66C0F4"/>
+                </a:solidFill>
+              </a:rPr>
+              <a:t>e_u</a:t>
+            </a:r>
+            <a:r>
+              <a:rPr lang="en-US" sz="3200" b="1" dirty="0">
+                <a:solidFill>
+                  <a:srgbClr val="66C0F4"/>
+                </a:solidFill>
+              </a:rPr>
+              <a:t>*</a:t>
+            </a:r>
+            <a:r>
+              <a:rPr lang="en-US" sz="3200" b="1" dirty="0" err="1">
+                <a:solidFill>
+                  <a:srgbClr val="66C0F4"/>
+                </a:solidFill>
+              </a:rPr>
+              <a:t>Avg_time</a:t>
+            </a:r>
+            <a:r>
+              <a:rPr lang="en-US" sz="3200" b="1" dirty="0">
+                <a:solidFill>
+                  <a:srgbClr val="66C0F4"/>
+                </a:solidFill>
+              </a:rPr>
+              <a:t>)</a:t>
+            </a:r>
           </a:p>
         </p:txBody>
       </p:sp>
@@ -6437,7 +6488,7 @@
         </p:nvSpPr>
         <p:spPr>
           <a:xfrm>
-            <a:off x="1494118" y="1452283"/>
+            <a:off x="1699247" y="1859339"/>
             <a:ext cx="5487080" cy="3139321"/>
           </a:xfrm>
           <a:prstGeom prst="rect">
@@ -9613,7 +9664,7 @@
           <a:p>
             <a:pPr algn="ctr"/>
             <a:r>
-              <a:rPr lang="en-US" sz="3200" b="1" dirty="0">
+              <a:rPr lang="en-US" sz="3200" b="1">
                 <a:solidFill>
                   <a:srgbClr val="66C0F4"/>
                 </a:solidFill>
@@ -9621,6 +9672,12 @@
               </a:rPr>
               <a:t>RACCOLTA DATI</a:t>
             </a:r>
+            <a:endParaRPr lang="en-US" sz="3200" b="1" dirty="0">
+              <a:solidFill>
+                <a:srgbClr val="66C0F4"/>
+              </a:solidFill>
+              <a:cs typeface="Arial" panose="020B0604020202020204" pitchFamily="34" charset="0"/>
+            </a:endParaRPr>
           </a:p>
         </p:txBody>
       </p:sp>
@@ -9746,23 +9803,7 @@
                   <a:srgbClr val="66C0F4"/>
                 </a:solidFill>
               </a:rPr>
-              <a:t>I  </a:t>
-            </a:r>
-            <a:r>
-              <a:rPr lang="en-US" sz="3200" b="1" dirty="0" err="1">
-                <a:solidFill>
-                  <a:srgbClr val="66C0F4"/>
-                </a:solidFill>
-              </a:rPr>
-              <a:t>prodotti</a:t>
-            </a:r>
-            <a:r>
-              <a:rPr lang="en-US" sz="3200" b="1" dirty="0">
-                <a:solidFill>
-                  <a:srgbClr val="66C0F4"/>
-                </a:solidFill>
-              </a:rPr>
-              <a:t> di STEAM</a:t>
+              <a:t>I  PRODOTTI DI STEAM</a:t>
             </a:r>
           </a:p>
         </p:txBody>
@@ -10408,68 +10449,12 @@
           <a:p>
             <a:pPr algn="ctr"/>
             <a:r>
-              <a:rPr lang="en-US" sz="3200" b="1" dirty="0" err="1">
-                <a:solidFill>
-                  <a:srgbClr val="66C0F4"/>
-                </a:solidFill>
-              </a:rPr>
-              <a:t>Distribuzione</a:t>
-            </a:r>
-            <a:r>
               <a:rPr lang="en-US" sz="3200" b="1" dirty="0">
                 <a:solidFill>
                   <a:srgbClr val="66C0F4"/>
                 </a:solidFill>
               </a:rPr>
-              <a:t> </a:t>
-            </a:r>
-            <a:r>
-              <a:rPr lang="en-US" sz="3200" b="1" dirty="0" err="1">
-                <a:solidFill>
-                  <a:srgbClr val="66C0F4"/>
-                </a:solidFill>
-              </a:rPr>
-              <a:t>dei</a:t>
-            </a:r>
-            <a:r>
-              <a:rPr lang="en-US" sz="3200" b="1" dirty="0">
-                <a:solidFill>
-                  <a:srgbClr val="66C0F4"/>
-                </a:solidFill>
-              </a:rPr>
-              <a:t> </a:t>
-            </a:r>
-            <a:r>
-              <a:rPr lang="en-US" sz="3200" b="1" dirty="0" err="1">
-                <a:solidFill>
-                  <a:srgbClr val="66C0F4"/>
-                </a:solidFill>
-              </a:rPr>
-              <a:t>rilasci</a:t>
-            </a:r>
-            <a:r>
-              <a:rPr lang="en-US" sz="3200" b="1" dirty="0">
-                <a:solidFill>
-                  <a:srgbClr val="66C0F4"/>
-                </a:solidFill>
-              </a:rPr>
-              <a:t> di VG </a:t>
-            </a:r>
-            <a:r>
-              <a:rPr lang="en-US" sz="3200" b="1" dirty="0" err="1">
-                <a:solidFill>
-                  <a:srgbClr val="66C0F4"/>
-                </a:solidFill>
-              </a:rPr>
-              <a:t>negli</a:t>
-            </a:r>
-            <a:r>
-              <a:rPr lang="en-US" sz="3200" b="1" dirty="0">
-                <a:solidFill>
-                  <a:srgbClr val="66C0F4"/>
-                </a:solidFill>
-              </a:rPr>
-              <a:t> anni</a:t>
+              <a:t>DISTRIBUZIONE DEI RILASCI DI VG NEGLI ANNI</a:t>
             </a:r>
           </a:p>
         </p:txBody>
@@ -10525,10 +10510,10 @@
       </p:pic>
       <p:pic>
         <p:nvPicPr>
-          <p:cNvPr id="4" name="Immagine 3">
-            <a:extLst>
-              <a:ext uri="{FF2B5EF4-FFF2-40B4-BE49-F238E27FC236}">
-                <a16:creationId xmlns:a16="http://schemas.microsoft.com/office/drawing/2014/main" id="{94B253BE-B6DF-618A-B28F-BC65094A7037}"/>
+          <p:cNvPr id="14" name="Immagine 13" descr="Immagine che contiene diagramma, linea, Diagramma, testo&#10;&#10;Descrizione generata automaticamente">
+            <a:extLst>
+              <a:ext uri="{FF2B5EF4-FFF2-40B4-BE49-F238E27FC236}">
+                <a16:creationId xmlns:a16="http://schemas.microsoft.com/office/drawing/2014/main" id="{F3EBADB6-8C08-6A57-6A95-24E5D23F44D5}"/>
               </a:ext>
             </a:extLst>
           </p:cNvPr>
@@ -10538,15 +10523,21 @@
           <p:nvPr/>
         </p:nvPicPr>
         <p:blipFill>
-          <a:blip r:embed="rId3"/>
+          <a:blip r:embed="rId3">
+            <a:extLst>
+              <a:ext uri="{28A0092B-C50C-407E-A947-70E740481C1C}">
+                <a14:useLocalDpi xmlns:a14="http://schemas.microsoft.com/office/drawing/2010/main" val="0"/>
+              </a:ext>
+            </a:extLst>
+          </a:blip>
           <a:stretch>
             <a:fillRect/>
           </a:stretch>
         </p:blipFill>
         <p:spPr>
           <a:xfrm>
-            <a:off x="3658476" y="2025889"/>
-            <a:ext cx="4875048" cy="2479916"/>
+            <a:off x="1738513" y="937577"/>
+            <a:ext cx="8714973" cy="5032076"/>
           </a:xfrm>
           <a:prstGeom prst="rect">
             <a:avLst/>
@@ -10718,36 +10709,6 @@
             <a:reflection endPos="0" dir="5400000" sy="-100000" algn="bl" rotWithShape="0"/>
             <a:softEdge rad="0"/>
           </a:effectLst>
-        </p:spPr>
-      </p:pic>
-      <p:pic>
-        <p:nvPicPr>
-          <p:cNvPr id="4" name="Immagine 3">
-            <a:extLst>
-              <a:ext uri="{FF2B5EF4-FFF2-40B4-BE49-F238E27FC236}">
-                <a16:creationId xmlns:a16="http://schemas.microsoft.com/office/drawing/2014/main" id="{94B253BE-B6DF-618A-B28F-BC65094A7037}"/>
-              </a:ext>
-            </a:extLst>
-          </p:cNvPr>
-          <p:cNvPicPr>
-            <a:picLocks noChangeAspect="1"/>
-          </p:cNvPicPr>
-          <p:nvPr/>
-        </p:nvPicPr>
-        <p:blipFill>
-          <a:blip r:embed="rId3"/>
-          <a:stretch>
-            <a:fillRect/>
-          </a:stretch>
-        </p:blipFill>
-        <p:spPr>
-          <a:xfrm>
-            <a:off x="3658476" y="2345929"/>
-            <a:ext cx="4875048" cy="2479916"/>
-          </a:xfrm>
-          <a:prstGeom prst="rect">
-            <a:avLst/>
-          </a:prstGeom>
         </p:spPr>
       </p:pic>
     </p:spTree>
@@ -11229,23 +11190,7 @@
                   <a:srgbClr val="66C0F4"/>
                 </a:solidFill>
               </a:rPr>
-              <a:t>Potere</a:t>
-            </a:r>
-            <a:r>
-              <a:rPr lang="en-US" sz="3200" b="1" dirty="0">
-                <a:solidFill>
-                  <a:srgbClr val="66C0F4"/>
-                </a:solidFill>
-              </a:rPr>
-              <a:t> </a:t>
-            </a:r>
-            <a:r>
-              <a:rPr lang="en-US" sz="3200" b="1" dirty="0" err="1">
-                <a:solidFill>
-                  <a:srgbClr val="66C0F4"/>
-                </a:solidFill>
-              </a:rPr>
-              <a:t>d’Acquisto</a:t>
+              <a:t>Reddito</a:t>
             </a:r>
             <a:endParaRPr lang="en-US" sz="3200" b="1" dirty="0">
               <a:solidFill>
@@ -11306,10 +11251,10 @@
       </p:pic>
       <p:pic>
         <p:nvPicPr>
-          <p:cNvPr id="8" name="Immagine 7">
-            <a:extLst>
-              <a:ext uri="{FF2B5EF4-FFF2-40B4-BE49-F238E27FC236}">
-                <a16:creationId xmlns:a16="http://schemas.microsoft.com/office/drawing/2014/main" id="{840E4800-5D10-47E9-6DB2-BA37D8A47B21}"/>
+          <p:cNvPr id="3" name="Immagine 2" descr="Immagine che contiene testo, Diagramma, diagramma, linea&#10;&#10;Descrizione generata automaticamente">
+            <a:extLst>
+              <a:ext uri="{FF2B5EF4-FFF2-40B4-BE49-F238E27FC236}">
+                <a16:creationId xmlns:a16="http://schemas.microsoft.com/office/drawing/2014/main" id="{E100DEF4-EAFA-2EEF-22F8-356F9C69829F}"/>
               </a:ext>
             </a:extLst>
           </p:cNvPr>
@@ -11319,15 +11264,21 @@
           <p:nvPr/>
         </p:nvPicPr>
         <p:blipFill>
-          <a:blip r:embed="rId3"/>
+          <a:blip r:embed="rId3">
+            <a:extLst>
+              <a:ext uri="{28A0092B-C50C-407E-A947-70E740481C1C}">
+                <a14:useLocalDpi xmlns:a14="http://schemas.microsoft.com/office/drawing/2010/main" val="0"/>
+              </a:ext>
+            </a:extLst>
+          </a:blip>
           <a:stretch>
             <a:fillRect/>
           </a:stretch>
         </p:blipFill>
         <p:spPr>
           <a:xfrm>
-            <a:off x="4943314" y="2519235"/>
-            <a:ext cx="2305372" cy="1819529"/>
+            <a:off x="1847850" y="976312"/>
+            <a:ext cx="8496300" cy="4905375"/>
           </a:xfrm>
           <a:prstGeom prst="rect">
             <a:avLst/>

--- a/Steam.pptx
+++ b/Steam.pptx
@@ -18,16 +18,19 @@
     <p:sldId id="268" r:id="rId12"/>
     <p:sldId id="272" r:id="rId13"/>
     <p:sldId id="267" r:id="rId14"/>
-    <p:sldId id="271" r:id="rId15"/>
-    <p:sldId id="278" r:id="rId16"/>
+    <p:sldId id="284" r:id="rId15"/>
+    <p:sldId id="271" r:id="rId16"/>
     <p:sldId id="274" r:id="rId17"/>
-    <p:sldId id="277" r:id="rId18"/>
-    <p:sldId id="275" r:id="rId19"/>
-    <p:sldId id="279" r:id="rId20"/>
-    <p:sldId id="280" r:id="rId21"/>
-    <p:sldId id="281" r:id="rId22"/>
-    <p:sldId id="283" r:id="rId23"/>
-    <p:sldId id="282" r:id="rId24"/>
+    <p:sldId id="278" r:id="rId18"/>
+    <p:sldId id="277" r:id="rId19"/>
+    <p:sldId id="275" r:id="rId20"/>
+    <p:sldId id="279" r:id="rId21"/>
+    <p:sldId id="280" r:id="rId22"/>
+    <p:sldId id="286" r:id="rId23"/>
+    <p:sldId id="285" r:id="rId24"/>
+    <p:sldId id="281" r:id="rId25"/>
+    <p:sldId id="283" r:id="rId26"/>
+    <p:sldId id="282" r:id="rId27"/>
   </p:sldIdLst>
   <p:sldSz cx="12192000" cy="6858000"/>
   <p:notesSz cx="6858000" cy="9144000"/>
@@ -3732,13 +3735,18 @@
           <a:p>
             <a:pPr algn="ctr"/>
             <a:r>
-              <a:rPr lang="en-US" sz="3200" b="1" dirty="0">
+              <a:rPr lang="en-US" sz="3200" b="1">
                 <a:solidFill>
                   <a:srgbClr val="66C0F4"/>
                 </a:solidFill>
               </a:rPr>
               <a:t>Single-Player vs Multi-Player</a:t>
             </a:r>
+            <a:endParaRPr lang="en-US" sz="3200" b="1" dirty="0">
+              <a:solidFill>
+                <a:srgbClr val="66C0F4"/>
+              </a:solidFill>
+            </a:endParaRPr>
           </a:p>
         </p:txBody>
       </p:sp>
@@ -3807,16 +3815,19 @@
         </p:nvSpPr>
         <p:spPr>
           <a:xfrm>
-            <a:off x="906780" y="2364025"/>
-            <a:ext cx="3657600" cy="2129950"/>
+            <a:off x="838199" y="2334720"/>
+            <a:ext cx="4924237" cy="2462659"/>
           </a:xfrm>
           <a:prstGeom prst="rect">
             <a:avLst/>
           </a:prstGeom>
+          <a:solidFill>
+            <a:srgbClr val="171A21"/>
+          </a:solidFill>
         </p:spPr>
         <p:txBody>
           <a:bodyPr vert="horz" lIns="91440" tIns="45720" rIns="91440" bIns="45720" rtlCol="0">
-            <a:normAutofit lnSpcReduction="10000"/>
+            <a:normAutofit fontScale="77500" lnSpcReduction="20000"/>
           </a:bodyPr>
           <a:lstStyle>
             <a:lvl1pPr marL="228600" indent="-228600" algn="l" defTabSz="914400" rtl="0" eaLnBrk="1" latinLnBrk="0" hangingPunct="1">
@@ -3983,18 +3994,442 @@
             </a:lvl9pPr>
           </a:lstStyle>
           <a:p>
+            <a:pPr marL="0" indent="0">
+              <a:buClr>
+                <a:srgbClr val="66C0F4"/>
+              </a:buClr>
+              <a:buNone/>
+            </a:pPr>
+            <a:r>
+              <a:rPr lang="en-US" sz="2000" dirty="0">
+                <a:solidFill>
+                  <a:srgbClr val="C7D5E0"/>
+                </a:solidFill>
+              </a:rPr>
+              <a:t>Si </a:t>
+            </a:r>
+            <a:r>
+              <a:rPr lang="en-US" sz="2000" dirty="0" err="1">
+                <a:solidFill>
+                  <a:srgbClr val="C7D5E0"/>
+                </a:solidFill>
+              </a:rPr>
+              <a:t>analizza</a:t>
+            </a:r>
+            <a:r>
+              <a:rPr lang="en-US" sz="2000" dirty="0">
+                <a:solidFill>
+                  <a:srgbClr val="C7D5E0"/>
+                </a:solidFill>
+              </a:rPr>
+              <a:t> il </a:t>
+            </a:r>
+            <a:r>
+              <a:rPr lang="en-US" sz="2000" dirty="0" err="1">
+                <a:solidFill>
+                  <a:srgbClr val="C7D5E0"/>
+                </a:solidFill>
+              </a:rPr>
+              <a:t>numero</a:t>
+            </a:r>
+            <a:r>
+              <a:rPr lang="en-US" sz="2000" dirty="0">
+                <a:solidFill>
+                  <a:srgbClr val="C7D5E0"/>
+                </a:solidFill>
+              </a:rPr>
+              <a:t> di </a:t>
+            </a:r>
+            <a:r>
+              <a:rPr lang="en-US" sz="2000" dirty="0" err="1">
+                <a:solidFill>
+                  <a:srgbClr val="C7D5E0"/>
+                </a:solidFill>
+              </a:rPr>
+              <a:t>acquisti</a:t>
+            </a:r>
+            <a:r>
+              <a:rPr lang="en-US" sz="2000" dirty="0">
+                <a:solidFill>
+                  <a:srgbClr val="C7D5E0"/>
+                </a:solidFill>
+              </a:rPr>
+              <a:t> di VG per </a:t>
+            </a:r>
+            <a:r>
+              <a:rPr lang="en-US" sz="2000" dirty="0" err="1">
+                <a:solidFill>
+                  <a:srgbClr val="C7D5E0"/>
+                </a:solidFill>
+              </a:rPr>
+              <a:t>ciascuna</a:t>
+            </a:r>
+            <a:r>
+              <a:rPr lang="en-US" sz="2000" dirty="0">
+                <a:solidFill>
+                  <a:srgbClr val="C7D5E0"/>
+                </a:solidFill>
+              </a:rPr>
+              <a:t> </a:t>
+            </a:r>
+            <a:r>
+              <a:rPr lang="en-US" sz="2000" dirty="0" err="1">
+                <a:solidFill>
+                  <a:srgbClr val="C7D5E0"/>
+                </a:solidFill>
+              </a:rPr>
+              <a:t>delle</a:t>
+            </a:r>
+            <a:r>
+              <a:rPr lang="en-US" sz="2000" dirty="0">
+                <a:solidFill>
+                  <a:srgbClr val="C7D5E0"/>
+                </a:solidFill>
+              </a:rPr>
+              <a:t> </a:t>
+            </a:r>
+            <a:r>
+              <a:rPr lang="en-US" sz="2000" dirty="0" err="1">
+                <a:solidFill>
+                  <a:srgbClr val="C7D5E0"/>
+                </a:solidFill>
+              </a:rPr>
+              <a:t>categorie</a:t>
+            </a:r>
+            <a:r>
+              <a:rPr lang="en-US" sz="2000" dirty="0">
+                <a:solidFill>
+                  <a:srgbClr val="C7D5E0"/>
+                </a:solidFill>
+              </a:rPr>
+              <a:t> di </a:t>
+            </a:r>
+            <a:r>
+              <a:rPr lang="en-US" sz="2000" dirty="0" err="1">
+                <a:solidFill>
+                  <a:srgbClr val="C7D5E0"/>
+                </a:solidFill>
+              </a:rPr>
+              <a:t>socialita</a:t>
+            </a:r>
+            <a:r>
+              <a:rPr lang="en-US" sz="2000" dirty="0">
+                <a:solidFill>
+                  <a:srgbClr val="C7D5E0"/>
+                </a:solidFill>
+              </a:rPr>
+              <a:t>’ del </a:t>
+            </a:r>
+            <a:r>
+              <a:rPr lang="en-US" sz="2000" dirty="0" err="1">
+                <a:solidFill>
+                  <a:srgbClr val="C7D5E0"/>
+                </a:solidFill>
+              </a:rPr>
+              <a:t>prodotto</a:t>
+            </a:r>
+            <a:r>
+              <a:rPr lang="en-US" sz="2000" dirty="0">
+                <a:solidFill>
+                  <a:srgbClr val="C7D5E0"/>
+                </a:solidFill>
+              </a:rPr>
+              <a:t>, </a:t>
+            </a:r>
+            <a:r>
+              <a:rPr lang="en-US" sz="2000" dirty="0" err="1">
+                <a:solidFill>
+                  <a:srgbClr val="C7D5E0"/>
+                </a:solidFill>
+              </a:rPr>
+              <a:t>durante</a:t>
+            </a:r>
+            <a:r>
+              <a:rPr lang="en-US" sz="2000" dirty="0">
+                <a:solidFill>
+                  <a:srgbClr val="C7D5E0"/>
+                </a:solidFill>
+              </a:rPr>
+              <a:t> </a:t>
+            </a:r>
+            <a:r>
+              <a:rPr lang="en-US" sz="2000" dirty="0" err="1">
+                <a:solidFill>
+                  <a:srgbClr val="C7D5E0"/>
+                </a:solidFill>
+              </a:rPr>
+              <a:t>i</a:t>
+            </a:r>
+            <a:r>
+              <a:rPr lang="en-US" sz="2000" dirty="0">
+                <a:solidFill>
+                  <a:srgbClr val="C7D5E0"/>
+                </a:solidFill>
+              </a:rPr>
+              <a:t> </a:t>
+            </a:r>
+            <a:r>
+              <a:rPr lang="en-US" sz="2000" dirty="0" err="1">
+                <a:solidFill>
+                  <a:srgbClr val="C7D5E0"/>
+                </a:solidFill>
+              </a:rPr>
+              <a:t>tre</a:t>
+            </a:r>
+            <a:r>
+              <a:rPr lang="en-US" sz="2000" dirty="0">
+                <a:solidFill>
+                  <a:srgbClr val="C7D5E0"/>
+                </a:solidFill>
+              </a:rPr>
+              <a:t> </a:t>
+            </a:r>
+            <a:r>
+              <a:rPr lang="en-US" sz="2000" dirty="0" err="1">
+                <a:solidFill>
+                  <a:srgbClr val="C7D5E0"/>
+                </a:solidFill>
+              </a:rPr>
+              <a:t>periodi</a:t>
+            </a:r>
+            <a:r>
+              <a:rPr lang="en-US" sz="2000" dirty="0">
+                <a:solidFill>
+                  <a:srgbClr val="C7D5E0"/>
+                </a:solidFill>
+              </a:rPr>
+              <a:t> </a:t>
+            </a:r>
+            <a:r>
+              <a:rPr lang="en-US" sz="2000" dirty="0" err="1">
+                <a:solidFill>
+                  <a:srgbClr val="C7D5E0"/>
+                </a:solidFill>
+              </a:rPr>
+              <a:t>analizzati</a:t>
+            </a:r>
+            <a:r>
+              <a:rPr lang="en-US" sz="2000" dirty="0">
+                <a:solidFill>
+                  <a:srgbClr val="C7D5E0"/>
+                </a:solidFill>
+              </a:rPr>
+              <a:t>, per </a:t>
+            </a:r>
+            <a:r>
+              <a:rPr lang="en-US" sz="2000" dirty="0" err="1">
+                <a:solidFill>
+                  <a:srgbClr val="C7D5E0"/>
+                </a:solidFill>
+              </a:rPr>
+              <a:t>poter</a:t>
+            </a:r>
+            <a:r>
+              <a:rPr lang="en-US" sz="2000" dirty="0">
+                <a:solidFill>
+                  <a:srgbClr val="C7D5E0"/>
+                </a:solidFill>
+              </a:rPr>
+              <a:t> </a:t>
+            </a:r>
+            <a:r>
+              <a:rPr lang="en-US" sz="2000" dirty="0" err="1">
+                <a:solidFill>
+                  <a:srgbClr val="C7D5E0"/>
+                </a:solidFill>
+              </a:rPr>
+              <a:t>mettere</a:t>
+            </a:r>
+            <a:r>
+              <a:rPr lang="en-US" sz="2000" dirty="0">
+                <a:solidFill>
+                  <a:srgbClr val="C7D5E0"/>
+                </a:solidFill>
+              </a:rPr>
+              <a:t> in </a:t>
+            </a:r>
+            <a:r>
+              <a:rPr lang="en-US" sz="2000" dirty="0" err="1">
+                <a:solidFill>
+                  <a:srgbClr val="C7D5E0"/>
+                </a:solidFill>
+              </a:rPr>
+              <a:t>evidenza</a:t>
+            </a:r>
+            <a:r>
+              <a:rPr lang="en-US" sz="2000" dirty="0">
+                <a:solidFill>
+                  <a:srgbClr val="C7D5E0"/>
+                </a:solidFill>
+              </a:rPr>
+              <a:t> </a:t>
+            </a:r>
+            <a:r>
+              <a:rPr lang="en-US" sz="2000" dirty="0" err="1">
+                <a:solidFill>
+                  <a:srgbClr val="C7D5E0"/>
+                </a:solidFill>
+              </a:rPr>
+              <a:t>differenze</a:t>
+            </a:r>
+            <a:r>
+              <a:rPr lang="en-US" sz="2000" dirty="0">
+                <a:solidFill>
+                  <a:srgbClr val="C7D5E0"/>
+                </a:solidFill>
+              </a:rPr>
+              <a:t> </a:t>
+            </a:r>
+            <a:r>
+              <a:rPr lang="en-US" sz="2000" dirty="0" err="1">
+                <a:solidFill>
+                  <a:srgbClr val="C7D5E0"/>
+                </a:solidFill>
+              </a:rPr>
+              <a:t>nelle</a:t>
+            </a:r>
+            <a:r>
+              <a:rPr lang="en-US" sz="2000" dirty="0">
+                <a:solidFill>
+                  <a:srgbClr val="C7D5E0"/>
+                </a:solidFill>
+              </a:rPr>
+              <a:t> </a:t>
+            </a:r>
+            <a:r>
+              <a:rPr lang="en-US" sz="2000" dirty="0" err="1">
+                <a:solidFill>
+                  <a:srgbClr val="C7D5E0"/>
+                </a:solidFill>
+              </a:rPr>
+              <a:t>preferenze</a:t>
+            </a:r>
+            <a:r>
+              <a:rPr lang="en-US" sz="2000" dirty="0">
+                <a:solidFill>
+                  <a:srgbClr val="C7D5E0"/>
+                </a:solidFill>
+              </a:rPr>
+              <a:t> di </a:t>
+            </a:r>
+            <a:r>
+              <a:rPr lang="en-US" sz="2000" dirty="0" err="1">
+                <a:solidFill>
+                  <a:srgbClr val="C7D5E0"/>
+                </a:solidFill>
+              </a:rPr>
+              <a:t>acquisto</a:t>
+            </a:r>
+            <a:r>
+              <a:rPr lang="en-US" sz="2000" dirty="0">
+                <a:solidFill>
+                  <a:srgbClr val="C7D5E0"/>
+                </a:solidFill>
+              </a:rPr>
+              <a:t> </a:t>
+            </a:r>
+            <a:r>
+              <a:rPr lang="en-US" sz="2000" dirty="0" err="1">
+                <a:solidFill>
+                  <a:srgbClr val="C7D5E0"/>
+                </a:solidFill>
+              </a:rPr>
+              <a:t>degli</a:t>
+            </a:r>
+            <a:r>
+              <a:rPr lang="en-US" sz="2000" dirty="0">
+                <a:solidFill>
+                  <a:srgbClr val="C7D5E0"/>
+                </a:solidFill>
+              </a:rPr>
+              <a:t> </a:t>
+            </a:r>
+            <a:r>
+              <a:rPr lang="en-US" sz="2000" dirty="0" err="1">
+                <a:solidFill>
+                  <a:srgbClr val="C7D5E0"/>
+                </a:solidFill>
+              </a:rPr>
+              <a:t>utenti</a:t>
+            </a:r>
+            <a:r>
+              <a:rPr lang="en-US" sz="2000" dirty="0">
+                <a:solidFill>
+                  <a:srgbClr val="C7D5E0"/>
+                </a:solidFill>
+              </a:rPr>
+              <a:t> in </a:t>
+            </a:r>
+            <a:r>
+              <a:rPr lang="en-US" sz="2000" dirty="0" err="1">
+                <a:solidFill>
+                  <a:srgbClr val="C7D5E0"/>
+                </a:solidFill>
+              </a:rPr>
+              <a:t>situazioni</a:t>
+            </a:r>
+            <a:r>
+              <a:rPr lang="en-US" sz="2000" dirty="0">
+                <a:solidFill>
+                  <a:srgbClr val="C7D5E0"/>
+                </a:solidFill>
+              </a:rPr>
+              <a:t> </a:t>
+            </a:r>
+            <a:r>
+              <a:rPr lang="en-US" sz="2000" dirty="0" err="1">
+                <a:solidFill>
+                  <a:srgbClr val="C7D5E0"/>
+                </a:solidFill>
+              </a:rPr>
+              <a:t>sociali</a:t>
+            </a:r>
+            <a:r>
+              <a:rPr lang="en-US" sz="2000" dirty="0">
+                <a:solidFill>
+                  <a:srgbClr val="C7D5E0"/>
+                </a:solidFill>
+              </a:rPr>
+              <a:t> </a:t>
+            </a:r>
+            <a:r>
+              <a:rPr lang="en-US" sz="2000" dirty="0" err="1">
+                <a:solidFill>
+                  <a:srgbClr val="C7D5E0"/>
+                </a:solidFill>
+              </a:rPr>
+              <a:t>differenti</a:t>
+            </a:r>
+            <a:r>
+              <a:rPr lang="en-US" sz="2000" dirty="0">
+                <a:solidFill>
+                  <a:srgbClr val="C7D5E0"/>
+                </a:solidFill>
+              </a:rPr>
+              <a:t>.</a:t>
+            </a:r>
+          </a:p>
+          <a:p>
             <a:pPr>
               <a:buClr>
                 <a:srgbClr val="66C0F4"/>
               </a:buClr>
             </a:pPr>
             <a:r>
+              <a:rPr lang="en-US" sz="2000" dirty="0">
+                <a:solidFill>
+                  <a:srgbClr val="C7D5E0"/>
+                </a:solidFill>
+              </a:rPr>
+              <a:t>I VG </a:t>
+            </a:r>
+            <a:r>
               <a:rPr lang="en-US" sz="2000" dirty="0" err="1">
                 <a:solidFill>
                   <a:srgbClr val="C7D5E0"/>
                 </a:solidFill>
               </a:rPr>
-              <a:t>Storicamente</a:t>
+              <a:t>si</a:t>
             </a:r>
             <a:r>
               <a:rPr lang="en-US" sz="2000" dirty="0">
@@ -4010,15 +4445,15 @@
                   <a:srgbClr val="C7D5E0"/>
                 </a:solidFill>
               </a:rPr>
-              <a:t>i</a:t>
-            </a:r>
-            <a:r>
-              <a:rPr lang="en-US" sz="2000" dirty="0">
-                <a:solidFill>
-                  <a:srgbClr val="C7D5E0"/>
-                </a:solidFill>
-              </a:rPr>
-              <a:t> VG </a:t>
+              <a:t>distribuiscono</a:t>
+            </a:r>
+            <a:r>
+              <a:rPr lang="en-US" sz="2000" dirty="0">
+                <a:solidFill>
+                  <a:srgbClr val="C7D5E0"/>
+                </a:solidFill>
+              </a:rPr>
+              <a:t> piu’ o </a:t>
             </a:r>
             <a:r>
               <a:rPr lang="en-US" sz="2000" dirty="0" err="1">
@@ -4026,15 +4461,15 @@
                   <a:srgbClr val="C7D5E0"/>
                 </a:solidFill>
               </a:rPr>
-              <a:t>nascono</a:t>
-            </a:r>
-            <a:r>
-              <a:rPr lang="en-US" sz="2000" dirty="0">
-                <a:solidFill>
-                  <a:srgbClr val="C7D5E0"/>
-                </a:solidFill>
-              </a:rPr>
-              <a:t> come </a:t>
+              <a:t>meno</a:t>
+            </a:r>
+            <a:r>
+              <a:rPr lang="en-US" sz="2000" dirty="0">
+                <a:solidFill>
+                  <a:srgbClr val="C7D5E0"/>
+                </a:solidFill>
+              </a:rPr>
+              <a:t> </a:t>
             </a:r>
             <a:r>
               <a:rPr lang="en-US" sz="2000" dirty="0" err="1">
@@ -4042,7 +4477,7 @@
                   <a:srgbClr val="C7D5E0"/>
                 </a:solidFill>
               </a:rPr>
-              <a:t>esperienze</a:t>
+              <a:t>uniformemente</a:t>
             </a:r>
             <a:r>
               <a:rPr lang="en-US" sz="2000" dirty="0">
@@ -4058,15 +4493,31 @@
                   <a:srgbClr val="C7D5E0"/>
                 </a:solidFill>
               </a:rPr>
-              <a:t>prettamente</a:t>
-            </a:r>
-            <a:r>
-              <a:rPr lang="en-US" sz="2000" dirty="0">
-                <a:solidFill>
-                  <a:srgbClr val="C7D5E0"/>
-                </a:solidFill>
-              </a:rPr>
-              <a:t> SP</a:t>
+              <a:t>tra</a:t>
+            </a:r>
+            <a:r>
+              <a:rPr lang="en-US" sz="2000" dirty="0">
+                <a:solidFill>
+                  <a:srgbClr val="C7D5E0"/>
+                </a:solidFill>
+              </a:rPr>
+              <a:t> le </a:t>
+            </a:r>
+            <a:r>
+              <a:rPr lang="en-US" sz="2000" dirty="0" err="1">
+                <a:solidFill>
+                  <a:srgbClr val="C7D5E0"/>
+                </a:solidFill>
+              </a:rPr>
+              <a:t>categorie</a:t>
+            </a:r>
+            <a:r>
+              <a:rPr lang="en-US" sz="2000" dirty="0">
+                <a:solidFill>
+                  <a:srgbClr val="C7D5E0"/>
+                </a:solidFill>
+              </a:rPr>
+              <a:t>.</a:t>
             </a:r>
           </a:p>
           <a:p>
@@ -4081,7 +4532,7 @@
                   <a:srgbClr val="C7D5E0"/>
                 </a:solidFill>
               </a:rPr>
-              <a:t>La </a:t>
+              <a:t>Si </a:t>
             </a:r>
             <a:r>
               <a:rPr lang="en-US" sz="2000" dirty="0" err="1">
@@ -4089,6 +4540,86 @@
                   <a:srgbClr val="C7D5E0"/>
                 </a:solidFill>
               </a:rPr>
+              <a:t>evidenzia</a:t>
+            </a:r>
+            <a:r>
+              <a:rPr lang="en-US" sz="2000" dirty="0">
+                <a:solidFill>
+                  <a:srgbClr val="C7D5E0"/>
+                </a:solidFill>
+              </a:rPr>
+              <a:t> un leggero </a:t>
+            </a:r>
+            <a:r>
+              <a:rPr lang="en-US" sz="2000" dirty="0" err="1">
+                <a:solidFill>
+                  <a:srgbClr val="C7D5E0"/>
+                </a:solidFill>
+              </a:rPr>
+              <a:t>aumento</a:t>
+            </a:r>
+            <a:r>
+              <a:rPr lang="en-US" sz="2000" dirty="0">
+                <a:solidFill>
+                  <a:srgbClr val="C7D5E0"/>
+                </a:solidFill>
+              </a:rPr>
+              <a:t> </a:t>
+            </a:r>
+            <a:r>
+              <a:rPr lang="en-US" sz="2000" dirty="0" err="1">
+                <a:solidFill>
+                  <a:srgbClr val="C7D5E0"/>
+                </a:solidFill>
+              </a:rPr>
+              <a:t>della</a:t>
+            </a:r>
+            <a:r>
+              <a:rPr lang="en-US" sz="2000" dirty="0">
+                <a:solidFill>
+                  <a:srgbClr val="C7D5E0"/>
+                </a:solidFill>
+              </a:rPr>
+              <a:t> </a:t>
+            </a:r>
+            <a:r>
+              <a:rPr lang="en-US" sz="2000" dirty="0" err="1">
+                <a:solidFill>
+                  <a:srgbClr val="C7D5E0"/>
+                </a:solidFill>
+              </a:rPr>
+              <a:t>popolarita</a:t>
+            </a:r>
+            <a:r>
+              <a:rPr lang="en-US" sz="2000" dirty="0">
+                <a:solidFill>
+                  <a:srgbClr val="C7D5E0"/>
+                </a:solidFill>
+              </a:rPr>
+              <a:t>’ </a:t>
+            </a:r>
+            <a:r>
+              <a:rPr lang="en-US" sz="2000" dirty="0" err="1">
+                <a:solidFill>
+                  <a:srgbClr val="C7D5E0"/>
+                </a:solidFill>
+              </a:rPr>
+              <a:t>della</a:t>
+            </a:r>
+            <a:r>
+              <a:rPr lang="en-US" sz="2000" dirty="0">
+                <a:solidFill>
+                  <a:srgbClr val="C7D5E0"/>
+                </a:solidFill>
+              </a:rPr>
+              <a:t> </a:t>
+            </a:r>
+            <a:r>
+              <a:rPr lang="en-US" sz="2000" dirty="0" err="1">
+                <a:solidFill>
+                  <a:srgbClr val="C7D5E0"/>
+                </a:solidFill>
+              </a:rPr>
               <a:t>componente</a:t>
             </a:r>
             <a:r>
@@ -4097,7 +4628,7 @@
                   <a:srgbClr val="C7D5E0"/>
                 </a:solidFill>
               </a:rPr>
-              <a:t> MP </a:t>
+              <a:t> Co-op </a:t>
             </a:r>
             <a:r>
               <a:rPr lang="en-US" sz="2000" dirty="0" err="1">
@@ -4105,47 +4636,15 @@
                   <a:srgbClr val="C7D5E0"/>
                 </a:solidFill>
               </a:rPr>
-              <a:t>diventa</a:t>
-            </a:r>
-            <a:r>
-              <a:rPr lang="en-US" sz="2000" dirty="0">
-                <a:solidFill>
-                  <a:srgbClr val="C7D5E0"/>
-                </a:solidFill>
-              </a:rPr>
-              <a:t> sempre piu’ </a:t>
-            </a:r>
-            <a:r>
-              <a:rPr lang="en-US" sz="2000" dirty="0" err="1">
-                <a:solidFill>
-                  <a:srgbClr val="C7D5E0"/>
-                </a:solidFill>
-              </a:rPr>
-              <a:t>importante</a:t>
-            </a:r>
-            <a:r>
-              <a:rPr lang="en-US" sz="2000" dirty="0">
-                <a:solidFill>
-                  <a:srgbClr val="C7D5E0"/>
-                </a:solidFill>
-              </a:rPr>
-              <a:t> col </a:t>
-            </a:r>
-            <a:r>
-              <a:rPr lang="en-US" sz="2000" dirty="0" err="1">
-                <a:solidFill>
-                  <a:srgbClr val="C7D5E0"/>
-                </a:solidFill>
-              </a:rPr>
-              <a:t>passare</a:t>
-            </a:r>
-            <a:r>
-              <a:rPr lang="en-US" sz="2000" dirty="0">
-                <a:solidFill>
-                  <a:srgbClr val="C7D5E0"/>
-                </a:solidFill>
-              </a:rPr>
-              <a:t> del tempo</a:t>
+              <a:t>durante</a:t>
+            </a:r>
+            <a:r>
+              <a:rPr lang="en-US" sz="2000" dirty="0">
+                <a:solidFill>
+                  <a:srgbClr val="C7D5E0"/>
+                </a:solidFill>
+              </a:rPr>
+              <a:t> il Covid19</a:t>
             </a:r>
           </a:p>
           <a:p>
@@ -4155,28 +4654,20 @@
               </a:buClr>
             </a:pPr>
             <a:r>
-              <a:rPr lang="en-US" sz="2000" dirty="0">
-                <a:solidFill>
-                  <a:srgbClr val="C7D5E0"/>
-                </a:solidFill>
-              </a:rPr>
-              <a:t>L’ </a:t>
-            </a:r>
-            <a:r>
               <a:rPr lang="en-US" sz="2000" dirty="0" err="1">
                 <a:solidFill>
                   <a:srgbClr val="C7D5E0"/>
                 </a:solidFill>
               </a:rPr>
-              <a:t>aspetto</a:t>
-            </a:r>
-            <a:r>
-              <a:rPr lang="en-US" sz="2000" dirty="0">
-                <a:solidFill>
-                  <a:srgbClr val="C7D5E0"/>
-                </a:solidFill>
-              </a:rPr>
-              <a:t> Co-op </a:t>
+              <a:t>Mentre</a:t>
+            </a:r>
+            <a:r>
+              <a:rPr lang="en-US" sz="2000" dirty="0">
+                <a:solidFill>
+                  <a:srgbClr val="C7D5E0"/>
+                </a:solidFill>
+              </a:rPr>
+              <a:t> la </a:t>
             </a:r>
             <a:r>
               <a:rPr lang="en-US" sz="2000" dirty="0" err="1">
@@ -4184,37 +4675,89 @@
                   <a:srgbClr val="C7D5E0"/>
                 </a:solidFill>
               </a:rPr>
-              <a:t>invece</a:t>
-            </a:r>
-            <a:r>
-              <a:rPr lang="en-US" sz="2000" dirty="0">
-                <a:solidFill>
-                  <a:srgbClr val="C7D5E0"/>
-                </a:solidFill>
-              </a:rPr>
-              <a:t>…</a:t>
-            </a:r>
-          </a:p>
-          <a:p>
-            <a:pPr>
-              <a:buClr>
-                <a:srgbClr val="66C0F4"/>
-              </a:buClr>
-            </a:pPr>
-            <a:endParaRPr lang="en-US" sz="2000" dirty="0">
-              <a:solidFill>
-                <a:srgbClr val="C7D5E0"/>
-              </a:solidFill>
-            </a:endParaRPr>
+              <a:t>componente</a:t>
+            </a:r>
+            <a:r>
+              <a:rPr lang="en-US" sz="2000" dirty="0">
+                <a:solidFill>
+                  <a:srgbClr val="C7D5E0"/>
+                </a:solidFill>
+              </a:rPr>
+              <a:t> </a:t>
+            </a:r>
+            <a:r>
+              <a:rPr lang="en-US" sz="2000" dirty="0" err="1">
+                <a:solidFill>
+                  <a:srgbClr val="C7D5E0"/>
+                </a:solidFill>
+              </a:rPr>
+              <a:t>SinglePlayer</a:t>
+            </a:r>
+            <a:r>
+              <a:rPr lang="en-US" sz="2000" dirty="0">
+                <a:solidFill>
+                  <a:srgbClr val="C7D5E0"/>
+                </a:solidFill>
+              </a:rPr>
+              <a:t> </a:t>
+            </a:r>
+            <a:r>
+              <a:rPr lang="en-US" sz="2000" dirty="0" err="1">
+                <a:solidFill>
+                  <a:srgbClr val="C7D5E0"/>
+                </a:solidFill>
+              </a:rPr>
+              <a:t>registra</a:t>
+            </a:r>
+            <a:r>
+              <a:rPr lang="en-US" sz="2000" dirty="0">
+                <a:solidFill>
+                  <a:srgbClr val="C7D5E0"/>
+                </a:solidFill>
+              </a:rPr>
+              <a:t> un leggero </a:t>
+            </a:r>
+            <a:r>
+              <a:rPr lang="en-US" sz="2000" dirty="0" err="1">
+                <a:solidFill>
+                  <a:srgbClr val="C7D5E0"/>
+                </a:solidFill>
+              </a:rPr>
+              <a:t>aumento</a:t>
+            </a:r>
+            <a:r>
+              <a:rPr lang="en-US" sz="2000" dirty="0">
+                <a:solidFill>
+                  <a:srgbClr val="C7D5E0"/>
+                </a:solidFill>
+              </a:rPr>
+              <a:t> </a:t>
+            </a:r>
+            <a:r>
+              <a:rPr lang="en-US" sz="2000" dirty="0" err="1">
+                <a:solidFill>
+                  <a:srgbClr val="C7D5E0"/>
+                </a:solidFill>
+              </a:rPr>
+              <a:t>nel</a:t>
+            </a:r>
+            <a:r>
+              <a:rPr lang="en-US" sz="2000" dirty="0">
+                <a:solidFill>
+                  <a:srgbClr val="C7D5E0"/>
+                </a:solidFill>
+              </a:rPr>
+              <a:t> period post-Covid19</a:t>
+            </a:r>
           </a:p>
         </p:txBody>
       </p:sp>
       <p:pic>
         <p:nvPicPr>
-          <p:cNvPr id="6" name="Immagine 5">
-            <a:extLst>
-              <a:ext uri="{FF2B5EF4-FFF2-40B4-BE49-F238E27FC236}">
-                <a16:creationId xmlns:a16="http://schemas.microsoft.com/office/drawing/2014/main" id="{7437CD06-6727-5490-ED42-987ECD2739CE}"/>
+          <p:cNvPr id="9" name="Immagine 8" descr="Immagine che contiene testo, cerchio, schermata, Carattere&#10;&#10;Descrizione generata automaticamente">
+            <a:extLst>
+              <a:ext uri="{FF2B5EF4-FFF2-40B4-BE49-F238E27FC236}">
+                <a16:creationId xmlns:a16="http://schemas.microsoft.com/office/drawing/2014/main" id="{B0283708-57D4-216D-EB58-FD0E670373CB}"/>
               </a:ext>
             </a:extLst>
           </p:cNvPr>
@@ -4224,15 +4767,21 @@
           <p:nvPr/>
         </p:nvPicPr>
         <p:blipFill>
-          <a:blip r:embed="rId3"/>
+          <a:blip r:embed="rId3">
+            <a:extLst>
+              <a:ext uri="{28A0092B-C50C-407E-A947-70E740481C1C}">
+                <a14:useLocalDpi xmlns:a14="http://schemas.microsoft.com/office/drawing/2010/main" val="0"/>
+              </a:ext>
+            </a:extLst>
+          </a:blip>
           <a:stretch>
             <a:fillRect/>
           </a:stretch>
         </p:blipFill>
         <p:spPr>
           <a:xfrm>
-            <a:off x="6585389" y="2369604"/>
-            <a:ext cx="2800741" cy="2124371"/>
+            <a:off x="2501900" y="528870"/>
+            <a:ext cx="12192000" cy="6074357"/>
           </a:xfrm>
           <a:prstGeom prst="rect">
             <a:avLst/>
@@ -4307,69 +4856,18 @@
           <a:p>
             <a:pPr algn="ctr"/>
             <a:r>
-              <a:rPr lang="en-US" sz="3200" b="1" dirty="0" err="1">
+              <a:rPr lang="en-US" sz="3200" b="1">
                 <a:solidFill>
                   <a:srgbClr val="66C0F4"/>
                 </a:solidFill>
               </a:rPr>
-              <a:t>Distribuzione</a:t>
-            </a:r>
-            <a:r>
-              <a:rPr lang="en-US" sz="3200" b="1" dirty="0">
-                <a:solidFill>
-                  <a:srgbClr val="66C0F4"/>
-                </a:solidFill>
-              </a:rPr>
-              <a:t> </a:t>
-            </a:r>
-            <a:r>
-              <a:rPr lang="en-US" sz="3200" b="1" dirty="0" err="1">
-                <a:solidFill>
-                  <a:srgbClr val="66C0F4"/>
-                </a:solidFill>
-              </a:rPr>
-              <a:t>dei</a:t>
-            </a:r>
-            <a:r>
-              <a:rPr lang="en-US" sz="3200" b="1" dirty="0">
-                <a:solidFill>
-                  <a:srgbClr val="66C0F4"/>
-                </a:solidFill>
-              </a:rPr>
-              <a:t> </a:t>
-            </a:r>
-            <a:r>
-              <a:rPr lang="en-US" sz="3200" b="1" dirty="0" err="1">
-                <a:solidFill>
-                  <a:srgbClr val="66C0F4"/>
-                </a:solidFill>
-              </a:rPr>
-              <a:t>Generi</a:t>
-            </a:r>
-            <a:r>
-              <a:rPr lang="en-US" sz="3200" b="1" dirty="0">
-                <a:solidFill>
-                  <a:srgbClr val="66C0F4"/>
-                </a:solidFill>
-              </a:rPr>
-              <a:t> per </a:t>
-            </a:r>
-            <a:r>
-              <a:rPr lang="en-US" sz="3200" b="1" dirty="0" err="1">
-                <a:solidFill>
-                  <a:srgbClr val="66C0F4"/>
-                </a:solidFill>
-              </a:rPr>
-              <a:t>popolarita</a:t>
-            </a:r>
-            <a:r>
-              <a:rPr lang="en-US" sz="3200" b="1" dirty="0">
-                <a:solidFill>
-                  <a:srgbClr val="66C0F4"/>
-                </a:solidFill>
-              </a:rPr>
-              <a:t>’</a:t>
-            </a:r>
+              <a:t>Distribuzione dei Generi per popolarita’</a:t>
+            </a:r>
+            <a:endParaRPr lang="en-US" sz="3200" b="1" dirty="0">
+              <a:solidFill>
+                <a:srgbClr val="66C0F4"/>
+              </a:solidFill>
+            </a:endParaRPr>
           </a:p>
         </p:txBody>
       </p:sp>
@@ -4424,10 +4922,10 @@
       </p:pic>
       <p:pic>
         <p:nvPicPr>
-          <p:cNvPr id="4" name="Immagine 3">
-            <a:extLst>
-              <a:ext uri="{FF2B5EF4-FFF2-40B4-BE49-F238E27FC236}">
-                <a16:creationId xmlns:a16="http://schemas.microsoft.com/office/drawing/2014/main" id="{08ACFBB1-E879-3F03-3BAC-1F9B9ACCA71A}"/>
+          <p:cNvPr id="8" name="Immagine 7" descr="Immagine che contiene testo, Carattere, Elementi grafici, grafica&#10;&#10;Descrizione generata automaticamente">
+            <a:extLst>
+              <a:ext uri="{FF2B5EF4-FFF2-40B4-BE49-F238E27FC236}">
+                <a16:creationId xmlns:a16="http://schemas.microsoft.com/office/drawing/2014/main" id="{C0241D71-5FA3-AAD2-8DC4-DC820550F895}"/>
               </a:ext>
             </a:extLst>
           </p:cNvPr>
@@ -4437,15 +4935,21 @@
           <p:nvPr/>
         </p:nvPicPr>
         <p:blipFill>
-          <a:blip r:embed="rId3"/>
+          <a:blip r:embed="rId3">
+            <a:extLst>
+              <a:ext uri="{28A0092B-C50C-407E-A947-70E740481C1C}">
+                <a14:useLocalDpi xmlns:a14="http://schemas.microsoft.com/office/drawing/2010/main" val="0"/>
+              </a:ext>
+            </a:extLst>
+          </a:blip>
           <a:stretch>
             <a:fillRect/>
           </a:stretch>
         </p:blipFill>
         <p:spPr>
           <a:xfrm>
-            <a:off x="3740223" y="2268651"/>
-            <a:ext cx="4925210" cy="2512354"/>
+            <a:off x="5501628" y="1234435"/>
+            <a:ext cx="5852172" cy="4389129"/>
           </a:xfrm>
           <a:prstGeom prst="rect">
             <a:avLst/>
@@ -4618,10 +5122,10 @@
       </p:pic>
       <p:pic>
         <p:nvPicPr>
-          <p:cNvPr id="2" name="Immagine 1">
-            <a:extLst>
-              <a:ext uri="{FF2B5EF4-FFF2-40B4-BE49-F238E27FC236}">
-                <a16:creationId xmlns:a16="http://schemas.microsoft.com/office/drawing/2014/main" id="{60139F4E-45FA-1F54-DE90-6A2C163CDE1A}"/>
+          <p:cNvPr id="4" name="Immagine 3" descr="Immagine che contiene schermata, Policromia, quadrato, modello">
+            <a:extLst>
+              <a:ext uri="{FF2B5EF4-FFF2-40B4-BE49-F238E27FC236}">
+                <a16:creationId xmlns:a16="http://schemas.microsoft.com/office/drawing/2014/main" id="{053A6667-CC1E-AEAE-10FC-45F7FD8EE393}"/>
               </a:ext>
             </a:extLst>
           </p:cNvPr>
@@ -4631,15 +5135,21 @@
           <p:nvPr/>
         </p:nvPicPr>
         <p:blipFill>
-          <a:blip r:embed="rId3"/>
+          <a:blip r:embed="rId3">
+            <a:extLst>
+              <a:ext uri="{28A0092B-C50C-407E-A947-70E740481C1C}">
+                <a14:useLocalDpi xmlns:a14="http://schemas.microsoft.com/office/drawing/2010/main" val="0"/>
+              </a:ext>
+            </a:extLst>
+          </a:blip>
           <a:stretch>
             <a:fillRect/>
           </a:stretch>
         </p:blipFill>
         <p:spPr>
           <a:xfrm>
-            <a:off x="4681398" y="2972687"/>
-            <a:ext cx="1991003" cy="1276528"/>
+            <a:off x="1048881" y="937577"/>
+            <a:ext cx="10094238" cy="5029200"/>
           </a:xfrm>
           <a:prstGeom prst="rect">
             <a:avLst/>
@@ -4714,12 +5224,20 @@
           <a:p>
             <a:pPr algn="ctr"/>
             <a:r>
+              <a:rPr lang="en-US" sz="3200" b="1" dirty="0" err="1">
+                <a:solidFill>
+                  <a:srgbClr val="66C0F4"/>
+                </a:solidFill>
+              </a:rPr>
+              <a:t>FreeToPlay</a:t>
+            </a:r>
+            <a:r>
               <a:rPr lang="en-US" sz="3200" b="1" dirty="0">
                 <a:solidFill>
                   <a:srgbClr val="66C0F4"/>
                 </a:solidFill>
               </a:rPr>
-              <a:t>Free2Play(f2p) vs Pay2Play(p2p) (</a:t>
+              <a:t>(F2P) vs </a:t>
             </a:r>
             <a:r>
               <a:rPr lang="en-US" sz="3200" b="1" dirty="0" err="1">
@@ -4727,7 +5245,7 @@
                   <a:srgbClr val="66C0F4"/>
                 </a:solidFill>
               </a:rPr>
-              <a:t>e_u</a:t>
+              <a:t>PayToPlay</a:t>
             </a:r>
             <a:r>
               <a:rPr lang="en-US" sz="3200" b="1" dirty="0">
@@ -4735,7 +5253,7 @@
                   <a:srgbClr val="66C0F4"/>
                 </a:solidFill>
               </a:rPr>
-              <a:t>)</a:t>
+              <a:t>(P2P) - #N Download</a:t>
             </a:r>
           </a:p>
         </p:txBody>
@@ -4789,36 +5307,6 @@
           </a:effectLst>
         </p:spPr>
       </p:pic>
-      <p:pic>
-        <p:nvPicPr>
-          <p:cNvPr id="7" name="Immagine 6">
-            <a:extLst>
-              <a:ext uri="{FF2B5EF4-FFF2-40B4-BE49-F238E27FC236}">
-                <a16:creationId xmlns:a16="http://schemas.microsoft.com/office/drawing/2014/main" id="{AE55C3E2-7BFD-643B-F19B-71E3DCC9D80B}"/>
-              </a:ext>
-            </a:extLst>
-          </p:cNvPr>
-          <p:cNvPicPr>
-            <a:picLocks noChangeAspect="1"/>
-          </p:cNvPicPr>
-          <p:nvPr/>
-        </p:nvPicPr>
-        <p:blipFill>
-          <a:blip r:embed="rId3"/>
-          <a:stretch>
-            <a:fillRect/>
-          </a:stretch>
-        </p:blipFill>
-        <p:spPr>
-          <a:xfrm>
-            <a:off x="6096000" y="2828841"/>
-            <a:ext cx="3429479" cy="1200318"/>
-          </a:xfrm>
-          <a:prstGeom prst="rect">
-            <a:avLst/>
-          </a:prstGeom>
-        </p:spPr>
-      </p:pic>
       <p:sp>
         <p:nvSpPr>
           <p:cNvPr id="8" name="Segnaposto contenuto 2">
@@ -4835,8 +5323,8 @@
         </p:nvSpPr>
         <p:spPr>
           <a:xfrm>
-            <a:off x="419100" y="2364025"/>
-            <a:ext cx="3657600" cy="2129950"/>
+            <a:off x="274549" y="2405128"/>
+            <a:ext cx="3051756" cy="2047741"/>
           </a:xfrm>
           <a:prstGeom prst="rect">
             <a:avLst/>
@@ -4844,7 +5332,7 @@
         </p:spPr>
         <p:txBody>
           <a:bodyPr vert="horz" lIns="91440" tIns="45720" rIns="91440" bIns="45720" rtlCol="0">
-            <a:normAutofit lnSpcReduction="10000"/>
+            <a:normAutofit fontScale="70000" lnSpcReduction="20000"/>
           </a:bodyPr>
           <a:lstStyle>
             <a:lvl1pPr marL="228600" indent="-228600" algn="l" defTabSz="914400" rtl="0" eaLnBrk="1" latinLnBrk="0" hangingPunct="1">
@@ -5011,6 +5499,182 @@
             </a:lvl9pPr>
           </a:lstStyle>
           <a:p>
+            <a:pPr marL="0" indent="0">
+              <a:buClr>
+                <a:srgbClr val="66C0F4"/>
+              </a:buClr>
+              <a:buNone/>
+            </a:pPr>
+            <a:r>
+              <a:rPr lang="en-US" sz="2000" dirty="0">
+                <a:solidFill>
+                  <a:srgbClr val="C7D5E0"/>
+                </a:solidFill>
+              </a:rPr>
+              <a:t>Il </a:t>
+            </a:r>
+            <a:r>
+              <a:rPr lang="en-US" sz="2000" dirty="0" err="1">
+                <a:solidFill>
+                  <a:srgbClr val="C7D5E0"/>
+                </a:solidFill>
+              </a:rPr>
+              <a:t>grafico</a:t>
+            </a:r>
+            <a:r>
+              <a:rPr lang="en-US" sz="2000" dirty="0">
+                <a:solidFill>
+                  <a:srgbClr val="C7D5E0"/>
+                </a:solidFill>
+              </a:rPr>
+              <a:t> </a:t>
+            </a:r>
+            <a:r>
+              <a:rPr lang="en-US" sz="2000" dirty="0" err="1">
+                <a:solidFill>
+                  <a:srgbClr val="C7D5E0"/>
+                </a:solidFill>
+              </a:rPr>
+              <a:t>mostra</a:t>
+            </a:r>
+            <a:r>
+              <a:rPr lang="en-US" sz="2000" dirty="0">
+                <a:solidFill>
+                  <a:srgbClr val="C7D5E0"/>
+                </a:solidFill>
+              </a:rPr>
+              <a:t> la </a:t>
+            </a:r>
+            <a:r>
+              <a:rPr lang="en-US" sz="2000" dirty="0" err="1">
+                <a:solidFill>
+                  <a:srgbClr val="C7D5E0"/>
+                </a:solidFill>
+              </a:rPr>
+              <a:t>distribuzione</a:t>
+            </a:r>
+            <a:r>
+              <a:rPr lang="en-US" sz="2000" dirty="0">
+                <a:solidFill>
+                  <a:srgbClr val="C7D5E0"/>
+                </a:solidFill>
+              </a:rPr>
+              <a:t> del </a:t>
+            </a:r>
+            <a:r>
+              <a:rPr lang="en-US" sz="2000" dirty="0" err="1">
+                <a:solidFill>
+                  <a:srgbClr val="C7D5E0"/>
+                </a:solidFill>
+              </a:rPr>
+              <a:t>numero</a:t>
+            </a:r>
+            <a:r>
+              <a:rPr lang="en-US" sz="2000" dirty="0">
+                <a:solidFill>
+                  <a:srgbClr val="C7D5E0"/>
+                </a:solidFill>
+              </a:rPr>
+              <a:t> di </a:t>
+            </a:r>
+            <a:r>
+              <a:rPr lang="en-US" sz="2000" dirty="0" err="1">
+                <a:solidFill>
+                  <a:srgbClr val="C7D5E0"/>
+                </a:solidFill>
+              </a:rPr>
+              <a:t>acquisti</a:t>
+            </a:r>
+            <a:r>
+              <a:rPr lang="en-US" sz="2000" dirty="0">
+                <a:solidFill>
+                  <a:srgbClr val="C7D5E0"/>
+                </a:solidFill>
+              </a:rPr>
+              <a:t> per </a:t>
+            </a:r>
+            <a:r>
+              <a:rPr lang="en-US" sz="2000" dirty="0" err="1">
+                <a:solidFill>
+                  <a:srgbClr val="C7D5E0"/>
+                </a:solidFill>
+              </a:rPr>
+              <a:t>Videogiochi</a:t>
+            </a:r>
+            <a:r>
+              <a:rPr lang="en-US" sz="2000" dirty="0">
+                <a:solidFill>
+                  <a:srgbClr val="C7D5E0"/>
+                </a:solidFill>
+              </a:rPr>
+              <a:t> </a:t>
+            </a:r>
+            <a:r>
+              <a:rPr lang="en-US" sz="2000" dirty="0" err="1">
+                <a:solidFill>
+                  <a:srgbClr val="C7D5E0"/>
+                </a:solidFill>
+              </a:rPr>
+              <a:t>delle</a:t>
+            </a:r>
+            <a:r>
+              <a:rPr lang="en-US" sz="2000" dirty="0">
+                <a:solidFill>
+                  <a:srgbClr val="C7D5E0"/>
+                </a:solidFill>
+              </a:rPr>
+              <a:t> due diverse </a:t>
+            </a:r>
+            <a:r>
+              <a:rPr lang="en-US" sz="2000" dirty="0" err="1">
+                <a:solidFill>
+                  <a:srgbClr val="C7D5E0"/>
+                </a:solidFill>
+              </a:rPr>
+              <a:t>categorie</a:t>
+            </a:r>
+            <a:r>
+              <a:rPr lang="en-US" sz="2000" dirty="0">
+                <a:solidFill>
+                  <a:srgbClr val="C7D5E0"/>
+                </a:solidFill>
+              </a:rPr>
+              <a:t> </a:t>
+            </a:r>
+            <a:r>
+              <a:rPr lang="en-US" sz="2000" dirty="0" err="1">
+                <a:solidFill>
+                  <a:srgbClr val="C7D5E0"/>
+                </a:solidFill>
+              </a:rPr>
+              <a:t>FreeToPlay</a:t>
+            </a:r>
+            <a:r>
+              <a:rPr lang="en-US" sz="2000" dirty="0">
+                <a:solidFill>
+                  <a:srgbClr val="C7D5E0"/>
+                </a:solidFill>
+              </a:rPr>
+              <a:t> (F2P) e </a:t>
+            </a:r>
+            <a:r>
+              <a:rPr lang="en-US" sz="2000" dirty="0" err="1">
+                <a:solidFill>
+                  <a:srgbClr val="C7D5E0"/>
+                </a:solidFill>
+              </a:rPr>
+              <a:t>PayToPlay</a:t>
+            </a:r>
+            <a:r>
+              <a:rPr lang="en-US" sz="2000" dirty="0">
+                <a:solidFill>
+                  <a:srgbClr val="C7D5E0"/>
+                </a:solidFill>
+              </a:rPr>
+              <a:t> (P2P)</a:t>
+            </a:r>
+          </a:p>
+          <a:p>
             <a:pPr>
               <a:buClr>
                 <a:srgbClr val="66C0F4"/>
@@ -5022,7 +5686,7 @@
                   <a:srgbClr val="C7D5E0"/>
                 </a:solidFill>
               </a:rPr>
-              <a:t>Esplosione</a:t>
+              <a:t>Crescita</a:t>
             </a:r>
             <a:r>
               <a:rPr lang="en-US" sz="2000" dirty="0">
@@ -5038,6 +5702,54 @@
                   <a:srgbClr val="C7D5E0"/>
                 </a:solidFill>
               </a:rPr>
+              <a:t>della</a:t>
+            </a:r>
+            <a:r>
+              <a:rPr lang="en-US" sz="2000" dirty="0">
+                <a:solidFill>
+                  <a:srgbClr val="C7D5E0"/>
+                </a:solidFill>
+              </a:rPr>
+              <a:t> fetta di </a:t>
+            </a:r>
+            <a:r>
+              <a:rPr lang="en-US" sz="2000" dirty="0" err="1">
+                <a:solidFill>
+                  <a:srgbClr val="C7D5E0"/>
+                </a:solidFill>
+              </a:rPr>
+              <a:t>mercato</a:t>
+            </a:r>
+            <a:r>
+              <a:rPr lang="en-US" sz="2000" dirty="0">
+                <a:solidFill>
+                  <a:srgbClr val="C7D5E0"/>
+                </a:solidFill>
+              </a:rPr>
+              <a:t> </a:t>
+            </a:r>
+            <a:r>
+              <a:rPr lang="en-US" sz="2000" dirty="0" err="1">
+                <a:solidFill>
+                  <a:srgbClr val="C7D5E0"/>
+                </a:solidFill>
+              </a:rPr>
+              <a:t>dei</a:t>
+            </a:r>
+            <a:r>
+              <a:rPr lang="en-US" sz="2000" dirty="0">
+                <a:solidFill>
+                  <a:srgbClr val="C7D5E0"/>
+                </a:solidFill>
+              </a:rPr>
+              <a:t> f2p </a:t>
+            </a:r>
+            <a:r>
+              <a:rPr lang="en-US" sz="2000" dirty="0" err="1">
+                <a:solidFill>
+                  <a:srgbClr val="C7D5E0"/>
+                </a:solidFill>
+              </a:rPr>
               <a:t>che</a:t>
             </a:r>
             <a:r>
@@ -5078,23 +5790,7 @@
                   <a:srgbClr val="C7D5E0"/>
                 </a:solidFill>
               </a:rPr>
-              <a:t> 2018 </a:t>
-            </a:r>
-            <a:r>
-              <a:rPr lang="en-US" sz="2000" dirty="0" err="1">
-                <a:solidFill>
-                  <a:srgbClr val="C7D5E0"/>
-                </a:solidFill>
-              </a:rPr>
-              <a:t>dei</a:t>
-            </a:r>
-            <a:r>
-              <a:rPr lang="en-US" sz="2000" dirty="0">
-                <a:solidFill>
-                  <a:srgbClr val="C7D5E0"/>
-                </a:solidFill>
-              </a:rPr>
-              <a:t> f2p con </a:t>
+              <a:t> 2018 con </a:t>
             </a:r>
             <a:r>
               <a:rPr lang="en-US" sz="2000" dirty="0" err="1">
@@ -5305,10 +6001,10 @@
       </p:sp>
       <p:pic>
         <p:nvPicPr>
-          <p:cNvPr id="2" name="Immagine 1">
-            <a:extLst>
-              <a:ext uri="{FF2B5EF4-FFF2-40B4-BE49-F238E27FC236}">
-                <a16:creationId xmlns:a16="http://schemas.microsoft.com/office/drawing/2014/main" id="{A92437FA-E006-1A28-2C9E-B8C5004FD7A2}"/>
+          <p:cNvPr id="4" name="Immagine 3" descr="Immagine che contiene testo, schermata, linea, giallo&#10;&#10;Descrizione generata automaticamente">
+            <a:extLst>
+              <a:ext uri="{FF2B5EF4-FFF2-40B4-BE49-F238E27FC236}">
+                <a16:creationId xmlns:a16="http://schemas.microsoft.com/office/drawing/2014/main" id="{73CC9BB5-13D3-C45A-55E5-BD097D380747}"/>
               </a:ext>
             </a:extLst>
           </p:cNvPr>
@@ -5318,15 +6014,21 @@
           <p:nvPr/>
         </p:nvPicPr>
         <p:blipFill>
-          <a:blip r:embed="rId4"/>
+          <a:blip r:embed="rId3">
+            <a:extLst>
+              <a:ext uri="{28A0092B-C50C-407E-A947-70E740481C1C}">
+                <a14:useLocalDpi xmlns:a14="http://schemas.microsoft.com/office/drawing/2010/main" val="0"/>
+              </a:ext>
+            </a:extLst>
+          </a:blip>
           <a:stretch>
             <a:fillRect/>
           </a:stretch>
         </p:blipFill>
         <p:spPr>
           <a:xfrm>
-            <a:off x="6026909" y="1762252"/>
-            <a:ext cx="5182323" cy="3524742"/>
+            <a:off x="3390074" y="1304724"/>
+            <a:ext cx="8527377" cy="4248551"/>
           </a:xfrm>
           <a:prstGeom prst="rect">
             <a:avLst/>
@@ -5446,7 +6148,23 @@
                   <a:srgbClr val="66C0F4"/>
                 </a:solidFill>
               </a:rPr>
-              <a:t>: Peak CCU</a:t>
+              <a:t> </a:t>
+            </a:r>
+            <a:r>
+              <a:rPr lang="en-US" sz="3200" b="1" dirty="0" err="1">
+                <a:solidFill>
+                  <a:srgbClr val="66C0F4"/>
+                </a:solidFill>
+              </a:rPr>
+              <a:t>dei</a:t>
+            </a:r>
+            <a:r>
+              <a:rPr lang="en-US" sz="3200" b="1" dirty="0">
+                <a:solidFill>
+                  <a:srgbClr val="66C0F4"/>
+                </a:solidFill>
+              </a:rPr>
+              <a:t> F2P</a:t>
             </a:r>
           </a:p>
         </p:txBody>
@@ -5500,40 +6218,948 @@
           </a:effectLst>
         </p:spPr>
       </p:pic>
-      <p:pic>
-        <p:nvPicPr>
-          <p:cNvPr id="4" name="Immagine 3">
-            <a:extLst>
-              <a:ext uri="{FF2B5EF4-FFF2-40B4-BE49-F238E27FC236}">
-                <a16:creationId xmlns:a16="http://schemas.microsoft.com/office/drawing/2014/main" id="{AF06DDF4-62B9-CDAE-85EC-D12E9257C662}"/>
-              </a:ext>
-            </a:extLst>
-          </p:cNvPr>
-          <p:cNvPicPr>
-            <a:picLocks noChangeAspect="1"/>
-          </p:cNvPicPr>
+      <p:sp>
+        <p:nvSpPr>
+          <p:cNvPr id="5" name="CasellaDiTesto 4">
+            <a:extLst>
+              <a:ext uri="{FF2B5EF4-FFF2-40B4-BE49-F238E27FC236}">
+                <a16:creationId xmlns:a16="http://schemas.microsoft.com/office/drawing/2014/main" id="{A1A23F86-C436-0D1B-7DD5-896D35D79F2B}"/>
+              </a:ext>
+            </a:extLst>
+          </p:cNvPr>
+          <p:cNvSpPr txBox="1"/>
           <p:nvPr/>
-        </p:nvPicPr>
-        <p:blipFill>
-          <a:blip r:embed="rId3"/>
-          <a:stretch>
-            <a:fillRect/>
-          </a:stretch>
-        </p:blipFill>
+        </p:nvSpPr>
         <p:spPr>
           <a:xfrm>
-            <a:off x="951782" y="1390365"/>
-            <a:ext cx="10288436" cy="4077269"/>
+            <a:off x="838200" y="937577"/>
+            <a:ext cx="7964198" cy="2862322"/>
           </a:xfrm>
           <a:prstGeom prst="rect">
             <a:avLst/>
           </a:prstGeom>
+          <a:noFill/>
         </p:spPr>
-      </p:pic>
+        <p:txBody>
+          <a:bodyPr wrap="square" rtlCol="0">
+            <a:spAutoFit/>
+          </a:bodyPr>
+          <a:lstStyle/>
+          <a:p>
+            <a:r>
+              <a:rPr lang="en-US" sz="1500" dirty="0">
+                <a:solidFill>
+                  <a:srgbClr val="C7D5E0"/>
+                </a:solidFill>
+              </a:rPr>
+              <a:t>I </a:t>
+            </a:r>
+            <a:r>
+              <a:rPr lang="en-US" sz="1500" dirty="0" err="1">
+                <a:solidFill>
+                  <a:srgbClr val="C7D5E0"/>
+                </a:solidFill>
+              </a:rPr>
+              <a:t>Videogiochi</a:t>
+            </a:r>
+            <a:r>
+              <a:rPr lang="en-US" sz="1500" dirty="0">
+                <a:solidFill>
+                  <a:srgbClr val="C7D5E0"/>
+                </a:solidFill>
+              </a:rPr>
+              <a:t> </a:t>
+            </a:r>
+            <a:r>
+              <a:rPr lang="en-US" sz="1500" dirty="0" err="1">
+                <a:solidFill>
+                  <a:srgbClr val="C7D5E0"/>
+                </a:solidFill>
+              </a:rPr>
+              <a:t>FreeToPlay</a:t>
+            </a:r>
+            <a:r>
+              <a:rPr lang="en-US" sz="1500" dirty="0">
+                <a:solidFill>
+                  <a:srgbClr val="C7D5E0"/>
+                </a:solidFill>
+              </a:rPr>
+              <a:t> (F2P) </a:t>
+            </a:r>
+            <a:r>
+              <a:rPr lang="en-US" sz="1500" dirty="0" err="1">
+                <a:solidFill>
+                  <a:srgbClr val="C7D5E0"/>
+                </a:solidFill>
+              </a:rPr>
+              <a:t>sono</a:t>
+            </a:r>
+            <a:r>
+              <a:rPr lang="en-US" sz="1500" dirty="0">
+                <a:solidFill>
+                  <a:srgbClr val="C7D5E0"/>
+                </a:solidFill>
+              </a:rPr>
+              <a:t> </a:t>
+            </a:r>
+            <a:r>
+              <a:rPr lang="en-US" sz="1500" dirty="0" err="1">
+                <a:solidFill>
+                  <a:srgbClr val="C7D5E0"/>
+                </a:solidFill>
+              </a:rPr>
+              <a:t>prodotti</a:t>
+            </a:r>
+            <a:r>
+              <a:rPr lang="en-US" sz="1500" dirty="0">
+                <a:solidFill>
+                  <a:srgbClr val="C7D5E0"/>
+                </a:solidFill>
+              </a:rPr>
+              <a:t> </a:t>
+            </a:r>
+            <a:r>
+              <a:rPr lang="en-US" sz="1500" dirty="0" err="1">
+                <a:solidFill>
+                  <a:srgbClr val="C7D5E0"/>
+                </a:solidFill>
+              </a:rPr>
+              <a:t>distribuiti</a:t>
+            </a:r>
+            <a:r>
+              <a:rPr lang="en-US" sz="1500" dirty="0">
+                <a:solidFill>
+                  <a:srgbClr val="C7D5E0"/>
+                </a:solidFill>
+              </a:rPr>
+              <a:t> </a:t>
+            </a:r>
+            <a:r>
+              <a:rPr lang="en-US" sz="1500" dirty="0" err="1">
+                <a:solidFill>
+                  <a:srgbClr val="C7D5E0"/>
+                </a:solidFill>
+              </a:rPr>
+              <a:t>gratutitamente</a:t>
+            </a:r>
+            <a:r>
+              <a:rPr lang="en-US" sz="1500" dirty="0">
+                <a:solidFill>
+                  <a:srgbClr val="C7D5E0"/>
+                </a:solidFill>
+              </a:rPr>
+              <a:t> </a:t>
+            </a:r>
+            <a:r>
+              <a:rPr lang="en-US" sz="1500" dirty="0" err="1">
+                <a:solidFill>
+                  <a:srgbClr val="C7D5E0"/>
+                </a:solidFill>
+              </a:rPr>
+              <a:t>che</a:t>
+            </a:r>
+            <a:r>
+              <a:rPr lang="en-US" sz="1500" dirty="0">
+                <a:solidFill>
+                  <a:srgbClr val="C7D5E0"/>
+                </a:solidFill>
+              </a:rPr>
+              <a:t> </a:t>
+            </a:r>
+            <a:r>
+              <a:rPr lang="en-US" sz="1500" dirty="0" err="1">
+                <a:solidFill>
+                  <a:srgbClr val="C7D5E0"/>
+                </a:solidFill>
+              </a:rPr>
+              <a:t>solitamente</a:t>
+            </a:r>
+            <a:r>
+              <a:rPr lang="en-US" sz="1500" dirty="0">
+                <a:solidFill>
+                  <a:srgbClr val="C7D5E0"/>
+                </a:solidFill>
+              </a:rPr>
+              <a:t> </a:t>
+            </a:r>
+            <a:r>
+              <a:rPr lang="en-US" sz="1500" dirty="0" err="1">
+                <a:solidFill>
+                  <a:srgbClr val="C7D5E0"/>
+                </a:solidFill>
+              </a:rPr>
+              <a:t>utilizzano</a:t>
+            </a:r>
+            <a:r>
+              <a:rPr lang="en-US" sz="1500" dirty="0">
+                <a:solidFill>
+                  <a:srgbClr val="C7D5E0"/>
+                </a:solidFill>
+              </a:rPr>
+              <a:t> un </a:t>
+            </a:r>
+            <a:r>
+              <a:rPr lang="en-US" sz="1500" dirty="0" err="1">
+                <a:solidFill>
+                  <a:srgbClr val="C7D5E0"/>
+                </a:solidFill>
+              </a:rPr>
+              <a:t>modello</a:t>
+            </a:r>
+            <a:r>
+              <a:rPr lang="en-US" sz="1500" dirty="0">
+                <a:solidFill>
+                  <a:srgbClr val="C7D5E0"/>
+                </a:solidFill>
+              </a:rPr>
+              <a:t> </a:t>
+            </a:r>
+            <a:r>
+              <a:rPr lang="en-US" sz="1500" dirty="0" err="1">
+                <a:solidFill>
+                  <a:srgbClr val="C7D5E0"/>
+                </a:solidFill>
+              </a:rPr>
+              <a:t>economico</a:t>
+            </a:r>
+            <a:r>
+              <a:rPr lang="en-US" sz="1500" dirty="0">
+                <a:solidFill>
+                  <a:srgbClr val="C7D5E0"/>
+                </a:solidFill>
+              </a:rPr>
+              <a:t> </a:t>
+            </a:r>
+            <a:r>
+              <a:rPr lang="en-US" sz="1500" dirty="0" err="1">
+                <a:solidFill>
+                  <a:srgbClr val="C7D5E0"/>
+                </a:solidFill>
+              </a:rPr>
+              <a:t>basato</a:t>
+            </a:r>
+            <a:r>
+              <a:rPr lang="en-US" sz="1500" dirty="0">
+                <a:solidFill>
+                  <a:srgbClr val="C7D5E0"/>
+                </a:solidFill>
+              </a:rPr>
+              <a:t> </a:t>
+            </a:r>
+            <a:r>
+              <a:rPr lang="en-US" sz="1500" dirty="0" err="1">
+                <a:solidFill>
+                  <a:srgbClr val="C7D5E0"/>
+                </a:solidFill>
+              </a:rPr>
+              <a:t>sulle</a:t>
+            </a:r>
+            <a:r>
+              <a:rPr lang="en-US" sz="1500" dirty="0">
+                <a:solidFill>
+                  <a:srgbClr val="C7D5E0"/>
+                </a:solidFill>
+              </a:rPr>
+              <a:t> </a:t>
+            </a:r>
+            <a:r>
+              <a:rPr lang="en-US" sz="1500" dirty="0" err="1">
+                <a:solidFill>
+                  <a:srgbClr val="C7D5E0"/>
+                </a:solidFill>
+              </a:rPr>
+              <a:t>Microtransazioni</a:t>
+            </a:r>
+            <a:r>
+              <a:rPr lang="en-US" sz="1500" dirty="0">
+                <a:solidFill>
+                  <a:srgbClr val="C7D5E0"/>
+                </a:solidFill>
+              </a:rPr>
+              <a:t> (MTX).</a:t>
+            </a:r>
+          </a:p>
+          <a:p>
+            <a:r>
+              <a:rPr lang="en-US" sz="1500" dirty="0" err="1">
+                <a:solidFill>
+                  <a:srgbClr val="C7D5E0"/>
+                </a:solidFill>
+              </a:rPr>
+              <a:t>Pertanto</a:t>
+            </a:r>
+            <a:r>
+              <a:rPr lang="en-US" sz="1500" dirty="0">
+                <a:solidFill>
+                  <a:srgbClr val="C7D5E0"/>
+                </a:solidFill>
+              </a:rPr>
+              <a:t> il tempo di </a:t>
+            </a:r>
+            <a:r>
+              <a:rPr lang="en-US" sz="1500" dirty="0" err="1">
+                <a:solidFill>
+                  <a:srgbClr val="C7D5E0"/>
+                </a:solidFill>
+              </a:rPr>
+              <a:t>gioco</a:t>
+            </a:r>
+            <a:r>
+              <a:rPr lang="en-US" sz="1500" dirty="0">
+                <a:solidFill>
+                  <a:srgbClr val="C7D5E0"/>
+                </a:solidFill>
+              </a:rPr>
+              <a:t> ed il </a:t>
+            </a:r>
+            <a:r>
+              <a:rPr lang="en-US" sz="1500" dirty="0" err="1">
+                <a:solidFill>
+                  <a:srgbClr val="C7D5E0"/>
+                </a:solidFill>
+              </a:rPr>
+              <a:t>numero</a:t>
+            </a:r>
+            <a:r>
+              <a:rPr lang="en-US" sz="1500" dirty="0">
+                <a:solidFill>
+                  <a:srgbClr val="C7D5E0"/>
+                </a:solidFill>
+              </a:rPr>
+              <a:t> di </a:t>
+            </a:r>
+            <a:r>
+              <a:rPr lang="en-US" sz="1500" dirty="0" err="1">
+                <a:solidFill>
+                  <a:srgbClr val="C7D5E0"/>
+                </a:solidFill>
+              </a:rPr>
+              <a:t>giocatori</a:t>
+            </a:r>
+            <a:r>
+              <a:rPr lang="en-US" sz="1500" dirty="0">
+                <a:solidFill>
+                  <a:srgbClr val="C7D5E0"/>
+                </a:solidFill>
+              </a:rPr>
+              <a:t> online </a:t>
+            </a:r>
+            <a:r>
+              <a:rPr lang="en-US" sz="1500" dirty="0" err="1">
+                <a:solidFill>
+                  <a:srgbClr val="C7D5E0"/>
+                </a:solidFill>
+              </a:rPr>
+              <a:t>temporaneamente</a:t>
+            </a:r>
+            <a:r>
+              <a:rPr lang="en-US" sz="1500" dirty="0">
+                <a:solidFill>
+                  <a:srgbClr val="C7D5E0"/>
+                </a:solidFill>
+              </a:rPr>
+              <a:t> </a:t>
+            </a:r>
+            <a:r>
+              <a:rPr lang="en-US" sz="1500" dirty="0" err="1">
+                <a:solidFill>
+                  <a:srgbClr val="C7D5E0"/>
+                </a:solidFill>
+              </a:rPr>
+              <a:t>influiscono</a:t>
+            </a:r>
+            <a:r>
+              <a:rPr lang="en-US" sz="1500" dirty="0">
+                <a:solidFill>
+                  <a:srgbClr val="C7D5E0"/>
+                </a:solidFill>
+              </a:rPr>
+              <a:t> </a:t>
+            </a:r>
+            <a:r>
+              <a:rPr lang="en-US" sz="1500" dirty="0" err="1">
+                <a:solidFill>
+                  <a:srgbClr val="C7D5E0"/>
+                </a:solidFill>
+              </a:rPr>
+              <a:t>sul</a:t>
+            </a:r>
+            <a:r>
+              <a:rPr lang="en-US" sz="1500" dirty="0">
+                <a:solidFill>
+                  <a:srgbClr val="C7D5E0"/>
+                </a:solidFill>
+              </a:rPr>
+              <a:t> </a:t>
+            </a:r>
+            <a:r>
+              <a:rPr lang="en-US" sz="1500" dirty="0" err="1">
+                <a:solidFill>
+                  <a:srgbClr val="C7D5E0"/>
+                </a:solidFill>
+              </a:rPr>
+              <a:t>profitto</a:t>
+            </a:r>
+            <a:r>
+              <a:rPr lang="en-US" sz="1500" dirty="0">
+                <a:solidFill>
+                  <a:srgbClr val="C7D5E0"/>
+                </a:solidFill>
+              </a:rPr>
+              <a:t> </a:t>
+            </a:r>
+            <a:r>
+              <a:rPr lang="en-US" sz="1500" dirty="0" err="1">
+                <a:solidFill>
+                  <a:srgbClr val="C7D5E0"/>
+                </a:solidFill>
+              </a:rPr>
+              <a:t>registrato</a:t>
+            </a:r>
+            <a:r>
+              <a:rPr lang="en-US" sz="1500" dirty="0">
+                <a:solidFill>
+                  <a:srgbClr val="C7D5E0"/>
+                </a:solidFill>
+              </a:rPr>
+              <a:t> dale compagnie</a:t>
+            </a:r>
+          </a:p>
+          <a:p>
+            <a:endParaRPr lang="en-US" sz="1500" dirty="0">
+              <a:solidFill>
+                <a:srgbClr val="C7D5E0"/>
+              </a:solidFill>
+            </a:endParaRPr>
+          </a:p>
+          <a:p>
+            <a:r>
+              <a:rPr lang="en-US" sz="1500" dirty="0">
+                <a:solidFill>
+                  <a:srgbClr val="C7D5E0"/>
+                </a:solidFill>
+              </a:rPr>
+              <a:t>Il </a:t>
+            </a:r>
+            <a:r>
+              <a:rPr lang="en-US" sz="1500" dirty="0" err="1">
+                <a:solidFill>
+                  <a:srgbClr val="C7D5E0"/>
+                </a:solidFill>
+              </a:rPr>
+              <a:t>numero</a:t>
+            </a:r>
+            <a:r>
+              <a:rPr lang="en-US" sz="1500" dirty="0">
+                <a:solidFill>
+                  <a:srgbClr val="C7D5E0"/>
+                </a:solidFill>
+              </a:rPr>
+              <a:t> di download (Estimated Owners) </a:t>
+            </a:r>
+            <a:r>
+              <a:rPr lang="en-US" sz="1500" dirty="0" err="1">
+                <a:solidFill>
+                  <a:srgbClr val="C7D5E0"/>
+                </a:solidFill>
+              </a:rPr>
+              <a:t>nel</a:t>
+            </a:r>
+            <a:r>
+              <a:rPr lang="en-US" sz="1500" dirty="0">
+                <a:solidFill>
+                  <a:srgbClr val="C7D5E0"/>
+                </a:solidFill>
+              </a:rPr>
+              <a:t> </a:t>
+            </a:r>
+            <a:r>
+              <a:rPr lang="en-US" sz="1500" dirty="0" err="1">
+                <a:solidFill>
+                  <a:srgbClr val="C7D5E0"/>
+                </a:solidFill>
+              </a:rPr>
+              <a:t>caso</a:t>
+            </a:r>
+            <a:r>
+              <a:rPr lang="en-US" sz="1500" dirty="0">
+                <a:solidFill>
+                  <a:srgbClr val="C7D5E0"/>
+                </a:solidFill>
+              </a:rPr>
+              <a:t> </a:t>
+            </a:r>
+            <a:r>
+              <a:rPr lang="en-US" sz="1500" dirty="0" err="1">
+                <a:solidFill>
+                  <a:srgbClr val="C7D5E0"/>
+                </a:solidFill>
+              </a:rPr>
+              <a:t>dei</a:t>
+            </a:r>
+            <a:r>
+              <a:rPr lang="en-US" sz="1500" dirty="0">
+                <a:solidFill>
+                  <a:srgbClr val="C7D5E0"/>
+                </a:solidFill>
+              </a:rPr>
+              <a:t> </a:t>
+            </a:r>
+            <a:r>
+              <a:rPr lang="en-US" sz="1500" dirty="0" err="1">
+                <a:solidFill>
+                  <a:srgbClr val="C7D5E0"/>
+                </a:solidFill>
+              </a:rPr>
+              <a:t>Videogiochi</a:t>
+            </a:r>
+            <a:r>
+              <a:rPr lang="en-US" sz="1500" dirty="0">
+                <a:solidFill>
+                  <a:srgbClr val="C7D5E0"/>
+                </a:solidFill>
+              </a:rPr>
+              <a:t> F2P non e’ un </a:t>
+            </a:r>
+            <a:r>
+              <a:rPr lang="en-US" sz="1500" dirty="0" err="1">
+                <a:solidFill>
+                  <a:srgbClr val="C7D5E0"/>
+                </a:solidFill>
+              </a:rPr>
+              <a:t>buon</a:t>
+            </a:r>
+            <a:r>
+              <a:rPr lang="en-US" sz="1500" dirty="0">
+                <a:solidFill>
+                  <a:srgbClr val="C7D5E0"/>
+                </a:solidFill>
+              </a:rPr>
+              <a:t> </a:t>
+            </a:r>
+            <a:r>
+              <a:rPr lang="en-US" sz="1500" dirty="0" err="1">
+                <a:solidFill>
+                  <a:srgbClr val="C7D5E0"/>
+                </a:solidFill>
+              </a:rPr>
+              <a:t>indicatore</a:t>
+            </a:r>
+            <a:r>
+              <a:rPr lang="en-US" sz="1500" dirty="0">
+                <a:solidFill>
+                  <a:srgbClr val="C7D5E0"/>
+                </a:solidFill>
+              </a:rPr>
+              <a:t> del </a:t>
+            </a:r>
+            <a:r>
+              <a:rPr lang="en-US" sz="1500" dirty="0" err="1">
+                <a:solidFill>
+                  <a:srgbClr val="C7D5E0"/>
+                </a:solidFill>
+              </a:rPr>
+              <a:t>successo</a:t>
+            </a:r>
+            <a:r>
+              <a:rPr lang="en-US" sz="1500" dirty="0">
+                <a:solidFill>
+                  <a:srgbClr val="C7D5E0"/>
+                </a:solidFill>
+              </a:rPr>
+              <a:t> </a:t>
+            </a:r>
+            <a:r>
+              <a:rPr lang="en-US" sz="1500" dirty="0" err="1">
+                <a:solidFill>
+                  <a:srgbClr val="C7D5E0"/>
+                </a:solidFill>
+              </a:rPr>
+              <a:t>economico</a:t>
+            </a:r>
+            <a:r>
+              <a:rPr lang="en-US" sz="1500" dirty="0">
+                <a:solidFill>
+                  <a:srgbClr val="C7D5E0"/>
+                </a:solidFill>
+              </a:rPr>
+              <a:t> </a:t>
+            </a:r>
+            <a:r>
+              <a:rPr lang="en-US" sz="1500" dirty="0" err="1">
+                <a:solidFill>
+                  <a:srgbClr val="C7D5E0"/>
+                </a:solidFill>
+              </a:rPr>
+              <a:t>degli</a:t>
+            </a:r>
+            <a:r>
+              <a:rPr lang="en-US" sz="1500" dirty="0">
+                <a:solidFill>
+                  <a:srgbClr val="C7D5E0"/>
+                </a:solidFill>
+              </a:rPr>
+              <a:t> </a:t>
+            </a:r>
+            <a:r>
+              <a:rPr lang="en-US" sz="1500" dirty="0" err="1">
+                <a:solidFill>
+                  <a:srgbClr val="C7D5E0"/>
+                </a:solidFill>
+              </a:rPr>
+              <a:t>stessi</a:t>
+            </a:r>
+            <a:r>
+              <a:rPr lang="en-US" sz="1500" dirty="0">
+                <a:solidFill>
+                  <a:srgbClr val="C7D5E0"/>
+                </a:solidFill>
+              </a:rPr>
+              <a:t>.</a:t>
+            </a:r>
+          </a:p>
+          <a:p>
+            <a:endParaRPr lang="en-US" sz="1500" dirty="0">
+              <a:solidFill>
+                <a:srgbClr val="C7D5E0"/>
+              </a:solidFill>
+            </a:endParaRPr>
+          </a:p>
+          <a:p>
+            <a:r>
+              <a:rPr lang="en-US" sz="1500" dirty="0" err="1">
+                <a:solidFill>
+                  <a:srgbClr val="C7D5E0"/>
+                </a:solidFill>
+              </a:rPr>
+              <a:t>Procediamo</a:t>
+            </a:r>
+            <a:r>
+              <a:rPr lang="en-US" sz="1500" dirty="0">
+                <a:solidFill>
+                  <a:srgbClr val="C7D5E0"/>
+                </a:solidFill>
+              </a:rPr>
+              <a:t> </a:t>
+            </a:r>
+            <a:r>
+              <a:rPr lang="en-US" sz="1500" dirty="0" err="1">
+                <a:solidFill>
+                  <a:srgbClr val="C7D5E0"/>
+                </a:solidFill>
+              </a:rPr>
+              <a:t>quindi</a:t>
+            </a:r>
+            <a:r>
+              <a:rPr lang="en-US" sz="1500" dirty="0">
+                <a:solidFill>
+                  <a:srgbClr val="C7D5E0"/>
+                </a:solidFill>
+              </a:rPr>
+              <a:t> ad </a:t>
+            </a:r>
+            <a:r>
+              <a:rPr lang="en-US" sz="1500" dirty="0" err="1">
+                <a:solidFill>
+                  <a:srgbClr val="C7D5E0"/>
+                </a:solidFill>
+              </a:rPr>
+              <a:t>analizzare</a:t>
+            </a:r>
+            <a:r>
+              <a:rPr lang="en-US" sz="1500" dirty="0">
+                <a:solidFill>
+                  <a:srgbClr val="C7D5E0"/>
+                </a:solidFill>
+              </a:rPr>
+              <a:t> due </a:t>
+            </a:r>
+            <a:r>
+              <a:rPr lang="en-US" sz="1500" dirty="0" err="1">
+                <a:solidFill>
+                  <a:srgbClr val="C7D5E0"/>
+                </a:solidFill>
+              </a:rPr>
+              <a:t>diversi</a:t>
+            </a:r>
+            <a:r>
+              <a:rPr lang="en-US" sz="1500" dirty="0">
+                <a:solidFill>
+                  <a:srgbClr val="C7D5E0"/>
+                </a:solidFill>
+              </a:rPr>
+              <a:t> </a:t>
+            </a:r>
+            <a:r>
+              <a:rPr lang="en-US" sz="1500" dirty="0" err="1">
+                <a:solidFill>
+                  <a:srgbClr val="C7D5E0"/>
+                </a:solidFill>
+              </a:rPr>
+              <a:t>classificatori</a:t>
+            </a:r>
+            <a:r>
+              <a:rPr lang="en-US" sz="1500" dirty="0">
+                <a:solidFill>
+                  <a:srgbClr val="C7D5E0"/>
+                </a:solidFill>
+              </a:rPr>
+              <a:t>:</a:t>
+            </a:r>
+          </a:p>
+          <a:p>
+            <a:pPr marL="285750" indent="-285750">
+              <a:buClr>
+                <a:srgbClr val="66C0F4"/>
+              </a:buClr>
+              <a:buFont typeface="Arial" panose="020B0604020202020204" pitchFamily="34" charset="0"/>
+              <a:buChar char="•"/>
+            </a:pPr>
+            <a:r>
+              <a:rPr lang="en-US" sz="1500" dirty="0">
+                <a:solidFill>
+                  <a:srgbClr val="C7D5E0"/>
+                </a:solidFill>
+              </a:rPr>
+              <a:t>Peak CCU – Il </a:t>
+            </a:r>
+            <a:r>
+              <a:rPr lang="en-US" sz="1500" dirty="0" err="1">
+                <a:solidFill>
+                  <a:srgbClr val="C7D5E0"/>
+                </a:solidFill>
+              </a:rPr>
+              <a:t>picco</a:t>
+            </a:r>
+            <a:r>
+              <a:rPr lang="en-US" sz="1500" dirty="0">
+                <a:solidFill>
+                  <a:srgbClr val="C7D5E0"/>
+                </a:solidFill>
+              </a:rPr>
+              <a:t> di </a:t>
+            </a:r>
+            <a:r>
+              <a:rPr lang="en-US" sz="1500" dirty="0" err="1">
+                <a:solidFill>
+                  <a:srgbClr val="C7D5E0"/>
+                </a:solidFill>
+              </a:rPr>
+              <a:t>giocatori</a:t>
+            </a:r>
+            <a:r>
+              <a:rPr lang="en-US" sz="1500" dirty="0">
+                <a:solidFill>
+                  <a:srgbClr val="C7D5E0"/>
+                </a:solidFill>
+              </a:rPr>
+              <a:t> online in </a:t>
+            </a:r>
+            <a:r>
+              <a:rPr lang="en-US" sz="1500" dirty="0" err="1">
+                <a:solidFill>
+                  <a:srgbClr val="C7D5E0"/>
+                </a:solidFill>
+              </a:rPr>
+              <a:t>contemporanea</a:t>
+            </a:r>
+            <a:r>
+              <a:rPr lang="en-US" sz="1500" dirty="0">
+                <a:solidFill>
+                  <a:srgbClr val="C7D5E0"/>
+                </a:solidFill>
+              </a:rPr>
+              <a:t> piu’ alto </a:t>
+            </a:r>
+            <a:r>
+              <a:rPr lang="en-US" sz="1500" dirty="0" err="1">
+                <a:solidFill>
+                  <a:srgbClr val="C7D5E0"/>
+                </a:solidFill>
+              </a:rPr>
+              <a:t>mai</a:t>
+            </a:r>
+            <a:r>
+              <a:rPr lang="en-US" sz="1500" dirty="0">
+                <a:solidFill>
+                  <a:srgbClr val="C7D5E0"/>
+                </a:solidFill>
+              </a:rPr>
+              <a:t> </a:t>
+            </a:r>
+            <a:r>
+              <a:rPr lang="en-US" sz="1500" dirty="0" err="1">
+                <a:solidFill>
+                  <a:srgbClr val="C7D5E0"/>
+                </a:solidFill>
+              </a:rPr>
+              <a:t>registrato</a:t>
+            </a:r>
+            <a:endParaRPr lang="en-US" sz="1500" dirty="0">
+              <a:solidFill>
+                <a:srgbClr val="C7D5E0"/>
+              </a:solidFill>
+            </a:endParaRPr>
+          </a:p>
+          <a:p>
+            <a:pPr marL="285750" indent="-285750">
+              <a:buClr>
+                <a:srgbClr val="66C0F4"/>
+              </a:buClr>
+              <a:buFont typeface="Arial" panose="020B0604020202020204" pitchFamily="34" charset="0"/>
+              <a:buChar char="•"/>
+            </a:pPr>
+            <a:r>
+              <a:rPr lang="en-US" sz="1500" dirty="0" err="1">
+                <a:solidFill>
+                  <a:srgbClr val="C7D5E0"/>
+                </a:solidFill>
+              </a:rPr>
+              <a:t>AverageTime</a:t>
+            </a:r>
+            <a:r>
+              <a:rPr lang="en-US" sz="1500" dirty="0">
+                <a:solidFill>
+                  <a:srgbClr val="C7D5E0"/>
+                </a:solidFill>
+              </a:rPr>
+              <a:t> – Il tempo medio di </a:t>
+            </a:r>
+            <a:r>
+              <a:rPr lang="en-US" sz="1500" dirty="0" err="1">
+                <a:solidFill>
+                  <a:srgbClr val="C7D5E0"/>
+                </a:solidFill>
+              </a:rPr>
+              <a:t>utilizzo</a:t>
+            </a:r>
+            <a:r>
+              <a:rPr lang="en-US" sz="1500" dirty="0">
+                <a:solidFill>
+                  <a:srgbClr val="C7D5E0"/>
+                </a:solidFill>
+              </a:rPr>
+              <a:t> di un </a:t>
+            </a:r>
+            <a:r>
+              <a:rPr lang="en-US" sz="1500" dirty="0" err="1">
+                <a:solidFill>
+                  <a:srgbClr val="C7D5E0"/>
+                </a:solidFill>
+              </a:rPr>
+              <a:t>Videogioco</a:t>
+            </a:r>
+            <a:r>
+              <a:rPr lang="en-US" sz="1500" dirty="0">
+                <a:solidFill>
+                  <a:srgbClr val="C7D5E0"/>
+                </a:solidFill>
+              </a:rPr>
+              <a:t> da </a:t>
+            </a:r>
+            <a:r>
+              <a:rPr lang="en-US" sz="1500" dirty="0" err="1">
+                <a:solidFill>
+                  <a:srgbClr val="C7D5E0"/>
+                </a:solidFill>
+              </a:rPr>
+              <a:t>parte</a:t>
+            </a:r>
+            <a:r>
+              <a:rPr lang="en-US" sz="1500" dirty="0">
+                <a:solidFill>
+                  <a:srgbClr val="C7D5E0"/>
+                </a:solidFill>
+              </a:rPr>
+              <a:t> </a:t>
+            </a:r>
+            <a:r>
+              <a:rPr lang="en-US" sz="1500" dirty="0" err="1">
+                <a:solidFill>
+                  <a:srgbClr val="C7D5E0"/>
+                </a:solidFill>
+              </a:rPr>
+              <a:t>degli</a:t>
+            </a:r>
+            <a:r>
+              <a:rPr lang="en-US" sz="1500" dirty="0">
+                <a:solidFill>
+                  <a:srgbClr val="C7D5E0"/>
+                </a:solidFill>
+              </a:rPr>
+              <a:t> </a:t>
+            </a:r>
+            <a:r>
+              <a:rPr lang="en-US" sz="1500" dirty="0" err="1">
+                <a:solidFill>
+                  <a:srgbClr val="C7D5E0"/>
+                </a:solidFill>
+              </a:rPr>
+              <a:t>utenti</a:t>
+            </a:r>
+            <a:r>
+              <a:rPr lang="en-US" sz="1500" dirty="0">
+                <a:solidFill>
+                  <a:srgbClr val="C7D5E0"/>
+                </a:solidFill>
+              </a:rPr>
+              <a:t> </a:t>
+            </a:r>
+            <a:r>
+              <a:rPr lang="en-US" sz="1500" dirty="0" err="1">
+                <a:solidFill>
+                  <a:srgbClr val="C7D5E0"/>
+                </a:solidFill>
+              </a:rPr>
+              <a:t>che</a:t>
+            </a:r>
+            <a:r>
+              <a:rPr lang="en-US" sz="1500" dirty="0">
+                <a:solidFill>
+                  <a:srgbClr val="C7D5E0"/>
+                </a:solidFill>
+              </a:rPr>
+              <a:t> lo </a:t>
+            </a:r>
+            <a:r>
+              <a:rPr lang="en-US" sz="1500" dirty="0" err="1">
+                <a:solidFill>
+                  <a:srgbClr val="C7D5E0"/>
+                </a:solidFill>
+              </a:rPr>
+              <a:t>acquistano</a:t>
+            </a:r>
+            <a:r>
+              <a:rPr lang="en-US" sz="1500" dirty="0">
+                <a:solidFill>
+                  <a:srgbClr val="C7D5E0"/>
+                </a:solidFill>
+              </a:rPr>
+              <a:t> (o </a:t>
+            </a:r>
+            <a:r>
+              <a:rPr lang="en-US" sz="1500" dirty="0" err="1">
+                <a:solidFill>
+                  <a:srgbClr val="C7D5E0"/>
+                </a:solidFill>
+              </a:rPr>
+              <a:t>scaricano</a:t>
+            </a:r>
+            <a:r>
+              <a:rPr lang="en-US" sz="1500" dirty="0">
+                <a:solidFill>
+                  <a:srgbClr val="C7D5E0"/>
+                </a:solidFill>
+              </a:rPr>
+              <a:t>)</a:t>
+            </a:r>
+          </a:p>
+        </p:txBody>
+      </p:sp>
     </p:spTree>
     <p:extLst>
       <p:ext uri="{BB962C8B-B14F-4D97-AF65-F5344CB8AC3E}">
-        <p14:creationId xmlns:p14="http://schemas.microsoft.com/office/powerpoint/2010/main" val="3120618064"/>
+        <p14:creationId xmlns:p14="http://schemas.microsoft.com/office/powerpoint/2010/main" val="3673004389"/>
       </p:ext>
     </p:extLst>
   </p:cSld>
@@ -5643,7 +7269,7 @@
                   <a:srgbClr val="66C0F4"/>
                 </a:solidFill>
               </a:rPr>
-              <a:t>: Average Time</a:t>
+              <a:t>: Peak CCU</a:t>
             </a:r>
           </a:p>
         </p:txBody>
@@ -5699,10 +7325,10 @@
       </p:pic>
       <p:pic>
         <p:nvPicPr>
-          <p:cNvPr id="4" name="Immagine 3">
-            <a:extLst>
-              <a:ext uri="{FF2B5EF4-FFF2-40B4-BE49-F238E27FC236}">
-                <a16:creationId xmlns:a16="http://schemas.microsoft.com/office/drawing/2014/main" id="{AF06DDF4-62B9-CDAE-85EC-D12E9257C662}"/>
+          <p:cNvPr id="3" name="Immagine 2" descr="Immagine che contiene testo, linea, Diagramma, numero&#10;&#10;Descrizione generata automaticamente">
+            <a:extLst>
+              <a:ext uri="{FF2B5EF4-FFF2-40B4-BE49-F238E27FC236}">
+                <a16:creationId xmlns:a16="http://schemas.microsoft.com/office/drawing/2014/main" id="{ADBBA34D-3762-CA9E-B132-9D644EBC0AE4}"/>
               </a:ext>
             </a:extLst>
           </p:cNvPr>
@@ -5712,25 +7338,423 @@
           <p:nvPr/>
         </p:nvPicPr>
         <p:blipFill>
-          <a:blip r:embed="rId3"/>
+          <a:blip r:embed="rId3">
+            <a:extLst>
+              <a:ext uri="{28A0092B-C50C-407E-A947-70E740481C1C}">
+                <a14:useLocalDpi xmlns:a14="http://schemas.microsoft.com/office/drawing/2010/main" val="0"/>
+              </a:ext>
+            </a:extLst>
+          </a:blip>
           <a:stretch>
             <a:fillRect/>
           </a:stretch>
         </p:blipFill>
         <p:spPr>
           <a:xfrm>
-            <a:off x="951782" y="1390365"/>
-            <a:ext cx="10288436" cy="4077269"/>
+            <a:off x="3124200" y="1252032"/>
+            <a:ext cx="8738898" cy="4353936"/>
           </a:xfrm>
           <a:prstGeom prst="rect">
             <a:avLst/>
           </a:prstGeom>
         </p:spPr>
       </p:pic>
+      <p:sp>
+        <p:nvSpPr>
+          <p:cNvPr id="5" name="CasellaDiTesto 4">
+            <a:extLst>
+              <a:ext uri="{FF2B5EF4-FFF2-40B4-BE49-F238E27FC236}">
+                <a16:creationId xmlns:a16="http://schemas.microsoft.com/office/drawing/2014/main" id="{A1A23F86-C436-0D1B-7DD5-896D35D79F2B}"/>
+              </a:ext>
+            </a:extLst>
+          </p:cNvPr>
+          <p:cNvSpPr txBox="1"/>
+          <p:nvPr/>
+        </p:nvSpPr>
+        <p:spPr>
+          <a:xfrm>
+            <a:off x="328902" y="2228671"/>
+            <a:ext cx="2676704" cy="2400657"/>
+          </a:xfrm>
+          <a:prstGeom prst="rect">
+            <a:avLst/>
+          </a:prstGeom>
+          <a:noFill/>
+        </p:spPr>
+        <p:txBody>
+          <a:bodyPr wrap="square" rtlCol="0">
+            <a:spAutoFit/>
+          </a:bodyPr>
+          <a:lstStyle/>
+          <a:p>
+            <a:r>
+              <a:rPr lang="en-US" sz="1500" dirty="0" err="1">
+                <a:solidFill>
+                  <a:srgbClr val="C7D5E0"/>
+                </a:solidFill>
+              </a:rPr>
+              <a:t>Notiamo</a:t>
+            </a:r>
+            <a:r>
+              <a:rPr lang="en-US" sz="1500" dirty="0">
+                <a:solidFill>
+                  <a:srgbClr val="C7D5E0"/>
+                </a:solidFill>
+              </a:rPr>
+              <a:t> la </a:t>
+            </a:r>
+            <a:r>
+              <a:rPr lang="en-US" sz="1500" dirty="0" err="1">
+                <a:solidFill>
+                  <a:srgbClr val="C7D5E0"/>
+                </a:solidFill>
+              </a:rPr>
+              <a:t>presenza</a:t>
+            </a:r>
+            <a:r>
+              <a:rPr lang="en-US" sz="1500" dirty="0">
+                <a:solidFill>
+                  <a:srgbClr val="C7D5E0"/>
+                </a:solidFill>
+              </a:rPr>
+              <a:t> di </a:t>
+            </a:r>
+            <a:r>
+              <a:rPr lang="en-US" sz="1500" dirty="0" err="1">
+                <a:solidFill>
+                  <a:srgbClr val="C7D5E0"/>
+                </a:solidFill>
+              </a:rPr>
+              <a:t>una</a:t>
+            </a:r>
+            <a:r>
+              <a:rPr lang="en-US" sz="1500" dirty="0">
+                <a:solidFill>
+                  <a:srgbClr val="C7D5E0"/>
+                </a:solidFill>
+              </a:rPr>
+              <a:t> </a:t>
+            </a:r>
+            <a:r>
+              <a:rPr lang="en-US" sz="1500" dirty="0" err="1">
+                <a:solidFill>
+                  <a:srgbClr val="C7D5E0"/>
+                </a:solidFill>
+              </a:rPr>
+              <a:t>correlazione</a:t>
+            </a:r>
+            <a:r>
+              <a:rPr lang="en-US" sz="1500" dirty="0">
+                <a:solidFill>
+                  <a:srgbClr val="C7D5E0"/>
+                </a:solidFill>
+              </a:rPr>
+              <a:t> positive </a:t>
+            </a:r>
+            <a:r>
+              <a:rPr lang="en-US" sz="1500" dirty="0" err="1">
+                <a:solidFill>
+                  <a:srgbClr val="C7D5E0"/>
+                </a:solidFill>
+              </a:rPr>
+              <a:t>tra</a:t>
+            </a:r>
+            <a:r>
+              <a:rPr lang="en-US" sz="1500" dirty="0">
+                <a:solidFill>
+                  <a:srgbClr val="C7D5E0"/>
+                </a:solidFill>
+              </a:rPr>
+              <a:t> il Peak CCU ed il </a:t>
+            </a:r>
+            <a:r>
+              <a:rPr lang="en-US" sz="1500" dirty="0" err="1">
+                <a:solidFill>
+                  <a:srgbClr val="C7D5E0"/>
+                </a:solidFill>
+              </a:rPr>
+              <a:t>numero</a:t>
+            </a:r>
+            <a:r>
+              <a:rPr lang="en-US" sz="1500" dirty="0">
+                <a:solidFill>
+                  <a:srgbClr val="C7D5E0"/>
+                </a:solidFill>
+              </a:rPr>
+              <a:t> di </a:t>
+            </a:r>
+            <a:r>
+              <a:rPr lang="en-US" sz="1500" dirty="0" err="1">
+                <a:solidFill>
+                  <a:srgbClr val="C7D5E0"/>
+                </a:solidFill>
+              </a:rPr>
+              <a:t>utenti</a:t>
+            </a:r>
+            <a:r>
+              <a:rPr lang="en-US" sz="1500" dirty="0">
+                <a:solidFill>
+                  <a:srgbClr val="C7D5E0"/>
+                </a:solidFill>
+              </a:rPr>
+              <a:t> </a:t>
+            </a:r>
+            <a:r>
+              <a:rPr lang="en-US" sz="1500" dirty="0" err="1">
+                <a:solidFill>
+                  <a:srgbClr val="C7D5E0"/>
+                </a:solidFill>
+              </a:rPr>
+              <a:t>che</a:t>
+            </a:r>
+            <a:r>
+              <a:rPr lang="en-US" sz="1500" dirty="0">
+                <a:solidFill>
+                  <a:srgbClr val="C7D5E0"/>
+                </a:solidFill>
+              </a:rPr>
+              <a:t> </a:t>
+            </a:r>
+            <a:r>
+              <a:rPr lang="en-US" sz="1500" dirty="0" err="1">
+                <a:solidFill>
+                  <a:srgbClr val="C7D5E0"/>
+                </a:solidFill>
+              </a:rPr>
+              <a:t>possiedono</a:t>
+            </a:r>
+            <a:r>
+              <a:rPr lang="en-US" sz="1500" dirty="0">
+                <a:solidFill>
+                  <a:srgbClr val="C7D5E0"/>
+                </a:solidFill>
+              </a:rPr>
+              <a:t> il </a:t>
+            </a:r>
+            <a:r>
+              <a:rPr lang="en-US" sz="1500" dirty="0" err="1">
+                <a:solidFill>
+                  <a:srgbClr val="C7D5E0"/>
+                </a:solidFill>
+              </a:rPr>
+              <a:t>gioco</a:t>
+            </a:r>
+            <a:r>
+              <a:rPr lang="en-US" sz="1500" dirty="0">
+                <a:solidFill>
+                  <a:srgbClr val="C7D5E0"/>
+                </a:solidFill>
+              </a:rPr>
+              <a:t>.</a:t>
+            </a:r>
+          </a:p>
+          <a:p>
+            <a:endParaRPr lang="en-US" sz="1500" dirty="0">
+              <a:solidFill>
+                <a:srgbClr val="C7D5E0"/>
+              </a:solidFill>
+            </a:endParaRPr>
+          </a:p>
+          <a:p>
+            <a:r>
+              <a:rPr lang="en-US" sz="1500" dirty="0" err="1">
+                <a:solidFill>
+                  <a:srgbClr val="C7D5E0"/>
+                </a:solidFill>
+              </a:rPr>
+              <a:t>Sebbene</a:t>
+            </a:r>
+            <a:r>
+              <a:rPr lang="en-US" sz="1500" dirty="0">
+                <a:solidFill>
+                  <a:srgbClr val="C7D5E0"/>
+                </a:solidFill>
+              </a:rPr>
+              <a:t> </a:t>
+            </a:r>
+            <a:r>
+              <a:rPr lang="en-US" sz="1500" dirty="0" err="1">
+                <a:solidFill>
+                  <a:srgbClr val="C7D5E0"/>
+                </a:solidFill>
+              </a:rPr>
+              <a:t>si</a:t>
+            </a:r>
+            <a:r>
+              <a:rPr lang="en-US" sz="1500" dirty="0">
+                <a:solidFill>
+                  <a:srgbClr val="C7D5E0"/>
+                </a:solidFill>
+              </a:rPr>
+              <a:t> </a:t>
+            </a:r>
+            <a:r>
+              <a:rPr lang="en-US" sz="1500" dirty="0" err="1">
+                <a:solidFill>
+                  <a:srgbClr val="C7D5E0"/>
+                </a:solidFill>
+              </a:rPr>
+              <a:t>tratti</a:t>
+            </a:r>
+            <a:r>
+              <a:rPr lang="en-US" sz="1500" dirty="0">
+                <a:solidFill>
+                  <a:srgbClr val="C7D5E0"/>
+                </a:solidFill>
+              </a:rPr>
+              <a:t> di un </a:t>
+            </a:r>
+            <a:r>
+              <a:rPr lang="en-US" sz="1500" dirty="0" err="1">
+                <a:solidFill>
+                  <a:srgbClr val="C7D5E0"/>
+                </a:solidFill>
+              </a:rPr>
+              <a:t>classificatore</a:t>
+            </a:r>
+            <a:r>
+              <a:rPr lang="en-US" sz="1500" dirty="0">
+                <a:solidFill>
+                  <a:srgbClr val="C7D5E0"/>
+                </a:solidFill>
+              </a:rPr>
+              <a:t> </a:t>
+            </a:r>
+            <a:r>
+              <a:rPr lang="en-US" sz="1500" dirty="0" err="1">
+                <a:solidFill>
+                  <a:srgbClr val="C7D5E0"/>
+                </a:solidFill>
+              </a:rPr>
+              <a:t>generalmente</a:t>
+            </a:r>
+            <a:r>
+              <a:rPr lang="en-US" sz="1500" dirty="0">
+                <a:solidFill>
+                  <a:srgbClr val="C7D5E0"/>
+                </a:solidFill>
+              </a:rPr>
+              <a:t> </a:t>
+            </a:r>
+            <a:r>
+              <a:rPr lang="en-US" sz="1500" dirty="0" err="1">
+                <a:solidFill>
+                  <a:srgbClr val="C7D5E0"/>
+                </a:solidFill>
+              </a:rPr>
+              <a:t>migliore</a:t>
+            </a:r>
+            <a:r>
+              <a:rPr lang="en-US" sz="1500" dirty="0">
+                <a:solidFill>
+                  <a:srgbClr val="C7D5E0"/>
+                </a:solidFill>
+              </a:rPr>
+              <a:t>, non e’ </a:t>
+            </a:r>
+            <a:r>
+              <a:rPr lang="en-US" sz="1500" dirty="0" err="1">
+                <a:solidFill>
+                  <a:srgbClr val="C7D5E0"/>
+                </a:solidFill>
+              </a:rPr>
+              <a:t>sufficiente</a:t>
+            </a:r>
+            <a:r>
+              <a:rPr lang="en-US" sz="1500" dirty="0">
+                <a:solidFill>
+                  <a:srgbClr val="C7D5E0"/>
+                </a:solidFill>
+              </a:rPr>
+              <a:t> a </a:t>
+            </a:r>
+            <a:r>
+              <a:rPr lang="en-US" sz="1500" dirty="0" err="1">
+                <a:solidFill>
+                  <a:srgbClr val="C7D5E0"/>
+                </a:solidFill>
+              </a:rPr>
+              <a:t>caratterizzare</a:t>
+            </a:r>
+            <a:r>
+              <a:rPr lang="en-US" sz="1500" dirty="0">
+                <a:solidFill>
+                  <a:srgbClr val="C7D5E0"/>
+                </a:solidFill>
+              </a:rPr>
+              <a:t> il </a:t>
+            </a:r>
+            <a:r>
+              <a:rPr lang="en-US" sz="1500" dirty="0" err="1">
+                <a:solidFill>
+                  <a:srgbClr val="C7D5E0"/>
+                </a:solidFill>
+              </a:rPr>
+              <a:t>successo</a:t>
+            </a:r>
+            <a:r>
+              <a:rPr lang="en-US" sz="1500" dirty="0">
+                <a:solidFill>
+                  <a:srgbClr val="C7D5E0"/>
+                </a:solidFill>
+              </a:rPr>
+              <a:t> </a:t>
+            </a:r>
+            <a:r>
+              <a:rPr lang="en-US" sz="1500" dirty="0" err="1">
+                <a:solidFill>
+                  <a:srgbClr val="C7D5E0"/>
+                </a:solidFill>
+              </a:rPr>
+              <a:t>dei</a:t>
+            </a:r>
+            <a:r>
+              <a:rPr lang="en-US" sz="1500" dirty="0">
+                <a:solidFill>
+                  <a:srgbClr val="C7D5E0"/>
+                </a:solidFill>
+              </a:rPr>
+              <a:t> </a:t>
+            </a:r>
+            <a:r>
+              <a:rPr lang="en-US" sz="1500" dirty="0" err="1">
+                <a:solidFill>
+                  <a:srgbClr val="C7D5E0"/>
+                </a:solidFill>
+              </a:rPr>
+              <a:t>Videogiochi</a:t>
+            </a:r>
+            <a:r>
+              <a:rPr lang="en-US" sz="1500" dirty="0">
+                <a:solidFill>
+                  <a:srgbClr val="C7D5E0"/>
+                </a:solidFill>
+              </a:rPr>
+              <a:t> </a:t>
+            </a:r>
+            <a:r>
+              <a:rPr lang="en-US" sz="1500" dirty="0" err="1">
+                <a:solidFill>
+                  <a:srgbClr val="C7D5E0"/>
+                </a:solidFill>
+              </a:rPr>
+              <a:t>FreeToPlay</a:t>
+            </a:r>
+            <a:r>
+              <a:rPr lang="en-US" sz="1500" dirty="0">
+                <a:solidFill>
+                  <a:srgbClr val="C7D5E0"/>
+                </a:solidFill>
+              </a:rPr>
+              <a:t>.</a:t>
+            </a:r>
+          </a:p>
+        </p:txBody>
+      </p:sp>
     </p:spTree>
     <p:extLst>
       <p:ext uri="{BB962C8B-B14F-4D97-AF65-F5344CB8AC3E}">
-        <p14:creationId xmlns:p14="http://schemas.microsoft.com/office/powerpoint/2010/main" val="2021737590"/>
+        <p14:creationId xmlns:p14="http://schemas.microsoft.com/office/powerpoint/2010/main" val="3120618064"/>
       </p:ext>
     </p:extLst>
   </p:cSld>
@@ -5800,7 +7824,7 @@
                   <a:srgbClr val="66C0F4"/>
                 </a:solidFill>
               </a:rPr>
-              <a:t>Free2Play(f2p) vs Pay2Play(p2p) – Peak CCU/Average Time</a:t>
+              <a:t>F2P vs P2P – Peak CCU</a:t>
             </a:r>
           </a:p>
         </p:txBody>
@@ -5856,10 +7880,10 @@
       </p:pic>
       <p:pic>
         <p:nvPicPr>
-          <p:cNvPr id="3" name="Immagine 2">
-            <a:extLst>
-              <a:ext uri="{FF2B5EF4-FFF2-40B4-BE49-F238E27FC236}">
-                <a16:creationId xmlns:a16="http://schemas.microsoft.com/office/drawing/2014/main" id="{B09B973C-31A6-8A88-B84E-10707F2BE4B0}"/>
+          <p:cNvPr id="4" name="Immagine 3" descr="Immagine che contiene schermata, linea, Rettangolo, Policromia&#10;&#10;Descrizione generata automaticamente">
+            <a:extLst>
+              <a:ext uri="{FF2B5EF4-FFF2-40B4-BE49-F238E27FC236}">
+                <a16:creationId xmlns:a16="http://schemas.microsoft.com/office/drawing/2014/main" id="{7092F41C-F6D7-E847-0540-92BADC82D60E}"/>
               </a:ext>
             </a:extLst>
           </p:cNvPr>
@@ -5869,15 +7893,21 @@
           <p:nvPr/>
         </p:nvPicPr>
         <p:blipFill>
-          <a:blip r:embed="rId3"/>
+          <a:blip r:embed="rId3">
+            <a:extLst>
+              <a:ext uri="{28A0092B-C50C-407E-A947-70E740481C1C}">
+                <a14:useLocalDpi xmlns:a14="http://schemas.microsoft.com/office/drawing/2010/main" val="0"/>
+              </a:ext>
+            </a:extLst>
+          </a:blip>
           <a:stretch>
             <a:fillRect/>
           </a:stretch>
         </p:blipFill>
         <p:spPr>
           <a:xfrm>
-            <a:off x="3504838" y="1666629"/>
-            <a:ext cx="5182323" cy="3524742"/>
+            <a:off x="1048881" y="937577"/>
+            <a:ext cx="10094238" cy="5029200"/>
           </a:xfrm>
           <a:prstGeom prst="rect">
             <a:avLst/>
@@ -5922,78 +7952,6 @@
           <a:chExt cx="0" cy="0"/>
         </a:xfrm>
       </p:grpSpPr>
-      <p:sp>
-        <p:nvSpPr>
-          <p:cNvPr id="16" name="Titolo 15">
-            <a:extLst>
-              <a:ext uri="{FF2B5EF4-FFF2-40B4-BE49-F238E27FC236}">
-                <a16:creationId xmlns:a16="http://schemas.microsoft.com/office/drawing/2014/main" id="{F7263360-930D-9D6A-C2AC-5E06A3EFBC66}"/>
-              </a:ext>
-            </a:extLst>
-          </p:cNvPr>
-          <p:cNvSpPr>
-            <a:spLocks noGrp="1"/>
-          </p:cNvSpPr>
-          <p:nvPr>
-            <p:ph type="title"/>
-          </p:nvPr>
-        </p:nvSpPr>
-        <p:spPr>
-          <a:xfrm>
-            <a:off x="838200" y="159702"/>
-            <a:ext cx="10515600" cy="777875"/>
-          </a:xfrm>
-        </p:spPr>
-        <p:txBody>
-          <a:bodyPr>
-            <a:normAutofit/>
-          </a:bodyPr>
-          <a:lstStyle/>
-          <a:p>
-            <a:pPr algn="ctr"/>
-            <a:r>
-              <a:rPr lang="en-US" sz="3200" b="1" dirty="0">
-                <a:solidFill>
-                  <a:srgbClr val="66C0F4"/>
-                </a:solidFill>
-              </a:rPr>
-              <a:t>Free2Play(f2p) vs Pay2Play(p2p) (</a:t>
-            </a:r>
-            <a:r>
-              <a:rPr lang="en-US" sz="3200" b="1" dirty="0" err="1">
-                <a:solidFill>
-                  <a:srgbClr val="66C0F4"/>
-                </a:solidFill>
-              </a:rPr>
-              <a:t>e_u</a:t>
-            </a:r>
-            <a:r>
-              <a:rPr lang="en-US" sz="3200" b="1" dirty="0">
-                <a:solidFill>
-                  <a:srgbClr val="66C0F4"/>
-                </a:solidFill>
-              </a:rPr>
-              <a:t>*</a:t>
-            </a:r>
-            <a:r>
-              <a:rPr lang="en-US" sz="3200" b="1" dirty="0" err="1">
-                <a:solidFill>
-                  <a:srgbClr val="66C0F4"/>
-                </a:solidFill>
-              </a:rPr>
-              <a:t>Avg_time</a:t>
-            </a:r>
-            <a:r>
-              <a:rPr lang="en-US" sz="3200" b="1" dirty="0">
-                <a:solidFill>
-                  <a:srgbClr val="66C0F4"/>
-                </a:solidFill>
-              </a:rPr>
-              <a:t>)</a:t>
-            </a:r>
-          </a:p>
-        </p:txBody>
-      </p:sp>
       <p:pic>
         <p:nvPicPr>
           <p:cNvPr id="17" name="Immagine 16" descr="Immagine che contiene Elementi grafici, cerchio, clipart, cartone animato">
@@ -6043,12 +8001,92 @@
           </a:effectLst>
         </p:spPr>
       </p:pic>
+      <p:sp>
+        <p:nvSpPr>
+          <p:cNvPr id="9" name="Titolo 15">
+            <a:extLst>
+              <a:ext uri="{FF2B5EF4-FFF2-40B4-BE49-F238E27FC236}">
+                <a16:creationId xmlns:a16="http://schemas.microsoft.com/office/drawing/2014/main" id="{031D7FE7-5E08-355D-F950-B736C53DD083}"/>
+              </a:ext>
+            </a:extLst>
+          </p:cNvPr>
+          <p:cNvSpPr>
+            <a:spLocks noGrp="1"/>
+          </p:cNvSpPr>
+          <p:nvPr>
+            <p:ph type="title"/>
+          </p:nvPr>
+        </p:nvSpPr>
+        <p:spPr>
+          <a:xfrm>
+            <a:off x="838200" y="159702"/>
+            <a:ext cx="10515600" cy="777875"/>
+          </a:xfrm>
+        </p:spPr>
+        <p:txBody>
+          <a:bodyPr>
+            <a:normAutofit/>
+          </a:bodyPr>
+          <a:lstStyle/>
+          <a:p>
+            <a:pPr algn="ctr"/>
+            <a:r>
+              <a:rPr lang="en-US" sz="3200" b="1" dirty="0" err="1">
+                <a:solidFill>
+                  <a:srgbClr val="66C0F4"/>
+                </a:solidFill>
+              </a:rPr>
+              <a:t>Scelta</a:t>
+            </a:r>
+            <a:r>
+              <a:rPr lang="en-US" sz="3200" b="1" dirty="0">
+                <a:solidFill>
+                  <a:srgbClr val="66C0F4"/>
+                </a:solidFill>
+              </a:rPr>
+              <a:t> di un </a:t>
+            </a:r>
+            <a:r>
+              <a:rPr lang="en-US" sz="3200" b="1" dirty="0" err="1">
+                <a:solidFill>
+                  <a:srgbClr val="66C0F4"/>
+                </a:solidFill>
+              </a:rPr>
+              <a:t>classificatore</a:t>
+            </a:r>
+            <a:r>
+              <a:rPr lang="en-US" sz="3200" b="1" dirty="0">
+                <a:solidFill>
+                  <a:srgbClr val="66C0F4"/>
+                </a:solidFill>
+              </a:rPr>
+              <a:t> per il </a:t>
+            </a:r>
+            <a:r>
+              <a:rPr lang="en-US" sz="3200" b="1" dirty="0" err="1">
+                <a:solidFill>
+                  <a:srgbClr val="66C0F4"/>
+                </a:solidFill>
+              </a:rPr>
+              <a:t>successo</a:t>
+            </a:r>
+            <a:r>
+              <a:rPr lang="en-US" sz="3200" b="1" dirty="0">
+                <a:solidFill>
+                  <a:srgbClr val="66C0F4"/>
+                </a:solidFill>
+              </a:rPr>
+              <a:t>: Average Time</a:t>
+            </a:r>
+          </a:p>
+        </p:txBody>
+      </p:sp>
       <p:pic>
         <p:nvPicPr>
-          <p:cNvPr id="3" name="Immagine 2">
-            <a:extLst>
-              <a:ext uri="{FF2B5EF4-FFF2-40B4-BE49-F238E27FC236}">
-                <a16:creationId xmlns:a16="http://schemas.microsoft.com/office/drawing/2014/main" id="{B09B973C-31A6-8A88-B84E-10707F2BE4B0}"/>
+          <p:cNvPr id="10" name="Immagine 9" descr="Immagine che contiene Elementi grafici, cerchio, clipart, cartone animato">
+            <a:extLst>
+              <a:ext uri="{FF2B5EF4-FFF2-40B4-BE49-F238E27FC236}">
+                <a16:creationId xmlns:a16="http://schemas.microsoft.com/office/drawing/2014/main" id="{413774C4-07B6-202B-F6EC-CFEEFD2C13E1}"/>
               </a:ext>
             </a:extLst>
           </p:cNvPr>
@@ -6058,15 +8096,550 @@
           <p:nvPr/>
         </p:nvPicPr>
         <p:blipFill>
-          <a:blip r:embed="rId3"/>
+          <a:blip r:embed="rId2">
+            <a:alphaModFix/>
+            <a:extLst>
+              <a:ext uri="{28A0092B-C50C-407E-A947-70E740481C1C}">
+                <a14:useLocalDpi xmlns:a14="http://schemas.microsoft.com/office/drawing/2010/main" val="0"/>
+              </a:ext>
+            </a:extLst>
+          </a:blip>
           <a:stretch>
             <a:fillRect/>
           </a:stretch>
         </p:blipFill>
         <p:spPr>
           <a:xfrm>
-            <a:off x="3504838" y="1666629"/>
-            <a:ext cx="5182323" cy="3524742"/>
+            <a:off x="11642903" y="0"/>
+            <a:ext cx="549097" cy="548640"/>
+          </a:xfrm>
+          <a:prstGeom prst="rect">
+            <a:avLst/>
+          </a:prstGeom>
+          <a:effectLst>
+            <a:glow>
+              <a:schemeClr val="accent1">
+                <a:alpha val="40000"/>
+              </a:schemeClr>
+            </a:glow>
+            <a:outerShdw blurRad="1270000" dist="50800" algn="ctr" rotWithShape="0">
+              <a:srgbClr val="000000"/>
+            </a:outerShdw>
+            <a:reflection endPos="0" dir="5400000" sy="-100000" algn="bl" rotWithShape="0"/>
+            <a:softEdge rad="0"/>
+          </a:effectLst>
+        </p:spPr>
+      </p:pic>
+      <p:sp>
+        <p:nvSpPr>
+          <p:cNvPr id="12" name="CasellaDiTesto 11">
+            <a:extLst>
+              <a:ext uri="{FF2B5EF4-FFF2-40B4-BE49-F238E27FC236}">
+                <a16:creationId xmlns:a16="http://schemas.microsoft.com/office/drawing/2014/main" id="{F199FA27-0E7B-197A-61DD-944DB71724E2}"/>
+              </a:ext>
+            </a:extLst>
+          </p:cNvPr>
+          <p:cNvSpPr txBox="1"/>
+          <p:nvPr/>
+        </p:nvSpPr>
+        <p:spPr>
+          <a:xfrm>
+            <a:off x="328902" y="2228671"/>
+            <a:ext cx="2676704" cy="2631490"/>
+          </a:xfrm>
+          <a:prstGeom prst="rect">
+            <a:avLst/>
+          </a:prstGeom>
+          <a:noFill/>
+        </p:spPr>
+        <p:txBody>
+          <a:bodyPr wrap="square" rtlCol="0">
+            <a:spAutoFit/>
+          </a:bodyPr>
+          <a:lstStyle/>
+          <a:p>
+            <a:r>
+              <a:rPr lang="en-US" sz="1500" dirty="0" err="1">
+                <a:solidFill>
+                  <a:srgbClr val="C7D5E0"/>
+                </a:solidFill>
+              </a:rPr>
+              <a:t>Notiamo</a:t>
+            </a:r>
+            <a:r>
+              <a:rPr lang="en-US" sz="1500" dirty="0">
+                <a:solidFill>
+                  <a:srgbClr val="C7D5E0"/>
+                </a:solidFill>
+              </a:rPr>
+              <a:t> </a:t>
+            </a:r>
+            <a:r>
+              <a:rPr lang="en-US" sz="1500" dirty="0" err="1">
+                <a:solidFill>
+                  <a:srgbClr val="C7D5E0"/>
+                </a:solidFill>
+              </a:rPr>
+              <a:t>che</a:t>
+            </a:r>
+            <a:r>
+              <a:rPr lang="en-US" sz="1500" dirty="0">
+                <a:solidFill>
+                  <a:srgbClr val="C7D5E0"/>
+                </a:solidFill>
+              </a:rPr>
+              <a:t> non e’ </a:t>
+            </a:r>
+            <a:r>
+              <a:rPr lang="en-US" sz="1500" dirty="0" err="1">
+                <a:solidFill>
+                  <a:srgbClr val="C7D5E0"/>
+                </a:solidFill>
+              </a:rPr>
+              <a:t>presente</a:t>
+            </a:r>
+            <a:r>
+              <a:rPr lang="en-US" sz="1500" dirty="0">
+                <a:solidFill>
+                  <a:srgbClr val="C7D5E0"/>
+                </a:solidFill>
+              </a:rPr>
+              <a:t> </a:t>
+            </a:r>
+            <a:r>
+              <a:rPr lang="en-US" sz="1500" dirty="0" err="1">
+                <a:solidFill>
+                  <a:srgbClr val="C7D5E0"/>
+                </a:solidFill>
+              </a:rPr>
+              <a:t>una</a:t>
+            </a:r>
+            <a:r>
+              <a:rPr lang="en-US" sz="1500" dirty="0">
+                <a:solidFill>
+                  <a:srgbClr val="C7D5E0"/>
+                </a:solidFill>
+              </a:rPr>
+              <a:t> </a:t>
+            </a:r>
+            <a:r>
+              <a:rPr lang="en-US" sz="1500" dirty="0" err="1">
+                <a:solidFill>
+                  <a:srgbClr val="C7D5E0"/>
+                </a:solidFill>
+              </a:rPr>
+              <a:t>correlazione</a:t>
+            </a:r>
+            <a:r>
+              <a:rPr lang="en-US" sz="1500" dirty="0">
+                <a:solidFill>
+                  <a:srgbClr val="C7D5E0"/>
+                </a:solidFill>
+              </a:rPr>
+              <a:t> </a:t>
+            </a:r>
+            <a:r>
+              <a:rPr lang="en-US" sz="1500" dirty="0" err="1">
+                <a:solidFill>
+                  <a:srgbClr val="C7D5E0"/>
+                </a:solidFill>
+              </a:rPr>
+              <a:t>tra</a:t>
+            </a:r>
+            <a:r>
+              <a:rPr lang="en-US" sz="1500" dirty="0">
+                <a:solidFill>
+                  <a:srgbClr val="C7D5E0"/>
+                </a:solidFill>
+              </a:rPr>
+              <a:t> il </a:t>
+            </a:r>
+            <a:r>
+              <a:rPr lang="en-US" sz="1500" dirty="0" err="1">
+                <a:solidFill>
+                  <a:srgbClr val="C7D5E0"/>
+                </a:solidFill>
+              </a:rPr>
+              <a:t>numero</a:t>
+            </a:r>
+            <a:r>
+              <a:rPr lang="en-US" sz="1500" dirty="0">
+                <a:solidFill>
+                  <a:srgbClr val="C7D5E0"/>
+                </a:solidFill>
+              </a:rPr>
+              <a:t> di </a:t>
+            </a:r>
+            <a:r>
+              <a:rPr lang="en-US" sz="1500" dirty="0" err="1">
+                <a:solidFill>
+                  <a:srgbClr val="C7D5E0"/>
+                </a:solidFill>
+              </a:rPr>
+              <a:t>Acquisti</a:t>
+            </a:r>
+            <a:r>
+              <a:rPr lang="en-US" sz="1500" dirty="0">
+                <a:solidFill>
+                  <a:srgbClr val="C7D5E0"/>
+                </a:solidFill>
+              </a:rPr>
+              <a:t>/Download ed il tempo medio </a:t>
+            </a:r>
+            <a:r>
+              <a:rPr lang="en-US" sz="1500" dirty="0" err="1">
+                <a:solidFill>
+                  <a:srgbClr val="C7D5E0"/>
+                </a:solidFill>
+              </a:rPr>
+              <a:t>che</a:t>
+            </a:r>
+            <a:r>
+              <a:rPr lang="en-US" sz="1500" dirty="0">
+                <a:solidFill>
+                  <a:srgbClr val="C7D5E0"/>
+                </a:solidFill>
+              </a:rPr>
+              <a:t> </a:t>
+            </a:r>
+            <a:r>
+              <a:rPr lang="en-US" sz="1500" dirty="0" err="1">
+                <a:solidFill>
+                  <a:srgbClr val="C7D5E0"/>
+                </a:solidFill>
+              </a:rPr>
+              <a:t>gli</a:t>
+            </a:r>
+            <a:r>
+              <a:rPr lang="en-US" sz="1500" dirty="0">
+                <a:solidFill>
+                  <a:srgbClr val="C7D5E0"/>
+                </a:solidFill>
+              </a:rPr>
+              <a:t> </a:t>
+            </a:r>
+            <a:r>
+              <a:rPr lang="en-US" sz="1500" dirty="0" err="1">
+                <a:solidFill>
+                  <a:srgbClr val="C7D5E0"/>
+                </a:solidFill>
+              </a:rPr>
+              <a:t>utenti</a:t>
+            </a:r>
+            <a:r>
+              <a:rPr lang="en-US" sz="1500" dirty="0">
+                <a:solidFill>
+                  <a:srgbClr val="C7D5E0"/>
+                </a:solidFill>
+              </a:rPr>
+              <a:t> </a:t>
+            </a:r>
+            <a:r>
+              <a:rPr lang="en-US" sz="1500" dirty="0" err="1">
+                <a:solidFill>
+                  <a:srgbClr val="C7D5E0"/>
+                </a:solidFill>
+              </a:rPr>
+              <a:t>passano</a:t>
+            </a:r>
+            <a:r>
+              <a:rPr lang="en-US" sz="1500" dirty="0">
+                <a:solidFill>
+                  <a:srgbClr val="C7D5E0"/>
+                </a:solidFill>
+              </a:rPr>
+              <a:t> </a:t>
+            </a:r>
+            <a:r>
+              <a:rPr lang="en-US" sz="1500" dirty="0" err="1">
+                <a:solidFill>
+                  <a:srgbClr val="C7D5E0"/>
+                </a:solidFill>
+              </a:rPr>
+              <a:t>nel</a:t>
+            </a:r>
+            <a:r>
+              <a:rPr lang="en-US" sz="1500" dirty="0">
+                <a:solidFill>
+                  <a:srgbClr val="C7D5E0"/>
+                </a:solidFill>
+              </a:rPr>
+              <a:t> </a:t>
+            </a:r>
+            <a:r>
+              <a:rPr lang="en-US" sz="1500" dirty="0" err="1">
+                <a:solidFill>
+                  <a:srgbClr val="C7D5E0"/>
+                </a:solidFill>
+              </a:rPr>
+              <a:t>Videogioco</a:t>
+            </a:r>
+            <a:r>
+              <a:rPr lang="en-US" sz="1500" dirty="0">
+                <a:solidFill>
+                  <a:srgbClr val="C7D5E0"/>
+                </a:solidFill>
+              </a:rPr>
+              <a:t>.</a:t>
+            </a:r>
+          </a:p>
+          <a:p>
+            <a:endParaRPr lang="en-US" sz="1500" dirty="0">
+              <a:solidFill>
+                <a:srgbClr val="C7D5E0"/>
+              </a:solidFill>
+            </a:endParaRPr>
+          </a:p>
+          <a:p>
+            <a:r>
+              <a:rPr lang="en-US" sz="1500" dirty="0">
+                <a:solidFill>
+                  <a:srgbClr val="C7D5E0"/>
+                </a:solidFill>
+              </a:rPr>
+              <a:t>Si </a:t>
+            </a:r>
+            <a:r>
+              <a:rPr lang="en-US" sz="1500" dirty="0" err="1">
+                <a:solidFill>
+                  <a:srgbClr val="C7D5E0"/>
+                </a:solidFill>
+              </a:rPr>
+              <a:t>tratta</a:t>
+            </a:r>
+            <a:r>
+              <a:rPr lang="en-US" sz="1500" dirty="0">
+                <a:solidFill>
+                  <a:srgbClr val="C7D5E0"/>
+                </a:solidFill>
+              </a:rPr>
+              <a:t> di un </a:t>
+            </a:r>
+            <a:r>
+              <a:rPr lang="en-US" sz="1500" dirty="0" err="1">
+                <a:solidFill>
+                  <a:srgbClr val="C7D5E0"/>
+                </a:solidFill>
+              </a:rPr>
+              <a:t>classificatore</a:t>
+            </a:r>
+            <a:r>
+              <a:rPr lang="en-US" sz="1500" dirty="0">
+                <a:solidFill>
+                  <a:srgbClr val="C7D5E0"/>
+                </a:solidFill>
+              </a:rPr>
+              <a:t> </a:t>
+            </a:r>
+            <a:r>
+              <a:rPr lang="en-US" sz="1500" dirty="0" err="1">
+                <a:solidFill>
+                  <a:srgbClr val="C7D5E0"/>
+                </a:solidFill>
+              </a:rPr>
+              <a:t>che</a:t>
+            </a:r>
+            <a:r>
+              <a:rPr lang="en-US" sz="1500" dirty="0">
+                <a:solidFill>
+                  <a:srgbClr val="C7D5E0"/>
+                </a:solidFill>
+              </a:rPr>
+              <a:t> se </a:t>
+            </a:r>
+            <a:r>
+              <a:rPr lang="en-US" sz="1500" dirty="0" err="1">
+                <a:solidFill>
+                  <a:srgbClr val="C7D5E0"/>
+                </a:solidFill>
+              </a:rPr>
+              <a:t>unito</a:t>
+            </a:r>
+            <a:r>
+              <a:rPr lang="en-US" sz="1500" dirty="0">
+                <a:solidFill>
+                  <a:srgbClr val="C7D5E0"/>
+                </a:solidFill>
+              </a:rPr>
+              <a:t> al </a:t>
+            </a:r>
+            <a:r>
+              <a:rPr lang="en-US" sz="1500" dirty="0" err="1">
+                <a:solidFill>
+                  <a:srgbClr val="C7D5E0"/>
+                </a:solidFill>
+              </a:rPr>
+              <a:t>numero</a:t>
+            </a:r>
+            <a:r>
+              <a:rPr lang="en-US" sz="1500" dirty="0">
+                <a:solidFill>
+                  <a:srgbClr val="C7D5E0"/>
+                </a:solidFill>
+              </a:rPr>
+              <a:t> di Download ci </a:t>
+            </a:r>
+            <a:r>
+              <a:rPr lang="en-US" sz="1500" dirty="0" err="1">
+                <a:solidFill>
+                  <a:srgbClr val="C7D5E0"/>
+                </a:solidFill>
+              </a:rPr>
+              <a:t>fornisce</a:t>
+            </a:r>
+            <a:r>
+              <a:rPr lang="en-US" sz="1500" dirty="0">
+                <a:solidFill>
+                  <a:srgbClr val="C7D5E0"/>
+                </a:solidFill>
+              </a:rPr>
+              <a:t> </a:t>
+            </a:r>
+            <a:r>
+              <a:rPr lang="en-US" sz="1500" dirty="0" err="1">
+                <a:solidFill>
+                  <a:srgbClr val="C7D5E0"/>
+                </a:solidFill>
+              </a:rPr>
+              <a:t>una</a:t>
+            </a:r>
+            <a:r>
+              <a:rPr lang="en-US" sz="1500" dirty="0">
+                <a:solidFill>
+                  <a:srgbClr val="C7D5E0"/>
+                </a:solidFill>
+              </a:rPr>
+              <a:t> </a:t>
+            </a:r>
+            <a:r>
+              <a:rPr lang="en-US" sz="1500" dirty="0" err="1">
+                <a:solidFill>
+                  <a:srgbClr val="C7D5E0"/>
+                </a:solidFill>
+              </a:rPr>
+              <a:t>stima</a:t>
+            </a:r>
+            <a:r>
+              <a:rPr lang="en-US" sz="1500" dirty="0">
+                <a:solidFill>
+                  <a:srgbClr val="C7D5E0"/>
+                </a:solidFill>
+              </a:rPr>
+              <a:t> </a:t>
+            </a:r>
+            <a:r>
+              <a:rPr lang="en-US" sz="1500" dirty="0" err="1">
+                <a:solidFill>
+                  <a:srgbClr val="C7D5E0"/>
+                </a:solidFill>
+              </a:rPr>
+              <a:t>migliore</a:t>
+            </a:r>
+            <a:r>
+              <a:rPr lang="en-US" sz="1500" dirty="0">
+                <a:solidFill>
+                  <a:srgbClr val="C7D5E0"/>
+                </a:solidFill>
+              </a:rPr>
+              <a:t> del </a:t>
+            </a:r>
+            <a:r>
+              <a:rPr lang="en-US" sz="1500" dirty="0" err="1">
+                <a:solidFill>
+                  <a:srgbClr val="C7D5E0"/>
+                </a:solidFill>
+              </a:rPr>
+              <a:t>successo</a:t>
+            </a:r>
+            <a:r>
+              <a:rPr lang="en-US" sz="1500" dirty="0">
+                <a:solidFill>
+                  <a:srgbClr val="C7D5E0"/>
+                </a:solidFill>
+              </a:rPr>
+              <a:t> </a:t>
+            </a:r>
+            <a:r>
+              <a:rPr lang="en-US" sz="1500" dirty="0" err="1">
+                <a:solidFill>
+                  <a:srgbClr val="C7D5E0"/>
+                </a:solidFill>
+              </a:rPr>
+              <a:t>economico</a:t>
+            </a:r>
+            <a:r>
+              <a:rPr lang="en-US" sz="1500" dirty="0">
+                <a:solidFill>
+                  <a:srgbClr val="C7D5E0"/>
+                </a:solidFill>
+              </a:rPr>
+              <a:t> </a:t>
+            </a:r>
+            <a:r>
+              <a:rPr lang="en-US" sz="1500" dirty="0" err="1">
+                <a:solidFill>
+                  <a:srgbClr val="C7D5E0"/>
+                </a:solidFill>
+              </a:rPr>
+              <a:t>dei</a:t>
+            </a:r>
+            <a:r>
+              <a:rPr lang="en-US" sz="1500" dirty="0">
+                <a:solidFill>
+                  <a:srgbClr val="C7D5E0"/>
+                </a:solidFill>
+              </a:rPr>
+              <a:t> </a:t>
+            </a:r>
+            <a:r>
+              <a:rPr lang="en-US" sz="1500" dirty="0" err="1">
+                <a:solidFill>
+                  <a:srgbClr val="C7D5E0"/>
+                </a:solidFill>
+              </a:rPr>
+              <a:t>Videogiochi</a:t>
+            </a:r>
+            <a:r>
+              <a:rPr lang="en-US" sz="1500" dirty="0">
+                <a:solidFill>
+                  <a:srgbClr val="C7D5E0"/>
+                </a:solidFill>
+              </a:rPr>
+              <a:t> F2P</a:t>
+            </a:r>
+          </a:p>
+        </p:txBody>
+      </p:sp>
+      <p:pic>
+        <p:nvPicPr>
+          <p:cNvPr id="14" name="Immagine 13" descr="Immagine che contiene testo, linea, Diagramma, diagramma&#10;&#10;Descrizione generata automaticamente">
+            <a:extLst>
+              <a:ext uri="{FF2B5EF4-FFF2-40B4-BE49-F238E27FC236}">
+                <a16:creationId xmlns:a16="http://schemas.microsoft.com/office/drawing/2014/main" id="{9199B336-2170-EAD7-370C-61600C809E8D}"/>
+              </a:ext>
+            </a:extLst>
+          </p:cNvPr>
+          <p:cNvPicPr>
+            <a:picLocks noChangeAspect="1"/>
+          </p:cNvPicPr>
+          <p:nvPr/>
+        </p:nvPicPr>
+        <p:blipFill>
+          <a:blip r:embed="rId3">
+            <a:extLst>
+              <a:ext uri="{28A0092B-C50C-407E-A947-70E740481C1C}">
+                <a14:useLocalDpi xmlns:a14="http://schemas.microsoft.com/office/drawing/2010/main" val="0"/>
+              </a:ext>
+            </a:extLst>
+          </a:blip>
+          <a:stretch>
+            <a:fillRect/>
+          </a:stretch>
+        </p:blipFill>
+        <p:spPr>
+          <a:xfrm>
+            <a:off x="3126994" y="1252727"/>
+            <a:ext cx="8736104" cy="4352544"/>
           </a:xfrm>
           <a:prstGeom prst="rect">
             <a:avLst/>
@@ -6076,7 +8649,7 @@
     </p:spTree>
     <p:extLst>
       <p:ext uri="{BB962C8B-B14F-4D97-AF65-F5344CB8AC3E}">
-        <p14:creationId xmlns:p14="http://schemas.microsoft.com/office/powerpoint/2010/main" val="4065463501"/>
+        <p14:creationId xmlns:p14="http://schemas.microsoft.com/office/powerpoint/2010/main" val="2021737590"/>
       </p:ext>
     </p:extLst>
   </p:cSld>
@@ -6141,69 +8714,26 @@
           <a:p>
             <a:pPr algn="ctr"/>
             <a:r>
+              <a:rPr lang="en-US" sz="3200" b="1" dirty="0">
+                <a:solidFill>
+                  <a:srgbClr val="66C0F4"/>
+                </a:solidFill>
+              </a:rPr>
+              <a:t>F2P vs P2P - #N Download * </a:t>
+            </a:r>
+            <a:r>
               <a:rPr lang="en-US" sz="3200" b="1" dirty="0" err="1">
                 <a:solidFill>
                   <a:srgbClr val="66C0F4"/>
                 </a:solidFill>
               </a:rPr>
-              <a:t>Positivi</a:t>
-            </a:r>
-            <a:r>
-              <a:rPr lang="en-US" sz="3200" b="1" dirty="0">
-                <a:solidFill>
-                  <a:srgbClr val="66C0F4"/>
-                </a:solidFill>
-              </a:rPr>
-              <a:t>/</a:t>
-            </a:r>
-            <a:r>
-              <a:rPr lang="en-US" sz="3200" b="1" dirty="0" err="1">
-                <a:solidFill>
-                  <a:srgbClr val="66C0F4"/>
-                </a:solidFill>
-              </a:rPr>
-              <a:t>Negativi</a:t>
-            </a:r>
-            <a:r>
-              <a:rPr lang="en-US" sz="3200" b="1" dirty="0">
-                <a:solidFill>
-                  <a:srgbClr val="66C0F4"/>
-                </a:solidFill>
-              </a:rPr>
-              <a:t> (Placeholder) (</a:t>
-            </a:r>
-            <a:r>
-              <a:rPr lang="en-US" sz="3200" b="1" dirty="0" err="1">
-                <a:solidFill>
-                  <a:srgbClr val="66C0F4"/>
-                </a:solidFill>
-              </a:rPr>
-              <a:t>Fasce</a:t>
-            </a:r>
-            <a:r>
-              <a:rPr lang="en-US" sz="3200" b="1" dirty="0">
-                <a:solidFill>
-                  <a:srgbClr val="66C0F4"/>
-                </a:solidFill>
-              </a:rPr>
-              <a:t> di </a:t>
-            </a:r>
-            <a:r>
-              <a:rPr lang="en-US" sz="3200" b="1" dirty="0" err="1">
-                <a:solidFill>
-                  <a:srgbClr val="66C0F4"/>
-                </a:solidFill>
-              </a:rPr>
-              <a:t>positivita</a:t>
-            </a:r>
-            <a:r>
-              <a:rPr lang="en-US" sz="3200" b="1" dirty="0">
-                <a:solidFill>
-                  <a:srgbClr val="66C0F4"/>
-                </a:solidFill>
-              </a:rPr>
-              <a:t>’)</a:t>
-            </a:r>
+              <a:t>TempoMedio</a:t>
+            </a:r>
+            <a:endParaRPr lang="en-US" sz="3200" b="1" dirty="0">
+              <a:solidFill>
+                <a:srgbClr val="66C0F4"/>
+              </a:solidFill>
+            </a:endParaRPr>
           </a:p>
         </p:txBody>
       </p:sp>
@@ -6258,10 +8788,10 @@
       </p:pic>
       <p:pic>
         <p:nvPicPr>
-          <p:cNvPr id="2" name="Immagine 1">
-            <a:extLst>
-              <a:ext uri="{FF2B5EF4-FFF2-40B4-BE49-F238E27FC236}">
-                <a16:creationId xmlns:a16="http://schemas.microsoft.com/office/drawing/2014/main" id="{CA74F75B-6AC5-3D29-792E-31A5EE3FD998}"/>
+          <p:cNvPr id="4" name="Immagine 3" descr="Immagine che contiene schermata, testo, linea, Rettangolo&#10;&#10;Descrizione generata automaticamente">
+            <a:extLst>
+              <a:ext uri="{FF2B5EF4-FFF2-40B4-BE49-F238E27FC236}">
+                <a16:creationId xmlns:a16="http://schemas.microsoft.com/office/drawing/2014/main" id="{9DA80791-4ADF-434C-232B-0D014B473B10}"/>
               </a:ext>
             </a:extLst>
           </p:cNvPr>
@@ -6271,15 +8801,21 @@
           <p:nvPr/>
         </p:nvPicPr>
         <p:blipFill>
-          <a:blip r:embed="rId3"/>
+          <a:blip r:embed="rId3">
+            <a:extLst>
+              <a:ext uri="{28A0092B-C50C-407E-A947-70E740481C1C}">
+                <a14:useLocalDpi xmlns:a14="http://schemas.microsoft.com/office/drawing/2010/main" val="0"/>
+              </a:ext>
+            </a:extLst>
+          </a:blip>
           <a:stretch>
             <a:fillRect/>
           </a:stretch>
         </p:blipFill>
         <p:spPr>
           <a:xfrm>
-            <a:off x="4884271" y="2466840"/>
-            <a:ext cx="2133898" cy="1924319"/>
+            <a:off x="1048881" y="937577"/>
+            <a:ext cx="10094238" cy="5029200"/>
           </a:xfrm>
           <a:prstGeom prst="rect">
             <a:avLst/>
@@ -6289,7 +8825,7 @@
     </p:spTree>
     <p:extLst>
       <p:ext uri="{BB962C8B-B14F-4D97-AF65-F5344CB8AC3E}">
-        <p14:creationId xmlns:p14="http://schemas.microsoft.com/office/powerpoint/2010/main" val="551743755"/>
+        <p14:creationId xmlns:p14="http://schemas.microsoft.com/office/powerpoint/2010/main" val="4065463501"/>
       </p:ext>
     </p:extLst>
   </p:cSld>
@@ -6354,12 +8890,20 @@
           <a:p>
             <a:pPr algn="ctr"/>
             <a:r>
+              <a:rPr lang="en-US" sz="3200" b="1" dirty="0" err="1">
+                <a:solidFill>
+                  <a:srgbClr val="66C0F4"/>
+                </a:solidFill>
+              </a:rPr>
+              <a:t>Positivi</a:t>
+            </a:r>
+            <a:r>
               <a:rPr lang="en-US" sz="3200" b="1" dirty="0">
                 <a:solidFill>
                   <a:srgbClr val="66C0F4"/>
                 </a:solidFill>
               </a:rPr>
-              <a:t>Le </a:t>
+              <a:t>/</a:t>
             </a:r>
             <a:r>
               <a:rPr lang="en-US" sz="3200" b="1" dirty="0" err="1">
@@ -6367,7 +8911,7 @@
                   <a:srgbClr val="66C0F4"/>
                 </a:solidFill>
               </a:rPr>
-              <a:t>caratteristice</a:t>
+              <a:t>Negativi</a:t>
             </a:r>
             <a:r>
               <a:rPr lang="en-US" sz="3200" b="1" dirty="0">
@@ -6375,7 +8919,7 @@
                   <a:srgbClr val="66C0F4"/>
                 </a:solidFill>
               </a:rPr>
-              <a:t> piu’ </a:t>
+              <a:t> (Placeholder) (</a:t>
             </a:r>
             <a:r>
               <a:rPr lang="en-US" sz="3200" b="1" dirty="0" err="1">
@@ -6383,7 +8927,7 @@
                   <a:srgbClr val="66C0F4"/>
                 </a:solidFill>
               </a:rPr>
-              <a:t>desiderabili</a:t>
+              <a:t>Fasce</a:t>
             </a:r>
             <a:r>
               <a:rPr lang="en-US" sz="3200" b="1" dirty="0">
@@ -6391,7 +8935,7 @@
                   <a:srgbClr val="66C0F4"/>
                 </a:solidFill>
               </a:rPr>
-              <a:t> </a:t>
+              <a:t> di </a:t>
             </a:r>
             <a:r>
               <a:rPr lang="en-US" sz="3200" b="1" dirty="0" err="1">
@@ -6399,7 +8943,7 @@
                   <a:srgbClr val="66C0F4"/>
                 </a:solidFill>
               </a:rPr>
-              <a:t>dai</a:t>
+              <a:t>positivita</a:t>
             </a:r>
             <a:r>
               <a:rPr lang="en-US" sz="3200" b="1" dirty="0">
@@ -6407,21 +8951,8 @@
                   <a:srgbClr val="66C0F4"/>
                 </a:solidFill>
               </a:rPr>
-              <a:t> </a:t>
-            </a:r>
-            <a:r>
-              <a:rPr lang="en-US" sz="3200" b="1" dirty="0" err="1">
-                <a:solidFill>
-                  <a:srgbClr val="66C0F4"/>
-                </a:solidFill>
-              </a:rPr>
-              <a:t>Giocatori</a:t>
-            </a:r>
-            <a:endParaRPr lang="en-US" sz="3200" b="1" dirty="0">
-              <a:solidFill>
-                <a:srgbClr val="66C0F4"/>
-              </a:solidFill>
-            </a:endParaRPr>
+              <a:t>’)</a:t>
+            </a:r>
           </a:p>
         </p:txBody>
       </p:sp>
@@ -6474,405 +9005,12 @@
           </a:effectLst>
         </p:spPr>
       </p:pic>
-      <p:sp>
-        <p:nvSpPr>
-          <p:cNvPr id="3" name="CasellaDiTesto 2">
-            <a:extLst>
-              <a:ext uri="{FF2B5EF4-FFF2-40B4-BE49-F238E27FC236}">
-                <a16:creationId xmlns:a16="http://schemas.microsoft.com/office/drawing/2014/main" id="{EA2C6FA7-F801-AA7D-C84E-C799E9188CB2}"/>
-              </a:ext>
-            </a:extLst>
-          </p:cNvPr>
-          <p:cNvSpPr txBox="1"/>
-          <p:nvPr/>
-        </p:nvSpPr>
-        <p:spPr>
-          <a:xfrm>
-            <a:off x="1699247" y="1859339"/>
-            <a:ext cx="5487080" cy="3139321"/>
-          </a:xfrm>
-          <a:prstGeom prst="rect">
-            <a:avLst/>
-          </a:prstGeom>
-          <a:noFill/>
-        </p:spPr>
-        <p:txBody>
-          <a:bodyPr wrap="none" rtlCol="0">
-            <a:spAutoFit/>
-          </a:bodyPr>
-          <a:lstStyle/>
-          <a:p>
-            <a:r>
-              <a:rPr lang="en-US" dirty="0" err="1">
-                <a:solidFill>
-                  <a:srgbClr val="C7D5E0"/>
-                </a:solidFill>
-              </a:rPr>
-              <a:t>Treemap</a:t>
-            </a:r>
-            <a:endParaRPr lang="en-US" dirty="0">
-              <a:solidFill>
-                <a:srgbClr val="C7D5E0"/>
-              </a:solidFill>
-            </a:endParaRPr>
-          </a:p>
-          <a:p>
-            <a:r>
-              <a:rPr lang="en-US" dirty="0" err="1">
-                <a:solidFill>
-                  <a:srgbClr val="C7D5E0"/>
-                </a:solidFill>
-              </a:rPr>
-              <a:t>Generi</a:t>
-            </a:r>
-            <a:r>
-              <a:rPr lang="en-US" dirty="0">
-                <a:solidFill>
-                  <a:srgbClr val="C7D5E0"/>
-                </a:solidFill>
-              </a:rPr>
-              <a:t> per </a:t>
-            </a:r>
-            <a:r>
-              <a:rPr lang="en-US" dirty="0" err="1">
-                <a:solidFill>
-                  <a:srgbClr val="C7D5E0"/>
-                </a:solidFill>
-              </a:rPr>
-              <a:t>e_u</a:t>
-            </a:r>
-            <a:r>
-              <a:rPr lang="en-US" dirty="0">
-                <a:solidFill>
-                  <a:srgbClr val="C7D5E0"/>
-                </a:solidFill>
-              </a:rPr>
-              <a:t>  per </a:t>
-            </a:r>
-            <a:r>
-              <a:rPr lang="en-US" dirty="0" err="1">
-                <a:solidFill>
-                  <a:srgbClr val="C7D5E0"/>
-                </a:solidFill>
-              </a:rPr>
-              <a:t>indicatore</a:t>
-            </a:r>
-            <a:r>
-              <a:rPr lang="en-US" dirty="0">
-                <a:solidFill>
-                  <a:srgbClr val="C7D5E0"/>
-                </a:solidFill>
-              </a:rPr>
-              <a:t> di </a:t>
-            </a:r>
-            <a:r>
-              <a:rPr lang="en-US" dirty="0" err="1">
-                <a:solidFill>
-                  <a:srgbClr val="C7D5E0"/>
-                </a:solidFill>
-              </a:rPr>
-              <a:t>positivita</a:t>
-            </a:r>
-            <a:r>
-              <a:rPr lang="en-US" dirty="0">
-                <a:solidFill>
-                  <a:srgbClr val="C7D5E0"/>
-                </a:solidFill>
-              </a:rPr>
-              <a:t>’ alto</a:t>
-            </a:r>
-          </a:p>
-          <a:p>
-            <a:r>
-              <a:rPr lang="en-US" dirty="0" err="1">
-                <a:solidFill>
-                  <a:srgbClr val="C7D5E0"/>
-                </a:solidFill>
-              </a:rPr>
-              <a:t>Generi</a:t>
-            </a:r>
-            <a:r>
-              <a:rPr lang="en-US" dirty="0">
-                <a:solidFill>
-                  <a:srgbClr val="C7D5E0"/>
-                </a:solidFill>
-              </a:rPr>
-              <a:t> per </a:t>
-            </a:r>
-            <a:r>
-              <a:rPr lang="en-US" dirty="0" err="1">
-                <a:solidFill>
-                  <a:srgbClr val="C7D5E0"/>
-                </a:solidFill>
-              </a:rPr>
-              <a:t>peak_ccu</a:t>
-            </a:r>
-            <a:r>
-              <a:rPr lang="en-US" dirty="0">
-                <a:solidFill>
-                  <a:srgbClr val="C7D5E0"/>
-                </a:solidFill>
-              </a:rPr>
-              <a:t> per </a:t>
-            </a:r>
-            <a:r>
-              <a:rPr lang="en-US" dirty="0" err="1">
-                <a:solidFill>
-                  <a:srgbClr val="C7D5E0"/>
-                </a:solidFill>
-              </a:rPr>
-              <a:t>indicatore</a:t>
-            </a:r>
-            <a:r>
-              <a:rPr lang="en-US" dirty="0">
-                <a:solidFill>
-                  <a:srgbClr val="C7D5E0"/>
-                </a:solidFill>
-              </a:rPr>
-              <a:t> di </a:t>
-            </a:r>
-            <a:r>
-              <a:rPr lang="en-US" dirty="0" err="1">
-                <a:solidFill>
-                  <a:srgbClr val="C7D5E0"/>
-                </a:solidFill>
-              </a:rPr>
-              <a:t>positivita</a:t>
-            </a:r>
-            <a:r>
-              <a:rPr lang="en-US" dirty="0">
-                <a:solidFill>
-                  <a:srgbClr val="C7D5E0"/>
-                </a:solidFill>
-              </a:rPr>
-              <a:t>’ alto</a:t>
-            </a:r>
-          </a:p>
-          <a:p>
-            <a:r>
-              <a:rPr lang="en-US" dirty="0" err="1">
-                <a:solidFill>
-                  <a:srgbClr val="C7D5E0"/>
-                </a:solidFill>
-              </a:rPr>
-              <a:t>Generi</a:t>
-            </a:r>
-            <a:r>
-              <a:rPr lang="en-US" dirty="0">
-                <a:solidFill>
-                  <a:srgbClr val="C7D5E0"/>
-                </a:solidFill>
-              </a:rPr>
-              <a:t> per </a:t>
-            </a:r>
-            <a:r>
-              <a:rPr lang="en-US" dirty="0" err="1">
-                <a:solidFill>
-                  <a:srgbClr val="C7D5E0"/>
-                </a:solidFill>
-              </a:rPr>
-              <a:t>AverageTime</a:t>
-            </a:r>
-            <a:r>
-              <a:rPr lang="en-US" dirty="0">
-                <a:solidFill>
-                  <a:srgbClr val="C7D5E0"/>
-                </a:solidFill>
-              </a:rPr>
-              <a:t>  per </a:t>
-            </a:r>
-            <a:r>
-              <a:rPr lang="en-US" dirty="0" err="1">
-                <a:solidFill>
-                  <a:srgbClr val="C7D5E0"/>
-                </a:solidFill>
-              </a:rPr>
-              <a:t>indicatore</a:t>
-            </a:r>
-            <a:r>
-              <a:rPr lang="en-US" dirty="0">
-                <a:solidFill>
-                  <a:srgbClr val="C7D5E0"/>
-                </a:solidFill>
-              </a:rPr>
-              <a:t> di </a:t>
-            </a:r>
-            <a:r>
-              <a:rPr lang="en-US" dirty="0" err="1">
-                <a:solidFill>
-                  <a:srgbClr val="C7D5E0"/>
-                </a:solidFill>
-              </a:rPr>
-              <a:t>positivita</a:t>
-            </a:r>
-            <a:r>
-              <a:rPr lang="en-US" dirty="0">
-                <a:solidFill>
-                  <a:srgbClr val="C7D5E0"/>
-                </a:solidFill>
-              </a:rPr>
-              <a:t>’ alto</a:t>
-            </a:r>
-          </a:p>
-          <a:p>
-            <a:endParaRPr lang="en-US" dirty="0">
-              <a:solidFill>
-                <a:srgbClr val="C7D5E0"/>
-              </a:solidFill>
-            </a:endParaRPr>
-          </a:p>
-          <a:p>
-            <a:endParaRPr lang="en-US" dirty="0">
-              <a:solidFill>
-                <a:srgbClr val="C7D5E0"/>
-              </a:solidFill>
-            </a:endParaRPr>
-          </a:p>
-          <a:p>
-            <a:r>
-              <a:rPr lang="en-US" dirty="0">
-                <a:solidFill>
-                  <a:srgbClr val="C7D5E0"/>
-                </a:solidFill>
-              </a:rPr>
-              <a:t>F2P vs P2P per </a:t>
-            </a:r>
-            <a:r>
-              <a:rPr lang="en-US" dirty="0" err="1">
-                <a:solidFill>
-                  <a:srgbClr val="C7D5E0"/>
-                </a:solidFill>
-              </a:rPr>
-              <a:t>indicatore</a:t>
-            </a:r>
-            <a:r>
-              <a:rPr lang="en-US" dirty="0">
-                <a:solidFill>
-                  <a:srgbClr val="C7D5E0"/>
-                </a:solidFill>
-              </a:rPr>
-              <a:t> di </a:t>
-            </a:r>
-            <a:r>
-              <a:rPr lang="en-US" dirty="0" err="1">
-                <a:solidFill>
-                  <a:srgbClr val="C7D5E0"/>
-                </a:solidFill>
-              </a:rPr>
-              <a:t>positivita</a:t>
-            </a:r>
-            <a:r>
-              <a:rPr lang="en-US" dirty="0">
-                <a:solidFill>
-                  <a:srgbClr val="C7D5E0"/>
-                </a:solidFill>
-              </a:rPr>
-              <a:t>’ alto (in media)</a:t>
-            </a:r>
-          </a:p>
-          <a:p>
-            <a:r>
-              <a:rPr lang="en-US" dirty="0">
-                <a:solidFill>
-                  <a:srgbClr val="C7D5E0"/>
-                </a:solidFill>
-              </a:rPr>
-              <a:t>(</a:t>
-            </a:r>
-            <a:r>
-              <a:rPr lang="en-US" dirty="0" err="1">
-                <a:solidFill>
-                  <a:srgbClr val="C7D5E0"/>
-                </a:solidFill>
-              </a:rPr>
-              <a:t>Infografica</a:t>
-            </a:r>
-            <a:r>
-              <a:rPr lang="en-US" dirty="0">
-                <a:solidFill>
-                  <a:srgbClr val="C7D5E0"/>
-                </a:solidFill>
-              </a:rPr>
-              <a:t>)</a:t>
-            </a:r>
-          </a:p>
-          <a:p>
-            <a:r>
-              <a:rPr lang="en-US" dirty="0">
-                <a:solidFill>
-                  <a:srgbClr val="C7D5E0"/>
-                </a:solidFill>
-              </a:rPr>
-              <a:t>Con 3 </a:t>
-            </a:r>
-            <a:r>
-              <a:rPr lang="en-US" dirty="0" err="1">
-                <a:solidFill>
-                  <a:srgbClr val="C7D5E0"/>
-                </a:solidFill>
-              </a:rPr>
-              <a:t>generi</a:t>
-            </a:r>
-            <a:r>
-              <a:rPr lang="en-US" dirty="0">
-                <a:solidFill>
-                  <a:srgbClr val="C7D5E0"/>
-                </a:solidFill>
-              </a:rPr>
-              <a:t> </a:t>
-            </a:r>
-            <a:r>
-              <a:rPr lang="en-US" dirty="0" err="1">
-                <a:solidFill>
-                  <a:srgbClr val="C7D5E0"/>
-                </a:solidFill>
-              </a:rPr>
-              <a:t>migliori</a:t>
-            </a:r>
-            <a:r>
-              <a:rPr lang="en-US" dirty="0">
-                <a:solidFill>
-                  <a:srgbClr val="C7D5E0"/>
-                </a:solidFill>
-              </a:rPr>
-              <a:t> per I 3 </a:t>
-            </a:r>
-            <a:r>
-              <a:rPr lang="en-US" dirty="0" err="1">
-                <a:solidFill>
-                  <a:srgbClr val="C7D5E0"/>
-                </a:solidFill>
-              </a:rPr>
-              <a:t>indicatori</a:t>
-            </a:r>
-            <a:endParaRPr lang="en-US" dirty="0">
-              <a:solidFill>
-                <a:srgbClr val="C7D5E0"/>
-              </a:solidFill>
-            </a:endParaRPr>
-          </a:p>
-          <a:p>
-            <a:endParaRPr lang="en-US" dirty="0">
-              <a:solidFill>
-                <a:srgbClr val="C7D5E0"/>
-              </a:solidFill>
-            </a:endParaRPr>
-          </a:p>
-          <a:p>
-            <a:endParaRPr lang="en-US" dirty="0">
-              <a:solidFill>
-                <a:srgbClr val="C7D5E0"/>
-              </a:solidFill>
-            </a:endParaRPr>
-          </a:p>
-        </p:txBody>
-      </p:sp>
       <p:pic>
         <p:nvPicPr>
-          <p:cNvPr id="5" name="Immagine 4">
-            <a:extLst>
-              <a:ext uri="{FF2B5EF4-FFF2-40B4-BE49-F238E27FC236}">
-                <a16:creationId xmlns:a16="http://schemas.microsoft.com/office/drawing/2014/main" id="{9CE2F709-B0A5-63FD-30AC-7988EE45CAAA}"/>
+          <p:cNvPr id="2" name="Immagine 1">
+            <a:extLst>
+              <a:ext uri="{FF2B5EF4-FFF2-40B4-BE49-F238E27FC236}">
+                <a16:creationId xmlns:a16="http://schemas.microsoft.com/office/drawing/2014/main" id="{CA74F75B-6AC5-3D29-792E-31A5EE3FD998}"/>
               </a:ext>
             </a:extLst>
           </p:cNvPr>
@@ -6889,8 +9027,8 @@
         </p:blipFill>
         <p:spPr>
           <a:xfrm>
-            <a:off x="7921821" y="1678194"/>
-            <a:ext cx="2570932" cy="2332103"/>
+            <a:off x="4884271" y="2466840"/>
+            <a:ext cx="2133898" cy="1924319"/>
           </a:xfrm>
           <a:prstGeom prst="rect">
             <a:avLst/>
@@ -6900,7 +9038,7 @@
     </p:spTree>
     <p:extLst>
       <p:ext uri="{BB962C8B-B14F-4D97-AF65-F5344CB8AC3E}">
-        <p14:creationId xmlns:p14="http://schemas.microsoft.com/office/powerpoint/2010/main" val="233292230"/>
+        <p14:creationId xmlns:p14="http://schemas.microsoft.com/office/powerpoint/2010/main" val="551743755"/>
       </p:ext>
     </p:extLst>
   </p:cSld>
@@ -8236,7 +10374,7 @@
                   <a:srgbClr val="66C0F4"/>
                 </a:solidFill>
               </a:rPr>
-              <a:t>caratteristice</a:t>
+              <a:t>caratteristiche</a:t>
             </a:r>
             <a:r>
               <a:rPr lang="en-US" sz="3200" b="1" dirty="0">
@@ -8244,7 +10382,7 @@
                   <a:srgbClr val="66C0F4"/>
                 </a:solidFill>
               </a:rPr>
-              <a:t> piu’ </a:t>
+              <a:t> del </a:t>
             </a:r>
             <a:r>
               <a:rPr lang="en-US" sz="3200" b="1" dirty="0" err="1">
@@ -8252,39 +10390,7 @@
                   <a:srgbClr val="66C0F4"/>
                 </a:solidFill>
               </a:rPr>
-              <a:t>desiderabili</a:t>
-            </a:r>
-            <a:r>
-              <a:rPr lang="en-US" sz="3200" b="1" dirty="0">
-                <a:solidFill>
-                  <a:srgbClr val="66C0F4"/>
-                </a:solidFill>
-              </a:rPr>
-              <a:t> </a:t>
-            </a:r>
-            <a:r>
-              <a:rPr lang="en-US" sz="3200" b="1" dirty="0" err="1">
-                <a:solidFill>
-                  <a:srgbClr val="66C0F4"/>
-                </a:solidFill>
-              </a:rPr>
-              <a:t>dai</a:t>
-            </a:r>
-            <a:r>
-              <a:rPr lang="en-US" sz="3200" b="1" dirty="0">
-                <a:solidFill>
-                  <a:srgbClr val="66C0F4"/>
-                </a:solidFill>
-              </a:rPr>
-              <a:t> </a:t>
-            </a:r>
-            <a:r>
-              <a:rPr lang="en-US" sz="3200" b="1" dirty="0" err="1">
-                <a:solidFill>
-                  <a:srgbClr val="66C0F4"/>
-                </a:solidFill>
-              </a:rPr>
-              <a:t>Giocatori</a:t>
+              <a:t>successo</a:t>
             </a:r>
             <a:endParaRPr lang="en-US" sz="3200" b="1" dirty="0">
               <a:solidFill>
@@ -8357,8 +10463,8 @@
         </p:nvSpPr>
         <p:spPr>
           <a:xfrm>
-            <a:off x="1494118" y="1452283"/>
-            <a:ext cx="5487080" cy="3139321"/>
+            <a:off x="2240273" y="1720840"/>
+            <a:ext cx="7711453" cy="3416320"/>
           </a:xfrm>
           <a:prstGeom prst="rect">
             <a:avLst/>
@@ -8366,18 +10472,229 @@
           <a:noFill/>
         </p:spPr>
         <p:txBody>
-          <a:bodyPr wrap="none" rtlCol="0">
+          <a:bodyPr wrap="square" rtlCol="0">
             <a:spAutoFit/>
           </a:bodyPr>
           <a:lstStyle/>
           <a:p>
             <a:r>
+              <a:rPr lang="en-US" dirty="0">
+                <a:solidFill>
+                  <a:srgbClr val="C7D5E0"/>
+                </a:solidFill>
+              </a:rPr>
+              <a:t>Un </a:t>
+            </a:r>
+            <a:r>
               <a:rPr lang="en-US" dirty="0" err="1">
                 <a:solidFill>
                   <a:srgbClr val="C7D5E0"/>
                 </a:solidFill>
               </a:rPr>
-              <a:t>Treemap</a:t>
+              <a:t>videogioco</a:t>
+            </a:r>
+            <a:r>
+              <a:rPr lang="en-US" dirty="0">
+                <a:solidFill>
+                  <a:srgbClr val="C7D5E0"/>
+                </a:solidFill>
+              </a:rPr>
+              <a:t> di </a:t>
+            </a:r>
+            <a:r>
+              <a:rPr lang="en-US" dirty="0" err="1">
+                <a:solidFill>
+                  <a:srgbClr val="C7D5E0"/>
+                </a:solidFill>
+              </a:rPr>
+              <a:t>successo</a:t>
+            </a:r>
+            <a:r>
+              <a:rPr lang="en-US" dirty="0">
+                <a:solidFill>
+                  <a:srgbClr val="C7D5E0"/>
+                </a:solidFill>
+              </a:rPr>
+              <a:t> </a:t>
+            </a:r>
+            <a:r>
+              <a:rPr lang="en-US" dirty="0" err="1">
+                <a:solidFill>
+                  <a:srgbClr val="C7D5E0"/>
+                </a:solidFill>
+              </a:rPr>
+              <a:t>puo</a:t>
+            </a:r>
+            <a:r>
+              <a:rPr lang="en-US" dirty="0">
+                <a:solidFill>
+                  <a:srgbClr val="C7D5E0"/>
+                </a:solidFill>
+              </a:rPr>
+              <a:t>’ </a:t>
+            </a:r>
+            <a:r>
+              <a:rPr lang="en-US" dirty="0" err="1">
+                <a:solidFill>
+                  <a:srgbClr val="C7D5E0"/>
+                </a:solidFill>
+              </a:rPr>
+              <a:t>quindi</a:t>
+            </a:r>
+            <a:r>
+              <a:rPr lang="en-US" dirty="0">
+                <a:solidFill>
+                  <a:srgbClr val="C7D5E0"/>
+                </a:solidFill>
+              </a:rPr>
+              <a:t> </a:t>
+            </a:r>
+            <a:r>
+              <a:rPr lang="en-US" dirty="0" err="1">
+                <a:solidFill>
+                  <a:srgbClr val="C7D5E0"/>
+                </a:solidFill>
+              </a:rPr>
+              <a:t>essere</a:t>
+            </a:r>
+            <a:r>
+              <a:rPr lang="en-US" dirty="0">
+                <a:solidFill>
+                  <a:srgbClr val="C7D5E0"/>
+                </a:solidFill>
+              </a:rPr>
+              <a:t> </a:t>
+            </a:r>
+            <a:r>
+              <a:rPr lang="en-US" dirty="0" err="1">
+                <a:solidFill>
+                  <a:srgbClr val="C7D5E0"/>
+                </a:solidFill>
+              </a:rPr>
+              <a:t>identificato</a:t>
+            </a:r>
+            <a:r>
+              <a:rPr lang="en-US" dirty="0">
+                <a:solidFill>
+                  <a:srgbClr val="C7D5E0"/>
+                </a:solidFill>
+              </a:rPr>
+              <a:t> a </a:t>
+            </a:r>
+            <a:r>
+              <a:rPr lang="en-US" dirty="0" err="1">
+                <a:solidFill>
+                  <a:srgbClr val="C7D5E0"/>
+                </a:solidFill>
+              </a:rPr>
+              <a:t>partire</a:t>
+            </a:r>
+            <a:r>
+              <a:rPr lang="en-US" dirty="0">
+                <a:solidFill>
+                  <a:srgbClr val="C7D5E0"/>
+                </a:solidFill>
+              </a:rPr>
+              <a:t> </a:t>
+            </a:r>
+            <a:r>
+              <a:rPr lang="en-US" dirty="0" err="1">
+                <a:solidFill>
+                  <a:srgbClr val="C7D5E0"/>
+                </a:solidFill>
+              </a:rPr>
+              <a:t>dalle</a:t>
+            </a:r>
+            <a:r>
+              <a:rPr lang="en-US" dirty="0">
+                <a:solidFill>
+                  <a:srgbClr val="C7D5E0"/>
+                </a:solidFill>
+              </a:rPr>
+              <a:t> </a:t>
+            </a:r>
+            <a:r>
+              <a:rPr lang="en-US" dirty="0" err="1">
+                <a:solidFill>
+                  <a:srgbClr val="C7D5E0"/>
+                </a:solidFill>
+              </a:rPr>
+              <a:t>caratteristiche</a:t>
+            </a:r>
+            <a:r>
+              <a:rPr lang="en-US" dirty="0">
+                <a:solidFill>
+                  <a:srgbClr val="C7D5E0"/>
+                </a:solidFill>
+              </a:rPr>
+              <a:t> di:</a:t>
+            </a:r>
+          </a:p>
+          <a:p>
+            <a:pPr marL="285750" indent="-285750">
+              <a:buClr>
+                <a:srgbClr val="66C0F4"/>
+              </a:buClr>
+              <a:buFont typeface="Arial" panose="020B0604020202020204" pitchFamily="34" charset="0"/>
+              <a:buChar char="•"/>
+            </a:pPr>
+            <a:r>
+              <a:rPr lang="en-US" dirty="0">
+                <a:solidFill>
+                  <a:srgbClr val="66C0F4"/>
+                </a:solidFill>
+              </a:rPr>
+              <a:t>Peak CCU</a:t>
+            </a:r>
+          </a:p>
+          <a:p>
+            <a:pPr marL="285750" indent="-285750">
+              <a:buClr>
+                <a:srgbClr val="66C0F4"/>
+              </a:buClr>
+              <a:buFont typeface="Arial" panose="020B0604020202020204" pitchFamily="34" charset="0"/>
+              <a:buChar char="•"/>
+            </a:pPr>
+            <a:r>
+              <a:rPr lang="en-US" dirty="0">
+                <a:solidFill>
+                  <a:srgbClr val="C7D5E0"/>
+                </a:solidFill>
+              </a:rPr>
+              <a:t>#N </a:t>
+            </a:r>
+            <a:r>
+              <a:rPr lang="en-US" dirty="0">
+                <a:solidFill>
+                  <a:srgbClr val="66C0F4"/>
+                </a:solidFill>
+              </a:rPr>
+              <a:t>Download</a:t>
+            </a:r>
+          </a:p>
+          <a:p>
+            <a:pPr marL="285750" indent="-285750">
+              <a:buClr>
+                <a:srgbClr val="66C0F4"/>
+              </a:buClr>
+              <a:buFont typeface="Arial" panose="020B0604020202020204" pitchFamily="34" charset="0"/>
+              <a:buChar char="•"/>
+            </a:pPr>
+            <a:r>
+              <a:rPr lang="en-US" dirty="0">
+                <a:solidFill>
+                  <a:srgbClr val="C7D5E0"/>
+                </a:solidFill>
+              </a:rPr>
+              <a:t>Tempo Medio di </a:t>
+            </a:r>
+            <a:r>
+              <a:rPr lang="en-US" dirty="0" err="1">
+                <a:solidFill>
+                  <a:srgbClr val="C7D5E0"/>
+                </a:solidFill>
+              </a:rPr>
+              <a:t>utilizzo</a:t>
             </a:r>
             <a:endParaRPr lang="en-US" dirty="0">
               <a:solidFill>
@@ -8386,204 +10703,11 @@
             </a:endParaRPr>
           </a:p>
           <a:p>
-            <a:r>
-              <a:rPr lang="en-US" dirty="0" err="1">
-                <a:solidFill>
-                  <a:srgbClr val="C7D5E0"/>
-                </a:solidFill>
-              </a:rPr>
-              <a:t>Generi</a:t>
-            </a:r>
-            <a:r>
-              <a:rPr lang="en-US" dirty="0">
-                <a:solidFill>
-                  <a:srgbClr val="C7D5E0"/>
-                </a:solidFill>
-              </a:rPr>
-              <a:t> per </a:t>
-            </a:r>
-            <a:r>
-              <a:rPr lang="en-US" dirty="0" err="1">
-                <a:solidFill>
-                  <a:srgbClr val="C7D5E0"/>
-                </a:solidFill>
-              </a:rPr>
-              <a:t>e_u</a:t>
-            </a:r>
-            <a:r>
-              <a:rPr lang="en-US" dirty="0">
-                <a:solidFill>
-                  <a:srgbClr val="C7D5E0"/>
-                </a:solidFill>
-              </a:rPr>
-              <a:t>  per </a:t>
-            </a:r>
-            <a:r>
-              <a:rPr lang="en-US" dirty="0" err="1">
-                <a:solidFill>
-                  <a:srgbClr val="C7D5E0"/>
-                </a:solidFill>
-              </a:rPr>
-              <a:t>indicatore</a:t>
-            </a:r>
-            <a:r>
-              <a:rPr lang="en-US" dirty="0">
-                <a:solidFill>
-                  <a:srgbClr val="C7D5E0"/>
-                </a:solidFill>
-              </a:rPr>
-              <a:t> di </a:t>
-            </a:r>
-            <a:r>
-              <a:rPr lang="en-US" dirty="0" err="1">
-                <a:solidFill>
-                  <a:srgbClr val="C7D5E0"/>
-                </a:solidFill>
-              </a:rPr>
-              <a:t>positivita</a:t>
-            </a:r>
-            <a:r>
-              <a:rPr lang="en-US" dirty="0">
-                <a:solidFill>
-                  <a:srgbClr val="C7D5E0"/>
-                </a:solidFill>
-              </a:rPr>
-              <a:t>’ alto</a:t>
-            </a:r>
-          </a:p>
-          <a:p>
-            <a:r>
-              <a:rPr lang="en-US" dirty="0" err="1">
-                <a:solidFill>
-                  <a:srgbClr val="C7D5E0"/>
-                </a:solidFill>
-              </a:rPr>
-              <a:t>Generi</a:t>
-            </a:r>
-            <a:r>
-              <a:rPr lang="en-US" dirty="0">
-                <a:solidFill>
-                  <a:srgbClr val="C7D5E0"/>
-                </a:solidFill>
-              </a:rPr>
-              <a:t> per </a:t>
-            </a:r>
-            <a:r>
-              <a:rPr lang="en-US" dirty="0" err="1">
-                <a:solidFill>
-                  <a:srgbClr val="C7D5E0"/>
-                </a:solidFill>
-              </a:rPr>
-              <a:t>peak_ccu</a:t>
-            </a:r>
-            <a:r>
-              <a:rPr lang="en-US" dirty="0">
-                <a:solidFill>
-                  <a:srgbClr val="C7D5E0"/>
-                </a:solidFill>
-              </a:rPr>
-              <a:t> per </a:t>
-            </a:r>
-            <a:r>
-              <a:rPr lang="en-US" dirty="0" err="1">
-                <a:solidFill>
-                  <a:srgbClr val="C7D5E0"/>
-                </a:solidFill>
-              </a:rPr>
-              <a:t>indicatore</a:t>
-            </a:r>
-            <a:r>
-              <a:rPr lang="en-US" dirty="0">
-                <a:solidFill>
-                  <a:srgbClr val="C7D5E0"/>
-                </a:solidFill>
-              </a:rPr>
-              <a:t> di </a:t>
-            </a:r>
-            <a:r>
-              <a:rPr lang="en-US" dirty="0" err="1">
-                <a:solidFill>
-                  <a:srgbClr val="C7D5E0"/>
-                </a:solidFill>
-              </a:rPr>
-              <a:t>positivita</a:t>
-            </a:r>
-            <a:r>
-              <a:rPr lang="en-US" dirty="0">
-                <a:solidFill>
-                  <a:srgbClr val="C7D5E0"/>
-                </a:solidFill>
-              </a:rPr>
-              <a:t>’ alto</a:t>
-            </a:r>
-          </a:p>
-          <a:p>
-            <a:r>
-              <a:rPr lang="en-US" dirty="0" err="1">
-                <a:solidFill>
-                  <a:srgbClr val="C7D5E0"/>
-                </a:solidFill>
-              </a:rPr>
-              <a:t>Generi</a:t>
-            </a:r>
-            <a:r>
-              <a:rPr lang="en-US" dirty="0">
-                <a:solidFill>
-                  <a:srgbClr val="C7D5E0"/>
-                </a:solidFill>
-              </a:rPr>
-              <a:t> per </a:t>
-            </a:r>
-            <a:r>
-              <a:rPr lang="en-US" dirty="0" err="1">
-                <a:solidFill>
-                  <a:srgbClr val="C7D5E0"/>
-                </a:solidFill>
-              </a:rPr>
-              <a:t>AverageTime</a:t>
-            </a:r>
-            <a:r>
-              <a:rPr lang="en-US" dirty="0">
-                <a:solidFill>
-                  <a:srgbClr val="C7D5E0"/>
-                </a:solidFill>
-              </a:rPr>
-              <a:t>  per </a:t>
-            </a:r>
-            <a:r>
-              <a:rPr lang="en-US" dirty="0" err="1">
-                <a:solidFill>
-                  <a:srgbClr val="C7D5E0"/>
-                </a:solidFill>
-              </a:rPr>
-              <a:t>indicatore</a:t>
-            </a:r>
-            <a:r>
-              <a:rPr lang="en-US" dirty="0">
-                <a:solidFill>
-                  <a:srgbClr val="C7D5E0"/>
-                </a:solidFill>
-              </a:rPr>
-              <a:t> di </a:t>
-            </a:r>
-            <a:r>
-              <a:rPr lang="en-US" dirty="0" err="1">
-                <a:solidFill>
-                  <a:srgbClr val="C7D5E0"/>
-                </a:solidFill>
-              </a:rPr>
-              <a:t>positivita</a:t>
-            </a:r>
-            <a:r>
-              <a:rPr lang="en-US" dirty="0">
-                <a:solidFill>
-                  <a:srgbClr val="C7D5E0"/>
-                </a:solidFill>
-              </a:rPr>
-              <a:t>’ alto</a:t>
-            </a:r>
-          </a:p>
-          <a:p>
+            <a:pPr>
+              <a:buClr>
+                <a:srgbClr val="66C0F4"/>
+              </a:buClr>
+            </a:pPr>
             <a:endParaRPr lang="en-US" dirty="0">
               <a:solidFill>
                 <a:srgbClr val="C7D5E0"/>
@@ -8591,20 +10715,346 @@
             </a:endParaRPr>
           </a:p>
           <a:p>
+            <a:pPr>
+              <a:buClr>
+                <a:srgbClr val="66C0F4"/>
+              </a:buClr>
+            </a:pPr>
+            <a:r>
+              <a:rPr lang="en-US" dirty="0">
+                <a:solidFill>
+                  <a:srgbClr val="C7D5E0"/>
+                </a:solidFill>
+              </a:rPr>
+              <a:t>E’ </a:t>
+            </a:r>
+            <a:r>
+              <a:rPr lang="en-US" dirty="0" err="1">
+                <a:solidFill>
+                  <a:srgbClr val="C7D5E0"/>
+                </a:solidFill>
+              </a:rPr>
+              <a:t>quindi</a:t>
+            </a:r>
+            <a:r>
+              <a:rPr lang="en-US" dirty="0">
+                <a:solidFill>
+                  <a:srgbClr val="C7D5E0"/>
+                </a:solidFill>
+              </a:rPr>
+              <a:t> </a:t>
+            </a:r>
+            <a:r>
+              <a:rPr lang="en-US" dirty="0" err="1">
+                <a:solidFill>
+                  <a:srgbClr val="C7D5E0"/>
+                </a:solidFill>
+              </a:rPr>
+              <a:t>possibile</a:t>
+            </a:r>
+            <a:r>
+              <a:rPr lang="en-US" dirty="0">
+                <a:solidFill>
+                  <a:srgbClr val="C7D5E0"/>
+                </a:solidFill>
+              </a:rPr>
+              <a:t> </a:t>
+            </a:r>
+            <a:r>
+              <a:rPr lang="en-US" dirty="0" err="1">
+                <a:solidFill>
+                  <a:srgbClr val="C7D5E0"/>
+                </a:solidFill>
+              </a:rPr>
+              <a:t>utilizzare</a:t>
+            </a:r>
+            <a:r>
+              <a:rPr lang="en-US" dirty="0">
+                <a:solidFill>
+                  <a:srgbClr val="C7D5E0"/>
+                </a:solidFill>
+              </a:rPr>
+              <a:t> </a:t>
+            </a:r>
+            <a:r>
+              <a:rPr lang="en-US" dirty="0" err="1">
+                <a:solidFill>
+                  <a:srgbClr val="C7D5E0"/>
+                </a:solidFill>
+              </a:rPr>
+              <a:t>questi</a:t>
+            </a:r>
+            <a:r>
+              <a:rPr lang="en-US" dirty="0">
+                <a:solidFill>
+                  <a:srgbClr val="C7D5E0"/>
+                </a:solidFill>
+              </a:rPr>
+              <a:t> </a:t>
+            </a:r>
+            <a:r>
+              <a:rPr lang="en-US" dirty="0" err="1">
+                <a:solidFill>
+                  <a:srgbClr val="C7D5E0"/>
+                </a:solidFill>
+              </a:rPr>
+              <a:t>tre</a:t>
+            </a:r>
+            <a:r>
+              <a:rPr lang="en-US" dirty="0">
+                <a:solidFill>
+                  <a:srgbClr val="C7D5E0"/>
+                </a:solidFill>
+              </a:rPr>
+              <a:t> </a:t>
+            </a:r>
+            <a:r>
+              <a:rPr lang="en-US" dirty="0" err="1">
+                <a:solidFill>
+                  <a:srgbClr val="C7D5E0"/>
+                </a:solidFill>
+              </a:rPr>
+              <a:t>indicatori</a:t>
+            </a:r>
+            <a:r>
+              <a:rPr lang="en-US" dirty="0">
+                <a:solidFill>
+                  <a:srgbClr val="C7D5E0"/>
+                </a:solidFill>
+              </a:rPr>
+              <a:t>, </a:t>
+            </a:r>
+            <a:r>
+              <a:rPr lang="en-US" dirty="0" err="1">
+                <a:solidFill>
+                  <a:srgbClr val="C7D5E0"/>
+                </a:solidFill>
+              </a:rPr>
+              <a:t>unendoli</a:t>
+            </a:r>
+            <a:r>
+              <a:rPr lang="en-US" dirty="0">
+                <a:solidFill>
+                  <a:srgbClr val="C7D5E0"/>
+                </a:solidFill>
+              </a:rPr>
+              <a:t> </a:t>
+            </a:r>
+            <a:r>
+              <a:rPr lang="en-US" dirty="0" err="1">
+                <a:solidFill>
+                  <a:srgbClr val="C7D5E0"/>
+                </a:solidFill>
+              </a:rPr>
+              <a:t>all’indice</a:t>
+            </a:r>
+            <a:r>
+              <a:rPr lang="en-US" dirty="0">
+                <a:solidFill>
+                  <a:srgbClr val="C7D5E0"/>
+                </a:solidFill>
+              </a:rPr>
+              <a:t> di </a:t>
+            </a:r>
+            <a:r>
+              <a:rPr lang="en-US" dirty="0" err="1">
+                <a:solidFill>
+                  <a:srgbClr val="C7D5E0"/>
+                </a:solidFill>
+              </a:rPr>
+              <a:t>apprezzamento</a:t>
+            </a:r>
+            <a:r>
+              <a:rPr lang="en-US" dirty="0">
+                <a:solidFill>
+                  <a:srgbClr val="C7D5E0"/>
+                </a:solidFill>
+              </a:rPr>
+              <a:t> del </a:t>
+            </a:r>
+            <a:r>
+              <a:rPr lang="en-US" dirty="0" err="1">
+                <a:solidFill>
+                  <a:srgbClr val="C7D5E0"/>
+                </a:solidFill>
+              </a:rPr>
+              <a:t>videogioco</a:t>
+            </a:r>
+            <a:r>
+              <a:rPr lang="en-US" dirty="0">
+                <a:solidFill>
+                  <a:srgbClr val="C7D5E0"/>
+                </a:solidFill>
+              </a:rPr>
+              <a:t> da </a:t>
+            </a:r>
+            <a:r>
+              <a:rPr lang="en-US" dirty="0" err="1">
+                <a:solidFill>
+                  <a:srgbClr val="C7D5E0"/>
+                </a:solidFill>
+              </a:rPr>
+              <a:t>parte</a:t>
+            </a:r>
+            <a:r>
+              <a:rPr lang="en-US" dirty="0">
+                <a:solidFill>
+                  <a:srgbClr val="C7D5E0"/>
+                </a:solidFill>
+              </a:rPr>
+              <a:t> del </a:t>
+            </a:r>
+            <a:r>
+              <a:rPr lang="en-US" dirty="0" err="1">
+                <a:solidFill>
+                  <a:srgbClr val="C7D5E0"/>
+                </a:solidFill>
+              </a:rPr>
+              <a:t>pubblico</a:t>
+            </a:r>
+            <a:r>
+              <a:rPr lang="en-US" dirty="0">
+                <a:solidFill>
+                  <a:srgbClr val="C7D5E0"/>
+                </a:solidFill>
+              </a:rPr>
+              <a:t> per </a:t>
+            </a:r>
+            <a:r>
+              <a:rPr lang="en-US" dirty="0" err="1">
+                <a:solidFill>
+                  <a:srgbClr val="C7D5E0"/>
+                </a:solidFill>
+              </a:rPr>
+              <a:t>indicare</a:t>
+            </a:r>
+            <a:r>
+              <a:rPr lang="en-US" dirty="0">
+                <a:solidFill>
+                  <a:srgbClr val="C7D5E0"/>
+                </a:solidFill>
+              </a:rPr>
+              <a:t> le </a:t>
+            </a:r>
+            <a:r>
+              <a:rPr lang="en-US" dirty="0" err="1">
+                <a:solidFill>
+                  <a:srgbClr val="C7D5E0"/>
+                </a:solidFill>
+              </a:rPr>
+              <a:t>caratteristiche</a:t>
+            </a:r>
+            <a:r>
+              <a:rPr lang="en-US" dirty="0">
+                <a:solidFill>
+                  <a:srgbClr val="C7D5E0"/>
+                </a:solidFill>
+              </a:rPr>
+              <a:t> di </a:t>
+            </a:r>
+            <a:r>
+              <a:rPr lang="en-US" dirty="0" err="1">
+                <a:solidFill>
+                  <a:srgbClr val="C7D5E0"/>
+                </a:solidFill>
+              </a:rPr>
+              <a:t>sviluppo</a:t>
+            </a:r>
+            <a:r>
+              <a:rPr lang="en-US" dirty="0">
+                <a:solidFill>
+                  <a:srgbClr val="C7D5E0"/>
+                </a:solidFill>
+              </a:rPr>
+              <a:t> piu di </a:t>
+            </a:r>
+            <a:r>
+              <a:rPr lang="en-US" dirty="0" err="1">
+                <a:solidFill>
+                  <a:srgbClr val="C7D5E0"/>
+                </a:solidFill>
+              </a:rPr>
+              <a:t>successo</a:t>
+            </a:r>
+            <a:r>
+              <a:rPr lang="en-US" dirty="0">
+                <a:solidFill>
+                  <a:srgbClr val="C7D5E0"/>
+                </a:solidFill>
+              </a:rPr>
+              <a:t> dal punto di vista </a:t>
+            </a:r>
+            <a:r>
+              <a:rPr lang="en-US" dirty="0" err="1">
+                <a:solidFill>
+                  <a:srgbClr val="C7D5E0"/>
+                </a:solidFill>
+              </a:rPr>
+              <a:t>economico</a:t>
+            </a:r>
+            <a:r>
+              <a:rPr lang="en-US" dirty="0">
+                <a:solidFill>
+                  <a:srgbClr val="C7D5E0"/>
+                </a:solidFill>
+              </a:rPr>
+              <a:t>:</a:t>
+            </a:r>
+          </a:p>
+          <a:p>
+            <a:pPr marL="285750" indent="-285750">
+              <a:buClr>
+                <a:srgbClr val="66C0F4"/>
+              </a:buClr>
+              <a:buFont typeface="Arial" panose="020B0604020202020204" pitchFamily="34" charset="0"/>
+              <a:buChar char="•"/>
+            </a:pPr>
+            <a:r>
+              <a:rPr lang="en-US" dirty="0" err="1">
+                <a:solidFill>
+                  <a:srgbClr val="66C0F4"/>
+                </a:solidFill>
+              </a:rPr>
+              <a:t>Genere</a:t>
+            </a:r>
             <a:endParaRPr lang="en-US" dirty="0">
               <a:solidFill>
-                <a:srgbClr val="C7D5E0"/>
+                <a:srgbClr val="66C0F4"/>
               </a:solidFill>
             </a:endParaRPr>
           </a:p>
           <a:p>
+            <a:pPr marL="285750" indent="-285750">
+              <a:buClr>
+                <a:srgbClr val="66C0F4"/>
+              </a:buClr>
+              <a:buFont typeface="Arial" panose="020B0604020202020204" pitchFamily="34" charset="0"/>
+              <a:buChar char="•"/>
+            </a:pPr>
             <a:r>
               <a:rPr lang="en-US" dirty="0">
                 <a:solidFill>
-                  <a:srgbClr val="C7D5E0"/>
-                </a:solidFill>
-              </a:rPr>
-              <a:t>F2P vs P2P per </a:t>
+                  <a:srgbClr val="66C0F4"/>
+                </a:solidFill>
+              </a:rPr>
+              <a:t>F2P/P2P</a:t>
+            </a:r>
+          </a:p>
+          <a:p>
+            <a:pPr marL="285750" indent="-285750">
+              <a:buClr>
+                <a:srgbClr val="66C0F4"/>
+              </a:buClr>
+              <a:buFont typeface="Arial" panose="020B0604020202020204" pitchFamily="34" charset="0"/>
+              <a:buChar char="•"/>
+            </a:pPr>
+            <a:r>
+              <a:rPr lang="en-US" dirty="0">
+                <a:solidFill>
+                  <a:srgbClr val="C7D5E0"/>
+                </a:solidFill>
+              </a:rPr>
+              <a:t>Focus </a:t>
             </a:r>
             <a:r>
               <a:rPr lang="en-US" dirty="0" err="1">
@@ -8612,7 +11062,7 @@
                   <a:srgbClr val="C7D5E0"/>
                 </a:solidFill>
               </a:rPr>
-              <a:t>indicatore</a:t>
+              <a:t>su</a:t>
             </a:r>
             <a:r>
               <a:rPr lang="en-US" dirty="0">
@@ -8620,15 +11070,31 @@
                   <a:srgbClr val="C7D5E0"/>
                 </a:solidFill>
               </a:rPr>
-              <a:t> di </a:t>
+              <a:t> </a:t>
+            </a:r>
+            <a:r>
+              <a:rPr lang="en-US" dirty="0">
+                <a:solidFill>
+                  <a:srgbClr val="66C0F4"/>
+                </a:solidFill>
+              </a:rPr>
+              <a:t>Co-op</a:t>
+            </a:r>
+            <a:r>
+              <a:rPr lang="en-US" dirty="0">
+                <a:solidFill>
+                  <a:srgbClr val="C7D5E0"/>
+                </a:solidFill>
+              </a:rPr>
+              <a:t>, </a:t>
             </a:r>
             <a:r>
               <a:rPr lang="en-US" dirty="0" err="1">
                 <a:solidFill>
-                  <a:srgbClr val="C7D5E0"/>
-                </a:solidFill>
-              </a:rPr>
-              <a:t>positivita</a:t>
+                  <a:srgbClr val="66C0F4"/>
+                </a:solidFill>
+              </a:rPr>
+              <a:t>SinglePlayer</a:t>
             </a:r>
             <a:r>
               <a:rPr lang="en-US" dirty="0">
@@ -8636,140 +11102,28 @@
                   <a:srgbClr val="C7D5E0"/>
                 </a:solidFill>
               </a:rPr>
-              <a:t>’ alto (in media)</a:t>
-            </a:r>
-          </a:p>
-          <a:p>
-            <a:r>
-              <a:rPr lang="en-US" dirty="0">
-                <a:solidFill>
-                  <a:srgbClr val="C7D5E0"/>
-                </a:solidFill>
-              </a:rPr>
-              <a:t>(</a:t>
+              <a:t>, </a:t>
             </a:r>
             <a:r>
               <a:rPr lang="en-US" dirty="0" err="1">
                 <a:solidFill>
-                  <a:srgbClr val="C7D5E0"/>
-                </a:solidFill>
-              </a:rPr>
-              <a:t>Infografica</a:t>
-            </a:r>
-            <a:r>
-              <a:rPr lang="en-US" dirty="0">
-                <a:solidFill>
-                  <a:srgbClr val="C7D5E0"/>
-                </a:solidFill>
-              </a:rPr>
-              <a:t>)</a:t>
-            </a:r>
-          </a:p>
-          <a:p>
-            <a:r>
-              <a:rPr lang="en-US" dirty="0">
-                <a:solidFill>
-                  <a:srgbClr val="C7D5E0"/>
-                </a:solidFill>
-              </a:rPr>
-              <a:t>Con 3 </a:t>
-            </a:r>
-            <a:r>
-              <a:rPr lang="en-US" dirty="0" err="1">
-                <a:solidFill>
-                  <a:srgbClr val="C7D5E0"/>
-                </a:solidFill>
-              </a:rPr>
-              <a:t>generi</a:t>
-            </a:r>
-            <a:r>
-              <a:rPr lang="en-US" dirty="0">
-                <a:solidFill>
-                  <a:srgbClr val="C7D5E0"/>
-                </a:solidFill>
-              </a:rPr>
-              <a:t> </a:t>
-            </a:r>
-            <a:r>
-              <a:rPr lang="en-US" dirty="0" err="1">
-                <a:solidFill>
-                  <a:srgbClr val="C7D5E0"/>
-                </a:solidFill>
-              </a:rPr>
-              <a:t>migliori</a:t>
-            </a:r>
-            <a:r>
-              <a:rPr lang="en-US" dirty="0">
-                <a:solidFill>
-                  <a:srgbClr val="C7D5E0"/>
-                </a:solidFill>
-              </a:rPr>
-              <a:t> per I 3 </a:t>
-            </a:r>
-            <a:r>
-              <a:rPr lang="en-US" dirty="0" err="1">
-                <a:solidFill>
-                  <a:srgbClr val="C7D5E0"/>
-                </a:solidFill>
-              </a:rPr>
-              <a:t>indicatori</a:t>
+                  <a:srgbClr val="66C0F4"/>
+                </a:solidFill>
+              </a:rPr>
+              <a:t>MultiPlayer</a:t>
             </a:r>
             <a:endParaRPr lang="en-US" dirty="0">
               <a:solidFill>
-                <a:srgbClr val="C7D5E0"/>
+                <a:srgbClr val="66C0F4"/>
               </a:solidFill>
             </a:endParaRPr>
           </a:p>
-          <a:p>
-            <a:endParaRPr lang="en-US" dirty="0">
-              <a:solidFill>
-                <a:srgbClr val="C7D5E0"/>
-              </a:solidFill>
-            </a:endParaRPr>
-          </a:p>
-          <a:p>
-            <a:endParaRPr lang="en-US" dirty="0">
-              <a:solidFill>
-                <a:srgbClr val="C7D5E0"/>
-              </a:solidFill>
-            </a:endParaRPr>
-          </a:p>
         </p:txBody>
       </p:sp>
-      <p:pic>
-        <p:nvPicPr>
-          <p:cNvPr id="5" name="Immagine 4">
-            <a:extLst>
-              <a:ext uri="{FF2B5EF4-FFF2-40B4-BE49-F238E27FC236}">
-                <a16:creationId xmlns:a16="http://schemas.microsoft.com/office/drawing/2014/main" id="{9CE2F709-B0A5-63FD-30AC-7988EE45CAAA}"/>
-              </a:ext>
-            </a:extLst>
-          </p:cNvPr>
-          <p:cNvPicPr>
-            <a:picLocks noChangeAspect="1"/>
-          </p:cNvPicPr>
-          <p:nvPr/>
-        </p:nvPicPr>
-        <p:blipFill>
-          <a:blip r:embed="rId3"/>
-          <a:stretch>
-            <a:fillRect/>
-          </a:stretch>
-        </p:blipFill>
-        <p:spPr>
-          <a:xfrm>
-            <a:off x="7921821" y="1678194"/>
-            <a:ext cx="2570932" cy="2332103"/>
-          </a:xfrm>
-          <a:prstGeom prst="rect">
-            <a:avLst/>
-          </a:prstGeom>
-        </p:spPr>
-      </p:pic>
     </p:spTree>
     <p:extLst>
       <p:ext uri="{BB962C8B-B14F-4D97-AF65-F5344CB8AC3E}">
-        <p14:creationId xmlns:p14="http://schemas.microsoft.com/office/powerpoint/2010/main" val="2807750695"/>
+        <p14:creationId xmlns:p14="http://schemas.microsoft.com/office/powerpoint/2010/main" val="233292230"/>
       </p:ext>
     </p:extLst>
   </p:cSld>
@@ -8834,6 +11188,564 @@
           <a:p>
             <a:pPr algn="ctr"/>
             <a:r>
+              <a:rPr lang="en-US" sz="3200" b="1">
+                <a:solidFill>
+                  <a:srgbClr val="66C0F4"/>
+                </a:solidFill>
+              </a:rPr>
+              <a:t>I generi di successo – #N Download</a:t>
+            </a:r>
+            <a:endParaRPr lang="en-US" sz="3200" b="1" dirty="0">
+              <a:solidFill>
+                <a:srgbClr val="66C0F4"/>
+              </a:solidFill>
+            </a:endParaRPr>
+          </a:p>
+        </p:txBody>
+      </p:sp>
+      <p:pic>
+        <p:nvPicPr>
+          <p:cNvPr id="17" name="Immagine 16" descr="Immagine che contiene Elementi grafici, cerchio, clipart, cartone animato">
+            <a:extLst>
+              <a:ext uri="{FF2B5EF4-FFF2-40B4-BE49-F238E27FC236}">
+                <a16:creationId xmlns:a16="http://schemas.microsoft.com/office/drawing/2014/main" id="{05A5E460-1E13-E434-F2FF-8F2679A217ED}"/>
+              </a:ext>
+            </a:extLst>
+          </p:cNvPr>
+          <p:cNvPicPr>
+            <a:picLocks noChangeAspect="1"/>
+          </p:cNvPicPr>
+          <p:nvPr/>
+        </p:nvPicPr>
+        <p:blipFill>
+          <a:blip r:embed="rId2">
+            <a:alphaModFix/>
+            <a:extLst>
+              <a:ext uri="{28A0092B-C50C-407E-A947-70E740481C1C}">
+                <a14:useLocalDpi xmlns:a14="http://schemas.microsoft.com/office/drawing/2010/main" val="0"/>
+              </a:ext>
+            </a:extLst>
+          </a:blip>
+          <a:stretch>
+            <a:fillRect/>
+          </a:stretch>
+        </p:blipFill>
+        <p:spPr>
+          <a:xfrm>
+            <a:off x="11642903" y="0"/>
+            <a:ext cx="549097" cy="548640"/>
+          </a:xfrm>
+          <a:prstGeom prst="rect">
+            <a:avLst/>
+          </a:prstGeom>
+          <a:effectLst>
+            <a:glow>
+              <a:schemeClr val="accent1">
+                <a:alpha val="40000"/>
+              </a:schemeClr>
+            </a:glow>
+            <a:outerShdw blurRad="1270000" dist="50800" algn="ctr" rotWithShape="0">
+              <a:srgbClr val="000000"/>
+            </a:outerShdw>
+            <a:reflection endPos="0" dir="5400000" sy="-100000" algn="bl" rotWithShape="0"/>
+            <a:softEdge rad="0"/>
+          </a:effectLst>
+        </p:spPr>
+      </p:pic>
+      <p:pic>
+        <p:nvPicPr>
+          <p:cNvPr id="9" name="Immagine 8" descr="Immagine che contiene schermata, testo, schermo, quadrato&#10;&#10;Descrizione generata automaticamente">
+            <a:extLst>
+              <a:ext uri="{FF2B5EF4-FFF2-40B4-BE49-F238E27FC236}">
+                <a16:creationId xmlns:a16="http://schemas.microsoft.com/office/drawing/2014/main" id="{B33F75E5-82F2-E417-411B-12D8D9350CF5}"/>
+              </a:ext>
+            </a:extLst>
+          </p:cNvPr>
+          <p:cNvPicPr>
+            <a:picLocks noChangeAspect="1"/>
+          </p:cNvPicPr>
+          <p:nvPr/>
+        </p:nvPicPr>
+        <p:blipFill>
+          <a:blip r:embed="rId3">
+            <a:extLst>
+              <a:ext uri="{28A0092B-C50C-407E-A947-70E740481C1C}">
+                <a14:useLocalDpi xmlns:a14="http://schemas.microsoft.com/office/drawing/2010/main" val="0"/>
+              </a:ext>
+            </a:extLst>
+          </a:blip>
+          <a:stretch>
+            <a:fillRect/>
+          </a:stretch>
+        </p:blipFill>
+        <p:spPr>
+          <a:xfrm>
+            <a:off x="0" y="391821"/>
+            <a:ext cx="12192000" cy="6074357"/>
+          </a:xfrm>
+          <a:prstGeom prst="rect">
+            <a:avLst/>
+          </a:prstGeom>
+        </p:spPr>
+      </p:pic>
+    </p:spTree>
+    <p:extLst>
+      <p:ext uri="{BB962C8B-B14F-4D97-AF65-F5344CB8AC3E}">
+        <p14:creationId xmlns:p14="http://schemas.microsoft.com/office/powerpoint/2010/main" val="2807750695"/>
+      </p:ext>
+    </p:extLst>
+  </p:cSld>
+  <p:clrMapOvr>
+    <a:masterClrMapping/>
+  </p:clrMapOvr>
+</p:sld>
+</file>
+
+<file path=ppt/slides/slide22.xml><?xml version="1.0" encoding="utf-8"?>
+<p:sld xmlns:a="http://schemas.openxmlformats.org/drawingml/2006/main" xmlns:r="http://schemas.openxmlformats.org/officeDocument/2006/relationships" xmlns:p="http://schemas.openxmlformats.org/presentationml/2006/main">
+  <p:cSld>
+    <p:bg>
+      <p:bgPr>
+        <a:solidFill>
+          <a:srgbClr val="171A21"/>
+        </a:solidFill>
+        <a:effectLst/>
+      </p:bgPr>
+    </p:bg>
+    <p:spTree>
+      <p:nvGrpSpPr>
+        <p:cNvPr id="1" name=""/>
+        <p:cNvGrpSpPr/>
+        <p:nvPr/>
+      </p:nvGrpSpPr>
+      <p:grpSpPr>
+        <a:xfrm>
+          <a:off x="0" y="0"/>
+          <a:ext cx="0" cy="0"/>
+          <a:chOff x="0" y="0"/>
+          <a:chExt cx="0" cy="0"/>
+        </a:xfrm>
+      </p:grpSpPr>
+      <p:sp>
+        <p:nvSpPr>
+          <p:cNvPr id="16" name="Titolo 15">
+            <a:extLst>
+              <a:ext uri="{FF2B5EF4-FFF2-40B4-BE49-F238E27FC236}">
+                <a16:creationId xmlns:a16="http://schemas.microsoft.com/office/drawing/2014/main" id="{F7263360-930D-9D6A-C2AC-5E06A3EFBC66}"/>
+              </a:ext>
+            </a:extLst>
+          </p:cNvPr>
+          <p:cNvSpPr>
+            <a:spLocks noGrp="1"/>
+          </p:cNvSpPr>
+          <p:nvPr>
+            <p:ph type="title"/>
+          </p:nvPr>
+        </p:nvSpPr>
+        <p:spPr>
+          <a:xfrm>
+            <a:off x="838200" y="159702"/>
+            <a:ext cx="10515600" cy="777875"/>
+          </a:xfrm>
+        </p:spPr>
+        <p:txBody>
+          <a:bodyPr>
+            <a:normAutofit/>
+          </a:bodyPr>
+          <a:lstStyle/>
+          <a:p>
+            <a:pPr algn="ctr"/>
+            <a:r>
+              <a:rPr lang="en-US" sz="3200" b="1" dirty="0">
+                <a:solidFill>
+                  <a:srgbClr val="66C0F4"/>
+                </a:solidFill>
+              </a:rPr>
+              <a:t>I </a:t>
+            </a:r>
+            <a:r>
+              <a:rPr lang="en-US" sz="3200" b="1" dirty="0" err="1">
+                <a:solidFill>
+                  <a:srgbClr val="66C0F4"/>
+                </a:solidFill>
+              </a:rPr>
+              <a:t>generi</a:t>
+            </a:r>
+            <a:r>
+              <a:rPr lang="en-US" sz="3200" b="1" dirty="0">
+                <a:solidFill>
+                  <a:srgbClr val="66C0F4"/>
+                </a:solidFill>
+              </a:rPr>
+              <a:t> di </a:t>
+            </a:r>
+            <a:r>
+              <a:rPr lang="en-US" sz="3200" b="1" dirty="0" err="1">
+                <a:solidFill>
+                  <a:srgbClr val="66C0F4"/>
+                </a:solidFill>
+              </a:rPr>
+              <a:t>successo</a:t>
+            </a:r>
+            <a:r>
+              <a:rPr lang="en-US" sz="3200" b="1" dirty="0">
+                <a:solidFill>
+                  <a:srgbClr val="66C0F4"/>
+                </a:solidFill>
+              </a:rPr>
+              <a:t> – Peak CCU</a:t>
+            </a:r>
+          </a:p>
+        </p:txBody>
+      </p:sp>
+      <p:pic>
+        <p:nvPicPr>
+          <p:cNvPr id="17" name="Immagine 16" descr="Immagine che contiene Elementi grafici, cerchio, clipart, cartone animato">
+            <a:extLst>
+              <a:ext uri="{FF2B5EF4-FFF2-40B4-BE49-F238E27FC236}">
+                <a16:creationId xmlns:a16="http://schemas.microsoft.com/office/drawing/2014/main" id="{05A5E460-1E13-E434-F2FF-8F2679A217ED}"/>
+              </a:ext>
+            </a:extLst>
+          </p:cNvPr>
+          <p:cNvPicPr>
+            <a:picLocks noChangeAspect="1"/>
+          </p:cNvPicPr>
+          <p:nvPr/>
+        </p:nvPicPr>
+        <p:blipFill>
+          <a:blip r:embed="rId2">
+            <a:alphaModFix/>
+            <a:extLst>
+              <a:ext uri="{28A0092B-C50C-407E-A947-70E740481C1C}">
+                <a14:useLocalDpi xmlns:a14="http://schemas.microsoft.com/office/drawing/2010/main" val="0"/>
+              </a:ext>
+            </a:extLst>
+          </a:blip>
+          <a:stretch>
+            <a:fillRect/>
+          </a:stretch>
+        </p:blipFill>
+        <p:spPr>
+          <a:xfrm>
+            <a:off x="11642903" y="0"/>
+            <a:ext cx="549097" cy="548640"/>
+          </a:xfrm>
+          <a:prstGeom prst="rect">
+            <a:avLst/>
+          </a:prstGeom>
+          <a:effectLst>
+            <a:glow>
+              <a:schemeClr val="accent1">
+                <a:alpha val="40000"/>
+              </a:schemeClr>
+            </a:glow>
+            <a:outerShdw blurRad="1270000" dist="50800" algn="ctr" rotWithShape="0">
+              <a:srgbClr val="000000"/>
+            </a:outerShdw>
+            <a:reflection endPos="0" dir="5400000" sy="-100000" algn="bl" rotWithShape="0"/>
+            <a:softEdge rad="0"/>
+          </a:effectLst>
+        </p:spPr>
+      </p:pic>
+      <p:pic>
+        <p:nvPicPr>
+          <p:cNvPr id="3" name="Immagine 2" descr="Immagine che contiene schermata, quadrato, schermo, testo&#10;&#10;Descrizione generata automaticamente">
+            <a:extLst>
+              <a:ext uri="{FF2B5EF4-FFF2-40B4-BE49-F238E27FC236}">
+                <a16:creationId xmlns:a16="http://schemas.microsoft.com/office/drawing/2014/main" id="{15E03DCD-59EB-8DEB-1707-2461BF00F7EF}"/>
+              </a:ext>
+            </a:extLst>
+          </p:cNvPr>
+          <p:cNvPicPr>
+            <a:picLocks noChangeAspect="1"/>
+          </p:cNvPicPr>
+          <p:nvPr/>
+        </p:nvPicPr>
+        <p:blipFill>
+          <a:blip r:embed="rId3">
+            <a:extLst>
+              <a:ext uri="{28A0092B-C50C-407E-A947-70E740481C1C}">
+                <a14:useLocalDpi xmlns:a14="http://schemas.microsoft.com/office/drawing/2010/main" val="0"/>
+              </a:ext>
+            </a:extLst>
+          </a:blip>
+          <a:stretch>
+            <a:fillRect/>
+          </a:stretch>
+        </p:blipFill>
+        <p:spPr>
+          <a:xfrm>
+            <a:off x="0" y="391821"/>
+            <a:ext cx="12192000" cy="6074357"/>
+          </a:xfrm>
+          <a:prstGeom prst="rect">
+            <a:avLst/>
+          </a:prstGeom>
+        </p:spPr>
+      </p:pic>
+    </p:spTree>
+    <p:extLst>
+      <p:ext uri="{BB962C8B-B14F-4D97-AF65-F5344CB8AC3E}">
+        <p14:creationId xmlns:p14="http://schemas.microsoft.com/office/powerpoint/2010/main" val="1514523260"/>
+      </p:ext>
+    </p:extLst>
+  </p:cSld>
+  <p:clrMapOvr>
+    <a:masterClrMapping/>
+  </p:clrMapOvr>
+</p:sld>
+</file>
+
+<file path=ppt/slides/slide23.xml><?xml version="1.0" encoding="utf-8"?>
+<p:sld xmlns:a="http://schemas.openxmlformats.org/drawingml/2006/main" xmlns:r="http://schemas.openxmlformats.org/officeDocument/2006/relationships" xmlns:p="http://schemas.openxmlformats.org/presentationml/2006/main">
+  <p:cSld>
+    <p:bg>
+      <p:bgPr>
+        <a:solidFill>
+          <a:srgbClr val="171A21"/>
+        </a:solidFill>
+        <a:effectLst/>
+      </p:bgPr>
+    </p:bg>
+    <p:spTree>
+      <p:nvGrpSpPr>
+        <p:cNvPr id="1" name=""/>
+        <p:cNvGrpSpPr/>
+        <p:nvPr/>
+      </p:nvGrpSpPr>
+      <p:grpSpPr>
+        <a:xfrm>
+          <a:off x="0" y="0"/>
+          <a:ext cx="0" cy="0"/>
+          <a:chOff x="0" y="0"/>
+          <a:chExt cx="0" cy="0"/>
+        </a:xfrm>
+      </p:grpSpPr>
+      <p:sp>
+        <p:nvSpPr>
+          <p:cNvPr id="16" name="Titolo 15">
+            <a:extLst>
+              <a:ext uri="{FF2B5EF4-FFF2-40B4-BE49-F238E27FC236}">
+                <a16:creationId xmlns:a16="http://schemas.microsoft.com/office/drawing/2014/main" id="{F7263360-930D-9D6A-C2AC-5E06A3EFBC66}"/>
+              </a:ext>
+            </a:extLst>
+          </p:cNvPr>
+          <p:cNvSpPr>
+            <a:spLocks noGrp="1"/>
+          </p:cNvSpPr>
+          <p:nvPr>
+            <p:ph type="title"/>
+          </p:nvPr>
+        </p:nvSpPr>
+        <p:spPr>
+          <a:xfrm>
+            <a:off x="838200" y="159702"/>
+            <a:ext cx="10515600" cy="777875"/>
+          </a:xfrm>
+        </p:spPr>
+        <p:txBody>
+          <a:bodyPr>
+            <a:normAutofit/>
+          </a:bodyPr>
+          <a:lstStyle/>
+          <a:p>
+            <a:pPr algn="ctr"/>
+            <a:r>
+              <a:rPr lang="en-US" sz="3200" b="1" dirty="0">
+                <a:solidFill>
+                  <a:srgbClr val="66C0F4"/>
+                </a:solidFill>
+              </a:rPr>
+              <a:t>I </a:t>
+            </a:r>
+            <a:r>
+              <a:rPr lang="en-US" sz="3200" b="1" dirty="0" err="1">
+                <a:solidFill>
+                  <a:srgbClr val="66C0F4"/>
+                </a:solidFill>
+              </a:rPr>
+              <a:t>generi</a:t>
+            </a:r>
+            <a:r>
+              <a:rPr lang="en-US" sz="3200" b="1" dirty="0">
+                <a:solidFill>
+                  <a:srgbClr val="66C0F4"/>
+                </a:solidFill>
+              </a:rPr>
+              <a:t> di </a:t>
+            </a:r>
+            <a:r>
+              <a:rPr lang="en-US" sz="3200" b="1" dirty="0" err="1">
+                <a:solidFill>
+                  <a:srgbClr val="66C0F4"/>
+                </a:solidFill>
+              </a:rPr>
+              <a:t>successo</a:t>
+            </a:r>
+            <a:r>
+              <a:rPr lang="en-US" sz="3200" b="1" dirty="0">
+                <a:solidFill>
+                  <a:srgbClr val="66C0F4"/>
+                </a:solidFill>
+              </a:rPr>
+              <a:t> – Tempo Medio</a:t>
+            </a:r>
+          </a:p>
+        </p:txBody>
+      </p:sp>
+      <p:pic>
+        <p:nvPicPr>
+          <p:cNvPr id="17" name="Immagine 16" descr="Immagine che contiene Elementi grafici, cerchio, clipart, cartone animato">
+            <a:extLst>
+              <a:ext uri="{FF2B5EF4-FFF2-40B4-BE49-F238E27FC236}">
+                <a16:creationId xmlns:a16="http://schemas.microsoft.com/office/drawing/2014/main" id="{05A5E460-1E13-E434-F2FF-8F2679A217ED}"/>
+              </a:ext>
+            </a:extLst>
+          </p:cNvPr>
+          <p:cNvPicPr>
+            <a:picLocks noChangeAspect="1"/>
+          </p:cNvPicPr>
+          <p:nvPr/>
+        </p:nvPicPr>
+        <p:blipFill>
+          <a:blip r:embed="rId2">
+            <a:alphaModFix/>
+            <a:extLst>
+              <a:ext uri="{28A0092B-C50C-407E-A947-70E740481C1C}">
+                <a14:useLocalDpi xmlns:a14="http://schemas.microsoft.com/office/drawing/2010/main" val="0"/>
+              </a:ext>
+            </a:extLst>
+          </a:blip>
+          <a:stretch>
+            <a:fillRect/>
+          </a:stretch>
+        </p:blipFill>
+        <p:spPr>
+          <a:xfrm>
+            <a:off x="11642903" y="0"/>
+            <a:ext cx="549097" cy="548640"/>
+          </a:xfrm>
+          <a:prstGeom prst="rect">
+            <a:avLst/>
+          </a:prstGeom>
+          <a:effectLst>
+            <a:glow>
+              <a:schemeClr val="accent1">
+                <a:alpha val="40000"/>
+              </a:schemeClr>
+            </a:glow>
+            <a:outerShdw blurRad="1270000" dist="50800" algn="ctr" rotWithShape="0">
+              <a:srgbClr val="000000"/>
+            </a:outerShdw>
+            <a:reflection endPos="0" dir="5400000" sy="-100000" algn="bl" rotWithShape="0"/>
+            <a:softEdge rad="0"/>
+          </a:effectLst>
+        </p:spPr>
+      </p:pic>
+      <p:pic>
+        <p:nvPicPr>
+          <p:cNvPr id="3" name="Immagine 2" descr="Immagine che contiene schermata, testo, quadrato, schermo&#10;&#10;Descrizione generata automaticamente">
+            <a:extLst>
+              <a:ext uri="{FF2B5EF4-FFF2-40B4-BE49-F238E27FC236}">
+                <a16:creationId xmlns:a16="http://schemas.microsoft.com/office/drawing/2014/main" id="{9AC91E04-3860-311C-60C6-C30F450332CC}"/>
+              </a:ext>
+            </a:extLst>
+          </p:cNvPr>
+          <p:cNvPicPr>
+            <a:picLocks noChangeAspect="1"/>
+          </p:cNvPicPr>
+          <p:nvPr/>
+        </p:nvPicPr>
+        <p:blipFill>
+          <a:blip r:embed="rId3">
+            <a:extLst>
+              <a:ext uri="{28A0092B-C50C-407E-A947-70E740481C1C}">
+                <a14:useLocalDpi xmlns:a14="http://schemas.microsoft.com/office/drawing/2010/main" val="0"/>
+              </a:ext>
+            </a:extLst>
+          </a:blip>
+          <a:stretch>
+            <a:fillRect/>
+          </a:stretch>
+        </p:blipFill>
+        <p:spPr>
+          <a:xfrm>
+            <a:off x="0" y="391821"/>
+            <a:ext cx="12192000" cy="6074357"/>
+          </a:xfrm>
+          <a:prstGeom prst="rect">
+            <a:avLst/>
+          </a:prstGeom>
+        </p:spPr>
+      </p:pic>
+    </p:spTree>
+    <p:extLst>
+      <p:ext uri="{BB962C8B-B14F-4D97-AF65-F5344CB8AC3E}">
+        <p14:creationId xmlns:p14="http://schemas.microsoft.com/office/powerpoint/2010/main" val="395199428"/>
+      </p:ext>
+    </p:extLst>
+  </p:cSld>
+  <p:clrMapOvr>
+    <a:masterClrMapping/>
+  </p:clrMapOvr>
+</p:sld>
+</file>
+
+<file path=ppt/slides/slide24.xml><?xml version="1.0" encoding="utf-8"?>
+<p:sld xmlns:a="http://schemas.openxmlformats.org/drawingml/2006/main" xmlns:r="http://schemas.openxmlformats.org/officeDocument/2006/relationships" xmlns:p="http://schemas.openxmlformats.org/presentationml/2006/main">
+  <p:cSld>
+    <p:bg>
+      <p:bgPr>
+        <a:solidFill>
+          <a:srgbClr val="171A21"/>
+        </a:solidFill>
+        <a:effectLst/>
+      </p:bgPr>
+    </p:bg>
+    <p:spTree>
+      <p:nvGrpSpPr>
+        <p:cNvPr id="1" name=""/>
+        <p:cNvGrpSpPr/>
+        <p:nvPr/>
+      </p:nvGrpSpPr>
+      <p:grpSpPr>
+        <a:xfrm>
+          <a:off x="0" y="0"/>
+          <a:ext cx="0" cy="0"/>
+          <a:chOff x="0" y="0"/>
+          <a:chExt cx="0" cy="0"/>
+        </a:xfrm>
+      </p:grpSpPr>
+      <p:sp>
+        <p:nvSpPr>
+          <p:cNvPr id="16" name="Titolo 15">
+            <a:extLst>
+              <a:ext uri="{FF2B5EF4-FFF2-40B4-BE49-F238E27FC236}">
+                <a16:creationId xmlns:a16="http://schemas.microsoft.com/office/drawing/2014/main" id="{F7263360-930D-9D6A-C2AC-5E06A3EFBC66}"/>
+              </a:ext>
+            </a:extLst>
+          </p:cNvPr>
+          <p:cNvSpPr>
+            <a:spLocks noGrp="1"/>
+          </p:cNvSpPr>
+          <p:nvPr>
+            <p:ph type="title"/>
+          </p:nvPr>
+        </p:nvSpPr>
+        <p:spPr>
+          <a:xfrm>
+            <a:off x="838200" y="159702"/>
+            <a:ext cx="10515600" cy="777875"/>
+          </a:xfrm>
+        </p:spPr>
+        <p:txBody>
+          <a:bodyPr>
+            <a:normAutofit/>
+          </a:bodyPr>
+          <a:lstStyle/>
+          <a:p>
+            <a:pPr algn="ctr"/>
+            <a:r>
               <a:rPr lang="en-US" sz="3200" b="1" dirty="0" err="1">
                 <a:solidFill>
                   <a:srgbClr val="66C0F4"/>
@@ -8913,7 +11825,7 @@
         <p:spPr>
           <a:xfrm>
             <a:off x="1494118" y="1452283"/>
-            <a:ext cx="5487080" cy="3139321"/>
+            <a:ext cx="2777748" cy="923330"/>
           </a:xfrm>
           <a:prstGeom prst="rect">
             <a:avLst/>
@@ -8927,13 +11839,15 @@
           <a:lstStyle/>
           <a:p>
             <a:r>
-              <a:rPr lang="en-US" dirty="0" err="1">
-                <a:solidFill>
-                  <a:srgbClr val="C7D5E0"/>
-                </a:solidFill>
-              </a:rPr>
-              <a:t>Treemap</a:t>
-            </a:r>
+              <a:rPr lang="en-US" dirty="0">
+                <a:solidFill>
+                  <a:srgbClr val="C7D5E0"/>
+                </a:solidFill>
+              </a:rPr>
+              <a:t>SCRIVERE LA CONCLUSIONE</a:t>
+            </a:r>
+          </a:p>
+          <a:p>
             <a:endParaRPr lang="en-US" dirty="0">
               <a:solidFill>
                 <a:srgbClr val="C7D5E0"/>
@@ -8941,386 +11855,14 @@
             </a:endParaRPr>
           </a:p>
           <a:p>
-            <a:r>
-              <a:rPr lang="en-US" dirty="0" err="1">
-                <a:solidFill>
-                  <a:srgbClr val="C7D5E0"/>
-                </a:solidFill>
-              </a:rPr>
-              <a:t>Generi</a:t>
-            </a:r>
-            <a:r>
-              <a:rPr lang="en-US" dirty="0">
-                <a:solidFill>
-                  <a:srgbClr val="C7D5E0"/>
-                </a:solidFill>
-              </a:rPr>
-              <a:t> per </a:t>
-            </a:r>
-            <a:r>
-              <a:rPr lang="en-US" dirty="0" err="1">
-                <a:solidFill>
-                  <a:srgbClr val="C7D5E0"/>
-                </a:solidFill>
-              </a:rPr>
-              <a:t>e_u</a:t>
-            </a:r>
-            <a:r>
-              <a:rPr lang="en-US" dirty="0">
-                <a:solidFill>
-                  <a:srgbClr val="C7D5E0"/>
-                </a:solidFill>
-              </a:rPr>
-              <a:t>  per </a:t>
-            </a:r>
-            <a:r>
-              <a:rPr lang="en-US" dirty="0" err="1">
-                <a:solidFill>
-                  <a:srgbClr val="C7D5E0"/>
-                </a:solidFill>
-              </a:rPr>
-              <a:t>indicatore</a:t>
-            </a:r>
-            <a:r>
-              <a:rPr lang="en-US" dirty="0">
-                <a:solidFill>
-                  <a:srgbClr val="C7D5E0"/>
-                </a:solidFill>
-              </a:rPr>
-              <a:t> di </a:t>
-            </a:r>
-            <a:r>
-              <a:rPr lang="en-US" dirty="0" err="1">
-                <a:solidFill>
-                  <a:srgbClr val="C7D5E0"/>
-                </a:solidFill>
-              </a:rPr>
-              <a:t>positivita</a:t>
-            </a:r>
-            <a:r>
-              <a:rPr lang="en-US" dirty="0">
-                <a:solidFill>
-                  <a:srgbClr val="C7D5E0"/>
-                </a:solidFill>
-              </a:rPr>
-              <a:t>’ alto</a:t>
-            </a:r>
-          </a:p>
-          <a:p>
-            <a:r>
-              <a:rPr lang="en-US" dirty="0" err="1">
-                <a:solidFill>
-                  <a:srgbClr val="C7D5E0"/>
-                </a:solidFill>
-              </a:rPr>
-              <a:t>Generi</a:t>
-            </a:r>
-            <a:r>
-              <a:rPr lang="en-US" dirty="0">
-                <a:solidFill>
-                  <a:srgbClr val="C7D5E0"/>
-                </a:solidFill>
-              </a:rPr>
-              <a:t> per </a:t>
-            </a:r>
-            <a:r>
-              <a:rPr lang="en-US" dirty="0" err="1">
-                <a:solidFill>
-                  <a:srgbClr val="C7D5E0"/>
-                </a:solidFill>
-              </a:rPr>
-              <a:t>peak_ccu</a:t>
-            </a:r>
-            <a:r>
-              <a:rPr lang="en-US" dirty="0">
-                <a:solidFill>
-                  <a:srgbClr val="C7D5E0"/>
-                </a:solidFill>
-              </a:rPr>
-              <a:t> per </a:t>
-            </a:r>
-            <a:r>
-              <a:rPr lang="en-US" dirty="0" err="1">
-                <a:solidFill>
-                  <a:srgbClr val="C7D5E0"/>
-                </a:solidFill>
-              </a:rPr>
-              <a:t>indicatore</a:t>
-            </a:r>
-            <a:r>
-              <a:rPr lang="en-US" dirty="0">
-                <a:solidFill>
-                  <a:srgbClr val="C7D5E0"/>
-                </a:solidFill>
-              </a:rPr>
-              <a:t> di </a:t>
-            </a:r>
-            <a:r>
-              <a:rPr lang="en-US" dirty="0" err="1">
-                <a:solidFill>
-                  <a:srgbClr val="C7D5E0"/>
-                </a:solidFill>
-              </a:rPr>
-              <a:t>positivita</a:t>
-            </a:r>
-            <a:r>
-              <a:rPr lang="en-US" dirty="0">
-                <a:solidFill>
-                  <a:srgbClr val="C7D5E0"/>
-                </a:solidFill>
-              </a:rPr>
-              <a:t>’ alto</a:t>
-            </a:r>
-          </a:p>
-          <a:p>
-            <a:r>
-              <a:rPr lang="en-US" dirty="0" err="1">
-                <a:solidFill>
-                  <a:srgbClr val="C7D5E0"/>
-                </a:solidFill>
-              </a:rPr>
-              <a:t>Generi</a:t>
-            </a:r>
-            <a:r>
-              <a:rPr lang="en-US" dirty="0">
-                <a:solidFill>
-                  <a:srgbClr val="C7D5E0"/>
-                </a:solidFill>
-              </a:rPr>
-              <a:t> per </a:t>
-            </a:r>
-            <a:r>
-              <a:rPr lang="en-US" dirty="0" err="1">
-                <a:solidFill>
-                  <a:srgbClr val="C7D5E0"/>
-                </a:solidFill>
-              </a:rPr>
-              <a:t>AverageTime</a:t>
-            </a:r>
-            <a:r>
-              <a:rPr lang="en-US" dirty="0">
-                <a:solidFill>
-                  <a:srgbClr val="C7D5E0"/>
-                </a:solidFill>
-              </a:rPr>
-              <a:t>  per </a:t>
-            </a:r>
-            <a:r>
-              <a:rPr lang="en-US" dirty="0" err="1">
-                <a:solidFill>
-                  <a:srgbClr val="C7D5E0"/>
-                </a:solidFill>
-              </a:rPr>
-              <a:t>indicatore</a:t>
-            </a:r>
-            <a:r>
-              <a:rPr lang="en-US" dirty="0">
-                <a:solidFill>
-                  <a:srgbClr val="C7D5E0"/>
-                </a:solidFill>
-              </a:rPr>
-              <a:t> di </a:t>
-            </a:r>
-            <a:r>
-              <a:rPr lang="en-US" dirty="0" err="1">
-                <a:solidFill>
-                  <a:srgbClr val="C7D5E0"/>
-                </a:solidFill>
-              </a:rPr>
-              <a:t>positivita</a:t>
-            </a:r>
-            <a:r>
-              <a:rPr lang="en-US" dirty="0">
-                <a:solidFill>
-                  <a:srgbClr val="C7D5E0"/>
-                </a:solidFill>
-              </a:rPr>
-              <a:t>’ alto</a:t>
-            </a:r>
-          </a:p>
-          <a:p>
             <a:endParaRPr lang="en-US" dirty="0">
               <a:solidFill>
                 <a:srgbClr val="C7D5E0"/>
               </a:solidFill>
             </a:endParaRPr>
           </a:p>
-          <a:p>
-            <a:endParaRPr lang="en-US" dirty="0">
-              <a:solidFill>
-                <a:srgbClr val="C7D5E0"/>
-              </a:solidFill>
-            </a:endParaRPr>
-          </a:p>
-          <a:p>
-            <a:r>
-              <a:rPr lang="en-US" dirty="0">
-                <a:solidFill>
-                  <a:srgbClr val="C7D5E0"/>
-                </a:solidFill>
-              </a:rPr>
-              <a:t>F2P vs P2P per </a:t>
-            </a:r>
-            <a:r>
-              <a:rPr lang="en-US" dirty="0" err="1">
-                <a:solidFill>
-                  <a:srgbClr val="C7D5E0"/>
-                </a:solidFill>
-              </a:rPr>
-              <a:t>indicatore</a:t>
-            </a:r>
-            <a:r>
-              <a:rPr lang="en-US" dirty="0">
-                <a:solidFill>
-                  <a:srgbClr val="C7D5E0"/>
-                </a:solidFill>
-              </a:rPr>
-              <a:t> di </a:t>
-            </a:r>
-            <a:r>
-              <a:rPr lang="en-US" dirty="0" err="1">
-                <a:solidFill>
-                  <a:srgbClr val="C7D5E0"/>
-                </a:solidFill>
-              </a:rPr>
-              <a:t>positivita</a:t>
-            </a:r>
-            <a:r>
-              <a:rPr lang="en-US" dirty="0">
-                <a:solidFill>
-                  <a:srgbClr val="C7D5E0"/>
-                </a:solidFill>
-              </a:rPr>
-              <a:t>’ alto (in media)</a:t>
-            </a:r>
-          </a:p>
-          <a:p>
-            <a:r>
-              <a:rPr lang="en-US" dirty="0">
-                <a:solidFill>
-                  <a:srgbClr val="C7D5E0"/>
-                </a:solidFill>
-              </a:rPr>
-              <a:t>(</a:t>
-            </a:r>
-            <a:r>
-              <a:rPr lang="en-US" dirty="0" err="1">
-                <a:solidFill>
-                  <a:srgbClr val="C7D5E0"/>
-                </a:solidFill>
-              </a:rPr>
-              <a:t>Infografica</a:t>
-            </a:r>
-            <a:r>
-              <a:rPr lang="en-US" dirty="0">
-                <a:solidFill>
-                  <a:srgbClr val="C7D5E0"/>
-                </a:solidFill>
-              </a:rPr>
-              <a:t>)</a:t>
-            </a:r>
-          </a:p>
-          <a:p>
-            <a:r>
-              <a:rPr lang="en-US" dirty="0">
-                <a:solidFill>
-                  <a:srgbClr val="C7D5E0"/>
-                </a:solidFill>
-              </a:rPr>
-              <a:t>Con 3 </a:t>
-            </a:r>
-            <a:r>
-              <a:rPr lang="en-US" dirty="0" err="1">
-                <a:solidFill>
-                  <a:srgbClr val="C7D5E0"/>
-                </a:solidFill>
-              </a:rPr>
-              <a:t>generi</a:t>
-            </a:r>
-            <a:r>
-              <a:rPr lang="en-US" dirty="0">
-                <a:solidFill>
-                  <a:srgbClr val="C7D5E0"/>
-                </a:solidFill>
-              </a:rPr>
-              <a:t> </a:t>
-            </a:r>
-            <a:r>
-              <a:rPr lang="en-US" dirty="0" err="1">
-                <a:solidFill>
-                  <a:srgbClr val="C7D5E0"/>
-                </a:solidFill>
-              </a:rPr>
-              <a:t>migliori</a:t>
-            </a:r>
-            <a:r>
-              <a:rPr lang="en-US" dirty="0">
-                <a:solidFill>
-                  <a:srgbClr val="C7D5E0"/>
-                </a:solidFill>
-              </a:rPr>
-              <a:t> per I 3 </a:t>
-            </a:r>
-            <a:r>
-              <a:rPr lang="en-US" dirty="0" err="1">
-                <a:solidFill>
-                  <a:srgbClr val="C7D5E0"/>
-                </a:solidFill>
-              </a:rPr>
-              <a:t>indicatori</a:t>
-            </a:r>
-            <a:endParaRPr lang="en-US" dirty="0">
-              <a:solidFill>
-                <a:srgbClr val="C7D5E0"/>
-              </a:solidFill>
-            </a:endParaRPr>
-          </a:p>
-          <a:p>
-            <a:endParaRPr lang="en-US" dirty="0">
-              <a:solidFill>
-                <a:srgbClr val="C7D5E0"/>
-              </a:solidFill>
-            </a:endParaRPr>
-          </a:p>
-          <a:p>
-            <a:endParaRPr lang="en-US" dirty="0">
-              <a:solidFill>
-                <a:srgbClr val="C7D5E0"/>
-              </a:solidFill>
-            </a:endParaRPr>
-          </a:p>
         </p:txBody>
       </p:sp>
-      <p:pic>
-        <p:nvPicPr>
-          <p:cNvPr id="5" name="Immagine 4">
-            <a:extLst>
-              <a:ext uri="{FF2B5EF4-FFF2-40B4-BE49-F238E27FC236}">
-                <a16:creationId xmlns:a16="http://schemas.microsoft.com/office/drawing/2014/main" id="{9CE2F709-B0A5-63FD-30AC-7988EE45CAAA}"/>
-              </a:ext>
-            </a:extLst>
-          </p:cNvPr>
-          <p:cNvPicPr>
-            <a:picLocks noChangeAspect="1"/>
-          </p:cNvPicPr>
-          <p:nvPr/>
-        </p:nvPicPr>
-        <p:blipFill>
-          <a:blip r:embed="rId3"/>
-          <a:stretch>
-            <a:fillRect/>
-          </a:stretch>
-        </p:blipFill>
-        <p:spPr>
-          <a:xfrm>
-            <a:off x="7921821" y="1678194"/>
-            <a:ext cx="2570932" cy="2332103"/>
-          </a:xfrm>
-          <a:prstGeom prst="rect">
-            <a:avLst/>
-          </a:prstGeom>
-        </p:spPr>
-      </p:pic>
     </p:spTree>
     <p:extLst>
       <p:ext uri="{BB962C8B-B14F-4D97-AF65-F5344CB8AC3E}">
@@ -9334,7 +11876,7 @@
 </p:sld>
 </file>
 
-<file path=ppt/slides/slide22.xml><?xml version="1.0" encoding="utf-8"?>
+<file path=ppt/slides/slide25.xml><?xml version="1.0" encoding="utf-8"?>
 <p:sld xmlns:a="http://schemas.openxmlformats.org/drawingml/2006/main" xmlns:r="http://schemas.openxmlformats.org/officeDocument/2006/relationships" xmlns:p="http://schemas.openxmlformats.org/presentationml/2006/main">
   <p:cSld>
     <p:bg>
@@ -9482,7 +12024,7 @@
 </p:sld>
 </file>
 
-<file path=ppt/slides/slide23.xml><?xml version="1.0" encoding="utf-8"?>
+<file path=ppt/slides/slide26.xml><?xml version="1.0" encoding="utf-8"?>
 <p:sld xmlns:a="http://schemas.openxmlformats.org/drawingml/2006/main" xmlns:r="http://schemas.openxmlformats.org/officeDocument/2006/relationships" xmlns:p="http://schemas.openxmlformats.org/presentationml/2006/main">
   <p:cSld>
     <p:bg>
@@ -9803,7 +12345,23 @@
                   <a:srgbClr val="66C0F4"/>
                 </a:solidFill>
               </a:rPr>
-              <a:t>I  PRODOTTI DI STEAM</a:t>
+              <a:t>I  </a:t>
+            </a:r>
+            <a:r>
+              <a:rPr lang="en-US" sz="3200" b="1" dirty="0" err="1">
+                <a:solidFill>
+                  <a:srgbClr val="66C0F4"/>
+                </a:solidFill>
+              </a:rPr>
+              <a:t>Prodotti</a:t>
+            </a:r>
+            <a:r>
+              <a:rPr lang="en-US" sz="3200" b="1" dirty="0">
+                <a:solidFill>
+                  <a:srgbClr val="66C0F4"/>
+                </a:solidFill>
+              </a:rPr>
+              <a:t> di STEAM</a:t>
             </a:r>
           </a:p>
         </p:txBody>
@@ -10347,10 +12905,10 @@
       </p:sp>
       <p:pic>
         <p:nvPicPr>
-          <p:cNvPr id="6" name="Immagine 5" descr="Primo piano di un ramo d'ulivo con un tramonto come sfondo">
-            <a:extLst>
-              <a:ext uri="{FF2B5EF4-FFF2-40B4-BE49-F238E27FC236}">
-                <a16:creationId xmlns:a16="http://schemas.microsoft.com/office/drawing/2014/main" id="{B11417EA-339A-B677-17DD-60C03694897E}"/>
+          <p:cNvPr id="7" name="Immagine 6" descr="Immagine che contiene cerchio, schermata, astronomia&#10;&#10;Descrizione generata automaticamente">
+            <a:extLst>
+              <a:ext uri="{FF2B5EF4-FFF2-40B4-BE49-F238E27FC236}">
+                <a16:creationId xmlns:a16="http://schemas.microsoft.com/office/drawing/2014/main" id="{D02D9266-AED1-B3C9-A858-495052A65383}"/>
               </a:ext>
             </a:extLst>
           </p:cNvPr>
@@ -10373,8 +12931,8 @@
         </p:blipFill>
         <p:spPr>
           <a:xfrm>
-            <a:off x="5609786" y="1196340"/>
-            <a:ext cx="5550894" cy="4907280"/>
+            <a:off x="3253975" y="1270820"/>
+            <a:ext cx="8663476" cy="4316359"/>
           </a:xfrm>
           <a:prstGeom prst="rect">
             <a:avLst/>
@@ -10449,13 +13007,66 @@
           <a:p>
             <a:pPr algn="ctr"/>
             <a:r>
+              <a:rPr lang="en-US" sz="3200" b="1" dirty="0" err="1">
+                <a:solidFill>
+                  <a:srgbClr val="66C0F4"/>
+                </a:solidFill>
+              </a:rPr>
+              <a:t>Rilasci</a:t>
+            </a:r>
+            <a:r>
               <a:rPr lang="en-US" sz="3200" b="1" dirty="0">
                 <a:solidFill>
                   <a:srgbClr val="66C0F4"/>
                 </a:solidFill>
               </a:rPr>
-              <a:t>DISTRIBUZIONE DEI RILASCI DI VG NEGLI ANNI</a:t>
-            </a:r>
+              <a:t> </a:t>
+            </a:r>
+            <a:r>
+              <a:rPr lang="en-US" sz="3200" b="1" dirty="0" err="1">
+                <a:solidFill>
+                  <a:srgbClr val="66C0F4"/>
+                </a:solidFill>
+              </a:rPr>
+              <a:t>Annui</a:t>
+            </a:r>
+            <a:r>
+              <a:rPr lang="en-US" sz="3200" b="1" dirty="0">
+                <a:solidFill>
+                  <a:srgbClr val="66C0F4"/>
+                </a:solidFill>
+              </a:rPr>
+              <a:t> </a:t>
+            </a:r>
+            <a:r>
+              <a:rPr lang="en-US" sz="3200" b="1" dirty="0" err="1">
+                <a:solidFill>
+                  <a:srgbClr val="66C0F4"/>
+                </a:solidFill>
+              </a:rPr>
+              <a:t>dei</a:t>
+            </a:r>
+            <a:r>
+              <a:rPr lang="en-US" sz="3200" b="1" dirty="0">
+                <a:solidFill>
+                  <a:srgbClr val="66C0F4"/>
+                </a:solidFill>
+              </a:rPr>
+              <a:t> </a:t>
+            </a:r>
+            <a:r>
+              <a:rPr lang="en-US" sz="3200" b="1" dirty="0" err="1">
+                <a:solidFill>
+                  <a:srgbClr val="66C0F4"/>
+                </a:solidFill>
+              </a:rPr>
+              <a:t>Videogiochi</a:t>
+            </a:r>
+            <a:endParaRPr lang="en-US" sz="3200" b="1" dirty="0">
+              <a:solidFill>
+                <a:srgbClr val="66C0F4"/>
+              </a:solidFill>
+            </a:endParaRPr>
           </a:p>
         </p:txBody>
       </p:sp>
@@ -10510,10 +13121,10 @@
       </p:pic>
       <p:pic>
         <p:nvPicPr>
-          <p:cNvPr id="14" name="Immagine 13" descr="Immagine che contiene diagramma, linea, Diagramma, testo&#10;&#10;Descrizione generata automaticamente">
-            <a:extLst>
-              <a:ext uri="{FF2B5EF4-FFF2-40B4-BE49-F238E27FC236}">
-                <a16:creationId xmlns:a16="http://schemas.microsoft.com/office/drawing/2014/main" id="{F3EBADB6-8C08-6A57-6A95-24E5D23F44D5}"/>
+          <p:cNvPr id="5" name="Immagine 4" descr="Immagine che contiene linea, Diagramma, diagramma, pendio&#10;&#10;Descrizione generata automaticamente">
+            <a:extLst>
+              <a:ext uri="{FF2B5EF4-FFF2-40B4-BE49-F238E27FC236}">
+                <a16:creationId xmlns:a16="http://schemas.microsoft.com/office/drawing/2014/main" id="{E4E3DBD7-0AB0-03B7-0482-B59AA86435B1}"/>
               </a:ext>
             </a:extLst>
           </p:cNvPr>
@@ -10536,8 +13147,8 @@
         </p:blipFill>
         <p:spPr>
           <a:xfrm>
-            <a:off x="1738513" y="937577"/>
-            <a:ext cx="8714973" cy="5032076"/>
+            <a:off x="980693" y="937576"/>
+            <a:ext cx="10162426" cy="5063173"/>
           </a:xfrm>
           <a:prstGeom prst="rect">
             <a:avLst/>
@@ -10633,6 +13244,22 @@
                   <a:srgbClr val="66C0F4"/>
                 </a:solidFill>
               </a:rPr>
+              <a:t>Mensile</a:t>
+            </a:r>
+            <a:r>
+              <a:rPr lang="en-US" sz="3200" b="1" dirty="0">
+                <a:solidFill>
+                  <a:srgbClr val="66C0F4"/>
+                </a:solidFill>
+              </a:rPr>
+              <a:t> </a:t>
+            </a:r>
+            <a:r>
+              <a:rPr lang="en-US" sz="3200" b="1" dirty="0" err="1">
+                <a:solidFill>
+                  <a:srgbClr val="66C0F4"/>
+                </a:solidFill>
+              </a:rPr>
               <a:t>dei</a:t>
             </a:r>
             <a:r>
@@ -10649,16 +13276,13 @@
                   <a:srgbClr val="66C0F4"/>
                 </a:solidFill>
               </a:rPr>
-              <a:t>rilasci</a:t>
-            </a:r>
-            <a:r>
-              <a:rPr lang="en-US" sz="3200" b="1" dirty="0">
-                <a:solidFill>
-                  <a:srgbClr val="66C0F4"/>
-                </a:solidFill>
-              </a:rPr>
-              <a:t> per mese</a:t>
-            </a:r>
+              <a:t>Rilasci</a:t>
+            </a:r>
+            <a:endParaRPr lang="en-US" sz="3200" b="1" dirty="0">
+              <a:solidFill>
+                <a:srgbClr val="66C0F4"/>
+              </a:solidFill>
+            </a:endParaRPr>
           </a:p>
         </p:txBody>
       </p:sp>
@@ -10709,6 +13333,42 @@
             <a:reflection endPos="0" dir="5400000" sy="-100000" algn="bl" rotWithShape="0"/>
             <a:softEdge rad="0"/>
           </a:effectLst>
+        </p:spPr>
+      </p:pic>
+      <p:pic>
+        <p:nvPicPr>
+          <p:cNvPr id="5" name="Immagine 4" descr="Immagine che contiene schermata, Diagramma, linea, viola&#10;&#10;Descrizione generata automaticamente">
+            <a:extLst>
+              <a:ext uri="{FF2B5EF4-FFF2-40B4-BE49-F238E27FC236}">
+                <a16:creationId xmlns:a16="http://schemas.microsoft.com/office/drawing/2014/main" id="{C9762130-4342-7E3B-B629-DB60DAC57FEA}"/>
+              </a:ext>
+            </a:extLst>
+          </p:cNvPr>
+          <p:cNvPicPr>
+            <a:picLocks noChangeAspect="1"/>
+          </p:cNvPicPr>
+          <p:nvPr/>
+        </p:nvPicPr>
+        <p:blipFill>
+          <a:blip r:embed="rId3">
+            <a:extLst>
+              <a:ext uri="{28A0092B-C50C-407E-A947-70E740481C1C}">
+                <a14:useLocalDpi xmlns:a14="http://schemas.microsoft.com/office/drawing/2010/main" val="0"/>
+              </a:ext>
+            </a:extLst>
+          </a:blip>
+          <a:stretch>
+            <a:fillRect/>
+          </a:stretch>
+        </p:blipFill>
+        <p:spPr>
+          <a:xfrm>
+            <a:off x="1048880" y="937577"/>
+            <a:ext cx="10094239" cy="5029200"/>
+          </a:xfrm>
+          <a:prstGeom prst="rect">
+            <a:avLst/>
+          </a:prstGeom>
         </p:spPr>
       </p:pic>
     </p:spTree>
@@ -10784,7 +13444,7 @@
                   <a:srgbClr val="66C0F4"/>
                 </a:solidFill>
               </a:rPr>
-              <a:t>Distribuzione</a:t>
+              <a:t>Acquisti</a:t>
             </a:r>
             <a:r>
               <a:rPr lang="en-US" sz="3200" b="1" dirty="0">
@@ -10800,7 +13460,7 @@
                   <a:srgbClr val="66C0F4"/>
                 </a:solidFill>
               </a:rPr>
-              <a:t>degli</a:t>
+              <a:t>Annui</a:t>
             </a:r>
             <a:r>
               <a:rPr lang="en-US" sz="3200" b="1" dirty="0">
@@ -10808,7 +13468,7 @@
                   <a:srgbClr val="66C0F4"/>
                 </a:solidFill>
               </a:rPr>
-              <a:t> </a:t>
+              <a:t> e </a:t>
             </a:r>
             <a:r>
               <a:rPr lang="en-US" sz="3200" b="1" dirty="0" err="1">
@@ -10816,7 +13476,7 @@
                   <a:srgbClr val="66C0F4"/>
                 </a:solidFill>
               </a:rPr>
-              <a:t>Utenti</a:t>
+              <a:t>Cumulativi</a:t>
             </a:r>
             <a:endParaRPr lang="en-US" sz="3200" b="1" dirty="0">
               <a:solidFill>
@@ -10877,10 +13537,10 @@
       </p:pic>
       <p:pic>
         <p:nvPicPr>
-          <p:cNvPr id="20" name="Immagine 19">
-            <a:extLst>
-              <a:ext uri="{FF2B5EF4-FFF2-40B4-BE49-F238E27FC236}">
-                <a16:creationId xmlns:a16="http://schemas.microsoft.com/office/drawing/2014/main" id="{E3AA7F16-F835-3EB1-1B95-F2E453EEC01F}"/>
+          <p:cNvPr id="5" name="Immagine 4" descr="Immagine che contiene linea, Diagramma, diagramma, pendio&#10;&#10;Descrizione generata automaticamente">
+            <a:extLst>
+              <a:ext uri="{FF2B5EF4-FFF2-40B4-BE49-F238E27FC236}">
+                <a16:creationId xmlns:a16="http://schemas.microsoft.com/office/drawing/2014/main" id="{CF55488D-BE7A-D07E-12E2-6828676F05D6}"/>
               </a:ext>
             </a:extLst>
           </p:cNvPr>
@@ -10890,15 +13550,21 @@
           <p:nvPr/>
         </p:nvPicPr>
         <p:blipFill>
-          <a:blip r:embed="rId3"/>
+          <a:blip r:embed="rId3">
+            <a:extLst>
+              <a:ext uri="{28A0092B-C50C-407E-A947-70E740481C1C}">
+                <a14:useLocalDpi xmlns:a14="http://schemas.microsoft.com/office/drawing/2010/main" val="0"/>
+              </a:ext>
+            </a:extLst>
+          </a:blip>
           <a:stretch>
             <a:fillRect/>
           </a:stretch>
         </p:blipFill>
         <p:spPr>
           <a:xfrm>
-            <a:off x="5086208" y="2624025"/>
-            <a:ext cx="3303411" cy="2633380"/>
+            <a:off x="1048881" y="937577"/>
+            <a:ext cx="10094238" cy="5029200"/>
           </a:xfrm>
           <a:prstGeom prst="rect">
             <a:avLst/>
@@ -10986,7 +13652,7 @@
                   <a:srgbClr val="66C0F4"/>
                 </a:solidFill>
               </a:rPr>
-              <a:t> del </a:t>
+              <a:t> del Prezzo </a:t>
             </a:r>
             <a:r>
               <a:rPr lang="en-US" sz="3200" b="1" dirty="0" err="1">
@@ -10994,7 +13660,7 @@
                   <a:srgbClr val="66C0F4"/>
                 </a:solidFill>
               </a:rPr>
-              <a:t>prezzo</a:t>
+              <a:t>dei</a:t>
             </a:r>
             <a:r>
               <a:rPr lang="en-US" sz="3200" b="1" dirty="0">
@@ -11010,16 +13676,13 @@
                   <a:srgbClr val="66C0F4"/>
                 </a:solidFill>
               </a:rPr>
-              <a:t>dei</a:t>
-            </a:r>
-            <a:r>
-              <a:rPr lang="en-US" sz="3200" b="1" dirty="0">
-                <a:solidFill>
-                  <a:srgbClr val="66C0F4"/>
-                </a:solidFill>
-              </a:rPr>
-              <a:t> VG</a:t>
-            </a:r>
+              <a:t>Videogiochi</a:t>
+            </a:r>
+            <a:endParaRPr lang="en-US" sz="3200" b="1" dirty="0">
+              <a:solidFill>
+                <a:srgbClr val="66C0F4"/>
+              </a:solidFill>
+            </a:endParaRPr>
           </a:p>
         </p:txBody>
       </p:sp>
@@ -11074,31 +13737,38 @@
       </p:pic>
       <p:pic>
         <p:nvPicPr>
-          <p:cNvPr id="6" name="Segnaposto contenuto 2">
-            <a:extLst>
-              <a:ext uri="{FF2B5EF4-FFF2-40B4-BE49-F238E27FC236}">
-                <a16:creationId xmlns:a16="http://schemas.microsoft.com/office/drawing/2014/main" id="{FE58ACA2-A808-ED69-181E-3FCCF94CD08E}"/>
+          <p:cNvPr id="5" name="Immagine 4" descr="Immagine che contiene linea, Diagramma, diagramma, schermata&#10;&#10;Descrizione generata automaticamente">
+            <a:extLst>
+              <a:ext uri="{FF2B5EF4-FFF2-40B4-BE49-F238E27FC236}">
+                <a16:creationId xmlns:a16="http://schemas.microsoft.com/office/drawing/2014/main" id="{49E9E1C4-E337-036C-A764-0D7BA0C9A2FE}"/>
               </a:ext>
             </a:extLst>
           </p:cNvPr>
           <p:cNvPicPr>
-            <a:picLocks noGrp="1" noChangeAspect="1"/>
+            <a:picLocks noChangeAspect="1"/>
           </p:cNvPicPr>
-          <p:nvPr>
-            <p:ph idx="1"/>
-          </p:nvPr>
+          <p:nvPr/>
         </p:nvPicPr>
         <p:blipFill>
-          <a:blip r:embed="rId3"/>
+          <a:blip r:embed="rId3">
+            <a:extLst>
+              <a:ext uri="{28A0092B-C50C-407E-A947-70E740481C1C}">
+                <a14:useLocalDpi xmlns:a14="http://schemas.microsoft.com/office/drawing/2010/main" val="0"/>
+              </a:ext>
+            </a:extLst>
+          </a:blip>
           <a:stretch>
             <a:fillRect/>
           </a:stretch>
         </p:blipFill>
         <p:spPr>
           <a:xfrm>
-            <a:off x="3779520" y="2217302"/>
-            <a:ext cx="3856814" cy="3186851"/>
+            <a:off x="1048881" y="937577"/>
+            <a:ext cx="10094238" cy="5029200"/>
           </a:xfrm>
+          <a:prstGeom prst="rect">
+            <a:avLst/>
+          </a:prstGeom>
         </p:spPr>
       </p:pic>
     </p:spTree>
@@ -11251,10 +13921,10 @@
       </p:pic>
       <p:pic>
         <p:nvPicPr>
-          <p:cNvPr id="3" name="Immagine 2" descr="Immagine che contiene testo, Diagramma, diagramma, linea&#10;&#10;Descrizione generata automaticamente">
-            <a:extLst>
-              <a:ext uri="{FF2B5EF4-FFF2-40B4-BE49-F238E27FC236}">
-                <a16:creationId xmlns:a16="http://schemas.microsoft.com/office/drawing/2014/main" id="{E100DEF4-EAFA-2EEF-22F8-356F9C69829F}"/>
+          <p:cNvPr id="4" name="Immagine 3" descr="Immagine che contiene Diagramma, linea, diagramma, pendio&#10;&#10;Descrizione generata automaticamente">
+            <a:extLst>
+              <a:ext uri="{FF2B5EF4-FFF2-40B4-BE49-F238E27FC236}">
+                <a16:creationId xmlns:a16="http://schemas.microsoft.com/office/drawing/2014/main" id="{B86AD0B6-2FCA-31B3-A7FD-E8F449BF78B5}"/>
               </a:ext>
             </a:extLst>
           </p:cNvPr>
@@ -11277,8 +13947,8 @@
         </p:blipFill>
         <p:spPr>
           <a:xfrm>
-            <a:off x="1847850" y="976312"/>
-            <a:ext cx="8496300" cy="4905375"/>
+            <a:off x="1048881" y="937577"/>
+            <a:ext cx="10094238" cy="5029200"/>
           </a:xfrm>
           <a:prstGeom prst="rect">
             <a:avLst/>

--- a/Steam.pptx
+++ b/Steam.pptx
@@ -2,7 +2,7 @@
 <file path=ppt/presentation.xml><?xml version="1.0" encoding="utf-8"?>
 <p:presentation xmlns:a="http://schemas.openxmlformats.org/drawingml/2006/main" xmlns:r="http://schemas.openxmlformats.org/officeDocument/2006/relationships" xmlns:p="http://schemas.openxmlformats.org/presentationml/2006/main" saveSubsetFonts="1">
   <p:sldMasterIdLst>
-    <p:sldMasterId id="2147483648" r:id="rId1"/>
+    <p:sldMasterId id="2147483756" r:id="rId1"/>
   </p:sldMasterIdLst>
   <p:sldIdLst>
     <p:sldId id="257" r:id="rId2"/>
@@ -18,19 +18,22 @@
     <p:sldId id="268" r:id="rId12"/>
     <p:sldId id="272" r:id="rId13"/>
     <p:sldId id="267" r:id="rId14"/>
-    <p:sldId id="284" r:id="rId15"/>
-    <p:sldId id="271" r:id="rId16"/>
-    <p:sldId id="274" r:id="rId17"/>
-    <p:sldId id="278" r:id="rId18"/>
-    <p:sldId id="277" r:id="rId19"/>
-    <p:sldId id="275" r:id="rId20"/>
-    <p:sldId id="279" r:id="rId21"/>
-    <p:sldId id="280" r:id="rId22"/>
-    <p:sldId id="286" r:id="rId23"/>
-    <p:sldId id="285" r:id="rId24"/>
-    <p:sldId id="281" r:id="rId25"/>
-    <p:sldId id="283" r:id="rId26"/>
-    <p:sldId id="282" r:id="rId27"/>
+    <p:sldId id="288" r:id="rId15"/>
+    <p:sldId id="289" r:id="rId16"/>
+    <p:sldId id="284" r:id="rId17"/>
+    <p:sldId id="271" r:id="rId18"/>
+    <p:sldId id="274" r:id="rId19"/>
+    <p:sldId id="278" r:id="rId20"/>
+    <p:sldId id="277" r:id="rId21"/>
+    <p:sldId id="287" r:id="rId22"/>
+    <p:sldId id="275" r:id="rId23"/>
+    <p:sldId id="279" r:id="rId24"/>
+    <p:sldId id="280" r:id="rId25"/>
+    <p:sldId id="286" r:id="rId26"/>
+    <p:sldId id="285" r:id="rId27"/>
+    <p:sldId id="281" r:id="rId28"/>
+    <p:sldId id="283" r:id="rId29"/>
+    <p:sldId id="282" r:id="rId30"/>
   </p:sldIdLst>
   <p:sldSz cx="12192000" cy="6858000"/>
   <p:notesSz cx="6858000" cy="9144000"/>
@@ -38,7 +41,7 @@
     <a:defPPr>
       <a:defRPr lang="en-US"/>
     </a:defPPr>
-    <a:lvl1pPr marL="0" algn="l" defTabSz="914400" rtl="0" eaLnBrk="1" latinLnBrk="0" hangingPunct="1">
+    <a:lvl1pPr marL="0" algn="l" defTabSz="457200" rtl="0" eaLnBrk="1" latinLnBrk="0" hangingPunct="1">
       <a:defRPr sz="1800" kern="1200">
         <a:solidFill>
           <a:schemeClr val="tx1"/>
@@ -48,7 +51,7 @@
         <a:cs typeface="+mn-cs"/>
       </a:defRPr>
     </a:lvl1pPr>
-    <a:lvl2pPr marL="457200" algn="l" defTabSz="914400" rtl="0" eaLnBrk="1" latinLnBrk="0" hangingPunct="1">
+    <a:lvl2pPr marL="457200" algn="l" defTabSz="457200" rtl="0" eaLnBrk="1" latinLnBrk="0" hangingPunct="1">
       <a:defRPr sz="1800" kern="1200">
         <a:solidFill>
           <a:schemeClr val="tx1"/>
@@ -58,7 +61,7 @@
         <a:cs typeface="+mn-cs"/>
       </a:defRPr>
     </a:lvl2pPr>
-    <a:lvl3pPr marL="914400" algn="l" defTabSz="914400" rtl="0" eaLnBrk="1" latinLnBrk="0" hangingPunct="1">
+    <a:lvl3pPr marL="914400" algn="l" defTabSz="457200" rtl="0" eaLnBrk="1" latinLnBrk="0" hangingPunct="1">
       <a:defRPr sz="1800" kern="1200">
         <a:solidFill>
           <a:schemeClr val="tx1"/>
@@ -68,7 +71,7 @@
         <a:cs typeface="+mn-cs"/>
       </a:defRPr>
     </a:lvl3pPr>
-    <a:lvl4pPr marL="1371600" algn="l" defTabSz="914400" rtl="0" eaLnBrk="1" latinLnBrk="0" hangingPunct="1">
+    <a:lvl4pPr marL="1371600" algn="l" defTabSz="457200" rtl="0" eaLnBrk="1" latinLnBrk="0" hangingPunct="1">
       <a:defRPr sz="1800" kern="1200">
         <a:solidFill>
           <a:schemeClr val="tx1"/>
@@ -78,7 +81,7 @@
         <a:cs typeface="+mn-cs"/>
       </a:defRPr>
     </a:lvl4pPr>
-    <a:lvl5pPr marL="1828800" algn="l" defTabSz="914400" rtl="0" eaLnBrk="1" latinLnBrk="0" hangingPunct="1">
+    <a:lvl5pPr marL="1828800" algn="l" defTabSz="457200" rtl="0" eaLnBrk="1" latinLnBrk="0" hangingPunct="1">
       <a:defRPr sz="1800" kern="1200">
         <a:solidFill>
           <a:schemeClr val="tx1"/>
@@ -88,7 +91,7 @@
         <a:cs typeface="+mn-cs"/>
       </a:defRPr>
     </a:lvl5pPr>
-    <a:lvl6pPr marL="2286000" algn="l" defTabSz="914400" rtl="0" eaLnBrk="1" latinLnBrk="0" hangingPunct="1">
+    <a:lvl6pPr marL="2286000" algn="l" defTabSz="457200" rtl="0" eaLnBrk="1" latinLnBrk="0" hangingPunct="1">
       <a:defRPr sz="1800" kern="1200">
         <a:solidFill>
           <a:schemeClr val="tx1"/>
@@ -98,7 +101,7 @@
         <a:cs typeface="+mn-cs"/>
       </a:defRPr>
     </a:lvl6pPr>
-    <a:lvl7pPr marL="2743200" algn="l" defTabSz="914400" rtl="0" eaLnBrk="1" latinLnBrk="0" hangingPunct="1">
+    <a:lvl7pPr marL="2743200" algn="l" defTabSz="457200" rtl="0" eaLnBrk="1" latinLnBrk="0" hangingPunct="1">
       <a:defRPr sz="1800" kern="1200">
         <a:solidFill>
           <a:schemeClr val="tx1"/>
@@ -108,7 +111,7 @@
         <a:cs typeface="+mn-cs"/>
       </a:defRPr>
     </a:lvl7pPr>
-    <a:lvl8pPr marL="3200400" algn="l" defTabSz="914400" rtl="0" eaLnBrk="1" latinLnBrk="0" hangingPunct="1">
+    <a:lvl8pPr marL="3200400" algn="l" defTabSz="457200" rtl="0" eaLnBrk="1" latinLnBrk="0" hangingPunct="1">
       <a:defRPr sz="1800" kern="1200">
         <a:solidFill>
           <a:schemeClr val="tx1"/>
@@ -118,7 +121,7 @@
         <a:cs typeface="+mn-cs"/>
       </a:defRPr>
     </a:lvl8pPr>
-    <a:lvl9pPr marL="3657600" algn="l" defTabSz="914400" rtl="0" eaLnBrk="1" latinLnBrk="0" hangingPunct="1">
+    <a:lvl9pPr marL="3657600" algn="l" defTabSz="457200" rtl="0" eaLnBrk="1" latinLnBrk="0" hangingPunct="1">
       <a:defRPr sz="1800" kern="1200">
         <a:solidFill>
           <a:schemeClr val="tx1"/>
@@ -156,13 +159,7 @@
       </p:grpSpPr>
       <p:sp>
         <p:nvSpPr>
-          <p:cNvPr id="2" name="Titolo 1">
-            <a:extLst>
-              <a:ext uri="{FF2B5EF4-FFF2-40B4-BE49-F238E27FC236}">
-                <a16:creationId xmlns:a16="http://schemas.microsoft.com/office/drawing/2014/main" id="{13811B87-2361-6498-70B1-5BD548B4E8DA}"/>
-              </a:ext>
-            </a:extLst>
-          </p:cNvPr>
+          <p:cNvPr id="2" name="Title 1"/>
           <p:cNvSpPr>
             <a:spLocks noGrp="1"/>
           </p:cNvSpPr>
@@ -188,19 +185,13 @@
               <a:rPr lang="it-IT"/>
               <a:t>Fare clic per modificare lo stile del titolo dello schema</a:t>
             </a:r>
-            <a:endParaRPr lang="en-US"/>
+            <a:endParaRPr lang="en-US" dirty="0"/>
           </a:p>
         </p:txBody>
       </p:sp>
       <p:sp>
         <p:nvSpPr>
-          <p:cNvPr id="3" name="Sottotitolo 2">
-            <a:extLst>
-              <a:ext uri="{FF2B5EF4-FFF2-40B4-BE49-F238E27FC236}">
-                <a16:creationId xmlns:a16="http://schemas.microsoft.com/office/drawing/2014/main" id="{DFE7DE47-6556-EE1A-C18F-C06CA362C22F}"/>
-              </a:ext>
-            </a:extLst>
-          </p:cNvPr>
+          <p:cNvPr id="3" name="Subtitle 2"/>
           <p:cNvSpPr>
             <a:spLocks noGrp="1"/>
           </p:cNvSpPr>
@@ -259,19 +250,13 @@
               <a:rPr lang="it-IT"/>
               <a:t>Fare clic per modificare lo stile del sottotitolo dello schema</a:t>
             </a:r>
-            <a:endParaRPr lang="en-US"/>
+            <a:endParaRPr lang="en-US" dirty="0"/>
           </a:p>
         </p:txBody>
       </p:sp>
       <p:sp>
         <p:nvSpPr>
-          <p:cNvPr id="4" name="Segnaposto data 3">
-            <a:extLst>
-              <a:ext uri="{FF2B5EF4-FFF2-40B4-BE49-F238E27FC236}">
-                <a16:creationId xmlns:a16="http://schemas.microsoft.com/office/drawing/2014/main" id="{DBBC0AA2-AC52-800E-AACA-ED58B2688B06}"/>
-              </a:ext>
-            </a:extLst>
-          </p:cNvPr>
+          <p:cNvPr id="4" name="Date Placeholder 3"/>
           <p:cNvSpPr>
             <a:spLocks noGrp="1"/>
           </p:cNvSpPr>
@@ -286,7 +271,7 @@
           <a:p>
             <a:fld id="{6014689B-0DCE-4194-8205-09B15DFDD564}" type="datetimeFigureOut">
               <a:rPr lang="en-US" smtClean="0"/>
-              <a:t>7/2/2023</a:t>
+              <a:t>7/7/2023</a:t>
             </a:fld>
             <a:endParaRPr lang="en-US"/>
           </a:p>
@@ -294,13 +279,7 @@
       </p:sp>
       <p:sp>
         <p:nvSpPr>
-          <p:cNvPr id="5" name="Segnaposto piè di pagina 4">
-            <a:extLst>
-              <a:ext uri="{FF2B5EF4-FFF2-40B4-BE49-F238E27FC236}">
-                <a16:creationId xmlns:a16="http://schemas.microsoft.com/office/drawing/2014/main" id="{C14BCA97-F330-7837-A32A-79201716ADDC}"/>
-              </a:ext>
-            </a:extLst>
-          </p:cNvPr>
+          <p:cNvPr id="5" name="Footer Placeholder 4"/>
           <p:cNvSpPr>
             <a:spLocks noGrp="1"/>
           </p:cNvSpPr>
@@ -319,13 +298,7 @@
       </p:sp>
       <p:sp>
         <p:nvSpPr>
-          <p:cNvPr id="6" name="Segnaposto numero diapositiva 5">
-            <a:extLst>
-              <a:ext uri="{FF2B5EF4-FFF2-40B4-BE49-F238E27FC236}">
-                <a16:creationId xmlns:a16="http://schemas.microsoft.com/office/drawing/2014/main" id="{97ABA551-41E8-3F21-5436-4375B61B1B25}"/>
-              </a:ext>
-            </a:extLst>
-          </p:cNvPr>
+          <p:cNvPr id="6" name="Slide Number Placeholder 5"/>
           <p:cNvSpPr>
             <a:spLocks noGrp="1"/>
           </p:cNvSpPr>
@@ -349,7 +322,7 @@
     </p:spTree>
     <p:extLst>
       <p:ext uri="{BB962C8B-B14F-4D97-AF65-F5344CB8AC3E}">
-        <p14:creationId xmlns:p14="http://schemas.microsoft.com/office/powerpoint/2010/main" val="2542201895"/>
+        <p14:creationId xmlns:p14="http://schemas.microsoft.com/office/powerpoint/2010/main" val="1951358154"/>
       </p:ext>
     </p:extLst>
   </p:cSld>
@@ -378,13 +351,7 @@
       </p:grpSpPr>
       <p:sp>
         <p:nvSpPr>
-          <p:cNvPr id="2" name="Titolo 1">
-            <a:extLst>
-              <a:ext uri="{FF2B5EF4-FFF2-40B4-BE49-F238E27FC236}">
-                <a16:creationId xmlns:a16="http://schemas.microsoft.com/office/drawing/2014/main" id="{2FE15BD9-7C46-E155-E8A1-B050BE39F572}"/>
-              </a:ext>
-            </a:extLst>
-          </p:cNvPr>
+          <p:cNvPr id="2" name="Title 1"/>
           <p:cNvSpPr>
             <a:spLocks noGrp="1"/>
           </p:cNvSpPr>
@@ -401,19 +368,13 @@
               <a:rPr lang="it-IT"/>
               <a:t>Fare clic per modificare lo stile del titolo dello schema</a:t>
             </a:r>
-            <a:endParaRPr lang="en-US"/>
+            <a:endParaRPr lang="en-US" dirty="0"/>
           </a:p>
         </p:txBody>
       </p:sp>
       <p:sp>
         <p:nvSpPr>
-          <p:cNvPr id="3" name="Segnaposto testo verticale 2">
-            <a:extLst>
-              <a:ext uri="{FF2B5EF4-FFF2-40B4-BE49-F238E27FC236}">
-                <a16:creationId xmlns:a16="http://schemas.microsoft.com/office/drawing/2014/main" id="{0DC4724D-9B57-75D7-EEDF-B54DB395DA09}"/>
-              </a:ext>
-            </a:extLst>
-          </p:cNvPr>
+          <p:cNvPr id="3" name="Vertical Text Placeholder 2"/>
           <p:cNvSpPr>
             <a:spLocks noGrp="1"/>
           </p:cNvSpPr>
@@ -459,19 +420,13 @@
               <a:rPr lang="it-IT"/>
               <a:t>Quinto livello</a:t>
             </a:r>
-            <a:endParaRPr lang="en-US"/>
+            <a:endParaRPr lang="en-US" dirty="0"/>
           </a:p>
         </p:txBody>
       </p:sp>
       <p:sp>
         <p:nvSpPr>
-          <p:cNvPr id="4" name="Segnaposto data 3">
-            <a:extLst>
-              <a:ext uri="{FF2B5EF4-FFF2-40B4-BE49-F238E27FC236}">
-                <a16:creationId xmlns:a16="http://schemas.microsoft.com/office/drawing/2014/main" id="{84C57DB3-72B1-BB34-E642-0C87FCD62197}"/>
-              </a:ext>
-            </a:extLst>
-          </p:cNvPr>
+          <p:cNvPr id="4" name="Date Placeholder 3"/>
           <p:cNvSpPr>
             <a:spLocks noGrp="1"/>
           </p:cNvSpPr>
@@ -486,7 +441,7 @@
           <a:p>
             <a:fld id="{6014689B-0DCE-4194-8205-09B15DFDD564}" type="datetimeFigureOut">
               <a:rPr lang="en-US" smtClean="0"/>
-              <a:t>7/2/2023</a:t>
+              <a:t>7/7/2023</a:t>
             </a:fld>
             <a:endParaRPr lang="en-US"/>
           </a:p>
@@ -494,13 +449,7 @@
       </p:sp>
       <p:sp>
         <p:nvSpPr>
-          <p:cNvPr id="5" name="Segnaposto piè di pagina 4">
-            <a:extLst>
-              <a:ext uri="{FF2B5EF4-FFF2-40B4-BE49-F238E27FC236}">
-                <a16:creationId xmlns:a16="http://schemas.microsoft.com/office/drawing/2014/main" id="{5112AF0C-F66E-6142-3706-71747BF3D6BB}"/>
-              </a:ext>
-            </a:extLst>
-          </p:cNvPr>
+          <p:cNvPr id="5" name="Footer Placeholder 4"/>
           <p:cNvSpPr>
             <a:spLocks noGrp="1"/>
           </p:cNvSpPr>
@@ -519,13 +468,7 @@
       </p:sp>
       <p:sp>
         <p:nvSpPr>
-          <p:cNvPr id="6" name="Segnaposto numero diapositiva 5">
-            <a:extLst>
-              <a:ext uri="{FF2B5EF4-FFF2-40B4-BE49-F238E27FC236}">
-                <a16:creationId xmlns:a16="http://schemas.microsoft.com/office/drawing/2014/main" id="{258FE977-9876-3262-8AC9-1E98FFC481C6}"/>
-              </a:ext>
-            </a:extLst>
-          </p:cNvPr>
+          <p:cNvPr id="6" name="Slide Number Placeholder 5"/>
           <p:cNvSpPr>
             <a:spLocks noGrp="1"/>
           </p:cNvSpPr>
@@ -549,7 +492,7 @@
     </p:spTree>
     <p:extLst>
       <p:ext uri="{BB962C8B-B14F-4D97-AF65-F5344CB8AC3E}">
-        <p14:creationId xmlns:p14="http://schemas.microsoft.com/office/powerpoint/2010/main" val="2331971036"/>
+        <p14:creationId xmlns:p14="http://schemas.microsoft.com/office/powerpoint/2010/main" val="3341754718"/>
       </p:ext>
     </p:extLst>
   </p:cSld>
@@ -578,13 +521,7 @@
       </p:grpSpPr>
       <p:sp>
         <p:nvSpPr>
-          <p:cNvPr id="2" name="Titolo verticale 1">
-            <a:extLst>
-              <a:ext uri="{FF2B5EF4-FFF2-40B4-BE49-F238E27FC236}">
-                <a16:creationId xmlns:a16="http://schemas.microsoft.com/office/drawing/2014/main" id="{CFFB0402-F0BB-E608-E382-5334D785B732}"/>
-              </a:ext>
-            </a:extLst>
-          </p:cNvPr>
+          <p:cNvPr id="2" name="Vertical Title 1"/>
           <p:cNvSpPr>
             <a:spLocks noGrp="1"/>
           </p:cNvSpPr>
@@ -606,19 +543,13 @@
               <a:rPr lang="it-IT"/>
               <a:t>Fare clic per modificare lo stile del titolo dello schema</a:t>
             </a:r>
-            <a:endParaRPr lang="en-US"/>
+            <a:endParaRPr lang="en-US" dirty="0"/>
           </a:p>
         </p:txBody>
       </p:sp>
       <p:sp>
         <p:nvSpPr>
-          <p:cNvPr id="3" name="Segnaposto testo verticale 2">
-            <a:extLst>
-              <a:ext uri="{FF2B5EF4-FFF2-40B4-BE49-F238E27FC236}">
-                <a16:creationId xmlns:a16="http://schemas.microsoft.com/office/drawing/2014/main" id="{D4767B3C-1A8F-0327-DB5F-62EFD3BE2C27}"/>
-              </a:ext>
-            </a:extLst>
-          </p:cNvPr>
+          <p:cNvPr id="3" name="Vertical Text Placeholder 2"/>
           <p:cNvSpPr>
             <a:spLocks noGrp="1"/>
           </p:cNvSpPr>
@@ -669,19 +600,13 @@
               <a:rPr lang="it-IT"/>
               <a:t>Quinto livello</a:t>
             </a:r>
-            <a:endParaRPr lang="en-US"/>
+            <a:endParaRPr lang="en-US" dirty="0"/>
           </a:p>
         </p:txBody>
       </p:sp>
       <p:sp>
         <p:nvSpPr>
-          <p:cNvPr id="4" name="Segnaposto data 3">
-            <a:extLst>
-              <a:ext uri="{FF2B5EF4-FFF2-40B4-BE49-F238E27FC236}">
-                <a16:creationId xmlns:a16="http://schemas.microsoft.com/office/drawing/2014/main" id="{B2CE29EF-8072-13D9-9541-83530791C47E}"/>
-              </a:ext>
-            </a:extLst>
-          </p:cNvPr>
+          <p:cNvPr id="4" name="Date Placeholder 3"/>
           <p:cNvSpPr>
             <a:spLocks noGrp="1"/>
           </p:cNvSpPr>
@@ -696,7 +621,7 @@
           <a:p>
             <a:fld id="{6014689B-0DCE-4194-8205-09B15DFDD564}" type="datetimeFigureOut">
               <a:rPr lang="en-US" smtClean="0"/>
-              <a:t>7/2/2023</a:t>
+              <a:t>7/7/2023</a:t>
             </a:fld>
             <a:endParaRPr lang="en-US"/>
           </a:p>
@@ -704,13 +629,7 @@
       </p:sp>
       <p:sp>
         <p:nvSpPr>
-          <p:cNvPr id="5" name="Segnaposto piè di pagina 4">
-            <a:extLst>
-              <a:ext uri="{FF2B5EF4-FFF2-40B4-BE49-F238E27FC236}">
-                <a16:creationId xmlns:a16="http://schemas.microsoft.com/office/drawing/2014/main" id="{61135339-A620-D107-1884-6783ED8B76DB}"/>
-              </a:ext>
-            </a:extLst>
-          </p:cNvPr>
+          <p:cNvPr id="5" name="Footer Placeholder 4"/>
           <p:cNvSpPr>
             <a:spLocks noGrp="1"/>
           </p:cNvSpPr>
@@ -729,13 +648,7 @@
       </p:sp>
       <p:sp>
         <p:nvSpPr>
-          <p:cNvPr id="6" name="Segnaposto numero diapositiva 5">
-            <a:extLst>
-              <a:ext uri="{FF2B5EF4-FFF2-40B4-BE49-F238E27FC236}">
-                <a16:creationId xmlns:a16="http://schemas.microsoft.com/office/drawing/2014/main" id="{E8345A4B-F9F0-2B4D-31D7-753A492A0B11}"/>
-              </a:ext>
-            </a:extLst>
-          </p:cNvPr>
+          <p:cNvPr id="6" name="Slide Number Placeholder 5"/>
           <p:cNvSpPr>
             <a:spLocks noGrp="1"/>
           </p:cNvSpPr>
@@ -759,7 +672,7 @@
     </p:spTree>
     <p:extLst>
       <p:ext uri="{BB962C8B-B14F-4D97-AF65-F5344CB8AC3E}">
-        <p14:creationId xmlns:p14="http://schemas.microsoft.com/office/powerpoint/2010/main" val="1000186593"/>
+        <p14:creationId xmlns:p14="http://schemas.microsoft.com/office/powerpoint/2010/main" val="1259569933"/>
       </p:ext>
     </p:extLst>
   </p:cSld>
@@ -788,13 +701,7 @@
       </p:grpSpPr>
       <p:sp>
         <p:nvSpPr>
-          <p:cNvPr id="2" name="Titolo 1">
-            <a:extLst>
-              <a:ext uri="{FF2B5EF4-FFF2-40B4-BE49-F238E27FC236}">
-                <a16:creationId xmlns:a16="http://schemas.microsoft.com/office/drawing/2014/main" id="{DE034B9D-E52C-2AD0-084D-621FBCCA8D7C}"/>
-              </a:ext>
-            </a:extLst>
-          </p:cNvPr>
+          <p:cNvPr id="2" name="Title 1"/>
           <p:cNvSpPr>
             <a:spLocks noGrp="1"/>
           </p:cNvSpPr>
@@ -811,19 +718,13 @@
               <a:rPr lang="it-IT"/>
               <a:t>Fare clic per modificare lo stile del titolo dello schema</a:t>
             </a:r>
-            <a:endParaRPr lang="en-US"/>
+            <a:endParaRPr lang="en-US" dirty="0"/>
           </a:p>
         </p:txBody>
       </p:sp>
       <p:sp>
         <p:nvSpPr>
-          <p:cNvPr id="3" name="Segnaposto contenuto 2">
-            <a:extLst>
-              <a:ext uri="{FF2B5EF4-FFF2-40B4-BE49-F238E27FC236}">
-                <a16:creationId xmlns:a16="http://schemas.microsoft.com/office/drawing/2014/main" id="{FA40F673-37F7-668D-D93F-AB92487E5493}"/>
-              </a:ext>
-            </a:extLst>
-          </p:cNvPr>
+          <p:cNvPr id="3" name="Content Placeholder 2"/>
           <p:cNvSpPr>
             <a:spLocks noGrp="1"/>
           </p:cNvSpPr>
@@ -869,19 +770,13 @@
               <a:rPr lang="it-IT"/>
               <a:t>Quinto livello</a:t>
             </a:r>
-            <a:endParaRPr lang="en-US"/>
+            <a:endParaRPr lang="en-US" dirty="0"/>
           </a:p>
         </p:txBody>
       </p:sp>
       <p:sp>
         <p:nvSpPr>
-          <p:cNvPr id="4" name="Segnaposto data 3">
-            <a:extLst>
-              <a:ext uri="{FF2B5EF4-FFF2-40B4-BE49-F238E27FC236}">
-                <a16:creationId xmlns:a16="http://schemas.microsoft.com/office/drawing/2014/main" id="{8B7FC3AA-9922-F736-37EE-20360D31FFA9}"/>
-              </a:ext>
-            </a:extLst>
-          </p:cNvPr>
+          <p:cNvPr id="4" name="Date Placeholder 3"/>
           <p:cNvSpPr>
             <a:spLocks noGrp="1"/>
           </p:cNvSpPr>
@@ -896,7 +791,7 @@
           <a:p>
             <a:fld id="{6014689B-0DCE-4194-8205-09B15DFDD564}" type="datetimeFigureOut">
               <a:rPr lang="en-US" smtClean="0"/>
-              <a:t>7/2/2023</a:t>
+              <a:t>7/7/2023</a:t>
             </a:fld>
             <a:endParaRPr lang="en-US"/>
           </a:p>
@@ -904,13 +799,7 @@
       </p:sp>
       <p:sp>
         <p:nvSpPr>
-          <p:cNvPr id="5" name="Segnaposto piè di pagina 4">
-            <a:extLst>
-              <a:ext uri="{FF2B5EF4-FFF2-40B4-BE49-F238E27FC236}">
-                <a16:creationId xmlns:a16="http://schemas.microsoft.com/office/drawing/2014/main" id="{EF901DDE-7DEF-816E-96EE-D6626E6DC2D7}"/>
-              </a:ext>
-            </a:extLst>
-          </p:cNvPr>
+          <p:cNvPr id="5" name="Footer Placeholder 4"/>
           <p:cNvSpPr>
             <a:spLocks noGrp="1"/>
           </p:cNvSpPr>
@@ -929,13 +818,7 @@
       </p:sp>
       <p:sp>
         <p:nvSpPr>
-          <p:cNvPr id="6" name="Segnaposto numero diapositiva 5">
-            <a:extLst>
-              <a:ext uri="{FF2B5EF4-FFF2-40B4-BE49-F238E27FC236}">
-                <a16:creationId xmlns:a16="http://schemas.microsoft.com/office/drawing/2014/main" id="{BCC96F22-52BF-0AB9-E26C-E849428ECC7F}"/>
-              </a:ext>
-            </a:extLst>
-          </p:cNvPr>
+          <p:cNvPr id="6" name="Slide Number Placeholder 5"/>
           <p:cNvSpPr>
             <a:spLocks noGrp="1"/>
           </p:cNvSpPr>
@@ -959,7 +842,7 @@
     </p:spTree>
     <p:extLst>
       <p:ext uri="{BB962C8B-B14F-4D97-AF65-F5344CB8AC3E}">
-        <p14:creationId xmlns:p14="http://schemas.microsoft.com/office/powerpoint/2010/main" val="2358499419"/>
+        <p14:creationId xmlns:p14="http://schemas.microsoft.com/office/powerpoint/2010/main" val="3234823734"/>
       </p:ext>
     </p:extLst>
   </p:cSld>
@@ -988,13 +871,7 @@
       </p:grpSpPr>
       <p:sp>
         <p:nvSpPr>
-          <p:cNvPr id="2" name="Titolo 1">
-            <a:extLst>
-              <a:ext uri="{FF2B5EF4-FFF2-40B4-BE49-F238E27FC236}">
-                <a16:creationId xmlns:a16="http://schemas.microsoft.com/office/drawing/2014/main" id="{8D283D18-3B24-C630-97E2-A55B198E99C2}"/>
-              </a:ext>
-            </a:extLst>
-          </p:cNvPr>
+          <p:cNvPr id="2" name="Title 1"/>
           <p:cNvSpPr>
             <a:spLocks noGrp="1"/>
           </p:cNvSpPr>
@@ -1020,19 +897,13 @@
               <a:rPr lang="it-IT"/>
               <a:t>Fare clic per modificare lo stile del titolo dello schema</a:t>
             </a:r>
-            <a:endParaRPr lang="en-US"/>
+            <a:endParaRPr lang="en-US" dirty="0"/>
           </a:p>
         </p:txBody>
       </p:sp>
       <p:sp>
         <p:nvSpPr>
-          <p:cNvPr id="3" name="Segnaposto testo 2">
-            <a:extLst>
-              <a:ext uri="{FF2B5EF4-FFF2-40B4-BE49-F238E27FC236}">
-                <a16:creationId xmlns:a16="http://schemas.microsoft.com/office/drawing/2014/main" id="{EFE8DBB7-DEF3-C1A1-2C8D-F763C6A4F9AE}"/>
-              </a:ext>
-            </a:extLst>
-          </p:cNvPr>
+          <p:cNvPr id="3" name="Text Placeholder 2"/>
           <p:cNvSpPr>
             <a:spLocks noGrp="1"/>
           </p:cNvSpPr>
@@ -1151,13 +1022,7 @@
       </p:sp>
       <p:sp>
         <p:nvSpPr>
-          <p:cNvPr id="4" name="Segnaposto data 3">
-            <a:extLst>
-              <a:ext uri="{FF2B5EF4-FFF2-40B4-BE49-F238E27FC236}">
-                <a16:creationId xmlns:a16="http://schemas.microsoft.com/office/drawing/2014/main" id="{805E579C-19B9-EE22-B10F-2F84E2E04043}"/>
-              </a:ext>
-            </a:extLst>
-          </p:cNvPr>
+          <p:cNvPr id="4" name="Date Placeholder 3"/>
           <p:cNvSpPr>
             <a:spLocks noGrp="1"/>
           </p:cNvSpPr>
@@ -1172,7 +1037,7 @@
           <a:p>
             <a:fld id="{6014689B-0DCE-4194-8205-09B15DFDD564}" type="datetimeFigureOut">
               <a:rPr lang="en-US" smtClean="0"/>
-              <a:t>7/2/2023</a:t>
+              <a:t>7/7/2023</a:t>
             </a:fld>
             <a:endParaRPr lang="en-US"/>
           </a:p>
@@ -1180,13 +1045,7 @@
       </p:sp>
       <p:sp>
         <p:nvSpPr>
-          <p:cNvPr id="5" name="Segnaposto piè di pagina 4">
-            <a:extLst>
-              <a:ext uri="{FF2B5EF4-FFF2-40B4-BE49-F238E27FC236}">
-                <a16:creationId xmlns:a16="http://schemas.microsoft.com/office/drawing/2014/main" id="{E7BF0280-4AD7-146A-6B30-1A0813CB68D8}"/>
-              </a:ext>
-            </a:extLst>
-          </p:cNvPr>
+          <p:cNvPr id="5" name="Footer Placeholder 4"/>
           <p:cNvSpPr>
             <a:spLocks noGrp="1"/>
           </p:cNvSpPr>
@@ -1205,13 +1064,7 @@
       </p:sp>
       <p:sp>
         <p:nvSpPr>
-          <p:cNvPr id="6" name="Segnaposto numero diapositiva 5">
-            <a:extLst>
-              <a:ext uri="{FF2B5EF4-FFF2-40B4-BE49-F238E27FC236}">
-                <a16:creationId xmlns:a16="http://schemas.microsoft.com/office/drawing/2014/main" id="{AE3985E5-D205-70AE-8B15-6AA9A6CB9B3E}"/>
-              </a:ext>
-            </a:extLst>
-          </p:cNvPr>
+          <p:cNvPr id="6" name="Slide Number Placeholder 5"/>
           <p:cNvSpPr>
             <a:spLocks noGrp="1"/>
           </p:cNvSpPr>
@@ -1235,7 +1088,7 @@
     </p:spTree>
     <p:extLst>
       <p:ext uri="{BB962C8B-B14F-4D97-AF65-F5344CB8AC3E}">
-        <p14:creationId xmlns:p14="http://schemas.microsoft.com/office/powerpoint/2010/main" val="1573197533"/>
+        <p14:creationId xmlns:p14="http://schemas.microsoft.com/office/powerpoint/2010/main" val="47629734"/>
       </p:ext>
     </p:extLst>
   </p:cSld>
@@ -1264,13 +1117,7 @@
       </p:grpSpPr>
       <p:sp>
         <p:nvSpPr>
-          <p:cNvPr id="2" name="Titolo 1">
-            <a:extLst>
-              <a:ext uri="{FF2B5EF4-FFF2-40B4-BE49-F238E27FC236}">
-                <a16:creationId xmlns:a16="http://schemas.microsoft.com/office/drawing/2014/main" id="{89B272DD-6AA0-F355-2E7F-AAF00A84DB92}"/>
-              </a:ext>
-            </a:extLst>
-          </p:cNvPr>
+          <p:cNvPr id="2" name="Title 1"/>
           <p:cNvSpPr>
             <a:spLocks noGrp="1"/>
           </p:cNvSpPr>
@@ -1287,19 +1134,13 @@
               <a:rPr lang="it-IT"/>
               <a:t>Fare clic per modificare lo stile del titolo dello schema</a:t>
             </a:r>
-            <a:endParaRPr lang="en-US"/>
+            <a:endParaRPr lang="en-US" dirty="0"/>
           </a:p>
         </p:txBody>
       </p:sp>
       <p:sp>
         <p:nvSpPr>
-          <p:cNvPr id="3" name="Segnaposto contenuto 2">
-            <a:extLst>
-              <a:ext uri="{FF2B5EF4-FFF2-40B4-BE49-F238E27FC236}">
-                <a16:creationId xmlns:a16="http://schemas.microsoft.com/office/drawing/2014/main" id="{4137E96F-7E75-0EE8-07CC-2D478A5DB4D6}"/>
-              </a:ext>
-            </a:extLst>
-          </p:cNvPr>
+          <p:cNvPr id="3" name="Content Placeholder 2"/>
           <p:cNvSpPr>
             <a:spLocks noGrp="1"/>
           </p:cNvSpPr>
@@ -1350,19 +1191,13 @@
               <a:rPr lang="it-IT"/>
               <a:t>Quinto livello</a:t>
             </a:r>
-            <a:endParaRPr lang="en-US"/>
+            <a:endParaRPr lang="en-US" dirty="0"/>
           </a:p>
         </p:txBody>
       </p:sp>
       <p:sp>
         <p:nvSpPr>
-          <p:cNvPr id="4" name="Segnaposto contenuto 3">
-            <a:extLst>
-              <a:ext uri="{FF2B5EF4-FFF2-40B4-BE49-F238E27FC236}">
-                <a16:creationId xmlns:a16="http://schemas.microsoft.com/office/drawing/2014/main" id="{CAD3658B-EC9E-3D6C-0CEA-20C7F007552A}"/>
-              </a:ext>
-            </a:extLst>
-          </p:cNvPr>
+          <p:cNvPr id="4" name="Content Placeholder 3"/>
           <p:cNvSpPr>
             <a:spLocks noGrp="1"/>
           </p:cNvSpPr>
@@ -1413,19 +1248,13 @@
               <a:rPr lang="it-IT"/>
               <a:t>Quinto livello</a:t>
             </a:r>
-            <a:endParaRPr lang="en-US"/>
+            <a:endParaRPr lang="en-US" dirty="0"/>
           </a:p>
         </p:txBody>
       </p:sp>
       <p:sp>
         <p:nvSpPr>
-          <p:cNvPr id="5" name="Segnaposto data 4">
-            <a:extLst>
-              <a:ext uri="{FF2B5EF4-FFF2-40B4-BE49-F238E27FC236}">
-                <a16:creationId xmlns:a16="http://schemas.microsoft.com/office/drawing/2014/main" id="{D4087BD7-67E1-A815-E3B6-74B6CB372B7A}"/>
-              </a:ext>
-            </a:extLst>
-          </p:cNvPr>
+          <p:cNvPr id="5" name="Date Placeholder 4"/>
           <p:cNvSpPr>
             <a:spLocks noGrp="1"/>
           </p:cNvSpPr>
@@ -1440,7 +1269,7 @@
           <a:p>
             <a:fld id="{6014689B-0DCE-4194-8205-09B15DFDD564}" type="datetimeFigureOut">
               <a:rPr lang="en-US" smtClean="0"/>
-              <a:t>7/2/2023</a:t>
+              <a:t>7/7/2023</a:t>
             </a:fld>
             <a:endParaRPr lang="en-US"/>
           </a:p>
@@ -1448,13 +1277,7 @@
       </p:sp>
       <p:sp>
         <p:nvSpPr>
-          <p:cNvPr id="6" name="Segnaposto piè di pagina 5">
-            <a:extLst>
-              <a:ext uri="{FF2B5EF4-FFF2-40B4-BE49-F238E27FC236}">
-                <a16:creationId xmlns:a16="http://schemas.microsoft.com/office/drawing/2014/main" id="{5E2C0562-7BEC-42F3-14AC-8D202626AFC3}"/>
-              </a:ext>
-            </a:extLst>
-          </p:cNvPr>
+          <p:cNvPr id="6" name="Footer Placeholder 5"/>
           <p:cNvSpPr>
             <a:spLocks noGrp="1"/>
           </p:cNvSpPr>
@@ -1473,13 +1296,7 @@
       </p:sp>
       <p:sp>
         <p:nvSpPr>
-          <p:cNvPr id="7" name="Segnaposto numero diapositiva 6">
-            <a:extLst>
-              <a:ext uri="{FF2B5EF4-FFF2-40B4-BE49-F238E27FC236}">
-                <a16:creationId xmlns:a16="http://schemas.microsoft.com/office/drawing/2014/main" id="{F1412A6F-3964-784F-F143-1912088B9FD6}"/>
-              </a:ext>
-            </a:extLst>
-          </p:cNvPr>
+          <p:cNvPr id="7" name="Slide Number Placeholder 6"/>
           <p:cNvSpPr>
             <a:spLocks noGrp="1"/>
           </p:cNvSpPr>
@@ -1503,7 +1320,7 @@
     </p:spTree>
     <p:extLst>
       <p:ext uri="{BB962C8B-B14F-4D97-AF65-F5344CB8AC3E}">
-        <p14:creationId xmlns:p14="http://schemas.microsoft.com/office/powerpoint/2010/main" val="2167554813"/>
+        <p14:creationId xmlns:p14="http://schemas.microsoft.com/office/powerpoint/2010/main" val="2588960700"/>
       </p:ext>
     </p:extLst>
   </p:cSld>
@@ -1532,13 +1349,7 @@
       </p:grpSpPr>
       <p:sp>
         <p:nvSpPr>
-          <p:cNvPr id="2" name="Titolo 1">
-            <a:extLst>
-              <a:ext uri="{FF2B5EF4-FFF2-40B4-BE49-F238E27FC236}">
-                <a16:creationId xmlns:a16="http://schemas.microsoft.com/office/drawing/2014/main" id="{CBEB3DC1-D7B9-11FD-1106-CF356E1897AF}"/>
-              </a:ext>
-            </a:extLst>
-          </p:cNvPr>
+          <p:cNvPr id="2" name="Title 1"/>
           <p:cNvSpPr>
             <a:spLocks noGrp="1"/>
           </p:cNvSpPr>
@@ -1560,19 +1371,13 @@
               <a:rPr lang="it-IT"/>
               <a:t>Fare clic per modificare lo stile del titolo dello schema</a:t>
             </a:r>
-            <a:endParaRPr lang="en-US"/>
+            <a:endParaRPr lang="en-US" dirty="0"/>
           </a:p>
         </p:txBody>
       </p:sp>
       <p:sp>
         <p:nvSpPr>
-          <p:cNvPr id="3" name="Segnaposto testo 2">
-            <a:extLst>
-              <a:ext uri="{FF2B5EF4-FFF2-40B4-BE49-F238E27FC236}">
-                <a16:creationId xmlns:a16="http://schemas.microsoft.com/office/drawing/2014/main" id="{46B73483-28C0-4490-5476-7A67EEFC5FAE}"/>
-              </a:ext>
-            </a:extLst>
-          </p:cNvPr>
+          <p:cNvPr id="3" name="Text Placeholder 2"/>
           <p:cNvSpPr>
             <a:spLocks noGrp="1"/>
           </p:cNvSpPr>
@@ -1637,13 +1442,7 @@
       </p:sp>
       <p:sp>
         <p:nvSpPr>
-          <p:cNvPr id="4" name="Segnaposto contenuto 3">
-            <a:extLst>
-              <a:ext uri="{FF2B5EF4-FFF2-40B4-BE49-F238E27FC236}">
-                <a16:creationId xmlns:a16="http://schemas.microsoft.com/office/drawing/2014/main" id="{371C2942-62A2-6A86-704F-C16C5988E494}"/>
-              </a:ext>
-            </a:extLst>
-          </p:cNvPr>
+          <p:cNvPr id="4" name="Content Placeholder 3"/>
           <p:cNvSpPr>
             <a:spLocks noGrp="1"/>
           </p:cNvSpPr>
@@ -1694,19 +1493,13 @@
               <a:rPr lang="it-IT"/>
               <a:t>Quinto livello</a:t>
             </a:r>
-            <a:endParaRPr lang="en-US"/>
+            <a:endParaRPr lang="en-US" dirty="0"/>
           </a:p>
         </p:txBody>
       </p:sp>
       <p:sp>
         <p:nvSpPr>
-          <p:cNvPr id="5" name="Segnaposto testo 4">
-            <a:extLst>
-              <a:ext uri="{FF2B5EF4-FFF2-40B4-BE49-F238E27FC236}">
-                <a16:creationId xmlns:a16="http://schemas.microsoft.com/office/drawing/2014/main" id="{209206AF-86E3-88DE-ACBB-E6AF839566DC}"/>
-              </a:ext>
-            </a:extLst>
-          </p:cNvPr>
+          <p:cNvPr id="5" name="Text Placeholder 4"/>
           <p:cNvSpPr>
             <a:spLocks noGrp="1"/>
           </p:cNvSpPr>
@@ -1771,13 +1564,7 @@
       </p:sp>
       <p:sp>
         <p:nvSpPr>
-          <p:cNvPr id="6" name="Segnaposto contenuto 5">
-            <a:extLst>
-              <a:ext uri="{FF2B5EF4-FFF2-40B4-BE49-F238E27FC236}">
-                <a16:creationId xmlns:a16="http://schemas.microsoft.com/office/drawing/2014/main" id="{8A642B6C-BEA5-B4C1-BA67-5A83F90288AC}"/>
-              </a:ext>
-            </a:extLst>
-          </p:cNvPr>
+          <p:cNvPr id="6" name="Content Placeholder 5"/>
           <p:cNvSpPr>
             <a:spLocks noGrp="1"/>
           </p:cNvSpPr>
@@ -1828,19 +1615,13 @@
               <a:rPr lang="it-IT"/>
               <a:t>Quinto livello</a:t>
             </a:r>
-            <a:endParaRPr lang="en-US"/>
+            <a:endParaRPr lang="en-US" dirty="0"/>
           </a:p>
         </p:txBody>
       </p:sp>
       <p:sp>
         <p:nvSpPr>
-          <p:cNvPr id="7" name="Segnaposto data 6">
-            <a:extLst>
-              <a:ext uri="{FF2B5EF4-FFF2-40B4-BE49-F238E27FC236}">
-                <a16:creationId xmlns:a16="http://schemas.microsoft.com/office/drawing/2014/main" id="{CED80328-0F30-E786-B9A5-2B9415F6ADA9}"/>
-              </a:ext>
-            </a:extLst>
-          </p:cNvPr>
+          <p:cNvPr id="7" name="Date Placeholder 6"/>
           <p:cNvSpPr>
             <a:spLocks noGrp="1"/>
           </p:cNvSpPr>
@@ -1855,7 +1636,7 @@
           <a:p>
             <a:fld id="{6014689B-0DCE-4194-8205-09B15DFDD564}" type="datetimeFigureOut">
               <a:rPr lang="en-US" smtClean="0"/>
-              <a:t>7/2/2023</a:t>
+              <a:t>7/7/2023</a:t>
             </a:fld>
             <a:endParaRPr lang="en-US"/>
           </a:p>
@@ -1863,13 +1644,7 @@
       </p:sp>
       <p:sp>
         <p:nvSpPr>
-          <p:cNvPr id="8" name="Segnaposto piè di pagina 7">
-            <a:extLst>
-              <a:ext uri="{FF2B5EF4-FFF2-40B4-BE49-F238E27FC236}">
-                <a16:creationId xmlns:a16="http://schemas.microsoft.com/office/drawing/2014/main" id="{68F6C72D-8369-EEA2-3BA8-DF97565F044E}"/>
-              </a:ext>
-            </a:extLst>
-          </p:cNvPr>
+          <p:cNvPr id="8" name="Footer Placeholder 7"/>
           <p:cNvSpPr>
             <a:spLocks noGrp="1"/>
           </p:cNvSpPr>
@@ -1888,13 +1663,7 @@
       </p:sp>
       <p:sp>
         <p:nvSpPr>
-          <p:cNvPr id="9" name="Segnaposto numero diapositiva 8">
-            <a:extLst>
-              <a:ext uri="{FF2B5EF4-FFF2-40B4-BE49-F238E27FC236}">
-                <a16:creationId xmlns:a16="http://schemas.microsoft.com/office/drawing/2014/main" id="{249819FA-CB29-1552-9534-8B30EE7251A1}"/>
-              </a:ext>
-            </a:extLst>
-          </p:cNvPr>
+          <p:cNvPr id="9" name="Slide Number Placeholder 8"/>
           <p:cNvSpPr>
             <a:spLocks noGrp="1"/>
           </p:cNvSpPr>
@@ -1918,7 +1687,7 @@
     </p:spTree>
     <p:extLst>
       <p:ext uri="{BB962C8B-B14F-4D97-AF65-F5344CB8AC3E}">
-        <p14:creationId xmlns:p14="http://schemas.microsoft.com/office/powerpoint/2010/main" val="2710480399"/>
+        <p14:creationId xmlns:p14="http://schemas.microsoft.com/office/powerpoint/2010/main" val="897639173"/>
       </p:ext>
     </p:extLst>
   </p:cSld>
@@ -1947,13 +1716,7 @@
       </p:grpSpPr>
       <p:sp>
         <p:nvSpPr>
-          <p:cNvPr id="2" name="Titolo 1">
-            <a:extLst>
-              <a:ext uri="{FF2B5EF4-FFF2-40B4-BE49-F238E27FC236}">
-                <a16:creationId xmlns:a16="http://schemas.microsoft.com/office/drawing/2014/main" id="{BA51DD40-BD5C-CC98-4828-8262F48B6644}"/>
-              </a:ext>
-            </a:extLst>
-          </p:cNvPr>
+          <p:cNvPr id="2" name="Title 1"/>
           <p:cNvSpPr>
             <a:spLocks noGrp="1"/>
           </p:cNvSpPr>
@@ -1970,19 +1733,13 @@
               <a:rPr lang="it-IT"/>
               <a:t>Fare clic per modificare lo stile del titolo dello schema</a:t>
             </a:r>
-            <a:endParaRPr lang="en-US"/>
+            <a:endParaRPr lang="en-US" dirty="0"/>
           </a:p>
         </p:txBody>
       </p:sp>
       <p:sp>
         <p:nvSpPr>
-          <p:cNvPr id="3" name="Segnaposto data 2">
-            <a:extLst>
-              <a:ext uri="{FF2B5EF4-FFF2-40B4-BE49-F238E27FC236}">
-                <a16:creationId xmlns:a16="http://schemas.microsoft.com/office/drawing/2014/main" id="{88B95BCC-F433-E3A0-3729-1E33852F56FD}"/>
-              </a:ext>
-            </a:extLst>
-          </p:cNvPr>
+          <p:cNvPr id="3" name="Date Placeholder 2"/>
           <p:cNvSpPr>
             <a:spLocks noGrp="1"/>
           </p:cNvSpPr>
@@ -1997,7 +1754,7 @@
           <a:p>
             <a:fld id="{6014689B-0DCE-4194-8205-09B15DFDD564}" type="datetimeFigureOut">
               <a:rPr lang="en-US" smtClean="0"/>
-              <a:t>7/2/2023</a:t>
+              <a:t>7/7/2023</a:t>
             </a:fld>
             <a:endParaRPr lang="en-US"/>
           </a:p>
@@ -2005,13 +1762,7 @@
       </p:sp>
       <p:sp>
         <p:nvSpPr>
-          <p:cNvPr id="4" name="Segnaposto piè di pagina 3">
-            <a:extLst>
-              <a:ext uri="{FF2B5EF4-FFF2-40B4-BE49-F238E27FC236}">
-                <a16:creationId xmlns:a16="http://schemas.microsoft.com/office/drawing/2014/main" id="{0CC0D374-9804-2465-2382-67ED5794E035}"/>
-              </a:ext>
-            </a:extLst>
-          </p:cNvPr>
+          <p:cNvPr id="4" name="Footer Placeholder 3"/>
           <p:cNvSpPr>
             <a:spLocks noGrp="1"/>
           </p:cNvSpPr>
@@ -2030,13 +1781,7 @@
       </p:sp>
       <p:sp>
         <p:nvSpPr>
-          <p:cNvPr id="5" name="Segnaposto numero diapositiva 4">
-            <a:extLst>
-              <a:ext uri="{FF2B5EF4-FFF2-40B4-BE49-F238E27FC236}">
-                <a16:creationId xmlns:a16="http://schemas.microsoft.com/office/drawing/2014/main" id="{3C702D9F-5518-FF01-6E92-89ABEF9EB4D9}"/>
-              </a:ext>
-            </a:extLst>
-          </p:cNvPr>
+          <p:cNvPr id="5" name="Slide Number Placeholder 4"/>
           <p:cNvSpPr>
             <a:spLocks noGrp="1"/>
           </p:cNvSpPr>
@@ -2060,7 +1805,7 @@
     </p:spTree>
     <p:extLst>
       <p:ext uri="{BB962C8B-B14F-4D97-AF65-F5344CB8AC3E}">
-        <p14:creationId xmlns:p14="http://schemas.microsoft.com/office/powerpoint/2010/main" val="1055145752"/>
+        <p14:creationId xmlns:p14="http://schemas.microsoft.com/office/powerpoint/2010/main" val="1579555604"/>
       </p:ext>
     </p:extLst>
   </p:cSld>
@@ -2089,13 +1834,7 @@
       </p:grpSpPr>
       <p:sp>
         <p:nvSpPr>
-          <p:cNvPr id="2" name="Segnaposto data 1">
-            <a:extLst>
-              <a:ext uri="{FF2B5EF4-FFF2-40B4-BE49-F238E27FC236}">
-                <a16:creationId xmlns:a16="http://schemas.microsoft.com/office/drawing/2014/main" id="{05246BA6-FFB0-CF1D-0B12-D24CD85D69E3}"/>
-              </a:ext>
-            </a:extLst>
-          </p:cNvPr>
+          <p:cNvPr id="2" name="Date Placeholder 1"/>
           <p:cNvSpPr>
             <a:spLocks noGrp="1"/>
           </p:cNvSpPr>
@@ -2110,7 +1849,7 @@
           <a:p>
             <a:fld id="{6014689B-0DCE-4194-8205-09B15DFDD564}" type="datetimeFigureOut">
               <a:rPr lang="en-US" smtClean="0"/>
-              <a:t>7/2/2023</a:t>
+              <a:t>7/7/2023</a:t>
             </a:fld>
             <a:endParaRPr lang="en-US"/>
           </a:p>
@@ -2118,13 +1857,7 @@
       </p:sp>
       <p:sp>
         <p:nvSpPr>
-          <p:cNvPr id="3" name="Segnaposto piè di pagina 2">
-            <a:extLst>
-              <a:ext uri="{FF2B5EF4-FFF2-40B4-BE49-F238E27FC236}">
-                <a16:creationId xmlns:a16="http://schemas.microsoft.com/office/drawing/2014/main" id="{DBD9F724-489A-F9D7-A5E6-D50E6CEF8E73}"/>
-              </a:ext>
-            </a:extLst>
-          </p:cNvPr>
+          <p:cNvPr id="3" name="Footer Placeholder 2"/>
           <p:cNvSpPr>
             <a:spLocks noGrp="1"/>
           </p:cNvSpPr>
@@ -2143,13 +1876,7 @@
       </p:sp>
       <p:sp>
         <p:nvSpPr>
-          <p:cNvPr id="4" name="Segnaposto numero diapositiva 3">
-            <a:extLst>
-              <a:ext uri="{FF2B5EF4-FFF2-40B4-BE49-F238E27FC236}">
-                <a16:creationId xmlns:a16="http://schemas.microsoft.com/office/drawing/2014/main" id="{F2936D9E-3CF8-79B3-EBB5-B35B8D2B1546}"/>
-              </a:ext>
-            </a:extLst>
-          </p:cNvPr>
+          <p:cNvPr id="4" name="Slide Number Placeholder 3"/>
           <p:cNvSpPr>
             <a:spLocks noGrp="1"/>
           </p:cNvSpPr>
@@ -2173,7 +1900,7 @@
     </p:spTree>
     <p:extLst>
       <p:ext uri="{BB962C8B-B14F-4D97-AF65-F5344CB8AC3E}">
-        <p14:creationId xmlns:p14="http://schemas.microsoft.com/office/powerpoint/2010/main" val="1060687318"/>
+        <p14:creationId xmlns:p14="http://schemas.microsoft.com/office/powerpoint/2010/main" val="308675735"/>
       </p:ext>
     </p:extLst>
   </p:cSld>
@@ -2202,13 +1929,7 @@
       </p:grpSpPr>
       <p:sp>
         <p:nvSpPr>
-          <p:cNvPr id="2" name="Titolo 1">
-            <a:extLst>
-              <a:ext uri="{FF2B5EF4-FFF2-40B4-BE49-F238E27FC236}">
-                <a16:creationId xmlns:a16="http://schemas.microsoft.com/office/drawing/2014/main" id="{6EA40048-D20D-96FA-0481-11F941046D4F}"/>
-              </a:ext>
-            </a:extLst>
-          </p:cNvPr>
+          <p:cNvPr id="2" name="Title 1"/>
           <p:cNvSpPr>
             <a:spLocks noGrp="1"/>
           </p:cNvSpPr>
@@ -2234,19 +1955,13 @@
               <a:rPr lang="it-IT"/>
               <a:t>Fare clic per modificare lo stile del titolo dello schema</a:t>
             </a:r>
-            <a:endParaRPr lang="en-US"/>
+            <a:endParaRPr lang="en-US" dirty="0"/>
           </a:p>
         </p:txBody>
       </p:sp>
       <p:sp>
         <p:nvSpPr>
-          <p:cNvPr id="3" name="Segnaposto contenuto 2">
-            <a:extLst>
-              <a:ext uri="{FF2B5EF4-FFF2-40B4-BE49-F238E27FC236}">
-                <a16:creationId xmlns:a16="http://schemas.microsoft.com/office/drawing/2014/main" id="{D2069D7E-828D-A616-3719-8C63B5221576}"/>
-              </a:ext>
-            </a:extLst>
-          </p:cNvPr>
+          <p:cNvPr id="3" name="Content Placeholder 2"/>
           <p:cNvSpPr>
             <a:spLocks noGrp="1"/>
           </p:cNvSpPr>
@@ -2325,19 +2040,13 @@
               <a:rPr lang="it-IT"/>
               <a:t>Quinto livello</a:t>
             </a:r>
-            <a:endParaRPr lang="en-US"/>
+            <a:endParaRPr lang="en-US" dirty="0"/>
           </a:p>
         </p:txBody>
       </p:sp>
       <p:sp>
         <p:nvSpPr>
-          <p:cNvPr id="4" name="Segnaposto testo 3">
-            <a:extLst>
-              <a:ext uri="{FF2B5EF4-FFF2-40B4-BE49-F238E27FC236}">
-                <a16:creationId xmlns:a16="http://schemas.microsoft.com/office/drawing/2014/main" id="{DF5BA60A-D690-DCA6-B4C9-4CF360824E19}"/>
-              </a:ext>
-            </a:extLst>
-          </p:cNvPr>
+          <p:cNvPr id="4" name="Text Placeholder 3"/>
           <p:cNvSpPr>
             <a:spLocks noGrp="1"/>
           </p:cNvSpPr>
@@ -2402,13 +2111,7 @@
       </p:sp>
       <p:sp>
         <p:nvSpPr>
-          <p:cNvPr id="5" name="Segnaposto data 4">
-            <a:extLst>
-              <a:ext uri="{FF2B5EF4-FFF2-40B4-BE49-F238E27FC236}">
-                <a16:creationId xmlns:a16="http://schemas.microsoft.com/office/drawing/2014/main" id="{4E1EC361-D05F-EC7E-85C3-41B748865BF7}"/>
-              </a:ext>
-            </a:extLst>
-          </p:cNvPr>
+          <p:cNvPr id="5" name="Date Placeholder 4"/>
           <p:cNvSpPr>
             <a:spLocks noGrp="1"/>
           </p:cNvSpPr>
@@ -2423,7 +2126,7 @@
           <a:p>
             <a:fld id="{6014689B-0DCE-4194-8205-09B15DFDD564}" type="datetimeFigureOut">
               <a:rPr lang="en-US" smtClean="0"/>
-              <a:t>7/2/2023</a:t>
+              <a:t>7/7/2023</a:t>
             </a:fld>
             <a:endParaRPr lang="en-US"/>
           </a:p>
@@ -2431,13 +2134,7 @@
       </p:sp>
       <p:sp>
         <p:nvSpPr>
-          <p:cNvPr id="6" name="Segnaposto piè di pagina 5">
-            <a:extLst>
-              <a:ext uri="{FF2B5EF4-FFF2-40B4-BE49-F238E27FC236}">
-                <a16:creationId xmlns:a16="http://schemas.microsoft.com/office/drawing/2014/main" id="{599F5020-9230-E6A6-2EC3-83D109A54B02}"/>
-              </a:ext>
-            </a:extLst>
-          </p:cNvPr>
+          <p:cNvPr id="6" name="Footer Placeholder 5"/>
           <p:cNvSpPr>
             <a:spLocks noGrp="1"/>
           </p:cNvSpPr>
@@ -2456,13 +2153,7 @@
       </p:sp>
       <p:sp>
         <p:nvSpPr>
-          <p:cNvPr id="7" name="Segnaposto numero diapositiva 6">
-            <a:extLst>
-              <a:ext uri="{FF2B5EF4-FFF2-40B4-BE49-F238E27FC236}">
-                <a16:creationId xmlns:a16="http://schemas.microsoft.com/office/drawing/2014/main" id="{3369D70A-E7D7-0046-BA83-BA70D4B9D27C}"/>
-              </a:ext>
-            </a:extLst>
-          </p:cNvPr>
+          <p:cNvPr id="7" name="Slide Number Placeholder 6"/>
           <p:cNvSpPr>
             <a:spLocks noGrp="1"/>
           </p:cNvSpPr>
@@ -2486,7 +2177,7 @@
     </p:spTree>
     <p:extLst>
       <p:ext uri="{BB962C8B-B14F-4D97-AF65-F5344CB8AC3E}">
-        <p14:creationId xmlns:p14="http://schemas.microsoft.com/office/powerpoint/2010/main" val="2547605138"/>
+        <p14:creationId xmlns:p14="http://schemas.microsoft.com/office/powerpoint/2010/main" val="2414506655"/>
       </p:ext>
     </p:extLst>
   </p:cSld>
@@ -2515,13 +2206,7 @@
       </p:grpSpPr>
       <p:sp>
         <p:nvSpPr>
-          <p:cNvPr id="2" name="Titolo 1">
-            <a:extLst>
-              <a:ext uri="{FF2B5EF4-FFF2-40B4-BE49-F238E27FC236}">
-                <a16:creationId xmlns:a16="http://schemas.microsoft.com/office/drawing/2014/main" id="{78953929-3300-83C2-E910-4989772462F6}"/>
-              </a:ext>
-            </a:extLst>
-          </p:cNvPr>
+          <p:cNvPr id="2" name="Title 1"/>
           <p:cNvSpPr>
             <a:spLocks noGrp="1"/>
           </p:cNvSpPr>
@@ -2547,21 +2232,15 @@
               <a:rPr lang="it-IT"/>
               <a:t>Fare clic per modificare lo stile del titolo dello schema</a:t>
             </a:r>
-            <a:endParaRPr lang="en-US"/>
+            <a:endParaRPr lang="en-US" dirty="0"/>
           </a:p>
         </p:txBody>
       </p:sp>
       <p:sp>
         <p:nvSpPr>
-          <p:cNvPr id="3" name="Segnaposto immagine 2">
-            <a:extLst>
-              <a:ext uri="{FF2B5EF4-FFF2-40B4-BE49-F238E27FC236}">
-                <a16:creationId xmlns:a16="http://schemas.microsoft.com/office/drawing/2014/main" id="{633AD8C3-73B4-C407-2C71-5F7BC3F3B7A5}"/>
-              </a:ext>
-            </a:extLst>
-          </p:cNvPr>
+          <p:cNvPr id="3" name="Picture Placeholder 2"/>
           <p:cNvSpPr>
-            <a:spLocks noGrp="1"/>
+            <a:spLocks noGrp="1" noChangeAspect="1"/>
           </p:cNvSpPr>
           <p:nvPr>
             <p:ph type="pic" idx="1"/>
@@ -2574,7 +2253,7 @@
           </a:xfrm>
         </p:spPr>
         <p:txBody>
-          <a:bodyPr/>
+          <a:bodyPr anchor="t"/>
           <a:lstStyle>
             <a:lvl1pPr marL="0" indent="0">
               <a:buNone/>
@@ -2614,19 +2293,17 @@
             </a:lvl9pPr>
           </a:lstStyle>
           <a:p>
-            <a:endParaRPr lang="en-US"/>
+            <a:r>
+              <a:rPr lang="it-IT"/>
+              <a:t>Fare clic sull'icona per inserire un'immagine</a:t>
+            </a:r>
+            <a:endParaRPr lang="en-US" dirty="0"/>
           </a:p>
         </p:txBody>
       </p:sp>
       <p:sp>
         <p:nvSpPr>
-          <p:cNvPr id="4" name="Segnaposto testo 3">
-            <a:extLst>
-              <a:ext uri="{FF2B5EF4-FFF2-40B4-BE49-F238E27FC236}">
-                <a16:creationId xmlns:a16="http://schemas.microsoft.com/office/drawing/2014/main" id="{A8ED238D-F41C-280F-AD90-38C144E9335F}"/>
-              </a:ext>
-            </a:extLst>
-          </p:cNvPr>
+          <p:cNvPr id="4" name="Text Placeholder 3"/>
           <p:cNvSpPr>
             <a:spLocks noGrp="1"/>
           </p:cNvSpPr>
@@ -2691,13 +2368,7 @@
       </p:sp>
       <p:sp>
         <p:nvSpPr>
-          <p:cNvPr id="5" name="Segnaposto data 4">
-            <a:extLst>
-              <a:ext uri="{FF2B5EF4-FFF2-40B4-BE49-F238E27FC236}">
-                <a16:creationId xmlns:a16="http://schemas.microsoft.com/office/drawing/2014/main" id="{15BA30C4-6F2D-CE6D-2A2B-E22EFC557A18}"/>
-              </a:ext>
-            </a:extLst>
-          </p:cNvPr>
+          <p:cNvPr id="5" name="Date Placeholder 4"/>
           <p:cNvSpPr>
             <a:spLocks noGrp="1"/>
           </p:cNvSpPr>
@@ -2712,7 +2383,7 @@
           <a:p>
             <a:fld id="{6014689B-0DCE-4194-8205-09B15DFDD564}" type="datetimeFigureOut">
               <a:rPr lang="en-US" smtClean="0"/>
-              <a:t>7/2/2023</a:t>
+              <a:t>7/7/2023</a:t>
             </a:fld>
             <a:endParaRPr lang="en-US"/>
           </a:p>
@@ -2720,13 +2391,7 @@
       </p:sp>
       <p:sp>
         <p:nvSpPr>
-          <p:cNvPr id="6" name="Segnaposto piè di pagina 5">
-            <a:extLst>
-              <a:ext uri="{FF2B5EF4-FFF2-40B4-BE49-F238E27FC236}">
-                <a16:creationId xmlns:a16="http://schemas.microsoft.com/office/drawing/2014/main" id="{B0F3EA04-5084-07C0-DEF7-8FB9EBE1AC3B}"/>
-              </a:ext>
-            </a:extLst>
-          </p:cNvPr>
+          <p:cNvPr id="6" name="Footer Placeholder 5"/>
           <p:cNvSpPr>
             <a:spLocks noGrp="1"/>
           </p:cNvSpPr>
@@ -2745,13 +2410,7 @@
       </p:sp>
       <p:sp>
         <p:nvSpPr>
-          <p:cNvPr id="7" name="Segnaposto numero diapositiva 6">
-            <a:extLst>
-              <a:ext uri="{FF2B5EF4-FFF2-40B4-BE49-F238E27FC236}">
-                <a16:creationId xmlns:a16="http://schemas.microsoft.com/office/drawing/2014/main" id="{119B591F-46BE-1FEF-A760-C322ABD6AAF5}"/>
-              </a:ext>
-            </a:extLst>
-          </p:cNvPr>
+          <p:cNvPr id="7" name="Slide Number Placeholder 6"/>
           <p:cNvSpPr>
             <a:spLocks noGrp="1"/>
           </p:cNvSpPr>
@@ -2775,7 +2434,7 @@
     </p:spTree>
     <p:extLst>
       <p:ext uri="{BB962C8B-B14F-4D97-AF65-F5344CB8AC3E}">
-        <p14:creationId xmlns:p14="http://schemas.microsoft.com/office/powerpoint/2010/main" val="1943582849"/>
+        <p14:creationId xmlns:p14="http://schemas.microsoft.com/office/powerpoint/2010/main" val="1672378999"/>
       </p:ext>
     </p:extLst>
   </p:cSld>
@@ -2809,13 +2468,7 @@
       </p:grpSpPr>
       <p:sp>
         <p:nvSpPr>
-          <p:cNvPr id="2" name="Segnaposto titolo 1">
-            <a:extLst>
-              <a:ext uri="{FF2B5EF4-FFF2-40B4-BE49-F238E27FC236}">
-                <a16:creationId xmlns:a16="http://schemas.microsoft.com/office/drawing/2014/main" id="{D23D9CC4-5C92-92BF-0068-93DEEBED7F12}"/>
-              </a:ext>
-            </a:extLst>
-          </p:cNvPr>
+          <p:cNvPr id="2" name="Title Placeholder 1"/>
           <p:cNvSpPr>
             <a:spLocks noGrp="1"/>
           </p:cNvSpPr>
@@ -2842,19 +2495,13 @@
               <a:rPr lang="it-IT"/>
               <a:t>Fare clic per modificare lo stile del titolo dello schema</a:t>
             </a:r>
-            <a:endParaRPr lang="en-US"/>
+            <a:endParaRPr lang="en-US" dirty="0"/>
           </a:p>
         </p:txBody>
       </p:sp>
       <p:sp>
         <p:nvSpPr>
-          <p:cNvPr id="3" name="Segnaposto testo 2">
-            <a:extLst>
-              <a:ext uri="{FF2B5EF4-FFF2-40B4-BE49-F238E27FC236}">
-                <a16:creationId xmlns:a16="http://schemas.microsoft.com/office/drawing/2014/main" id="{58EDAA56-B7A5-B85E-1FA3-CA56779E2BD9}"/>
-              </a:ext>
-            </a:extLst>
-          </p:cNvPr>
+          <p:cNvPr id="3" name="Text Placeholder 2"/>
           <p:cNvSpPr>
             <a:spLocks noGrp="1"/>
           </p:cNvSpPr>
@@ -2910,19 +2557,13 @@
               <a:rPr lang="it-IT"/>
               <a:t>Quinto livello</a:t>
             </a:r>
-            <a:endParaRPr lang="en-US"/>
+            <a:endParaRPr lang="en-US" dirty="0"/>
           </a:p>
         </p:txBody>
       </p:sp>
       <p:sp>
         <p:nvSpPr>
-          <p:cNvPr id="4" name="Segnaposto data 3">
-            <a:extLst>
-              <a:ext uri="{FF2B5EF4-FFF2-40B4-BE49-F238E27FC236}">
-                <a16:creationId xmlns:a16="http://schemas.microsoft.com/office/drawing/2014/main" id="{C373BEE2-EC2A-5D74-DCCD-3BA3A157BC81}"/>
-              </a:ext>
-            </a:extLst>
-          </p:cNvPr>
+          <p:cNvPr id="4" name="Date Placeholder 3"/>
           <p:cNvSpPr>
             <a:spLocks noGrp="1"/>
           </p:cNvSpPr>
@@ -2955,7 +2596,7 @@
           <a:p>
             <a:fld id="{6014689B-0DCE-4194-8205-09B15DFDD564}" type="datetimeFigureOut">
               <a:rPr lang="en-US" smtClean="0"/>
-              <a:t>7/2/2023</a:t>
+              <a:t>7/7/2023</a:t>
             </a:fld>
             <a:endParaRPr lang="en-US"/>
           </a:p>
@@ -2963,13 +2604,7 @@
       </p:sp>
       <p:sp>
         <p:nvSpPr>
-          <p:cNvPr id="5" name="Segnaposto piè di pagina 4">
-            <a:extLst>
-              <a:ext uri="{FF2B5EF4-FFF2-40B4-BE49-F238E27FC236}">
-                <a16:creationId xmlns:a16="http://schemas.microsoft.com/office/drawing/2014/main" id="{2054B1C8-4EA4-DBB6-38B0-2BD421A7ABA8}"/>
-              </a:ext>
-            </a:extLst>
-          </p:cNvPr>
+          <p:cNvPr id="5" name="Footer Placeholder 4"/>
           <p:cNvSpPr>
             <a:spLocks noGrp="1"/>
           </p:cNvSpPr>
@@ -3006,13 +2641,7 @@
       </p:sp>
       <p:sp>
         <p:nvSpPr>
-          <p:cNvPr id="6" name="Segnaposto numero diapositiva 5">
-            <a:extLst>
-              <a:ext uri="{FF2B5EF4-FFF2-40B4-BE49-F238E27FC236}">
-                <a16:creationId xmlns:a16="http://schemas.microsoft.com/office/drawing/2014/main" id="{8CAF6212-73AB-AC2E-AACC-AA8F0FEC5AB3}"/>
-              </a:ext>
-            </a:extLst>
-          </p:cNvPr>
+          <p:cNvPr id="6" name="Slide Number Placeholder 5"/>
           <p:cNvSpPr>
             <a:spLocks noGrp="1"/>
           </p:cNvSpPr>
@@ -3054,23 +2683,23 @@
     </p:spTree>
     <p:extLst>
       <p:ext uri="{BB962C8B-B14F-4D97-AF65-F5344CB8AC3E}">
-        <p14:creationId xmlns:p14="http://schemas.microsoft.com/office/powerpoint/2010/main" val="407980555"/>
+        <p14:creationId xmlns:p14="http://schemas.microsoft.com/office/powerpoint/2010/main" val="3934030894"/>
       </p:ext>
     </p:extLst>
   </p:cSld>
-  <p:clrMap bg1="lt1" tx1="dk1" bg2="lt2" tx2="dk2" accent1="accent1" accent2="accent2" accent3="accent3" accent4="accent4" accent5="accent5" accent6="accent6" hlink="hlink" folHlink="folHlink"/>
+  <p:clrMap bg1="dk1" tx1="lt1" bg2="dk2" tx2="lt2" accent1="accent1" accent2="accent2" accent3="accent3" accent4="accent4" accent5="accent5" accent6="accent6" hlink="hlink" folHlink="folHlink"/>
   <p:sldLayoutIdLst>
-    <p:sldLayoutId id="2147483649" r:id="rId1"/>
-    <p:sldLayoutId id="2147483650" r:id="rId2"/>
-    <p:sldLayoutId id="2147483651" r:id="rId3"/>
-    <p:sldLayoutId id="2147483652" r:id="rId4"/>
-    <p:sldLayoutId id="2147483653" r:id="rId5"/>
-    <p:sldLayoutId id="2147483654" r:id="rId6"/>
-    <p:sldLayoutId id="2147483655" r:id="rId7"/>
-    <p:sldLayoutId id="2147483656" r:id="rId8"/>
-    <p:sldLayoutId id="2147483657" r:id="rId9"/>
-    <p:sldLayoutId id="2147483658" r:id="rId10"/>
-    <p:sldLayoutId id="2147483659" r:id="rId11"/>
+    <p:sldLayoutId id="2147483757" r:id="rId1"/>
+    <p:sldLayoutId id="2147483758" r:id="rId2"/>
+    <p:sldLayoutId id="2147483759" r:id="rId3"/>
+    <p:sldLayoutId id="2147483760" r:id="rId4"/>
+    <p:sldLayoutId id="2147483761" r:id="rId5"/>
+    <p:sldLayoutId id="2147483762" r:id="rId6"/>
+    <p:sldLayoutId id="2147483763" r:id="rId7"/>
+    <p:sldLayoutId id="2147483764" r:id="rId8"/>
+    <p:sldLayoutId id="2147483765" r:id="rId9"/>
+    <p:sldLayoutId id="2147483766" r:id="rId10"/>
+    <p:sldLayoutId id="2147483767" r:id="rId11"/>
   </p:sldLayoutIdLst>
   <p:txStyles>
     <p:titleStyle>
@@ -3458,7 +3087,7 @@
           <a:lstStyle/>
           <a:p>
             <a:r>
-              <a:rPr lang="en-US" dirty="0">
+              <a:rPr lang="en-US">
                 <a:solidFill>
                   <a:srgbClr val="C7D5E0"/>
                 </a:solidFill>
@@ -3470,35 +3099,22 @@
           </a:p>
           <a:p>
             <a:r>
-              <a:rPr lang="en-US" dirty="0">
+              <a:rPr lang="en-US">
                 <a:solidFill>
                   <a:srgbClr val="C7D5E0"/>
                 </a:solidFill>
                 <a:latin typeface="+mj-lt"/>
                 <a:cs typeface="Arial" panose="020B0604020202020204" pitchFamily="34" charset="0"/>
               </a:rPr>
-              <a:t>Marco </a:t>
-            </a:r>
-            <a:r>
-              <a:rPr lang="en-US" dirty="0" err="1">
-                <a:solidFill>
-                  <a:srgbClr val="C7D5E0"/>
-                </a:solidFill>
-                <a:latin typeface="+mj-lt"/>
-                <a:cs typeface="Arial" panose="020B0604020202020204" pitchFamily="34" charset="0"/>
-              </a:rPr>
-              <a:t>Morandi</a:t>
-            </a:r>
-            <a:r>
-              <a:rPr lang="en-US" dirty="0">
-                <a:solidFill>
-                  <a:srgbClr val="C7D5E0"/>
-                </a:solidFill>
-                <a:latin typeface="+mj-lt"/>
-                <a:cs typeface="Arial" panose="020B0604020202020204" pitchFamily="34" charset="0"/>
-              </a:rPr>
-              <a:t> 966631</a:t>
-            </a:r>
+              <a:t>Marco Morandi 966631</a:t>
+            </a:r>
+            <a:endParaRPr lang="en-US" dirty="0">
+              <a:solidFill>
+                <a:srgbClr val="C7D5E0"/>
+              </a:solidFill>
+              <a:latin typeface="+mj-lt"/>
+              <a:cs typeface="Arial" panose="020B0604020202020204" pitchFamily="34" charset="0"/>
+            </a:endParaRPr>
           </a:p>
         </p:txBody>
       </p:sp>
@@ -3531,7 +3147,7 @@
           <a:lstStyle/>
           <a:p>
             <a:r>
-              <a:rPr lang="en-US" sz="2800" dirty="0">
+              <a:rPr lang="en-US" sz="2800">
                 <a:solidFill>
                   <a:srgbClr val="C7D5E0"/>
                 </a:solidFill>
@@ -3541,7 +3157,7 @@
               <a:t>Analysis of </a:t>
             </a:r>
             <a:r>
-              <a:rPr lang="en-US" sz="2800" dirty="0">
+              <a:rPr lang="en-US" sz="2800">
                 <a:solidFill>
                   <a:srgbClr val="66C0F4"/>
                 </a:solidFill>
@@ -3551,7 +3167,7 @@
               <a:t>VALVE</a:t>
             </a:r>
             <a:r>
-              <a:rPr lang="en-US" sz="2800" dirty="0">
+              <a:rPr lang="en-US" sz="2800">
                 <a:solidFill>
                   <a:srgbClr val="C7D5E0"/>
                 </a:solidFill>
@@ -3563,7 +3179,7 @@
           </a:p>
           <a:p>
             <a:r>
-              <a:rPr lang="en-US" sz="2800" dirty="0">
+              <a:rPr lang="en-US" sz="2800">
                 <a:solidFill>
                   <a:srgbClr val="C7D5E0"/>
                 </a:solidFill>
@@ -3575,7 +3191,7 @@
           </a:p>
           <a:p>
             <a:r>
-              <a:rPr lang="en-US" sz="6000" b="1" dirty="0">
+              <a:rPr lang="en-US" sz="6000" b="1">
                 <a:solidFill>
                   <a:srgbClr val="66C0F4"/>
                 </a:solidFill>
@@ -3585,7 +3201,7 @@
               <a:t>S</a:t>
             </a:r>
             <a:r>
-              <a:rPr lang="en-US" sz="2800" b="1" dirty="0">
+              <a:rPr lang="en-US" sz="2800" b="1">
                 <a:solidFill>
                   <a:srgbClr val="66C0F4"/>
                 </a:solidFill>
@@ -3595,7 +3211,7 @@
               <a:t> </a:t>
             </a:r>
             <a:r>
-              <a:rPr lang="en-US" sz="6000" b="1" dirty="0">
+              <a:rPr lang="en-US" sz="6000" b="1">
                 <a:solidFill>
                   <a:srgbClr val="66C0F4"/>
                 </a:solidFill>
@@ -3605,7 +3221,7 @@
               <a:t>T</a:t>
             </a:r>
             <a:r>
-              <a:rPr lang="en-US" sz="2800" b="1" dirty="0">
+              <a:rPr lang="en-US" sz="2800" b="1">
                 <a:solidFill>
                   <a:srgbClr val="66C0F4"/>
                 </a:solidFill>
@@ -3615,7 +3231,7 @@
               <a:t> </a:t>
             </a:r>
             <a:r>
-              <a:rPr lang="en-US" sz="6000" b="1" dirty="0">
+              <a:rPr lang="en-US" sz="6000" b="1">
                 <a:solidFill>
                   <a:srgbClr val="66C0F4"/>
                 </a:solidFill>
@@ -3625,7 +3241,7 @@
               <a:t>E</a:t>
             </a:r>
             <a:r>
-              <a:rPr lang="en-US" sz="2800" b="1" dirty="0">
+              <a:rPr lang="en-US" sz="2800" b="1">
                 <a:solidFill>
                   <a:srgbClr val="66C0F4"/>
                 </a:solidFill>
@@ -3635,7 +3251,7 @@
               <a:t> </a:t>
             </a:r>
             <a:r>
-              <a:rPr lang="en-US" sz="6000" b="1" dirty="0">
+              <a:rPr lang="en-US" sz="6000" b="1">
                 <a:solidFill>
                   <a:srgbClr val="66C0F4"/>
                 </a:solidFill>
@@ -3645,7 +3261,7 @@
               <a:t>A</a:t>
             </a:r>
             <a:r>
-              <a:rPr lang="en-US" sz="2800" b="1" dirty="0">
+              <a:rPr lang="en-US" sz="2800" b="1">
                 <a:solidFill>
                   <a:srgbClr val="66C0F4"/>
                 </a:solidFill>
@@ -3655,7 +3271,7 @@
               <a:t> </a:t>
             </a:r>
             <a:r>
-              <a:rPr lang="en-US" sz="6000" b="1" dirty="0">
+              <a:rPr lang="en-US" sz="6000" b="1">
                 <a:solidFill>
                   <a:srgbClr val="66C0F4"/>
                 </a:solidFill>
@@ -3664,6 +3280,13 @@
               </a:rPr>
               <a:t>M</a:t>
             </a:r>
+            <a:endParaRPr lang="en-US" sz="6000" b="1" dirty="0">
+              <a:solidFill>
+                <a:srgbClr val="66C0F4"/>
+              </a:solidFill>
+              <a:latin typeface="Arial" panose="020B0604020202020204" pitchFamily="34" charset="0"/>
+              <a:cs typeface="Arial" panose="020B0604020202020204" pitchFamily="34" charset="0"/>
+            </a:endParaRPr>
           </a:p>
         </p:txBody>
       </p:sp>
@@ -4043,7 +3666,7 @@
             <a:r>
               <a:rPr lang="en-US" sz="2000" dirty="0" err="1">
                 <a:solidFill>
-                  <a:srgbClr val="C7D5E0"/>
+                  <a:srgbClr val="66C0F4"/>
                 </a:solidFill>
               </a:rPr>
               <a:t>acquisti</a:t>
@@ -4051,10 +3674,18 @@
             <a:r>
               <a:rPr lang="en-US" sz="2000" dirty="0">
                 <a:solidFill>
-                  <a:srgbClr val="C7D5E0"/>
-                </a:solidFill>
-              </a:rPr>
-              <a:t> di VG per </a:t>
+                  <a:srgbClr val="66C0F4"/>
+                </a:solidFill>
+              </a:rPr>
+              <a:t> </a:t>
+            </a:r>
+            <a:r>
+              <a:rPr lang="en-US" sz="2000" dirty="0">
+                <a:solidFill>
+                  <a:srgbClr val="C7D5E0"/>
+                </a:solidFill>
+              </a:rPr>
+              <a:t>di VG per </a:t>
             </a:r>
             <a:r>
               <a:rPr lang="en-US" sz="2000" dirty="0" err="1">
@@ -4107,7 +3738,7 @@
             <a:r>
               <a:rPr lang="en-US" sz="2000" dirty="0" err="1">
                 <a:solidFill>
-                  <a:srgbClr val="C7D5E0"/>
+                  <a:srgbClr val="66C0F4"/>
                 </a:solidFill>
               </a:rPr>
               <a:t>socialita</a:t>
@@ -4115,10 +3746,18 @@
             <a:r>
               <a:rPr lang="en-US" sz="2000" dirty="0">
                 <a:solidFill>
-                  <a:srgbClr val="C7D5E0"/>
-                </a:solidFill>
-              </a:rPr>
-              <a:t>’ del </a:t>
+                  <a:srgbClr val="66C0F4"/>
+                </a:solidFill>
+              </a:rPr>
+              <a:t>’</a:t>
+            </a:r>
+            <a:r>
+              <a:rPr lang="en-US" sz="2000" dirty="0">
+                <a:solidFill>
+                  <a:srgbClr val="C7D5E0"/>
+                </a:solidFill>
+              </a:rPr>
+              <a:t> del </a:t>
             </a:r>
             <a:r>
               <a:rPr lang="en-US" sz="2000" dirty="0" err="1">
@@ -4474,7 +4113,7 @@
             <a:r>
               <a:rPr lang="en-US" sz="2000" dirty="0" err="1">
                 <a:solidFill>
-                  <a:srgbClr val="C7D5E0"/>
+                  <a:srgbClr val="66C0F4"/>
                 </a:solidFill>
               </a:rPr>
               <a:t>uniformemente</a:t>
@@ -4482,7 +4121,7 @@
             <a:r>
               <a:rPr lang="en-US" sz="2000" dirty="0">
                 <a:solidFill>
-                  <a:srgbClr val="C7D5E0"/>
+                  <a:srgbClr val="66C0F4"/>
                 </a:solidFill>
               </a:rPr>
               <a:t> </a:t>
@@ -4548,7 +4187,15 @@
                   <a:srgbClr val="C7D5E0"/>
                 </a:solidFill>
               </a:rPr>
-              <a:t> un leggero </a:t>
+              <a:t> un </a:t>
+            </a:r>
+            <a:r>
+              <a:rPr lang="en-US" sz="2000" dirty="0">
+                <a:solidFill>
+                  <a:srgbClr val="66C0F4"/>
+                </a:solidFill>
+              </a:rPr>
+              <a:t>leggero </a:t>
             </a:r>
             <a:r>
               <a:rPr lang="en-US" sz="2000" dirty="0" err="1">
@@ -4715,7 +4362,23 @@
                   <a:srgbClr val="C7D5E0"/>
                 </a:solidFill>
               </a:rPr>
-              <a:t> un leggero </a:t>
+              <a:t> un </a:t>
+            </a:r>
+            <a:r>
+              <a:rPr lang="en-US" sz="2000" dirty="0">
+                <a:solidFill>
+                  <a:srgbClr val="66C0F4"/>
+                </a:solidFill>
+              </a:rPr>
+              <a:t>leggero</a:t>
+            </a:r>
+            <a:r>
+              <a:rPr lang="en-US" sz="2000" dirty="0">
+                <a:solidFill>
+                  <a:srgbClr val="C7D5E0"/>
+                </a:solidFill>
+              </a:rPr>
+              <a:t> </a:t>
             </a:r>
             <a:r>
               <a:rPr lang="en-US" sz="2000" dirty="0" err="1">
@@ -4948,14 +4611,303 @@
         </p:blipFill>
         <p:spPr>
           <a:xfrm>
-            <a:off x="5501628" y="1234435"/>
-            <a:ext cx="5852172" cy="4389129"/>
+            <a:off x="5089066" y="937577"/>
+            <a:ext cx="6828385" cy="5121289"/>
           </a:xfrm>
           <a:prstGeom prst="rect">
             <a:avLst/>
           </a:prstGeom>
         </p:spPr>
       </p:pic>
+      <p:sp>
+        <p:nvSpPr>
+          <p:cNvPr id="2" name="CasellaDiTesto 1">
+            <a:extLst>
+              <a:ext uri="{FF2B5EF4-FFF2-40B4-BE49-F238E27FC236}">
+                <a16:creationId xmlns:a16="http://schemas.microsoft.com/office/drawing/2014/main" id="{04F23BD1-3321-203C-CBC7-DE843A72AA59}"/>
+              </a:ext>
+            </a:extLst>
+          </p:cNvPr>
+          <p:cNvSpPr txBox="1"/>
+          <p:nvPr/>
+        </p:nvSpPr>
+        <p:spPr>
+          <a:xfrm>
+            <a:off x="274549" y="2205560"/>
+            <a:ext cx="4119495" cy="2585323"/>
+          </a:xfrm>
+          <a:prstGeom prst="rect">
+            <a:avLst/>
+          </a:prstGeom>
+          <a:noFill/>
+        </p:spPr>
+        <p:txBody>
+          <a:bodyPr wrap="square" rtlCol="0">
+            <a:spAutoFit/>
+          </a:bodyPr>
+          <a:lstStyle/>
+          <a:p>
+            <a:r>
+              <a:rPr lang="en-US" dirty="0" err="1">
+                <a:solidFill>
+                  <a:srgbClr val="C7D5E0"/>
+                </a:solidFill>
+              </a:rPr>
+              <a:t>Notiamo</a:t>
+            </a:r>
+            <a:r>
+              <a:rPr lang="en-US" dirty="0">
+                <a:solidFill>
+                  <a:srgbClr val="C7D5E0"/>
+                </a:solidFill>
+              </a:rPr>
+              <a:t> </a:t>
+            </a:r>
+            <a:r>
+              <a:rPr lang="en-US" dirty="0" err="1">
+                <a:solidFill>
+                  <a:srgbClr val="C7D5E0"/>
+                </a:solidFill>
+              </a:rPr>
+              <a:t>che</a:t>
+            </a:r>
+            <a:r>
+              <a:rPr lang="en-US" dirty="0">
+                <a:solidFill>
+                  <a:srgbClr val="C7D5E0"/>
+                </a:solidFill>
+              </a:rPr>
+              <a:t> </a:t>
+            </a:r>
+            <a:r>
+              <a:rPr lang="en-US" dirty="0" err="1">
+                <a:solidFill>
+                  <a:srgbClr val="C7D5E0"/>
+                </a:solidFill>
+              </a:rPr>
+              <a:t>tra</a:t>
+            </a:r>
+            <a:r>
+              <a:rPr lang="en-US" dirty="0">
+                <a:solidFill>
+                  <a:srgbClr val="C7D5E0"/>
+                </a:solidFill>
+              </a:rPr>
+              <a:t> I </a:t>
+            </a:r>
+            <a:r>
+              <a:rPr lang="en-US" dirty="0" err="1">
+                <a:solidFill>
+                  <a:srgbClr val="C7D5E0"/>
+                </a:solidFill>
+              </a:rPr>
+              <a:t>generi</a:t>
+            </a:r>
+            <a:r>
+              <a:rPr lang="en-US" dirty="0">
+                <a:solidFill>
+                  <a:srgbClr val="C7D5E0"/>
+                </a:solidFill>
+              </a:rPr>
+              <a:t> piu’ </a:t>
+            </a:r>
+            <a:r>
+              <a:rPr lang="en-US" dirty="0" err="1">
+                <a:solidFill>
+                  <a:srgbClr val="C7D5E0"/>
+                </a:solidFill>
+              </a:rPr>
+              <a:t>popolari</a:t>
+            </a:r>
+            <a:r>
+              <a:rPr lang="en-US" dirty="0">
+                <a:solidFill>
+                  <a:srgbClr val="C7D5E0"/>
+                </a:solidFill>
+              </a:rPr>
+              <a:t> </a:t>
+            </a:r>
+            <a:r>
+              <a:rPr lang="en-US" dirty="0" err="1">
+                <a:solidFill>
+                  <a:srgbClr val="C7D5E0"/>
+                </a:solidFill>
+              </a:rPr>
+              <a:t>figurano</a:t>
+            </a:r>
+            <a:r>
+              <a:rPr lang="en-US" dirty="0">
+                <a:solidFill>
+                  <a:srgbClr val="C7D5E0"/>
+                </a:solidFill>
+              </a:rPr>
+              <a:t>:</a:t>
+            </a:r>
+          </a:p>
+          <a:p>
+            <a:endParaRPr lang="en-US" dirty="0">
+              <a:solidFill>
+                <a:srgbClr val="C7D5E0"/>
+              </a:solidFill>
+            </a:endParaRPr>
+          </a:p>
+          <a:p>
+            <a:pPr marL="285750" indent="-285750">
+              <a:buFont typeface="Arial" panose="020B0604020202020204" pitchFamily="34" charset="0"/>
+              <a:buChar char="•"/>
+            </a:pPr>
+            <a:r>
+              <a:rPr lang="en-US" dirty="0">
+                <a:solidFill>
+                  <a:srgbClr val="66C0F4"/>
+                </a:solidFill>
+              </a:rPr>
+              <a:t>Action</a:t>
+            </a:r>
+          </a:p>
+          <a:p>
+            <a:pPr marL="285750" indent="-285750">
+              <a:buFont typeface="Arial" panose="020B0604020202020204" pitchFamily="34" charset="0"/>
+              <a:buChar char="•"/>
+            </a:pPr>
+            <a:r>
+              <a:rPr lang="en-US" dirty="0">
+                <a:solidFill>
+                  <a:srgbClr val="66C0F4"/>
+                </a:solidFill>
+              </a:rPr>
+              <a:t>Simulator</a:t>
+            </a:r>
+          </a:p>
+          <a:p>
+            <a:pPr marL="285750" indent="-285750">
+              <a:buFont typeface="Arial" panose="020B0604020202020204" pitchFamily="34" charset="0"/>
+              <a:buChar char="•"/>
+            </a:pPr>
+            <a:r>
+              <a:rPr lang="en-US" dirty="0">
+                <a:solidFill>
+                  <a:srgbClr val="66C0F4"/>
+                </a:solidFill>
+              </a:rPr>
+              <a:t>Casual</a:t>
+            </a:r>
+          </a:p>
+          <a:p>
+            <a:endParaRPr lang="en-US" dirty="0">
+              <a:solidFill>
+                <a:srgbClr val="C7D5E0"/>
+              </a:solidFill>
+            </a:endParaRPr>
+          </a:p>
+          <a:p>
+            <a:r>
+              <a:rPr lang="en-US" dirty="0">
+                <a:solidFill>
+                  <a:srgbClr val="C7D5E0"/>
+                </a:solidFill>
+              </a:rPr>
+              <a:t>Uno di </a:t>
+            </a:r>
+            <a:r>
+              <a:rPr lang="en-US" dirty="0" err="1">
+                <a:solidFill>
+                  <a:srgbClr val="C7D5E0"/>
+                </a:solidFill>
+              </a:rPr>
+              <a:t>questi</a:t>
+            </a:r>
+            <a:r>
+              <a:rPr lang="en-US" dirty="0">
+                <a:solidFill>
+                  <a:srgbClr val="C7D5E0"/>
+                </a:solidFill>
+              </a:rPr>
+              <a:t> sara’ </a:t>
+            </a:r>
+            <a:r>
+              <a:rPr lang="en-US" dirty="0" err="1">
+                <a:solidFill>
+                  <a:srgbClr val="C7D5E0"/>
+                </a:solidFill>
+              </a:rPr>
+              <a:t>quindi</a:t>
+            </a:r>
+            <a:r>
+              <a:rPr lang="en-US" dirty="0">
+                <a:solidFill>
+                  <a:srgbClr val="C7D5E0"/>
+                </a:solidFill>
+              </a:rPr>
+              <a:t> </a:t>
+            </a:r>
+            <a:r>
+              <a:rPr lang="en-US" dirty="0" err="1">
+                <a:solidFill>
+                  <a:srgbClr val="C7D5E0"/>
+                </a:solidFill>
+              </a:rPr>
+              <a:t>probabilmente</a:t>
+            </a:r>
+            <a:r>
+              <a:rPr lang="en-US" dirty="0">
+                <a:solidFill>
+                  <a:srgbClr val="C7D5E0"/>
+                </a:solidFill>
+              </a:rPr>
+              <a:t> il </a:t>
+            </a:r>
+            <a:r>
+              <a:rPr lang="en-US" dirty="0" err="1">
+                <a:solidFill>
+                  <a:srgbClr val="C7D5E0"/>
+                </a:solidFill>
+              </a:rPr>
+              <a:t>genere</a:t>
+            </a:r>
+            <a:r>
+              <a:rPr lang="en-US" dirty="0">
+                <a:solidFill>
+                  <a:srgbClr val="C7D5E0"/>
+                </a:solidFill>
+              </a:rPr>
+              <a:t> con il </a:t>
+            </a:r>
+            <a:r>
+              <a:rPr lang="en-US" dirty="0" err="1">
+                <a:solidFill>
+                  <a:srgbClr val="C7D5E0"/>
+                </a:solidFill>
+              </a:rPr>
+              <a:t>successo</a:t>
+            </a:r>
+            <a:r>
+              <a:rPr lang="en-US" dirty="0">
+                <a:solidFill>
+                  <a:srgbClr val="C7D5E0"/>
+                </a:solidFill>
+              </a:rPr>
+              <a:t> </a:t>
+            </a:r>
+            <a:r>
+              <a:rPr lang="en-US" dirty="0" err="1">
+                <a:solidFill>
+                  <a:srgbClr val="66C0F4"/>
+                </a:solidFill>
+              </a:rPr>
+              <a:t>maggiore</a:t>
+            </a:r>
+            <a:r>
+              <a:rPr lang="en-US" dirty="0">
+                <a:solidFill>
+                  <a:srgbClr val="C7D5E0"/>
+                </a:solidFill>
+              </a:rPr>
+              <a:t>.</a:t>
+            </a:r>
+          </a:p>
+        </p:txBody>
+      </p:sp>
     </p:spTree>
     <p:extLst>
       <p:ext uri="{BB962C8B-B14F-4D97-AF65-F5344CB8AC3E}">
@@ -5323,8 +5275,8 @@
         </p:nvSpPr>
         <p:spPr>
           <a:xfrm>
-            <a:off x="274549" y="2405128"/>
-            <a:ext cx="3051756" cy="2047741"/>
+            <a:off x="274549" y="1803357"/>
+            <a:ext cx="4258540" cy="3251284"/>
           </a:xfrm>
           <a:prstGeom prst="rect">
             <a:avLst/>
@@ -5332,7 +5284,7 @@
         </p:spPr>
         <p:txBody>
           <a:bodyPr vert="horz" lIns="91440" tIns="45720" rIns="91440" bIns="45720" rtlCol="0">
-            <a:normAutofit fontScale="70000" lnSpcReduction="20000"/>
+            <a:normAutofit/>
           </a:bodyPr>
           <a:lstStyle>
             <a:lvl1pPr marL="228600" indent="-228600" algn="l" defTabSz="914400" rtl="0" eaLnBrk="1" latinLnBrk="0" hangingPunct="1">
@@ -5506,7 +5458,7 @@
               <a:buNone/>
             </a:pPr>
             <a:r>
-              <a:rPr lang="en-US" sz="2000" dirty="0">
+              <a:rPr lang="en-US" sz="1600" dirty="0">
                 <a:solidFill>
                   <a:srgbClr val="C7D5E0"/>
                 </a:solidFill>
@@ -5514,7 +5466,7 @@
               <a:t>Il </a:t>
             </a:r>
             <a:r>
-              <a:rPr lang="en-US" sz="2000" dirty="0" err="1">
+              <a:rPr lang="en-US" sz="1600" dirty="0" err="1">
                 <a:solidFill>
                   <a:srgbClr val="C7D5E0"/>
                 </a:solidFill>
@@ -5522,15 +5474,15 @@
               <a:t>grafico</a:t>
             </a:r>
             <a:r>
-              <a:rPr lang="en-US" sz="2000" dirty="0">
-                <a:solidFill>
-                  <a:srgbClr val="C7D5E0"/>
-                </a:solidFill>
-              </a:rPr>
-              <a:t> </a:t>
-            </a:r>
-            <a:r>
-              <a:rPr lang="en-US" sz="2000" dirty="0" err="1">
+              <a:rPr lang="en-US" sz="1600" dirty="0">
+                <a:solidFill>
+                  <a:srgbClr val="C7D5E0"/>
+                </a:solidFill>
+              </a:rPr>
+              <a:t> </a:t>
+            </a:r>
+            <a:r>
+              <a:rPr lang="en-US" sz="1600" dirty="0" err="1">
                 <a:solidFill>
                   <a:srgbClr val="C7D5E0"/>
                 </a:solidFill>
@@ -5538,7 +5490,7 @@
               <a:t>mostra</a:t>
             </a:r>
             <a:r>
-              <a:rPr lang="en-US" sz="2000" dirty="0">
+              <a:rPr lang="en-US" sz="1600" dirty="0">
                 <a:solidFill>
                   <a:srgbClr val="C7D5E0"/>
                 </a:solidFill>
@@ -5546,7 +5498,7 @@
               <a:t> la </a:t>
             </a:r>
             <a:r>
-              <a:rPr lang="en-US" sz="2000" dirty="0" err="1">
+              <a:rPr lang="en-US" sz="1600" dirty="0" err="1">
                 <a:solidFill>
                   <a:srgbClr val="C7D5E0"/>
                 </a:solidFill>
@@ -5554,7 +5506,7 @@
               <a:t>distribuzione</a:t>
             </a:r>
             <a:r>
-              <a:rPr lang="en-US" sz="2000" dirty="0">
+              <a:rPr lang="en-US" sz="1600" dirty="0">
                 <a:solidFill>
                   <a:srgbClr val="C7D5E0"/>
                 </a:solidFill>
@@ -5562,7 +5514,7 @@
               <a:t> del </a:t>
             </a:r>
             <a:r>
-              <a:rPr lang="en-US" sz="2000" dirty="0" err="1">
+              <a:rPr lang="en-US" sz="1600" dirty="0" err="1">
                 <a:solidFill>
                   <a:srgbClr val="C7D5E0"/>
                 </a:solidFill>
@@ -5570,7 +5522,7 @@
               <a:t>numero</a:t>
             </a:r>
             <a:r>
-              <a:rPr lang="en-US" sz="2000" dirty="0">
+              <a:rPr lang="en-US" sz="1600" dirty="0">
                 <a:solidFill>
                   <a:srgbClr val="C7D5E0"/>
                 </a:solidFill>
@@ -5578,7 +5530,7 @@
               <a:t> di </a:t>
             </a:r>
             <a:r>
-              <a:rPr lang="en-US" sz="2000" dirty="0" err="1">
+              <a:rPr lang="en-US" sz="1600" dirty="0" err="1">
                 <a:solidFill>
                   <a:srgbClr val="C7D5E0"/>
                 </a:solidFill>
@@ -5586,7 +5538,7 @@
               <a:t>acquisti</a:t>
             </a:r>
             <a:r>
-              <a:rPr lang="en-US" sz="2000" dirty="0">
+              <a:rPr lang="en-US" sz="1600" dirty="0">
                 <a:solidFill>
                   <a:srgbClr val="C7D5E0"/>
                 </a:solidFill>
@@ -5594,7 +5546,7 @@
               <a:t> per </a:t>
             </a:r>
             <a:r>
-              <a:rPr lang="en-US" sz="2000" dirty="0" err="1">
+              <a:rPr lang="en-US" sz="1600" dirty="0" err="1">
                 <a:solidFill>
                   <a:srgbClr val="C7D5E0"/>
                 </a:solidFill>
@@ -5602,15 +5554,15 @@
               <a:t>Videogiochi</a:t>
             </a:r>
             <a:r>
-              <a:rPr lang="en-US" sz="2000" dirty="0">
-                <a:solidFill>
-                  <a:srgbClr val="C7D5E0"/>
-                </a:solidFill>
-              </a:rPr>
-              <a:t> </a:t>
-            </a:r>
-            <a:r>
-              <a:rPr lang="en-US" sz="2000" dirty="0" err="1">
+              <a:rPr lang="en-US" sz="1600" dirty="0">
+                <a:solidFill>
+                  <a:srgbClr val="C7D5E0"/>
+                </a:solidFill>
+              </a:rPr>
+              <a:t> </a:t>
+            </a:r>
+            <a:r>
+              <a:rPr lang="en-US" sz="1600" dirty="0" err="1">
                 <a:solidFill>
                   <a:srgbClr val="C7D5E0"/>
                 </a:solidFill>
@@ -5618,7 +5570,7 @@
               <a:t>delle</a:t>
             </a:r>
             <a:r>
-              <a:rPr lang="en-US" sz="2000" dirty="0">
+              <a:rPr lang="en-US" sz="1600" dirty="0">
                 <a:solidFill>
                   <a:srgbClr val="C7D5E0"/>
                 </a:solidFill>
@@ -5626,7 +5578,7 @@
               <a:t> due diverse </a:t>
             </a:r>
             <a:r>
-              <a:rPr lang="en-US" sz="2000" dirty="0" err="1">
+              <a:rPr lang="en-US" sz="1600" dirty="0" err="1">
                 <a:solidFill>
                   <a:srgbClr val="C7D5E0"/>
                 </a:solidFill>
@@ -5634,15 +5586,15 @@
               <a:t>categorie</a:t>
             </a:r>
             <a:r>
-              <a:rPr lang="en-US" sz="2000" dirty="0">
-                <a:solidFill>
-                  <a:srgbClr val="C7D5E0"/>
-                </a:solidFill>
-              </a:rPr>
-              <a:t> </a:t>
-            </a:r>
-            <a:r>
-              <a:rPr lang="en-US" sz="2000" dirty="0" err="1">
+              <a:rPr lang="en-US" sz="1600" dirty="0">
+                <a:solidFill>
+                  <a:srgbClr val="C7D5E0"/>
+                </a:solidFill>
+              </a:rPr>
+              <a:t> </a:t>
+            </a:r>
+            <a:r>
+              <a:rPr lang="en-US" sz="1600" dirty="0" err="1">
                 <a:solidFill>
                   <a:srgbClr val="C7D5E0"/>
                 </a:solidFill>
@@ -5650,7 +5602,7 @@
               <a:t>FreeToPlay</a:t>
             </a:r>
             <a:r>
-              <a:rPr lang="en-US" sz="2000" dirty="0">
+              <a:rPr lang="en-US" sz="1600" dirty="0">
                 <a:solidFill>
                   <a:srgbClr val="C7D5E0"/>
                 </a:solidFill>
@@ -5658,7 +5610,7 @@
               <a:t> (F2P) e </a:t>
             </a:r>
             <a:r>
-              <a:rPr lang="en-US" sz="2000" dirty="0" err="1">
+              <a:rPr lang="en-US" sz="1600" dirty="0" err="1">
                 <a:solidFill>
                   <a:srgbClr val="C7D5E0"/>
                 </a:solidFill>
@@ -5666,7 +5618,7 @@
               <a:t>PayToPlay</a:t>
             </a:r>
             <a:r>
-              <a:rPr lang="en-US" sz="2000" dirty="0">
+              <a:rPr lang="en-US" sz="1600" dirty="0">
                 <a:solidFill>
                   <a:srgbClr val="C7D5E0"/>
                 </a:solidFill>
@@ -5681,7 +5633,7 @@
               </a:buClr>
             </a:pPr>
             <a:r>
-              <a:rPr lang="en-US" sz="2000" dirty="0" err="1">
+              <a:rPr lang="en-US" sz="1600" dirty="0" err="1">
                 <a:solidFill>
                   <a:srgbClr val="C7D5E0"/>
                 </a:solidFill>
@@ -5689,15 +5641,15 @@
               <a:t>Crescita</a:t>
             </a:r>
             <a:r>
-              <a:rPr lang="en-US" sz="2000" dirty="0">
-                <a:solidFill>
-                  <a:srgbClr val="C7D5E0"/>
-                </a:solidFill>
-              </a:rPr>
-              <a:t> </a:t>
-            </a:r>
-            <a:r>
-              <a:rPr lang="en-US" sz="2000" dirty="0" err="1">
+              <a:rPr lang="en-US" sz="1600" dirty="0">
+                <a:solidFill>
+                  <a:srgbClr val="C7D5E0"/>
+                </a:solidFill>
+              </a:rPr>
+              <a:t> </a:t>
+            </a:r>
+            <a:r>
+              <a:rPr lang="en-US" sz="1600" dirty="0" err="1">
                 <a:solidFill>
                   <a:srgbClr val="C7D5E0"/>
                 </a:solidFill>
@@ -5705,7 +5657,7 @@
               <a:t>della</a:t>
             </a:r>
             <a:r>
-              <a:rPr lang="en-US" sz="2000" dirty="0">
+              <a:rPr lang="en-US" sz="1600" dirty="0">
                 <a:solidFill>
                   <a:srgbClr val="C7D5E0"/>
                 </a:solidFill>
@@ -5713,7 +5665,7 @@
               <a:t> fetta di </a:t>
             </a:r>
             <a:r>
-              <a:rPr lang="en-US" sz="2000" dirty="0" err="1">
+              <a:rPr lang="en-US" sz="1600" dirty="0" err="1">
                 <a:solidFill>
                   <a:srgbClr val="C7D5E0"/>
                 </a:solidFill>
@@ -5721,15 +5673,15 @@
               <a:t>mercato</a:t>
             </a:r>
             <a:r>
-              <a:rPr lang="en-US" sz="2000" dirty="0">
-                <a:solidFill>
-                  <a:srgbClr val="C7D5E0"/>
-                </a:solidFill>
-              </a:rPr>
-              <a:t> </a:t>
-            </a:r>
-            <a:r>
-              <a:rPr lang="en-US" sz="2000" dirty="0" err="1">
+              <a:rPr lang="en-US" sz="1600" dirty="0">
+                <a:solidFill>
+                  <a:srgbClr val="C7D5E0"/>
+                </a:solidFill>
+              </a:rPr>
+              <a:t> </a:t>
+            </a:r>
+            <a:r>
+              <a:rPr lang="en-US" sz="1600" dirty="0" err="1">
                 <a:solidFill>
                   <a:srgbClr val="C7D5E0"/>
                 </a:solidFill>
@@ -5737,7 +5689,7 @@
               <a:t>dei</a:t>
             </a:r>
             <a:r>
-              <a:rPr lang="en-US" sz="2000" dirty="0">
+              <a:rPr lang="en-US" sz="1600" dirty="0">
                 <a:solidFill>
                   <a:srgbClr val="C7D5E0"/>
                 </a:solidFill>
@@ -5745,7 +5697,7 @@
               <a:t> f2p </a:t>
             </a:r>
             <a:r>
-              <a:rPr lang="en-US" sz="2000" dirty="0" err="1">
+              <a:rPr lang="en-US" sz="1600" dirty="0" err="1">
                 <a:solidFill>
                   <a:srgbClr val="C7D5E0"/>
                 </a:solidFill>
@@ -5753,15 +5705,15 @@
               <a:t>che</a:t>
             </a:r>
             <a:r>
-              <a:rPr lang="en-US" sz="2000" dirty="0">
-                <a:solidFill>
-                  <a:srgbClr val="C7D5E0"/>
-                </a:solidFill>
-              </a:rPr>
-              <a:t> </a:t>
-            </a:r>
-            <a:r>
-              <a:rPr lang="en-US" sz="2000" dirty="0" err="1">
+              <a:rPr lang="en-US" sz="1600" dirty="0">
+                <a:solidFill>
+                  <a:srgbClr val="C7D5E0"/>
+                </a:solidFill>
+              </a:rPr>
+              <a:t> </a:t>
+            </a:r>
+            <a:r>
+              <a:rPr lang="en-US" sz="1600" dirty="0" err="1">
                 <a:solidFill>
                   <a:srgbClr val="C7D5E0"/>
                 </a:solidFill>
@@ -5769,15 +5721,15 @@
               <a:t>culmina</a:t>
             </a:r>
             <a:r>
-              <a:rPr lang="en-US" sz="2000" dirty="0">
-                <a:solidFill>
-                  <a:srgbClr val="C7D5E0"/>
-                </a:solidFill>
-              </a:rPr>
-              <a:t> </a:t>
-            </a:r>
-            <a:r>
-              <a:rPr lang="en-US" sz="2000" dirty="0" err="1">
+              <a:rPr lang="en-US" sz="1600" dirty="0">
+                <a:solidFill>
+                  <a:srgbClr val="C7D5E0"/>
+                </a:solidFill>
+              </a:rPr>
+              <a:t> </a:t>
+            </a:r>
+            <a:r>
+              <a:rPr lang="en-US" sz="1600" dirty="0" err="1">
                 <a:solidFill>
                   <a:srgbClr val="C7D5E0"/>
                 </a:solidFill>
@@ -5785,7 +5737,7 @@
               <a:t>nel</a:t>
             </a:r>
             <a:r>
-              <a:rPr lang="en-US" sz="2000" dirty="0">
+              <a:rPr lang="en-US" sz="1600" dirty="0">
                 <a:solidFill>
                   <a:srgbClr val="C7D5E0"/>
                 </a:solidFill>
@@ -5793,7 +5745,7 @@
               <a:t> 2018 con </a:t>
             </a:r>
             <a:r>
-              <a:rPr lang="en-US" sz="2000" dirty="0" err="1">
+              <a:rPr lang="en-US" sz="1600" dirty="0" err="1">
                 <a:solidFill>
                   <a:srgbClr val="C7D5E0"/>
                 </a:solidFill>
@@ -5801,7 +5753,7 @@
               <a:t>l’uscita</a:t>
             </a:r>
             <a:r>
-              <a:rPr lang="en-US" sz="2000" dirty="0">
+              <a:rPr lang="en-US" sz="1600" dirty="0">
                 <a:solidFill>
                   <a:srgbClr val="C7D5E0"/>
                 </a:solidFill>
@@ -5809,7 +5761,7 @@
               <a:t> di </a:t>
             </a:r>
             <a:r>
-              <a:rPr lang="en-US" sz="2000" dirty="0">
+              <a:rPr lang="en-US" sz="1600" dirty="0">
                 <a:solidFill>
                   <a:srgbClr val="66C0F4"/>
                 </a:solidFill>
@@ -5824,7 +5776,7 @@
               </a:buClr>
             </a:pPr>
             <a:r>
-              <a:rPr lang="en-US" sz="2000" dirty="0" err="1">
+              <a:rPr lang="en-US" sz="1600" dirty="0" err="1">
                 <a:solidFill>
                   <a:srgbClr val="C7D5E0"/>
                 </a:solidFill>
@@ -5832,7 +5784,7 @@
               <a:t>Inizio</a:t>
             </a:r>
             <a:r>
-              <a:rPr lang="en-US" sz="2000" dirty="0">
+              <a:rPr lang="en-US" sz="1600" dirty="0">
                 <a:solidFill>
                   <a:srgbClr val="C7D5E0"/>
                 </a:solidFill>
@@ -5840,7 +5792,7 @@
               <a:t> del </a:t>
             </a:r>
             <a:r>
-              <a:rPr lang="en-US" sz="2000" dirty="0" err="1">
+              <a:rPr lang="en-US" sz="1600" dirty="0" err="1">
                 <a:solidFill>
                   <a:srgbClr val="C7D5E0"/>
                 </a:solidFill>
@@ -5848,7 +5800,7 @@
               <a:t>declino</a:t>
             </a:r>
             <a:r>
-              <a:rPr lang="en-US" sz="2000" dirty="0">
+              <a:rPr lang="en-US" sz="1600" dirty="0">
                 <a:solidFill>
                   <a:srgbClr val="C7D5E0"/>
                 </a:solidFill>
@@ -5856,7 +5808,7 @@
               <a:t> con la fine del </a:t>
             </a:r>
             <a:r>
-              <a:rPr lang="en-US" sz="2000" dirty="0">
+              <a:rPr lang="en-US" sz="1600" dirty="0">
                 <a:solidFill>
                   <a:srgbClr val="66C0F4"/>
                 </a:solidFill>
@@ -5864,15 +5816,15 @@
               <a:t>Covid19</a:t>
             </a:r>
             <a:r>
-              <a:rPr lang="en-US" sz="2000" dirty="0">
-                <a:solidFill>
-                  <a:srgbClr val="C7D5E0"/>
-                </a:solidFill>
-              </a:rPr>
-              <a:t> </a:t>
-            </a:r>
-            <a:r>
-              <a:rPr lang="en-US" sz="2000" dirty="0" err="1">
+              <a:rPr lang="en-US" sz="1600" dirty="0">
+                <a:solidFill>
+                  <a:srgbClr val="C7D5E0"/>
+                </a:solidFill>
+              </a:rPr>
+              <a:t> </a:t>
+            </a:r>
+            <a:r>
+              <a:rPr lang="en-US" sz="1600" dirty="0" err="1">
                 <a:solidFill>
                   <a:srgbClr val="C7D5E0"/>
                 </a:solidFill>
@@ -5880,15 +5832,15 @@
               <a:t>dovuto</a:t>
             </a:r>
             <a:r>
-              <a:rPr lang="en-US" sz="2000" dirty="0">
-                <a:solidFill>
-                  <a:srgbClr val="C7D5E0"/>
-                </a:solidFill>
-              </a:rPr>
-              <a:t> </a:t>
-            </a:r>
-            <a:r>
-              <a:rPr lang="en-US" sz="2000" dirty="0" err="1">
+              <a:rPr lang="en-US" sz="1600" dirty="0">
+                <a:solidFill>
+                  <a:srgbClr val="C7D5E0"/>
+                </a:solidFill>
+              </a:rPr>
+              <a:t> </a:t>
+            </a:r>
+            <a:r>
+              <a:rPr lang="en-US" sz="1600" dirty="0" err="1">
                 <a:solidFill>
                   <a:srgbClr val="C7D5E0"/>
                 </a:solidFill>
@@ -5896,15 +5848,15 @@
               <a:t>alla</a:t>
             </a:r>
             <a:r>
-              <a:rPr lang="en-US" sz="2000" dirty="0">
-                <a:solidFill>
-                  <a:srgbClr val="C7D5E0"/>
-                </a:solidFill>
-              </a:rPr>
-              <a:t> </a:t>
-            </a:r>
-            <a:r>
-              <a:rPr lang="en-US" sz="2000" dirty="0" err="1">
+              <a:rPr lang="en-US" sz="1600" dirty="0">
+                <a:solidFill>
+                  <a:srgbClr val="C7D5E0"/>
+                </a:solidFill>
+              </a:rPr>
+              <a:t> </a:t>
+            </a:r>
+            <a:r>
+              <a:rPr lang="en-US" sz="1600" dirty="0" err="1">
                 <a:solidFill>
                   <a:srgbClr val="C7D5E0"/>
                 </a:solidFill>
@@ -5912,15 +5864,15 @@
               <a:t>crescente</a:t>
             </a:r>
             <a:r>
-              <a:rPr lang="en-US" sz="2000" dirty="0">
-                <a:solidFill>
-                  <a:srgbClr val="C7D5E0"/>
-                </a:solidFill>
-              </a:rPr>
-              <a:t> </a:t>
-            </a:r>
-            <a:r>
-              <a:rPr lang="en-US" sz="2000" dirty="0" err="1">
+              <a:rPr lang="en-US" sz="1600" dirty="0">
+                <a:solidFill>
+                  <a:srgbClr val="C7D5E0"/>
+                </a:solidFill>
+              </a:rPr>
+              <a:t> </a:t>
+            </a:r>
+            <a:r>
+              <a:rPr lang="en-US" sz="1600" dirty="0" err="1">
                 <a:solidFill>
                   <a:srgbClr val="C7D5E0"/>
                 </a:solidFill>
@@ -5928,15 +5880,15 @@
               <a:t>infamia</a:t>
             </a:r>
             <a:r>
-              <a:rPr lang="en-US" sz="2000" dirty="0">
-                <a:solidFill>
-                  <a:srgbClr val="C7D5E0"/>
-                </a:solidFill>
-              </a:rPr>
-              <a:t> </a:t>
-            </a:r>
-            <a:r>
-              <a:rPr lang="en-US" sz="2000" dirty="0" err="1">
+              <a:rPr lang="en-US" sz="1600" dirty="0">
+                <a:solidFill>
+                  <a:srgbClr val="C7D5E0"/>
+                </a:solidFill>
+              </a:rPr>
+              <a:t> </a:t>
+            </a:r>
+            <a:r>
+              <a:rPr lang="en-US" sz="1600" dirty="0" err="1">
                 <a:solidFill>
                   <a:srgbClr val="C7D5E0"/>
                 </a:solidFill>
@@ -5944,15 +5896,15 @@
               <a:t>della</a:t>
             </a:r>
             <a:r>
-              <a:rPr lang="en-US" sz="2000" dirty="0">
-                <a:solidFill>
-                  <a:srgbClr val="C7D5E0"/>
-                </a:solidFill>
-              </a:rPr>
-              <a:t> </a:t>
-            </a:r>
-            <a:r>
-              <a:rPr lang="en-US" sz="2000" dirty="0" err="1">
+              <a:rPr lang="en-US" sz="1600" dirty="0">
+                <a:solidFill>
+                  <a:srgbClr val="C7D5E0"/>
+                </a:solidFill>
+              </a:rPr>
+              <a:t> </a:t>
+            </a:r>
+            <a:r>
+              <a:rPr lang="en-US" sz="1600" dirty="0" err="1">
                 <a:solidFill>
                   <a:srgbClr val="C7D5E0"/>
                 </a:solidFill>
@@ -5960,15 +5912,15 @@
               <a:t>pratica</a:t>
             </a:r>
             <a:r>
-              <a:rPr lang="en-US" sz="2000" dirty="0">
-                <a:solidFill>
-                  <a:srgbClr val="C7D5E0"/>
-                </a:solidFill>
-              </a:rPr>
-              <a:t> </a:t>
-            </a:r>
-            <a:r>
-              <a:rPr lang="en-US" sz="2000" dirty="0" err="1">
+              <a:rPr lang="en-US" sz="1600" dirty="0">
+                <a:solidFill>
+                  <a:srgbClr val="C7D5E0"/>
+                </a:solidFill>
+              </a:rPr>
+              <a:t> </a:t>
+            </a:r>
+            <a:r>
+              <a:rPr lang="en-US" sz="1600" dirty="0" err="1">
                 <a:solidFill>
                   <a:srgbClr val="C7D5E0"/>
                 </a:solidFill>
@@ -5976,22 +5928,294 @@
               <a:t>delle</a:t>
             </a:r>
             <a:r>
-              <a:rPr lang="en-US" sz="2000" dirty="0">
-                <a:solidFill>
-                  <a:srgbClr val="C7D5E0"/>
-                </a:solidFill>
-              </a:rPr>
-              <a:t> </a:t>
-            </a:r>
-            <a:r>
-              <a:rPr lang="en-US" sz="2000" dirty="0" err="1">
+              <a:rPr lang="en-US" sz="1600" dirty="0">
+                <a:solidFill>
+                  <a:srgbClr val="C7D5E0"/>
+                </a:solidFill>
+              </a:rPr>
+              <a:t> </a:t>
+            </a:r>
+            <a:r>
+              <a:rPr lang="en-US" sz="1600" dirty="0" err="1">
                 <a:solidFill>
                   <a:srgbClr val="66C0F4"/>
                 </a:solidFill>
               </a:rPr>
               <a:t>microtransazioni</a:t>
             </a:r>
-            <a:endParaRPr lang="en-US" sz="2000" dirty="0">
+            <a:endParaRPr lang="en-US" sz="1600" dirty="0">
+              <a:solidFill>
+                <a:srgbClr val="66C0F4"/>
+              </a:solidFill>
+            </a:endParaRPr>
+          </a:p>
+          <a:p>
+            <a:pPr>
+              <a:buClr>
+                <a:srgbClr val="66C0F4"/>
+              </a:buClr>
+            </a:pPr>
+            <a:r>
+              <a:rPr lang="en-US" sz="1600" dirty="0">
+                <a:solidFill>
+                  <a:srgbClr val="C7D5E0"/>
+                </a:solidFill>
+              </a:rPr>
+              <a:t>Si </a:t>
+            </a:r>
+            <a:r>
+              <a:rPr lang="en-US" sz="1600" dirty="0" err="1">
+                <a:solidFill>
+                  <a:srgbClr val="C7D5E0"/>
+                </a:solidFill>
+              </a:rPr>
+              <a:t>puo</a:t>
+            </a:r>
+            <a:r>
+              <a:rPr lang="en-US" sz="1600" dirty="0">
+                <a:solidFill>
+                  <a:srgbClr val="C7D5E0"/>
+                </a:solidFill>
+              </a:rPr>
+              <a:t>’ </a:t>
+            </a:r>
+            <a:r>
+              <a:rPr lang="en-US" sz="1600" dirty="0" err="1">
+                <a:solidFill>
+                  <a:srgbClr val="C7D5E0"/>
+                </a:solidFill>
+              </a:rPr>
+              <a:t>notare</a:t>
+            </a:r>
+            <a:r>
+              <a:rPr lang="en-US" sz="1600" dirty="0">
+                <a:solidFill>
+                  <a:srgbClr val="C7D5E0"/>
+                </a:solidFill>
+              </a:rPr>
+              <a:t> come la </a:t>
+            </a:r>
+            <a:r>
+              <a:rPr lang="en-US" sz="1600" dirty="0" err="1">
+                <a:solidFill>
+                  <a:srgbClr val="C7D5E0"/>
+                </a:solidFill>
+              </a:rPr>
+              <a:t>maggior</a:t>
+            </a:r>
+            <a:r>
+              <a:rPr lang="en-US" sz="1600" dirty="0">
+                <a:solidFill>
+                  <a:srgbClr val="C7D5E0"/>
+                </a:solidFill>
+              </a:rPr>
+              <a:t> </a:t>
+            </a:r>
+            <a:r>
+              <a:rPr lang="en-US" sz="1600" dirty="0" err="1">
+                <a:solidFill>
+                  <a:srgbClr val="C7D5E0"/>
+                </a:solidFill>
+              </a:rPr>
+              <a:t>parte</a:t>
+            </a:r>
+            <a:r>
+              <a:rPr lang="en-US" sz="1600" dirty="0">
+                <a:solidFill>
+                  <a:srgbClr val="C7D5E0"/>
+                </a:solidFill>
+              </a:rPr>
+              <a:t> </a:t>
+            </a:r>
+            <a:r>
+              <a:rPr lang="en-US" sz="1600" dirty="0" err="1">
+                <a:solidFill>
+                  <a:srgbClr val="C7D5E0"/>
+                </a:solidFill>
+              </a:rPr>
+              <a:t>dei</a:t>
+            </a:r>
+            <a:r>
+              <a:rPr lang="en-US" sz="1600" dirty="0">
+                <a:solidFill>
+                  <a:srgbClr val="C7D5E0"/>
+                </a:solidFill>
+              </a:rPr>
+              <a:t> download </a:t>
+            </a:r>
+            <a:r>
+              <a:rPr lang="en-US" sz="1600" dirty="0" err="1">
+                <a:solidFill>
+                  <a:srgbClr val="C7D5E0"/>
+                </a:solidFill>
+              </a:rPr>
+              <a:t>degli</a:t>
+            </a:r>
+            <a:r>
+              <a:rPr lang="en-US" sz="1600" dirty="0">
+                <a:solidFill>
+                  <a:srgbClr val="C7D5E0"/>
+                </a:solidFill>
+              </a:rPr>
+              <a:t> </a:t>
+            </a:r>
+            <a:r>
+              <a:rPr lang="en-US" sz="1600" dirty="0" err="1">
+                <a:solidFill>
+                  <a:srgbClr val="C7D5E0"/>
+                </a:solidFill>
+              </a:rPr>
+              <a:t>utenti</a:t>
+            </a:r>
+            <a:r>
+              <a:rPr lang="en-US" sz="1600" dirty="0">
+                <a:solidFill>
+                  <a:srgbClr val="C7D5E0"/>
+                </a:solidFill>
+              </a:rPr>
+              <a:t> di STEAM </a:t>
+            </a:r>
+            <a:r>
+              <a:rPr lang="en-US" sz="1600" dirty="0" err="1">
+                <a:solidFill>
+                  <a:srgbClr val="C7D5E0"/>
+                </a:solidFill>
+              </a:rPr>
+              <a:t>si</a:t>
+            </a:r>
+            <a:r>
+              <a:rPr lang="en-US" sz="1600" dirty="0">
+                <a:solidFill>
+                  <a:srgbClr val="C7D5E0"/>
+                </a:solidFill>
+              </a:rPr>
+              <a:t> </a:t>
+            </a:r>
+            <a:r>
+              <a:rPr lang="en-US" sz="1600" dirty="0" err="1">
+                <a:solidFill>
+                  <a:srgbClr val="C7D5E0"/>
+                </a:solidFill>
+              </a:rPr>
+              <a:t>distribuisca</a:t>
+            </a:r>
+            <a:r>
+              <a:rPr lang="en-US" sz="1600" dirty="0">
+                <a:solidFill>
+                  <a:srgbClr val="C7D5E0"/>
+                </a:solidFill>
+              </a:rPr>
+              <a:t> </a:t>
+            </a:r>
+            <a:r>
+              <a:rPr lang="en-US" sz="1600" dirty="0" err="1">
+                <a:solidFill>
+                  <a:srgbClr val="C7D5E0"/>
+                </a:solidFill>
+              </a:rPr>
+              <a:t>nella</a:t>
+            </a:r>
+            <a:r>
+              <a:rPr lang="en-US" sz="1600" dirty="0">
+                <a:solidFill>
+                  <a:srgbClr val="C7D5E0"/>
+                </a:solidFill>
+              </a:rPr>
+              <a:t> </a:t>
+            </a:r>
+            <a:r>
+              <a:rPr lang="en-US" sz="1600" dirty="0" err="1">
+                <a:solidFill>
+                  <a:srgbClr val="C7D5E0"/>
+                </a:solidFill>
+              </a:rPr>
+              <a:t>categoria</a:t>
+            </a:r>
+            <a:r>
+              <a:rPr lang="en-US" sz="1600" dirty="0">
+                <a:solidFill>
+                  <a:srgbClr val="C7D5E0"/>
+                </a:solidFill>
+              </a:rPr>
+              <a:t> P2P </a:t>
+            </a:r>
+            <a:r>
+              <a:rPr lang="en-US" sz="1600" dirty="0" err="1">
+                <a:solidFill>
+                  <a:srgbClr val="C7D5E0"/>
+                </a:solidFill>
+              </a:rPr>
+              <a:t>piuttosto</a:t>
+            </a:r>
+            <a:r>
+              <a:rPr lang="en-US" sz="1600" dirty="0">
+                <a:solidFill>
+                  <a:srgbClr val="C7D5E0"/>
+                </a:solidFill>
+              </a:rPr>
+              <a:t> </a:t>
+            </a:r>
+            <a:r>
+              <a:rPr lang="en-US" sz="1600" dirty="0" err="1">
+                <a:solidFill>
+                  <a:srgbClr val="C7D5E0"/>
+                </a:solidFill>
+              </a:rPr>
+              <a:t>che</a:t>
+            </a:r>
+            <a:r>
+              <a:rPr lang="en-US" sz="1600" dirty="0">
+                <a:solidFill>
+                  <a:srgbClr val="C7D5E0"/>
+                </a:solidFill>
+              </a:rPr>
+              <a:t> </a:t>
+            </a:r>
+            <a:r>
+              <a:rPr lang="en-US" sz="1600" dirty="0" err="1">
+                <a:solidFill>
+                  <a:srgbClr val="C7D5E0"/>
+                </a:solidFill>
+              </a:rPr>
+              <a:t>nella</a:t>
+            </a:r>
+            <a:r>
+              <a:rPr lang="en-US" sz="1600" dirty="0">
+                <a:solidFill>
+                  <a:srgbClr val="C7D5E0"/>
+                </a:solidFill>
+              </a:rPr>
+              <a:t> </a:t>
+            </a:r>
+            <a:r>
+              <a:rPr lang="en-US" sz="1600" dirty="0" err="1">
+                <a:solidFill>
+                  <a:srgbClr val="C7D5E0"/>
+                </a:solidFill>
+              </a:rPr>
+              <a:t>categoria</a:t>
+            </a:r>
+            <a:r>
+              <a:rPr lang="en-US" sz="1600" dirty="0">
+                <a:solidFill>
+                  <a:srgbClr val="C7D5E0"/>
+                </a:solidFill>
+              </a:rPr>
+              <a:t> F2P.</a:t>
+            </a:r>
+            <a:endParaRPr lang="en-US" sz="1600" dirty="0">
+              <a:solidFill>
+                <a:srgbClr val="66C0F4"/>
+              </a:solidFill>
+            </a:endParaRPr>
+          </a:p>
+          <a:p>
+            <a:pPr>
+              <a:buClr>
+                <a:srgbClr val="66C0F4"/>
+              </a:buClr>
+            </a:pPr>
+            <a:endParaRPr lang="en-US" sz="1600" dirty="0">
               <a:solidFill>
                 <a:srgbClr val="66C0F4"/>
               </a:solidFill>
@@ -6027,8 +6251,8 @@
         </p:blipFill>
         <p:spPr>
           <a:xfrm>
-            <a:off x="3390074" y="1304724"/>
-            <a:ext cx="8527377" cy="4248551"/>
+            <a:off x="4591648" y="1604051"/>
+            <a:ext cx="7325803" cy="3649897"/>
           </a:xfrm>
           <a:prstGeom prst="rect">
             <a:avLst/>
@@ -6108,6 +6332,1516 @@
                   <a:srgbClr val="66C0F4"/>
                 </a:solidFill>
               </a:rPr>
+              <a:t>FreeToPlay</a:t>
+            </a:r>
+            <a:r>
+              <a:rPr lang="en-US" sz="3200" b="1" dirty="0">
+                <a:solidFill>
+                  <a:srgbClr val="66C0F4"/>
+                </a:solidFill>
+              </a:rPr>
+              <a:t>(F2P) vs </a:t>
+            </a:r>
+            <a:r>
+              <a:rPr lang="en-US" sz="3200" b="1" dirty="0" err="1">
+                <a:solidFill>
+                  <a:srgbClr val="66C0F4"/>
+                </a:solidFill>
+              </a:rPr>
+              <a:t>PayToPlay</a:t>
+            </a:r>
+            <a:r>
+              <a:rPr lang="en-US" sz="3200" b="1" dirty="0">
+                <a:solidFill>
+                  <a:srgbClr val="66C0F4"/>
+                </a:solidFill>
+              </a:rPr>
+              <a:t>(P2P) - #Giochi</a:t>
+            </a:r>
+          </a:p>
+        </p:txBody>
+      </p:sp>
+      <p:pic>
+        <p:nvPicPr>
+          <p:cNvPr id="17" name="Immagine 16" descr="Immagine che contiene Elementi grafici, cerchio, clipart, cartone animato">
+            <a:extLst>
+              <a:ext uri="{FF2B5EF4-FFF2-40B4-BE49-F238E27FC236}">
+                <a16:creationId xmlns:a16="http://schemas.microsoft.com/office/drawing/2014/main" id="{05A5E460-1E13-E434-F2FF-8F2679A217ED}"/>
+              </a:ext>
+            </a:extLst>
+          </p:cNvPr>
+          <p:cNvPicPr>
+            <a:picLocks noChangeAspect="1"/>
+          </p:cNvPicPr>
+          <p:nvPr/>
+        </p:nvPicPr>
+        <p:blipFill>
+          <a:blip r:embed="rId2">
+            <a:alphaModFix/>
+            <a:extLst>
+              <a:ext uri="{28A0092B-C50C-407E-A947-70E740481C1C}">
+                <a14:useLocalDpi xmlns:a14="http://schemas.microsoft.com/office/drawing/2010/main" val="0"/>
+              </a:ext>
+            </a:extLst>
+          </a:blip>
+          <a:stretch>
+            <a:fillRect/>
+          </a:stretch>
+        </p:blipFill>
+        <p:spPr>
+          <a:xfrm>
+            <a:off x="11642903" y="0"/>
+            <a:ext cx="549097" cy="548640"/>
+          </a:xfrm>
+          <a:prstGeom prst="rect">
+            <a:avLst/>
+          </a:prstGeom>
+          <a:effectLst>
+            <a:glow>
+              <a:schemeClr val="accent1">
+                <a:alpha val="40000"/>
+              </a:schemeClr>
+            </a:glow>
+            <a:outerShdw blurRad="1270000" dist="50800" algn="ctr" rotWithShape="0">
+              <a:srgbClr val="000000"/>
+            </a:outerShdw>
+            <a:reflection endPos="0" dir="5400000" sy="-100000" algn="bl" rotWithShape="0"/>
+            <a:softEdge rad="0"/>
+          </a:effectLst>
+        </p:spPr>
+      </p:pic>
+      <p:sp>
+        <p:nvSpPr>
+          <p:cNvPr id="8" name="Segnaposto contenuto 2">
+            <a:extLst>
+              <a:ext uri="{FF2B5EF4-FFF2-40B4-BE49-F238E27FC236}">
+                <a16:creationId xmlns:a16="http://schemas.microsoft.com/office/drawing/2014/main" id="{9AC6048C-0D31-1711-9B62-7F19EBC37E3B}"/>
+              </a:ext>
+            </a:extLst>
+          </p:cNvPr>
+          <p:cNvSpPr txBox="1">
+            <a:spLocks/>
+          </p:cNvSpPr>
+          <p:nvPr/>
+        </p:nvSpPr>
+        <p:spPr>
+          <a:xfrm>
+            <a:off x="274549" y="2405128"/>
+            <a:ext cx="3051756" cy="2047741"/>
+          </a:xfrm>
+          <a:prstGeom prst="rect">
+            <a:avLst/>
+          </a:prstGeom>
+        </p:spPr>
+        <p:txBody>
+          <a:bodyPr vert="horz" lIns="91440" tIns="45720" rIns="91440" bIns="45720" rtlCol="0">
+            <a:normAutofit/>
+          </a:bodyPr>
+          <a:lstStyle>
+            <a:lvl1pPr marL="228600" indent="-228600" algn="l" defTabSz="914400" rtl="0" eaLnBrk="1" latinLnBrk="0" hangingPunct="1">
+              <a:lnSpc>
+                <a:spcPct val="90000"/>
+              </a:lnSpc>
+              <a:spcBef>
+                <a:spcPts val="1000"/>
+              </a:spcBef>
+              <a:buFont typeface="Arial" panose="020B0604020202020204" pitchFamily="34" charset="0"/>
+              <a:buChar char="•"/>
+              <a:defRPr sz="2800" kern="1200">
+                <a:solidFill>
+                  <a:schemeClr val="tx1"/>
+                </a:solidFill>
+                <a:latin typeface="+mn-lt"/>
+                <a:ea typeface="+mn-ea"/>
+                <a:cs typeface="+mn-cs"/>
+              </a:defRPr>
+            </a:lvl1pPr>
+            <a:lvl2pPr marL="685800" indent="-228600" algn="l" defTabSz="914400" rtl="0" eaLnBrk="1" latinLnBrk="0" hangingPunct="1">
+              <a:lnSpc>
+                <a:spcPct val="90000"/>
+              </a:lnSpc>
+              <a:spcBef>
+                <a:spcPts val="500"/>
+              </a:spcBef>
+              <a:buFont typeface="Arial" panose="020B0604020202020204" pitchFamily="34" charset="0"/>
+              <a:buChar char="•"/>
+              <a:defRPr sz="2400" kern="1200">
+                <a:solidFill>
+                  <a:schemeClr val="tx1"/>
+                </a:solidFill>
+                <a:latin typeface="+mn-lt"/>
+                <a:ea typeface="+mn-ea"/>
+                <a:cs typeface="+mn-cs"/>
+              </a:defRPr>
+            </a:lvl2pPr>
+            <a:lvl3pPr marL="1143000" indent="-228600" algn="l" defTabSz="914400" rtl="0" eaLnBrk="1" latinLnBrk="0" hangingPunct="1">
+              <a:lnSpc>
+                <a:spcPct val="90000"/>
+              </a:lnSpc>
+              <a:spcBef>
+                <a:spcPts val="500"/>
+              </a:spcBef>
+              <a:buFont typeface="Arial" panose="020B0604020202020204" pitchFamily="34" charset="0"/>
+              <a:buChar char="•"/>
+              <a:defRPr sz="2000" kern="1200">
+                <a:solidFill>
+                  <a:schemeClr val="tx1"/>
+                </a:solidFill>
+                <a:latin typeface="+mn-lt"/>
+                <a:ea typeface="+mn-ea"/>
+                <a:cs typeface="+mn-cs"/>
+              </a:defRPr>
+            </a:lvl3pPr>
+            <a:lvl4pPr marL="1600200" indent="-228600" algn="l" defTabSz="914400" rtl="0" eaLnBrk="1" latinLnBrk="0" hangingPunct="1">
+              <a:lnSpc>
+                <a:spcPct val="90000"/>
+              </a:lnSpc>
+              <a:spcBef>
+                <a:spcPts val="500"/>
+              </a:spcBef>
+              <a:buFont typeface="Arial" panose="020B0604020202020204" pitchFamily="34" charset="0"/>
+              <a:buChar char="•"/>
+              <a:defRPr sz="1800" kern="1200">
+                <a:solidFill>
+                  <a:schemeClr val="tx1"/>
+                </a:solidFill>
+                <a:latin typeface="+mn-lt"/>
+                <a:ea typeface="+mn-ea"/>
+                <a:cs typeface="+mn-cs"/>
+              </a:defRPr>
+            </a:lvl4pPr>
+            <a:lvl5pPr marL="2057400" indent="-228600" algn="l" defTabSz="914400" rtl="0" eaLnBrk="1" latinLnBrk="0" hangingPunct="1">
+              <a:lnSpc>
+                <a:spcPct val="90000"/>
+              </a:lnSpc>
+              <a:spcBef>
+                <a:spcPts val="500"/>
+              </a:spcBef>
+              <a:buFont typeface="Arial" panose="020B0604020202020204" pitchFamily="34" charset="0"/>
+              <a:buChar char="•"/>
+              <a:defRPr sz="1800" kern="1200">
+                <a:solidFill>
+                  <a:schemeClr val="tx1"/>
+                </a:solidFill>
+                <a:latin typeface="+mn-lt"/>
+                <a:ea typeface="+mn-ea"/>
+                <a:cs typeface="+mn-cs"/>
+              </a:defRPr>
+            </a:lvl5pPr>
+            <a:lvl6pPr marL="2514600" indent="-228600" algn="l" defTabSz="914400" rtl="0" eaLnBrk="1" latinLnBrk="0" hangingPunct="1">
+              <a:lnSpc>
+                <a:spcPct val="90000"/>
+              </a:lnSpc>
+              <a:spcBef>
+                <a:spcPts val="500"/>
+              </a:spcBef>
+              <a:buFont typeface="Arial" panose="020B0604020202020204" pitchFamily="34" charset="0"/>
+              <a:buChar char="•"/>
+              <a:defRPr sz="1800" kern="1200">
+                <a:solidFill>
+                  <a:schemeClr val="tx1"/>
+                </a:solidFill>
+                <a:latin typeface="+mn-lt"/>
+                <a:ea typeface="+mn-ea"/>
+                <a:cs typeface="+mn-cs"/>
+              </a:defRPr>
+            </a:lvl6pPr>
+            <a:lvl7pPr marL="2971800" indent="-228600" algn="l" defTabSz="914400" rtl="0" eaLnBrk="1" latinLnBrk="0" hangingPunct="1">
+              <a:lnSpc>
+                <a:spcPct val="90000"/>
+              </a:lnSpc>
+              <a:spcBef>
+                <a:spcPts val="500"/>
+              </a:spcBef>
+              <a:buFont typeface="Arial" panose="020B0604020202020204" pitchFamily="34" charset="0"/>
+              <a:buChar char="•"/>
+              <a:defRPr sz="1800" kern="1200">
+                <a:solidFill>
+                  <a:schemeClr val="tx1"/>
+                </a:solidFill>
+                <a:latin typeface="+mn-lt"/>
+                <a:ea typeface="+mn-ea"/>
+                <a:cs typeface="+mn-cs"/>
+              </a:defRPr>
+            </a:lvl7pPr>
+            <a:lvl8pPr marL="3429000" indent="-228600" algn="l" defTabSz="914400" rtl="0" eaLnBrk="1" latinLnBrk="0" hangingPunct="1">
+              <a:lnSpc>
+                <a:spcPct val="90000"/>
+              </a:lnSpc>
+              <a:spcBef>
+                <a:spcPts val="500"/>
+              </a:spcBef>
+              <a:buFont typeface="Arial" panose="020B0604020202020204" pitchFamily="34" charset="0"/>
+              <a:buChar char="•"/>
+              <a:defRPr sz="1800" kern="1200">
+                <a:solidFill>
+                  <a:schemeClr val="tx1"/>
+                </a:solidFill>
+                <a:latin typeface="+mn-lt"/>
+                <a:ea typeface="+mn-ea"/>
+                <a:cs typeface="+mn-cs"/>
+              </a:defRPr>
+            </a:lvl8pPr>
+            <a:lvl9pPr marL="3886200" indent="-228600" algn="l" defTabSz="914400" rtl="0" eaLnBrk="1" latinLnBrk="0" hangingPunct="1">
+              <a:lnSpc>
+                <a:spcPct val="90000"/>
+              </a:lnSpc>
+              <a:spcBef>
+                <a:spcPts val="500"/>
+              </a:spcBef>
+              <a:buFont typeface="Arial" panose="020B0604020202020204" pitchFamily="34" charset="0"/>
+              <a:buChar char="•"/>
+              <a:defRPr sz="1800" kern="1200">
+                <a:solidFill>
+                  <a:schemeClr val="tx1"/>
+                </a:solidFill>
+                <a:latin typeface="+mn-lt"/>
+                <a:ea typeface="+mn-ea"/>
+                <a:cs typeface="+mn-cs"/>
+              </a:defRPr>
+            </a:lvl9pPr>
+          </a:lstStyle>
+          <a:p>
+            <a:pPr marL="0" indent="0">
+              <a:buClr>
+                <a:srgbClr val="66C0F4"/>
+              </a:buClr>
+              <a:buNone/>
+            </a:pPr>
+            <a:endParaRPr lang="en-US" sz="2000" dirty="0">
+              <a:solidFill>
+                <a:srgbClr val="66C0F4"/>
+              </a:solidFill>
+            </a:endParaRPr>
+          </a:p>
+        </p:txBody>
+      </p:sp>
+      <p:pic>
+        <p:nvPicPr>
+          <p:cNvPr id="9" name="Immagine 8" descr="Immagine che contiene schermata, cerchio, Elementi grafici, astronomia&#10;&#10;Descrizione generata automaticamente">
+            <a:extLst>
+              <a:ext uri="{FF2B5EF4-FFF2-40B4-BE49-F238E27FC236}">
+                <a16:creationId xmlns:a16="http://schemas.microsoft.com/office/drawing/2014/main" id="{F113F43A-C9D3-4E3E-0AC0-70EE1F747611}"/>
+              </a:ext>
+            </a:extLst>
+          </p:cNvPr>
+          <p:cNvPicPr>
+            <a:picLocks noChangeAspect="1"/>
+          </p:cNvPicPr>
+          <p:nvPr/>
+        </p:nvPicPr>
+        <p:blipFill>
+          <a:blip r:embed="rId3">
+            <a:extLst>
+              <a:ext uri="{28A0092B-C50C-407E-A947-70E740481C1C}">
+                <a14:useLocalDpi xmlns:a14="http://schemas.microsoft.com/office/drawing/2010/main" val="0"/>
+              </a:ext>
+            </a:extLst>
+          </a:blip>
+          <a:stretch>
+            <a:fillRect/>
+          </a:stretch>
+        </p:blipFill>
+        <p:spPr>
+          <a:xfrm>
+            <a:off x="2855352" y="1271016"/>
+            <a:ext cx="9062099" cy="4315968"/>
+          </a:xfrm>
+          <a:prstGeom prst="rect">
+            <a:avLst/>
+          </a:prstGeom>
+        </p:spPr>
+      </p:pic>
+      <p:sp>
+        <p:nvSpPr>
+          <p:cNvPr id="11" name="Segnaposto contenuto 2">
+            <a:extLst>
+              <a:ext uri="{FF2B5EF4-FFF2-40B4-BE49-F238E27FC236}">
+                <a16:creationId xmlns:a16="http://schemas.microsoft.com/office/drawing/2014/main" id="{BDAC4304-8E72-AF1B-082C-09DCE58F7595}"/>
+              </a:ext>
+            </a:extLst>
+          </p:cNvPr>
+          <p:cNvSpPr txBox="1">
+            <a:spLocks/>
+          </p:cNvSpPr>
+          <p:nvPr/>
+        </p:nvSpPr>
+        <p:spPr>
+          <a:xfrm>
+            <a:off x="838199" y="2364025"/>
+            <a:ext cx="4403501" cy="2129950"/>
+          </a:xfrm>
+          <a:prstGeom prst="rect">
+            <a:avLst/>
+          </a:prstGeom>
+        </p:spPr>
+        <p:txBody>
+          <a:bodyPr vert="horz" lIns="91440" tIns="45720" rIns="91440" bIns="45720" rtlCol="0">
+            <a:normAutofit/>
+          </a:bodyPr>
+          <a:lstStyle>
+            <a:lvl1pPr marL="228600" indent="-228600" algn="l" defTabSz="914400" rtl="0" eaLnBrk="1" latinLnBrk="0" hangingPunct="1">
+              <a:lnSpc>
+                <a:spcPct val="90000"/>
+              </a:lnSpc>
+              <a:spcBef>
+                <a:spcPts val="1000"/>
+              </a:spcBef>
+              <a:buFont typeface="Arial" panose="020B0604020202020204" pitchFamily="34" charset="0"/>
+              <a:buChar char="•"/>
+              <a:defRPr sz="2800" kern="1200">
+                <a:solidFill>
+                  <a:schemeClr val="tx1"/>
+                </a:solidFill>
+                <a:latin typeface="+mn-lt"/>
+                <a:ea typeface="+mn-ea"/>
+                <a:cs typeface="+mn-cs"/>
+              </a:defRPr>
+            </a:lvl1pPr>
+            <a:lvl2pPr marL="685800" indent="-228600" algn="l" defTabSz="914400" rtl="0" eaLnBrk="1" latinLnBrk="0" hangingPunct="1">
+              <a:lnSpc>
+                <a:spcPct val="90000"/>
+              </a:lnSpc>
+              <a:spcBef>
+                <a:spcPts val="500"/>
+              </a:spcBef>
+              <a:buFont typeface="Arial" panose="020B0604020202020204" pitchFamily="34" charset="0"/>
+              <a:buChar char="•"/>
+              <a:defRPr sz="2400" kern="1200">
+                <a:solidFill>
+                  <a:schemeClr val="tx1"/>
+                </a:solidFill>
+                <a:latin typeface="+mn-lt"/>
+                <a:ea typeface="+mn-ea"/>
+                <a:cs typeface="+mn-cs"/>
+              </a:defRPr>
+            </a:lvl2pPr>
+            <a:lvl3pPr marL="1143000" indent="-228600" algn="l" defTabSz="914400" rtl="0" eaLnBrk="1" latinLnBrk="0" hangingPunct="1">
+              <a:lnSpc>
+                <a:spcPct val="90000"/>
+              </a:lnSpc>
+              <a:spcBef>
+                <a:spcPts val="500"/>
+              </a:spcBef>
+              <a:buFont typeface="Arial" panose="020B0604020202020204" pitchFamily="34" charset="0"/>
+              <a:buChar char="•"/>
+              <a:defRPr sz="2000" kern="1200">
+                <a:solidFill>
+                  <a:schemeClr val="tx1"/>
+                </a:solidFill>
+                <a:latin typeface="+mn-lt"/>
+                <a:ea typeface="+mn-ea"/>
+                <a:cs typeface="+mn-cs"/>
+              </a:defRPr>
+            </a:lvl3pPr>
+            <a:lvl4pPr marL="1600200" indent="-228600" algn="l" defTabSz="914400" rtl="0" eaLnBrk="1" latinLnBrk="0" hangingPunct="1">
+              <a:lnSpc>
+                <a:spcPct val="90000"/>
+              </a:lnSpc>
+              <a:spcBef>
+                <a:spcPts val="500"/>
+              </a:spcBef>
+              <a:buFont typeface="Arial" panose="020B0604020202020204" pitchFamily="34" charset="0"/>
+              <a:buChar char="•"/>
+              <a:defRPr sz="1800" kern="1200">
+                <a:solidFill>
+                  <a:schemeClr val="tx1"/>
+                </a:solidFill>
+                <a:latin typeface="+mn-lt"/>
+                <a:ea typeface="+mn-ea"/>
+                <a:cs typeface="+mn-cs"/>
+              </a:defRPr>
+            </a:lvl4pPr>
+            <a:lvl5pPr marL="2057400" indent="-228600" algn="l" defTabSz="914400" rtl="0" eaLnBrk="1" latinLnBrk="0" hangingPunct="1">
+              <a:lnSpc>
+                <a:spcPct val="90000"/>
+              </a:lnSpc>
+              <a:spcBef>
+                <a:spcPts val="500"/>
+              </a:spcBef>
+              <a:buFont typeface="Arial" panose="020B0604020202020204" pitchFamily="34" charset="0"/>
+              <a:buChar char="•"/>
+              <a:defRPr sz="1800" kern="1200">
+                <a:solidFill>
+                  <a:schemeClr val="tx1"/>
+                </a:solidFill>
+                <a:latin typeface="+mn-lt"/>
+                <a:ea typeface="+mn-ea"/>
+                <a:cs typeface="+mn-cs"/>
+              </a:defRPr>
+            </a:lvl5pPr>
+            <a:lvl6pPr marL="2514600" indent="-228600" algn="l" defTabSz="914400" rtl="0" eaLnBrk="1" latinLnBrk="0" hangingPunct="1">
+              <a:lnSpc>
+                <a:spcPct val="90000"/>
+              </a:lnSpc>
+              <a:spcBef>
+                <a:spcPts val="500"/>
+              </a:spcBef>
+              <a:buFont typeface="Arial" panose="020B0604020202020204" pitchFamily="34" charset="0"/>
+              <a:buChar char="•"/>
+              <a:defRPr sz="1800" kern="1200">
+                <a:solidFill>
+                  <a:schemeClr val="tx1"/>
+                </a:solidFill>
+                <a:latin typeface="+mn-lt"/>
+                <a:ea typeface="+mn-ea"/>
+                <a:cs typeface="+mn-cs"/>
+              </a:defRPr>
+            </a:lvl6pPr>
+            <a:lvl7pPr marL="2971800" indent="-228600" algn="l" defTabSz="914400" rtl="0" eaLnBrk="1" latinLnBrk="0" hangingPunct="1">
+              <a:lnSpc>
+                <a:spcPct val="90000"/>
+              </a:lnSpc>
+              <a:spcBef>
+                <a:spcPts val="500"/>
+              </a:spcBef>
+              <a:buFont typeface="Arial" panose="020B0604020202020204" pitchFamily="34" charset="0"/>
+              <a:buChar char="•"/>
+              <a:defRPr sz="1800" kern="1200">
+                <a:solidFill>
+                  <a:schemeClr val="tx1"/>
+                </a:solidFill>
+                <a:latin typeface="+mn-lt"/>
+                <a:ea typeface="+mn-ea"/>
+                <a:cs typeface="+mn-cs"/>
+              </a:defRPr>
+            </a:lvl7pPr>
+            <a:lvl8pPr marL="3429000" indent="-228600" algn="l" defTabSz="914400" rtl="0" eaLnBrk="1" latinLnBrk="0" hangingPunct="1">
+              <a:lnSpc>
+                <a:spcPct val="90000"/>
+              </a:lnSpc>
+              <a:spcBef>
+                <a:spcPts val="500"/>
+              </a:spcBef>
+              <a:buFont typeface="Arial" panose="020B0604020202020204" pitchFamily="34" charset="0"/>
+              <a:buChar char="•"/>
+              <a:defRPr sz="1800" kern="1200">
+                <a:solidFill>
+                  <a:schemeClr val="tx1"/>
+                </a:solidFill>
+                <a:latin typeface="+mn-lt"/>
+                <a:ea typeface="+mn-ea"/>
+                <a:cs typeface="+mn-cs"/>
+              </a:defRPr>
+            </a:lvl8pPr>
+            <a:lvl9pPr marL="3886200" indent="-228600" algn="l" defTabSz="914400" rtl="0" eaLnBrk="1" latinLnBrk="0" hangingPunct="1">
+              <a:lnSpc>
+                <a:spcPct val="90000"/>
+              </a:lnSpc>
+              <a:spcBef>
+                <a:spcPts val="500"/>
+              </a:spcBef>
+              <a:buFont typeface="Arial" panose="020B0604020202020204" pitchFamily="34" charset="0"/>
+              <a:buChar char="•"/>
+              <a:defRPr sz="1800" kern="1200">
+                <a:solidFill>
+                  <a:schemeClr val="tx1"/>
+                </a:solidFill>
+                <a:latin typeface="+mn-lt"/>
+                <a:ea typeface="+mn-ea"/>
+                <a:cs typeface="+mn-cs"/>
+              </a:defRPr>
+            </a:lvl9pPr>
+          </a:lstStyle>
+          <a:p>
+            <a:pPr marL="0" indent="0">
+              <a:buClr>
+                <a:srgbClr val="66C0F4"/>
+              </a:buClr>
+              <a:buNone/>
+            </a:pPr>
+            <a:r>
+              <a:rPr lang="en-US" sz="1600" dirty="0">
+                <a:solidFill>
+                  <a:srgbClr val="C7D5E0"/>
+                </a:solidFill>
+              </a:rPr>
+              <a:t>La slide </a:t>
+            </a:r>
+            <a:r>
+              <a:rPr lang="en-US" sz="1600" dirty="0" err="1">
+                <a:solidFill>
+                  <a:srgbClr val="66C0F4"/>
+                </a:solidFill>
+              </a:rPr>
+              <a:t>precedente</a:t>
+            </a:r>
+            <a:r>
+              <a:rPr lang="en-US" sz="1600" dirty="0">
+                <a:solidFill>
+                  <a:srgbClr val="C7D5E0"/>
+                </a:solidFill>
+              </a:rPr>
+              <a:t> </a:t>
+            </a:r>
+            <a:r>
+              <a:rPr lang="en-US" sz="1600" dirty="0" err="1">
+                <a:solidFill>
+                  <a:srgbClr val="C7D5E0"/>
+                </a:solidFill>
+              </a:rPr>
+              <a:t>evidenziava</a:t>
+            </a:r>
+            <a:r>
+              <a:rPr lang="en-US" sz="1600" dirty="0">
+                <a:solidFill>
+                  <a:srgbClr val="C7D5E0"/>
+                </a:solidFill>
+              </a:rPr>
+              <a:t> </a:t>
+            </a:r>
+            <a:r>
+              <a:rPr lang="en-US" sz="1600" dirty="0" err="1">
+                <a:solidFill>
+                  <a:srgbClr val="C7D5E0"/>
+                </a:solidFill>
+              </a:rPr>
+              <a:t>una</a:t>
+            </a:r>
+            <a:r>
+              <a:rPr lang="en-US" sz="1600" dirty="0">
+                <a:solidFill>
+                  <a:srgbClr val="C7D5E0"/>
+                </a:solidFill>
+              </a:rPr>
+              <a:t> </a:t>
+            </a:r>
+            <a:r>
+              <a:rPr lang="en-US" sz="1600" dirty="0" err="1">
+                <a:solidFill>
+                  <a:srgbClr val="C7D5E0"/>
+                </a:solidFill>
+              </a:rPr>
+              <a:t>numero</a:t>
+            </a:r>
+            <a:r>
+              <a:rPr lang="en-US" sz="1600" dirty="0">
+                <a:solidFill>
+                  <a:srgbClr val="C7D5E0"/>
+                </a:solidFill>
+              </a:rPr>
+              <a:t> di download molto piu’ alto per </a:t>
+            </a:r>
+            <a:r>
+              <a:rPr lang="en-US" sz="1600" dirty="0" err="1">
+                <a:solidFill>
+                  <a:srgbClr val="C7D5E0"/>
+                </a:solidFill>
+              </a:rPr>
+              <a:t>i</a:t>
+            </a:r>
+            <a:r>
+              <a:rPr lang="en-US" sz="1600" dirty="0">
+                <a:solidFill>
+                  <a:srgbClr val="C7D5E0"/>
+                </a:solidFill>
+              </a:rPr>
+              <a:t> VG P2P:</a:t>
+            </a:r>
+          </a:p>
+          <a:p>
+            <a:pPr>
+              <a:buClr>
+                <a:srgbClr val="66C0F4"/>
+              </a:buClr>
+            </a:pPr>
+            <a:r>
+              <a:rPr lang="en-US" sz="1600" dirty="0" err="1">
+                <a:solidFill>
+                  <a:srgbClr val="C7D5E0"/>
+                </a:solidFill>
+              </a:rPr>
+              <a:t>Notiamo</a:t>
+            </a:r>
+            <a:r>
+              <a:rPr lang="en-US" sz="1600" dirty="0">
+                <a:solidFill>
+                  <a:srgbClr val="C7D5E0"/>
+                </a:solidFill>
+              </a:rPr>
+              <a:t> </a:t>
+            </a:r>
+            <a:r>
+              <a:rPr lang="en-US" sz="1600" dirty="0" err="1">
+                <a:solidFill>
+                  <a:srgbClr val="C7D5E0"/>
+                </a:solidFill>
+              </a:rPr>
+              <a:t>che</a:t>
+            </a:r>
+            <a:r>
+              <a:rPr lang="en-US" sz="1600" dirty="0">
+                <a:solidFill>
+                  <a:srgbClr val="C7D5E0"/>
+                </a:solidFill>
+              </a:rPr>
+              <a:t> la </a:t>
+            </a:r>
+            <a:r>
+              <a:rPr lang="en-US" sz="1600" dirty="0" err="1">
+                <a:solidFill>
+                  <a:srgbClr val="C7D5E0"/>
+                </a:solidFill>
+              </a:rPr>
+              <a:t>motivazione</a:t>
+            </a:r>
+            <a:r>
+              <a:rPr lang="en-US" sz="1600" dirty="0">
+                <a:solidFill>
+                  <a:srgbClr val="C7D5E0"/>
+                </a:solidFill>
+              </a:rPr>
+              <a:t> di </a:t>
+            </a:r>
+            <a:r>
+              <a:rPr lang="en-US" sz="1600" dirty="0" err="1">
+                <a:solidFill>
+                  <a:srgbClr val="C7D5E0"/>
+                </a:solidFill>
+              </a:rPr>
+              <a:t>questa</a:t>
+            </a:r>
+            <a:r>
+              <a:rPr lang="en-US" sz="1600" dirty="0">
+                <a:solidFill>
+                  <a:srgbClr val="C7D5E0"/>
+                </a:solidFill>
+              </a:rPr>
+              <a:t> </a:t>
+            </a:r>
+            <a:r>
+              <a:rPr lang="en-US" sz="1600" dirty="0" err="1">
+                <a:solidFill>
+                  <a:srgbClr val="66C0F4"/>
+                </a:solidFill>
+              </a:rPr>
+              <a:t>disparita</a:t>
+            </a:r>
+            <a:r>
+              <a:rPr lang="en-US" sz="1600" dirty="0">
+                <a:solidFill>
+                  <a:srgbClr val="C7D5E0"/>
+                </a:solidFill>
+              </a:rPr>
+              <a:t>’ e’ </a:t>
+            </a:r>
+            <a:r>
+              <a:rPr lang="en-US" sz="1600" dirty="0" err="1">
+                <a:solidFill>
+                  <a:srgbClr val="C7D5E0"/>
+                </a:solidFill>
+              </a:rPr>
+              <a:t>che</a:t>
+            </a:r>
+            <a:r>
+              <a:rPr lang="en-US" sz="1600" dirty="0">
+                <a:solidFill>
+                  <a:srgbClr val="C7D5E0"/>
+                </a:solidFill>
+              </a:rPr>
+              <a:t> il </a:t>
+            </a:r>
+            <a:r>
+              <a:rPr lang="en-US" sz="1600" dirty="0" err="1">
+                <a:solidFill>
+                  <a:srgbClr val="C7D5E0"/>
+                </a:solidFill>
+              </a:rPr>
+              <a:t>numero</a:t>
+            </a:r>
+            <a:r>
+              <a:rPr lang="en-US" sz="1600" dirty="0">
+                <a:solidFill>
+                  <a:srgbClr val="C7D5E0"/>
+                </a:solidFill>
+              </a:rPr>
+              <a:t> di VG F2P e’ molto piu’ piccolo del </a:t>
+            </a:r>
+            <a:r>
+              <a:rPr lang="en-US" sz="1600" dirty="0" err="1">
+                <a:solidFill>
+                  <a:srgbClr val="C7D5E0"/>
+                </a:solidFill>
+              </a:rPr>
+              <a:t>numero</a:t>
+            </a:r>
+            <a:r>
+              <a:rPr lang="en-US" sz="1600" dirty="0">
+                <a:solidFill>
+                  <a:srgbClr val="C7D5E0"/>
+                </a:solidFill>
+              </a:rPr>
+              <a:t> di VG P2P</a:t>
+            </a:r>
+          </a:p>
+          <a:p>
+            <a:pPr>
+              <a:buClr>
+                <a:srgbClr val="66C0F4"/>
+              </a:buClr>
+            </a:pPr>
+            <a:r>
+              <a:rPr lang="en-US" sz="1600" dirty="0" err="1">
+                <a:solidFill>
+                  <a:srgbClr val="C7D5E0"/>
+                </a:solidFill>
+              </a:rPr>
+              <a:t>Questo</a:t>
+            </a:r>
+            <a:r>
+              <a:rPr lang="en-US" sz="1600" dirty="0">
+                <a:solidFill>
+                  <a:srgbClr val="C7D5E0"/>
+                </a:solidFill>
+              </a:rPr>
+              <a:t> e’ </a:t>
+            </a:r>
+            <a:r>
+              <a:rPr lang="en-US" sz="1600" dirty="0" err="1">
+                <a:solidFill>
+                  <a:srgbClr val="C7D5E0"/>
+                </a:solidFill>
+              </a:rPr>
+              <a:t>facilmente</a:t>
+            </a:r>
+            <a:r>
+              <a:rPr lang="en-US" sz="1600" dirty="0">
+                <a:solidFill>
+                  <a:srgbClr val="C7D5E0"/>
+                </a:solidFill>
+              </a:rPr>
+              <a:t> </a:t>
+            </a:r>
+            <a:r>
+              <a:rPr lang="en-US" sz="1600" dirty="0" err="1">
+                <a:solidFill>
+                  <a:srgbClr val="C7D5E0"/>
+                </a:solidFill>
+              </a:rPr>
+              <a:t>giustificato</a:t>
+            </a:r>
+            <a:r>
+              <a:rPr lang="en-US" sz="1600" dirty="0">
+                <a:solidFill>
+                  <a:srgbClr val="C7D5E0"/>
+                </a:solidFill>
+              </a:rPr>
+              <a:t> dal </a:t>
+            </a:r>
+            <a:r>
+              <a:rPr lang="en-US" sz="1600" dirty="0" err="1">
+                <a:solidFill>
+                  <a:srgbClr val="C7D5E0"/>
+                </a:solidFill>
+              </a:rPr>
+              <a:t>fatto</a:t>
+            </a:r>
+            <a:r>
+              <a:rPr lang="en-US" sz="1600" dirty="0">
+                <a:solidFill>
+                  <a:srgbClr val="C7D5E0"/>
+                </a:solidFill>
+              </a:rPr>
+              <a:t> </a:t>
+            </a:r>
+            <a:r>
+              <a:rPr lang="en-US" sz="1600" dirty="0" err="1">
+                <a:solidFill>
+                  <a:srgbClr val="C7D5E0"/>
+                </a:solidFill>
+              </a:rPr>
+              <a:t>che</a:t>
+            </a:r>
+            <a:r>
+              <a:rPr lang="en-US" sz="1600" dirty="0">
+                <a:solidFill>
+                  <a:srgbClr val="C7D5E0"/>
+                </a:solidFill>
+              </a:rPr>
+              <a:t> </a:t>
+            </a:r>
+            <a:r>
+              <a:rPr lang="en-US" sz="1600" dirty="0">
+                <a:solidFill>
+                  <a:srgbClr val="66C0F4"/>
+                </a:solidFill>
+              </a:rPr>
+              <a:t>STEAM</a:t>
+            </a:r>
+            <a:r>
+              <a:rPr lang="en-US" sz="1600" dirty="0">
+                <a:solidFill>
+                  <a:srgbClr val="C7D5E0"/>
+                </a:solidFill>
+              </a:rPr>
+              <a:t> e’ </a:t>
+            </a:r>
+            <a:r>
+              <a:rPr lang="en-US" sz="1600" dirty="0" err="1">
+                <a:solidFill>
+                  <a:srgbClr val="C7D5E0"/>
+                </a:solidFill>
+              </a:rPr>
+              <a:t>una</a:t>
+            </a:r>
+            <a:r>
+              <a:rPr lang="en-US" sz="1600" dirty="0">
+                <a:solidFill>
+                  <a:srgbClr val="C7D5E0"/>
+                </a:solidFill>
+              </a:rPr>
+              <a:t> </a:t>
+            </a:r>
+            <a:r>
+              <a:rPr lang="en-US" sz="1600" dirty="0" err="1">
+                <a:solidFill>
+                  <a:srgbClr val="C7D5E0"/>
+                </a:solidFill>
+              </a:rPr>
+              <a:t>piattaforma</a:t>
+            </a:r>
+            <a:r>
+              <a:rPr lang="en-US" sz="1600" dirty="0">
+                <a:solidFill>
+                  <a:srgbClr val="C7D5E0"/>
+                </a:solidFill>
+              </a:rPr>
+              <a:t> di </a:t>
+            </a:r>
+            <a:r>
+              <a:rPr lang="en-US" sz="1600" dirty="0" err="1">
+                <a:solidFill>
+                  <a:srgbClr val="66C0F4"/>
+                </a:solidFill>
+              </a:rPr>
+              <a:t>distribuzione</a:t>
+            </a:r>
+            <a:r>
+              <a:rPr lang="en-US" sz="1600" dirty="0">
+                <a:solidFill>
+                  <a:srgbClr val="C7D5E0"/>
+                </a:solidFill>
+              </a:rPr>
+              <a:t> </a:t>
+            </a:r>
+            <a:r>
+              <a:rPr lang="en-US" sz="1600" dirty="0" err="1">
+                <a:solidFill>
+                  <a:srgbClr val="C7D5E0"/>
+                </a:solidFill>
+              </a:rPr>
+              <a:t>che</a:t>
+            </a:r>
+            <a:r>
+              <a:rPr lang="en-US" sz="1600" dirty="0">
+                <a:solidFill>
+                  <a:srgbClr val="C7D5E0"/>
+                </a:solidFill>
+              </a:rPr>
+              <a:t> </a:t>
+            </a:r>
+            <a:r>
+              <a:rPr lang="en-US" sz="1600" dirty="0" err="1">
+                <a:solidFill>
+                  <a:srgbClr val="C7D5E0"/>
+                </a:solidFill>
+              </a:rPr>
+              <a:t>si</a:t>
+            </a:r>
+            <a:r>
+              <a:rPr lang="en-US" sz="1600" dirty="0">
+                <a:solidFill>
+                  <a:srgbClr val="C7D5E0"/>
+                </a:solidFill>
+              </a:rPr>
+              <a:t> </a:t>
+            </a:r>
+            <a:r>
+              <a:rPr lang="en-US" sz="1600" dirty="0" err="1">
+                <a:solidFill>
+                  <a:srgbClr val="C7D5E0"/>
+                </a:solidFill>
+              </a:rPr>
+              <a:t>concentra</a:t>
+            </a:r>
+            <a:r>
+              <a:rPr lang="en-US" sz="1600" dirty="0">
+                <a:solidFill>
+                  <a:srgbClr val="C7D5E0"/>
+                </a:solidFill>
+              </a:rPr>
+              <a:t> sui VG a </a:t>
+            </a:r>
+            <a:r>
+              <a:rPr lang="en-US" sz="1600" dirty="0" err="1">
+                <a:solidFill>
+                  <a:srgbClr val="66C0F4"/>
+                </a:solidFill>
+              </a:rPr>
+              <a:t>pagamento</a:t>
+            </a:r>
+            <a:r>
+              <a:rPr lang="en-US" sz="1600" dirty="0">
+                <a:solidFill>
+                  <a:srgbClr val="C7D5E0"/>
+                </a:solidFill>
+              </a:rPr>
+              <a:t>.</a:t>
+            </a:r>
+          </a:p>
+        </p:txBody>
+      </p:sp>
+    </p:spTree>
+    <p:extLst>
+      <p:ext uri="{BB962C8B-B14F-4D97-AF65-F5344CB8AC3E}">
+        <p14:creationId xmlns:p14="http://schemas.microsoft.com/office/powerpoint/2010/main" val="855841173"/>
+      </p:ext>
+    </p:extLst>
+  </p:cSld>
+  <p:clrMapOvr>
+    <a:masterClrMapping/>
+  </p:clrMapOvr>
+</p:sld>
+</file>
+
+<file path=ppt/slides/slide15.xml><?xml version="1.0" encoding="utf-8"?>
+<p:sld xmlns:a="http://schemas.openxmlformats.org/drawingml/2006/main" xmlns:r="http://schemas.openxmlformats.org/officeDocument/2006/relationships" xmlns:p="http://schemas.openxmlformats.org/presentationml/2006/main">
+  <p:cSld>
+    <p:bg>
+      <p:bgPr>
+        <a:solidFill>
+          <a:srgbClr val="171A21"/>
+        </a:solidFill>
+        <a:effectLst/>
+      </p:bgPr>
+    </p:bg>
+    <p:spTree>
+      <p:nvGrpSpPr>
+        <p:cNvPr id="1" name=""/>
+        <p:cNvGrpSpPr/>
+        <p:nvPr/>
+      </p:nvGrpSpPr>
+      <p:grpSpPr>
+        <a:xfrm>
+          <a:off x="0" y="0"/>
+          <a:ext cx="0" cy="0"/>
+          <a:chOff x="0" y="0"/>
+          <a:chExt cx="0" cy="0"/>
+        </a:xfrm>
+      </p:grpSpPr>
+      <p:sp>
+        <p:nvSpPr>
+          <p:cNvPr id="16" name="Titolo 15">
+            <a:extLst>
+              <a:ext uri="{FF2B5EF4-FFF2-40B4-BE49-F238E27FC236}">
+                <a16:creationId xmlns:a16="http://schemas.microsoft.com/office/drawing/2014/main" id="{F7263360-930D-9D6A-C2AC-5E06A3EFBC66}"/>
+              </a:ext>
+            </a:extLst>
+          </p:cNvPr>
+          <p:cNvSpPr>
+            <a:spLocks noGrp="1"/>
+          </p:cNvSpPr>
+          <p:nvPr>
+            <p:ph type="title"/>
+          </p:nvPr>
+        </p:nvSpPr>
+        <p:spPr>
+          <a:xfrm>
+            <a:off x="838200" y="159702"/>
+            <a:ext cx="10515600" cy="777875"/>
+          </a:xfrm>
+        </p:spPr>
+        <p:txBody>
+          <a:bodyPr>
+            <a:normAutofit/>
+          </a:bodyPr>
+          <a:lstStyle/>
+          <a:p>
+            <a:pPr algn="ctr"/>
+            <a:r>
+              <a:rPr lang="en-US" sz="3200" b="1" dirty="0">
+                <a:solidFill>
+                  <a:srgbClr val="66C0F4"/>
+                </a:solidFill>
+              </a:rPr>
+              <a:t>La </a:t>
+            </a:r>
+            <a:r>
+              <a:rPr lang="en-US" sz="3200" b="1" dirty="0" err="1">
+                <a:solidFill>
+                  <a:srgbClr val="66C0F4"/>
+                </a:solidFill>
+              </a:rPr>
+              <a:t>crescita</a:t>
+            </a:r>
+            <a:r>
+              <a:rPr lang="en-US" sz="3200" b="1" dirty="0">
+                <a:solidFill>
+                  <a:srgbClr val="66C0F4"/>
+                </a:solidFill>
+              </a:rPr>
+              <a:t> del </a:t>
+            </a:r>
+            <a:r>
+              <a:rPr lang="en-US" sz="3200" b="1" dirty="0" err="1">
+                <a:solidFill>
+                  <a:srgbClr val="66C0F4"/>
+                </a:solidFill>
+              </a:rPr>
+              <a:t>mercato</a:t>
+            </a:r>
+            <a:r>
+              <a:rPr lang="en-US" sz="3200" b="1" dirty="0">
+                <a:solidFill>
+                  <a:srgbClr val="66C0F4"/>
+                </a:solidFill>
+              </a:rPr>
+              <a:t> F2P</a:t>
+            </a:r>
+          </a:p>
+        </p:txBody>
+      </p:sp>
+      <p:pic>
+        <p:nvPicPr>
+          <p:cNvPr id="17" name="Immagine 16" descr="Immagine che contiene Elementi grafici, cerchio, clipart, cartone animato">
+            <a:extLst>
+              <a:ext uri="{FF2B5EF4-FFF2-40B4-BE49-F238E27FC236}">
+                <a16:creationId xmlns:a16="http://schemas.microsoft.com/office/drawing/2014/main" id="{05A5E460-1E13-E434-F2FF-8F2679A217ED}"/>
+              </a:ext>
+            </a:extLst>
+          </p:cNvPr>
+          <p:cNvPicPr>
+            <a:picLocks noChangeAspect="1"/>
+          </p:cNvPicPr>
+          <p:nvPr/>
+        </p:nvPicPr>
+        <p:blipFill>
+          <a:blip r:embed="rId2">
+            <a:alphaModFix/>
+            <a:extLst>
+              <a:ext uri="{28A0092B-C50C-407E-A947-70E740481C1C}">
+                <a14:useLocalDpi xmlns:a14="http://schemas.microsoft.com/office/drawing/2010/main" val="0"/>
+              </a:ext>
+            </a:extLst>
+          </a:blip>
+          <a:stretch>
+            <a:fillRect/>
+          </a:stretch>
+        </p:blipFill>
+        <p:spPr>
+          <a:xfrm>
+            <a:off x="11642903" y="0"/>
+            <a:ext cx="549097" cy="548640"/>
+          </a:xfrm>
+          <a:prstGeom prst="rect">
+            <a:avLst/>
+          </a:prstGeom>
+          <a:effectLst>
+            <a:glow>
+              <a:schemeClr val="accent1">
+                <a:alpha val="40000"/>
+              </a:schemeClr>
+            </a:glow>
+            <a:outerShdw blurRad="1270000" dist="50800" algn="ctr" rotWithShape="0">
+              <a:srgbClr val="000000"/>
+            </a:outerShdw>
+            <a:reflection endPos="0" dir="5400000" sy="-100000" algn="bl" rotWithShape="0"/>
+            <a:softEdge rad="0"/>
+          </a:effectLst>
+        </p:spPr>
+      </p:pic>
+      <p:sp>
+        <p:nvSpPr>
+          <p:cNvPr id="2" name="CasellaDiTesto 1">
+            <a:extLst>
+              <a:ext uri="{FF2B5EF4-FFF2-40B4-BE49-F238E27FC236}">
+                <a16:creationId xmlns:a16="http://schemas.microsoft.com/office/drawing/2014/main" id="{4FD28836-ACB6-E224-EB0C-A8EC88FF5B27}"/>
+              </a:ext>
+            </a:extLst>
+          </p:cNvPr>
+          <p:cNvSpPr txBox="1"/>
+          <p:nvPr/>
+        </p:nvSpPr>
+        <p:spPr>
+          <a:xfrm>
+            <a:off x="838200" y="2690336"/>
+            <a:ext cx="3734874" cy="1754326"/>
+          </a:xfrm>
+          <a:prstGeom prst="rect">
+            <a:avLst/>
+          </a:prstGeom>
+          <a:noFill/>
+        </p:spPr>
+        <p:txBody>
+          <a:bodyPr wrap="square" rtlCol="0">
+            <a:spAutoFit/>
+          </a:bodyPr>
+          <a:lstStyle/>
+          <a:p>
+            <a:r>
+              <a:rPr lang="en-US" dirty="0" err="1">
+                <a:solidFill>
+                  <a:srgbClr val="C7D5E0"/>
+                </a:solidFill>
+              </a:rPr>
+              <a:t>Nonostante</a:t>
+            </a:r>
+            <a:r>
+              <a:rPr lang="en-US" dirty="0">
+                <a:solidFill>
+                  <a:srgbClr val="C7D5E0"/>
+                </a:solidFill>
+              </a:rPr>
+              <a:t> </a:t>
+            </a:r>
+            <a:r>
+              <a:rPr lang="en-US" dirty="0" err="1">
+                <a:solidFill>
+                  <a:srgbClr val="C7D5E0"/>
+                </a:solidFill>
+              </a:rPr>
+              <a:t>i</a:t>
+            </a:r>
+            <a:r>
+              <a:rPr lang="en-US" dirty="0">
+                <a:solidFill>
+                  <a:srgbClr val="C7D5E0"/>
+                </a:solidFill>
+              </a:rPr>
+              <a:t> VG </a:t>
+            </a:r>
+            <a:r>
+              <a:rPr lang="en-US" dirty="0">
+                <a:solidFill>
+                  <a:srgbClr val="66C0F4"/>
+                </a:solidFill>
+              </a:rPr>
+              <a:t>F2P</a:t>
+            </a:r>
+            <a:r>
+              <a:rPr lang="en-US" dirty="0">
+                <a:solidFill>
+                  <a:srgbClr val="C7D5E0"/>
+                </a:solidFill>
+              </a:rPr>
+              <a:t> </a:t>
+            </a:r>
+            <a:r>
+              <a:rPr lang="en-US" dirty="0" err="1">
+                <a:solidFill>
+                  <a:srgbClr val="C7D5E0"/>
+                </a:solidFill>
+              </a:rPr>
+              <a:t>compongano</a:t>
+            </a:r>
+            <a:r>
+              <a:rPr lang="en-US" dirty="0">
+                <a:solidFill>
+                  <a:srgbClr val="C7D5E0"/>
+                </a:solidFill>
+              </a:rPr>
+              <a:t> </a:t>
+            </a:r>
+            <a:r>
+              <a:rPr lang="en-US" dirty="0" err="1">
+                <a:solidFill>
+                  <a:srgbClr val="C7D5E0"/>
+                </a:solidFill>
+              </a:rPr>
+              <a:t>solamente</a:t>
+            </a:r>
+            <a:r>
+              <a:rPr lang="en-US" dirty="0">
+                <a:solidFill>
+                  <a:srgbClr val="C7D5E0"/>
+                </a:solidFill>
+              </a:rPr>
+              <a:t> il 10% </a:t>
+            </a:r>
+            <a:r>
+              <a:rPr lang="en-US" dirty="0" err="1">
+                <a:solidFill>
+                  <a:srgbClr val="C7D5E0"/>
+                </a:solidFill>
+              </a:rPr>
+              <a:t>dei</a:t>
+            </a:r>
+            <a:r>
+              <a:rPr lang="en-US" dirty="0">
+                <a:solidFill>
+                  <a:srgbClr val="C7D5E0"/>
+                </a:solidFill>
+              </a:rPr>
+              <a:t> </a:t>
+            </a:r>
+            <a:r>
+              <a:rPr lang="en-US" dirty="0" err="1">
+                <a:solidFill>
+                  <a:srgbClr val="C7D5E0"/>
+                </a:solidFill>
+              </a:rPr>
+              <a:t>prodotti</a:t>
+            </a:r>
+            <a:r>
+              <a:rPr lang="en-US" dirty="0">
+                <a:solidFill>
+                  <a:srgbClr val="C7D5E0"/>
+                </a:solidFill>
+              </a:rPr>
+              <a:t> di </a:t>
+            </a:r>
+            <a:r>
+              <a:rPr lang="en-US" dirty="0">
+                <a:solidFill>
+                  <a:srgbClr val="66C0F4"/>
+                </a:solidFill>
+              </a:rPr>
+              <a:t>STEAM</a:t>
+            </a:r>
+            <a:r>
+              <a:rPr lang="en-US" dirty="0">
+                <a:solidFill>
+                  <a:srgbClr val="C7D5E0"/>
+                </a:solidFill>
+              </a:rPr>
+              <a:t>, la revenue </a:t>
+            </a:r>
+            <a:r>
+              <a:rPr lang="en-US" dirty="0" err="1">
+                <a:solidFill>
+                  <a:srgbClr val="C7D5E0"/>
+                </a:solidFill>
+              </a:rPr>
+              <a:t>mondiale</a:t>
+            </a:r>
+            <a:r>
+              <a:rPr lang="en-US" dirty="0">
+                <a:solidFill>
+                  <a:srgbClr val="C7D5E0"/>
+                </a:solidFill>
+              </a:rPr>
+              <a:t> data </a:t>
+            </a:r>
+            <a:r>
+              <a:rPr lang="en-US" dirty="0" err="1">
+                <a:solidFill>
+                  <a:srgbClr val="C7D5E0"/>
+                </a:solidFill>
+              </a:rPr>
+              <a:t>dai</a:t>
+            </a:r>
+            <a:r>
+              <a:rPr lang="en-US" dirty="0">
+                <a:solidFill>
+                  <a:srgbClr val="C7D5E0"/>
+                </a:solidFill>
+              </a:rPr>
+              <a:t> </a:t>
+            </a:r>
+            <a:r>
+              <a:rPr lang="en-US" dirty="0" err="1">
+                <a:solidFill>
+                  <a:srgbClr val="C7D5E0"/>
+                </a:solidFill>
+              </a:rPr>
+              <a:t>contenuti</a:t>
+            </a:r>
+            <a:r>
+              <a:rPr lang="en-US" dirty="0">
+                <a:solidFill>
+                  <a:srgbClr val="C7D5E0"/>
+                </a:solidFill>
+              </a:rPr>
+              <a:t> </a:t>
+            </a:r>
+            <a:r>
+              <a:rPr lang="en-US" dirty="0" err="1">
+                <a:solidFill>
+                  <a:srgbClr val="C7D5E0"/>
+                </a:solidFill>
+              </a:rPr>
+              <a:t>aggiuntivi</a:t>
+            </a:r>
+            <a:r>
+              <a:rPr lang="en-US">
+                <a:solidFill>
+                  <a:srgbClr val="C7D5E0"/>
+                </a:solidFill>
+              </a:rPr>
+              <a:t> </a:t>
+            </a:r>
+            <a:r>
+              <a:rPr lang="en-US" dirty="0" err="1">
+                <a:solidFill>
+                  <a:srgbClr val="C7D5E0"/>
+                </a:solidFill>
+              </a:rPr>
+              <a:t>supera</a:t>
+            </a:r>
+            <a:r>
+              <a:rPr lang="en-US" dirty="0">
+                <a:solidFill>
+                  <a:srgbClr val="C7D5E0"/>
+                </a:solidFill>
+              </a:rPr>
+              <a:t> </a:t>
+            </a:r>
+            <a:r>
+              <a:rPr lang="en-US" dirty="0" err="1">
+                <a:solidFill>
+                  <a:srgbClr val="C7D5E0"/>
+                </a:solidFill>
+              </a:rPr>
+              <a:t>ormai</a:t>
+            </a:r>
+            <a:r>
+              <a:rPr lang="en-US" dirty="0">
+                <a:solidFill>
+                  <a:srgbClr val="C7D5E0"/>
+                </a:solidFill>
+              </a:rPr>
+              <a:t> di molto </a:t>
+            </a:r>
+            <a:r>
+              <a:rPr lang="en-US" dirty="0" err="1">
+                <a:solidFill>
+                  <a:srgbClr val="C7D5E0"/>
+                </a:solidFill>
+              </a:rPr>
+              <a:t>quella</a:t>
+            </a:r>
+            <a:r>
+              <a:rPr lang="en-US" dirty="0">
+                <a:solidFill>
+                  <a:srgbClr val="C7D5E0"/>
+                </a:solidFill>
+              </a:rPr>
+              <a:t> </a:t>
+            </a:r>
+            <a:r>
+              <a:rPr lang="en-US" dirty="0" err="1">
+                <a:solidFill>
+                  <a:srgbClr val="C7D5E0"/>
+                </a:solidFill>
+              </a:rPr>
+              <a:t>dei</a:t>
+            </a:r>
+            <a:r>
+              <a:rPr lang="en-US" dirty="0">
+                <a:solidFill>
+                  <a:srgbClr val="C7D5E0"/>
+                </a:solidFill>
+              </a:rPr>
+              <a:t> </a:t>
+            </a:r>
+            <a:r>
+              <a:rPr lang="en-US" dirty="0" err="1">
+                <a:solidFill>
+                  <a:srgbClr val="C7D5E0"/>
+                </a:solidFill>
+              </a:rPr>
+              <a:t>videogiochi</a:t>
+            </a:r>
+            <a:r>
+              <a:rPr lang="en-US" dirty="0">
+                <a:solidFill>
+                  <a:srgbClr val="C7D5E0"/>
+                </a:solidFill>
+              </a:rPr>
+              <a:t> </a:t>
+            </a:r>
+            <a:r>
+              <a:rPr lang="en-US" dirty="0">
+                <a:solidFill>
+                  <a:srgbClr val="66C0F4"/>
+                </a:solidFill>
+              </a:rPr>
+              <a:t>P2P</a:t>
+            </a:r>
+            <a:r>
+              <a:rPr lang="en-US" dirty="0">
+                <a:solidFill>
+                  <a:srgbClr val="C7D5E0"/>
+                </a:solidFill>
+              </a:rPr>
+              <a:t> (Premium).</a:t>
+            </a:r>
+          </a:p>
+        </p:txBody>
+      </p:sp>
+    </p:spTree>
+    <p:extLst>
+      <p:ext uri="{BB962C8B-B14F-4D97-AF65-F5344CB8AC3E}">
+        <p14:creationId xmlns:p14="http://schemas.microsoft.com/office/powerpoint/2010/main" val="3578977635"/>
+      </p:ext>
+    </p:extLst>
+  </p:cSld>
+  <p:clrMapOvr>
+    <a:masterClrMapping/>
+  </p:clrMapOvr>
+</p:sld>
+</file>
+
+<file path=ppt/slides/slide16.xml><?xml version="1.0" encoding="utf-8"?>
+<p:sld xmlns:a="http://schemas.openxmlformats.org/drawingml/2006/main" xmlns:r="http://schemas.openxmlformats.org/officeDocument/2006/relationships" xmlns:p="http://schemas.openxmlformats.org/presentationml/2006/main">
+  <p:cSld>
+    <p:bg>
+      <p:bgPr>
+        <a:solidFill>
+          <a:srgbClr val="171A21"/>
+        </a:solidFill>
+        <a:effectLst/>
+      </p:bgPr>
+    </p:bg>
+    <p:spTree>
+      <p:nvGrpSpPr>
+        <p:cNvPr id="1" name=""/>
+        <p:cNvGrpSpPr/>
+        <p:nvPr/>
+      </p:nvGrpSpPr>
+      <p:grpSpPr>
+        <a:xfrm>
+          <a:off x="0" y="0"/>
+          <a:ext cx="0" cy="0"/>
+          <a:chOff x="0" y="0"/>
+          <a:chExt cx="0" cy="0"/>
+        </a:xfrm>
+      </p:grpSpPr>
+      <p:sp>
+        <p:nvSpPr>
+          <p:cNvPr id="16" name="Titolo 15">
+            <a:extLst>
+              <a:ext uri="{FF2B5EF4-FFF2-40B4-BE49-F238E27FC236}">
+                <a16:creationId xmlns:a16="http://schemas.microsoft.com/office/drawing/2014/main" id="{F7263360-930D-9D6A-C2AC-5E06A3EFBC66}"/>
+              </a:ext>
+            </a:extLst>
+          </p:cNvPr>
+          <p:cNvSpPr>
+            <a:spLocks noGrp="1"/>
+          </p:cNvSpPr>
+          <p:nvPr>
+            <p:ph type="title"/>
+          </p:nvPr>
+        </p:nvSpPr>
+        <p:spPr>
+          <a:xfrm>
+            <a:off x="838200" y="159702"/>
+            <a:ext cx="10515600" cy="777875"/>
+          </a:xfrm>
+        </p:spPr>
+        <p:txBody>
+          <a:bodyPr>
+            <a:normAutofit/>
+          </a:bodyPr>
+          <a:lstStyle/>
+          <a:p>
+            <a:pPr algn="ctr"/>
+            <a:r>
+              <a:rPr lang="en-US" sz="3200" b="1" dirty="0" err="1">
+                <a:solidFill>
+                  <a:srgbClr val="66C0F4"/>
+                </a:solidFill>
+              </a:rPr>
               <a:t>Scelta</a:t>
             </a:r>
             <a:r>
@@ -6232,8 +7966,8 @@
         </p:nvSpPr>
         <p:spPr>
           <a:xfrm>
-            <a:off x="838200" y="937577"/>
-            <a:ext cx="7964198" cy="2862322"/>
+            <a:off x="2113901" y="1166842"/>
+            <a:ext cx="7964198" cy="4524315"/>
           </a:xfrm>
           <a:prstGeom prst="rect">
             <a:avLst/>
@@ -6247,7 +7981,7 @@
           <a:lstStyle/>
           <a:p>
             <a:r>
-              <a:rPr lang="en-US" sz="1500" dirty="0">
+              <a:rPr lang="en-US" dirty="0">
                 <a:solidFill>
                   <a:srgbClr val="C7D5E0"/>
                 </a:solidFill>
@@ -6255,7 +7989,7 @@
               <a:t>I </a:t>
             </a:r>
             <a:r>
-              <a:rPr lang="en-US" sz="1500" dirty="0" err="1">
+              <a:rPr lang="en-US" dirty="0" err="1">
                 <a:solidFill>
                   <a:srgbClr val="C7D5E0"/>
                 </a:solidFill>
@@ -6263,31 +7997,31 @@
               <a:t>Videogiochi</a:t>
             </a:r>
             <a:r>
-              <a:rPr lang="en-US" sz="1500" dirty="0">
-                <a:solidFill>
-                  <a:srgbClr val="C7D5E0"/>
-                </a:solidFill>
-              </a:rPr>
-              <a:t> </a:t>
-            </a:r>
-            <a:r>
-              <a:rPr lang="en-US" sz="1500" dirty="0" err="1">
-                <a:solidFill>
-                  <a:srgbClr val="C7D5E0"/>
+              <a:rPr lang="en-US" dirty="0">
+                <a:solidFill>
+                  <a:srgbClr val="C7D5E0"/>
+                </a:solidFill>
+              </a:rPr>
+              <a:t> </a:t>
+            </a:r>
+            <a:r>
+              <a:rPr lang="en-US" dirty="0" err="1">
+                <a:solidFill>
+                  <a:srgbClr val="66C0F4"/>
                 </a:solidFill>
               </a:rPr>
               <a:t>FreeToPlay</a:t>
             </a:r>
             <a:r>
-              <a:rPr lang="en-US" sz="1500" dirty="0">
-                <a:solidFill>
-                  <a:srgbClr val="C7D5E0"/>
+              <a:rPr lang="en-US" dirty="0">
+                <a:solidFill>
+                  <a:srgbClr val="66C0F4"/>
                 </a:solidFill>
               </a:rPr>
               <a:t> (F2P) </a:t>
             </a:r>
             <a:r>
-              <a:rPr lang="en-US" sz="1500" dirty="0" err="1">
+              <a:rPr lang="en-US" dirty="0" err="1">
                 <a:solidFill>
                   <a:srgbClr val="C7D5E0"/>
                 </a:solidFill>
@@ -6295,15 +8029,15 @@
               <a:t>sono</a:t>
             </a:r>
             <a:r>
-              <a:rPr lang="en-US" sz="1500" dirty="0">
-                <a:solidFill>
-                  <a:srgbClr val="C7D5E0"/>
-                </a:solidFill>
-              </a:rPr>
-              <a:t> </a:t>
-            </a:r>
-            <a:r>
-              <a:rPr lang="en-US" sz="1500" dirty="0" err="1">
+              <a:rPr lang="en-US" dirty="0">
+                <a:solidFill>
+                  <a:srgbClr val="C7D5E0"/>
+                </a:solidFill>
+              </a:rPr>
+              <a:t> </a:t>
+            </a:r>
+            <a:r>
+              <a:rPr lang="en-US" dirty="0" err="1">
                 <a:solidFill>
                   <a:srgbClr val="C7D5E0"/>
                 </a:solidFill>
@@ -6311,15 +8045,15 @@
               <a:t>prodotti</a:t>
             </a:r>
             <a:r>
-              <a:rPr lang="en-US" sz="1500" dirty="0">
-                <a:solidFill>
-                  <a:srgbClr val="C7D5E0"/>
-                </a:solidFill>
-              </a:rPr>
-              <a:t> </a:t>
-            </a:r>
-            <a:r>
-              <a:rPr lang="en-US" sz="1500" dirty="0" err="1">
+              <a:rPr lang="en-US" dirty="0">
+                <a:solidFill>
+                  <a:srgbClr val="C7D5E0"/>
+                </a:solidFill>
+              </a:rPr>
+              <a:t> </a:t>
+            </a:r>
+            <a:r>
+              <a:rPr lang="en-US" dirty="0" err="1">
                 <a:solidFill>
                   <a:srgbClr val="C7D5E0"/>
                 </a:solidFill>
@@ -6327,15 +8061,15 @@
               <a:t>distribuiti</a:t>
             </a:r>
             <a:r>
-              <a:rPr lang="en-US" sz="1500" dirty="0">
-                <a:solidFill>
-                  <a:srgbClr val="C7D5E0"/>
-                </a:solidFill>
-              </a:rPr>
-              <a:t> </a:t>
-            </a:r>
-            <a:r>
-              <a:rPr lang="en-US" sz="1500" dirty="0" err="1">
+              <a:rPr lang="en-US" dirty="0">
+                <a:solidFill>
+                  <a:srgbClr val="C7D5E0"/>
+                </a:solidFill>
+              </a:rPr>
+              <a:t> </a:t>
+            </a:r>
+            <a:r>
+              <a:rPr lang="en-US" dirty="0" err="1">
                 <a:solidFill>
                   <a:srgbClr val="C7D5E0"/>
                 </a:solidFill>
@@ -6343,15 +8077,15 @@
               <a:t>gratutitamente</a:t>
             </a:r>
             <a:r>
-              <a:rPr lang="en-US" sz="1500" dirty="0">
-                <a:solidFill>
-                  <a:srgbClr val="C7D5E0"/>
-                </a:solidFill>
-              </a:rPr>
-              <a:t> </a:t>
-            </a:r>
-            <a:r>
-              <a:rPr lang="en-US" sz="1500" dirty="0" err="1">
+              <a:rPr lang="en-US" dirty="0">
+                <a:solidFill>
+                  <a:srgbClr val="C7D5E0"/>
+                </a:solidFill>
+              </a:rPr>
+              <a:t> </a:t>
+            </a:r>
+            <a:r>
+              <a:rPr lang="en-US" dirty="0" err="1">
                 <a:solidFill>
                   <a:srgbClr val="C7D5E0"/>
                 </a:solidFill>
@@ -6359,15 +8093,15 @@
               <a:t>che</a:t>
             </a:r>
             <a:r>
-              <a:rPr lang="en-US" sz="1500" dirty="0">
-                <a:solidFill>
-                  <a:srgbClr val="C7D5E0"/>
-                </a:solidFill>
-              </a:rPr>
-              <a:t> </a:t>
-            </a:r>
-            <a:r>
-              <a:rPr lang="en-US" sz="1500" dirty="0" err="1">
+              <a:rPr lang="en-US" dirty="0">
+                <a:solidFill>
+                  <a:srgbClr val="C7D5E0"/>
+                </a:solidFill>
+              </a:rPr>
+              <a:t> </a:t>
+            </a:r>
+            <a:r>
+              <a:rPr lang="en-US" dirty="0" err="1">
                 <a:solidFill>
                   <a:srgbClr val="C7D5E0"/>
                 </a:solidFill>
@@ -6375,15 +8109,15 @@
               <a:t>solitamente</a:t>
             </a:r>
             <a:r>
-              <a:rPr lang="en-US" sz="1500" dirty="0">
-                <a:solidFill>
-                  <a:srgbClr val="C7D5E0"/>
-                </a:solidFill>
-              </a:rPr>
-              <a:t> </a:t>
-            </a:r>
-            <a:r>
-              <a:rPr lang="en-US" sz="1500" dirty="0" err="1">
+              <a:rPr lang="en-US" dirty="0">
+                <a:solidFill>
+                  <a:srgbClr val="C7D5E0"/>
+                </a:solidFill>
+              </a:rPr>
+              <a:t> </a:t>
+            </a:r>
+            <a:r>
+              <a:rPr lang="en-US" dirty="0" err="1">
                 <a:solidFill>
                   <a:srgbClr val="C7D5E0"/>
                 </a:solidFill>
@@ -6391,7 +8125,7 @@
               <a:t>utilizzano</a:t>
             </a:r>
             <a:r>
-              <a:rPr lang="en-US" sz="1500" dirty="0">
+              <a:rPr lang="en-US" dirty="0">
                 <a:solidFill>
                   <a:srgbClr val="C7D5E0"/>
                 </a:solidFill>
@@ -6399,7 +8133,7 @@
               <a:t> un </a:t>
             </a:r>
             <a:r>
-              <a:rPr lang="en-US" sz="1500" dirty="0" err="1">
+              <a:rPr lang="en-US" dirty="0" err="1">
                 <a:solidFill>
                   <a:srgbClr val="C7D5E0"/>
                 </a:solidFill>
@@ -6407,15 +8141,15 @@
               <a:t>modello</a:t>
             </a:r>
             <a:r>
-              <a:rPr lang="en-US" sz="1500" dirty="0">
-                <a:solidFill>
-                  <a:srgbClr val="C7D5E0"/>
-                </a:solidFill>
-              </a:rPr>
-              <a:t> </a:t>
-            </a:r>
-            <a:r>
-              <a:rPr lang="en-US" sz="1500" dirty="0" err="1">
+              <a:rPr lang="en-US" dirty="0">
+                <a:solidFill>
+                  <a:srgbClr val="C7D5E0"/>
+                </a:solidFill>
+              </a:rPr>
+              <a:t> </a:t>
+            </a:r>
+            <a:r>
+              <a:rPr lang="en-US" dirty="0" err="1">
                 <a:solidFill>
                   <a:srgbClr val="C7D5E0"/>
                 </a:solidFill>
@@ -6423,15 +8157,15 @@
               <a:t>economico</a:t>
             </a:r>
             <a:r>
-              <a:rPr lang="en-US" sz="1500" dirty="0">
-                <a:solidFill>
-                  <a:srgbClr val="C7D5E0"/>
-                </a:solidFill>
-              </a:rPr>
-              <a:t> </a:t>
-            </a:r>
-            <a:r>
-              <a:rPr lang="en-US" sz="1500" dirty="0" err="1">
+              <a:rPr lang="en-US" dirty="0">
+                <a:solidFill>
+                  <a:srgbClr val="C7D5E0"/>
+                </a:solidFill>
+              </a:rPr>
+              <a:t> </a:t>
+            </a:r>
+            <a:r>
+              <a:rPr lang="en-US" dirty="0" err="1">
                 <a:solidFill>
                   <a:srgbClr val="C7D5E0"/>
                 </a:solidFill>
@@ -6439,15 +8173,15 @@
               <a:t>basato</a:t>
             </a:r>
             <a:r>
-              <a:rPr lang="en-US" sz="1500" dirty="0">
-                <a:solidFill>
-                  <a:srgbClr val="C7D5E0"/>
-                </a:solidFill>
-              </a:rPr>
-              <a:t> </a:t>
-            </a:r>
-            <a:r>
-              <a:rPr lang="en-US" sz="1500" dirty="0" err="1">
+              <a:rPr lang="en-US" dirty="0">
+                <a:solidFill>
+                  <a:srgbClr val="C7D5E0"/>
+                </a:solidFill>
+              </a:rPr>
+              <a:t> </a:t>
+            </a:r>
+            <a:r>
+              <a:rPr lang="en-US" dirty="0" err="1">
                 <a:solidFill>
                   <a:srgbClr val="C7D5E0"/>
                 </a:solidFill>
@@ -6455,33 +8189,41 @@
               <a:t>sulle</a:t>
             </a:r>
             <a:r>
-              <a:rPr lang="en-US" sz="1500" dirty="0">
-                <a:solidFill>
-                  <a:srgbClr val="C7D5E0"/>
-                </a:solidFill>
-              </a:rPr>
-              <a:t> </a:t>
-            </a:r>
-            <a:r>
-              <a:rPr lang="en-US" sz="1500" dirty="0" err="1">
-                <a:solidFill>
-                  <a:srgbClr val="C7D5E0"/>
+              <a:rPr lang="en-US" dirty="0">
+                <a:solidFill>
+                  <a:srgbClr val="C7D5E0"/>
+                </a:solidFill>
+              </a:rPr>
+              <a:t> </a:t>
+            </a:r>
+            <a:r>
+              <a:rPr lang="en-US" dirty="0" err="1">
+                <a:solidFill>
+                  <a:srgbClr val="66C0F4"/>
                 </a:solidFill>
               </a:rPr>
               <a:t>Microtransazioni</a:t>
             </a:r>
             <a:r>
-              <a:rPr lang="en-US" sz="1500" dirty="0">
-                <a:solidFill>
-                  <a:srgbClr val="C7D5E0"/>
-                </a:solidFill>
-              </a:rPr>
-              <a:t> (MTX).</a:t>
-            </a:r>
-          </a:p>
-          <a:p>
-            <a:r>
-              <a:rPr lang="en-US" sz="1500" dirty="0" err="1">
+              <a:rPr lang="en-US" dirty="0">
+                <a:solidFill>
+                  <a:srgbClr val="66C0F4"/>
+                </a:solidFill>
+              </a:rPr>
+              <a:t> (MTX)</a:t>
+            </a:r>
+            <a:r>
+              <a:rPr lang="en-US" dirty="0">
+                <a:solidFill>
+                  <a:srgbClr val="C7D5E0"/>
+                </a:solidFill>
+              </a:rPr>
+              <a:t>.</a:t>
+            </a:r>
+          </a:p>
+          <a:p>
+            <a:r>
+              <a:rPr lang="en-US" dirty="0" err="1">
                 <a:solidFill>
                   <a:srgbClr val="C7D5E0"/>
                 </a:solidFill>
@@ -6489,7 +8231,7 @@
               <a:t>Pertanto</a:t>
             </a:r>
             <a:r>
-              <a:rPr lang="en-US" sz="1500" dirty="0">
+              <a:rPr lang="en-US" dirty="0">
                 <a:solidFill>
                   <a:srgbClr val="C7D5E0"/>
                 </a:solidFill>
@@ -6497,7 +8239,7 @@
               <a:t> il tempo di </a:t>
             </a:r>
             <a:r>
-              <a:rPr lang="en-US" sz="1500" dirty="0" err="1">
+              <a:rPr lang="en-US" dirty="0" err="1">
                 <a:solidFill>
                   <a:srgbClr val="C7D5E0"/>
                 </a:solidFill>
@@ -6505,7 +8247,7 @@
               <a:t>gioco</a:t>
             </a:r>
             <a:r>
-              <a:rPr lang="en-US" sz="1500" dirty="0">
+              <a:rPr lang="en-US" dirty="0">
                 <a:solidFill>
                   <a:srgbClr val="C7D5E0"/>
                 </a:solidFill>
@@ -6513,7 +8255,7 @@
               <a:t> ed il </a:t>
             </a:r>
             <a:r>
-              <a:rPr lang="en-US" sz="1500" dirty="0" err="1">
+              <a:rPr lang="en-US" dirty="0" err="1">
                 <a:solidFill>
                   <a:srgbClr val="C7D5E0"/>
                 </a:solidFill>
@@ -6521,7 +8263,7 @@
               <a:t>numero</a:t>
             </a:r>
             <a:r>
-              <a:rPr lang="en-US" sz="1500" dirty="0">
+              <a:rPr lang="en-US" dirty="0">
                 <a:solidFill>
                   <a:srgbClr val="C7D5E0"/>
                 </a:solidFill>
@@ -6529,7 +8271,7 @@
               <a:t> di </a:t>
             </a:r>
             <a:r>
-              <a:rPr lang="en-US" sz="1500" dirty="0" err="1">
+              <a:rPr lang="en-US" dirty="0" err="1">
                 <a:solidFill>
                   <a:srgbClr val="C7D5E0"/>
                 </a:solidFill>
@@ -6537,7 +8279,7 @@
               <a:t>giocatori</a:t>
             </a:r>
             <a:r>
-              <a:rPr lang="en-US" sz="1500" dirty="0">
+              <a:rPr lang="en-US" dirty="0">
                 <a:solidFill>
                   <a:srgbClr val="C7D5E0"/>
                 </a:solidFill>
@@ -6545,7 +8287,7 @@
               <a:t> online </a:t>
             </a:r>
             <a:r>
-              <a:rPr lang="en-US" sz="1500" dirty="0" err="1">
+              <a:rPr lang="en-US" dirty="0" err="1">
                 <a:solidFill>
                   <a:srgbClr val="C7D5E0"/>
                 </a:solidFill>
@@ -6553,15 +8295,15 @@
               <a:t>temporaneamente</a:t>
             </a:r>
             <a:r>
-              <a:rPr lang="en-US" sz="1500" dirty="0">
-                <a:solidFill>
-                  <a:srgbClr val="C7D5E0"/>
-                </a:solidFill>
-              </a:rPr>
-              <a:t> </a:t>
-            </a:r>
-            <a:r>
-              <a:rPr lang="en-US" sz="1500" dirty="0" err="1">
+              <a:rPr lang="en-US" dirty="0">
+                <a:solidFill>
+                  <a:srgbClr val="C7D5E0"/>
+                </a:solidFill>
+              </a:rPr>
+              <a:t> </a:t>
+            </a:r>
+            <a:r>
+              <a:rPr lang="en-US" dirty="0" err="1">
                 <a:solidFill>
                   <a:srgbClr val="C7D5E0"/>
                 </a:solidFill>
@@ -6569,15 +8311,15 @@
               <a:t>influiscono</a:t>
             </a:r>
             <a:r>
-              <a:rPr lang="en-US" sz="1500" dirty="0">
-                <a:solidFill>
-                  <a:srgbClr val="C7D5E0"/>
-                </a:solidFill>
-              </a:rPr>
-              <a:t> </a:t>
-            </a:r>
-            <a:r>
-              <a:rPr lang="en-US" sz="1500" dirty="0" err="1">
+              <a:rPr lang="en-US" dirty="0">
+                <a:solidFill>
+                  <a:srgbClr val="C7D5E0"/>
+                </a:solidFill>
+              </a:rPr>
+              <a:t> </a:t>
+            </a:r>
+            <a:r>
+              <a:rPr lang="en-US" dirty="0" err="1">
                 <a:solidFill>
                   <a:srgbClr val="C7D5E0"/>
                 </a:solidFill>
@@ -6585,15 +8327,15 @@
               <a:t>sul</a:t>
             </a:r>
             <a:r>
-              <a:rPr lang="en-US" sz="1500" dirty="0">
-                <a:solidFill>
-                  <a:srgbClr val="C7D5E0"/>
-                </a:solidFill>
-              </a:rPr>
-              <a:t> </a:t>
-            </a:r>
-            <a:r>
-              <a:rPr lang="en-US" sz="1500" dirty="0" err="1">
+              <a:rPr lang="en-US" dirty="0">
+                <a:solidFill>
+                  <a:srgbClr val="C7D5E0"/>
+                </a:solidFill>
+              </a:rPr>
+              <a:t> </a:t>
+            </a:r>
+            <a:r>
+              <a:rPr lang="en-US" dirty="0" err="1">
                 <a:solidFill>
                   <a:srgbClr val="C7D5E0"/>
                 </a:solidFill>
@@ -6601,15 +8343,15 @@
               <a:t>profitto</a:t>
             </a:r>
             <a:r>
-              <a:rPr lang="en-US" sz="1500" dirty="0">
-                <a:solidFill>
-                  <a:srgbClr val="C7D5E0"/>
-                </a:solidFill>
-              </a:rPr>
-              <a:t> </a:t>
-            </a:r>
-            <a:r>
-              <a:rPr lang="en-US" sz="1500" dirty="0" err="1">
+              <a:rPr lang="en-US" dirty="0">
+                <a:solidFill>
+                  <a:srgbClr val="C7D5E0"/>
+                </a:solidFill>
+              </a:rPr>
+              <a:t> </a:t>
+            </a:r>
+            <a:r>
+              <a:rPr lang="en-US" dirty="0" err="1">
                 <a:solidFill>
                   <a:srgbClr val="C7D5E0"/>
                 </a:solidFill>
@@ -6617,7 +8359,7 @@
               <a:t>registrato</a:t>
             </a:r>
             <a:r>
-              <a:rPr lang="en-US" sz="1500" dirty="0">
+              <a:rPr lang="en-US" dirty="0">
                 <a:solidFill>
                   <a:srgbClr val="C7D5E0"/>
                 </a:solidFill>
@@ -6626,7 +8368,7 @@
             </a:r>
           </a:p>
           <a:p>
-            <a:endParaRPr lang="en-US" sz="1500" dirty="0">
+            <a:endParaRPr lang="en-US" dirty="0">
               <a:solidFill>
                 <a:srgbClr val="C7D5E0"/>
               </a:solidFill>
@@ -6634,7 +8376,7 @@
           </a:p>
           <a:p>
             <a:r>
-              <a:rPr lang="en-US" sz="1500" dirty="0">
+              <a:rPr lang="en-US" dirty="0">
                 <a:solidFill>
                   <a:srgbClr val="C7D5E0"/>
                 </a:solidFill>
@@ -6642,23 +8384,31 @@
               <a:t>Il </a:t>
             </a:r>
             <a:r>
-              <a:rPr lang="en-US" sz="1500" dirty="0" err="1">
-                <a:solidFill>
-                  <a:srgbClr val="C7D5E0"/>
+              <a:rPr lang="en-US" dirty="0" err="1">
+                <a:solidFill>
+                  <a:srgbClr val="66C0F4"/>
                 </a:solidFill>
               </a:rPr>
               <a:t>numero</a:t>
             </a:r>
             <a:r>
-              <a:rPr lang="en-US" sz="1500" dirty="0">
-                <a:solidFill>
-                  <a:srgbClr val="C7D5E0"/>
-                </a:solidFill>
-              </a:rPr>
-              <a:t> di download (Estimated Owners) </a:t>
-            </a:r>
-            <a:r>
-              <a:rPr lang="en-US" sz="1500" dirty="0" err="1">
+              <a:rPr lang="en-US" dirty="0">
+                <a:solidFill>
+                  <a:srgbClr val="66C0F4"/>
+                </a:solidFill>
+              </a:rPr>
+              <a:t> di download </a:t>
+            </a:r>
+            <a:r>
+              <a:rPr lang="en-US" dirty="0">
+                <a:solidFill>
+                  <a:srgbClr val="C7D5E0"/>
+                </a:solidFill>
+              </a:rPr>
+              <a:t>(Estimated Owners) </a:t>
+            </a:r>
+            <a:r>
+              <a:rPr lang="en-US" dirty="0" err="1">
                 <a:solidFill>
                   <a:srgbClr val="C7D5E0"/>
                 </a:solidFill>
@@ -6666,15 +8416,15 @@
               <a:t>nel</a:t>
             </a:r>
             <a:r>
-              <a:rPr lang="en-US" sz="1500" dirty="0">
-                <a:solidFill>
-                  <a:srgbClr val="C7D5E0"/>
-                </a:solidFill>
-              </a:rPr>
-              <a:t> </a:t>
-            </a:r>
-            <a:r>
-              <a:rPr lang="en-US" sz="1500" dirty="0" err="1">
+              <a:rPr lang="en-US" dirty="0">
+                <a:solidFill>
+                  <a:srgbClr val="C7D5E0"/>
+                </a:solidFill>
+              </a:rPr>
+              <a:t> </a:t>
+            </a:r>
+            <a:r>
+              <a:rPr lang="en-US" dirty="0" err="1">
                 <a:solidFill>
                   <a:srgbClr val="C7D5E0"/>
                 </a:solidFill>
@@ -6682,15 +8432,15 @@
               <a:t>caso</a:t>
             </a:r>
             <a:r>
-              <a:rPr lang="en-US" sz="1500" dirty="0">
-                <a:solidFill>
-                  <a:srgbClr val="C7D5E0"/>
-                </a:solidFill>
-              </a:rPr>
-              <a:t> </a:t>
-            </a:r>
-            <a:r>
-              <a:rPr lang="en-US" sz="1500" dirty="0" err="1">
+              <a:rPr lang="en-US" dirty="0">
+                <a:solidFill>
+                  <a:srgbClr val="C7D5E0"/>
+                </a:solidFill>
+              </a:rPr>
+              <a:t> </a:t>
+            </a:r>
+            <a:r>
+              <a:rPr lang="en-US" dirty="0" err="1">
                 <a:solidFill>
                   <a:srgbClr val="C7D5E0"/>
                 </a:solidFill>
@@ -6698,15 +8448,15 @@
               <a:t>dei</a:t>
             </a:r>
             <a:r>
-              <a:rPr lang="en-US" sz="1500" dirty="0">
-                <a:solidFill>
-                  <a:srgbClr val="C7D5E0"/>
-                </a:solidFill>
-              </a:rPr>
-              <a:t> </a:t>
-            </a:r>
-            <a:r>
-              <a:rPr lang="en-US" sz="1500" dirty="0" err="1">
+              <a:rPr lang="en-US" dirty="0">
+                <a:solidFill>
+                  <a:srgbClr val="C7D5E0"/>
+                </a:solidFill>
+              </a:rPr>
+              <a:t> </a:t>
+            </a:r>
+            <a:r>
+              <a:rPr lang="en-US" dirty="0" err="1">
                 <a:solidFill>
                   <a:srgbClr val="C7D5E0"/>
                 </a:solidFill>
@@ -6714,7 +8464,7 @@
               <a:t>Videogiochi</a:t>
             </a:r>
             <a:r>
-              <a:rPr lang="en-US" sz="1500" dirty="0">
+              <a:rPr lang="en-US" dirty="0">
                 <a:solidFill>
                   <a:srgbClr val="C7D5E0"/>
                 </a:solidFill>
@@ -6722,7 +8472,7 @@
               <a:t> F2P non e’ un </a:t>
             </a:r>
             <a:r>
-              <a:rPr lang="en-US" sz="1500" dirty="0" err="1">
+              <a:rPr lang="en-US" dirty="0" err="1">
                 <a:solidFill>
                   <a:srgbClr val="C7D5E0"/>
                 </a:solidFill>
@@ -6730,15 +8480,15 @@
               <a:t>buon</a:t>
             </a:r>
             <a:r>
-              <a:rPr lang="en-US" sz="1500" dirty="0">
-                <a:solidFill>
-                  <a:srgbClr val="C7D5E0"/>
-                </a:solidFill>
-              </a:rPr>
-              <a:t> </a:t>
-            </a:r>
-            <a:r>
-              <a:rPr lang="en-US" sz="1500" dirty="0" err="1">
+              <a:rPr lang="en-US" dirty="0">
+                <a:solidFill>
+                  <a:srgbClr val="C7D5E0"/>
+                </a:solidFill>
+              </a:rPr>
+              <a:t> </a:t>
+            </a:r>
+            <a:r>
+              <a:rPr lang="en-US" dirty="0" err="1">
                 <a:solidFill>
                   <a:srgbClr val="C7D5E0"/>
                 </a:solidFill>
@@ -6746,7 +8496,7 @@
               <a:t>indicatore</a:t>
             </a:r>
             <a:r>
-              <a:rPr lang="en-US" sz="1500" dirty="0">
+              <a:rPr lang="en-US" dirty="0">
                 <a:solidFill>
                   <a:srgbClr val="C7D5E0"/>
                 </a:solidFill>
@@ -6754,7 +8504,7 @@
               <a:t> del </a:t>
             </a:r>
             <a:r>
-              <a:rPr lang="en-US" sz="1500" dirty="0" err="1">
+              <a:rPr lang="en-US" dirty="0" err="1">
                 <a:solidFill>
                   <a:srgbClr val="C7D5E0"/>
                 </a:solidFill>
@@ -6762,15 +8512,15 @@
               <a:t>successo</a:t>
             </a:r>
             <a:r>
-              <a:rPr lang="en-US" sz="1500" dirty="0">
-                <a:solidFill>
-                  <a:srgbClr val="C7D5E0"/>
-                </a:solidFill>
-              </a:rPr>
-              <a:t> </a:t>
-            </a:r>
-            <a:r>
-              <a:rPr lang="en-US" sz="1500" dirty="0" err="1">
+              <a:rPr lang="en-US" dirty="0">
+                <a:solidFill>
+                  <a:srgbClr val="C7D5E0"/>
+                </a:solidFill>
+              </a:rPr>
+              <a:t> </a:t>
+            </a:r>
+            <a:r>
+              <a:rPr lang="en-US" dirty="0" err="1">
                 <a:solidFill>
                   <a:srgbClr val="C7D5E0"/>
                 </a:solidFill>
@@ -6778,15 +8528,15 @@
               <a:t>economico</a:t>
             </a:r>
             <a:r>
-              <a:rPr lang="en-US" sz="1500" dirty="0">
-                <a:solidFill>
-                  <a:srgbClr val="C7D5E0"/>
-                </a:solidFill>
-              </a:rPr>
-              <a:t> </a:t>
-            </a:r>
-            <a:r>
-              <a:rPr lang="en-US" sz="1500" dirty="0" err="1">
+              <a:rPr lang="en-US" dirty="0">
+                <a:solidFill>
+                  <a:srgbClr val="C7D5E0"/>
+                </a:solidFill>
+              </a:rPr>
+              <a:t> </a:t>
+            </a:r>
+            <a:r>
+              <a:rPr lang="en-US" dirty="0" err="1">
                 <a:solidFill>
                   <a:srgbClr val="C7D5E0"/>
                 </a:solidFill>
@@ -6794,15 +8544,15 @@
               <a:t>degli</a:t>
             </a:r>
             <a:r>
-              <a:rPr lang="en-US" sz="1500" dirty="0">
-                <a:solidFill>
-                  <a:srgbClr val="C7D5E0"/>
-                </a:solidFill>
-              </a:rPr>
-              <a:t> </a:t>
-            </a:r>
-            <a:r>
-              <a:rPr lang="en-US" sz="1500" dirty="0" err="1">
+              <a:rPr lang="en-US" dirty="0">
+                <a:solidFill>
+                  <a:srgbClr val="C7D5E0"/>
+                </a:solidFill>
+              </a:rPr>
+              <a:t> </a:t>
+            </a:r>
+            <a:r>
+              <a:rPr lang="en-US" dirty="0" err="1">
                 <a:solidFill>
                   <a:srgbClr val="C7D5E0"/>
                 </a:solidFill>
@@ -6810,7 +8560,167 @@
               <a:t>stessi</a:t>
             </a:r>
             <a:r>
-              <a:rPr lang="en-US" sz="1500" dirty="0">
+              <a:rPr lang="en-US" dirty="0">
+                <a:solidFill>
+                  <a:srgbClr val="C7D5E0"/>
+                </a:solidFill>
+              </a:rPr>
+              <a:t>, </a:t>
+            </a:r>
+            <a:r>
+              <a:rPr lang="en-US" dirty="0" err="1">
+                <a:solidFill>
+                  <a:srgbClr val="C7D5E0"/>
+                </a:solidFill>
+              </a:rPr>
+              <a:t>che</a:t>
+            </a:r>
+            <a:r>
+              <a:rPr lang="en-US" dirty="0">
+                <a:solidFill>
+                  <a:srgbClr val="C7D5E0"/>
+                </a:solidFill>
+              </a:rPr>
+              <a:t> non </a:t>
+            </a:r>
+            <a:r>
+              <a:rPr lang="en-US" dirty="0" err="1">
+                <a:solidFill>
+                  <a:srgbClr val="C7D5E0"/>
+                </a:solidFill>
+              </a:rPr>
+              <a:t>avendo</a:t>
+            </a:r>
+            <a:r>
+              <a:rPr lang="en-US" dirty="0">
+                <a:solidFill>
+                  <a:srgbClr val="C7D5E0"/>
+                </a:solidFill>
+              </a:rPr>
+              <a:t> un </a:t>
+            </a:r>
+            <a:r>
+              <a:rPr lang="en-US" dirty="0" err="1">
+                <a:solidFill>
+                  <a:srgbClr val="C7D5E0"/>
+                </a:solidFill>
+              </a:rPr>
+              <a:t>prezzo</a:t>
+            </a:r>
+            <a:r>
+              <a:rPr lang="en-US" dirty="0">
+                <a:solidFill>
+                  <a:srgbClr val="C7D5E0"/>
+                </a:solidFill>
+              </a:rPr>
+              <a:t> di </a:t>
+            </a:r>
+            <a:r>
+              <a:rPr lang="en-US" dirty="0" err="1">
+                <a:solidFill>
+                  <a:srgbClr val="C7D5E0"/>
+                </a:solidFill>
+              </a:rPr>
+              <a:t>acquisto</a:t>
+            </a:r>
+            <a:r>
+              <a:rPr lang="en-US" dirty="0">
+                <a:solidFill>
+                  <a:srgbClr val="C7D5E0"/>
+                </a:solidFill>
+              </a:rPr>
+              <a:t> </a:t>
+            </a:r>
+            <a:r>
+              <a:rPr lang="en-US" dirty="0" err="1">
+                <a:solidFill>
+                  <a:srgbClr val="C7D5E0"/>
+                </a:solidFill>
+              </a:rPr>
+              <a:t>si</a:t>
+            </a:r>
+            <a:r>
+              <a:rPr lang="en-US" dirty="0">
+                <a:solidFill>
+                  <a:srgbClr val="C7D5E0"/>
+                </a:solidFill>
+              </a:rPr>
+              <a:t> </a:t>
+            </a:r>
+            <a:r>
+              <a:rPr lang="en-US" dirty="0" err="1">
+                <a:solidFill>
+                  <a:srgbClr val="C7D5E0"/>
+                </a:solidFill>
+              </a:rPr>
+              <a:t>basano</a:t>
+            </a:r>
+            <a:r>
+              <a:rPr lang="en-US" dirty="0">
+                <a:solidFill>
+                  <a:srgbClr val="C7D5E0"/>
+                </a:solidFill>
+              </a:rPr>
+              <a:t> </a:t>
+            </a:r>
+            <a:r>
+              <a:rPr lang="en-US" dirty="0" err="1">
+                <a:solidFill>
+                  <a:srgbClr val="C7D5E0"/>
+                </a:solidFill>
+              </a:rPr>
+              <a:t>sull’acquisto</a:t>
+            </a:r>
+            <a:r>
+              <a:rPr lang="en-US" dirty="0">
+                <a:solidFill>
+                  <a:srgbClr val="C7D5E0"/>
+                </a:solidFill>
+              </a:rPr>
+              <a:t> di </a:t>
+            </a:r>
+            <a:r>
+              <a:rPr lang="en-US" dirty="0" err="1">
+                <a:solidFill>
+                  <a:srgbClr val="66C0F4"/>
+                </a:solidFill>
+              </a:rPr>
+              <a:t>contenuto</a:t>
+            </a:r>
+            <a:r>
+              <a:rPr lang="en-US" dirty="0">
+                <a:solidFill>
+                  <a:srgbClr val="66C0F4"/>
+                </a:solidFill>
+              </a:rPr>
+              <a:t> </a:t>
+            </a:r>
+            <a:r>
+              <a:rPr lang="en-US" dirty="0" err="1">
+                <a:solidFill>
+                  <a:srgbClr val="66C0F4"/>
+                </a:solidFill>
+              </a:rPr>
+              <a:t>digitale</a:t>
+            </a:r>
+            <a:r>
+              <a:rPr lang="en-US" dirty="0">
+                <a:solidFill>
+                  <a:srgbClr val="66C0F4"/>
+                </a:solidFill>
+              </a:rPr>
+              <a:t> </a:t>
+            </a:r>
+            <a:r>
+              <a:rPr lang="en-US" dirty="0" err="1">
+                <a:solidFill>
+                  <a:srgbClr val="66C0F4"/>
+                </a:solidFill>
+              </a:rPr>
+              <a:t>aggiuntivo</a:t>
+            </a:r>
+            <a:r>
+              <a:rPr lang="en-US" dirty="0">
                 <a:solidFill>
                   <a:srgbClr val="C7D5E0"/>
                 </a:solidFill>
@@ -6819,7 +8729,7 @@
             </a:r>
           </a:p>
           <a:p>
-            <a:endParaRPr lang="en-US" sz="1500" dirty="0">
+            <a:endParaRPr lang="en-US" dirty="0">
               <a:solidFill>
                 <a:srgbClr val="C7D5E0"/>
               </a:solidFill>
@@ -6827,7 +8737,232 @@
           </a:p>
           <a:p>
             <a:r>
-              <a:rPr lang="en-US" sz="1500" dirty="0" err="1">
+              <a:rPr lang="en-US" dirty="0">
+                <a:solidFill>
+                  <a:srgbClr val="C7D5E0"/>
+                </a:solidFill>
+              </a:rPr>
+              <a:t>La </a:t>
+            </a:r>
+            <a:r>
+              <a:rPr lang="en-US" dirty="0" err="1">
+                <a:solidFill>
+                  <a:srgbClr val="C7D5E0"/>
+                </a:solidFill>
+              </a:rPr>
+              <a:t>tendenza</a:t>
+            </a:r>
+            <a:r>
+              <a:rPr lang="en-US" dirty="0">
+                <a:solidFill>
+                  <a:srgbClr val="C7D5E0"/>
+                </a:solidFill>
+              </a:rPr>
+              <a:t> del </a:t>
+            </a:r>
+            <a:r>
+              <a:rPr lang="en-US" dirty="0" err="1">
+                <a:solidFill>
+                  <a:srgbClr val="C7D5E0"/>
+                </a:solidFill>
+              </a:rPr>
+              <a:t>modello</a:t>
+            </a:r>
+            <a:r>
+              <a:rPr lang="en-US" dirty="0">
+                <a:solidFill>
+                  <a:srgbClr val="C7D5E0"/>
+                </a:solidFill>
+              </a:rPr>
+              <a:t> e’ </a:t>
+            </a:r>
+            <a:r>
+              <a:rPr lang="en-US" dirty="0" err="1">
+                <a:solidFill>
+                  <a:srgbClr val="C7D5E0"/>
+                </a:solidFill>
+              </a:rPr>
+              <a:t>quindi</a:t>
+            </a:r>
+            <a:r>
+              <a:rPr lang="en-US" dirty="0">
+                <a:solidFill>
+                  <a:srgbClr val="C7D5E0"/>
+                </a:solidFill>
+              </a:rPr>
+              <a:t> </a:t>
+            </a:r>
+            <a:r>
+              <a:rPr lang="en-US" dirty="0" err="1">
+                <a:solidFill>
+                  <a:srgbClr val="C7D5E0"/>
+                </a:solidFill>
+              </a:rPr>
+              <a:t>quella</a:t>
+            </a:r>
+            <a:r>
+              <a:rPr lang="en-US" dirty="0">
+                <a:solidFill>
+                  <a:srgbClr val="C7D5E0"/>
+                </a:solidFill>
+              </a:rPr>
+              <a:t> di </a:t>
+            </a:r>
+            <a:r>
+              <a:rPr lang="en-US" dirty="0" err="1">
+                <a:solidFill>
+                  <a:srgbClr val="C7D5E0"/>
+                </a:solidFill>
+              </a:rPr>
+              <a:t>aumentare</a:t>
+            </a:r>
+            <a:r>
+              <a:rPr lang="en-US" dirty="0">
+                <a:solidFill>
+                  <a:srgbClr val="C7D5E0"/>
+                </a:solidFill>
+              </a:rPr>
+              <a:t> il </a:t>
+            </a:r>
+            <a:r>
+              <a:rPr lang="en-US" dirty="0">
+                <a:solidFill>
+                  <a:srgbClr val="66C0F4"/>
+                </a:solidFill>
+              </a:rPr>
+              <a:t>tempo </a:t>
+            </a:r>
+            <a:r>
+              <a:rPr lang="en-US" dirty="0" err="1">
+                <a:solidFill>
+                  <a:srgbClr val="66C0F4"/>
+                </a:solidFill>
+              </a:rPr>
+              <a:t>passato</a:t>
+            </a:r>
+            <a:r>
+              <a:rPr lang="en-US" dirty="0">
+                <a:solidFill>
+                  <a:srgbClr val="66C0F4"/>
+                </a:solidFill>
+              </a:rPr>
+              <a:t> online </a:t>
+            </a:r>
+            <a:r>
+              <a:rPr lang="en-US" dirty="0">
+                <a:solidFill>
+                  <a:srgbClr val="C7D5E0"/>
+                </a:solidFill>
+              </a:rPr>
+              <a:t>in modo da </a:t>
+            </a:r>
+            <a:r>
+              <a:rPr lang="en-US" dirty="0" err="1">
+                <a:solidFill>
+                  <a:srgbClr val="C7D5E0"/>
+                </a:solidFill>
+              </a:rPr>
+              <a:t>poter</a:t>
+            </a:r>
+            <a:r>
+              <a:rPr lang="en-US" dirty="0">
+                <a:solidFill>
+                  <a:srgbClr val="C7D5E0"/>
+                </a:solidFill>
+              </a:rPr>
+              <a:t> </a:t>
+            </a:r>
+            <a:r>
+              <a:rPr lang="en-US" dirty="0" err="1">
+                <a:solidFill>
+                  <a:srgbClr val="C7D5E0"/>
+                </a:solidFill>
+              </a:rPr>
+              <a:t>invogliare</a:t>
+            </a:r>
+            <a:r>
+              <a:rPr lang="en-US" dirty="0">
+                <a:solidFill>
+                  <a:srgbClr val="C7D5E0"/>
+                </a:solidFill>
+              </a:rPr>
+              <a:t> piu’ </a:t>
+            </a:r>
+            <a:r>
+              <a:rPr lang="en-US" dirty="0" err="1">
+                <a:solidFill>
+                  <a:srgbClr val="C7D5E0"/>
+                </a:solidFill>
+              </a:rPr>
+              <a:t>frequentemente</a:t>
+            </a:r>
+            <a:r>
+              <a:rPr lang="en-US" dirty="0">
+                <a:solidFill>
+                  <a:srgbClr val="C7D5E0"/>
+                </a:solidFill>
+              </a:rPr>
+              <a:t> </a:t>
+            </a:r>
+            <a:r>
+              <a:rPr lang="en-US" dirty="0" err="1">
+                <a:solidFill>
+                  <a:srgbClr val="C7D5E0"/>
+                </a:solidFill>
+              </a:rPr>
+              <a:t>l’utente</a:t>
+            </a:r>
+            <a:r>
+              <a:rPr lang="en-US" dirty="0">
+                <a:solidFill>
+                  <a:srgbClr val="C7D5E0"/>
+                </a:solidFill>
+              </a:rPr>
+              <a:t> </a:t>
+            </a:r>
+            <a:r>
+              <a:rPr lang="en-US" dirty="0" err="1">
+                <a:solidFill>
+                  <a:srgbClr val="C7D5E0"/>
+                </a:solidFill>
+              </a:rPr>
+              <a:t>all’acquisto</a:t>
+            </a:r>
+            <a:r>
+              <a:rPr lang="en-US" dirty="0">
+                <a:solidFill>
+                  <a:srgbClr val="C7D5E0"/>
+                </a:solidFill>
+              </a:rPr>
+              <a:t> di </a:t>
+            </a:r>
+            <a:r>
+              <a:rPr lang="en-US" dirty="0">
+                <a:solidFill>
+                  <a:srgbClr val="66C0F4"/>
+                </a:solidFill>
+              </a:rPr>
+              <a:t>MTXs</a:t>
+            </a:r>
+            <a:r>
+              <a:rPr lang="en-US" dirty="0">
+                <a:solidFill>
+                  <a:srgbClr val="C7D5E0"/>
+                </a:solidFill>
+              </a:rPr>
+              <a:t>.</a:t>
+            </a:r>
+          </a:p>
+          <a:p>
+            <a:endParaRPr lang="en-US" dirty="0">
+              <a:solidFill>
+                <a:srgbClr val="C7D5E0"/>
+              </a:solidFill>
+            </a:endParaRPr>
+          </a:p>
+          <a:p>
+            <a:r>
+              <a:rPr lang="en-US" dirty="0" err="1">
                 <a:solidFill>
                   <a:srgbClr val="C7D5E0"/>
                 </a:solidFill>
@@ -6835,15 +8970,15 @@
               <a:t>Procediamo</a:t>
             </a:r>
             <a:r>
-              <a:rPr lang="en-US" sz="1500" dirty="0">
-                <a:solidFill>
-                  <a:srgbClr val="C7D5E0"/>
-                </a:solidFill>
-              </a:rPr>
-              <a:t> </a:t>
-            </a:r>
-            <a:r>
-              <a:rPr lang="en-US" sz="1500" dirty="0" err="1">
+              <a:rPr lang="en-US" dirty="0">
+                <a:solidFill>
+                  <a:srgbClr val="C7D5E0"/>
+                </a:solidFill>
+              </a:rPr>
+              <a:t> </a:t>
+            </a:r>
+            <a:r>
+              <a:rPr lang="en-US" dirty="0" err="1">
                 <a:solidFill>
                   <a:srgbClr val="C7D5E0"/>
                 </a:solidFill>
@@ -6851,7 +8986,7 @@
               <a:t>quindi</a:t>
             </a:r>
             <a:r>
-              <a:rPr lang="en-US" sz="1500" dirty="0">
+              <a:rPr lang="en-US" dirty="0">
                 <a:solidFill>
                   <a:srgbClr val="C7D5E0"/>
                 </a:solidFill>
@@ -6859,7 +8994,7 @@
               <a:t> ad </a:t>
             </a:r>
             <a:r>
-              <a:rPr lang="en-US" sz="1500" dirty="0" err="1">
+              <a:rPr lang="en-US" dirty="0" err="1">
                 <a:solidFill>
                   <a:srgbClr val="C7D5E0"/>
                 </a:solidFill>
@@ -6867,7 +9002,7 @@
               <a:t>analizzare</a:t>
             </a:r>
             <a:r>
-              <a:rPr lang="en-US" sz="1500" dirty="0">
+              <a:rPr lang="en-US" dirty="0">
                 <a:solidFill>
                   <a:srgbClr val="C7D5E0"/>
                 </a:solidFill>
@@ -6875,7 +9010,7 @@
               <a:t> due </a:t>
             </a:r>
             <a:r>
-              <a:rPr lang="en-US" sz="1500" dirty="0" err="1">
+              <a:rPr lang="en-US" dirty="0" err="1">
                 <a:solidFill>
                   <a:srgbClr val="C7D5E0"/>
                 </a:solidFill>
@@ -6883,23 +9018,23 @@
               <a:t>diversi</a:t>
             </a:r>
             <a:r>
-              <a:rPr lang="en-US" sz="1500" dirty="0">
-                <a:solidFill>
-                  <a:srgbClr val="C7D5E0"/>
-                </a:solidFill>
-              </a:rPr>
-              <a:t> </a:t>
-            </a:r>
-            <a:r>
-              <a:rPr lang="en-US" sz="1500" dirty="0" err="1">
-                <a:solidFill>
-                  <a:srgbClr val="C7D5E0"/>
+              <a:rPr lang="en-US" dirty="0">
+                <a:solidFill>
+                  <a:srgbClr val="C7D5E0"/>
+                </a:solidFill>
+              </a:rPr>
+              <a:t> </a:t>
+            </a:r>
+            <a:r>
+              <a:rPr lang="en-US" dirty="0" err="1">
+                <a:solidFill>
+                  <a:srgbClr val="66C0F4"/>
                 </a:solidFill>
               </a:rPr>
               <a:t>classificatori</a:t>
             </a:r>
             <a:r>
-              <a:rPr lang="en-US" sz="1500" dirty="0">
+              <a:rPr lang="en-US" dirty="0">
                 <a:solidFill>
                   <a:srgbClr val="C7D5E0"/>
                 </a:solidFill>
@@ -6916,15 +9051,23 @@
               <a:buChar char="•"/>
             </a:pPr>
             <a:r>
-              <a:rPr lang="en-US" sz="1500" dirty="0">
-                <a:solidFill>
-                  <a:srgbClr val="C7D5E0"/>
-                </a:solidFill>
-              </a:rPr>
-              <a:t>Peak CCU – Il </a:t>
-            </a:r>
-            <a:r>
-              <a:rPr lang="en-US" sz="1500" dirty="0" err="1">
+              <a:rPr lang="en-US" dirty="0">
+                <a:solidFill>
+                  <a:srgbClr val="66C0F4"/>
+                </a:solidFill>
+              </a:rPr>
+              <a:t>Peak CCU </a:t>
+            </a:r>
+            <a:r>
+              <a:rPr lang="en-US" dirty="0">
+                <a:solidFill>
+                  <a:srgbClr val="C7D5E0"/>
+                </a:solidFill>
+              </a:rPr>
+              <a:t>– Il </a:t>
+            </a:r>
+            <a:r>
+              <a:rPr lang="en-US" dirty="0" err="1">
                 <a:solidFill>
                   <a:srgbClr val="C7D5E0"/>
                 </a:solidFill>
@@ -6932,7 +9075,7 @@
               <a:t>picco</a:t>
             </a:r>
             <a:r>
-              <a:rPr lang="en-US" sz="1500" dirty="0">
+              <a:rPr lang="en-US" dirty="0">
                 <a:solidFill>
                   <a:srgbClr val="C7D5E0"/>
                 </a:solidFill>
@@ -6940,7 +9083,7 @@
               <a:t> di </a:t>
             </a:r>
             <a:r>
-              <a:rPr lang="en-US" sz="1500" dirty="0" err="1">
+              <a:rPr lang="en-US" dirty="0" err="1">
                 <a:solidFill>
                   <a:srgbClr val="C7D5E0"/>
                 </a:solidFill>
@@ -6948,7 +9091,7 @@
               <a:t>giocatori</a:t>
             </a:r>
             <a:r>
-              <a:rPr lang="en-US" sz="1500" dirty="0">
+              <a:rPr lang="en-US" dirty="0">
                 <a:solidFill>
                   <a:srgbClr val="C7D5E0"/>
                 </a:solidFill>
@@ -6956,7 +9099,7 @@
               <a:t> online in </a:t>
             </a:r>
             <a:r>
-              <a:rPr lang="en-US" sz="1500" dirty="0" err="1">
+              <a:rPr lang="en-US" dirty="0" err="1">
                 <a:solidFill>
                   <a:srgbClr val="C7D5E0"/>
                 </a:solidFill>
@@ -6964,7 +9107,7 @@
               <a:t>contemporanea</a:t>
             </a:r>
             <a:r>
-              <a:rPr lang="en-US" sz="1500" dirty="0">
+              <a:rPr lang="en-US" dirty="0">
                 <a:solidFill>
                   <a:srgbClr val="C7D5E0"/>
                 </a:solidFill>
@@ -6972,7 +9115,7 @@
               <a:t> piu’ alto </a:t>
             </a:r>
             <a:r>
-              <a:rPr lang="en-US" sz="1500" dirty="0" err="1">
+              <a:rPr lang="en-US" dirty="0" err="1">
                 <a:solidFill>
                   <a:srgbClr val="C7D5E0"/>
                 </a:solidFill>
@@ -6980,22 +9123,22 @@
               <a:t>mai</a:t>
             </a:r>
             <a:r>
-              <a:rPr lang="en-US" sz="1500" dirty="0">
-                <a:solidFill>
-                  <a:srgbClr val="C7D5E0"/>
-                </a:solidFill>
-              </a:rPr>
-              <a:t> </a:t>
-            </a:r>
-            <a:r>
-              <a:rPr lang="en-US" sz="1500" dirty="0" err="1">
+              <a:rPr lang="en-US" dirty="0">
+                <a:solidFill>
+                  <a:srgbClr val="C7D5E0"/>
+                </a:solidFill>
+              </a:rPr>
+              <a:t> </a:t>
+            </a:r>
+            <a:r>
+              <a:rPr lang="en-US" dirty="0" err="1">
                 <a:solidFill>
                   <a:srgbClr val="C7D5E0"/>
                 </a:solidFill>
               </a:rPr>
               <a:t>registrato</a:t>
             </a:r>
-            <a:endParaRPr lang="en-US" sz="1500" dirty="0">
+            <a:endParaRPr lang="en-US" dirty="0">
               <a:solidFill>
                 <a:srgbClr val="C7D5E0"/>
               </a:solidFill>
@@ -7010,15 +9153,15 @@
               <a:buChar char="•"/>
             </a:pPr>
             <a:r>
-              <a:rPr lang="en-US" sz="1500" dirty="0" err="1">
-                <a:solidFill>
-                  <a:srgbClr val="C7D5E0"/>
+              <a:rPr lang="en-US" dirty="0" err="1">
+                <a:solidFill>
+                  <a:srgbClr val="66C0F4"/>
                 </a:solidFill>
               </a:rPr>
               <a:t>AverageTime</a:t>
             </a:r>
             <a:r>
-              <a:rPr lang="en-US" sz="1500" dirty="0">
+              <a:rPr lang="en-US" dirty="0">
                 <a:solidFill>
                   <a:srgbClr val="C7D5E0"/>
                 </a:solidFill>
@@ -7026,7 +9169,7 @@
               <a:t> – Il tempo medio di </a:t>
             </a:r>
             <a:r>
-              <a:rPr lang="en-US" sz="1500" dirty="0" err="1">
+              <a:rPr lang="en-US" dirty="0" err="1">
                 <a:solidFill>
                   <a:srgbClr val="C7D5E0"/>
                 </a:solidFill>
@@ -7034,7 +9177,7 @@
               <a:t>utilizzo</a:t>
             </a:r>
             <a:r>
-              <a:rPr lang="en-US" sz="1500" dirty="0">
+              <a:rPr lang="en-US" dirty="0">
                 <a:solidFill>
                   <a:srgbClr val="C7D5E0"/>
                 </a:solidFill>
@@ -7042,7 +9185,7 @@
               <a:t> di un </a:t>
             </a:r>
             <a:r>
-              <a:rPr lang="en-US" sz="1500" dirty="0" err="1">
+              <a:rPr lang="en-US" dirty="0" err="1">
                 <a:solidFill>
                   <a:srgbClr val="C7D5E0"/>
                 </a:solidFill>
@@ -7050,7 +9193,7 @@
               <a:t>Videogioco</a:t>
             </a:r>
             <a:r>
-              <a:rPr lang="en-US" sz="1500" dirty="0">
+              <a:rPr lang="en-US" dirty="0">
                 <a:solidFill>
                   <a:srgbClr val="C7D5E0"/>
                 </a:solidFill>
@@ -7058,7 +9201,7 @@
               <a:t> da </a:t>
             </a:r>
             <a:r>
-              <a:rPr lang="en-US" sz="1500" dirty="0" err="1">
+              <a:rPr lang="en-US" dirty="0" err="1">
                 <a:solidFill>
                   <a:srgbClr val="C7D5E0"/>
                 </a:solidFill>
@@ -7066,15 +9209,15 @@
               <a:t>parte</a:t>
             </a:r>
             <a:r>
-              <a:rPr lang="en-US" sz="1500" dirty="0">
-                <a:solidFill>
-                  <a:srgbClr val="C7D5E0"/>
-                </a:solidFill>
-              </a:rPr>
-              <a:t> </a:t>
-            </a:r>
-            <a:r>
-              <a:rPr lang="en-US" sz="1500" dirty="0" err="1">
+              <a:rPr lang="en-US" dirty="0">
+                <a:solidFill>
+                  <a:srgbClr val="C7D5E0"/>
+                </a:solidFill>
+              </a:rPr>
+              <a:t> </a:t>
+            </a:r>
+            <a:r>
+              <a:rPr lang="en-US" dirty="0" err="1">
                 <a:solidFill>
                   <a:srgbClr val="C7D5E0"/>
                 </a:solidFill>
@@ -7082,15 +9225,15 @@
               <a:t>degli</a:t>
             </a:r>
             <a:r>
-              <a:rPr lang="en-US" sz="1500" dirty="0">
-                <a:solidFill>
-                  <a:srgbClr val="C7D5E0"/>
-                </a:solidFill>
-              </a:rPr>
-              <a:t> </a:t>
-            </a:r>
-            <a:r>
-              <a:rPr lang="en-US" sz="1500" dirty="0" err="1">
+              <a:rPr lang="en-US" dirty="0">
+                <a:solidFill>
+                  <a:srgbClr val="C7D5E0"/>
+                </a:solidFill>
+              </a:rPr>
+              <a:t> </a:t>
+            </a:r>
+            <a:r>
+              <a:rPr lang="en-US" dirty="0" err="1">
                 <a:solidFill>
                   <a:srgbClr val="C7D5E0"/>
                 </a:solidFill>
@@ -7098,15 +9241,15 @@
               <a:t>utenti</a:t>
             </a:r>
             <a:r>
-              <a:rPr lang="en-US" sz="1500" dirty="0">
-                <a:solidFill>
-                  <a:srgbClr val="C7D5E0"/>
-                </a:solidFill>
-              </a:rPr>
-              <a:t> </a:t>
-            </a:r>
-            <a:r>
-              <a:rPr lang="en-US" sz="1500" dirty="0" err="1">
+              <a:rPr lang="en-US" dirty="0">
+                <a:solidFill>
+                  <a:srgbClr val="C7D5E0"/>
+                </a:solidFill>
+              </a:rPr>
+              <a:t> </a:t>
+            </a:r>
+            <a:r>
+              <a:rPr lang="en-US" dirty="0" err="1">
                 <a:solidFill>
                   <a:srgbClr val="C7D5E0"/>
                 </a:solidFill>
@@ -7114,7 +9257,7 @@
               <a:t>che</a:t>
             </a:r>
             <a:r>
-              <a:rPr lang="en-US" sz="1500" dirty="0">
+              <a:rPr lang="en-US" dirty="0">
                 <a:solidFill>
                   <a:srgbClr val="C7D5E0"/>
                 </a:solidFill>
@@ -7122,7 +9265,7 @@
               <a:t> lo </a:t>
             </a:r>
             <a:r>
-              <a:rPr lang="en-US" sz="1500" dirty="0" err="1">
+              <a:rPr lang="en-US" dirty="0" err="1">
                 <a:solidFill>
                   <a:srgbClr val="C7D5E0"/>
                 </a:solidFill>
@@ -7130,7 +9273,7 @@
               <a:t>acquistano</a:t>
             </a:r>
             <a:r>
-              <a:rPr lang="en-US" sz="1500" dirty="0">
+              <a:rPr lang="en-US" dirty="0">
                 <a:solidFill>
                   <a:srgbClr val="C7D5E0"/>
                 </a:solidFill>
@@ -7138,7 +9281,7 @@
               <a:t> (o </a:t>
             </a:r>
             <a:r>
-              <a:rPr lang="en-US" sz="1500" dirty="0" err="1">
+              <a:rPr lang="en-US" dirty="0" err="1">
                 <a:solidFill>
                   <a:srgbClr val="C7D5E0"/>
                 </a:solidFill>
@@ -7146,7 +9289,7 @@
               <a:t>scaricano</a:t>
             </a:r>
             <a:r>
-              <a:rPr lang="en-US" sz="1500" dirty="0">
+              <a:rPr lang="en-US" dirty="0">
                 <a:solidFill>
                   <a:srgbClr val="C7D5E0"/>
                 </a:solidFill>
@@ -7169,7 +9312,7 @@
 </p:sld>
 </file>
 
-<file path=ppt/slides/slide15.xml><?xml version="1.0" encoding="utf-8"?>
+<file path=ppt/slides/slide17.xml><?xml version="1.0" encoding="utf-8"?>
 <p:sld xmlns:a="http://schemas.openxmlformats.org/drawingml/2006/main" xmlns:r="http://schemas.openxmlformats.org/officeDocument/2006/relationships" xmlns:p="http://schemas.openxmlformats.org/presentationml/2006/main">
   <p:cSld>
     <p:bg>
@@ -7764,7 +9907,7 @@
 </p:sld>
 </file>
 
-<file path=ppt/slides/slide16.xml><?xml version="1.0" encoding="utf-8"?>
+<file path=ppt/slides/slide18.xml><?xml version="1.0" encoding="utf-8"?>
 <p:sld xmlns:a="http://schemas.openxmlformats.org/drawingml/2006/main" xmlns:r="http://schemas.openxmlformats.org/officeDocument/2006/relationships" xmlns:p="http://schemas.openxmlformats.org/presentationml/2006/main">
   <p:cSld>
     <p:bg>
@@ -7927,7 +10070,7 @@
 </p:sld>
 </file>
 
-<file path=ppt/slides/slide17.xml><?xml version="1.0" encoding="utf-8"?>
+<file path=ppt/slides/slide19.xml><?xml version="1.0" encoding="utf-8"?>
 <p:sld xmlns:a="http://schemas.openxmlformats.org/drawingml/2006/main" xmlns:r="http://schemas.openxmlformats.org/officeDocument/2006/relationships" xmlns:p="http://schemas.openxmlformats.org/presentationml/2006/main">
   <p:cSld>
     <p:bg>
@@ -8188,7 +10331,23 @@
                   <a:srgbClr val="C7D5E0"/>
                 </a:solidFill>
               </a:rPr>
-              <a:t> non e’ </a:t>
+              <a:t> </a:t>
+            </a:r>
+            <a:r>
+              <a:rPr lang="en-US" sz="1500" dirty="0">
+                <a:solidFill>
+                  <a:srgbClr val="66C0F4"/>
+                </a:solidFill>
+              </a:rPr>
+              <a:t>non e’</a:t>
+            </a:r>
+            <a:r>
+              <a:rPr lang="en-US" sz="1500" dirty="0">
+                <a:solidFill>
+                  <a:srgbClr val="C7D5E0"/>
+                </a:solidFill>
+              </a:rPr>
+              <a:t> </a:t>
             </a:r>
             <a:r>
               <a:rPr lang="en-US" sz="1500" dirty="0" err="1">
@@ -8374,16 +10533,6 @@
               </a:rPr>
               <a:t>Videogioco</a:t>
             </a:r>
-            <a:r>
-              <a:rPr lang="en-US" sz="1500" dirty="0">
-                <a:solidFill>
-                  <a:srgbClr val="C7D5E0"/>
-                </a:solidFill>
-              </a:rPr>
-              <a:t>.</a:t>
-            </a:r>
-          </a:p>
-          <a:p>
             <a:endParaRPr lang="en-US" sz="1500" dirty="0">
               <a:solidFill>
                 <a:srgbClr val="C7D5E0"/>
@@ -8391,6 +10540,13 @@
             </a:endParaRPr>
           </a:p>
           <a:p>
+            <a:endParaRPr lang="en-US" sz="1500" dirty="0">
+              <a:solidFill>
+                <a:srgbClr val="C7D5E0"/>
+              </a:solidFill>
+            </a:endParaRPr>
+          </a:p>
+          <a:p>
             <a:r>
               <a:rPr lang="en-US" sz="1500" dirty="0">
                 <a:solidFill>
@@ -8418,7 +10574,7 @@
             <a:r>
               <a:rPr lang="en-US" sz="1500" dirty="0" err="1">
                 <a:solidFill>
-                  <a:srgbClr val="C7D5E0"/>
+                  <a:srgbClr val="66C0F4"/>
                 </a:solidFill>
               </a:rPr>
               <a:t>classificatore</a:t>
@@ -8450,7 +10606,7 @@
             <a:r>
               <a:rPr lang="en-US" sz="1500" dirty="0" err="1">
                 <a:solidFill>
-                  <a:srgbClr val="C7D5E0"/>
+                  <a:srgbClr val="66C0F4"/>
                 </a:solidFill>
               </a:rPr>
               <a:t>unito</a:t>
@@ -8458,7 +10614,7 @@
             <a:r>
               <a:rPr lang="en-US" sz="1500" dirty="0">
                 <a:solidFill>
-                  <a:srgbClr val="C7D5E0"/>
+                  <a:srgbClr val="66C0F4"/>
                 </a:solidFill>
               </a:rPr>
               <a:t> al </a:t>
@@ -8466,7 +10622,7 @@
             <a:r>
               <a:rPr lang="en-US" sz="1500" dirty="0" err="1">
                 <a:solidFill>
-                  <a:srgbClr val="C7D5E0"/>
+                  <a:srgbClr val="66C0F4"/>
                 </a:solidFill>
               </a:rPr>
               <a:t>numero</a:t>
@@ -8474,10 +10630,18 @@
             <a:r>
               <a:rPr lang="en-US" sz="1500" dirty="0">
                 <a:solidFill>
-                  <a:srgbClr val="C7D5E0"/>
-                </a:solidFill>
-              </a:rPr>
-              <a:t> di Download ci </a:t>
+                  <a:srgbClr val="66C0F4"/>
+                </a:solidFill>
+              </a:rPr>
+              <a:t> di Download </a:t>
+            </a:r>
+            <a:r>
+              <a:rPr lang="en-US" sz="1500" dirty="0">
+                <a:solidFill>
+                  <a:srgbClr val="C7D5E0"/>
+                </a:solidFill>
+              </a:rPr>
+              <a:t>ci </a:t>
             </a:r>
             <a:r>
               <a:rPr lang="en-US" sz="1500" dirty="0" err="1">
@@ -8650,395 +10814,6 @@
     <p:extLst>
       <p:ext uri="{BB962C8B-B14F-4D97-AF65-F5344CB8AC3E}">
         <p14:creationId xmlns:p14="http://schemas.microsoft.com/office/powerpoint/2010/main" val="2021737590"/>
-      </p:ext>
-    </p:extLst>
-  </p:cSld>
-  <p:clrMapOvr>
-    <a:masterClrMapping/>
-  </p:clrMapOvr>
-</p:sld>
-</file>
-
-<file path=ppt/slides/slide18.xml><?xml version="1.0" encoding="utf-8"?>
-<p:sld xmlns:a="http://schemas.openxmlformats.org/drawingml/2006/main" xmlns:r="http://schemas.openxmlformats.org/officeDocument/2006/relationships" xmlns:p="http://schemas.openxmlformats.org/presentationml/2006/main">
-  <p:cSld>
-    <p:bg>
-      <p:bgPr>
-        <a:solidFill>
-          <a:srgbClr val="171A21"/>
-        </a:solidFill>
-        <a:effectLst/>
-      </p:bgPr>
-    </p:bg>
-    <p:spTree>
-      <p:nvGrpSpPr>
-        <p:cNvPr id="1" name=""/>
-        <p:cNvGrpSpPr/>
-        <p:nvPr/>
-      </p:nvGrpSpPr>
-      <p:grpSpPr>
-        <a:xfrm>
-          <a:off x="0" y="0"/>
-          <a:ext cx="0" cy="0"/>
-          <a:chOff x="0" y="0"/>
-          <a:chExt cx="0" cy="0"/>
-        </a:xfrm>
-      </p:grpSpPr>
-      <p:sp>
-        <p:nvSpPr>
-          <p:cNvPr id="16" name="Titolo 15">
-            <a:extLst>
-              <a:ext uri="{FF2B5EF4-FFF2-40B4-BE49-F238E27FC236}">
-                <a16:creationId xmlns:a16="http://schemas.microsoft.com/office/drawing/2014/main" id="{F7263360-930D-9D6A-C2AC-5E06A3EFBC66}"/>
-              </a:ext>
-            </a:extLst>
-          </p:cNvPr>
-          <p:cNvSpPr>
-            <a:spLocks noGrp="1"/>
-          </p:cNvSpPr>
-          <p:nvPr>
-            <p:ph type="title"/>
-          </p:nvPr>
-        </p:nvSpPr>
-        <p:spPr>
-          <a:xfrm>
-            <a:off x="838200" y="159702"/>
-            <a:ext cx="10515600" cy="777875"/>
-          </a:xfrm>
-        </p:spPr>
-        <p:txBody>
-          <a:bodyPr>
-            <a:normAutofit/>
-          </a:bodyPr>
-          <a:lstStyle/>
-          <a:p>
-            <a:pPr algn="ctr"/>
-            <a:r>
-              <a:rPr lang="en-US" sz="3200" b="1" dirty="0">
-                <a:solidFill>
-                  <a:srgbClr val="66C0F4"/>
-                </a:solidFill>
-              </a:rPr>
-              <a:t>F2P vs P2P - #N Download * </a:t>
-            </a:r>
-            <a:r>
-              <a:rPr lang="en-US" sz="3200" b="1" dirty="0" err="1">
-                <a:solidFill>
-                  <a:srgbClr val="66C0F4"/>
-                </a:solidFill>
-              </a:rPr>
-              <a:t>TempoMedio</a:t>
-            </a:r>
-            <a:endParaRPr lang="en-US" sz="3200" b="1" dirty="0">
-              <a:solidFill>
-                <a:srgbClr val="66C0F4"/>
-              </a:solidFill>
-            </a:endParaRPr>
-          </a:p>
-        </p:txBody>
-      </p:sp>
-      <p:pic>
-        <p:nvPicPr>
-          <p:cNvPr id="17" name="Immagine 16" descr="Immagine che contiene Elementi grafici, cerchio, clipart, cartone animato">
-            <a:extLst>
-              <a:ext uri="{FF2B5EF4-FFF2-40B4-BE49-F238E27FC236}">
-                <a16:creationId xmlns:a16="http://schemas.microsoft.com/office/drawing/2014/main" id="{05A5E460-1E13-E434-F2FF-8F2679A217ED}"/>
-              </a:ext>
-            </a:extLst>
-          </p:cNvPr>
-          <p:cNvPicPr>
-            <a:picLocks noChangeAspect="1"/>
-          </p:cNvPicPr>
-          <p:nvPr/>
-        </p:nvPicPr>
-        <p:blipFill>
-          <a:blip r:embed="rId2">
-            <a:alphaModFix/>
-            <a:extLst>
-              <a:ext uri="{28A0092B-C50C-407E-A947-70E740481C1C}">
-                <a14:useLocalDpi xmlns:a14="http://schemas.microsoft.com/office/drawing/2010/main" val="0"/>
-              </a:ext>
-            </a:extLst>
-          </a:blip>
-          <a:stretch>
-            <a:fillRect/>
-          </a:stretch>
-        </p:blipFill>
-        <p:spPr>
-          <a:xfrm>
-            <a:off x="11642903" y="0"/>
-            <a:ext cx="549097" cy="548640"/>
-          </a:xfrm>
-          <a:prstGeom prst="rect">
-            <a:avLst/>
-          </a:prstGeom>
-          <a:effectLst>
-            <a:glow>
-              <a:schemeClr val="accent1">
-                <a:alpha val="40000"/>
-              </a:schemeClr>
-            </a:glow>
-            <a:outerShdw blurRad="1270000" dist="50800" algn="ctr" rotWithShape="0">
-              <a:srgbClr val="000000"/>
-            </a:outerShdw>
-            <a:reflection endPos="0" dir="5400000" sy="-100000" algn="bl" rotWithShape="0"/>
-            <a:softEdge rad="0"/>
-          </a:effectLst>
-        </p:spPr>
-      </p:pic>
-      <p:pic>
-        <p:nvPicPr>
-          <p:cNvPr id="4" name="Immagine 3" descr="Immagine che contiene schermata, testo, linea, Rettangolo&#10;&#10;Descrizione generata automaticamente">
-            <a:extLst>
-              <a:ext uri="{FF2B5EF4-FFF2-40B4-BE49-F238E27FC236}">
-                <a16:creationId xmlns:a16="http://schemas.microsoft.com/office/drawing/2014/main" id="{9DA80791-4ADF-434C-232B-0D014B473B10}"/>
-              </a:ext>
-            </a:extLst>
-          </p:cNvPr>
-          <p:cNvPicPr>
-            <a:picLocks noChangeAspect="1"/>
-          </p:cNvPicPr>
-          <p:nvPr/>
-        </p:nvPicPr>
-        <p:blipFill>
-          <a:blip r:embed="rId3">
-            <a:extLst>
-              <a:ext uri="{28A0092B-C50C-407E-A947-70E740481C1C}">
-                <a14:useLocalDpi xmlns:a14="http://schemas.microsoft.com/office/drawing/2010/main" val="0"/>
-              </a:ext>
-            </a:extLst>
-          </a:blip>
-          <a:stretch>
-            <a:fillRect/>
-          </a:stretch>
-        </p:blipFill>
-        <p:spPr>
-          <a:xfrm>
-            <a:off x="1048881" y="937577"/>
-            <a:ext cx="10094238" cy="5029200"/>
-          </a:xfrm>
-          <a:prstGeom prst="rect">
-            <a:avLst/>
-          </a:prstGeom>
-        </p:spPr>
-      </p:pic>
-    </p:spTree>
-    <p:extLst>
-      <p:ext uri="{BB962C8B-B14F-4D97-AF65-F5344CB8AC3E}">
-        <p14:creationId xmlns:p14="http://schemas.microsoft.com/office/powerpoint/2010/main" val="4065463501"/>
-      </p:ext>
-    </p:extLst>
-  </p:cSld>
-  <p:clrMapOvr>
-    <a:masterClrMapping/>
-  </p:clrMapOvr>
-</p:sld>
-</file>
-
-<file path=ppt/slides/slide19.xml><?xml version="1.0" encoding="utf-8"?>
-<p:sld xmlns:a="http://schemas.openxmlformats.org/drawingml/2006/main" xmlns:r="http://schemas.openxmlformats.org/officeDocument/2006/relationships" xmlns:p="http://schemas.openxmlformats.org/presentationml/2006/main">
-  <p:cSld>
-    <p:bg>
-      <p:bgPr>
-        <a:solidFill>
-          <a:srgbClr val="171A21"/>
-        </a:solidFill>
-        <a:effectLst/>
-      </p:bgPr>
-    </p:bg>
-    <p:spTree>
-      <p:nvGrpSpPr>
-        <p:cNvPr id="1" name=""/>
-        <p:cNvGrpSpPr/>
-        <p:nvPr/>
-      </p:nvGrpSpPr>
-      <p:grpSpPr>
-        <a:xfrm>
-          <a:off x="0" y="0"/>
-          <a:ext cx="0" cy="0"/>
-          <a:chOff x="0" y="0"/>
-          <a:chExt cx="0" cy="0"/>
-        </a:xfrm>
-      </p:grpSpPr>
-      <p:sp>
-        <p:nvSpPr>
-          <p:cNvPr id="16" name="Titolo 15">
-            <a:extLst>
-              <a:ext uri="{FF2B5EF4-FFF2-40B4-BE49-F238E27FC236}">
-                <a16:creationId xmlns:a16="http://schemas.microsoft.com/office/drawing/2014/main" id="{F7263360-930D-9D6A-C2AC-5E06A3EFBC66}"/>
-              </a:ext>
-            </a:extLst>
-          </p:cNvPr>
-          <p:cNvSpPr>
-            <a:spLocks noGrp="1"/>
-          </p:cNvSpPr>
-          <p:nvPr>
-            <p:ph type="title"/>
-          </p:nvPr>
-        </p:nvSpPr>
-        <p:spPr>
-          <a:xfrm>
-            <a:off x="838200" y="159702"/>
-            <a:ext cx="10515600" cy="777875"/>
-          </a:xfrm>
-        </p:spPr>
-        <p:txBody>
-          <a:bodyPr>
-            <a:normAutofit/>
-          </a:bodyPr>
-          <a:lstStyle/>
-          <a:p>
-            <a:pPr algn="ctr"/>
-            <a:r>
-              <a:rPr lang="en-US" sz="3200" b="1" dirty="0" err="1">
-                <a:solidFill>
-                  <a:srgbClr val="66C0F4"/>
-                </a:solidFill>
-              </a:rPr>
-              <a:t>Positivi</a:t>
-            </a:r>
-            <a:r>
-              <a:rPr lang="en-US" sz="3200" b="1" dirty="0">
-                <a:solidFill>
-                  <a:srgbClr val="66C0F4"/>
-                </a:solidFill>
-              </a:rPr>
-              <a:t>/</a:t>
-            </a:r>
-            <a:r>
-              <a:rPr lang="en-US" sz="3200" b="1" dirty="0" err="1">
-                <a:solidFill>
-                  <a:srgbClr val="66C0F4"/>
-                </a:solidFill>
-              </a:rPr>
-              <a:t>Negativi</a:t>
-            </a:r>
-            <a:r>
-              <a:rPr lang="en-US" sz="3200" b="1" dirty="0">
-                <a:solidFill>
-                  <a:srgbClr val="66C0F4"/>
-                </a:solidFill>
-              </a:rPr>
-              <a:t> (Placeholder) (</a:t>
-            </a:r>
-            <a:r>
-              <a:rPr lang="en-US" sz="3200" b="1" dirty="0" err="1">
-                <a:solidFill>
-                  <a:srgbClr val="66C0F4"/>
-                </a:solidFill>
-              </a:rPr>
-              <a:t>Fasce</a:t>
-            </a:r>
-            <a:r>
-              <a:rPr lang="en-US" sz="3200" b="1" dirty="0">
-                <a:solidFill>
-                  <a:srgbClr val="66C0F4"/>
-                </a:solidFill>
-              </a:rPr>
-              <a:t> di </a:t>
-            </a:r>
-            <a:r>
-              <a:rPr lang="en-US" sz="3200" b="1" dirty="0" err="1">
-                <a:solidFill>
-                  <a:srgbClr val="66C0F4"/>
-                </a:solidFill>
-              </a:rPr>
-              <a:t>positivita</a:t>
-            </a:r>
-            <a:r>
-              <a:rPr lang="en-US" sz="3200" b="1" dirty="0">
-                <a:solidFill>
-                  <a:srgbClr val="66C0F4"/>
-                </a:solidFill>
-              </a:rPr>
-              <a:t>’)</a:t>
-            </a:r>
-          </a:p>
-        </p:txBody>
-      </p:sp>
-      <p:pic>
-        <p:nvPicPr>
-          <p:cNvPr id="17" name="Immagine 16" descr="Immagine che contiene Elementi grafici, cerchio, clipart, cartone animato">
-            <a:extLst>
-              <a:ext uri="{FF2B5EF4-FFF2-40B4-BE49-F238E27FC236}">
-                <a16:creationId xmlns:a16="http://schemas.microsoft.com/office/drawing/2014/main" id="{05A5E460-1E13-E434-F2FF-8F2679A217ED}"/>
-              </a:ext>
-            </a:extLst>
-          </p:cNvPr>
-          <p:cNvPicPr>
-            <a:picLocks noChangeAspect="1"/>
-          </p:cNvPicPr>
-          <p:nvPr/>
-        </p:nvPicPr>
-        <p:blipFill>
-          <a:blip r:embed="rId2">
-            <a:alphaModFix/>
-            <a:extLst>
-              <a:ext uri="{28A0092B-C50C-407E-A947-70E740481C1C}">
-                <a14:useLocalDpi xmlns:a14="http://schemas.microsoft.com/office/drawing/2010/main" val="0"/>
-              </a:ext>
-            </a:extLst>
-          </a:blip>
-          <a:stretch>
-            <a:fillRect/>
-          </a:stretch>
-        </p:blipFill>
-        <p:spPr>
-          <a:xfrm>
-            <a:off x="11642903" y="0"/>
-            <a:ext cx="549097" cy="548640"/>
-          </a:xfrm>
-          <a:prstGeom prst="rect">
-            <a:avLst/>
-          </a:prstGeom>
-          <a:effectLst>
-            <a:glow>
-              <a:schemeClr val="accent1">
-                <a:alpha val="40000"/>
-              </a:schemeClr>
-            </a:glow>
-            <a:outerShdw blurRad="1270000" dist="50800" algn="ctr" rotWithShape="0">
-              <a:srgbClr val="000000"/>
-            </a:outerShdw>
-            <a:reflection endPos="0" dir="5400000" sy="-100000" algn="bl" rotWithShape="0"/>
-            <a:softEdge rad="0"/>
-          </a:effectLst>
-        </p:spPr>
-      </p:pic>
-      <p:pic>
-        <p:nvPicPr>
-          <p:cNvPr id="2" name="Immagine 1">
-            <a:extLst>
-              <a:ext uri="{FF2B5EF4-FFF2-40B4-BE49-F238E27FC236}">
-                <a16:creationId xmlns:a16="http://schemas.microsoft.com/office/drawing/2014/main" id="{CA74F75B-6AC5-3D29-792E-31A5EE3FD998}"/>
-              </a:ext>
-            </a:extLst>
-          </p:cNvPr>
-          <p:cNvPicPr>
-            <a:picLocks noChangeAspect="1"/>
-          </p:cNvPicPr>
-          <p:nvPr/>
-        </p:nvPicPr>
-        <p:blipFill>
-          <a:blip r:embed="rId3"/>
-          <a:stretch>
-            <a:fillRect/>
-          </a:stretch>
-        </p:blipFill>
-        <p:spPr>
-          <a:xfrm>
-            <a:off x="4884271" y="2466840"/>
-            <a:ext cx="2133898" cy="1924319"/>
-          </a:xfrm>
-          <a:prstGeom prst="rect">
-            <a:avLst/>
-          </a:prstGeom>
-        </p:spPr>
-      </p:pic>
-    </p:spTree>
-    <p:extLst>
-      <p:ext uri="{BB962C8B-B14F-4D97-AF65-F5344CB8AC3E}">
-        <p14:creationId xmlns:p14="http://schemas.microsoft.com/office/powerpoint/2010/main" val="551743755"/>
       </p:ext>
     </p:extLst>
   </p:cSld>
@@ -9109,7 +10884,7 @@
                 </a:solidFill>
                 <a:cs typeface="Arial" panose="020B0604020202020204" pitchFamily="34" charset="0"/>
               </a:rPr>
-              <a:t>TOPICS DEL PROGETTO</a:t>
+              <a:t>Topics del Progetto</a:t>
             </a:r>
           </a:p>
         </p:txBody>
@@ -10366,6 +12141,1632 @@
                   <a:srgbClr val="66C0F4"/>
                 </a:solidFill>
               </a:rPr>
+              <a:t>F2P vs P2P - #N Download * </a:t>
+            </a:r>
+            <a:r>
+              <a:rPr lang="en-US" sz="3200" b="1" dirty="0" err="1">
+                <a:solidFill>
+                  <a:srgbClr val="66C0F4"/>
+                </a:solidFill>
+              </a:rPr>
+              <a:t>TempoMedio</a:t>
+            </a:r>
+            <a:endParaRPr lang="en-US" sz="3200" b="1" dirty="0">
+              <a:solidFill>
+                <a:srgbClr val="66C0F4"/>
+              </a:solidFill>
+            </a:endParaRPr>
+          </a:p>
+        </p:txBody>
+      </p:sp>
+      <p:pic>
+        <p:nvPicPr>
+          <p:cNvPr id="17" name="Immagine 16" descr="Immagine che contiene Elementi grafici, cerchio, clipart, cartone animato">
+            <a:extLst>
+              <a:ext uri="{FF2B5EF4-FFF2-40B4-BE49-F238E27FC236}">
+                <a16:creationId xmlns:a16="http://schemas.microsoft.com/office/drawing/2014/main" id="{05A5E460-1E13-E434-F2FF-8F2679A217ED}"/>
+              </a:ext>
+            </a:extLst>
+          </p:cNvPr>
+          <p:cNvPicPr>
+            <a:picLocks noChangeAspect="1"/>
+          </p:cNvPicPr>
+          <p:nvPr/>
+        </p:nvPicPr>
+        <p:blipFill>
+          <a:blip r:embed="rId2">
+            <a:alphaModFix/>
+            <a:extLst>
+              <a:ext uri="{28A0092B-C50C-407E-A947-70E740481C1C}">
+                <a14:useLocalDpi xmlns:a14="http://schemas.microsoft.com/office/drawing/2010/main" val="0"/>
+              </a:ext>
+            </a:extLst>
+          </a:blip>
+          <a:stretch>
+            <a:fillRect/>
+          </a:stretch>
+        </p:blipFill>
+        <p:spPr>
+          <a:xfrm>
+            <a:off x="11642903" y="0"/>
+            <a:ext cx="549097" cy="548640"/>
+          </a:xfrm>
+          <a:prstGeom prst="rect">
+            <a:avLst/>
+          </a:prstGeom>
+          <a:effectLst>
+            <a:glow>
+              <a:schemeClr val="accent1">
+                <a:alpha val="40000"/>
+              </a:schemeClr>
+            </a:glow>
+            <a:outerShdw blurRad="1270000" dist="50800" algn="ctr" rotWithShape="0">
+              <a:srgbClr val="000000"/>
+            </a:outerShdw>
+            <a:reflection endPos="0" dir="5400000" sy="-100000" algn="bl" rotWithShape="0"/>
+            <a:softEdge rad="0"/>
+          </a:effectLst>
+        </p:spPr>
+      </p:pic>
+      <p:pic>
+        <p:nvPicPr>
+          <p:cNvPr id="4" name="Immagine 3" descr="Immagine che contiene schermata, testo, linea, Rettangolo&#10;&#10;Descrizione generata automaticamente">
+            <a:extLst>
+              <a:ext uri="{FF2B5EF4-FFF2-40B4-BE49-F238E27FC236}">
+                <a16:creationId xmlns:a16="http://schemas.microsoft.com/office/drawing/2014/main" id="{9DA80791-4ADF-434C-232B-0D014B473B10}"/>
+              </a:ext>
+            </a:extLst>
+          </p:cNvPr>
+          <p:cNvPicPr>
+            <a:picLocks noChangeAspect="1"/>
+          </p:cNvPicPr>
+          <p:nvPr/>
+        </p:nvPicPr>
+        <p:blipFill>
+          <a:blip r:embed="rId3">
+            <a:extLst>
+              <a:ext uri="{28A0092B-C50C-407E-A947-70E740481C1C}">
+                <a14:useLocalDpi xmlns:a14="http://schemas.microsoft.com/office/drawing/2010/main" val="0"/>
+              </a:ext>
+            </a:extLst>
+          </a:blip>
+          <a:stretch>
+            <a:fillRect/>
+          </a:stretch>
+        </p:blipFill>
+        <p:spPr>
+          <a:xfrm>
+            <a:off x="1048881" y="937577"/>
+            <a:ext cx="10094238" cy="5029200"/>
+          </a:xfrm>
+          <a:prstGeom prst="rect">
+            <a:avLst/>
+          </a:prstGeom>
+        </p:spPr>
+      </p:pic>
+    </p:spTree>
+    <p:extLst>
+      <p:ext uri="{BB962C8B-B14F-4D97-AF65-F5344CB8AC3E}">
+        <p14:creationId xmlns:p14="http://schemas.microsoft.com/office/powerpoint/2010/main" val="4065463501"/>
+      </p:ext>
+    </p:extLst>
+  </p:cSld>
+  <p:clrMapOvr>
+    <a:masterClrMapping/>
+  </p:clrMapOvr>
+</p:sld>
+</file>
+
+<file path=ppt/slides/slide21.xml><?xml version="1.0" encoding="utf-8"?>
+<p:sld xmlns:a="http://schemas.openxmlformats.org/drawingml/2006/main" xmlns:r="http://schemas.openxmlformats.org/officeDocument/2006/relationships" xmlns:p="http://schemas.openxmlformats.org/presentationml/2006/main">
+  <p:cSld>
+    <p:bg>
+      <p:bgPr>
+        <a:solidFill>
+          <a:srgbClr val="171A21"/>
+        </a:solidFill>
+        <a:effectLst/>
+      </p:bgPr>
+    </p:bg>
+    <p:spTree>
+      <p:nvGrpSpPr>
+        <p:cNvPr id="1" name=""/>
+        <p:cNvGrpSpPr/>
+        <p:nvPr/>
+      </p:nvGrpSpPr>
+      <p:grpSpPr>
+        <a:xfrm>
+          <a:off x="0" y="0"/>
+          <a:ext cx="0" cy="0"/>
+          <a:chOff x="0" y="0"/>
+          <a:chExt cx="0" cy="0"/>
+        </a:xfrm>
+      </p:grpSpPr>
+      <p:sp>
+        <p:nvSpPr>
+          <p:cNvPr id="16" name="Titolo 15">
+            <a:extLst>
+              <a:ext uri="{FF2B5EF4-FFF2-40B4-BE49-F238E27FC236}">
+                <a16:creationId xmlns:a16="http://schemas.microsoft.com/office/drawing/2014/main" id="{F7263360-930D-9D6A-C2AC-5E06A3EFBC66}"/>
+              </a:ext>
+            </a:extLst>
+          </p:cNvPr>
+          <p:cNvSpPr>
+            <a:spLocks noGrp="1"/>
+          </p:cNvSpPr>
+          <p:nvPr>
+            <p:ph type="title"/>
+          </p:nvPr>
+        </p:nvSpPr>
+        <p:spPr>
+          <a:xfrm>
+            <a:off x="838200" y="159702"/>
+            <a:ext cx="10515600" cy="777875"/>
+          </a:xfrm>
+        </p:spPr>
+        <p:txBody>
+          <a:bodyPr>
+            <a:normAutofit/>
+          </a:bodyPr>
+          <a:lstStyle/>
+          <a:p>
+            <a:pPr algn="ctr"/>
+            <a:r>
+              <a:rPr lang="en-US" sz="3200" b="1" dirty="0">
+                <a:solidFill>
+                  <a:srgbClr val="66C0F4"/>
+                </a:solidFill>
+              </a:rPr>
+              <a:t>L’ </a:t>
+            </a:r>
+            <a:r>
+              <a:rPr lang="en-US" sz="3200" b="1" dirty="0" err="1">
+                <a:solidFill>
+                  <a:srgbClr val="66C0F4"/>
+                </a:solidFill>
+              </a:rPr>
+              <a:t>importanza</a:t>
+            </a:r>
+            <a:r>
+              <a:rPr lang="en-US" sz="3200" b="1" dirty="0">
+                <a:solidFill>
+                  <a:srgbClr val="66C0F4"/>
+                </a:solidFill>
+              </a:rPr>
+              <a:t> </a:t>
+            </a:r>
+            <a:r>
+              <a:rPr lang="en-US" sz="3200" b="1" dirty="0" err="1">
+                <a:solidFill>
+                  <a:srgbClr val="66C0F4"/>
+                </a:solidFill>
+              </a:rPr>
+              <a:t>delle</a:t>
+            </a:r>
+            <a:r>
+              <a:rPr lang="en-US" sz="3200" b="1" dirty="0">
+                <a:solidFill>
+                  <a:srgbClr val="66C0F4"/>
+                </a:solidFill>
+              </a:rPr>
+              <a:t> opinion </a:t>
+            </a:r>
+            <a:r>
+              <a:rPr lang="en-US" sz="3200" b="1" dirty="0" err="1">
+                <a:solidFill>
+                  <a:srgbClr val="66C0F4"/>
+                </a:solidFill>
+              </a:rPr>
+              <a:t>degli</a:t>
+            </a:r>
+            <a:r>
+              <a:rPr lang="en-US" sz="3200" b="1" dirty="0">
+                <a:solidFill>
+                  <a:srgbClr val="66C0F4"/>
+                </a:solidFill>
+              </a:rPr>
+              <a:t> </a:t>
+            </a:r>
+            <a:r>
+              <a:rPr lang="en-US" sz="3200" b="1" dirty="0" err="1">
+                <a:solidFill>
+                  <a:srgbClr val="66C0F4"/>
+                </a:solidFill>
+              </a:rPr>
+              <a:t>Utenti</a:t>
+            </a:r>
+            <a:endParaRPr lang="en-US" sz="3200" b="1" dirty="0">
+              <a:solidFill>
+                <a:srgbClr val="66C0F4"/>
+              </a:solidFill>
+            </a:endParaRPr>
+          </a:p>
+        </p:txBody>
+      </p:sp>
+      <p:pic>
+        <p:nvPicPr>
+          <p:cNvPr id="17" name="Immagine 16" descr="Immagine che contiene Elementi grafici, cerchio, clipart, cartone animato">
+            <a:extLst>
+              <a:ext uri="{FF2B5EF4-FFF2-40B4-BE49-F238E27FC236}">
+                <a16:creationId xmlns:a16="http://schemas.microsoft.com/office/drawing/2014/main" id="{05A5E460-1E13-E434-F2FF-8F2679A217ED}"/>
+              </a:ext>
+            </a:extLst>
+          </p:cNvPr>
+          <p:cNvPicPr>
+            <a:picLocks noChangeAspect="1"/>
+          </p:cNvPicPr>
+          <p:nvPr/>
+        </p:nvPicPr>
+        <p:blipFill>
+          <a:blip r:embed="rId2">
+            <a:alphaModFix/>
+            <a:extLst>
+              <a:ext uri="{28A0092B-C50C-407E-A947-70E740481C1C}">
+                <a14:useLocalDpi xmlns:a14="http://schemas.microsoft.com/office/drawing/2010/main" val="0"/>
+              </a:ext>
+            </a:extLst>
+          </a:blip>
+          <a:stretch>
+            <a:fillRect/>
+          </a:stretch>
+        </p:blipFill>
+        <p:spPr>
+          <a:xfrm>
+            <a:off x="11642903" y="0"/>
+            <a:ext cx="549097" cy="548640"/>
+          </a:xfrm>
+          <a:prstGeom prst="rect">
+            <a:avLst/>
+          </a:prstGeom>
+          <a:effectLst>
+            <a:glow>
+              <a:schemeClr val="accent1">
+                <a:alpha val="40000"/>
+              </a:schemeClr>
+            </a:glow>
+            <a:outerShdw blurRad="1270000" dist="50800" algn="ctr" rotWithShape="0">
+              <a:srgbClr val="000000"/>
+            </a:outerShdw>
+            <a:reflection endPos="0" dir="5400000" sy="-100000" algn="bl" rotWithShape="0"/>
+            <a:softEdge rad="0"/>
+          </a:effectLst>
+        </p:spPr>
+      </p:pic>
+      <p:sp>
+        <p:nvSpPr>
+          <p:cNvPr id="2" name="CasellaDiTesto 1">
+            <a:extLst>
+              <a:ext uri="{FF2B5EF4-FFF2-40B4-BE49-F238E27FC236}">
+                <a16:creationId xmlns:a16="http://schemas.microsoft.com/office/drawing/2014/main" id="{B0B488B5-AC13-0E8D-EA2D-9AB6B49D4D25}"/>
+              </a:ext>
+            </a:extLst>
+          </p:cNvPr>
+          <p:cNvSpPr txBox="1"/>
+          <p:nvPr/>
+        </p:nvSpPr>
+        <p:spPr>
+          <a:xfrm>
+            <a:off x="2240273" y="1720840"/>
+            <a:ext cx="7711453" cy="3693319"/>
+          </a:xfrm>
+          <a:prstGeom prst="rect">
+            <a:avLst/>
+          </a:prstGeom>
+          <a:noFill/>
+        </p:spPr>
+        <p:txBody>
+          <a:bodyPr wrap="square" rtlCol="0">
+            <a:spAutoFit/>
+          </a:bodyPr>
+          <a:lstStyle/>
+          <a:p>
+            <a:r>
+              <a:rPr lang="it-IT" dirty="0">
+                <a:solidFill>
+                  <a:srgbClr val="C7D5E0"/>
+                </a:solidFill>
+              </a:rPr>
+              <a:t>Gli</a:t>
+            </a:r>
+            <a:r>
+              <a:rPr lang="en-US" dirty="0">
+                <a:solidFill>
+                  <a:srgbClr val="C7D5E0"/>
+                </a:solidFill>
+              </a:rPr>
+              <a:t> </a:t>
+            </a:r>
+            <a:r>
+              <a:rPr lang="en-US" dirty="0" err="1">
+                <a:solidFill>
+                  <a:srgbClr val="C7D5E0"/>
+                </a:solidFill>
+              </a:rPr>
+              <a:t>utenti</a:t>
+            </a:r>
+            <a:r>
+              <a:rPr lang="en-US" dirty="0">
+                <a:solidFill>
+                  <a:srgbClr val="C7D5E0"/>
+                </a:solidFill>
+              </a:rPr>
+              <a:t> </a:t>
+            </a:r>
+            <a:r>
+              <a:rPr lang="en-US" dirty="0" err="1">
+                <a:solidFill>
+                  <a:srgbClr val="C7D5E0"/>
+                </a:solidFill>
+              </a:rPr>
+              <a:t>della</a:t>
+            </a:r>
+            <a:r>
+              <a:rPr lang="en-US" dirty="0">
+                <a:solidFill>
+                  <a:srgbClr val="C7D5E0"/>
+                </a:solidFill>
+              </a:rPr>
+              <a:t> </a:t>
+            </a:r>
+            <a:r>
+              <a:rPr lang="en-US" dirty="0" err="1">
+                <a:solidFill>
+                  <a:srgbClr val="C7D5E0"/>
+                </a:solidFill>
+              </a:rPr>
+              <a:t>piattaforma</a:t>
+            </a:r>
+            <a:r>
+              <a:rPr lang="en-US" dirty="0">
+                <a:solidFill>
+                  <a:srgbClr val="C7D5E0"/>
+                </a:solidFill>
+              </a:rPr>
+              <a:t> </a:t>
+            </a:r>
+            <a:r>
+              <a:rPr lang="en-US" dirty="0">
+                <a:solidFill>
+                  <a:srgbClr val="66C0F4"/>
+                </a:solidFill>
+              </a:rPr>
+              <a:t>STEAM</a:t>
+            </a:r>
+            <a:r>
+              <a:rPr lang="en-US" dirty="0">
+                <a:solidFill>
+                  <a:srgbClr val="C7D5E0"/>
+                </a:solidFill>
+              </a:rPr>
+              <a:t> </a:t>
+            </a:r>
+            <a:r>
+              <a:rPr lang="en-US" dirty="0" err="1">
+                <a:solidFill>
+                  <a:srgbClr val="C7D5E0"/>
+                </a:solidFill>
+              </a:rPr>
+              <a:t>possono</a:t>
+            </a:r>
+            <a:r>
+              <a:rPr lang="en-US" dirty="0">
+                <a:solidFill>
+                  <a:srgbClr val="C7D5E0"/>
+                </a:solidFill>
+              </a:rPr>
+              <a:t> </a:t>
+            </a:r>
+            <a:r>
+              <a:rPr lang="en-US" dirty="0" err="1">
+                <a:solidFill>
+                  <a:srgbClr val="C7D5E0"/>
+                </a:solidFill>
+              </a:rPr>
+              <a:t>esprimere</a:t>
+            </a:r>
+            <a:r>
+              <a:rPr lang="en-US" dirty="0">
+                <a:solidFill>
+                  <a:srgbClr val="C7D5E0"/>
+                </a:solidFill>
+              </a:rPr>
+              <a:t> la propria </a:t>
+            </a:r>
+            <a:r>
+              <a:rPr lang="en-US" dirty="0" err="1">
+                <a:solidFill>
+                  <a:srgbClr val="66C0F4"/>
+                </a:solidFill>
+              </a:rPr>
+              <a:t>opinione</a:t>
+            </a:r>
+            <a:r>
+              <a:rPr lang="en-US" dirty="0">
+                <a:solidFill>
+                  <a:srgbClr val="C7D5E0"/>
+                </a:solidFill>
+              </a:rPr>
+              <a:t> </a:t>
+            </a:r>
+            <a:r>
+              <a:rPr lang="en-US" dirty="0" err="1">
+                <a:solidFill>
+                  <a:srgbClr val="C7D5E0"/>
+                </a:solidFill>
+              </a:rPr>
+              <a:t>dando</a:t>
+            </a:r>
+            <a:r>
+              <a:rPr lang="en-US" dirty="0">
+                <a:solidFill>
+                  <a:srgbClr val="C7D5E0"/>
+                </a:solidFill>
+              </a:rPr>
+              <a:t> un </a:t>
+            </a:r>
+            <a:r>
+              <a:rPr lang="en-US" dirty="0" err="1">
+                <a:solidFill>
+                  <a:srgbClr val="C7D5E0"/>
+                </a:solidFill>
+              </a:rPr>
+              <a:t>parere</a:t>
+            </a:r>
+            <a:r>
+              <a:rPr lang="en-US" dirty="0">
+                <a:solidFill>
+                  <a:srgbClr val="C7D5E0"/>
+                </a:solidFill>
+              </a:rPr>
+              <a:t> </a:t>
+            </a:r>
+            <a:r>
+              <a:rPr lang="en-US" dirty="0" err="1">
+                <a:solidFill>
+                  <a:srgbClr val="C7D5E0"/>
+                </a:solidFill>
+              </a:rPr>
+              <a:t>positivo</a:t>
+            </a:r>
+            <a:r>
+              <a:rPr lang="en-US" dirty="0">
+                <a:solidFill>
+                  <a:srgbClr val="C7D5E0"/>
+                </a:solidFill>
+              </a:rPr>
+              <a:t> o </a:t>
+            </a:r>
+            <a:r>
+              <a:rPr lang="en-US" dirty="0" err="1">
+                <a:solidFill>
+                  <a:srgbClr val="C7D5E0"/>
+                </a:solidFill>
+              </a:rPr>
+              <a:t>negativo</a:t>
+            </a:r>
+            <a:r>
+              <a:rPr lang="en-US" dirty="0">
+                <a:solidFill>
+                  <a:srgbClr val="C7D5E0"/>
+                </a:solidFill>
+              </a:rPr>
+              <a:t>.</a:t>
+            </a:r>
+          </a:p>
+          <a:p>
+            <a:endParaRPr lang="en-US" dirty="0">
+              <a:solidFill>
+                <a:srgbClr val="C7D5E0"/>
+              </a:solidFill>
+            </a:endParaRPr>
+          </a:p>
+          <a:p>
+            <a:r>
+              <a:rPr lang="en-US" dirty="0">
+                <a:solidFill>
+                  <a:srgbClr val="C7D5E0"/>
+                </a:solidFill>
+              </a:rPr>
+              <a:t>Il </a:t>
+            </a:r>
+            <a:r>
+              <a:rPr lang="en-US" dirty="0" err="1">
+                <a:solidFill>
+                  <a:srgbClr val="C7D5E0"/>
+                </a:solidFill>
+              </a:rPr>
+              <a:t>rapporto</a:t>
+            </a:r>
+            <a:r>
+              <a:rPr lang="en-US" dirty="0">
+                <a:solidFill>
+                  <a:srgbClr val="C7D5E0"/>
+                </a:solidFill>
+              </a:rPr>
+              <a:t> </a:t>
+            </a:r>
+            <a:r>
+              <a:rPr lang="en-US" dirty="0" err="1">
+                <a:solidFill>
+                  <a:srgbClr val="C7D5E0"/>
+                </a:solidFill>
+              </a:rPr>
+              <a:t>tra</a:t>
+            </a:r>
+            <a:r>
+              <a:rPr lang="en-US" dirty="0">
+                <a:solidFill>
+                  <a:srgbClr val="C7D5E0"/>
+                </a:solidFill>
+              </a:rPr>
+              <a:t> il </a:t>
+            </a:r>
+            <a:r>
+              <a:rPr lang="en-US" dirty="0" err="1">
+                <a:solidFill>
+                  <a:srgbClr val="C7D5E0"/>
+                </a:solidFill>
+              </a:rPr>
+              <a:t>numero</a:t>
+            </a:r>
+            <a:r>
+              <a:rPr lang="en-US" dirty="0">
+                <a:solidFill>
+                  <a:srgbClr val="C7D5E0"/>
+                </a:solidFill>
+              </a:rPr>
+              <a:t> </a:t>
+            </a:r>
+            <a:r>
+              <a:rPr lang="en-US" dirty="0" err="1">
+                <a:solidFill>
+                  <a:srgbClr val="C7D5E0"/>
+                </a:solidFill>
+              </a:rPr>
+              <a:t>dei</a:t>
+            </a:r>
+            <a:r>
+              <a:rPr lang="en-US" dirty="0">
+                <a:solidFill>
+                  <a:srgbClr val="C7D5E0"/>
+                </a:solidFill>
+              </a:rPr>
+              <a:t> </a:t>
+            </a:r>
+            <a:r>
+              <a:rPr lang="en-US" dirty="0" err="1">
+                <a:solidFill>
+                  <a:srgbClr val="C7D5E0"/>
+                </a:solidFill>
+              </a:rPr>
+              <a:t>pareri</a:t>
+            </a:r>
+            <a:r>
+              <a:rPr lang="en-US" dirty="0">
+                <a:solidFill>
+                  <a:srgbClr val="C7D5E0"/>
+                </a:solidFill>
+              </a:rPr>
+              <a:t> </a:t>
+            </a:r>
+            <a:r>
+              <a:rPr lang="en-US" dirty="0" err="1">
+                <a:solidFill>
+                  <a:srgbClr val="C7D5E0"/>
+                </a:solidFill>
+              </a:rPr>
+              <a:t>positivi</a:t>
+            </a:r>
+            <a:r>
+              <a:rPr lang="en-US" dirty="0">
+                <a:solidFill>
+                  <a:srgbClr val="C7D5E0"/>
+                </a:solidFill>
+              </a:rPr>
+              <a:t> ed il </a:t>
+            </a:r>
+            <a:r>
+              <a:rPr lang="en-US" dirty="0" err="1">
+                <a:solidFill>
+                  <a:srgbClr val="C7D5E0"/>
+                </a:solidFill>
+              </a:rPr>
+              <a:t>numero</a:t>
+            </a:r>
+            <a:r>
+              <a:rPr lang="en-US" dirty="0">
+                <a:solidFill>
+                  <a:srgbClr val="C7D5E0"/>
+                </a:solidFill>
+              </a:rPr>
+              <a:t> </a:t>
+            </a:r>
+            <a:r>
+              <a:rPr lang="en-US" dirty="0" err="1">
+                <a:solidFill>
+                  <a:srgbClr val="C7D5E0"/>
+                </a:solidFill>
+              </a:rPr>
+              <a:t>totale</a:t>
+            </a:r>
+            <a:r>
+              <a:rPr lang="en-US" dirty="0">
+                <a:solidFill>
+                  <a:srgbClr val="C7D5E0"/>
+                </a:solidFill>
+              </a:rPr>
+              <a:t> di </a:t>
+            </a:r>
+            <a:r>
+              <a:rPr lang="en-US" dirty="0" err="1">
+                <a:solidFill>
+                  <a:srgbClr val="C7D5E0"/>
+                </a:solidFill>
+              </a:rPr>
+              <a:t>pareri</a:t>
+            </a:r>
+            <a:r>
+              <a:rPr lang="en-US" dirty="0">
+                <a:solidFill>
+                  <a:srgbClr val="C7D5E0"/>
+                </a:solidFill>
+              </a:rPr>
+              <a:t> </a:t>
+            </a:r>
+            <a:r>
+              <a:rPr lang="en-US" dirty="0" err="1">
+                <a:solidFill>
+                  <a:srgbClr val="C7D5E0"/>
+                </a:solidFill>
+              </a:rPr>
+              <a:t>costituisce</a:t>
+            </a:r>
+            <a:r>
+              <a:rPr lang="en-US" dirty="0">
+                <a:solidFill>
+                  <a:srgbClr val="C7D5E0"/>
+                </a:solidFill>
+              </a:rPr>
+              <a:t> </a:t>
+            </a:r>
+            <a:r>
+              <a:rPr lang="en-US" dirty="0" err="1">
+                <a:solidFill>
+                  <a:srgbClr val="C7D5E0"/>
+                </a:solidFill>
+              </a:rPr>
+              <a:t>l’indice</a:t>
+            </a:r>
+            <a:r>
+              <a:rPr lang="en-US" dirty="0">
+                <a:solidFill>
+                  <a:srgbClr val="C7D5E0"/>
+                </a:solidFill>
+              </a:rPr>
+              <a:t> di </a:t>
+            </a:r>
+            <a:r>
+              <a:rPr lang="en-US" dirty="0" err="1">
+                <a:solidFill>
+                  <a:srgbClr val="C7D5E0"/>
+                </a:solidFill>
+              </a:rPr>
+              <a:t>positivita</a:t>
+            </a:r>
+            <a:r>
+              <a:rPr lang="en-US" dirty="0">
+                <a:solidFill>
+                  <a:srgbClr val="C7D5E0"/>
+                </a:solidFill>
+              </a:rPr>
+              <a:t>’ (User Score):</a:t>
+            </a:r>
+            <a:endParaRPr lang="it-IT" dirty="0">
+              <a:solidFill>
+                <a:srgbClr val="C7D5E0"/>
+              </a:solidFill>
+            </a:endParaRPr>
+          </a:p>
+          <a:p>
+            <a:pPr marL="285750" indent="-285750">
+              <a:buClr>
+                <a:srgbClr val="66C0F4"/>
+              </a:buClr>
+              <a:buFont typeface="Arial" panose="020B0604020202020204" pitchFamily="34" charset="0"/>
+              <a:buChar char="•"/>
+            </a:pPr>
+            <a:r>
+              <a:rPr lang="en-US" dirty="0">
+                <a:solidFill>
+                  <a:srgbClr val="66C0F4"/>
+                </a:solidFill>
+              </a:rPr>
+              <a:t>I_P </a:t>
+            </a:r>
+            <a:r>
+              <a:rPr lang="en-US" dirty="0">
+                <a:solidFill>
+                  <a:srgbClr val="C7D5E0"/>
+                </a:solidFill>
+              </a:rPr>
+              <a:t>= #Positivi / #Pareri</a:t>
+            </a:r>
+          </a:p>
+          <a:p>
+            <a:pPr marL="285750" indent="-285750">
+              <a:buClr>
+                <a:srgbClr val="66C0F4"/>
+              </a:buClr>
+              <a:buFont typeface="Arial" panose="020B0604020202020204" pitchFamily="34" charset="0"/>
+              <a:buChar char="•"/>
+            </a:pPr>
+            <a:endParaRPr lang="en-US" dirty="0">
+              <a:solidFill>
+                <a:srgbClr val="C7D5E0"/>
+              </a:solidFill>
+            </a:endParaRPr>
+          </a:p>
+          <a:p>
+            <a:pPr>
+              <a:buClr>
+                <a:srgbClr val="66C0F4"/>
+              </a:buClr>
+            </a:pPr>
+            <a:r>
+              <a:rPr lang="en-US" dirty="0" err="1">
+                <a:solidFill>
+                  <a:srgbClr val="C7D5E0"/>
+                </a:solidFill>
+              </a:rPr>
+              <a:t>Questo</a:t>
+            </a:r>
+            <a:r>
+              <a:rPr lang="en-US" dirty="0">
+                <a:solidFill>
+                  <a:srgbClr val="C7D5E0"/>
+                </a:solidFill>
+              </a:rPr>
+              <a:t> </a:t>
+            </a:r>
+            <a:r>
+              <a:rPr lang="en-US" dirty="0" err="1">
+                <a:solidFill>
+                  <a:srgbClr val="C7D5E0"/>
+                </a:solidFill>
+              </a:rPr>
+              <a:t>indice</a:t>
+            </a:r>
+            <a:r>
+              <a:rPr lang="en-US" dirty="0">
+                <a:solidFill>
+                  <a:srgbClr val="C7D5E0"/>
+                </a:solidFill>
+              </a:rPr>
+              <a:t> </a:t>
+            </a:r>
+            <a:r>
+              <a:rPr lang="en-US" dirty="0" err="1">
+                <a:solidFill>
+                  <a:srgbClr val="C7D5E0"/>
+                </a:solidFill>
+              </a:rPr>
+              <a:t>puo</a:t>
+            </a:r>
+            <a:r>
+              <a:rPr lang="en-US" dirty="0">
+                <a:solidFill>
+                  <a:srgbClr val="C7D5E0"/>
+                </a:solidFill>
+              </a:rPr>
+              <a:t>’ </a:t>
+            </a:r>
+            <a:r>
+              <a:rPr lang="en-US" dirty="0" err="1">
+                <a:solidFill>
+                  <a:srgbClr val="C7D5E0"/>
+                </a:solidFill>
+              </a:rPr>
+              <a:t>essere</a:t>
+            </a:r>
+            <a:r>
+              <a:rPr lang="en-US" dirty="0">
+                <a:solidFill>
+                  <a:srgbClr val="C7D5E0"/>
+                </a:solidFill>
+              </a:rPr>
+              <a:t> </a:t>
+            </a:r>
+            <a:r>
+              <a:rPr lang="en-US" dirty="0" err="1">
+                <a:solidFill>
+                  <a:srgbClr val="C7D5E0"/>
+                </a:solidFill>
+              </a:rPr>
+              <a:t>utilizzato</a:t>
+            </a:r>
+            <a:r>
+              <a:rPr lang="en-US" dirty="0">
+                <a:solidFill>
+                  <a:srgbClr val="C7D5E0"/>
+                </a:solidFill>
+              </a:rPr>
+              <a:t> per </a:t>
+            </a:r>
+            <a:r>
+              <a:rPr lang="en-US" dirty="0" err="1">
+                <a:solidFill>
+                  <a:srgbClr val="C7D5E0"/>
+                </a:solidFill>
+              </a:rPr>
+              <a:t>analizzare</a:t>
+            </a:r>
+            <a:r>
+              <a:rPr lang="en-US" dirty="0">
+                <a:solidFill>
+                  <a:srgbClr val="C7D5E0"/>
+                </a:solidFill>
+              </a:rPr>
+              <a:t> il </a:t>
+            </a:r>
+            <a:r>
+              <a:rPr lang="en-US" dirty="0" err="1">
+                <a:solidFill>
+                  <a:srgbClr val="66C0F4"/>
+                </a:solidFill>
+              </a:rPr>
+              <a:t>gradimento</a:t>
+            </a:r>
+            <a:r>
+              <a:rPr lang="en-US" dirty="0">
+                <a:solidFill>
+                  <a:srgbClr val="C7D5E0"/>
+                </a:solidFill>
+              </a:rPr>
+              <a:t> </a:t>
+            </a:r>
+            <a:r>
+              <a:rPr lang="en-US" dirty="0" err="1">
+                <a:solidFill>
+                  <a:srgbClr val="C7D5E0"/>
+                </a:solidFill>
+              </a:rPr>
+              <a:t>dei</a:t>
+            </a:r>
+            <a:r>
+              <a:rPr lang="en-US" dirty="0">
+                <a:solidFill>
+                  <a:srgbClr val="C7D5E0"/>
+                </a:solidFill>
+              </a:rPr>
+              <a:t> </a:t>
+            </a:r>
+            <a:r>
+              <a:rPr lang="en-US" dirty="0" err="1">
+                <a:solidFill>
+                  <a:srgbClr val="C7D5E0"/>
+                </a:solidFill>
+              </a:rPr>
+              <a:t>Videogiochi</a:t>
+            </a:r>
+            <a:r>
+              <a:rPr lang="en-US" dirty="0">
+                <a:solidFill>
+                  <a:srgbClr val="C7D5E0"/>
+                </a:solidFill>
+              </a:rPr>
+              <a:t> e </a:t>
+            </a:r>
+            <a:r>
+              <a:rPr lang="en-US" dirty="0" err="1">
+                <a:solidFill>
+                  <a:srgbClr val="C7D5E0"/>
+                </a:solidFill>
+              </a:rPr>
+              <a:t>potenzialmente</a:t>
+            </a:r>
+            <a:r>
+              <a:rPr lang="en-US" dirty="0">
+                <a:solidFill>
+                  <a:srgbClr val="C7D5E0"/>
+                </a:solidFill>
+              </a:rPr>
+              <a:t> come </a:t>
+            </a:r>
+            <a:r>
+              <a:rPr lang="en-US" dirty="0" err="1">
+                <a:solidFill>
+                  <a:srgbClr val="C7D5E0"/>
+                </a:solidFill>
+              </a:rPr>
+              <a:t>una</a:t>
+            </a:r>
+            <a:r>
+              <a:rPr lang="en-US" dirty="0">
+                <a:solidFill>
+                  <a:srgbClr val="C7D5E0"/>
+                </a:solidFill>
+              </a:rPr>
+              <a:t> </a:t>
+            </a:r>
+            <a:r>
+              <a:rPr lang="en-US" dirty="0" err="1">
+                <a:solidFill>
+                  <a:srgbClr val="C7D5E0"/>
+                </a:solidFill>
+              </a:rPr>
+              <a:t>caratteristica</a:t>
+            </a:r>
+            <a:r>
+              <a:rPr lang="en-US" dirty="0">
+                <a:solidFill>
+                  <a:srgbClr val="C7D5E0"/>
+                </a:solidFill>
+              </a:rPr>
+              <a:t> del </a:t>
+            </a:r>
+            <a:r>
+              <a:rPr lang="en-US" dirty="0" err="1">
+                <a:solidFill>
+                  <a:srgbClr val="66C0F4"/>
+                </a:solidFill>
+              </a:rPr>
+              <a:t>successo</a:t>
+            </a:r>
+            <a:r>
+              <a:rPr lang="en-US" dirty="0">
+                <a:solidFill>
+                  <a:srgbClr val="C7D5E0"/>
+                </a:solidFill>
+              </a:rPr>
+              <a:t> </a:t>
+            </a:r>
+            <a:r>
+              <a:rPr lang="en-US" dirty="0" err="1">
+                <a:solidFill>
+                  <a:srgbClr val="C7D5E0"/>
+                </a:solidFill>
+              </a:rPr>
+              <a:t>degli</a:t>
+            </a:r>
+            <a:r>
+              <a:rPr lang="en-US" dirty="0">
+                <a:solidFill>
+                  <a:srgbClr val="C7D5E0"/>
+                </a:solidFill>
+              </a:rPr>
+              <a:t> </a:t>
+            </a:r>
+            <a:r>
+              <a:rPr lang="en-US" dirty="0" err="1">
+                <a:solidFill>
+                  <a:srgbClr val="C7D5E0"/>
+                </a:solidFill>
+              </a:rPr>
+              <a:t>stessi</a:t>
+            </a:r>
+            <a:r>
+              <a:rPr lang="en-US" dirty="0">
+                <a:solidFill>
+                  <a:srgbClr val="C7D5E0"/>
+                </a:solidFill>
+              </a:rPr>
+              <a:t>.</a:t>
+            </a:r>
+          </a:p>
+          <a:p>
+            <a:pPr>
+              <a:buClr>
+                <a:srgbClr val="66C0F4"/>
+              </a:buClr>
+            </a:pPr>
+            <a:endParaRPr lang="en-US" dirty="0">
+              <a:solidFill>
+                <a:srgbClr val="C7D5E0"/>
+              </a:solidFill>
+            </a:endParaRPr>
+          </a:p>
+          <a:p>
+            <a:pPr>
+              <a:buClr>
+                <a:srgbClr val="66C0F4"/>
+              </a:buClr>
+            </a:pPr>
+            <a:r>
+              <a:rPr lang="en-US" dirty="0">
+                <a:solidFill>
+                  <a:srgbClr val="C7D5E0"/>
+                </a:solidFill>
+              </a:rPr>
+              <a:t>Si </a:t>
+            </a:r>
+            <a:r>
+              <a:rPr lang="en-US" dirty="0" err="1">
+                <a:solidFill>
+                  <a:srgbClr val="C7D5E0"/>
+                </a:solidFill>
+              </a:rPr>
+              <a:t>analizza</a:t>
+            </a:r>
+            <a:r>
+              <a:rPr lang="en-US" dirty="0">
+                <a:solidFill>
+                  <a:srgbClr val="C7D5E0"/>
+                </a:solidFill>
+              </a:rPr>
+              <a:t> </a:t>
+            </a:r>
+            <a:r>
+              <a:rPr lang="en-US" dirty="0" err="1">
+                <a:solidFill>
+                  <a:srgbClr val="C7D5E0"/>
+                </a:solidFill>
+              </a:rPr>
+              <a:t>quindi</a:t>
+            </a:r>
+            <a:r>
+              <a:rPr lang="en-US" dirty="0">
+                <a:solidFill>
+                  <a:srgbClr val="C7D5E0"/>
+                </a:solidFill>
+              </a:rPr>
+              <a:t> </a:t>
+            </a:r>
+            <a:r>
+              <a:rPr lang="en-US" dirty="0" err="1">
+                <a:solidFill>
+                  <a:srgbClr val="C7D5E0"/>
+                </a:solidFill>
+              </a:rPr>
+              <a:t>questo</a:t>
+            </a:r>
+            <a:r>
+              <a:rPr lang="en-US" dirty="0">
+                <a:solidFill>
+                  <a:srgbClr val="C7D5E0"/>
+                </a:solidFill>
+              </a:rPr>
+              <a:t> </a:t>
+            </a:r>
+            <a:r>
+              <a:rPr lang="en-US" dirty="0" err="1">
+                <a:solidFill>
+                  <a:srgbClr val="C7D5E0"/>
+                </a:solidFill>
+              </a:rPr>
+              <a:t>indice</a:t>
+            </a:r>
+            <a:r>
+              <a:rPr lang="en-US" dirty="0">
+                <a:solidFill>
+                  <a:srgbClr val="C7D5E0"/>
+                </a:solidFill>
+              </a:rPr>
+              <a:t> per </a:t>
+            </a:r>
+            <a:r>
+              <a:rPr lang="en-US" dirty="0" err="1">
+                <a:solidFill>
+                  <a:srgbClr val="C7D5E0"/>
+                </a:solidFill>
+              </a:rPr>
+              <a:t>cercare</a:t>
+            </a:r>
+            <a:r>
+              <a:rPr lang="en-US" dirty="0">
+                <a:solidFill>
+                  <a:srgbClr val="C7D5E0"/>
+                </a:solidFill>
+              </a:rPr>
+              <a:t> </a:t>
+            </a:r>
+            <a:r>
+              <a:rPr lang="en-US" dirty="0" err="1">
+                <a:solidFill>
+                  <a:srgbClr val="C7D5E0"/>
+                </a:solidFill>
+              </a:rPr>
+              <a:t>una</a:t>
+            </a:r>
+            <a:r>
+              <a:rPr lang="en-US" dirty="0">
+                <a:solidFill>
+                  <a:srgbClr val="C7D5E0"/>
+                </a:solidFill>
+              </a:rPr>
+              <a:t> </a:t>
+            </a:r>
+            <a:r>
+              <a:rPr lang="en-US" dirty="0" err="1">
+                <a:solidFill>
+                  <a:srgbClr val="66C0F4"/>
+                </a:solidFill>
+              </a:rPr>
+              <a:t>correlazione</a:t>
+            </a:r>
+            <a:r>
+              <a:rPr lang="en-US" dirty="0">
+                <a:solidFill>
+                  <a:srgbClr val="C7D5E0"/>
+                </a:solidFill>
+              </a:rPr>
+              <a:t> con il </a:t>
+            </a:r>
+            <a:r>
+              <a:rPr lang="en-US" dirty="0" err="1">
+                <a:solidFill>
+                  <a:srgbClr val="C7D5E0"/>
+                </a:solidFill>
+              </a:rPr>
+              <a:t>numero</a:t>
+            </a:r>
+            <a:r>
+              <a:rPr lang="en-US" dirty="0">
+                <a:solidFill>
+                  <a:srgbClr val="C7D5E0"/>
+                </a:solidFill>
+              </a:rPr>
+              <a:t> di download </a:t>
+            </a:r>
+            <a:r>
+              <a:rPr lang="en-US" dirty="0" err="1">
+                <a:solidFill>
+                  <a:srgbClr val="C7D5E0"/>
+                </a:solidFill>
+              </a:rPr>
+              <a:t>effettuati</a:t>
+            </a:r>
+            <a:r>
+              <a:rPr lang="en-US" dirty="0">
+                <a:solidFill>
+                  <a:srgbClr val="C7D5E0"/>
+                </a:solidFill>
+              </a:rPr>
+              <a:t> (</a:t>
+            </a:r>
+            <a:r>
+              <a:rPr lang="en-US" dirty="0">
+                <a:solidFill>
+                  <a:srgbClr val="66C0F4"/>
+                </a:solidFill>
+              </a:rPr>
+              <a:t>Owners</a:t>
+            </a:r>
+            <a:r>
+              <a:rPr lang="en-US" dirty="0">
+                <a:solidFill>
+                  <a:srgbClr val="C7D5E0"/>
+                </a:solidFill>
+              </a:rPr>
+              <a:t>), in modo da </a:t>
+            </a:r>
+            <a:r>
+              <a:rPr lang="en-US" dirty="0" err="1">
+                <a:solidFill>
+                  <a:srgbClr val="C7D5E0"/>
+                </a:solidFill>
+              </a:rPr>
+              <a:t>comprendere</a:t>
+            </a:r>
+            <a:r>
+              <a:rPr lang="en-US" dirty="0">
+                <a:solidFill>
+                  <a:srgbClr val="C7D5E0"/>
+                </a:solidFill>
+              </a:rPr>
+              <a:t> se </a:t>
+            </a:r>
+            <a:r>
+              <a:rPr lang="en-US" dirty="0" err="1">
+                <a:solidFill>
+                  <a:srgbClr val="C7D5E0"/>
+                </a:solidFill>
+              </a:rPr>
+              <a:t>questo</a:t>
+            </a:r>
+            <a:r>
+              <a:rPr lang="en-US" dirty="0">
+                <a:solidFill>
+                  <a:srgbClr val="C7D5E0"/>
+                </a:solidFill>
+              </a:rPr>
+              <a:t> </a:t>
+            </a:r>
+            <a:r>
+              <a:rPr lang="en-US" dirty="0" err="1">
+                <a:solidFill>
+                  <a:srgbClr val="C7D5E0"/>
+                </a:solidFill>
+              </a:rPr>
+              <a:t>indice</a:t>
+            </a:r>
+            <a:r>
+              <a:rPr lang="en-US" dirty="0">
+                <a:solidFill>
+                  <a:srgbClr val="C7D5E0"/>
+                </a:solidFill>
+              </a:rPr>
+              <a:t> </a:t>
+            </a:r>
+            <a:r>
+              <a:rPr lang="en-US" dirty="0" err="1">
+                <a:solidFill>
+                  <a:srgbClr val="C7D5E0"/>
+                </a:solidFill>
+              </a:rPr>
+              <a:t>possa</a:t>
+            </a:r>
+            <a:r>
+              <a:rPr lang="en-US" dirty="0">
+                <a:solidFill>
+                  <a:srgbClr val="C7D5E0"/>
+                </a:solidFill>
+              </a:rPr>
+              <a:t> </a:t>
+            </a:r>
+            <a:r>
+              <a:rPr lang="en-US" dirty="0" err="1">
+                <a:solidFill>
+                  <a:srgbClr val="C7D5E0"/>
+                </a:solidFill>
+              </a:rPr>
+              <a:t>essere</a:t>
+            </a:r>
+            <a:r>
+              <a:rPr lang="en-US" dirty="0">
+                <a:solidFill>
+                  <a:srgbClr val="C7D5E0"/>
+                </a:solidFill>
+              </a:rPr>
+              <a:t> utile per </a:t>
+            </a:r>
+            <a:r>
+              <a:rPr lang="en-US" dirty="0" err="1">
+                <a:solidFill>
+                  <a:srgbClr val="C7D5E0"/>
+                </a:solidFill>
+              </a:rPr>
+              <a:t>una</a:t>
+            </a:r>
+            <a:r>
+              <a:rPr lang="en-US" dirty="0">
+                <a:solidFill>
+                  <a:srgbClr val="C7D5E0"/>
+                </a:solidFill>
+              </a:rPr>
+              <a:t> </a:t>
+            </a:r>
+            <a:r>
+              <a:rPr lang="en-US" dirty="0" err="1">
+                <a:solidFill>
+                  <a:srgbClr val="C7D5E0"/>
+                </a:solidFill>
+              </a:rPr>
+              <a:t>potenziale</a:t>
+            </a:r>
+            <a:r>
+              <a:rPr lang="en-US" dirty="0">
+                <a:solidFill>
+                  <a:srgbClr val="C7D5E0"/>
+                </a:solidFill>
+              </a:rPr>
+              <a:t> </a:t>
+            </a:r>
+            <a:r>
+              <a:rPr lang="en-US" dirty="0" err="1">
+                <a:solidFill>
+                  <a:srgbClr val="C7D5E0"/>
+                </a:solidFill>
+              </a:rPr>
+              <a:t>previsione</a:t>
+            </a:r>
+            <a:r>
+              <a:rPr lang="en-US" dirty="0">
+                <a:solidFill>
+                  <a:srgbClr val="C7D5E0"/>
+                </a:solidFill>
+              </a:rPr>
+              <a:t> del </a:t>
+            </a:r>
+            <a:r>
+              <a:rPr lang="en-US" dirty="0" err="1">
+                <a:solidFill>
+                  <a:srgbClr val="C7D5E0"/>
+                </a:solidFill>
+              </a:rPr>
+              <a:t>successo</a:t>
+            </a:r>
+            <a:r>
+              <a:rPr lang="en-US" dirty="0">
+                <a:solidFill>
+                  <a:srgbClr val="C7D5E0"/>
+                </a:solidFill>
+              </a:rPr>
+              <a:t>.</a:t>
+            </a:r>
+            <a:endParaRPr lang="it-IT" dirty="0">
+              <a:solidFill>
+                <a:srgbClr val="C7D5E0"/>
+              </a:solidFill>
+            </a:endParaRPr>
+          </a:p>
+        </p:txBody>
+      </p:sp>
+    </p:spTree>
+    <p:extLst>
+      <p:ext uri="{BB962C8B-B14F-4D97-AF65-F5344CB8AC3E}">
+        <p14:creationId xmlns:p14="http://schemas.microsoft.com/office/powerpoint/2010/main" val="2675835995"/>
+      </p:ext>
+    </p:extLst>
+  </p:cSld>
+  <p:clrMapOvr>
+    <a:masterClrMapping/>
+  </p:clrMapOvr>
+</p:sld>
+</file>
+
+<file path=ppt/slides/slide22.xml><?xml version="1.0" encoding="utf-8"?>
+<p:sld xmlns:a="http://schemas.openxmlformats.org/drawingml/2006/main" xmlns:r="http://schemas.openxmlformats.org/officeDocument/2006/relationships" xmlns:p="http://schemas.openxmlformats.org/presentationml/2006/main">
+  <p:cSld>
+    <p:bg>
+      <p:bgPr>
+        <a:solidFill>
+          <a:srgbClr val="171A21"/>
+        </a:solidFill>
+        <a:effectLst/>
+      </p:bgPr>
+    </p:bg>
+    <p:spTree>
+      <p:nvGrpSpPr>
+        <p:cNvPr id="1" name=""/>
+        <p:cNvGrpSpPr/>
+        <p:nvPr/>
+      </p:nvGrpSpPr>
+      <p:grpSpPr>
+        <a:xfrm>
+          <a:off x="0" y="0"/>
+          <a:ext cx="0" cy="0"/>
+          <a:chOff x="0" y="0"/>
+          <a:chExt cx="0" cy="0"/>
+        </a:xfrm>
+      </p:grpSpPr>
+      <p:sp>
+        <p:nvSpPr>
+          <p:cNvPr id="16" name="Titolo 15">
+            <a:extLst>
+              <a:ext uri="{FF2B5EF4-FFF2-40B4-BE49-F238E27FC236}">
+                <a16:creationId xmlns:a16="http://schemas.microsoft.com/office/drawing/2014/main" id="{F7263360-930D-9D6A-C2AC-5E06A3EFBC66}"/>
+              </a:ext>
+            </a:extLst>
+          </p:cNvPr>
+          <p:cNvSpPr>
+            <a:spLocks noGrp="1"/>
+          </p:cNvSpPr>
+          <p:nvPr>
+            <p:ph type="title"/>
+          </p:nvPr>
+        </p:nvSpPr>
+        <p:spPr>
+          <a:xfrm>
+            <a:off x="838200" y="159702"/>
+            <a:ext cx="10515600" cy="777875"/>
+          </a:xfrm>
+        </p:spPr>
+        <p:txBody>
+          <a:bodyPr>
+            <a:normAutofit/>
+          </a:bodyPr>
+          <a:lstStyle/>
+          <a:p>
+            <a:pPr algn="ctr"/>
+            <a:r>
+              <a:rPr lang="en-US" sz="3200" b="1" dirty="0" err="1">
+                <a:solidFill>
+                  <a:srgbClr val="66C0F4"/>
+                </a:solidFill>
+              </a:rPr>
+              <a:t>Correlazione</a:t>
+            </a:r>
+            <a:r>
+              <a:rPr lang="en-US" sz="3200" b="1" dirty="0">
+                <a:solidFill>
+                  <a:srgbClr val="66C0F4"/>
+                </a:solidFill>
+              </a:rPr>
+              <a:t> </a:t>
+            </a:r>
+            <a:r>
+              <a:rPr lang="en-US" sz="3200" b="1" dirty="0" err="1">
+                <a:solidFill>
+                  <a:srgbClr val="66C0F4"/>
+                </a:solidFill>
+              </a:rPr>
+              <a:t>tra</a:t>
+            </a:r>
+            <a:r>
+              <a:rPr lang="en-US" sz="3200" b="1" dirty="0">
+                <a:solidFill>
+                  <a:srgbClr val="66C0F4"/>
+                </a:solidFill>
+              </a:rPr>
+              <a:t> </a:t>
+            </a:r>
+            <a:r>
+              <a:rPr lang="en-US" sz="3200" b="1" dirty="0" err="1">
+                <a:solidFill>
+                  <a:srgbClr val="66C0F4"/>
+                </a:solidFill>
+              </a:rPr>
+              <a:t>IndiceDiPositivita</a:t>
+            </a:r>
+            <a:r>
+              <a:rPr lang="en-US" sz="3200" b="1" dirty="0">
+                <a:solidFill>
+                  <a:srgbClr val="66C0F4"/>
+                </a:solidFill>
+              </a:rPr>
+              <a:t>’ e Owners</a:t>
+            </a:r>
+          </a:p>
+        </p:txBody>
+      </p:sp>
+      <p:pic>
+        <p:nvPicPr>
+          <p:cNvPr id="17" name="Immagine 16" descr="Immagine che contiene Elementi grafici, cerchio, clipart, cartone animato">
+            <a:extLst>
+              <a:ext uri="{FF2B5EF4-FFF2-40B4-BE49-F238E27FC236}">
+                <a16:creationId xmlns:a16="http://schemas.microsoft.com/office/drawing/2014/main" id="{05A5E460-1E13-E434-F2FF-8F2679A217ED}"/>
+              </a:ext>
+            </a:extLst>
+          </p:cNvPr>
+          <p:cNvPicPr>
+            <a:picLocks noChangeAspect="1"/>
+          </p:cNvPicPr>
+          <p:nvPr/>
+        </p:nvPicPr>
+        <p:blipFill>
+          <a:blip r:embed="rId2">
+            <a:alphaModFix/>
+            <a:extLst>
+              <a:ext uri="{28A0092B-C50C-407E-A947-70E740481C1C}">
+                <a14:useLocalDpi xmlns:a14="http://schemas.microsoft.com/office/drawing/2010/main" val="0"/>
+              </a:ext>
+            </a:extLst>
+          </a:blip>
+          <a:stretch>
+            <a:fillRect/>
+          </a:stretch>
+        </p:blipFill>
+        <p:spPr>
+          <a:xfrm>
+            <a:off x="11642903" y="0"/>
+            <a:ext cx="549097" cy="548640"/>
+          </a:xfrm>
+          <a:prstGeom prst="rect">
+            <a:avLst/>
+          </a:prstGeom>
+          <a:effectLst>
+            <a:glow>
+              <a:schemeClr val="accent1">
+                <a:alpha val="40000"/>
+              </a:schemeClr>
+            </a:glow>
+            <a:outerShdw blurRad="1270000" dist="50800" algn="ctr" rotWithShape="0">
+              <a:srgbClr val="000000"/>
+            </a:outerShdw>
+            <a:reflection endPos="0" dir="5400000" sy="-100000" algn="bl" rotWithShape="0"/>
+            <a:softEdge rad="0"/>
+          </a:effectLst>
+        </p:spPr>
+      </p:pic>
+      <p:pic>
+        <p:nvPicPr>
+          <p:cNvPr id="6" name="Immagine 5" descr="Immagine che contiene testo, schermata, linea, Diagramma&#10;&#10;Descrizione generata automaticamente">
+            <a:extLst>
+              <a:ext uri="{FF2B5EF4-FFF2-40B4-BE49-F238E27FC236}">
+                <a16:creationId xmlns:a16="http://schemas.microsoft.com/office/drawing/2014/main" id="{2E064A0D-4D63-DF24-373B-50B11751802B}"/>
+              </a:ext>
+            </a:extLst>
+          </p:cNvPr>
+          <p:cNvPicPr>
+            <a:picLocks noChangeAspect="1"/>
+          </p:cNvPicPr>
+          <p:nvPr/>
+        </p:nvPicPr>
+        <p:blipFill>
+          <a:blip r:embed="rId3">
+            <a:extLst>
+              <a:ext uri="{28A0092B-C50C-407E-A947-70E740481C1C}">
+                <a14:useLocalDpi xmlns:a14="http://schemas.microsoft.com/office/drawing/2010/main" val="0"/>
+              </a:ext>
+            </a:extLst>
+          </a:blip>
+          <a:stretch>
+            <a:fillRect/>
+          </a:stretch>
+        </p:blipFill>
+        <p:spPr>
+          <a:xfrm>
+            <a:off x="816175" y="937577"/>
+            <a:ext cx="10559649" cy="5029200"/>
+          </a:xfrm>
+          <a:prstGeom prst="rect">
+            <a:avLst/>
+          </a:prstGeom>
+        </p:spPr>
+      </p:pic>
+    </p:spTree>
+    <p:extLst>
+      <p:ext uri="{BB962C8B-B14F-4D97-AF65-F5344CB8AC3E}">
+        <p14:creationId xmlns:p14="http://schemas.microsoft.com/office/powerpoint/2010/main" val="551743755"/>
+      </p:ext>
+    </p:extLst>
+  </p:cSld>
+  <p:clrMapOvr>
+    <a:masterClrMapping/>
+  </p:clrMapOvr>
+</p:sld>
+</file>
+
+<file path=ppt/slides/slide23.xml><?xml version="1.0" encoding="utf-8"?>
+<p:sld xmlns:a="http://schemas.openxmlformats.org/drawingml/2006/main" xmlns:r="http://schemas.openxmlformats.org/officeDocument/2006/relationships" xmlns:p="http://schemas.openxmlformats.org/presentationml/2006/main">
+  <p:cSld>
+    <p:bg>
+      <p:bgPr>
+        <a:solidFill>
+          <a:srgbClr val="171A21"/>
+        </a:solidFill>
+        <a:effectLst/>
+      </p:bgPr>
+    </p:bg>
+    <p:spTree>
+      <p:nvGrpSpPr>
+        <p:cNvPr id="1" name=""/>
+        <p:cNvGrpSpPr/>
+        <p:nvPr/>
+      </p:nvGrpSpPr>
+      <p:grpSpPr>
+        <a:xfrm>
+          <a:off x="0" y="0"/>
+          <a:ext cx="0" cy="0"/>
+          <a:chOff x="0" y="0"/>
+          <a:chExt cx="0" cy="0"/>
+        </a:xfrm>
+      </p:grpSpPr>
+      <p:sp>
+        <p:nvSpPr>
+          <p:cNvPr id="16" name="Titolo 15">
+            <a:extLst>
+              <a:ext uri="{FF2B5EF4-FFF2-40B4-BE49-F238E27FC236}">
+                <a16:creationId xmlns:a16="http://schemas.microsoft.com/office/drawing/2014/main" id="{F7263360-930D-9D6A-C2AC-5E06A3EFBC66}"/>
+              </a:ext>
+            </a:extLst>
+          </p:cNvPr>
+          <p:cNvSpPr>
+            <a:spLocks noGrp="1"/>
+          </p:cNvSpPr>
+          <p:nvPr>
+            <p:ph type="title"/>
+          </p:nvPr>
+        </p:nvSpPr>
+        <p:spPr>
+          <a:xfrm>
+            <a:off x="838200" y="159702"/>
+            <a:ext cx="10515600" cy="777875"/>
+          </a:xfrm>
+        </p:spPr>
+        <p:txBody>
+          <a:bodyPr>
+            <a:normAutofit/>
+          </a:bodyPr>
+          <a:lstStyle/>
+          <a:p>
+            <a:pPr algn="ctr"/>
+            <a:r>
+              <a:rPr lang="en-US" sz="3200" b="1" dirty="0">
+                <a:solidFill>
+                  <a:srgbClr val="66C0F4"/>
+                </a:solidFill>
+              </a:rPr>
               <a:t>Le </a:t>
             </a:r>
             <a:r>
@@ -11133,7 +14534,7 @@
 </p:sld>
 </file>
 
-<file path=ppt/slides/slide21.xml><?xml version="1.0" encoding="utf-8"?>
+<file path=ppt/slides/slide24.xml><?xml version="1.0" encoding="utf-8"?>
 <p:sld xmlns:a="http://schemas.openxmlformats.org/drawingml/2006/main" xmlns:r="http://schemas.openxmlformats.org/officeDocument/2006/relationships" xmlns:p="http://schemas.openxmlformats.org/presentationml/2006/main">
   <p:cSld>
     <p:bg>
@@ -11301,7 +14702,7 @@
 </p:sld>
 </file>
 
-<file path=ppt/slides/slide22.xml><?xml version="1.0" encoding="utf-8"?>
+<file path=ppt/slides/slide25.xml><?xml version="1.0" encoding="utf-8"?>
 <p:sld xmlns:a="http://schemas.openxmlformats.org/drawingml/2006/main" xmlns:r="http://schemas.openxmlformats.org/officeDocument/2006/relationships" xmlns:p="http://schemas.openxmlformats.org/presentationml/2006/main">
   <p:cSld>
     <p:bg>
@@ -11496,7 +14897,7 @@
 </p:sld>
 </file>
 
-<file path=ppt/slides/slide23.xml><?xml version="1.0" encoding="utf-8"?>
+<file path=ppt/slides/slide26.xml><?xml version="1.0" encoding="utf-8"?>
 <p:sld xmlns:a="http://schemas.openxmlformats.org/drawingml/2006/main" xmlns:r="http://schemas.openxmlformats.org/officeDocument/2006/relationships" xmlns:p="http://schemas.openxmlformats.org/presentationml/2006/main">
   <p:cSld>
     <p:bg>
@@ -11691,7 +15092,7 @@
 </p:sld>
 </file>
 
-<file path=ppt/slides/slide24.xml><?xml version="1.0" encoding="utf-8"?>
+<file path=ppt/slides/slide27.xml><?xml version="1.0" encoding="utf-8"?>
 <p:sld xmlns:a="http://schemas.openxmlformats.org/drawingml/2006/main" xmlns:r="http://schemas.openxmlformats.org/officeDocument/2006/relationships" xmlns:p="http://schemas.openxmlformats.org/presentationml/2006/main">
   <p:cSld>
     <p:bg>
@@ -11812,10 +15213,10 @@
       </p:pic>
       <p:sp>
         <p:nvSpPr>
-          <p:cNvPr id="3" name="CasellaDiTesto 2">
+          <p:cNvPr id="2" name="CasellaDiTesto 1">
             <a:extLst>
               <a:ext uri="{FF2B5EF4-FFF2-40B4-BE49-F238E27FC236}">
-                <a16:creationId xmlns:a16="http://schemas.microsoft.com/office/drawing/2014/main" id="{EA2C6FA7-F801-AA7D-C84E-C799E9188CB2}"/>
+                <a16:creationId xmlns:a16="http://schemas.microsoft.com/office/drawing/2014/main" id="{B38B6E2A-EC45-90CA-3158-C082282E3241}"/>
               </a:ext>
             </a:extLst>
           </p:cNvPr>
@@ -11824,8 +15225,8 @@
         </p:nvSpPr>
         <p:spPr>
           <a:xfrm>
-            <a:off x="1494118" y="1452283"/>
-            <a:ext cx="2777748" cy="923330"/>
+            <a:off x="2515239" y="2217907"/>
+            <a:ext cx="6823313" cy="2585323"/>
           </a:xfrm>
           <a:prstGeom prst="rect">
             <a:avLst/>
@@ -11833,33 +15234,238 @@
           <a:noFill/>
         </p:spPr>
         <p:txBody>
-          <a:bodyPr wrap="none" rtlCol="0">
+          <a:bodyPr wrap="square" rtlCol="0">
             <a:spAutoFit/>
           </a:bodyPr>
           <a:lstStyle/>
           <a:p>
             <a:r>
-              <a:rPr lang="en-US" dirty="0">
-                <a:solidFill>
-                  <a:srgbClr val="C7D5E0"/>
-                </a:solidFill>
-              </a:rPr>
-              <a:t>SCRIVERE LA CONCLUSIONE</a:t>
-            </a:r>
-          </a:p>
-          <a:p>
-            <a:endParaRPr lang="en-US" dirty="0">
-              <a:solidFill>
-                <a:srgbClr val="C7D5E0"/>
-              </a:solidFill>
-            </a:endParaRPr>
-          </a:p>
-          <a:p>
-            <a:endParaRPr lang="en-US" dirty="0">
-              <a:solidFill>
-                <a:srgbClr val="C7D5E0"/>
-              </a:solidFill>
-            </a:endParaRPr>
+              <a:rPr lang="en-US" dirty="0" err="1"/>
+              <a:t>Possiamo</a:t>
+            </a:r>
+            <a:r>
+              <a:rPr lang="en-US" dirty="0"/>
+              <a:t> </a:t>
+            </a:r>
+            <a:r>
+              <a:rPr lang="en-US" dirty="0" err="1"/>
+              <a:t>quindi</a:t>
+            </a:r>
+            <a:r>
+              <a:rPr lang="en-US" dirty="0"/>
+              <a:t> </a:t>
+            </a:r>
+            <a:r>
+              <a:rPr lang="en-US" dirty="0" err="1"/>
+              <a:t>concludere</a:t>
+            </a:r>
+            <a:r>
+              <a:rPr lang="en-US" dirty="0"/>
+              <a:t> </a:t>
+            </a:r>
+            <a:r>
+              <a:rPr lang="en-US" dirty="0" err="1"/>
+              <a:t>che</a:t>
+            </a:r>
+            <a:r>
+              <a:rPr lang="en-US" dirty="0"/>
+              <a:t> le </a:t>
+            </a:r>
+            <a:r>
+              <a:rPr lang="en-US" dirty="0" err="1"/>
+              <a:t>caratteristiche</a:t>
+            </a:r>
+            <a:r>
+              <a:rPr lang="en-US" dirty="0"/>
+              <a:t> </a:t>
+            </a:r>
+            <a:r>
+              <a:rPr lang="en-US" dirty="0" err="1"/>
+              <a:t>migliori</a:t>
+            </a:r>
+            <a:r>
+              <a:rPr lang="en-US" dirty="0"/>
+              <a:t> per </a:t>
+            </a:r>
+            <a:r>
+              <a:rPr lang="en-US" dirty="0" err="1"/>
+              <a:t>calcolare</a:t>
+            </a:r>
+            <a:r>
+              <a:rPr lang="en-US" dirty="0"/>
+              <a:t> il </a:t>
+            </a:r>
+            <a:r>
+              <a:rPr lang="en-US" dirty="0" err="1"/>
+              <a:t>successo</a:t>
+            </a:r>
+            <a:r>
+              <a:rPr lang="en-US" dirty="0"/>
+              <a:t> di  un </a:t>
+            </a:r>
+            <a:r>
+              <a:rPr lang="en-US" dirty="0" err="1"/>
+              <a:t>videogioco</a:t>
+            </a:r>
+            <a:r>
+              <a:rPr lang="en-US" dirty="0"/>
+              <a:t> </a:t>
+            </a:r>
+            <a:r>
+              <a:rPr lang="en-US" dirty="0" err="1"/>
+              <a:t>sono</a:t>
+            </a:r>
+            <a:r>
+              <a:rPr lang="en-US" dirty="0"/>
+              <a:t> le </a:t>
+            </a:r>
+            <a:r>
+              <a:rPr lang="en-US" dirty="0" err="1"/>
+              <a:t>seguenti</a:t>
+            </a:r>
+            <a:r>
+              <a:rPr lang="en-US" dirty="0"/>
+              <a:t>:</a:t>
+            </a:r>
+          </a:p>
+          <a:p>
+            <a:pPr marL="285750" indent="-285750">
+              <a:buFont typeface="Arial" panose="020B0604020202020204" pitchFamily="34" charset="0"/>
+              <a:buChar char="•"/>
+            </a:pPr>
+            <a:r>
+              <a:rPr lang="en-US" dirty="0" err="1"/>
+              <a:t>Genere</a:t>
+            </a:r>
+            <a:r>
+              <a:rPr lang="en-US" dirty="0"/>
+              <a:t>: Action (</a:t>
+            </a:r>
+            <a:r>
+              <a:rPr lang="en-US" dirty="0" err="1"/>
+              <a:t>Potenzialmente</a:t>
+            </a:r>
+            <a:r>
+              <a:rPr lang="en-US" dirty="0"/>
+              <a:t> Action-Shooter)</a:t>
+            </a:r>
+          </a:p>
+          <a:p>
+            <a:pPr marL="285750" indent="-285750">
+              <a:buFont typeface="Arial" panose="020B0604020202020204" pitchFamily="34" charset="0"/>
+              <a:buChar char="•"/>
+            </a:pPr>
+            <a:r>
+              <a:rPr lang="en-US" dirty="0"/>
+              <a:t>Maggiore e’ l’ I_P </a:t>
+            </a:r>
+            <a:r>
+              <a:rPr lang="en-US" dirty="0" err="1"/>
+              <a:t>maggiore</a:t>
+            </a:r>
+            <a:r>
+              <a:rPr lang="en-US" dirty="0"/>
+              <a:t> e’ il </a:t>
+            </a:r>
+            <a:r>
+              <a:rPr lang="en-US" dirty="0" err="1"/>
+              <a:t>potenziale</a:t>
+            </a:r>
+            <a:r>
+              <a:rPr lang="en-US" dirty="0"/>
+              <a:t> </a:t>
+            </a:r>
+            <a:r>
+              <a:rPr lang="en-US" dirty="0" err="1"/>
+              <a:t>successo</a:t>
+            </a:r>
+            <a:r>
+              <a:rPr lang="en-US" dirty="0"/>
+              <a:t> </a:t>
+            </a:r>
+          </a:p>
+          <a:p>
+            <a:pPr marL="285750" indent="-285750">
+              <a:buFont typeface="Arial" panose="020B0604020202020204" pitchFamily="34" charset="0"/>
+              <a:buChar char="•"/>
+            </a:pPr>
+            <a:r>
+              <a:rPr lang="en-US" dirty="0"/>
+              <a:t>Free2Play e’ un </a:t>
+            </a:r>
+            <a:r>
+              <a:rPr lang="en-US" dirty="0" err="1"/>
+              <a:t>modello</a:t>
+            </a:r>
+            <a:r>
+              <a:rPr lang="en-US" dirty="0"/>
+              <a:t> </a:t>
+            </a:r>
+            <a:r>
+              <a:rPr lang="en-US" dirty="0" err="1"/>
+              <a:t>migliore</a:t>
+            </a:r>
+            <a:endParaRPr lang="en-US" dirty="0"/>
+          </a:p>
+          <a:p>
+            <a:pPr marL="285750" indent="-285750">
+              <a:buFont typeface="Arial" panose="020B0604020202020204" pitchFamily="34" charset="0"/>
+              <a:buChar char="•"/>
+            </a:pPr>
+            <a:r>
+              <a:rPr lang="en-US" dirty="0"/>
+              <a:t>Multiplayer e’ la </a:t>
+            </a:r>
+            <a:r>
+              <a:rPr lang="en-US" dirty="0" err="1"/>
+              <a:t>caratteristica</a:t>
+            </a:r>
+            <a:r>
+              <a:rPr lang="en-US" dirty="0"/>
+              <a:t> </a:t>
+            </a:r>
+            <a:r>
+              <a:rPr lang="en-US" dirty="0" err="1"/>
+              <a:t>migliore</a:t>
+            </a:r>
+            <a:endParaRPr lang="en-US" dirty="0"/>
+          </a:p>
+          <a:p>
+            <a:pPr marL="285750" indent="-285750">
+              <a:buFont typeface="Arial" panose="020B0604020202020204" pitchFamily="34" charset="0"/>
+              <a:buChar char="•"/>
+            </a:pPr>
+            <a:endParaRPr lang="en-US" dirty="0"/>
+          </a:p>
+          <a:p>
+            <a:pPr marL="285750" indent="-285750">
+              <a:buFont typeface="Arial" panose="020B0604020202020204" pitchFamily="34" charset="0"/>
+              <a:buChar char="•"/>
+            </a:pPr>
+            <a:r>
+              <a:rPr lang="en-US" dirty="0" err="1"/>
+              <a:t>Tempo_Medio</a:t>
+            </a:r>
+            <a:r>
+              <a:rPr lang="en-US" dirty="0"/>
+              <a:t> * #Download come </a:t>
+            </a:r>
+            <a:r>
+              <a:rPr lang="en-US" dirty="0" err="1"/>
+              <a:t>indicatore</a:t>
+            </a:r>
+            <a:r>
+              <a:rPr lang="en-US" dirty="0"/>
+              <a:t> del </a:t>
+            </a:r>
+            <a:r>
+              <a:rPr lang="en-US" dirty="0" err="1"/>
+              <a:t>successo</a:t>
+            </a:r>
+            <a:endParaRPr lang="en-US" dirty="0"/>
+          </a:p>
+          <a:p>
+            <a:endParaRPr lang="en-US" u="sng" dirty="0"/>
           </a:p>
         </p:txBody>
       </p:sp>
@@ -11876,7 +15482,7 @@
 </p:sld>
 </file>
 
-<file path=ppt/slides/slide25.xml><?xml version="1.0" encoding="utf-8"?>
+<file path=ppt/slides/slide28.xml><?xml version="1.0" encoding="utf-8"?>
 <p:sld xmlns:a="http://schemas.openxmlformats.org/drawingml/2006/main" xmlns:r="http://schemas.openxmlformats.org/officeDocument/2006/relationships" xmlns:p="http://schemas.openxmlformats.org/presentationml/2006/main">
   <p:cSld>
     <p:bg>
@@ -12011,6 +15617,191 @@
           </a:effectLst>
         </p:spPr>
       </p:pic>
+      <p:sp>
+        <p:nvSpPr>
+          <p:cNvPr id="2" name="CasellaDiTesto 1">
+            <a:extLst>
+              <a:ext uri="{FF2B5EF4-FFF2-40B4-BE49-F238E27FC236}">
+                <a16:creationId xmlns:a16="http://schemas.microsoft.com/office/drawing/2014/main" id="{F9FD7B70-B513-A8ED-8580-58D4B4EA8FA9}"/>
+              </a:ext>
+            </a:extLst>
+          </p:cNvPr>
+          <p:cNvSpPr txBox="1"/>
+          <p:nvPr/>
+        </p:nvSpPr>
+        <p:spPr>
+          <a:xfrm>
+            <a:off x="2905328" y="1725038"/>
+            <a:ext cx="3968885" cy="1754326"/>
+          </a:xfrm>
+          <a:prstGeom prst="rect">
+            <a:avLst/>
+          </a:prstGeom>
+          <a:noFill/>
+        </p:spPr>
+        <p:txBody>
+          <a:bodyPr wrap="square" rtlCol="0">
+            <a:spAutoFit/>
+          </a:bodyPr>
+          <a:lstStyle/>
+          <a:p>
+            <a:r>
+              <a:rPr lang="en-US" dirty="0" err="1"/>
+              <a:t>Potrebbe</a:t>
+            </a:r>
+            <a:r>
+              <a:rPr lang="en-US" dirty="0"/>
+              <a:t> </a:t>
+            </a:r>
+            <a:r>
+              <a:rPr lang="en-US" dirty="0" err="1"/>
+              <a:t>essere</a:t>
+            </a:r>
+            <a:r>
+              <a:rPr lang="en-US" dirty="0"/>
+              <a:t> </a:t>
+            </a:r>
+            <a:r>
+              <a:rPr lang="en-US" dirty="0" err="1"/>
+              <a:t>interessante</a:t>
+            </a:r>
+            <a:r>
+              <a:rPr lang="en-US" dirty="0"/>
+              <a:t> </a:t>
+            </a:r>
+            <a:r>
+              <a:rPr lang="en-US" dirty="0" err="1"/>
+              <a:t>costruire</a:t>
+            </a:r>
+            <a:r>
+              <a:rPr lang="en-US" dirty="0"/>
+              <a:t> un </a:t>
+            </a:r>
+            <a:r>
+              <a:rPr lang="en-US" dirty="0" err="1"/>
+              <a:t>modello</a:t>
+            </a:r>
+            <a:r>
+              <a:rPr lang="en-US" dirty="0"/>
+              <a:t> di </a:t>
+            </a:r>
+            <a:r>
+              <a:rPr lang="en-US" dirty="0" err="1"/>
+              <a:t>regressione</a:t>
+            </a:r>
+            <a:r>
+              <a:rPr lang="en-US" dirty="0"/>
+              <a:t> </a:t>
+            </a:r>
+            <a:r>
+              <a:rPr lang="en-US" dirty="0" err="1"/>
+              <a:t>che</a:t>
+            </a:r>
+            <a:r>
+              <a:rPr lang="en-US" dirty="0"/>
+              <a:t> </a:t>
+            </a:r>
+            <a:r>
+              <a:rPr lang="en-US" dirty="0" err="1"/>
+              <a:t>analizzi</a:t>
+            </a:r>
+            <a:r>
+              <a:rPr lang="en-US" dirty="0"/>
+              <a:t> </a:t>
+            </a:r>
+            <a:r>
+              <a:rPr lang="en-US" dirty="0" err="1"/>
+              <a:t>ulteriormente</a:t>
+            </a:r>
+            <a:r>
+              <a:rPr lang="en-US" dirty="0"/>
+              <a:t> </a:t>
+            </a:r>
+            <a:r>
+              <a:rPr lang="en-US" dirty="0" err="1"/>
+              <a:t>i</a:t>
+            </a:r>
+            <a:r>
+              <a:rPr lang="en-US" dirty="0"/>
+              <a:t> </a:t>
+            </a:r>
+            <a:r>
+              <a:rPr lang="en-US" dirty="0" err="1"/>
+              <a:t>dati</a:t>
+            </a:r>
+            <a:r>
+              <a:rPr lang="en-US" dirty="0"/>
+              <a:t>.</a:t>
+            </a:r>
+          </a:p>
+          <a:p>
+            <a:r>
+              <a:rPr lang="en-US" dirty="0" err="1"/>
+              <a:t>Limitando</a:t>
+            </a:r>
+            <a:r>
+              <a:rPr lang="en-US" dirty="0"/>
+              <a:t> lo scope al </a:t>
+            </a:r>
+            <a:r>
+              <a:rPr lang="en-US" dirty="0" err="1"/>
+              <a:t>periodoooo</a:t>
+            </a:r>
+            <a:r>
+              <a:rPr lang="en-US" dirty="0"/>
+              <a:t> </a:t>
+            </a:r>
+            <a:r>
+              <a:rPr lang="en-US" dirty="0" err="1"/>
+              <a:t>recente</a:t>
+            </a:r>
+            <a:r>
+              <a:rPr lang="en-US" dirty="0"/>
+              <a:t> in modo da </a:t>
+            </a:r>
+            <a:r>
+              <a:rPr lang="en-US" dirty="0" err="1"/>
+              <a:t>poter</a:t>
+            </a:r>
+            <a:r>
+              <a:rPr lang="en-US" dirty="0"/>
+              <a:t> </a:t>
+            </a:r>
+            <a:r>
+              <a:rPr lang="en-US" dirty="0" err="1"/>
+              <a:t>costruire</a:t>
+            </a:r>
+            <a:r>
+              <a:rPr lang="en-US" dirty="0"/>
+              <a:t> </a:t>
+            </a:r>
+            <a:r>
+              <a:rPr lang="en-US" dirty="0" err="1"/>
+              <a:t>una</a:t>
+            </a:r>
+            <a:r>
+              <a:rPr lang="en-US" dirty="0"/>
+              <a:t> </a:t>
+            </a:r>
+            <a:r>
+              <a:rPr lang="en-US" dirty="0" err="1"/>
+              <a:t>previsione</a:t>
+            </a:r>
+            <a:r>
+              <a:rPr lang="en-US" dirty="0"/>
+              <a:t> </a:t>
+            </a:r>
+            <a:r>
+              <a:rPr lang="en-US" dirty="0" err="1"/>
+              <a:t>valida</a:t>
+            </a:r>
+            <a:r>
+              <a:rPr lang="en-US" dirty="0"/>
+              <a:t> del</a:t>
+            </a:r>
+          </a:p>
+        </p:txBody>
+      </p:sp>
     </p:spTree>
     <p:extLst>
       <p:ext uri="{BB962C8B-B14F-4D97-AF65-F5344CB8AC3E}">
@@ -12024,7 +15815,7 @@
 </p:sld>
 </file>
 
-<file path=ppt/slides/slide26.xml><?xml version="1.0" encoding="utf-8"?>
+<file path=ppt/slides/slide29.xml><?xml version="1.0" encoding="utf-8"?>
 <p:sld xmlns:a="http://schemas.openxmlformats.org/drawingml/2006/main" xmlns:r="http://schemas.openxmlformats.org/officeDocument/2006/relationships" xmlns:p="http://schemas.openxmlformats.org/presentationml/2006/main">
   <p:cSld>
     <p:bg>
@@ -12206,7 +15997,7 @@
           <a:p>
             <a:pPr algn="ctr"/>
             <a:r>
-              <a:rPr lang="en-US" sz="3200" b="1">
+              <a:rPr lang="en-US" sz="3200" b="1" dirty="0">
                 <a:solidFill>
                   <a:srgbClr val="66C0F4"/>
                 </a:solidFill>
@@ -12214,12 +16005,6 @@
               </a:rPr>
               <a:t>RACCOLTA DATI</a:t>
             </a:r>
-            <a:endParaRPr lang="en-US" sz="3200" b="1" dirty="0">
-              <a:solidFill>
-                <a:srgbClr val="66C0F4"/>
-              </a:solidFill>
-              <a:cs typeface="Arial" panose="020B0604020202020204" pitchFamily="34" charset="0"/>
-            </a:endParaRPr>
           </a:p>
         </p:txBody>
       </p:sp>
@@ -12272,6 +16057,55 @@
           </a:effectLst>
         </p:spPr>
       </p:pic>
+      <p:sp>
+        <p:nvSpPr>
+          <p:cNvPr id="3" name="CasellaDiTesto 2">
+            <a:extLst>
+              <a:ext uri="{FF2B5EF4-FFF2-40B4-BE49-F238E27FC236}">
+                <a16:creationId xmlns:a16="http://schemas.microsoft.com/office/drawing/2014/main" id="{66A09A67-51D7-7886-B02C-929C198060AE}"/>
+              </a:ext>
+            </a:extLst>
+          </p:cNvPr>
+          <p:cNvSpPr txBox="1"/>
+          <p:nvPr/>
+        </p:nvSpPr>
+        <p:spPr>
+          <a:xfrm>
+            <a:off x="2107660" y="3612204"/>
+            <a:ext cx="6233758" cy="646331"/>
+          </a:xfrm>
+          <a:prstGeom prst="rect">
+            <a:avLst/>
+          </a:prstGeom>
+          <a:noFill/>
+        </p:spPr>
+        <p:txBody>
+          <a:bodyPr wrap="none" rtlCol="0">
+            <a:spAutoFit/>
+          </a:bodyPr>
+          <a:lstStyle/>
+          <a:p>
+            <a:r>
+              <a:rPr lang="en-US" dirty="0"/>
+              <a:t>STEAM Api: Dati </a:t>
+            </a:r>
+            <a:r>
+              <a:rPr lang="en-US" dirty="0" err="1"/>
+              <a:t>relativi</a:t>
+            </a:r>
+            <a:r>
+              <a:rPr lang="en-US" dirty="0"/>
+              <a:t> a STEAM </a:t>
+            </a:r>
+          </a:p>
+          <a:p>
+            <a:r>
+              <a:rPr lang="en-US" dirty="0"/>
+              <a:t>Ark invest Big Ideas 2021: Breakdown of Global Gaming Revenue</a:t>
+            </a:r>
+          </a:p>
+        </p:txBody>
+      </p:sp>
     </p:spTree>
     <p:extLst>
       <p:ext uri="{BB962C8B-B14F-4D97-AF65-F5344CB8AC3E}">
@@ -12431,8 +16265,8 @@
         </p:nvSpPr>
         <p:spPr>
           <a:xfrm>
-            <a:off x="906780" y="2364025"/>
-            <a:ext cx="3954780" cy="2129950"/>
+            <a:off x="838200" y="2717816"/>
+            <a:ext cx="4351986" cy="1422365"/>
           </a:xfrm>
           <a:prstGeom prst="rect">
             <a:avLst/>
@@ -12613,7 +16447,7 @@
               </a:buClr>
             </a:pPr>
             <a:r>
-              <a:rPr lang="en-US" sz="2000" dirty="0">
+              <a:rPr lang="en-US" sz="1600" dirty="0">
                 <a:solidFill>
                   <a:srgbClr val="C7D5E0"/>
                 </a:solidFill>
@@ -12621,7 +16455,7 @@
               <a:t>I </a:t>
             </a:r>
             <a:r>
-              <a:rPr lang="en-US" sz="2000" dirty="0">
+              <a:rPr lang="en-US" sz="1600" dirty="0">
                 <a:solidFill>
                   <a:srgbClr val="66C0F4"/>
                 </a:solidFill>
@@ -12629,15 +16463,15 @@
               <a:t>Videogames</a:t>
             </a:r>
             <a:r>
-              <a:rPr lang="en-US" sz="2000" dirty="0">
-                <a:solidFill>
-                  <a:srgbClr val="C7D5E0"/>
-                </a:solidFill>
-              </a:rPr>
-              <a:t> </a:t>
-            </a:r>
-            <a:r>
-              <a:rPr lang="en-US" sz="2000" dirty="0" err="1">
+              <a:rPr lang="en-US" sz="1600" dirty="0">
+                <a:solidFill>
+                  <a:srgbClr val="C7D5E0"/>
+                </a:solidFill>
+              </a:rPr>
+              <a:t> </a:t>
+            </a:r>
+            <a:r>
+              <a:rPr lang="en-US" sz="1600" dirty="0" err="1">
                 <a:solidFill>
                   <a:srgbClr val="C7D5E0"/>
                 </a:solidFill>
@@ -12645,7 +16479,7 @@
               <a:t>rappresentano</a:t>
             </a:r>
             <a:r>
-              <a:rPr lang="en-US" sz="2000" dirty="0">
+              <a:rPr lang="en-US" sz="1600" dirty="0">
                 <a:solidFill>
                   <a:srgbClr val="C7D5E0"/>
                 </a:solidFill>
@@ -12653,7 +16487,7 @@
               <a:t> la </a:t>
             </a:r>
             <a:r>
-              <a:rPr lang="en-US" sz="2000" dirty="0" err="1">
+              <a:rPr lang="en-US" sz="1600" dirty="0" err="1">
                 <a:solidFill>
                   <a:srgbClr val="C7D5E0"/>
                 </a:solidFill>
@@ -12661,15 +16495,15 @@
               <a:t>stragrande</a:t>
             </a:r>
             <a:r>
-              <a:rPr lang="en-US" sz="2000" dirty="0">
-                <a:solidFill>
-                  <a:srgbClr val="C7D5E0"/>
-                </a:solidFill>
-              </a:rPr>
-              <a:t> </a:t>
-            </a:r>
-            <a:r>
-              <a:rPr lang="en-US" sz="2000" dirty="0" err="1">
+              <a:rPr lang="en-US" sz="1600" dirty="0">
+                <a:solidFill>
+                  <a:srgbClr val="C7D5E0"/>
+                </a:solidFill>
+              </a:rPr>
+              <a:t> </a:t>
+            </a:r>
+            <a:r>
+              <a:rPr lang="en-US" sz="1600" dirty="0" err="1">
                 <a:solidFill>
                   <a:srgbClr val="C7D5E0"/>
                 </a:solidFill>
@@ -12677,15 +16511,15 @@
               <a:t>maggioranza</a:t>
             </a:r>
             <a:r>
-              <a:rPr lang="en-US" sz="2000" dirty="0">
-                <a:solidFill>
-                  <a:srgbClr val="C7D5E0"/>
-                </a:solidFill>
-              </a:rPr>
-              <a:t> </a:t>
-            </a:r>
-            <a:r>
-              <a:rPr lang="en-US" sz="2000" dirty="0" err="1">
+              <a:rPr lang="en-US" sz="1600" dirty="0">
+                <a:solidFill>
+                  <a:srgbClr val="C7D5E0"/>
+                </a:solidFill>
+              </a:rPr>
+              <a:t> </a:t>
+            </a:r>
+            <a:r>
+              <a:rPr lang="en-US" sz="1600" dirty="0" err="1">
                 <a:solidFill>
                   <a:srgbClr val="C7D5E0"/>
                 </a:solidFill>
@@ -12693,15 +16527,15 @@
               <a:t>dei</a:t>
             </a:r>
             <a:r>
-              <a:rPr lang="en-US" sz="2000" dirty="0">
-                <a:solidFill>
-                  <a:srgbClr val="C7D5E0"/>
-                </a:solidFill>
-              </a:rPr>
-              <a:t> </a:t>
-            </a:r>
-            <a:r>
-              <a:rPr lang="en-US" sz="2000" dirty="0" err="1">
+              <a:rPr lang="en-US" sz="1600" dirty="0">
+                <a:solidFill>
+                  <a:srgbClr val="C7D5E0"/>
+                </a:solidFill>
+              </a:rPr>
+              <a:t> </a:t>
+            </a:r>
+            <a:r>
+              <a:rPr lang="en-US" sz="1600" dirty="0" err="1">
                 <a:solidFill>
                   <a:srgbClr val="C7D5E0"/>
                 </a:solidFill>
@@ -12709,15 +16543,15 @@
               <a:t>prodotti</a:t>
             </a:r>
             <a:r>
-              <a:rPr lang="en-US" sz="2000" dirty="0">
-                <a:solidFill>
-                  <a:srgbClr val="C7D5E0"/>
-                </a:solidFill>
-              </a:rPr>
-              <a:t> </a:t>
-            </a:r>
-            <a:r>
-              <a:rPr lang="en-US" sz="2000" dirty="0" err="1">
+              <a:rPr lang="en-US" sz="1600" dirty="0">
+                <a:solidFill>
+                  <a:srgbClr val="C7D5E0"/>
+                </a:solidFill>
+              </a:rPr>
+              <a:t> </a:t>
+            </a:r>
+            <a:r>
+              <a:rPr lang="en-US" sz="1600" dirty="0" err="1">
                 <a:solidFill>
                   <a:srgbClr val="C7D5E0"/>
                 </a:solidFill>
@@ -12725,7 +16559,7 @@
               <a:t>venduti</a:t>
             </a:r>
             <a:r>
-              <a:rPr lang="en-US" sz="2000" dirty="0">
+              <a:rPr lang="en-US" sz="1600" dirty="0">
                 <a:solidFill>
                   <a:srgbClr val="C7D5E0"/>
                 </a:solidFill>
@@ -12740,7 +16574,7 @@
               </a:buClr>
             </a:pPr>
             <a:r>
-              <a:rPr lang="en-US" sz="2000" dirty="0">
+              <a:rPr lang="en-US" sz="1600" dirty="0">
                 <a:solidFill>
                   <a:srgbClr val="C7D5E0"/>
                 </a:solidFill>
@@ -12748,7 +16582,7 @@
               <a:t>Il focus </a:t>
             </a:r>
             <a:r>
-              <a:rPr lang="en-US" sz="2000" dirty="0" err="1">
+              <a:rPr lang="en-US" sz="1600" dirty="0" err="1">
                 <a:solidFill>
                   <a:srgbClr val="C7D5E0"/>
                 </a:solidFill>
@@ -12756,7 +16590,7 @@
               <a:t>dello</a:t>
             </a:r>
             <a:r>
-              <a:rPr lang="en-US" sz="2000" dirty="0">
+              <a:rPr lang="en-US" sz="1600" dirty="0">
                 <a:solidFill>
                   <a:srgbClr val="C7D5E0"/>
                 </a:solidFill>
@@ -12764,7 +16598,7 @@
               <a:t> studio sara’ </a:t>
             </a:r>
             <a:r>
-              <a:rPr lang="en-US" sz="2000" dirty="0" err="1">
+              <a:rPr lang="en-US" sz="1600" dirty="0" err="1">
                 <a:solidFill>
                   <a:srgbClr val="C7D5E0"/>
                 </a:solidFill>
@@ -12772,15 +16606,15 @@
               <a:t>pertanto</a:t>
             </a:r>
             <a:r>
-              <a:rPr lang="en-US" sz="2000" dirty="0">
-                <a:solidFill>
-                  <a:srgbClr val="C7D5E0"/>
-                </a:solidFill>
-              </a:rPr>
-              <a:t> </a:t>
-            </a:r>
-            <a:r>
-              <a:rPr lang="en-US" sz="2000" dirty="0" err="1">
+              <a:rPr lang="en-US" sz="1600" dirty="0">
+                <a:solidFill>
+                  <a:srgbClr val="C7D5E0"/>
+                </a:solidFill>
+              </a:rPr>
+              <a:t> </a:t>
+            </a:r>
+            <a:r>
+              <a:rPr lang="en-US" sz="1600" dirty="0" err="1">
                 <a:solidFill>
                   <a:srgbClr val="C7D5E0"/>
                 </a:solidFill>
@@ -12788,15 +16622,15 @@
               <a:t>sul</a:t>
             </a:r>
             <a:r>
-              <a:rPr lang="en-US" sz="2000" dirty="0">
-                <a:solidFill>
-                  <a:srgbClr val="C7D5E0"/>
-                </a:solidFill>
-              </a:rPr>
-              <a:t> </a:t>
-            </a:r>
-            <a:r>
-              <a:rPr lang="en-US" sz="2000" dirty="0" err="1">
+              <a:rPr lang="en-US" sz="1600" dirty="0">
+                <a:solidFill>
+                  <a:srgbClr val="C7D5E0"/>
+                </a:solidFill>
+              </a:rPr>
+              <a:t> </a:t>
+            </a:r>
+            <a:r>
+              <a:rPr lang="en-US" sz="1600" dirty="0" err="1">
                 <a:solidFill>
                   <a:srgbClr val="C7D5E0"/>
                 </a:solidFill>
@@ -12804,15 +16638,15 @@
               <a:t>comportamento</a:t>
             </a:r>
             <a:r>
-              <a:rPr lang="en-US" sz="2000" dirty="0">
-                <a:solidFill>
-                  <a:srgbClr val="C7D5E0"/>
-                </a:solidFill>
-              </a:rPr>
-              <a:t> </a:t>
-            </a:r>
-            <a:r>
-              <a:rPr lang="en-US" sz="2000" dirty="0" err="1">
+              <a:rPr lang="en-US" sz="1600" dirty="0">
+                <a:solidFill>
+                  <a:srgbClr val="C7D5E0"/>
+                </a:solidFill>
+              </a:rPr>
+              <a:t> </a:t>
+            </a:r>
+            <a:r>
+              <a:rPr lang="en-US" sz="1600" dirty="0" err="1">
                 <a:solidFill>
                   <a:srgbClr val="C7D5E0"/>
                 </a:solidFill>
@@ -12820,15 +16654,15 @@
               <a:t>degli</a:t>
             </a:r>
             <a:r>
-              <a:rPr lang="en-US" sz="2000" dirty="0">
-                <a:solidFill>
-                  <a:srgbClr val="C7D5E0"/>
-                </a:solidFill>
-              </a:rPr>
-              <a:t> </a:t>
-            </a:r>
-            <a:r>
-              <a:rPr lang="en-US" sz="2000" dirty="0" err="1">
+              <a:rPr lang="en-US" sz="1600" dirty="0">
+                <a:solidFill>
+                  <a:srgbClr val="C7D5E0"/>
+                </a:solidFill>
+              </a:rPr>
+              <a:t> </a:t>
+            </a:r>
+            <a:r>
+              <a:rPr lang="en-US" sz="1600" dirty="0" err="1">
                 <a:solidFill>
                   <a:srgbClr val="C7D5E0"/>
                 </a:solidFill>
@@ -12836,7 +16670,7 @@
               <a:t>utenti</a:t>
             </a:r>
             <a:r>
-              <a:rPr lang="en-US" sz="2000" dirty="0">
+              <a:rPr lang="en-US" sz="1600" dirty="0">
                 <a:solidFill>
                   <a:srgbClr val="C7D5E0"/>
                 </a:solidFill>
@@ -12844,7 +16678,7 @@
               <a:t> di Steam </a:t>
             </a:r>
             <a:r>
-              <a:rPr lang="en-US" sz="2000" dirty="0" err="1">
+              <a:rPr lang="en-US" sz="1600" dirty="0" err="1">
                 <a:solidFill>
                   <a:srgbClr val="C7D5E0"/>
                 </a:solidFill>
@@ -12852,15 +16686,15 @@
               <a:t>che</a:t>
             </a:r>
             <a:r>
-              <a:rPr lang="en-US" sz="2000" dirty="0">
-                <a:solidFill>
-                  <a:srgbClr val="C7D5E0"/>
-                </a:solidFill>
-              </a:rPr>
-              <a:t> </a:t>
-            </a:r>
-            <a:r>
-              <a:rPr lang="en-US" sz="2000" dirty="0" err="1">
+              <a:rPr lang="en-US" sz="1600" dirty="0">
+                <a:solidFill>
+                  <a:srgbClr val="C7D5E0"/>
+                </a:solidFill>
+              </a:rPr>
+              <a:t> </a:t>
+            </a:r>
+            <a:r>
+              <a:rPr lang="en-US" sz="1600" dirty="0" err="1">
                 <a:solidFill>
                   <a:srgbClr val="C7D5E0"/>
                 </a:solidFill>
@@ -12868,22 +16702,22 @@
               <a:t>sono</a:t>
             </a:r>
             <a:r>
-              <a:rPr lang="en-US" sz="2000" dirty="0">
-                <a:solidFill>
-                  <a:srgbClr val="C7D5E0"/>
-                </a:solidFill>
-              </a:rPr>
-              <a:t> </a:t>
-            </a:r>
-            <a:r>
-              <a:rPr lang="en-US" sz="2000" dirty="0" err="1">
+              <a:rPr lang="en-US" sz="1600" dirty="0">
+                <a:solidFill>
+                  <a:srgbClr val="C7D5E0"/>
+                </a:solidFill>
+              </a:rPr>
+              <a:t> </a:t>
+            </a:r>
+            <a:r>
+              <a:rPr lang="en-US" sz="1600" dirty="0" err="1">
                 <a:solidFill>
                   <a:srgbClr val="66C0F4"/>
                 </a:solidFill>
               </a:rPr>
               <a:t>videogiocatori</a:t>
             </a:r>
-            <a:endParaRPr lang="en-US" sz="2000" dirty="0">
+            <a:endParaRPr lang="en-US" sz="1600" dirty="0">
               <a:solidFill>
                 <a:srgbClr val="66C0F4"/>
               </a:solidFill>
@@ -12895,7 +16729,7 @@
                 <a:srgbClr val="66C0F4"/>
               </a:buClr>
             </a:pPr>
-            <a:endParaRPr lang="en-US" sz="2000" dirty="0">
+            <a:endParaRPr lang="en-US" sz="1600" dirty="0">
               <a:solidFill>
                 <a:srgbClr val="C7D5E0"/>
               </a:solidFill>
@@ -13971,7 +17805,7 @@
 <file path=ppt/theme/theme1.xml><?xml version="1.0" encoding="utf-8"?>
 <a:theme xmlns:a="http://schemas.openxmlformats.org/drawingml/2006/main" name="Tema di Office">
   <a:themeElements>
-    <a:clrScheme name="Office">
+    <a:clrScheme name="Tema di Office">
       <a:dk1>
         <a:sysClr val="windowText" lastClr="000000"/>
       </a:dk1>
@@ -13985,22 +17819,22 @@
         <a:srgbClr val="E7E6E6"/>
       </a:lt2>
       <a:accent1>
-        <a:srgbClr val="4472C4"/>
+        <a:srgbClr val="29AF8C"/>
       </a:accent1>
       <a:accent2>
-        <a:srgbClr val="ED7D31"/>
+        <a:srgbClr val="97BE49"/>
       </a:accent2>
       <a:accent3>
-        <a:srgbClr val="A5A5A5"/>
+        <a:srgbClr val="3D9CCC"/>
       </a:accent3>
       <a:accent4>
-        <a:srgbClr val="FFC000"/>
+        <a:srgbClr val="7C60C6"/>
       </a:accent4>
       <a:accent5>
-        <a:srgbClr val="5B9BD5"/>
+        <a:srgbClr val="C9492C"/>
       </a:accent5>
       <a:accent6>
-        <a:srgbClr val="70AD47"/>
+        <a:srgbClr val="D58C2E"/>
       </a:accent6>
       <a:hlink>
         <a:srgbClr val="0563C1"/>
@@ -14009,7 +17843,7 @@
         <a:srgbClr val="954F72"/>
       </a:folHlink>
     </a:clrScheme>
-    <a:fontScheme name="Office">
+    <a:fontScheme name="Tema di Office">
       <a:majorFont>
         <a:latin typeface="Calibri Light" panose="020F0302020204030204"/>
         <a:ea typeface=""/>
@@ -14044,23 +17878,6 @@
         <a:font script="Viet" typeface="Times New Roman"/>
         <a:font script="Uigh" typeface="Microsoft Uighur"/>
         <a:font script="Geor" typeface="Sylfaen"/>
-        <a:font script="Armn" typeface="Arial"/>
-        <a:font script="Bugi" typeface="Leelawadee UI"/>
-        <a:font script="Bopo" typeface="Microsoft JhengHei"/>
-        <a:font script="Java" typeface="Javanese Text"/>
-        <a:font script="Lisu" typeface="Segoe UI"/>
-        <a:font script="Mymr" typeface="Myanmar Text"/>
-        <a:font script="Nkoo" typeface="Ebrima"/>
-        <a:font script="Olck" typeface="Nirmala UI"/>
-        <a:font script="Osma" typeface="Ebrima"/>
-        <a:font script="Phag" typeface="Phagspa"/>
-        <a:font script="Syrn" typeface="Estrangelo Edessa"/>
-        <a:font script="Syrj" typeface="Estrangelo Edessa"/>
-        <a:font script="Syre" typeface="Estrangelo Edessa"/>
-        <a:font script="Sora" typeface="Nirmala UI"/>
-        <a:font script="Tale" typeface="Microsoft Tai Le"/>
-        <a:font script="Talu" typeface="Microsoft New Tai Lue"/>
-        <a:font script="Tfng" typeface="Ebrima"/>
       </a:majorFont>
       <a:minorFont>
         <a:latin typeface="Calibri" panose="020F0502020204030204"/>
@@ -14096,26 +17913,9 @@
         <a:font script="Viet" typeface="Arial"/>
         <a:font script="Uigh" typeface="Microsoft Uighur"/>
         <a:font script="Geor" typeface="Sylfaen"/>
-        <a:font script="Armn" typeface="Arial"/>
-        <a:font script="Bugi" typeface="Leelawadee UI"/>
-        <a:font script="Bopo" typeface="Microsoft JhengHei"/>
-        <a:font script="Java" typeface="Javanese Text"/>
-        <a:font script="Lisu" typeface="Segoe UI"/>
-        <a:font script="Mymr" typeface="Myanmar Text"/>
-        <a:font script="Nkoo" typeface="Ebrima"/>
-        <a:font script="Olck" typeface="Nirmala UI"/>
-        <a:font script="Osma" typeface="Ebrima"/>
-        <a:font script="Phag" typeface="Phagspa"/>
-        <a:font script="Syrn" typeface="Estrangelo Edessa"/>
-        <a:font script="Syrj" typeface="Estrangelo Edessa"/>
-        <a:font script="Syre" typeface="Estrangelo Edessa"/>
-        <a:font script="Sora" typeface="Nirmala UI"/>
-        <a:font script="Tale" typeface="Microsoft Tai Le"/>
-        <a:font script="Talu" typeface="Microsoft New Tai Lue"/>
-        <a:font script="Tfng" typeface="Ebrima"/>
       </a:minorFont>
     </a:fontScheme>
-    <a:fmtScheme name="Office">
+    <a:fmtScheme name="Tema di Office">
       <a:fillStyleLst>
         <a:solidFill>
           <a:schemeClr val="phClr"/>
@@ -14257,7 +18057,7 @@
   <a:extraClrSchemeLst/>
   <a:extLst>
     <a:ext uri="{05A4C25C-085E-4340-85A3-A5531E510DB2}">
-      <thm15:themeFamily xmlns:thm15="http://schemas.microsoft.com/office/thememl/2012/main" name="Office Theme" id="{62F939B6-93AF-4DB8-9C6B-D6C7DFDC589F}" vid="{4A3C46E8-61CC-4603-A589-7422A47A8E4A}"/>
+      <thm15:themeFamily xmlns:thm15="http://schemas.microsoft.com/office/thememl/2012/main" name="Office Theme 2013 - 2022" id="{62F939B6-93AF-4DB8-9C6B-D6C7DFDC589F}" vid="{3E4F19A7-A959-40BB-972C-4880BAF8EB09}"/>
     </a:ext>
   </a:extLst>
 </a:theme>

--- a/Steam.pptx
+++ b/Steam.pptx
@@ -4,6 +4,9 @@
   <p:sldMasterIdLst>
     <p:sldMasterId id="2147483756" r:id="rId1"/>
   </p:sldMasterIdLst>
+  <p:notesMasterIdLst>
+    <p:notesMasterId r:id="rId31"/>
+  </p:notesMasterIdLst>
   <p:sldIdLst>
     <p:sldId id="257" r:id="rId2"/>
     <p:sldId id="259" r:id="rId3"/>
@@ -33,7 +36,7 @@
     <p:sldId id="285" r:id="rId27"/>
     <p:sldId id="281" r:id="rId28"/>
     <p:sldId id="283" r:id="rId29"/>
-    <p:sldId id="282" r:id="rId30"/>
+    <p:sldId id="290" r:id="rId30"/>
   </p:sldIdLst>
   <p:sldSz cx="12192000" cy="6858000"/>
   <p:notesSz cx="6858000" cy="9144000"/>
@@ -138,6 +141,440 @@
     </p:ext>
   </p:extLst>
 </p:presentation>
+</file>
+
+<file path=ppt/notesMasters/notesMaster1.xml><?xml version="1.0" encoding="utf-8"?>
+<p:notesMaster xmlns:a="http://schemas.openxmlformats.org/drawingml/2006/main" xmlns:r="http://schemas.openxmlformats.org/officeDocument/2006/relationships" xmlns:p="http://schemas.openxmlformats.org/presentationml/2006/main">
+  <p:cSld>
+    <p:bg>
+      <p:bgRef idx="1001">
+        <a:schemeClr val="bg1"/>
+      </p:bgRef>
+    </p:bg>
+    <p:spTree>
+      <p:nvGrpSpPr>
+        <p:cNvPr id="1" name=""/>
+        <p:cNvGrpSpPr/>
+        <p:nvPr/>
+      </p:nvGrpSpPr>
+      <p:grpSpPr>
+        <a:xfrm>
+          <a:off x="0" y="0"/>
+          <a:ext cx="0" cy="0"/>
+          <a:chOff x="0" y="0"/>
+          <a:chExt cx="0" cy="0"/>
+        </a:xfrm>
+      </p:grpSpPr>
+      <p:sp>
+        <p:nvSpPr>
+          <p:cNvPr id="2" name="Segnaposto intestazione 1"/>
+          <p:cNvSpPr>
+            <a:spLocks noGrp="1"/>
+          </p:cNvSpPr>
+          <p:nvPr>
+            <p:ph type="hdr" sz="quarter"/>
+          </p:nvPr>
+        </p:nvSpPr>
+        <p:spPr>
+          <a:xfrm>
+            <a:off x="0" y="0"/>
+            <a:ext cx="2971800" cy="458788"/>
+          </a:xfrm>
+          <a:prstGeom prst="rect">
+            <a:avLst/>
+          </a:prstGeom>
+        </p:spPr>
+        <p:txBody>
+          <a:bodyPr vert="horz" lIns="91440" tIns="45720" rIns="91440" bIns="45720" rtlCol="0"/>
+          <a:lstStyle>
+            <a:lvl1pPr algn="l">
+              <a:defRPr sz="1200"/>
+            </a:lvl1pPr>
+          </a:lstStyle>
+          <a:p>
+            <a:endParaRPr lang="en-US"/>
+          </a:p>
+        </p:txBody>
+      </p:sp>
+      <p:sp>
+        <p:nvSpPr>
+          <p:cNvPr id="3" name="Segnaposto data 2"/>
+          <p:cNvSpPr>
+            <a:spLocks noGrp="1"/>
+          </p:cNvSpPr>
+          <p:nvPr>
+            <p:ph type="dt" idx="1"/>
+          </p:nvPr>
+        </p:nvSpPr>
+        <p:spPr>
+          <a:xfrm>
+            <a:off x="3884613" y="0"/>
+            <a:ext cx="2971800" cy="458788"/>
+          </a:xfrm>
+          <a:prstGeom prst="rect">
+            <a:avLst/>
+          </a:prstGeom>
+        </p:spPr>
+        <p:txBody>
+          <a:bodyPr vert="horz" lIns="91440" tIns="45720" rIns="91440" bIns="45720" rtlCol="0"/>
+          <a:lstStyle>
+            <a:lvl1pPr algn="r">
+              <a:defRPr sz="1200"/>
+            </a:lvl1pPr>
+          </a:lstStyle>
+          <a:p>
+            <a:fld id="{7022550D-5032-4B1A-B8F2-136CEE1C1CE7}" type="datetimeFigureOut">
+              <a:rPr lang="en-US" smtClean="0"/>
+              <a:t>7/7/2023</a:t>
+            </a:fld>
+            <a:endParaRPr lang="en-US"/>
+          </a:p>
+        </p:txBody>
+      </p:sp>
+      <p:sp>
+        <p:nvSpPr>
+          <p:cNvPr id="4" name="Segnaposto immagine diapositiva 3"/>
+          <p:cNvSpPr>
+            <a:spLocks noGrp="1" noRot="1" noChangeAspect="1"/>
+          </p:cNvSpPr>
+          <p:nvPr>
+            <p:ph type="sldImg" idx="2"/>
+          </p:nvPr>
+        </p:nvSpPr>
+        <p:spPr>
+          <a:xfrm>
+            <a:off x="685800" y="1143000"/>
+            <a:ext cx="5486400" cy="3086100"/>
+          </a:xfrm>
+          <a:prstGeom prst="rect">
+            <a:avLst/>
+          </a:prstGeom>
+          <a:noFill/>
+          <a:ln w="12700">
+            <a:solidFill>
+              <a:prstClr val="black"/>
+            </a:solidFill>
+          </a:ln>
+        </p:spPr>
+        <p:txBody>
+          <a:bodyPr vert="horz" lIns="91440" tIns="45720" rIns="91440" bIns="45720" rtlCol="0" anchor="ctr"/>
+          <a:lstStyle/>
+          <a:p>
+            <a:endParaRPr lang="en-US"/>
+          </a:p>
+        </p:txBody>
+      </p:sp>
+      <p:sp>
+        <p:nvSpPr>
+          <p:cNvPr id="5" name="Segnaposto note 4"/>
+          <p:cNvSpPr>
+            <a:spLocks noGrp="1"/>
+          </p:cNvSpPr>
+          <p:nvPr>
+            <p:ph type="body" sz="quarter" idx="3"/>
+          </p:nvPr>
+        </p:nvSpPr>
+        <p:spPr>
+          <a:xfrm>
+            <a:off x="685800" y="4400550"/>
+            <a:ext cx="5486400" cy="3600450"/>
+          </a:xfrm>
+          <a:prstGeom prst="rect">
+            <a:avLst/>
+          </a:prstGeom>
+        </p:spPr>
+        <p:txBody>
+          <a:bodyPr vert="horz" lIns="91440" tIns="45720" rIns="91440" bIns="45720" rtlCol="0"/>
+          <a:lstStyle/>
+          <a:p>
+            <a:pPr lvl="0"/>
+            <a:r>
+              <a:rPr lang="it-IT"/>
+              <a:t>Fare clic per modificare gli stili del testo dello schema</a:t>
+            </a:r>
+          </a:p>
+          <a:p>
+            <a:pPr lvl="1"/>
+            <a:r>
+              <a:rPr lang="it-IT"/>
+              <a:t>Secondo livello</a:t>
+            </a:r>
+          </a:p>
+          <a:p>
+            <a:pPr lvl="2"/>
+            <a:r>
+              <a:rPr lang="it-IT"/>
+              <a:t>Terzo livello</a:t>
+            </a:r>
+          </a:p>
+          <a:p>
+            <a:pPr lvl="3"/>
+            <a:r>
+              <a:rPr lang="it-IT"/>
+              <a:t>Quarto livello</a:t>
+            </a:r>
+          </a:p>
+          <a:p>
+            <a:pPr lvl="4"/>
+            <a:r>
+              <a:rPr lang="it-IT"/>
+              <a:t>Quinto livello</a:t>
+            </a:r>
+            <a:endParaRPr lang="en-US"/>
+          </a:p>
+        </p:txBody>
+      </p:sp>
+      <p:sp>
+        <p:nvSpPr>
+          <p:cNvPr id="6" name="Segnaposto piè di pagina 5"/>
+          <p:cNvSpPr>
+            <a:spLocks noGrp="1"/>
+          </p:cNvSpPr>
+          <p:nvPr>
+            <p:ph type="ftr" sz="quarter" idx="4"/>
+          </p:nvPr>
+        </p:nvSpPr>
+        <p:spPr>
+          <a:xfrm>
+            <a:off x="0" y="8685213"/>
+            <a:ext cx="2971800" cy="458787"/>
+          </a:xfrm>
+          <a:prstGeom prst="rect">
+            <a:avLst/>
+          </a:prstGeom>
+        </p:spPr>
+        <p:txBody>
+          <a:bodyPr vert="horz" lIns="91440" tIns="45720" rIns="91440" bIns="45720" rtlCol="0" anchor="b"/>
+          <a:lstStyle>
+            <a:lvl1pPr algn="l">
+              <a:defRPr sz="1200"/>
+            </a:lvl1pPr>
+          </a:lstStyle>
+          <a:p>
+            <a:endParaRPr lang="en-US"/>
+          </a:p>
+        </p:txBody>
+      </p:sp>
+      <p:sp>
+        <p:nvSpPr>
+          <p:cNvPr id="7" name="Segnaposto numero diapositiva 6"/>
+          <p:cNvSpPr>
+            <a:spLocks noGrp="1"/>
+          </p:cNvSpPr>
+          <p:nvPr>
+            <p:ph type="sldNum" sz="quarter" idx="5"/>
+          </p:nvPr>
+        </p:nvSpPr>
+        <p:spPr>
+          <a:xfrm>
+            <a:off x="3884613" y="8685213"/>
+            <a:ext cx="2971800" cy="458787"/>
+          </a:xfrm>
+          <a:prstGeom prst="rect">
+            <a:avLst/>
+          </a:prstGeom>
+        </p:spPr>
+        <p:txBody>
+          <a:bodyPr vert="horz" lIns="91440" tIns="45720" rIns="91440" bIns="45720" rtlCol="0" anchor="b"/>
+          <a:lstStyle>
+            <a:lvl1pPr algn="r">
+              <a:defRPr sz="1200"/>
+            </a:lvl1pPr>
+          </a:lstStyle>
+          <a:p>
+            <a:fld id="{A7553FA8-B7AE-4ACD-B9E8-7BB9AFC836CD}" type="slidenum">
+              <a:rPr lang="en-US" smtClean="0"/>
+              <a:t>‹N›</a:t>
+            </a:fld>
+            <a:endParaRPr lang="en-US"/>
+          </a:p>
+        </p:txBody>
+      </p:sp>
+    </p:spTree>
+    <p:extLst>
+      <p:ext uri="{BB962C8B-B14F-4D97-AF65-F5344CB8AC3E}">
+        <p14:creationId xmlns:p14="http://schemas.microsoft.com/office/powerpoint/2010/main" val="2416341102"/>
+      </p:ext>
+    </p:extLst>
+  </p:cSld>
+  <p:clrMap bg1="lt1" tx1="dk1" bg2="lt2" tx2="dk2" accent1="accent1" accent2="accent2" accent3="accent3" accent4="accent4" accent5="accent5" accent6="accent6" hlink="hlink" folHlink="folHlink"/>
+  <p:notesStyle>
+    <a:lvl1pPr marL="0" algn="l" defTabSz="914400" rtl="0" eaLnBrk="1" latinLnBrk="0" hangingPunct="1">
+      <a:defRPr sz="1200" kern="1200">
+        <a:solidFill>
+          <a:schemeClr val="tx1"/>
+        </a:solidFill>
+        <a:latin typeface="+mn-lt"/>
+        <a:ea typeface="+mn-ea"/>
+        <a:cs typeface="+mn-cs"/>
+      </a:defRPr>
+    </a:lvl1pPr>
+    <a:lvl2pPr marL="457200" algn="l" defTabSz="914400" rtl="0" eaLnBrk="1" latinLnBrk="0" hangingPunct="1">
+      <a:defRPr sz="1200" kern="1200">
+        <a:solidFill>
+          <a:schemeClr val="tx1"/>
+        </a:solidFill>
+        <a:latin typeface="+mn-lt"/>
+        <a:ea typeface="+mn-ea"/>
+        <a:cs typeface="+mn-cs"/>
+      </a:defRPr>
+    </a:lvl2pPr>
+    <a:lvl3pPr marL="914400" algn="l" defTabSz="914400" rtl="0" eaLnBrk="1" latinLnBrk="0" hangingPunct="1">
+      <a:defRPr sz="1200" kern="1200">
+        <a:solidFill>
+          <a:schemeClr val="tx1"/>
+        </a:solidFill>
+        <a:latin typeface="+mn-lt"/>
+        <a:ea typeface="+mn-ea"/>
+        <a:cs typeface="+mn-cs"/>
+      </a:defRPr>
+    </a:lvl3pPr>
+    <a:lvl4pPr marL="1371600" algn="l" defTabSz="914400" rtl="0" eaLnBrk="1" latinLnBrk="0" hangingPunct="1">
+      <a:defRPr sz="1200" kern="1200">
+        <a:solidFill>
+          <a:schemeClr val="tx1"/>
+        </a:solidFill>
+        <a:latin typeface="+mn-lt"/>
+        <a:ea typeface="+mn-ea"/>
+        <a:cs typeface="+mn-cs"/>
+      </a:defRPr>
+    </a:lvl4pPr>
+    <a:lvl5pPr marL="1828800" algn="l" defTabSz="914400" rtl="0" eaLnBrk="1" latinLnBrk="0" hangingPunct="1">
+      <a:defRPr sz="1200" kern="1200">
+        <a:solidFill>
+          <a:schemeClr val="tx1"/>
+        </a:solidFill>
+        <a:latin typeface="+mn-lt"/>
+        <a:ea typeface="+mn-ea"/>
+        <a:cs typeface="+mn-cs"/>
+      </a:defRPr>
+    </a:lvl5pPr>
+    <a:lvl6pPr marL="2286000" algn="l" defTabSz="914400" rtl="0" eaLnBrk="1" latinLnBrk="0" hangingPunct="1">
+      <a:defRPr sz="1200" kern="1200">
+        <a:solidFill>
+          <a:schemeClr val="tx1"/>
+        </a:solidFill>
+        <a:latin typeface="+mn-lt"/>
+        <a:ea typeface="+mn-ea"/>
+        <a:cs typeface="+mn-cs"/>
+      </a:defRPr>
+    </a:lvl6pPr>
+    <a:lvl7pPr marL="2743200" algn="l" defTabSz="914400" rtl="0" eaLnBrk="1" latinLnBrk="0" hangingPunct="1">
+      <a:defRPr sz="1200" kern="1200">
+        <a:solidFill>
+          <a:schemeClr val="tx1"/>
+        </a:solidFill>
+        <a:latin typeface="+mn-lt"/>
+        <a:ea typeface="+mn-ea"/>
+        <a:cs typeface="+mn-cs"/>
+      </a:defRPr>
+    </a:lvl7pPr>
+    <a:lvl8pPr marL="3200400" algn="l" defTabSz="914400" rtl="0" eaLnBrk="1" latinLnBrk="0" hangingPunct="1">
+      <a:defRPr sz="1200" kern="1200">
+        <a:solidFill>
+          <a:schemeClr val="tx1"/>
+        </a:solidFill>
+        <a:latin typeface="+mn-lt"/>
+        <a:ea typeface="+mn-ea"/>
+        <a:cs typeface="+mn-cs"/>
+      </a:defRPr>
+    </a:lvl8pPr>
+    <a:lvl9pPr marL="3657600" algn="l" defTabSz="914400" rtl="0" eaLnBrk="1" latinLnBrk="0" hangingPunct="1">
+      <a:defRPr sz="1200" kern="1200">
+        <a:solidFill>
+          <a:schemeClr val="tx1"/>
+        </a:solidFill>
+        <a:latin typeface="+mn-lt"/>
+        <a:ea typeface="+mn-ea"/>
+        <a:cs typeface="+mn-cs"/>
+      </a:defRPr>
+    </a:lvl9pPr>
+  </p:notesStyle>
+</p:notesMaster>
+</file>
+
+<file path=ppt/notesSlides/notesSlide1.xml><?xml version="1.0" encoding="utf-8"?>
+<p:notes xmlns:a="http://schemas.openxmlformats.org/drawingml/2006/main" xmlns:r="http://schemas.openxmlformats.org/officeDocument/2006/relationships" xmlns:p="http://schemas.openxmlformats.org/presentationml/2006/main">
+  <p:cSld>
+    <p:spTree>
+      <p:nvGrpSpPr>
+        <p:cNvPr id="1" name=""/>
+        <p:cNvGrpSpPr/>
+        <p:nvPr/>
+      </p:nvGrpSpPr>
+      <p:grpSpPr>
+        <a:xfrm>
+          <a:off x="0" y="0"/>
+          <a:ext cx="0" cy="0"/>
+          <a:chOff x="0" y="0"/>
+          <a:chExt cx="0" cy="0"/>
+        </a:xfrm>
+      </p:grpSpPr>
+      <p:sp>
+        <p:nvSpPr>
+          <p:cNvPr id="2" name="Segnaposto immagine diapositiva 1"/>
+          <p:cNvSpPr>
+            <a:spLocks noGrp="1" noRot="1" noChangeAspect="1"/>
+          </p:cNvSpPr>
+          <p:nvPr>
+            <p:ph type="sldImg"/>
+          </p:nvPr>
+        </p:nvSpPr>
+        <p:spPr/>
+      </p:sp>
+      <p:sp>
+        <p:nvSpPr>
+          <p:cNvPr id="3" name="Segnaposto note 2"/>
+          <p:cNvSpPr>
+            <a:spLocks noGrp="1"/>
+          </p:cNvSpPr>
+          <p:nvPr>
+            <p:ph type="body" idx="1"/>
+          </p:nvPr>
+        </p:nvSpPr>
+        <p:spPr/>
+        <p:txBody>
+          <a:bodyPr/>
+          <a:lstStyle/>
+          <a:p>
+            <a:endParaRPr lang="en-US"/>
+          </a:p>
+        </p:txBody>
+      </p:sp>
+      <p:sp>
+        <p:nvSpPr>
+          <p:cNvPr id="4" name="Segnaposto numero diapositiva 3"/>
+          <p:cNvSpPr>
+            <a:spLocks noGrp="1"/>
+          </p:cNvSpPr>
+          <p:nvPr>
+            <p:ph type="sldNum" sz="quarter" idx="5"/>
+          </p:nvPr>
+        </p:nvSpPr>
+        <p:spPr/>
+        <p:txBody>
+          <a:bodyPr/>
+          <a:lstStyle/>
+          <a:p>
+            <a:fld id="{A7553FA8-B7AE-4ACD-B9E8-7BB9AFC836CD}" type="slidenum">
+              <a:rPr lang="en-US" smtClean="0"/>
+              <a:t>29</a:t>
+            </a:fld>
+            <a:endParaRPr lang="en-US"/>
+          </a:p>
+        </p:txBody>
+      </p:sp>
+    </p:spTree>
+    <p:extLst>
+      <p:ext uri="{BB962C8B-B14F-4D97-AF65-F5344CB8AC3E}">
+        <p14:creationId xmlns:p14="http://schemas.microsoft.com/office/powerpoint/2010/main" val="3761193069"/>
+      </p:ext>
+    </p:extLst>
+  </p:cSld>
+  <p:clrMapOvr>
+    <a:masterClrMapping/>
+  </p:clrMapOvr>
+</p:notes>
 </file>
 
 <file path=ppt/slideLayouts/slideLayout1.xml><?xml version="1.0" encoding="utf-8"?>
@@ -3133,7 +3570,7 @@
         <p:spPr>
           <a:xfrm>
             <a:off x="419100" y="1459502"/>
-            <a:ext cx="5658793" cy="1877437"/>
+            <a:ext cx="5676900" cy="1877437"/>
           </a:xfrm>
           <a:prstGeom prst="rect">
             <a:avLst/>
@@ -3141,57 +3578,135 @@
           <a:noFill/>
         </p:spPr>
         <p:txBody>
-          <a:bodyPr wrap="none" rtlCol="0">
+          <a:bodyPr wrap="square" rtlCol="0">
             <a:spAutoFit/>
           </a:bodyPr>
           <a:lstStyle/>
           <a:p>
             <a:r>
-              <a:rPr lang="en-US" sz="2800">
+              <a:rPr lang="en-US" sz="2800" dirty="0" err="1">
                 <a:solidFill>
                   <a:srgbClr val="C7D5E0"/>
                 </a:solidFill>
                 <a:latin typeface="+mj-lt"/>
                 <a:cs typeface="Arial" panose="020B0604020202020204" pitchFamily="34" charset="0"/>
               </a:rPr>
-              <a:t>Analysis of </a:t>
-            </a:r>
-            <a:r>
-              <a:rPr lang="en-US" sz="2800">
-                <a:solidFill>
-                  <a:srgbClr val="66C0F4"/>
+              <a:t>Analisi</a:t>
+            </a:r>
+            <a:r>
+              <a:rPr lang="en-US" sz="2800" dirty="0">
+                <a:solidFill>
+                  <a:srgbClr val="C7D5E0"/>
                 </a:solidFill>
                 <a:latin typeface="+mj-lt"/>
                 <a:cs typeface="Arial" panose="020B0604020202020204" pitchFamily="34" charset="0"/>
               </a:rPr>
-              <a:t>VALVE</a:t>
-            </a:r>
-            <a:r>
-              <a:rPr lang="en-US" sz="2800">
+              <a:t> </a:t>
+            </a:r>
+            <a:r>
+              <a:rPr lang="en-US" sz="2800" dirty="0" err="1">
                 <a:solidFill>
                   <a:srgbClr val="C7D5E0"/>
                 </a:solidFill>
                 <a:latin typeface="+mj-lt"/>
                 <a:cs typeface="Arial" panose="020B0604020202020204" pitchFamily="34" charset="0"/>
               </a:rPr>
-              <a:t>’s digital distribution </a:t>
-            </a:r>
-          </a:p>
-          <a:p>
-            <a:r>
-              <a:rPr lang="en-US" sz="2800">
+              <a:t>della</a:t>
+            </a:r>
+            <a:r>
+              <a:rPr lang="en-US" sz="2800" dirty="0">
                 <a:solidFill>
                   <a:srgbClr val="C7D5E0"/>
                 </a:solidFill>
                 <a:latin typeface="+mj-lt"/>
                 <a:cs typeface="Arial" panose="020B0604020202020204" pitchFamily="34" charset="0"/>
               </a:rPr>
-              <a:t>Service and storefront:</a:t>
-            </a:r>
-          </a:p>
-          <a:p>
-            <a:r>
-              <a:rPr lang="en-US" sz="6000" b="1">
+              <a:t> </a:t>
+            </a:r>
+            <a:r>
+              <a:rPr lang="en-US" sz="2800" dirty="0" err="1">
+                <a:solidFill>
+                  <a:srgbClr val="C7D5E0"/>
+                </a:solidFill>
+                <a:latin typeface="+mj-lt"/>
+                <a:cs typeface="Arial" panose="020B0604020202020204" pitchFamily="34" charset="0"/>
+              </a:rPr>
+              <a:t>piattaforma</a:t>
+            </a:r>
+            <a:r>
+              <a:rPr lang="en-US" sz="2800" dirty="0">
+                <a:solidFill>
+                  <a:srgbClr val="C7D5E0"/>
+                </a:solidFill>
+                <a:latin typeface="+mj-lt"/>
+                <a:cs typeface="Arial" panose="020B0604020202020204" pitchFamily="34" charset="0"/>
+              </a:rPr>
+              <a:t> di </a:t>
+            </a:r>
+            <a:r>
+              <a:rPr lang="en-US" sz="2800" dirty="0" err="1">
+                <a:solidFill>
+                  <a:srgbClr val="C7D5E0"/>
+                </a:solidFill>
+                <a:latin typeface="+mj-lt"/>
+                <a:cs typeface="Arial" panose="020B0604020202020204" pitchFamily="34" charset="0"/>
+              </a:rPr>
+              <a:t>distribuzione</a:t>
+            </a:r>
+            <a:r>
+              <a:rPr lang="en-US" sz="2800" dirty="0">
+                <a:solidFill>
+                  <a:srgbClr val="C7D5E0"/>
+                </a:solidFill>
+                <a:latin typeface="+mj-lt"/>
+                <a:cs typeface="Arial" panose="020B0604020202020204" pitchFamily="34" charset="0"/>
+              </a:rPr>
+              <a:t> </a:t>
+            </a:r>
+            <a:r>
+              <a:rPr lang="en-US" sz="2800" dirty="0" err="1">
+                <a:solidFill>
+                  <a:srgbClr val="C7D5E0"/>
+                </a:solidFill>
+                <a:latin typeface="+mj-lt"/>
+                <a:cs typeface="Arial" panose="020B0604020202020204" pitchFamily="34" charset="0"/>
+              </a:rPr>
+              <a:t>digitale</a:t>
+            </a:r>
+            <a:r>
+              <a:rPr lang="en-US" sz="2800" dirty="0">
+                <a:solidFill>
+                  <a:srgbClr val="C7D5E0"/>
+                </a:solidFill>
+                <a:latin typeface="+mj-lt"/>
+                <a:cs typeface="Arial" panose="020B0604020202020204" pitchFamily="34" charset="0"/>
+              </a:rPr>
+              <a:t> di </a:t>
+            </a:r>
+            <a:r>
+              <a:rPr lang="en-US" sz="2800" dirty="0">
+                <a:solidFill>
+                  <a:srgbClr val="66C0F4"/>
+                </a:solidFill>
+                <a:latin typeface="+mj-lt"/>
+                <a:cs typeface="Arial" panose="020B0604020202020204" pitchFamily="34" charset="0"/>
+              </a:rPr>
+              <a:t>VALVE</a:t>
+            </a:r>
+            <a:r>
+              <a:rPr lang="en-US" sz="2800" dirty="0">
+                <a:solidFill>
+                  <a:srgbClr val="C7D5E0"/>
+                </a:solidFill>
+                <a:latin typeface="+mj-lt"/>
+                <a:cs typeface="Arial" panose="020B0604020202020204" pitchFamily="34" charset="0"/>
+              </a:rPr>
+              <a:t>:</a:t>
+            </a:r>
+          </a:p>
+          <a:p>
+            <a:r>
+              <a:rPr lang="en-US" sz="6000" b="1" dirty="0">
                 <a:solidFill>
                   <a:srgbClr val="66C0F4"/>
                 </a:solidFill>
@@ -3201,7 +3716,7 @@
               <a:t>S</a:t>
             </a:r>
             <a:r>
-              <a:rPr lang="en-US" sz="2800" b="1">
+              <a:rPr lang="en-US" sz="2800" b="1" dirty="0">
                 <a:solidFill>
                   <a:srgbClr val="66C0F4"/>
                 </a:solidFill>
@@ -3211,7 +3726,7 @@
               <a:t> </a:t>
             </a:r>
             <a:r>
-              <a:rPr lang="en-US" sz="6000" b="1">
+              <a:rPr lang="en-US" sz="6000" b="1" dirty="0">
                 <a:solidFill>
                   <a:srgbClr val="66C0F4"/>
                 </a:solidFill>
@@ -3221,7 +3736,7 @@
               <a:t>T</a:t>
             </a:r>
             <a:r>
-              <a:rPr lang="en-US" sz="2800" b="1">
+              <a:rPr lang="en-US" sz="2800" b="1" dirty="0">
                 <a:solidFill>
                   <a:srgbClr val="66C0F4"/>
                 </a:solidFill>
@@ -3231,7 +3746,7 @@
               <a:t> </a:t>
             </a:r>
             <a:r>
-              <a:rPr lang="en-US" sz="6000" b="1">
+              <a:rPr lang="en-US" sz="6000" b="1" dirty="0">
                 <a:solidFill>
                   <a:srgbClr val="66C0F4"/>
                 </a:solidFill>
@@ -3241,7 +3756,7 @@
               <a:t>E</a:t>
             </a:r>
             <a:r>
-              <a:rPr lang="en-US" sz="2800" b="1">
+              <a:rPr lang="en-US" sz="2800" b="1" dirty="0">
                 <a:solidFill>
                   <a:srgbClr val="66C0F4"/>
                 </a:solidFill>
@@ -3251,7 +3766,7 @@
               <a:t> </a:t>
             </a:r>
             <a:r>
-              <a:rPr lang="en-US" sz="6000" b="1">
+              <a:rPr lang="en-US" sz="6000" b="1" dirty="0">
                 <a:solidFill>
                   <a:srgbClr val="66C0F4"/>
                 </a:solidFill>
@@ -3261,7 +3776,7 @@
               <a:t>A</a:t>
             </a:r>
             <a:r>
-              <a:rPr lang="en-US" sz="2800" b="1">
+              <a:rPr lang="en-US" sz="2800" b="1" dirty="0">
                 <a:solidFill>
                   <a:srgbClr val="66C0F4"/>
                 </a:solidFill>
@@ -3271,7 +3786,7 @@
               <a:t> </a:t>
             </a:r>
             <a:r>
-              <a:rPr lang="en-US" sz="6000" b="1">
+              <a:rPr lang="en-US" sz="6000" b="1" dirty="0">
                 <a:solidFill>
                   <a:srgbClr val="66C0F4"/>
                 </a:solidFill>
@@ -3280,13 +3795,34 @@
               </a:rPr>
               <a:t>M</a:t>
             </a:r>
-            <a:endParaRPr lang="en-US" sz="6000" b="1" dirty="0">
-              <a:solidFill>
-                <a:srgbClr val="66C0F4"/>
-              </a:solidFill>
-              <a:latin typeface="Arial" panose="020B0604020202020204" pitchFamily="34" charset="0"/>
-              <a:cs typeface="Arial" panose="020B0604020202020204" pitchFamily="34" charset="0"/>
-            </a:endParaRPr>
+          </a:p>
+        </p:txBody>
+      </p:sp>
+      <p:sp>
+        <p:nvSpPr>
+          <p:cNvPr id="2" name="Titolo 1">
+            <a:extLst>
+              <a:ext uri="{FF2B5EF4-FFF2-40B4-BE49-F238E27FC236}">
+                <a16:creationId xmlns:a16="http://schemas.microsoft.com/office/drawing/2014/main" id="{F6C43D43-162B-4698-E03A-91A1B24E9CA6}"/>
+              </a:ext>
+            </a:extLst>
+          </p:cNvPr>
+          <p:cNvSpPr>
+            <a:spLocks noGrp="1"/>
+          </p:cNvSpPr>
+          <p:nvPr>
+            <p:ph type="title"/>
+          </p:nvPr>
+        </p:nvSpPr>
+        <p:spPr/>
+        <p:txBody>
+          <a:bodyPr/>
+          <a:lstStyle/>
+          <a:p>
+            <a:r>
+              <a:rPr lang="en-US" dirty="0"/>
+              <a:t>Start</a:t>
+            </a:r>
           </a:p>
         </p:txBody>
       </p:sp>
@@ -3624,428 +4160,44 @@
               <a:buNone/>
             </a:pPr>
             <a:r>
-              <a:rPr lang="en-US" sz="2000" dirty="0">
-                <a:solidFill>
-                  <a:srgbClr val="C7D5E0"/>
-                </a:solidFill>
-              </a:rPr>
-              <a:t>Si </a:t>
-            </a:r>
-            <a:r>
-              <a:rPr lang="en-US" sz="2000" dirty="0" err="1">
-                <a:solidFill>
-                  <a:srgbClr val="C7D5E0"/>
-                </a:solidFill>
-              </a:rPr>
-              <a:t>analizza</a:t>
-            </a:r>
-            <a:r>
-              <a:rPr lang="en-US" sz="2000" dirty="0">
-                <a:solidFill>
-                  <a:srgbClr val="C7D5E0"/>
-                </a:solidFill>
-              </a:rPr>
-              <a:t> il </a:t>
-            </a:r>
-            <a:r>
-              <a:rPr lang="en-US" sz="2000" dirty="0" err="1">
-                <a:solidFill>
-                  <a:srgbClr val="C7D5E0"/>
-                </a:solidFill>
-              </a:rPr>
-              <a:t>numero</a:t>
-            </a:r>
-            <a:r>
-              <a:rPr lang="en-US" sz="2000" dirty="0">
-                <a:solidFill>
-                  <a:srgbClr val="C7D5E0"/>
-                </a:solidFill>
-              </a:rPr>
-              <a:t> di </a:t>
-            </a:r>
-            <a:r>
-              <a:rPr lang="en-US" sz="2000" dirty="0" err="1">
-                <a:solidFill>
-                  <a:srgbClr val="66C0F4"/>
-                </a:solidFill>
-              </a:rPr>
-              <a:t>acquisti</a:t>
-            </a:r>
-            <a:r>
-              <a:rPr lang="en-US" sz="2000" dirty="0">
-                <a:solidFill>
-                  <a:srgbClr val="66C0F4"/>
-                </a:solidFill>
-              </a:rPr>
-              <a:t> </a:t>
-            </a:r>
-            <a:r>
-              <a:rPr lang="en-US" sz="2000" dirty="0">
-                <a:solidFill>
-                  <a:srgbClr val="C7D5E0"/>
-                </a:solidFill>
-              </a:rPr>
-              <a:t>di VG per </a:t>
-            </a:r>
-            <a:r>
-              <a:rPr lang="en-US" sz="2000" dirty="0" err="1">
-                <a:solidFill>
-                  <a:srgbClr val="C7D5E0"/>
-                </a:solidFill>
-              </a:rPr>
-              <a:t>ciascuna</a:t>
-            </a:r>
-            <a:r>
-              <a:rPr lang="en-US" sz="2000" dirty="0">
-                <a:solidFill>
-                  <a:srgbClr val="C7D5E0"/>
-                </a:solidFill>
-              </a:rPr>
-              <a:t> </a:t>
-            </a:r>
-            <a:r>
-              <a:rPr lang="en-US" sz="2000" dirty="0" err="1">
-                <a:solidFill>
-                  <a:srgbClr val="C7D5E0"/>
-                </a:solidFill>
-              </a:rPr>
-              <a:t>delle</a:t>
-            </a:r>
-            <a:r>
-              <a:rPr lang="en-US" sz="2000" dirty="0">
-                <a:solidFill>
-                  <a:srgbClr val="C7D5E0"/>
-                </a:solidFill>
-              </a:rPr>
-              <a:t> </a:t>
-            </a:r>
-            <a:r>
-              <a:rPr lang="en-US" sz="2000" dirty="0" err="1">
-                <a:solidFill>
-                  <a:srgbClr val="C7D5E0"/>
-                </a:solidFill>
-              </a:rPr>
-              <a:t>categorie</a:t>
-            </a:r>
-            <a:r>
-              <a:rPr lang="en-US" sz="2000" dirty="0">
-                <a:solidFill>
-                  <a:srgbClr val="C7D5E0"/>
-                </a:solidFill>
-              </a:rPr>
-              <a:t> di </a:t>
-            </a:r>
-            <a:r>
-              <a:rPr lang="en-US" sz="2000" dirty="0" err="1">
-                <a:solidFill>
-                  <a:srgbClr val="66C0F4"/>
-                </a:solidFill>
-              </a:rPr>
-              <a:t>socialita</a:t>
-            </a:r>
-            <a:r>
-              <a:rPr lang="en-US" sz="2000" dirty="0">
-                <a:solidFill>
-                  <a:srgbClr val="66C0F4"/>
-                </a:solidFill>
-              </a:rPr>
-              <a:t>’</a:t>
-            </a:r>
-            <a:r>
-              <a:rPr lang="en-US" sz="2000" dirty="0">
-                <a:solidFill>
-                  <a:srgbClr val="C7D5E0"/>
-                </a:solidFill>
-              </a:rPr>
-              <a:t> del </a:t>
-            </a:r>
-            <a:r>
-              <a:rPr lang="en-US" sz="2000" dirty="0" err="1">
-                <a:solidFill>
-                  <a:srgbClr val="C7D5E0"/>
-                </a:solidFill>
-              </a:rPr>
-              <a:t>prodotto</a:t>
-            </a:r>
-            <a:r>
-              <a:rPr lang="en-US" sz="2000" dirty="0">
-                <a:solidFill>
-                  <a:srgbClr val="C7D5E0"/>
-                </a:solidFill>
-              </a:rPr>
-              <a:t>, </a:t>
-            </a:r>
-            <a:r>
-              <a:rPr lang="en-US" sz="2000" dirty="0" err="1">
-                <a:solidFill>
-                  <a:srgbClr val="C7D5E0"/>
-                </a:solidFill>
-              </a:rPr>
-              <a:t>durante</a:t>
-            </a:r>
-            <a:r>
-              <a:rPr lang="en-US" sz="2000" dirty="0">
-                <a:solidFill>
-                  <a:srgbClr val="C7D5E0"/>
-                </a:solidFill>
-              </a:rPr>
-              <a:t> </a:t>
-            </a:r>
-            <a:r>
-              <a:rPr lang="en-US" sz="2000" dirty="0" err="1">
-                <a:solidFill>
-                  <a:srgbClr val="C7D5E0"/>
-                </a:solidFill>
-              </a:rPr>
-              <a:t>i</a:t>
-            </a:r>
-            <a:r>
-              <a:rPr lang="en-US" sz="2000" dirty="0">
-                <a:solidFill>
-                  <a:srgbClr val="C7D5E0"/>
-                </a:solidFill>
-              </a:rPr>
-              <a:t> </a:t>
-            </a:r>
-            <a:r>
-              <a:rPr lang="en-US" sz="2000" dirty="0" err="1">
-                <a:solidFill>
-                  <a:srgbClr val="C7D5E0"/>
-                </a:solidFill>
-              </a:rPr>
-              <a:t>tre</a:t>
-            </a:r>
-            <a:r>
-              <a:rPr lang="en-US" sz="2000" dirty="0">
-                <a:solidFill>
-                  <a:srgbClr val="C7D5E0"/>
-                </a:solidFill>
-              </a:rPr>
-              <a:t> </a:t>
-            </a:r>
-            <a:r>
-              <a:rPr lang="en-US" sz="2000" dirty="0" err="1">
-                <a:solidFill>
-                  <a:srgbClr val="C7D5E0"/>
-                </a:solidFill>
-              </a:rPr>
-              <a:t>periodi</a:t>
-            </a:r>
-            <a:r>
-              <a:rPr lang="en-US" sz="2000" dirty="0">
-                <a:solidFill>
-                  <a:srgbClr val="C7D5E0"/>
-                </a:solidFill>
-              </a:rPr>
-              <a:t> </a:t>
-            </a:r>
-            <a:r>
-              <a:rPr lang="en-US" sz="2000" dirty="0" err="1">
-                <a:solidFill>
-                  <a:srgbClr val="C7D5E0"/>
-                </a:solidFill>
-              </a:rPr>
-              <a:t>analizzati</a:t>
-            </a:r>
-            <a:r>
-              <a:rPr lang="en-US" sz="2000" dirty="0">
-                <a:solidFill>
-                  <a:srgbClr val="C7D5E0"/>
-                </a:solidFill>
-              </a:rPr>
-              <a:t>, per </a:t>
-            </a:r>
-            <a:r>
-              <a:rPr lang="en-US" sz="2000" dirty="0" err="1">
-                <a:solidFill>
-                  <a:srgbClr val="C7D5E0"/>
-                </a:solidFill>
-              </a:rPr>
-              <a:t>poter</a:t>
-            </a:r>
-            <a:r>
-              <a:rPr lang="en-US" sz="2000" dirty="0">
-                <a:solidFill>
-                  <a:srgbClr val="C7D5E0"/>
-                </a:solidFill>
-              </a:rPr>
-              <a:t> </a:t>
-            </a:r>
-            <a:r>
-              <a:rPr lang="en-US" sz="2000" dirty="0" err="1">
-                <a:solidFill>
-                  <a:srgbClr val="C7D5E0"/>
-                </a:solidFill>
-              </a:rPr>
-              <a:t>mettere</a:t>
-            </a:r>
-            <a:r>
-              <a:rPr lang="en-US" sz="2000" dirty="0">
-                <a:solidFill>
-                  <a:srgbClr val="C7D5E0"/>
-                </a:solidFill>
-              </a:rPr>
-              <a:t> in </a:t>
-            </a:r>
-            <a:r>
-              <a:rPr lang="en-US" sz="2000" dirty="0" err="1">
-                <a:solidFill>
-                  <a:srgbClr val="C7D5E0"/>
-                </a:solidFill>
-              </a:rPr>
-              <a:t>evidenza</a:t>
-            </a:r>
-            <a:r>
-              <a:rPr lang="en-US" sz="2000" dirty="0">
-                <a:solidFill>
-                  <a:srgbClr val="C7D5E0"/>
-                </a:solidFill>
-              </a:rPr>
-              <a:t> </a:t>
-            </a:r>
-            <a:r>
-              <a:rPr lang="en-US" sz="2000" dirty="0" err="1">
-                <a:solidFill>
-                  <a:srgbClr val="C7D5E0"/>
-                </a:solidFill>
-              </a:rPr>
-              <a:t>differenze</a:t>
-            </a:r>
-            <a:r>
-              <a:rPr lang="en-US" sz="2000" dirty="0">
-                <a:solidFill>
-                  <a:srgbClr val="C7D5E0"/>
-                </a:solidFill>
-              </a:rPr>
-              <a:t> </a:t>
-            </a:r>
-            <a:r>
-              <a:rPr lang="en-US" sz="2000" dirty="0" err="1">
-                <a:solidFill>
-                  <a:srgbClr val="C7D5E0"/>
-                </a:solidFill>
-              </a:rPr>
-              <a:t>nelle</a:t>
-            </a:r>
-            <a:r>
-              <a:rPr lang="en-US" sz="2000" dirty="0">
-                <a:solidFill>
-                  <a:srgbClr val="C7D5E0"/>
-                </a:solidFill>
-              </a:rPr>
-              <a:t> </a:t>
-            </a:r>
-            <a:r>
-              <a:rPr lang="en-US" sz="2000" dirty="0" err="1">
-                <a:solidFill>
-                  <a:srgbClr val="C7D5E0"/>
-                </a:solidFill>
-              </a:rPr>
-              <a:t>preferenze</a:t>
-            </a:r>
-            <a:r>
-              <a:rPr lang="en-US" sz="2000" dirty="0">
-                <a:solidFill>
-                  <a:srgbClr val="C7D5E0"/>
-                </a:solidFill>
-              </a:rPr>
-              <a:t> di </a:t>
-            </a:r>
-            <a:r>
-              <a:rPr lang="en-US" sz="2000" dirty="0" err="1">
-                <a:solidFill>
-                  <a:srgbClr val="C7D5E0"/>
-                </a:solidFill>
-              </a:rPr>
-              <a:t>acquisto</a:t>
-            </a:r>
-            <a:r>
-              <a:rPr lang="en-US" sz="2000" dirty="0">
-                <a:solidFill>
-                  <a:srgbClr val="C7D5E0"/>
-                </a:solidFill>
-              </a:rPr>
-              <a:t> </a:t>
-            </a:r>
-            <a:r>
-              <a:rPr lang="en-US" sz="2000" dirty="0" err="1">
-                <a:solidFill>
-                  <a:srgbClr val="C7D5E0"/>
-                </a:solidFill>
-              </a:rPr>
-              <a:t>degli</a:t>
-            </a:r>
-            <a:r>
-              <a:rPr lang="en-US" sz="2000" dirty="0">
-                <a:solidFill>
-                  <a:srgbClr val="C7D5E0"/>
-                </a:solidFill>
-              </a:rPr>
-              <a:t> </a:t>
-            </a:r>
-            <a:r>
-              <a:rPr lang="en-US" sz="2000" dirty="0" err="1">
-                <a:solidFill>
-                  <a:srgbClr val="C7D5E0"/>
-                </a:solidFill>
-              </a:rPr>
-              <a:t>utenti</a:t>
-            </a:r>
-            <a:r>
-              <a:rPr lang="en-US" sz="2000" dirty="0">
-                <a:solidFill>
-                  <a:srgbClr val="C7D5E0"/>
-                </a:solidFill>
-              </a:rPr>
-              <a:t> in </a:t>
-            </a:r>
-            <a:r>
-              <a:rPr lang="en-US" sz="2000" dirty="0" err="1">
-                <a:solidFill>
-                  <a:srgbClr val="C7D5E0"/>
-                </a:solidFill>
-              </a:rPr>
-              <a:t>situazioni</a:t>
-            </a:r>
-            <a:r>
-              <a:rPr lang="en-US" sz="2000" dirty="0">
-                <a:solidFill>
-                  <a:srgbClr val="C7D5E0"/>
-                </a:solidFill>
-              </a:rPr>
-              <a:t> </a:t>
-            </a:r>
-            <a:r>
-              <a:rPr lang="en-US" sz="2000" dirty="0" err="1">
-                <a:solidFill>
-                  <a:srgbClr val="C7D5E0"/>
-                </a:solidFill>
-              </a:rPr>
-              <a:t>sociali</a:t>
-            </a:r>
-            <a:r>
-              <a:rPr lang="en-US" sz="2000" dirty="0">
-                <a:solidFill>
-                  <a:srgbClr val="C7D5E0"/>
-                </a:solidFill>
-              </a:rPr>
-              <a:t> </a:t>
-            </a:r>
-            <a:r>
-              <a:rPr lang="en-US" sz="2000" dirty="0" err="1">
-                <a:solidFill>
-                  <a:srgbClr val="C7D5E0"/>
-                </a:solidFill>
-              </a:rPr>
-              <a:t>differenti</a:t>
-            </a:r>
-            <a:r>
-              <a:rPr lang="en-US" sz="2000" dirty="0">
-                <a:solidFill>
-                  <a:srgbClr val="C7D5E0"/>
-                </a:solidFill>
-              </a:rPr>
-              <a:t>.</a:t>
+              <a:rPr lang="en-US" sz="2000">
+                <a:solidFill>
+                  <a:srgbClr val="C7D5E0"/>
+                </a:solidFill>
+              </a:rPr>
+              <a:t>Si analizza il numero di </a:t>
+            </a:r>
+            <a:r>
+              <a:rPr lang="en-US" sz="2000">
+                <a:solidFill>
+                  <a:srgbClr val="66C0F4"/>
+                </a:solidFill>
+              </a:rPr>
+              <a:t>acquisti </a:t>
+            </a:r>
+            <a:r>
+              <a:rPr lang="en-US" sz="2000">
+                <a:solidFill>
+                  <a:srgbClr val="C7D5E0"/>
+                </a:solidFill>
+              </a:rPr>
+              <a:t>di VG per ciascuna delle categorie di </a:t>
+            </a:r>
+            <a:r>
+              <a:rPr lang="en-US" sz="2000">
+                <a:solidFill>
+                  <a:srgbClr val="66C0F4"/>
+                </a:solidFill>
+              </a:rPr>
+              <a:t>socialita’</a:t>
+            </a:r>
+            <a:r>
+              <a:rPr lang="en-US" sz="2000">
+                <a:solidFill>
+                  <a:srgbClr val="C7D5E0"/>
+                </a:solidFill>
+              </a:rPr>
+              <a:t> del prodotto, durante i tre periodi analizzati, per poter mettere in evidenza differenze nelle preferenze di acquisto degli utenti in situazioni sociali differenti.</a:t>
             </a:r>
           </a:p>
           <a:p>
@@ -4055,108 +4207,28 @@
               </a:buClr>
             </a:pPr>
             <a:r>
-              <a:rPr lang="en-US" sz="2000" dirty="0">
-                <a:solidFill>
-                  <a:srgbClr val="C7D5E0"/>
-                </a:solidFill>
-              </a:rPr>
-              <a:t>I VG </a:t>
-            </a:r>
-            <a:r>
-              <a:rPr lang="en-US" sz="2000" dirty="0" err="1">
-                <a:solidFill>
-                  <a:srgbClr val="C7D5E0"/>
-                </a:solidFill>
-              </a:rPr>
-              <a:t>si</a:t>
-            </a:r>
-            <a:r>
-              <a:rPr lang="en-US" sz="2000" dirty="0">
-                <a:solidFill>
-                  <a:srgbClr val="C7D5E0"/>
-                </a:solidFill>
-              </a:rPr>
-              <a:t> </a:t>
-            </a:r>
-            <a:r>
-              <a:rPr lang="en-US" sz="2000" dirty="0" err="1">
-                <a:solidFill>
-                  <a:srgbClr val="C7D5E0"/>
-                </a:solidFill>
-              </a:rPr>
-              <a:t>distribuiscono</a:t>
-            </a:r>
-            <a:r>
-              <a:rPr lang="en-US" sz="2000" dirty="0">
-                <a:solidFill>
-                  <a:srgbClr val="C7D5E0"/>
-                </a:solidFill>
-              </a:rPr>
-              <a:t> piu’ o </a:t>
-            </a:r>
-            <a:r>
-              <a:rPr lang="en-US" sz="2000" dirty="0" err="1">
-                <a:solidFill>
-                  <a:srgbClr val="C7D5E0"/>
-                </a:solidFill>
-              </a:rPr>
-              <a:t>meno</a:t>
-            </a:r>
-            <a:r>
-              <a:rPr lang="en-US" sz="2000" dirty="0">
-                <a:solidFill>
-                  <a:srgbClr val="C7D5E0"/>
-                </a:solidFill>
-              </a:rPr>
-              <a:t> </a:t>
-            </a:r>
-            <a:r>
-              <a:rPr lang="en-US" sz="2000" dirty="0" err="1">
-                <a:solidFill>
-                  <a:srgbClr val="66C0F4"/>
-                </a:solidFill>
-              </a:rPr>
-              <a:t>uniformemente</a:t>
-            </a:r>
-            <a:r>
-              <a:rPr lang="en-US" sz="2000" dirty="0">
-                <a:solidFill>
-                  <a:srgbClr val="66C0F4"/>
-                </a:solidFill>
-              </a:rPr>
-              <a:t> </a:t>
-            </a:r>
-            <a:r>
-              <a:rPr lang="en-US" sz="2000" dirty="0" err="1">
-                <a:solidFill>
-                  <a:srgbClr val="C7D5E0"/>
-                </a:solidFill>
-              </a:rPr>
-              <a:t>tra</a:t>
-            </a:r>
-            <a:r>
-              <a:rPr lang="en-US" sz="2000" dirty="0">
-                <a:solidFill>
-                  <a:srgbClr val="C7D5E0"/>
-                </a:solidFill>
-              </a:rPr>
-              <a:t> le </a:t>
-            </a:r>
-            <a:r>
-              <a:rPr lang="en-US" sz="2000" dirty="0" err="1">
-                <a:solidFill>
-                  <a:srgbClr val="C7D5E0"/>
-                </a:solidFill>
-              </a:rPr>
-              <a:t>categorie</a:t>
-            </a:r>
-            <a:r>
-              <a:rPr lang="en-US" sz="2000" dirty="0">
-                <a:solidFill>
-                  <a:srgbClr val="C7D5E0"/>
-                </a:solidFill>
-              </a:rPr>
-              <a:t>.</a:t>
+              <a:rPr lang="en-US" sz="2000">
+                <a:solidFill>
+                  <a:srgbClr val="C7D5E0"/>
+                </a:solidFill>
+              </a:rPr>
+              <a:t>I VG si distribuiscono piu’ o meno </a:t>
+            </a:r>
+            <a:r>
+              <a:rPr lang="en-US" sz="2000">
+                <a:solidFill>
+                  <a:srgbClr val="66C0F4"/>
+                </a:solidFill>
+              </a:rPr>
+              <a:t>uniformemente </a:t>
+            </a:r>
+            <a:r>
+              <a:rPr lang="en-US" sz="2000">
+                <a:solidFill>
+                  <a:srgbClr val="C7D5E0"/>
+                </a:solidFill>
+              </a:rPr>
+              <a:t>tra le categorie di gruppo e quelle in singolo.</a:t>
             </a:r>
           </a:p>
           <a:p>
@@ -4166,31 +4238,15 @@
               </a:buClr>
             </a:pPr>
             <a:r>
-              <a:rPr lang="en-US" sz="2000" dirty="0">
-                <a:solidFill>
-                  <a:srgbClr val="C7D5E0"/>
-                </a:solidFill>
-              </a:rPr>
-              <a:t>Si </a:t>
-            </a:r>
-            <a:r>
-              <a:rPr lang="en-US" sz="2000" dirty="0" err="1">
-                <a:solidFill>
-                  <a:srgbClr val="C7D5E0"/>
-                </a:solidFill>
-              </a:rPr>
-              <a:t>evidenzia</a:t>
-            </a:r>
-            <a:r>
-              <a:rPr lang="en-US" sz="2000" dirty="0">
-                <a:solidFill>
-                  <a:srgbClr val="C7D5E0"/>
-                </a:solidFill>
-              </a:rPr>
-              <a:t> un </a:t>
-            </a:r>
-            <a:r>
-              <a:rPr lang="en-US" sz="2000" dirty="0">
+              <a:rPr lang="en-US" sz="2000">
+                <a:solidFill>
+                  <a:srgbClr val="C7D5E0"/>
+                </a:solidFill>
+              </a:rPr>
+              <a:t>Si evidenzia un </a:t>
+            </a:r>
+            <a:r>
+              <a:rPr lang="en-US" sz="2000">
                 <a:solidFill>
                   <a:srgbClr val="66C0F4"/>
                 </a:solidFill>
@@ -4198,100 +4254,12 @@
               <a:t>leggero </a:t>
             </a:r>
             <a:r>
-              <a:rPr lang="en-US" sz="2000" dirty="0" err="1">
-                <a:solidFill>
-                  <a:srgbClr val="C7D5E0"/>
-                </a:solidFill>
-              </a:rPr>
-              <a:t>aumento</a:t>
-            </a:r>
-            <a:r>
-              <a:rPr lang="en-US" sz="2000" dirty="0">
-                <a:solidFill>
-                  <a:srgbClr val="C7D5E0"/>
-                </a:solidFill>
-              </a:rPr>
-              <a:t> </a:t>
-            </a:r>
-            <a:r>
-              <a:rPr lang="en-US" sz="2000" dirty="0" err="1">
-                <a:solidFill>
-                  <a:srgbClr val="C7D5E0"/>
-                </a:solidFill>
-              </a:rPr>
-              <a:t>della</a:t>
-            </a:r>
-            <a:r>
-              <a:rPr lang="en-US" sz="2000" dirty="0">
-                <a:solidFill>
-                  <a:srgbClr val="C7D5E0"/>
-                </a:solidFill>
-              </a:rPr>
-              <a:t> </a:t>
-            </a:r>
-            <a:r>
-              <a:rPr lang="en-US" sz="2000" dirty="0" err="1">
-                <a:solidFill>
-                  <a:srgbClr val="C7D5E0"/>
-                </a:solidFill>
-              </a:rPr>
-              <a:t>popolarita</a:t>
-            </a:r>
-            <a:r>
-              <a:rPr lang="en-US" sz="2000" dirty="0">
-                <a:solidFill>
-                  <a:srgbClr val="C7D5E0"/>
-                </a:solidFill>
-              </a:rPr>
-              <a:t>’ </a:t>
-            </a:r>
-            <a:r>
-              <a:rPr lang="en-US" sz="2000" dirty="0" err="1">
-                <a:solidFill>
-                  <a:srgbClr val="C7D5E0"/>
-                </a:solidFill>
-              </a:rPr>
-              <a:t>della</a:t>
-            </a:r>
-            <a:r>
-              <a:rPr lang="en-US" sz="2000" dirty="0">
-                <a:solidFill>
-                  <a:srgbClr val="C7D5E0"/>
-                </a:solidFill>
-              </a:rPr>
-              <a:t> </a:t>
-            </a:r>
-            <a:r>
-              <a:rPr lang="en-US" sz="2000" dirty="0" err="1">
-                <a:solidFill>
-                  <a:srgbClr val="C7D5E0"/>
-                </a:solidFill>
-              </a:rPr>
-              <a:t>componente</a:t>
-            </a:r>
-            <a:r>
-              <a:rPr lang="en-US" sz="2000" dirty="0">
-                <a:solidFill>
-                  <a:srgbClr val="C7D5E0"/>
-                </a:solidFill>
-              </a:rPr>
-              <a:t> Co-op </a:t>
-            </a:r>
-            <a:r>
-              <a:rPr lang="en-US" sz="2000" dirty="0" err="1">
-                <a:solidFill>
-                  <a:srgbClr val="C7D5E0"/>
-                </a:solidFill>
-              </a:rPr>
-              <a:t>durante</a:t>
-            </a:r>
-            <a:r>
-              <a:rPr lang="en-US" sz="2000" dirty="0">
-                <a:solidFill>
-                  <a:srgbClr val="C7D5E0"/>
-                </a:solidFill>
-              </a:rPr>
-              <a:t> il Covid19</a:t>
+              <a:rPr lang="en-US" sz="2000">
+                <a:solidFill>
+                  <a:srgbClr val="C7D5E0"/>
+                </a:solidFill>
+              </a:rPr>
+              <a:t>aumento della popolarita’ della componente Co-op durante il Covid19</a:t>
             </a:r>
           </a:p>
           <a:p>
@@ -4301,71 +4269,15 @@
               </a:buClr>
             </a:pPr>
             <a:r>
-              <a:rPr lang="en-US" sz="2000" dirty="0" err="1">
-                <a:solidFill>
-                  <a:srgbClr val="C7D5E0"/>
-                </a:solidFill>
-              </a:rPr>
-              <a:t>Mentre</a:t>
-            </a:r>
-            <a:r>
-              <a:rPr lang="en-US" sz="2000" dirty="0">
-                <a:solidFill>
-                  <a:srgbClr val="C7D5E0"/>
-                </a:solidFill>
-              </a:rPr>
-              <a:t> la </a:t>
-            </a:r>
-            <a:r>
-              <a:rPr lang="en-US" sz="2000" dirty="0" err="1">
-                <a:solidFill>
-                  <a:srgbClr val="C7D5E0"/>
-                </a:solidFill>
-              </a:rPr>
-              <a:t>componente</a:t>
-            </a:r>
-            <a:r>
-              <a:rPr lang="en-US" sz="2000" dirty="0">
-                <a:solidFill>
-                  <a:srgbClr val="C7D5E0"/>
-                </a:solidFill>
-              </a:rPr>
-              <a:t> </a:t>
-            </a:r>
-            <a:r>
-              <a:rPr lang="en-US" sz="2000" dirty="0" err="1">
-                <a:solidFill>
-                  <a:srgbClr val="C7D5E0"/>
-                </a:solidFill>
-              </a:rPr>
-              <a:t>SinglePlayer</a:t>
-            </a:r>
-            <a:r>
-              <a:rPr lang="en-US" sz="2000" dirty="0">
-                <a:solidFill>
-                  <a:srgbClr val="C7D5E0"/>
-                </a:solidFill>
-              </a:rPr>
-              <a:t> </a:t>
-            </a:r>
-            <a:r>
-              <a:rPr lang="en-US" sz="2000" dirty="0" err="1">
-                <a:solidFill>
-                  <a:srgbClr val="C7D5E0"/>
-                </a:solidFill>
-              </a:rPr>
-              <a:t>registra</a:t>
-            </a:r>
-            <a:r>
-              <a:rPr lang="en-US" sz="2000" dirty="0">
-                <a:solidFill>
-                  <a:srgbClr val="C7D5E0"/>
-                </a:solidFill>
-              </a:rPr>
-              <a:t> un </a:t>
-            </a:r>
-            <a:r>
-              <a:rPr lang="en-US" sz="2000" dirty="0">
+              <a:rPr lang="en-US" sz="2000">
+                <a:solidFill>
+                  <a:srgbClr val="C7D5E0"/>
+                </a:solidFill>
+              </a:rPr>
+              <a:t>Mentre la componente SinglePlayer registra un </a:t>
+            </a:r>
+            <a:r>
+              <a:rPr lang="en-US" sz="2000">
                 <a:solidFill>
                   <a:srgbClr val="66C0F4"/>
                 </a:solidFill>
@@ -4373,54 +4285,27 @@
               <a:t>leggero</a:t>
             </a:r>
             <a:r>
-              <a:rPr lang="en-US" sz="2000" dirty="0">
-                <a:solidFill>
-                  <a:srgbClr val="C7D5E0"/>
-                </a:solidFill>
-              </a:rPr>
-              <a:t> </a:t>
-            </a:r>
-            <a:r>
-              <a:rPr lang="en-US" sz="2000" dirty="0" err="1">
-                <a:solidFill>
-                  <a:srgbClr val="C7D5E0"/>
-                </a:solidFill>
-              </a:rPr>
-              <a:t>aumento</a:t>
-            </a:r>
-            <a:r>
-              <a:rPr lang="en-US" sz="2000" dirty="0">
-                <a:solidFill>
-                  <a:srgbClr val="C7D5E0"/>
-                </a:solidFill>
-              </a:rPr>
-              <a:t> </a:t>
-            </a:r>
-            <a:r>
-              <a:rPr lang="en-US" sz="2000" dirty="0" err="1">
-                <a:solidFill>
-                  <a:srgbClr val="C7D5E0"/>
-                </a:solidFill>
-              </a:rPr>
-              <a:t>nel</a:t>
-            </a:r>
-            <a:r>
-              <a:rPr lang="en-US" sz="2000" dirty="0">
-                <a:solidFill>
-                  <a:srgbClr val="C7D5E0"/>
-                </a:solidFill>
-              </a:rPr>
-              <a:t> period post-Covid19</a:t>
-            </a:r>
+              <a:rPr lang="en-US" sz="2000">
+                <a:solidFill>
+                  <a:srgbClr val="C7D5E0"/>
+                </a:solidFill>
+              </a:rPr>
+              <a:t> aumento nel period post-Covid19</a:t>
+            </a:r>
+            <a:endParaRPr lang="en-US" sz="2000" dirty="0">
+              <a:solidFill>
+                <a:srgbClr val="C7D5E0"/>
+              </a:solidFill>
+            </a:endParaRPr>
           </a:p>
         </p:txBody>
       </p:sp>
       <p:pic>
         <p:nvPicPr>
-          <p:cNvPr id="9" name="Immagine 8" descr="Immagine che contiene testo, cerchio, schermata, Carattere&#10;&#10;Descrizione generata automaticamente">
+          <p:cNvPr id="11" name="Immagine 10" descr="Immagine che contiene testo, cerchio, schermata, Policromia&#10;&#10;Descrizione generata automaticamente">
             <a:extLst>
               <a:ext uri="{FF2B5EF4-FFF2-40B4-BE49-F238E27FC236}">
-                <a16:creationId xmlns:a16="http://schemas.microsoft.com/office/drawing/2014/main" id="{B0283708-57D4-216D-EB58-FD0E670373CB}"/>
+                <a16:creationId xmlns:a16="http://schemas.microsoft.com/office/drawing/2014/main" id="{3FD6F79F-300C-6BB5-229A-D1616D9A88D9}"/>
               </a:ext>
             </a:extLst>
           </p:cNvPr>
@@ -4443,8 +4328,8 @@
         </p:blipFill>
         <p:spPr>
           <a:xfrm>
-            <a:off x="2501900" y="528870"/>
-            <a:ext cx="12192000" cy="6074357"/>
+            <a:off x="5869969" y="650816"/>
+            <a:ext cx="6047482" cy="6047482"/>
           </a:xfrm>
           <a:prstGeom prst="rect">
             <a:avLst/>
@@ -4611,8 +4496,8 @@
         </p:blipFill>
         <p:spPr>
           <a:xfrm>
-            <a:off x="5089066" y="937577"/>
-            <a:ext cx="6828385" cy="5121289"/>
+            <a:off x="6096000" y="1421672"/>
+            <a:ext cx="5196517" cy="3897388"/>
           </a:xfrm>
           <a:prstGeom prst="rect">
             <a:avLst/>
@@ -4633,7 +4518,7 @@
         </p:nvSpPr>
         <p:spPr>
           <a:xfrm>
-            <a:off x="274549" y="2205560"/>
+            <a:off x="899483" y="2136338"/>
             <a:ext cx="4119495" cy="2585323"/>
           </a:xfrm>
           <a:prstGeom prst="rect">
@@ -6410,212 +6295,6 @@
           </a:effectLst>
         </p:spPr>
       </p:pic>
-      <p:sp>
-        <p:nvSpPr>
-          <p:cNvPr id="8" name="Segnaposto contenuto 2">
-            <a:extLst>
-              <a:ext uri="{FF2B5EF4-FFF2-40B4-BE49-F238E27FC236}">
-                <a16:creationId xmlns:a16="http://schemas.microsoft.com/office/drawing/2014/main" id="{9AC6048C-0D31-1711-9B62-7F19EBC37E3B}"/>
-              </a:ext>
-            </a:extLst>
-          </p:cNvPr>
-          <p:cNvSpPr txBox="1">
-            <a:spLocks/>
-          </p:cNvSpPr>
-          <p:nvPr/>
-        </p:nvSpPr>
-        <p:spPr>
-          <a:xfrm>
-            <a:off x="274549" y="2405128"/>
-            <a:ext cx="3051756" cy="2047741"/>
-          </a:xfrm>
-          <a:prstGeom prst="rect">
-            <a:avLst/>
-          </a:prstGeom>
-        </p:spPr>
-        <p:txBody>
-          <a:bodyPr vert="horz" lIns="91440" tIns="45720" rIns="91440" bIns="45720" rtlCol="0">
-            <a:normAutofit/>
-          </a:bodyPr>
-          <a:lstStyle>
-            <a:lvl1pPr marL="228600" indent="-228600" algn="l" defTabSz="914400" rtl="0" eaLnBrk="1" latinLnBrk="0" hangingPunct="1">
-              <a:lnSpc>
-                <a:spcPct val="90000"/>
-              </a:lnSpc>
-              <a:spcBef>
-                <a:spcPts val="1000"/>
-              </a:spcBef>
-              <a:buFont typeface="Arial" panose="020B0604020202020204" pitchFamily="34" charset="0"/>
-              <a:buChar char="•"/>
-              <a:defRPr sz="2800" kern="1200">
-                <a:solidFill>
-                  <a:schemeClr val="tx1"/>
-                </a:solidFill>
-                <a:latin typeface="+mn-lt"/>
-                <a:ea typeface="+mn-ea"/>
-                <a:cs typeface="+mn-cs"/>
-              </a:defRPr>
-            </a:lvl1pPr>
-            <a:lvl2pPr marL="685800" indent="-228600" algn="l" defTabSz="914400" rtl="0" eaLnBrk="1" latinLnBrk="0" hangingPunct="1">
-              <a:lnSpc>
-                <a:spcPct val="90000"/>
-              </a:lnSpc>
-              <a:spcBef>
-                <a:spcPts val="500"/>
-              </a:spcBef>
-              <a:buFont typeface="Arial" panose="020B0604020202020204" pitchFamily="34" charset="0"/>
-              <a:buChar char="•"/>
-              <a:defRPr sz="2400" kern="1200">
-                <a:solidFill>
-                  <a:schemeClr val="tx1"/>
-                </a:solidFill>
-                <a:latin typeface="+mn-lt"/>
-                <a:ea typeface="+mn-ea"/>
-                <a:cs typeface="+mn-cs"/>
-              </a:defRPr>
-            </a:lvl2pPr>
-            <a:lvl3pPr marL="1143000" indent="-228600" algn="l" defTabSz="914400" rtl="0" eaLnBrk="1" latinLnBrk="0" hangingPunct="1">
-              <a:lnSpc>
-                <a:spcPct val="90000"/>
-              </a:lnSpc>
-              <a:spcBef>
-                <a:spcPts val="500"/>
-              </a:spcBef>
-              <a:buFont typeface="Arial" panose="020B0604020202020204" pitchFamily="34" charset="0"/>
-              <a:buChar char="•"/>
-              <a:defRPr sz="2000" kern="1200">
-                <a:solidFill>
-                  <a:schemeClr val="tx1"/>
-                </a:solidFill>
-                <a:latin typeface="+mn-lt"/>
-                <a:ea typeface="+mn-ea"/>
-                <a:cs typeface="+mn-cs"/>
-              </a:defRPr>
-            </a:lvl3pPr>
-            <a:lvl4pPr marL="1600200" indent="-228600" algn="l" defTabSz="914400" rtl="0" eaLnBrk="1" latinLnBrk="0" hangingPunct="1">
-              <a:lnSpc>
-                <a:spcPct val="90000"/>
-              </a:lnSpc>
-              <a:spcBef>
-                <a:spcPts val="500"/>
-              </a:spcBef>
-              <a:buFont typeface="Arial" panose="020B0604020202020204" pitchFamily="34" charset="0"/>
-              <a:buChar char="•"/>
-              <a:defRPr sz="1800" kern="1200">
-                <a:solidFill>
-                  <a:schemeClr val="tx1"/>
-                </a:solidFill>
-                <a:latin typeface="+mn-lt"/>
-                <a:ea typeface="+mn-ea"/>
-                <a:cs typeface="+mn-cs"/>
-              </a:defRPr>
-            </a:lvl4pPr>
-            <a:lvl5pPr marL="2057400" indent="-228600" algn="l" defTabSz="914400" rtl="0" eaLnBrk="1" latinLnBrk="0" hangingPunct="1">
-              <a:lnSpc>
-                <a:spcPct val="90000"/>
-              </a:lnSpc>
-              <a:spcBef>
-                <a:spcPts val="500"/>
-              </a:spcBef>
-              <a:buFont typeface="Arial" panose="020B0604020202020204" pitchFamily="34" charset="0"/>
-              <a:buChar char="•"/>
-              <a:defRPr sz="1800" kern="1200">
-                <a:solidFill>
-                  <a:schemeClr val="tx1"/>
-                </a:solidFill>
-                <a:latin typeface="+mn-lt"/>
-                <a:ea typeface="+mn-ea"/>
-                <a:cs typeface="+mn-cs"/>
-              </a:defRPr>
-            </a:lvl5pPr>
-            <a:lvl6pPr marL="2514600" indent="-228600" algn="l" defTabSz="914400" rtl="0" eaLnBrk="1" latinLnBrk="0" hangingPunct="1">
-              <a:lnSpc>
-                <a:spcPct val="90000"/>
-              </a:lnSpc>
-              <a:spcBef>
-                <a:spcPts val="500"/>
-              </a:spcBef>
-              <a:buFont typeface="Arial" panose="020B0604020202020204" pitchFamily="34" charset="0"/>
-              <a:buChar char="•"/>
-              <a:defRPr sz="1800" kern="1200">
-                <a:solidFill>
-                  <a:schemeClr val="tx1"/>
-                </a:solidFill>
-                <a:latin typeface="+mn-lt"/>
-                <a:ea typeface="+mn-ea"/>
-                <a:cs typeface="+mn-cs"/>
-              </a:defRPr>
-            </a:lvl6pPr>
-            <a:lvl7pPr marL="2971800" indent="-228600" algn="l" defTabSz="914400" rtl="0" eaLnBrk="1" latinLnBrk="0" hangingPunct="1">
-              <a:lnSpc>
-                <a:spcPct val="90000"/>
-              </a:lnSpc>
-              <a:spcBef>
-                <a:spcPts val="500"/>
-              </a:spcBef>
-              <a:buFont typeface="Arial" panose="020B0604020202020204" pitchFamily="34" charset="0"/>
-              <a:buChar char="•"/>
-              <a:defRPr sz="1800" kern="1200">
-                <a:solidFill>
-                  <a:schemeClr val="tx1"/>
-                </a:solidFill>
-                <a:latin typeface="+mn-lt"/>
-                <a:ea typeface="+mn-ea"/>
-                <a:cs typeface="+mn-cs"/>
-              </a:defRPr>
-            </a:lvl7pPr>
-            <a:lvl8pPr marL="3429000" indent="-228600" algn="l" defTabSz="914400" rtl="0" eaLnBrk="1" latinLnBrk="0" hangingPunct="1">
-              <a:lnSpc>
-                <a:spcPct val="90000"/>
-              </a:lnSpc>
-              <a:spcBef>
-                <a:spcPts val="500"/>
-              </a:spcBef>
-              <a:buFont typeface="Arial" panose="020B0604020202020204" pitchFamily="34" charset="0"/>
-              <a:buChar char="•"/>
-              <a:defRPr sz="1800" kern="1200">
-                <a:solidFill>
-                  <a:schemeClr val="tx1"/>
-                </a:solidFill>
-                <a:latin typeface="+mn-lt"/>
-                <a:ea typeface="+mn-ea"/>
-                <a:cs typeface="+mn-cs"/>
-              </a:defRPr>
-            </a:lvl8pPr>
-            <a:lvl9pPr marL="3886200" indent="-228600" algn="l" defTabSz="914400" rtl="0" eaLnBrk="1" latinLnBrk="0" hangingPunct="1">
-              <a:lnSpc>
-                <a:spcPct val="90000"/>
-              </a:lnSpc>
-              <a:spcBef>
-                <a:spcPts val="500"/>
-              </a:spcBef>
-              <a:buFont typeface="Arial" panose="020B0604020202020204" pitchFamily="34" charset="0"/>
-              <a:buChar char="•"/>
-              <a:defRPr sz="1800" kern="1200">
-                <a:solidFill>
-                  <a:schemeClr val="tx1"/>
-                </a:solidFill>
-                <a:latin typeface="+mn-lt"/>
-                <a:ea typeface="+mn-ea"/>
-                <a:cs typeface="+mn-cs"/>
-              </a:defRPr>
-            </a:lvl9pPr>
-          </a:lstStyle>
-          <a:p>
-            <a:pPr marL="0" indent="0">
-              <a:buClr>
-                <a:srgbClr val="66C0F4"/>
-              </a:buClr>
-              <a:buNone/>
-            </a:pPr>
-            <a:endParaRPr lang="en-US" sz="2000" dirty="0">
-              <a:solidFill>
-                <a:srgbClr val="66C0F4"/>
-              </a:solidFill>
-            </a:endParaRPr>
-          </a:p>
-        </p:txBody>
-      </p:sp>
       <p:pic>
         <p:nvPicPr>
           <p:cNvPr id="9" name="Immagine 8" descr="Immagine che contiene schermata, cerchio, Elementi grafici, astronomia&#10;&#10;Descrizione generata automaticamente">
@@ -6630,7 +6309,7 @@
           </p:cNvPicPr>
           <p:nvPr/>
         </p:nvPicPr>
-        <p:blipFill>
+        <p:blipFill rotWithShape="1">
           <a:blip r:embed="rId3">
             <a:extLst>
               <a:ext uri="{28A0092B-C50C-407E-A947-70E740481C1C}">
@@ -6638,14 +6317,13 @@
               </a:ext>
             </a:extLst>
           </a:blip>
-          <a:stretch>
-            <a:fillRect/>
-          </a:stretch>
+          <a:srcRect t="1016" r="22338"/>
+          <a:stretch/>
         </p:blipFill>
         <p:spPr>
           <a:xfrm>
-            <a:off x="2855352" y="1271016"/>
-            <a:ext cx="9062099" cy="4315968"/>
+            <a:off x="4428830" y="1321117"/>
+            <a:ext cx="7214073" cy="4379112"/>
           </a:xfrm>
           <a:prstGeom prst="rect">
             <a:avLst/>
@@ -7291,6 +6969,41 @@
           </a:p>
         </p:txBody>
       </p:sp>
+      <p:pic>
+        <p:nvPicPr>
+          <p:cNvPr id="2" name="Immagine 1" descr="Immagine che contiene schermata, cerchio, Elementi grafici, astronomia&#10;&#10;Descrizione generata automaticamente">
+            <a:extLst>
+              <a:ext uri="{FF2B5EF4-FFF2-40B4-BE49-F238E27FC236}">
+                <a16:creationId xmlns:a16="http://schemas.microsoft.com/office/drawing/2014/main" id="{829A5FF1-03F9-03EB-080F-0B2D1301BD53}"/>
+              </a:ext>
+            </a:extLst>
+          </p:cNvPr>
+          <p:cNvPicPr>
+            <a:picLocks noChangeAspect="1"/>
+          </p:cNvPicPr>
+          <p:nvPr/>
+        </p:nvPicPr>
+        <p:blipFill rotWithShape="1">
+          <a:blip r:embed="rId3">
+            <a:extLst>
+              <a:ext uri="{28A0092B-C50C-407E-A947-70E740481C1C}">
+                <a14:useLocalDpi xmlns:a14="http://schemas.microsoft.com/office/drawing/2010/main" val="0"/>
+              </a:ext>
+            </a:extLst>
+          </a:blip>
+          <a:srcRect l="86165" b="65442"/>
+          <a:stretch/>
+        </p:blipFill>
+        <p:spPr>
+          <a:xfrm>
+            <a:off x="5974877" y="1321118"/>
+            <a:ext cx="1149654" cy="1367674"/>
+          </a:xfrm>
+          <a:prstGeom prst="rect">
+            <a:avLst/>
+          </a:prstGeom>
+        </p:spPr>
+      </p:pic>
     </p:spTree>
     <p:extLst>
       <p:ext uri="{BB962C8B-B14F-4D97-AF65-F5344CB8AC3E}">
@@ -7464,8 +7177,8 @@
         </p:nvSpPr>
         <p:spPr>
           <a:xfrm>
-            <a:off x="838200" y="2690336"/>
-            <a:ext cx="3734874" cy="1754326"/>
+            <a:off x="838201" y="1326514"/>
+            <a:ext cx="10515599" cy="830997"/>
           </a:xfrm>
           <a:prstGeom prst="rect">
             <a:avLst/>
@@ -7479,7 +7192,7 @@
           <a:lstStyle/>
           <a:p>
             <a:r>
-              <a:rPr lang="en-US" dirty="0" err="1">
+              <a:rPr lang="en-US" sz="1600" dirty="0" err="1">
                 <a:solidFill>
                   <a:srgbClr val="C7D5E0"/>
                 </a:solidFill>
@@ -7487,15 +7200,15 @@
               <a:t>Nonostante</a:t>
             </a:r>
             <a:r>
-              <a:rPr lang="en-US" dirty="0">
-                <a:solidFill>
-                  <a:srgbClr val="C7D5E0"/>
-                </a:solidFill>
-              </a:rPr>
-              <a:t> </a:t>
-            </a:r>
-            <a:r>
-              <a:rPr lang="en-US" dirty="0" err="1">
+              <a:rPr lang="en-US" sz="1600" dirty="0">
+                <a:solidFill>
+                  <a:srgbClr val="C7D5E0"/>
+                </a:solidFill>
+              </a:rPr>
+              <a:t> </a:t>
+            </a:r>
+            <a:r>
+              <a:rPr lang="en-US" sz="1600" dirty="0" err="1">
                 <a:solidFill>
                   <a:srgbClr val="C7D5E0"/>
                 </a:solidFill>
@@ -7503,7 +7216,7 @@
               <a:t>i</a:t>
             </a:r>
             <a:r>
-              <a:rPr lang="en-US" dirty="0">
+              <a:rPr lang="en-US" sz="1600" dirty="0">
                 <a:solidFill>
                   <a:srgbClr val="C7D5E0"/>
                 </a:solidFill>
@@ -7511,7 +7224,7 @@
               <a:t> VG </a:t>
             </a:r>
             <a:r>
-              <a:rPr lang="en-US" dirty="0">
+              <a:rPr lang="en-US" sz="1600" dirty="0">
                 <a:solidFill>
                   <a:srgbClr val="66C0F4"/>
                 </a:solidFill>
@@ -7519,15 +7232,15 @@
               <a:t>F2P</a:t>
             </a:r>
             <a:r>
-              <a:rPr lang="en-US" dirty="0">
-                <a:solidFill>
-                  <a:srgbClr val="C7D5E0"/>
-                </a:solidFill>
-              </a:rPr>
-              <a:t> </a:t>
-            </a:r>
-            <a:r>
-              <a:rPr lang="en-US" dirty="0" err="1">
+              <a:rPr lang="en-US" sz="1600" dirty="0">
+                <a:solidFill>
+                  <a:srgbClr val="C7D5E0"/>
+                </a:solidFill>
+              </a:rPr>
+              <a:t> </a:t>
+            </a:r>
+            <a:r>
+              <a:rPr lang="en-US" sz="1600" dirty="0" err="1">
                 <a:solidFill>
                   <a:srgbClr val="C7D5E0"/>
                 </a:solidFill>
@@ -7535,15 +7248,15 @@
               <a:t>compongano</a:t>
             </a:r>
             <a:r>
-              <a:rPr lang="en-US" dirty="0">
-                <a:solidFill>
-                  <a:srgbClr val="C7D5E0"/>
-                </a:solidFill>
-              </a:rPr>
-              <a:t> </a:t>
-            </a:r>
-            <a:r>
-              <a:rPr lang="en-US" dirty="0" err="1">
+              <a:rPr lang="en-US" sz="1600" dirty="0">
+                <a:solidFill>
+                  <a:srgbClr val="C7D5E0"/>
+                </a:solidFill>
+              </a:rPr>
+              <a:t> </a:t>
+            </a:r>
+            <a:r>
+              <a:rPr lang="en-US" sz="1600" dirty="0" err="1">
                 <a:solidFill>
                   <a:srgbClr val="C7D5E0"/>
                 </a:solidFill>
@@ -7551,7 +7264,7 @@
               <a:t>solamente</a:t>
             </a:r>
             <a:r>
-              <a:rPr lang="en-US" dirty="0">
+              <a:rPr lang="en-US" sz="1600" dirty="0">
                 <a:solidFill>
                   <a:srgbClr val="C7D5E0"/>
                 </a:solidFill>
@@ -7559,7 +7272,7 @@
               <a:t> il 10% </a:t>
             </a:r>
             <a:r>
-              <a:rPr lang="en-US" dirty="0" err="1">
+              <a:rPr lang="en-US" sz="1600" dirty="0" err="1">
                 <a:solidFill>
                   <a:srgbClr val="C7D5E0"/>
                 </a:solidFill>
@@ -7567,15 +7280,15 @@
               <a:t>dei</a:t>
             </a:r>
             <a:r>
-              <a:rPr lang="en-US" dirty="0">
-                <a:solidFill>
-                  <a:srgbClr val="C7D5E0"/>
-                </a:solidFill>
-              </a:rPr>
-              <a:t> </a:t>
-            </a:r>
-            <a:r>
-              <a:rPr lang="en-US" dirty="0" err="1">
+              <a:rPr lang="en-US" sz="1600" dirty="0">
+                <a:solidFill>
+                  <a:srgbClr val="C7D5E0"/>
+                </a:solidFill>
+              </a:rPr>
+              <a:t> </a:t>
+            </a:r>
+            <a:r>
+              <a:rPr lang="en-US" sz="1600" dirty="0" err="1">
                 <a:solidFill>
                   <a:srgbClr val="C7D5E0"/>
                 </a:solidFill>
@@ -7583,7 +7296,7 @@
               <a:t>prodotti</a:t>
             </a:r>
             <a:r>
-              <a:rPr lang="en-US" dirty="0">
+              <a:rPr lang="en-US" sz="1600" dirty="0">
                 <a:solidFill>
                   <a:srgbClr val="C7D5E0"/>
                 </a:solidFill>
@@ -7591,7 +7304,7 @@
               <a:t> di </a:t>
             </a:r>
             <a:r>
-              <a:rPr lang="en-US" dirty="0">
+              <a:rPr lang="en-US" sz="1600" dirty="0">
                 <a:solidFill>
                   <a:srgbClr val="66C0F4"/>
                 </a:solidFill>
@@ -7599,7 +7312,7 @@
               <a:t>STEAM</a:t>
             </a:r>
             <a:r>
-              <a:rPr lang="en-US" dirty="0">
+              <a:rPr lang="en-US" sz="1600" dirty="0">
                 <a:solidFill>
                   <a:srgbClr val="C7D5E0"/>
                 </a:solidFill>
@@ -7607,7 +7320,7 @@
               <a:t>, la revenue </a:t>
             </a:r>
             <a:r>
-              <a:rPr lang="en-US" dirty="0" err="1">
+              <a:rPr lang="en-US" sz="1600" dirty="0" err="1">
                 <a:solidFill>
                   <a:srgbClr val="C7D5E0"/>
                 </a:solidFill>
@@ -7615,7 +7328,7 @@
               <a:t>mondiale</a:t>
             </a:r>
             <a:r>
-              <a:rPr lang="en-US" dirty="0">
+              <a:rPr lang="en-US" sz="1600" dirty="0">
                 <a:solidFill>
                   <a:srgbClr val="C7D5E0"/>
                 </a:solidFill>
@@ -7623,7 +7336,7 @@
               <a:t> data </a:t>
             </a:r>
             <a:r>
-              <a:rPr lang="en-US" dirty="0" err="1">
+              <a:rPr lang="en-US" sz="1600" dirty="0" err="1">
                 <a:solidFill>
                   <a:srgbClr val="C7D5E0"/>
                 </a:solidFill>
@@ -7631,15 +7344,15 @@
               <a:t>dai</a:t>
             </a:r>
             <a:r>
-              <a:rPr lang="en-US" dirty="0">
-                <a:solidFill>
-                  <a:srgbClr val="C7D5E0"/>
-                </a:solidFill>
-              </a:rPr>
-              <a:t> </a:t>
-            </a:r>
-            <a:r>
-              <a:rPr lang="en-US" dirty="0" err="1">
+              <a:rPr lang="en-US" sz="1600" dirty="0">
+                <a:solidFill>
+                  <a:srgbClr val="C7D5E0"/>
+                </a:solidFill>
+              </a:rPr>
+              <a:t> </a:t>
+            </a:r>
+            <a:r>
+              <a:rPr lang="en-US" sz="1600" dirty="0" err="1">
                 <a:solidFill>
                   <a:srgbClr val="C7D5E0"/>
                 </a:solidFill>
@@ -7647,15 +7360,15 @@
               <a:t>contenuti</a:t>
             </a:r>
             <a:r>
-              <a:rPr lang="en-US" dirty="0">
-                <a:solidFill>
-                  <a:srgbClr val="C7D5E0"/>
-                </a:solidFill>
-              </a:rPr>
-              <a:t> </a:t>
-            </a:r>
-            <a:r>
-              <a:rPr lang="en-US" dirty="0" err="1">
+              <a:rPr lang="en-US" sz="1600" dirty="0">
+                <a:solidFill>
+                  <a:srgbClr val="C7D5E0"/>
+                </a:solidFill>
+              </a:rPr>
+              <a:t> </a:t>
+            </a:r>
+            <a:r>
+              <a:rPr lang="en-US" sz="1600" dirty="0" err="1">
                 <a:solidFill>
                   <a:srgbClr val="C7D5E0"/>
                 </a:solidFill>
@@ -7663,15 +7376,15 @@
               <a:t>aggiuntivi</a:t>
             </a:r>
             <a:r>
-              <a:rPr lang="en-US">
-                <a:solidFill>
-                  <a:srgbClr val="C7D5E0"/>
-                </a:solidFill>
-              </a:rPr>
-              <a:t> </a:t>
-            </a:r>
-            <a:r>
-              <a:rPr lang="en-US" dirty="0" err="1">
+              <a:rPr lang="en-US" sz="1600" dirty="0">
+                <a:solidFill>
+                  <a:srgbClr val="C7D5E0"/>
+                </a:solidFill>
+              </a:rPr>
+              <a:t> </a:t>
+            </a:r>
+            <a:r>
+              <a:rPr lang="en-US" sz="1600" dirty="0" err="1">
                 <a:solidFill>
                   <a:srgbClr val="C7D5E0"/>
                 </a:solidFill>
@@ -7679,15 +7392,15 @@
               <a:t>supera</a:t>
             </a:r>
             <a:r>
-              <a:rPr lang="en-US" dirty="0">
-                <a:solidFill>
-                  <a:srgbClr val="C7D5E0"/>
-                </a:solidFill>
-              </a:rPr>
-              <a:t> </a:t>
-            </a:r>
-            <a:r>
-              <a:rPr lang="en-US" dirty="0" err="1">
+              <a:rPr lang="en-US" sz="1600" dirty="0">
+                <a:solidFill>
+                  <a:srgbClr val="C7D5E0"/>
+                </a:solidFill>
+              </a:rPr>
+              <a:t> </a:t>
+            </a:r>
+            <a:r>
+              <a:rPr lang="en-US" sz="1600" dirty="0" err="1">
                 <a:solidFill>
                   <a:srgbClr val="C7D5E0"/>
                 </a:solidFill>
@@ -7695,7 +7408,7 @@
               <a:t>ormai</a:t>
             </a:r>
             <a:r>
-              <a:rPr lang="en-US" dirty="0">
+              <a:rPr lang="en-US" sz="1600" dirty="0">
                 <a:solidFill>
                   <a:srgbClr val="C7D5E0"/>
                 </a:solidFill>
@@ -7703,7 +7416,7 @@
               <a:t> di molto </a:t>
             </a:r>
             <a:r>
-              <a:rPr lang="en-US" dirty="0" err="1">
+              <a:rPr lang="en-US" sz="1600" dirty="0" err="1">
                 <a:solidFill>
                   <a:srgbClr val="C7D5E0"/>
                 </a:solidFill>
@@ -7711,15 +7424,15 @@
               <a:t>quella</a:t>
             </a:r>
             <a:r>
-              <a:rPr lang="en-US" dirty="0">
-                <a:solidFill>
-                  <a:srgbClr val="C7D5E0"/>
-                </a:solidFill>
-              </a:rPr>
-              <a:t> </a:t>
-            </a:r>
-            <a:r>
-              <a:rPr lang="en-US" dirty="0" err="1">
+              <a:rPr lang="en-US" sz="1600" dirty="0">
+                <a:solidFill>
+                  <a:srgbClr val="C7D5E0"/>
+                </a:solidFill>
+              </a:rPr>
+              <a:t> </a:t>
+            </a:r>
+            <a:r>
+              <a:rPr lang="en-US" sz="1600" dirty="0" err="1">
                 <a:solidFill>
                   <a:srgbClr val="C7D5E0"/>
                 </a:solidFill>
@@ -7727,15 +7440,15 @@
               <a:t>dei</a:t>
             </a:r>
             <a:r>
-              <a:rPr lang="en-US" dirty="0">
-                <a:solidFill>
-                  <a:srgbClr val="C7D5E0"/>
-                </a:solidFill>
-              </a:rPr>
-              <a:t> </a:t>
-            </a:r>
-            <a:r>
-              <a:rPr lang="en-US" dirty="0" err="1">
+              <a:rPr lang="en-US" sz="1600" dirty="0">
+                <a:solidFill>
+                  <a:srgbClr val="C7D5E0"/>
+                </a:solidFill>
+              </a:rPr>
+              <a:t> </a:t>
+            </a:r>
+            <a:r>
+              <a:rPr lang="en-US" sz="1600" dirty="0" err="1">
                 <a:solidFill>
                   <a:srgbClr val="C7D5E0"/>
                 </a:solidFill>
@@ -7743,15 +7456,15 @@
               <a:t>videogiochi</a:t>
             </a:r>
             <a:r>
-              <a:rPr lang="en-US" dirty="0">
-                <a:solidFill>
-                  <a:srgbClr val="C7D5E0"/>
-                </a:solidFill>
-              </a:rPr>
-              <a:t> </a:t>
-            </a:r>
-            <a:r>
-              <a:rPr lang="en-US" dirty="0">
+              <a:rPr lang="en-US" sz="1600" dirty="0">
+                <a:solidFill>
+                  <a:srgbClr val="C7D5E0"/>
+                </a:solidFill>
+              </a:rPr>
+              <a:t> </a:t>
+            </a:r>
+            <a:r>
+              <a:rPr lang="en-US" sz="1600" dirty="0">
                 <a:solidFill>
                   <a:srgbClr val="66C0F4"/>
                 </a:solidFill>
@@ -7759,16 +7472,238 @@
               <a:t>P2P</a:t>
             </a:r>
             <a:r>
-              <a:rPr lang="en-US" dirty="0">
-                <a:solidFill>
-                  <a:srgbClr val="C7D5E0"/>
-                </a:solidFill>
-              </a:rPr>
-              <a:t> (Premium).</a:t>
+              <a:rPr lang="en-US" sz="1600" dirty="0">
+                <a:solidFill>
+                  <a:srgbClr val="C7D5E0"/>
+                </a:solidFill>
+              </a:rPr>
+              <a:t> (Premium)</a:t>
+            </a:r>
+          </a:p>
+          <a:p>
+            <a:r>
+              <a:rPr lang="en-US" sz="1600" dirty="0">
+                <a:solidFill>
+                  <a:srgbClr val="C7D5E0"/>
+                </a:solidFill>
+              </a:rPr>
+              <a:t>La </a:t>
+            </a:r>
+            <a:r>
+              <a:rPr lang="en-US" sz="1600" dirty="0" err="1">
+                <a:solidFill>
+                  <a:srgbClr val="66C0F4"/>
+                </a:solidFill>
+              </a:rPr>
+              <a:t>previsione</a:t>
+            </a:r>
+            <a:r>
+              <a:rPr lang="en-US" sz="1600" dirty="0">
+                <a:solidFill>
+                  <a:srgbClr val="C7D5E0"/>
+                </a:solidFill>
+              </a:rPr>
+              <a:t> e’ </a:t>
+            </a:r>
+            <a:r>
+              <a:rPr lang="en-US" sz="1600" dirty="0" err="1">
+                <a:solidFill>
+                  <a:srgbClr val="C7D5E0"/>
+                </a:solidFill>
+              </a:rPr>
+              <a:t>che</a:t>
+            </a:r>
+            <a:r>
+              <a:rPr lang="en-US" sz="1600" dirty="0">
+                <a:solidFill>
+                  <a:srgbClr val="C7D5E0"/>
+                </a:solidFill>
+              </a:rPr>
+              <a:t> tale </a:t>
+            </a:r>
+            <a:r>
+              <a:rPr lang="en-US" sz="1600" dirty="0" err="1">
+                <a:solidFill>
+                  <a:srgbClr val="C7D5E0"/>
+                </a:solidFill>
+              </a:rPr>
+              <a:t>valore</a:t>
+            </a:r>
+            <a:r>
+              <a:rPr lang="en-US" sz="1600" dirty="0">
+                <a:solidFill>
+                  <a:srgbClr val="C7D5E0"/>
+                </a:solidFill>
+              </a:rPr>
+              <a:t> vada ad </a:t>
+            </a:r>
+            <a:r>
+              <a:rPr lang="en-US" sz="1600" dirty="0" err="1">
+                <a:solidFill>
+                  <a:srgbClr val="C7D5E0"/>
+                </a:solidFill>
+              </a:rPr>
+              <a:t>aumentare</a:t>
+            </a:r>
+            <a:r>
+              <a:rPr lang="en-US" sz="1600" dirty="0">
+                <a:solidFill>
+                  <a:srgbClr val="C7D5E0"/>
+                </a:solidFill>
+              </a:rPr>
+              <a:t> </a:t>
+            </a:r>
+            <a:r>
+              <a:rPr lang="en-US" sz="1600" dirty="0" err="1">
+                <a:solidFill>
+                  <a:srgbClr val="C7D5E0"/>
+                </a:solidFill>
+              </a:rPr>
+              <a:t>ulteriormente</a:t>
+            </a:r>
+            <a:r>
+              <a:rPr lang="en-US" sz="1600" dirty="0">
+                <a:solidFill>
+                  <a:srgbClr val="C7D5E0"/>
+                </a:solidFill>
+              </a:rPr>
+              <a:t> </a:t>
+            </a:r>
+            <a:r>
+              <a:rPr lang="en-US" sz="1600" dirty="0" err="1">
+                <a:solidFill>
+                  <a:srgbClr val="C7D5E0"/>
+                </a:solidFill>
+              </a:rPr>
+              <a:t>nei</a:t>
+            </a:r>
+            <a:r>
+              <a:rPr lang="en-US" sz="1600" dirty="0">
+                <a:solidFill>
+                  <a:srgbClr val="C7D5E0"/>
+                </a:solidFill>
+              </a:rPr>
+              <a:t> </a:t>
+            </a:r>
+            <a:r>
+              <a:rPr lang="en-US" sz="1600" dirty="0" err="1">
+                <a:solidFill>
+                  <a:srgbClr val="C7D5E0"/>
+                </a:solidFill>
+              </a:rPr>
+              <a:t>prossimi</a:t>
+            </a:r>
+            <a:r>
+              <a:rPr lang="en-US" sz="1600" dirty="0">
+                <a:solidFill>
+                  <a:srgbClr val="C7D5E0"/>
+                </a:solidFill>
+              </a:rPr>
+              <a:t> anni (</a:t>
+            </a:r>
+            <a:r>
+              <a:rPr lang="en-US" sz="1600" dirty="0" err="1">
+                <a:solidFill>
+                  <a:srgbClr val="C7D5E0"/>
+                </a:solidFill>
+              </a:rPr>
+              <a:t>si</a:t>
+            </a:r>
+            <a:r>
+              <a:rPr lang="en-US" sz="1600" dirty="0">
+                <a:solidFill>
+                  <a:srgbClr val="C7D5E0"/>
+                </a:solidFill>
+              </a:rPr>
+              <a:t> </a:t>
+            </a:r>
+            <a:r>
+              <a:rPr lang="en-US" sz="1600" dirty="0" err="1">
+                <a:solidFill>
+                  <a:srgbClr val="C7D5E0"/>
+                </a:solidFill>
+              </a:rPr>
+              <a:t>parla</a:t>
+            </a:r>
+            <a:r>
+              <a:rPr lang="en-US" sz="1600" dirty="0">
+                <a:solidFill>
+                  <a:srgbClr val="C7D5E0"/>
+                </a:solidFill>
+              </a:rPr>
+              <a:t> del </a:t>
+            </a:r>
+            <a:r>
+              <a:rPr lang="en-US" sz="1600" dirty="0">
+                <a:solidFill>
+                  <a:srgbClr val="66C0F4"/>
+                </a:solidFill>
+              </a:rPr>
+              <a:t>95% </a:t>
+            </a:r>
+            <a:r>
+              <a:rPr lang="en-US" sz="1600" dirty="0" err="1">
+                <a:solidFill>
+                  <a:srgbClr val="66C0F4"/>
+                </a:solidFill>
+              </a:rPr>
+              <a:t>nel</a:t>
+            </a:r>
+            <a:r>
+              <a:rPr lang="en-US" sz="1600" dirty="0">
+                <a:solidFill>
+                  <a:srgbClr val="66C0F4"/>
+                </a:solidFill>
+              </a:rPr>
+              <a:t> 2025</a:t>
+            </a:r>
+            <a:r>
+              <a:rPr lang="en-US" sz="1600" dirty="0">
+                <a:solidFill>
+                  <a:srgbClr val="C7D5E0"/>
+                </a:solidFill>
+              </a:rPr>
+              <a:t>).</a:t>
             </a:r>
           </a:p>
         </p:txBody>
       </p:sp>
+      <p:pic>
+        <p:nvPicPr>
+          <p:cNvPr id="6" name="Immagine 5" descr="Immagine che contiene cerchio, schermata, Elementi grafici, Carattere&#10;&#10;Descrizione generata automaticamente">
+            <a:extLst>
+              <a:ext uri="{FF2B5EF4-FFF2-40B4-BE49-F238E27FC236}">
+                <a16:creationId xmlns:a16="http://schemas.microsoft.com/office/drawing/2014/main" id="{6732222C-B1AF-E1AD-7075-5100C735BBC3}"/>
+              </a:ext>
+            </a:extLst>
+          </p:cNvPr>
+          <p:cNvPicPr>
+            <a:picLocks noChangeAspect="1"/>
+          </p:cNvPicPr>
+          <p:nvPr/>
+        </p:nvPicPr>
+        <p:blipFill>
+          <a:blip r:embed="rId3">
+            <a:extLst>
+              <a:ext uri="{28A0092B-C50C-407E-A947-70E740481C1C}">
+                <a14:useLocalDpi xmlns:a14="http://schemas.microsoft.com/office/drawing/2010/main" val="0"/>
+              </a:ext>
+            </a:extLst>
+          </a:blip>
+          <a:stretch>
+            <a:fillRect/>
+          </a:stretch>
+        </p:blipFill>
+        <p:spPr>
+          <a:xfrm>
+            <a:off x="1744550" y="2546449"/>
+            <a:ext cx="8702899" cy="4144893"/>
+          </a:xfrm>
+          <a:prstGeom prst="rect">
+            <a:avLst/>
+          </a:prstGeom>
+        </p:spPr>
+      </p:pic>
     </p:spTree>
     <p:extLst>
       <p:ext uri="{BB962C8B-B14F-4D97-AF65-F5344CB8AC3E}">
@@ -8469,7 +8404,23 @@
                   <a:srgbClr val="C7D5E0"/>
                 </a:solidFill>
               </a:rPr>
-              <a:t> F2P non e’ un </a:t>
+              <a:t> F2P </a:t>
+            </a:r>
+            <a:r>
+              <a:rPr lang="en-US" dirty="0">
+                <a:solidFill>
+                  <a:srgbClr val="66C0F4"/>
+                </a:solidFill>
+              </a:rPr>
+              <a:t>non e’ </a:t>
+            </a:r>
+            <a:r>
+              <a:rPr lang="en-US" dirty="0">
+                <a:solidFill>
+                  <a:srgbClr val="C7D5E0"/>
+                </a:solidFill>
+              </a:rPr>
+              <a:t>un </a:t>
             </a:r>
             <a:r>
               <a:rPr lang="en-US" dirty="0" err="1">
@@ -9581,7 +9532,7 @@
             <a:r>
               <a:rPr lang="en-US" sz="1500" dirty="0" err="1">
                 <a:solidFill>
-                  <a:srgbClr val="C7D5E0"/>
+                  <a:srgbClr val="66C0F4"/>
                 </a:solidFill>
               </a:rPr>
               <a:t>correlazione</a:t>
@@ -9793,12 +9744,28 @@
                   <a:srgbClr val="C7D5E0"/>
                 </a:solidFill>
               </a:rPr>
-              <a:t>, non e’ </a:t>
+              <a:t>, </a:t>
+            </a:r>
+            <a:r>
+              <a:rPr lang="en-US" sz="1500" dirty="0">
+                <a:solidFill>
+                  <a:srgbClr val="66C0F4"/>
+                </a:solidFill>
+              </a:rPr>
+              <a:t>non e’</a:t>
+            </a:r>
+            <a:r>
+              <a:rPr lang="en-US" sz="1500" dirty="0">
+                <a:solidFill>
+                  <a:srgbClr val="C7D5E0"/>
+                </a:solidFill>
+              </a:rPr>
+              <a:t> </a:t>
             </a:r>
             <a:r>
               <a:rPr lang="en-US" sz="1500" dirty="0" err="1">
                 <a:solidFill>
-                  <a:srgbClr val="C7D5E0"/>
+                  <a:srgbClr val="66C0F4"/>
                 </a:solidFill>
               </a:rPr>
               <a:t>sufficiente</a:t>
@@ -12446,7 +12413,7 @@
         </p:nvSpPr>
         <p:spPr>
           <a:xfrm>
-            <a:off x="2240273" y="1720840"/>
+            <a:off x="2240273" y="1582340"/>
             <a:ext cx="7711453" cy="3693319"/>
           </a:xfrm>
           <a:prstGeom prst="rect">
@@ -13596,7 +13563,23 @@
                   <a:srgbClr val="66C0F4"/>
                 </a:solidFill>
               </a:rPr>
-              <a:t>IndiceDiPositivita</a:t>
+              <a:t>Indice</a:t>
+            </a:r>
+            <a:r>
+              <a:rPr lang="en-US" sz="3200" b="1" dirty="0">
+                <a:solidFill>
+                  <a:srgbClr val="66C0F4"/>
+                </a:solidFill>
+              </a:rPr>
+              <a:t> di </a:t>
+            </a:r>
+            <a:r>
+              <a:rPr lang="en-US" sz="3200" b="1" dirty="0" err="1">
+                <a:solidFill>
+                  <a:srgbClr val="66C0F4"/>
+                </a:solidFill>
+              </a:rPr>
+              <a:t>Positivita</a:t>
             </a:r>
             <a:r>
               <a:rPr lang="en-US" sz="3200" b="1" dirty="0">
@@ -13864,8 +13847,8 @@
         </p:nvSpPr>
         <p:spPr>
           <a:xfrm>
-            <a:off x="2240273" y="1720840"/>
-            <a:ext cx="7711453" cy="3416320"/>
+            <a:off x="2617242" y="1679005"/>
+            <a:ext cx="6957515" cy="3416320"/>
           </a:xfrm>
           <a:prstGeom prst="rect">
             <a:avLst/>
@@ -15225,8 +15208,8 @@
         </p:nvSpPr>
         <p:spPr>
           <a:xfrm>
-            <a:off x="2515239" y="2217907"/>
-            <a:ext cx="6823313" cy="2585323"/>
+            <a:off x="2008548" y="1859339"/>
+            <a:ext cx="8174904" cy="3139321"/>
           </a:xfrm>
           <a:prstGeom prst="rect">
             <a:avLst/>
@@ -15273,27 +15256,145 @@
             </a:r>
             <a:r>
               <a:rPr lang="en-US" dirty="0" err="1"/>
+              <a:t>migliori</a:t>
+            </a:r>
+            <a:r>
+              <a:rPr lang="en-US" dirty="0"/>
+              <a:t> </a:t>
+            </a:r>
+            <a:r>
+              <a:rPr lang="en-US" dirty="0" err="1"/>
               <a:t>caratteristiche</a:t>
             </a:r>
             <a:r>
               <a:rPr lang="en-US" dirty="0"/>
-              <a:t> </a:t>
+              <a:t> per il </a:t>
+            </a:r>
+            <a:r>
+              <a:rPr lang="en-US" dirty="0" err="1">
+                <a:solidFill>
+                  <a:srgbClr val="66C0F4"/>
+                </a:solidFill>
+              </a:rPr>
+              <a:t>successo</a:t>
+            </a:r>
+            <a:r>
+              <a:rPr lang="en-US" dirty="0"/>
+              <a:t> di un </a:t>
             </a:r>
             <a:r>
               <a:rPr lang="en-US" dirty="0" err="1"/>
-              <a:t>migliori</a:t>
+              <a:t>videogioco</a:t>
             </a:r>
             <a:r>
               <a:rPr lang="en-US" dirty="0"/>
-              <a:t> per </a:t>
+              <a:t> </a:t>
             </a:r>
             <a:r>
               <a:rPr lang="en-US" dirty="0" err="1"/>
-              <a:t>calcolare</a:t>
+              <a:t>sono</a:t>
             </a:r>
             <a:r>
               <a:rPr lang="en-US" dirty="0"/>
-              <a:t> il </a:t>
+              <a:t> le </a:t>
+            </a:r>
+            <a:r>
+              <a:rPr lang="en-US" dirty="0" err="1"/>
+              <a:t>seguenti</a:t>
+            </a:r>
+            <a:r>
+              <a:rPr lang="en-US" dirty="0"/>
+              <a:t>:</a:t>
+            </a:r>
+          </a:p>
+          <a:p>
+            <a:pPr marL="285750" indent="-285750">
+              <a:buClr>
+                <a:srgbClr val="66C0F4"/>
+              </a:buClr>
+              <a:buFont typeface="Arial" panose="020B0604020202020204" pitchFamily="34" charset="0"/>
+              <a:buChar char="•"/>
+            </a:pPr>
+            <a:r>
+              <a:rPr lang="en-US" dirty="0" err="1"/>
+              <a:t>Genere</a:t>
+            </a:r>
+            <a:r>
+              <a:rPr lang="en-US" dirty="0"/>
+              <a:t>: </a:t>
+            </a:r>
+            <a:r>
+              <a:rPr lang="en-US" dirty="0">
+                <a:solidFill>
+                  <a:srgbClr val="66C0F4"/>
+                </a:solidFill>
+              </a:rPr>
+              <a:t>Action</a:t>
+            </a:r>
+            <a:r>
+              <a:rPr lang="en-US" dirty="0"/>
+              <a:t> (</a:t>
+            </a:r>
+            <a:r>
+              <a:rPr lang="en-US" dirty="0" err="1"/>
+              <a:t>Potenzialmente</a:t>
+            </a:r>
+            <a:r>
+              <a:rPr lang="en-US" dirty="0"/>
+              <a:t> </a:t>
+            </a:r>
+            <a:r>
+              <a:rPr lang="en-US" dirty="0">
+                <a:solidFill>
+                  <a:srgbClr val="66C0F4"/>
+                </a:solidFill>
+              </a:rPr>
+              <a:t>Action-Shooter</a:t>
+            </a:r>
+            <a:r>
+              <a:rPr lang="en-US" dirty="0"/>
+              <a:t>)</a:t>
+            </a:r>
+          </a:p>
+          <a:p>
+            <a:pPr marL="285750" indent="-285750">
+              <a:buClr>
+                <a:srgbClr val="66C0F4"/>
+              </a:buClr>
+              <a:buFont typeface="Arial" panose="020B0604020202020204" pitchFamily="34" charset="0"/>
+              <a:buChar char="•"/>
+            </a:pPr>
+            <a:r>
+              <a:rPr lang="en-US" dirty="0"/>
+              <a:t>Maggiore e’ l’ </a:t>
+            </a:r>
+            <a:r>
+              <a:rPr lang="en-US" dirty="0">
+                <a:solidFill>
+                  <a:srgbClr val="66C0F4"/>
+                </a:solidFill>
+              </a:rPr>
+              <a:t>I_P</a:t>
+            </a:r>
+            <a:r>
+              <a:rPr lang="en-US" dirty="0"/>
+              <a:t> </a:t>
+            </a:r>
+            <a:r>
+              <a:rPr lang="en-US" dirty="0" err="1"/>
+              <a:t>maggiore</a:t>
+            </a:r>
+            <a:r>
+              <a:rPr lang="en-US" dirty="0"/>
+              <a:t> e’ il </a:t>
+            </a:r>
+            <a:r>
+              <a:rPr lang="en-US" dirty="0" err="1"/>
+              <a:t>potenziale</a:t>
+            </a:r>
+            <a:r>
+              <a:rPr lang="en-US" dirty="0"/>
+              <a:t> </a:t>
             </a:r>
             <a:r>
               <a:rPr lang="en-US" dirty="0" err="1"/>
@@ -15301,11 +15402,32 @@
             </a:r>
             <a:r>
               <a:rPr lang="en-US" dirty="0"/>
-              <a:t> di  un </a:t>
+              <a:t> </a:t>
+            </a:r>
+          </a:p>
+          <a:p>
+            <a:pPr marL="285750" indent="-285750">
+              <a:buClr>
+                <a:srgbClr val="66C0F4"/>
+              </a:buClr>
+              <a:buFont typeface="Arial" panose="020B0604020202020204" pitchFamily="34" charset="0"/>
+              <a:buChar char="•"/>
+            </a:pPr>
+            <a:r>
+              <a:rPr lang="en-US" dirty="0">
+                <a:solidFill>
+                  <a:srgbClr val="66C0F4"/>
+                </a:solidFill>
+              </a:rPr>
+              <a:t>Free2Play</a:t>
+            </a:r>
+            <a:r>
+              <a:rPr lang="en-US" dirty="0"/>
+              <a:t> e’ un </a:t>
             </a:r>
             <a:r>
               <a:rPr lang="en-US" dirty="0" err="1"/>
-              <a:t>videogioco</a:t>
+              <a:t>modello</a:t>
             </a:r>
             <a:r>
               <a:rPr lang="en-US" dirty="0"/>
@@ -15313,20 +15435,9 @@
             </a:r>
             <a:r>
               <a:rPr lang="en-US" dirty="0" err="1"/>
-              <a:t>sono</a:t>
-            </a:r>
-            <a:r>
-              <a:rPr lang="en-US" dirty="0"/>
-              <a:t> le </a:t>
-            </a:r>
-            <a:r>
-              <a:rPr lang="en-US" dirty="0" err="1"/>
-              <a:t>seguenti</a:t>
-            </a:r>
-            <a:r>
-              <a:rPr lang="en-US" dirty="0"/>
-              <a:t>:</a:t>
-            </a:r>
+              <a:t>migliore</a:t>
+            </a:r>
+            <a:endParaRPr lang="en-US" dirty="0"/>
           </a:p>
           <a:p>
             <a:pPr marL="285750" indent="-285750">
@@ -15334,138 +15445,165 @@
               <a:buChar char="•"/>
             </a:pPr>
             <a:r>
+              <a:rPr lang="en-US" dirty="0">
+                <a:solidFill>
+                  <a:srgbClr val="66C0F4"/>
+                </a:solidFill>
+              </a:rPr>
+              <a:t>Multiplayer</a:t>
+            </a:r>
+            <a:r>
+              <a:rPr lang="en-US" dirty="0"/>
+              <a:t> e’ la </a:t>
+            </a:r>
+            <a:r>
               <a:rPr lang="en-US" dirty="0" err="1"/>
-              <a:t>Genere</a:t>
+              <a:t>caratteristica</a:t>
             </a:r>
             <a:r>
               <a:rPr lang="en-US" dirty="0"/>
-              <a:t>: Action (</a:t>
+              <a:t> </a:t>
             </a:r>
             <a:r>
               <a:rPr lang="en-US" dirty="0" err="1"/>
-              <a:t>Potenzialmente</a:t>
+              <a:t>migliore</a:t>
+            </a:r>
+            <a:endParaRPr lang="en-US" dirty="0"/>
+          </a:p>
+          <a:p>
+            <a:endParaRPr lang="en-US" dirty="0"/>
+          </a:p>
+          <a:p>
+            <a:r>
+              <a:rPr lang="en-US" dirty="0" err="1"/>
+              <a:t>L’indicatore</a:t>
             </a:r>
             <a:r>
               <a:rPr lang="en-US" dirty="0"/>
-              <a:t> Action-Shooter)</a:t>
+              <a:t> del </a:t>
+            </a:r>
+            <a:r>
+              <a:rPr lang="en-US" dirty="0" err="1"/>
+              <a:t>successo</a:t>
+            </a:r>
+            <a:r>
+              <a:rPr lang="en-US" dirty="0"/>
+              <a:t> </a:t>
+            </a:r>
+            <a:r>
+              <a:rPr lang="en-US" dirty="0" err="1"/>
+              <a:t>dei</a:t>
+            </a:r>
+            <a:r>
+              <a:rPr lang="en-US" dirty="0"/>
+              <a:t> F2P e’:</a:t>
             </a:r>
           </a:p>
           <a:p>
             <a:pPr marL="285750" indent="-285750">
+              <a:buClr>
+                <a:srgbClr val="66C0F4"/>
+              </a:buClr>
               <a:buFont typeface="Arial" panose="020B0604020202020204" pitchFamily="34" charset="0"/>
               <a:buChar char="•"/>
             </a:pPr>
             <a:r>
+              <a:rPr lang="en-US" dirty="0" err="1">
+                <a:solidFill>
+                  <a:srgbClr val="66C0F4"/>
+                </a:solidFill>
+              </a:rPr>
+              <a:t>Tempo_Medio</a:t>
+            </a:r>
+            <a:r>
+              <a:rPr lang="en-US" dirty="0">
+                <a:solidFill>
+                  <a:srgbClr val="66C0F4"/>
+                </a:solidFill>
+              </a:rPr>
+              <a:t> * #Download </a:t>
+            </a:r>
+            <a:r>
               <a:rPr lang="en-US" dirty="0"/>
-              <a:t>Maggiore e’ l’ I_P </a:t>
+              <a:t>come </a:t>
             </a:r>
             <a:r>
               <a:rPr lang="en-US" dirty="0" err="1"/>
-              <a:t>maggiore</a:t>
+              <a:t>indicatore</a:t>
             </a:r>
             <a:r>
               <a:rPr lang="en-US" dirty="0"/>
-              <a:t> e’ il </a:t>
-            </a:r>
-            <a:r>
-              <a:rPr lang="en-US" dirty="0" err="1"/>
-              <a:t>potenziale</a:t>
-            </a:r>
-            <a:r>
-              <a:rPr lang="en-US" dirty="0"/>
-              <a:t> </a:t>
+              <a:t> del </a:t>
             </a:r>
             <a:r>
               <a:rPr lang="en-US" dirty="0" err="1"/>
               <a:t>successo</a:t>
             </a:r>
+            <a:endParaRPr lang="en-US" dirty="0"/>
+          </a:p>
+          <a:p>
+            <a:r>
+              <a:rPr lang="en-US" dirty="0" err="1"/>
+              <a:t>Mentre</a:t>
+            </a:r>
             <a:r>
               <a:rPr lang="en-US" dirty="0"/>
               <a:t> </a:t>
             </a:r>
+            <a:r>
+              <a:rPr lang="en-US" dirty="0" err="1"/>
+              <a:t>quello</a:t>
+            </a:r>
+            <a:r>
+              <a:rPr lang="en-US" dirty="0"/>
+              <a:t> per </a:t>
+            </a:r>
+            <a:r>
+              <a:rPr lang="en-US" dirty="0" err="1"/>
+              <a:t>i</a:t>
+            </a:r>
+            <a:r>
+              <a:rPr lang="en-US" dirty="0"/>
+              <a:t> </a:t>
+            </a:r>
+            <a:r>
+              <a:rPr lang="en-US" dirty="0" err="1"/>
+              <a:t>videogiochi</a:t>
+            </a:r>
+            <a:r>
+              <a:rPr lang="en-US" dirty="0"/>
+              <a:t> a </a:t>
+            </a:r>
+            <a:r>
+              <a:rPr lang="en-US" dirty="0" err="1"/>
+              <a:t>pagamento</a:t>
+            </a:r>
+            <a:r>
+              <a:rPr lang="en-US" dirty="0"/>
+              <a:t> e’:</a:t>
+            </a:r>
           </a:p>
           <a:p>
             <a:pPr marL="285750" indent="-285750">
+              <a:buClr>
+                <a:srgbClr val="66C0F4"/>
+              </a:buClr>
               <a:buFont typeface="Arial" panose="020B0604020202020204" pitchFamily="34" charset="0"/>
               <a:buChar char="•"/>
             </a:pPr>
             <a:r>
-              <a:rPr lang="en-US" dirty="0"/>
-              <a:t>Free2Play e’ un </a:t>
-            </a:r>
-            <a:r>
-              <a:rPr lang="en-US" dirty="0" err="1"/>
-              <a:t>modello</a:t>
-            </a:r>
-            <a:r>
-              <a:rPr lang="en-US" dirty="0"/>
-              <a:t> </a:t>
-            </a:r>
-            <a:r>
-              <a:rPr lang="en-US" dirty="0" err="1"/>
-              <a:t>migliore</a:t>
-            </a:r>
-            <a:endParaRPr lang="en-US" dirty="0"/>
-          </a:p>
-          <a:p>
-            <a:pPr marL="285750" indent="-285750">
-              <a:buFont typeface="Arial" panose="020B0604020202020204" pitchFamily="34" charset="0"/>
-              <a:buChar char="•"/>
-            </a:pPr>
-            <a:r>
-              <a:rPr lang="en-US" dirty="0"/>
-              <a:t>Multiplayer e’ la </a:t>
-            </a:r>
-            <a:r>
-              <a:rPr lang="en-US" dirty="0" err="1"/>
-              <a:t>caratteristica</a:t>
-            </a:r>
-            <a:r>
-              <a:rPr lang="en-US" dirty="0"/>
-              <a:t> </a:t>
-            </a:r>
-            <a:r>
-              <a:rPr lang="en-US" dirty="0" err="1"/>
-              <a:t>migliore</a:t>
-            </a:r>
-            <a:endParaRPr lang="en-US" dirty="0"/>
-          </a:p>
-          <a:p>
-            <a:pPr marL="285750" indent="-285750">
-              <a:buFont typeface="Arial" panose="020B0604020202020204" pitchFamily="34" charset="0"/>
-              <a:buChar char="•"/>
-            </a:pPr>
-            <a:endParaRPr lang="en-US" dirty="0"/>
-          </a:p>
-          <a:p>
-            <a:pPr marL="285750" indent="-285750">
-              <a:buFont typeface="Arial" panose="020B0604020202020204" pitchFamily="34" charset="0"/>
-              <a:buChar char="•"/>
-            </a:pPr>
-            <a:r>
-              <a:rPr lang="en-US" dirty="0" err="1"/>
-              <a:t>Tempo_Medio</a:t>
-            </a:r>
-            <a:r>
-              <a:rPr lang="en-US" dirty="0"/>
-              <a:t> * #Download come </a:t>
-            </a:r>
-            <a:r>
-              <a:rPr lang="en-US" dirty="0" err="1"/>
-              <a:t>indicatore</a:t>
-            </a:r>
-            <a:r>
-              <a:rPr lang="en-US" dirty="0"/>
-              <a:t> del </a:t>
-            </a:r>
-            <a:r>
-              <a:rPr lang="en-US" dirty="0" err="1"/>
-              <a:t>successo</a:t>
-            </a:r>
-            <a:endParaRPr lang="en-US" dirty="0"/>
-          </a:p>
-          <a:p>
-            <a:endParaRPr lang="en-US" u="sng" dirty="0"/>
+              <a:rPr lang="en-US" dirty="0" err="1">
+                <a:solidFill>
+                  <a:srgbClr val="66C0F4"/>
+                </a:solidFill>
+              </a:rPr>
+              <a:t>Estimated_Owners</a:t>
+            </a:r>
+            <a:endParaRPr lang="en-US" dirty="0">
+              <a:solidFill>
+                <a:srgbClr val="66C0F4"/>
+              </a:solidFill>
+            </a:endParaRPr>
           </a:p>
         </p:txBody>
       </p:sp>
@@ -15840,52 +15978,12 @@
           <a:chExt cx="0" cy="0"/>
         </a:xfrm>
       </p:grpSpPr>
-      <p:sp>
-        <p:nvSpPr>
-          <p:cNvPr id="16" name="Titolo 15">
+      <p:pic>
+        <p:nvPicPr>
+          <p:cNvPr id="21" name="Immagine 20" descr="Immagine che contiene Elementi grafici, cerchio, clipart, cartone animato">
             <a:extLst>
               <a:ext uri="{FF2B5EF4-FFF2-40B4-BE49-F238E27FC236}">
-                <a16:creationId xmlns:a16="http://schemas.microsoft.com/office/drawing/2014/main" id="{F7263360-930D-9D6A-C2AC-5E06A3EFBC66}"/>
-              </a:ext>
-            </a:extLst>
-          </p:cNvPr>
-          <p:cNvSpPr>
-            <a:spLocks noGrp="1"/>
-          </p:cNvSpPr>
-          <p:nvPr>
-            <p:ph type="title"/>
-          </p:nvPr>
-        </p:nvSpPr>
-        <p:spPr>
-          <a:xfrm>
-            <a:off x="838200" y="159702"/>
-            <a:ext cx="10515600" cy="777875"/>
-          </a:xfrm>
-        </p:spPr>
-        <p:txBody>
-          <a:bodyPr>
-            <a:normAutofit/>
-          </a:bodyPr>
-          <a:lstStyle/>
-          <a:p>
-            <a:pPr algn="ctr"/>
-            <a:r>
-              <a:rPr lang="en-US" sz="3200" b="1" dirty="0">
-                <a:solidFill>
-                  <a:srgbClr val="66C0F4"/>
-                </a:solidFill>
-              </a:rPr>
-              <a:t>FIN</a:t>
-            </a:r>
-          </a:p>
-        </p:txBody>
-      </p:sp>
-      <p:pic>
-        <p:nvPicPr>
-          <p:cNvPr id="17" name="Immagine 16" descr="Immagine che contiene Elementi grafici, cerchio, clipart, cartone animato">
-            <a:extLst>
-              <a:ext uri="{FF2B5EF4-FFF2-40B4-BE49-F238E27FC236}">
-                <a16:creationId xmlns:a16="http://schemas.microsoft.com/office/drawing/2014/main" id="{05A5E460-1E13-E434-F2FF-8F2679A217ED}"/>
+                <a16:creationId xmlns:a16="http://schemas.microsoft.com/office/drawing/2014/main" id="{4FD06CF5-5AFE-49A5-C0F7-6786D03CE24C}"/>
               </a:ext>
             </a:extLst>
           </p:cNvPr>
@@ -15895,7 +15993,7 @@
           <p:nvPr/>
         </p:nvPicPr>
         <p:blipFill>
-          <a:blip r:embed="rId2">
+          <a:blip r:embed="rId3">
             <a:alphaModFix/>
             <a:extLst>
               <a:ext uri="{28A0092B-C50C-407E-A947-70E740481C1C}">
@@ -15909,8 +16007,8 @@
         </p:blipFill>
         <p:spPr>
           <a:xfrm>
-            <a:off x="11642903" y="0"/>
-            <a:ext cx="549097" cy="548640"/>
+            <a:off x="5885293" y="311838"/>
+            <a:ext cx="6055247" cy="6050201"/>
           </a:xfrm>
           <a:prstGeom prst="rect">
             <a:avLst/>
@@ -15929,10 +16027,199 @@
           </a:effectLst>
         </p:spPr>
       </p:pic>
+      <p:sp>
+        <p:nvSpPr>
+          <p:cNvPr id="37" name="CasellaDiTesto 36">
+            <a:extLst>
+              <a:ext uri="{FF2B5EF4-FFF2-40B4-BE49-F238E27FC236}">
+                <a16:creationId xmlns:a16="http://schemas.microsoft.com/office/drawing/2014/main" id="{3FE74F44-FEE8-34F0-35B4-E649B708E3E6}"/>
+              </a:ext>
+            </a:extLst>
+          </p:cNvPr>
+          <p:cNvSpPr txBox="1"/>
+          <p:nvPr/>
+        </p:nvSpPr>
+        <p:spPr>
+          <a:xfrm>
+            <a:off x="419100" y="5601590"/>
+            <a:ext cx="2629829" cy="646331"/>
+          </a:xfrm>
+          <a:prstGeom prst="rect">
+            <a:avLst/>
+          </a:prstGeom>
+          <a:noFill/>
+        </p:spPr>
+        <p:txBody>
+          <a:bodyPr wrap="square" rtlCol="0">
+            <a:spAutoFit/>
+          </a:bodyPr>
+          <a:lstStyle/>
+          <a:p>
+            <a:r>
+              <a:rPr lang="en-US">
+                <a:solidFill>
+                  <a:srgbClr val="C7D5E0"/>
+                </a:solidFill>
+                <a:latin typeface="+mj-lt"/>
+                <a:cs typeface="Arial" panose="020B0604020202020204" pitchFamily="34" charset="0"/>
+              </a:rPr>
+              <a:t>Ivan Selvaggio 975982</a:t>
+            </a:r>
+          </a:p>
+          <a:p>
+            <a:r>
+              <a:rPr lang="en-US">
+                <a:solidFill>
+                  <a:srgbClr val="C7D5E0"/>
+                </a:solidFill>
+                <a:latin typeface="+mj-lt"/>
+                <a:cs typeface="Arial" panose="020B0604020202020204" pitchFamily="34" charset="0"/>
+              </a:rPr>
+              <a:t>Marco Morandi 966631</a:t>
+            </a:r>
+            <a:endParaRPr lang="en-US" dirty="0">
+              <a:solidFill>
+                <a:srgbClr val="C7D5E0"/>
+              </a:solidFill>
+              <a:latin typeface="+mj-lt"/>
+              <a:cs typeface="Arial" panose="020B0604020202020204" pitchFamily="34" charset="0"/>
+            </a:endParaRPr>
+          </a:p>
+        </p:txBody>
+      </p:sp>
+      <p:sp>
+        <p:nvSpPr>
+          <p:cNvPr id="38" name="CasellaDiTesto 37">
+            <a:extLst>
+              <a:ext uri="{FF2B5EF4-FFF2-40B4-BE49-F238E27FC236}">
+                <a16:creationId xmlns:a16="http://schemas.microsoft.com/office/drawing/2014/main" id="{1F39DBC7-9FBF-F56D-6D5D-BE9B9E50AB75}"/>
+              </a:ext>
+            </a:extLst>
+          </p:cNvPr>
+          <p:cNvSpPr txBox="1"/>
+          <p:nvPr/>
+        </p:nvSpPr>
+        <p:spPr>
+          <a:xfrm>
+            <a:off x="419100" y="1459502"/>
+            <a:ext cx="3527632" cy="523220"/>
+          </a:xfrm>
+          <a:prstGeom prst="rect">
+            <a:avLst/>
+          </a:prstGeom>
+          <a:noFill/>
+        </p:spPr>
+        <p:txBody>
+          <a:bodyPr wrap="none" rtlCol="0">
+            <a:spAutoFit/>
+          </a:bodyPr>
+          <a:lstStyle/>
+          <a:p>
+            <a:r>
+              <a:rPr lang="en-US" sz="2800" dirty="0" err="1">
+                <a:solidFill>
+                  <a:srgbClr val="C7D5E0"/>
+                </a:solidFill>
+                <a:latin typeface="+mj-lt"/>
+                <a:cs typeface="Arial" panose="020B0604020202020204" pitchFamily="34" charset="0"/>
+              </a:rPr>
+              <a:t>Grazie</a:t>
+            </a:r>
+            <a:r>
+              <a:rPr lang="en-US" sz="2800" dirty="0">
+                <a:solidFill>
+                  <a:srgbClr val="C7D5E0"/>
+                </a:solidFill>
+                <a:latin typeface="+mj-lt"/>
+                <a:cs typeface="Arial" panose="020B0604020202020204" pitchFamily="34" charset="0"/>
+              </a:rPr>
+              <a:t> per </a:t>
+            </a:r>
+            <a:r>
+              <a:rPr lang="en-US" sz="2800" dirty="0" err="1">
+                <a:solidFill>
+                  <a:srgbClr val="C7D5E0"/>
+                </a:solidFill>
+                <a:latin typeface="+mj-lt"/>
+                <a:cs typeface="Arial" panose="020B0604020202020204" pitchFamily="34" charset="0"/>
+              </a:rPr>
+              <a:t>l’attenzione</a:t>
+            </a:r>
+            <a:r>
+              <a:rPr lang="en-US" sz="2800" dirty="0">
+                <a:solidFill>
+                  <a:srgbClr val="C7D5E0"/>
+                </a:solidFill>
+                <a:latin typeface="+mj-lt"/>
+                <a:cs typeface="Arial" panose="020B0604020202020204" pitchFamily="34" charset="0"/>
+              </a:rPr>
+              <a:t>!</a:t>
+            </a:r>
+          </a:p>
+        </p:txBody>
+      </p:sp>
+      <p:pic>
+        <p:nvPicPr>
+          <p:cNvPr id="3" name="Immagine 2">
+            <a:extLst>
+              <a:ext uri="{FF2B5EF4-FFF2-40B4-BE49-F238E27FC236}">
+                <a16:creationId xmlns:a16="http://schemas.microsoft.com/office/drawing/2014/main" id="{3C0670D5-2520-9770-F705-7D01C3CE8E11}"/>
+              </a:ext>
+            </a:extLst>
+          </p:cNvPr>
+          <p:cNvPicPr>
+            <a:picLocks noChangeAspect="1"/>
+          </p:cNvPicPr>
+          <p:nvPr/>
+        </p:nvPicPr>
+        <p:blipFill>
+          <a:blip r:embed="rId4"/>
+          <a:stretch>
+            <a:fillRect/>
+          </a:stretch>
+        </p:blipFill>
+        <p:spPr>
+          <a:xfrm>
+            <a:off x="419100" y="2186554"/>
+            <a:ext cx="3983880" cy="1150384"/>
+          </a:xfrm>
+          <a:prstGeom prst="rect">
+            <a:avLst/>
+          </a:prstGeom>
+        </p:spPr>
+      </p:pic>
+      <p:sp>
+        <p:nvSpPr>
+          <p:cNvPr id="2" name="Titolo 1">
+            <a:extLst>
+              <a:ext uri="{FF2B5EF4-FFF2-40B4-BE49-F238E27FC236}">
+                <a16:creationId xmlns:a16="http://schemas.microsoft.com/office/drawing/2014/main" id="{3BE1E256-B1C3-0C20-A952-85FB0BBBB396}"/>
+              </a:ext>
+            </a:extLst>
+          </p:cNvPr>
+          <p:cNvSpPr>
+            <a:spLocks noGrp="1"/>
+          </p:cNvSpPr>
+          <p:nvPr>
+            <p:ph type="title"/>
+          </p:nvPr>
+        </p:nvSpPr>
+        <p:spPr/>
+        <p:txBody>
+          <a:bodyPr/>
+          <a:lstStyle/>
+          <a:p>
+            <a:r>
+              <a:rPr lang="en-US" dirty="0"/>
+              <a:t>End</a:t>
+            </a:r>
+          </a:p>
+        </p:txBody>
+      </p:sp>
     </p:spTree>
     <p:extLst>
       <p:ext uri="{BB962C8B-B14F-4D97-AF65-F5344CB8AC3E}">
-        <p14:creationId xmlns:p14="http://schemas.microsoft.com/office/powerpoint/2010/main" val="2005865351"/>
+        <p14:creationId xmlns:p14="http://schemas.microsoft.com/office/powerpoint/2010/main" val="2337058424"/>
       </p:ext>
     </p:extLst>
   </p:cSld>
@@ -16071,7 +16358,7 @@
         </p:nvSpPr>
         <p:spPr>
           <a:xfrm>
-            <a:off x="2107660" y="3612204"/>
+            <a:off x="3810954" y="2889051"/>
             <a:ext cx="6233758" cy="646331"/>
           </a:xfrm>
           <a:prstGeom prst="rect">
@@ -16265,8 +16552,8 @@
         </p:nvSpPr>
         <p:spPr>
           <a:xfrm>
-            <a:off x="838200" y="2717816"/>
-            <a:ext cx="4351986" cy="1422365"/>
+            <a:off x="931058" y="2717817"/>
+            <a:ext cx="5164942" cy="1422365"/>
           </a:xfrm>
           <a:prstGeom prst="rect">
             <a:avLst/>
@@ -16751,7 +17038,7 @@
           </p:cNvPicPr>
           <p:nvPr/>
         </p:nvPicPr>
-        <p:blipFill>
+        <p:blipFill rotWithShape="1">
           <a:blip r:embed="rId3">
             <a:extLst>
               <a:ext uri="{28A0092B-C50C-407E-A947-70E740481C1C}">
@@ -16759,14 +17046,48 @@
               </a:ext>
             </a:extLst>
           </a:blip>
-          <a:stretch>
-            <a:fillRect/>
-          </a:stretch>
+          <a:srcRect l="25335" t="-1003" r="26085" b="1173"/>
+          <a:stretch/>
         </p:blipFill>
         <p:spPr>
           <a:xfrm>
-            <a:off x="3253975" y="1270820"/>
-            <a:ext cx="8663476" cy="4316359"/>
+            <a:off x="6908957" y="1459283"/>
+            <a:ext cx="4208746" cy="4308952"/>
+          </a:xfrm>
+          <a:prstGeom prst="rect">
+            <a:avLst/>
+          </a:prstGeom>
+        </p:spPr>
+      </p:pic>
+      <p:pic>
+        <p:nvPicPr>
+          <p:cNvPr id="3" name="Immagine 2" descr="Immagine che contiene cerchio, schermata, astronomia&#10;&#10;Descrizione generata automaticamente">
+            <a:extLst>
+              <a:ext uri="{FF2B5EF4-FFF2-40B4-BE49-F238E27FC236}">
+                <a16:creationId xmlns:a16="http://schemas.microsoft.com/office/drawing/2014/main" id="{2775876A-2ED8-E38C-E710-67F1EEDE4FFC}"/>
+              </a:ext>
+            </a:extLst>
+          </p:cNvPr>
+          <p:cNvPicPr>
+            <a:picLocks noChangeAspect="1"/>
+          </p:cNvPicPr>
+          <p:nvPr/>
+        </p:nvPicPr>
+        <p:blipFill rotWithShape="1">
+          <a:blip r:embed="rId3">
+            <a:extLst>
+              <a:ext uri="{28A0092B-C50C-407E-A947-70E740481C1C}">
+                <a14:useLocalDpi xmlns:a14="http://schemas.microsoft.com/office/drawing/2010/main" val="0"/>
+              </a:ext>
+            </a:extLst>
+          </a:blip>
+          <a:srcRect l="81441" t="-399" r="-208" b="66477"/>
+          <a:stretch/>
+        </p:blipFill>
+        <p:spPr>
+          <a:xfrm>
+            <a:off x="6096000" y="1459282"/>
+            <a:ext cx="1836024" cy="1653435"/>
           </a:xfrm>
           <a:prstGeom prst="rect">
             <a:avLst/>
@@ -18061,4 +18382,299 @@
     </a:ext>
   </a:extLst>
 </a:theme>
+</file>
+
+<file path=ppt/theme/theme2.xml><?xml version="1.0" encoding="utf-8"?>
+<a:theme xmlns:a="http://schemas.openxmlformats.org/drawingml/2006/main" name="Tema di Office">
+  <a:themeElements>
+    <a:clrScheme name="Office">
+      <a:dk1>
+        <a:sysClr val="windowText" lastClr="000000"/>
+      </a:dk1>
+      <a:lt1>
+        <a:sysClr val="window" lastClr="FFFFFF"/>
+      </a:lt1>
+      <a:dk2>
+        <a:srgbClr val="44546A"/>
+      </a:dk2>
+      <a:lt2>
+        <a:srgbClr val="E7E6E6"/>
+      </a:lt2>
+      <a:accent1>
+        <a:srgbClr val="4472C4"/>
+      </a:accent1>
+      <a:accent2>
+        <a:srgbClr val="ED7D31"/>
+      </a:accent2>
+      <a:accent3>
+        <a:srgbClr val="A5A5A5"/>
+      </a:accent3>
+      <a:accent4>
+        <a:srgbClr val="FFC000"/>
+      </a:accent4>
+      <a:accent5>
+        <a:srgbClr val="5B9BD5"/>
+      </a:accent5>
+      <a:accent6>
+        <a:srgbClr val="70AD47"/>
+      </a:accent6>
+      <a:hlink>
+        <a:srgbClr val="0563C1"/>
+      </a:hlink>
+      <a:folHlink>
+        <a:srgbClr val="954F72"/>
+      </a:folHlink>
+    </a:clrScheme>
+    <a:fontScheme name="Office">
+      <a:majorFont>
+        <a:latin typeface="Calibri Light" panose="020F0302020204030204"/>
+        <a:ea typeface=""/>
+        <a:cs typeface=""/>
+        <a:font script="Jpan" typeface="游ゴシック Light"/>
+        <a:font script="Hang" typeface="맑은 고딕"/>
+        <a:font script="Hans" typeface="等线 Light"/>
+        <a:font script="Hant" typeface="新細明體"/>
+        <a:font script="Arab" typeface="Times New Roman"/>
+        <a:font script="Hebr" typeface="Times New Roman"/>
+        <a:font script="Thai" typeface="Angsana New"/>
+        <a:font script="Ethi" typeface="Nyala"/>
+        <a:font script="Beng" typeface="Vrinda"/>
+        <a:font script="Gujr" typeface="Shruti"/>
+        <a:font script="Khmr" typeface="MoolBoran"/>
+        <a:font script="Knda" typeface="Tunga"/>
+        <a:font script="Guru" typeface="Raavi"/>
+        <a:font script="Cans" typeface="Euphemia"/>
+        <a:font script="Cher" typeface="Plantagenet Cherokee"/>
+        <a:font script="Yiii" typeface="Microsoft Yi Baiti"/>
+        <a:font script="Tibt" typeface="Microsoft Himalaya"/>
+        <a:font script="Thaa" typeface="MV Boli"/>
+        <a:font script="Deva" typeface="Mangal"/>
+        <a:font script="Telu" typeface="Gautami"/>
+        <a:font script="Taml" typeface="Latha"/>
+        <a:font script="Syrc" typeface="Estrangelo Edessa"/>
+        <a:font script="Orya" typeface="Kalinga"/>
+        <a:font script="Mlym" typeface="Kartika"/>
+        <a:font script="Laoo" typeface="DokChampa"/>
+        <a:font script="Sinh" typeface="Iskoola Pota"/>
+        <a:font script="Mong" typeface="Mongolian Baiti"/>
+        <a:font script="Viet" typeface="Times New Roman"/>
+        <a:font script="Uigh" typeface="Microsoft Uighur"/>
+        <a:font script="Geor" typeface="Sylfaen"/>
+        <a:font script="Armn" typeface="Arial"/>
+        <a:font script="Bugi" typeface="Leelawadee UI"/>
+        <a:font script="Bopo" typeface="Microsoft JhengHei"/>
+        <a:font script="Java" typeface="Javanese Text"/>
+        <a:font script="Lisu" typeface="Segoe UI"/>
+        <a:font script="Mymr" typeface="Myanmar Text"/>
+        <a:font script="Nkoo" typeface="Ebrima"/>
+        <a:font script="Olck" typeface="Nirmala UI"/>
+        <a:font script="Osma" typeface="Ebrima"/>
+        <a:font script="Phag" typeface="Phagspa"/>
+        <a:font script="Syrn" typeface="Estrangelo Edessa"/>
+        <a:font script="Syrj" typeface="Estrangelo Edessa"/>
+        <a:font script="Syre" typeface="Estrangelo Edessa"/>
+        <a:font script="Sora" typeface="Nirmala UI"/>
+        <a:font script="Tale" typeface="Microsoft Tai Le"/>
+        <a:font script="Talu" typeface="Microsoft New Tai Lue"/>
+        <a:font script="Tfng" typeface="Ebrima"/>
+      </a:majorFont>
+      <a:minorFont>
+        <a:latin typeface="Calibri" panose="020F0502020204030204"/>
+        <a:ea typeface=""/>
+        <a:cs typeface=""/>
+        <a:font script="Jpan" typeface="游ゴシック"/>
+        <a:font script="Hang" typeface="맑은 고딕"/>
+        <a:font script="Hans" typeface="等线"/>
+        <a:font script="Hant" typeface="新細明體"/>
+        <a:font script="Arab" typeface="Arial"/>
+        <a:font script="Hebr" typeface="Arial"/>
+        <a:font script="Thai" typeface="Cordia New"/>
+        <a:font script="Ethi" typeface="Nyala"/>
+        <a:font script="Beng" typeface="Vrinda"/>
+        <a:font script="Gujr" typeface="Shruti"/>
+        <a:font script="Khmr" typeface="DaunPenh"/>
+        <a:font script="Knda" typeface="Tunga"/>
+        <a:font script="Guru" typeface="Raavi"/>
+        <a:font script="Cans" typeface="Euphemia"/>
+        <a:font script="Cher" typeface="Plantagenet Cherokee"/>
+        <a:font script="Yiii" typeface="Microsoft Yi Baiti"/>
+        <a:font script="Tibt" typeface="Microsoft Himalaya"/>
+        <a:font script="Thaa" typeface="MV Boli"/>
+        <a:font script="Deva" typeface="Mangal"/>
+        <a:font script="Telu" typeface="Gautami"/>
+        <a:font script="Taml" typeface="Latha"/>
+        <a:font script="Syrc" typeface="Estrangelo Edessa"/>
+        <a:font script="Orya" typeface="Kalinga"/>
+        <a:font script="Mlym" typeface="Kartika"/>
+        <a:font script="Laoo" typeface="DokChampa"/>
+        <a:font script="Sinh" typeface="Iskoola Pota"/>
+        <a:font script="Mong" typeface="Mongolian Baiti"/>
+        <a:font script="Viet" typeface="Arial"/>
+        <a:font script="Uigh" typeface="Microsoft Uighur"/>
+        <a:font script="Geor" typeface="Sylfaen"/>
+        <a:font script="Armn" typeface="Arial"/>
+        <a:font script="Bugi" typeface="Leelawadee UI"/>
+        <a:font script="Bopo" typeface="Microsoft JhengHei"/>
+        <a:font script="Java" typeface="Javanese Text"/>
+        <a:font script="Lisu" typeface="Segoe UI"/>
+        <a:font script="Mymr" typeface="Myanmar Text"/>
+        <a:font script="Nkoo" typeface="Ebrima"/>
+        <a:font script="Olck" typeface="Nirmala UI"/>
+        <a:font script="Osma" typeface="Ebrima"/>
+        <a:font script="Phag" typeface="Phagspa"/>
+        <a:font script="Syrn" typeface="Estrangelo Edessa"/>
+        <a:font script="Syrj" typeface="Estrangelo Edessa"/>
+        <a:font script="Syre" typeface="Estrangelo Edessa"/>
+        <a:font script="Sora" typeface="Nirmala UI"/>
+        <a:font script="Tale" typeface="Microsoft Tai Le"/>
+        <a:font script="Talu" typeface="Microsoft New Tai Lue"/>
+        <a:font script="Tfng" typeface="Ebrima"/>
+      </a:minorFont>
+    </a:fontScheme>
+    <a:fmtScheme name="Office">
+      <a:fillStyleLst>
+        <a:solidFill>
+          <a:schemeClr val="phClr"/>
+        </a:solidFill>
+        <a:gradFill rotWithShape="1">
+          <a:gsLst>
+            <a:gs pos="0">
+              <a:schemeClr val="phClr">
+                <a:lumMod val="110000"/>
+                <a:satMod val="105000"/>
+                <a:tint val="67000"/>
+              </a:schemeClr>
+            </a:gs>
+            <a:gs pos="50000">
+              <a:schemeClr val="phClr">
+                <a:lumMod val="105000"/>
+                <a:satMod val="103000"/>
+                <a:tint val="73000"/>
+              </a:schemeClr>
+            </a:gs>
+            <a:gs pos="100000">
+              <a:schemeClr val="phClr">
+                <a:lumMod val="105000"/>
+                <a:satMod val="109000"/>
+                <a:tint val="81000"/>
+              </a:schemeClr>
+            </a:gs>
+          </a:gsLst>
+          <a:lin ang="5400000" scaled="0"/>
+        </a:gradFill>
+        <a:gradFill rotWithShape="1">
+          <a:gsLst>
+            <a:gs pos="0">
+              <a:schemeClr val="phClr">
+                <a:satMod val="103000"/>
+                <a:lumMod val="102000"/>
+                <a:tint val="94000"/>
+              </a:schemeClr>
+            </a:gs>
+            <a:gs pos="50000">
+              <a:schemeClr val="phClr">
+                <a:satMod val="110000"/>
+                <a:lumMod val="100000"/>
+                <a:shade val="100000"/>
+              </a:schemeClr>
+            </a:gs>
+            <a:gs pos="100000">
+              <a:schemeClr val="phClr">
+                <a:lumMod val="99000"/>
+                <a:satMod val="120000"/>
+                <a:shade val="78000"/>
+              </a:schemeClr>
+            </a:gs>
+          </a:gsLst>
+          <a:lin ang="5400000" scaled="0"/>
+        </a:gradFill>
+      </a:fillStyleLst>
+      <a:lnStyleLst>
+        <a:ln w="6350" cap="flat" cmpd="sng" algn="ctr">
+          <a:solidFill>
+            <a:schemeClr val="phClr"/>
+          </a:solidFill>
+          <a:prstDash val="solid"/>
+          <a:miter lim="800000"/>
+        </a:ln>
+        <a:ln w="12700" cap="flat" cmpd="sng" algn="ctr">
+          <a:solidFill>
+            <a:schemeClr val="phClr"/>
+          </a:solidFill>
+          <a:prstDash val="solid"/>
+          <a:miter lim="800000"/>
+        </a:ln>
+        <a:ln w="19050" cap="flat" cmpd="sng" algn="ctr">
+          <a:solidFill>
+            <a:schemeClr val="phClr"/>
+          </a:solidFill>
+          <a:prstDash val="solid"/>
+          <a:miter lim="800000"/>
+        </a:ln>
+      </a:lnStyleLst>
+      <a:effectStyleLst>
+        <a:effectStyle>
+          <a:effectLst/>
+        </a:effectStyle>
+        <a:effectStyle>
+          <a:effectLst/>
+        </a:effectStyle>
+        <a:effectStyle>
+          <a:effectLst>
+            <a:outerShdw blurRad="57150" dist="19050" dir="5400000" algn="ctr" rotWithShape="0">
+              <a:srgbClr val="000000">
+                <a:alpha val="63000"/>
+              </a:srgbClr>
+            </a:outerShdw>
+          </a:effectLst>
+        </a:effectStyle>
+      </a:effectStyleLst>
+      <a:bgFillStyleLst>
+        <a:solidFill>
+          <a:schemeClr val="phClr"/>
+        </a:solidFill>
+        <a:solidFill>
+          <a:schemeClr val="phClr">
+            <a:tint val="95000"/>
+            <a:satMod val="170000"/>
+          </a:schemeClr>
+        </a:solidFill>
+        <a:gradFill rotWithShape="1">
+          <a:gsLst>
+            <a:gs pos="0">
+              <a:schemeClr val="phClr">
+                <a:tint val="93000"/>
+                <a:satMod val="150000"/>
+                <a:shade val="98000"/>
+                <a:lumMod val="102000"/>
+              </a:schemeClr>
+            </a:gs>
+            <a:gs pos="50000">
+              <a:schemeClr val="phClr">
+                <a:tint val="98000"/>
+                <a:satMod val="130000"/>
+                <a:shade val="90000"/>
+                <a:lumMod val="103000"/>
+              </a:schemeClr>
+            </a:gs>
+            <a:gs pos="100000">
+              <a:schemeClr val="phClr">
+                <a:shade val="63000"/>
+                <a:satMod val="120000"/>
+              </a:schemeClr>
+            </a:gs>
+          </a:gsLst>
+          <a:lin ang="5400000" scaled="0"/>
+        </a:gradFill>
+      </a:bgFillStyleLst>
+    </a:fmtScheme>
+  </a:themeElements>
+  <a:objectDefaults/>
+  <a:extraClrSchemeLst/>
+  <a:extLst>
+    <a:ext uri="{05A4C25C-085E-4340-85A3-A5531E510DB2}">
+      <thm15:themeFamily xmlns:thm15="http://schemas.microsoft.com/office/thememl/2012/main" name="Office Theme" id="{62F939B6-93AF-4DB8-9C6B-D6C7DFDC589F}" vid="{4A3C46E8-61CC-4603-A589-7422A47A8E4A}"/>
+    </a:ext>
+  </a:extLst>
+</a:theme>
 </file>
--- a/Steam.pptx
+++ b/Steam.pptx
@@ -225,7 +225,7 @@
           <a:p>
             <a:fld id="{7022550D-5032-4B1A-B8F2-136CEE1C1CE7}" type="datetimeFigureOut">
               <a:rPr lang="en-US" smtClean="0"/>
-              <a:t>7/7/2023</a:t>
+              <a:t>7/8/2023</a:t>
             </a:fld>
             <a:endParaRPr lang="en-US"/>
           </a:p>
@@ -708,7 +708,7 @@
           <a:p>
             <a:fld id="{6014689B-0DCE-4194-8205-09B15DFDD564}" type="datetimeFigureOut">
               <a:rPr lang="en-US" smtClean="0"/>
-              <a:t>7/7/2023</a:t>
+              <a:t>7/8/2023</a:t>
             </a:fld>
             <a:endParaRPr lang="en-US"/>
           </a:p>
@@ -878,7 +878,7 @@
           <a:p>
             <a:fld id="{6014689B-0DCE-4194-8205-09B15DFDD564}" type="datetimeFigureOut">
               <a:rPr lang="en-US" smtClean="0"/>
-              <a:t>7/7/2023</a:t>
+              <a:t>7/8/2023</a:t>
             </a:fld>
             <a:endParaRPr lang="en-US"/>
           </a:p>
@@ -1058,7 +1058,7 @@
           <a:p>
             <a:fld id="{6014689B-0DCE-4194-8205-09B15DFDD564}" type="datetimeFigureOut">
               <a:rPr lang="en-US" smtClean="0"/>
-              <a:t>7/7/2023</a:t>
+              <a:t>7/8/2023</a:t>
             </a:fld>
             <a:endParaRPr lang="en-US"/>
           </a:p>
@@ -1228,7 +1228,7 @@
           <a:p>
             <a:fld id="{6014689B-0DCE-4194-8205-09B15DFDD564}" type="datetimeFigureOut">
               <a:rPr lang="en-US" smtClean="0"/>
-              <a:t>7/7/2023</a:t>
+              <a:t>7/8/2023</a:t>
             </a:fld>
             <a:endParaRPr lang="en-US"/>
           </a:p>
@@ -1474,7 +1474,7 @@
           <a:p>
             <a:fld id="{6014689B-0DCE-4194-8205-09B15DFDD564}" type="datetimeFigureOut">
               <a:rPr lang="en-US" smtClean="0"/>
-              <a:t>7/7/2023</a:t>
+              <a:t>7/8/2023</a:t>
             </a:fld>
             <a:endParaRPr lang="en-US"/>
           </a:p>
@@ -1706,7 +1706,7 @@
           <a:p>
             <a:fld id="{6014689B-0DCE-4194-8205-09B15DFDD564}" type="datetimeFigureOut">
               <a:rPr lang="en-US" smtClean="0"/>
-              <a:t>7/7/2023</a:t>
+              <a:t>7/8/2023</a:t>
             </a:fld>
             <a:endParaRPr lang="en-US"/>
           </a:p>
@@ -2073,7 +2073,7 @@
           <a:p>
             <a:fld id="{6014689B-0DCE-4194-8205-09B15DFDD564}" type="datetimeFigureOut">
               <a:rPr lang="en-US" smtClean="0"/>
-              <a:t>7/7/2023</a:t>
+              <a:t>7/8/2023</a:t>
             </a:fld>
             <a:endParaRPr lang="en-US"/>
           </a:p>
@@ -2191,7 +2191,7 @@
           <a:p>
             <a:fld id="{6014689B-0DCE-4194-8205-09B15DFDD564}" type="datetimeFigureOut">
               <a:rPr lang="en-US" smtClean="0"/>
-              <a:t>7/7/2023</a:t>
+              <a:t>7/8/2023</a:t>
             </a:fld>
             <a:endParaRPr lang="en-US"/>
           </a:p>
@@ -2286,7 +2286,7 @@
           <a:p>
             <a:fld id="{6014689B-0DCE-4194-8205-09B15DFDD564}" type="datetimeFigureOut">
               <a:rPr lang="en-US" smtClean="0"/>
-              <a:t>7/7/2023</a:t>
+              <a:t>7/8/2023</a:t>
             </a:fld>
             <a:endParaRPr lang="en-US"/>
           </a:p>
@@ -2563,7 +2563,7 @@
           <a:p>
             <a:fld id="{6014689B-0DCE-4194-8205-09B15DFDD564}" type="datetimeFigureOut">
               <a:rPr lang="en-US" smtClean="0"/>
-              <a:t>7/7/2023</a:t>
+              <a:t>7/8/2023</a:t>
             </a:fld>
             <a:endParaRPr lang="en-US"/>
           </a:p>
@@ -2820,7 +2820,7 @@
           <a:p>
             <a:fld id="{6014689B-0DCE-4194-8205-09B15DFDD564}" type="datetimeFigureOut">
               <a:rPr lang="en-US" smtClean="0"/>
-              <a:t>7/7/2023</a:t>
+              <a:t>7/8/2023</a:t>
             </a:fld>
             <a:endParaRPr lang="en-US"/>
           </a:p>
@@ -3033,7 +3033,7 @@
           <a:p>
             <a:fld id="{6014689B-0DCE-4194-8205-09B15DFDD564}" type="datetimeFigureOut">
               <a:rPr lang="en-US" smtClean="0"/>
-              <a:t>7/7/2023</a:t>
+              <a:t>7/8/2023</a:t>
             </a:fld>
             <a:endParaRPr lang="en-US"/>
           </a:p>
@@ -3798,34 +3798,6 @@
           </a:p>
         </p:txBody>
       </p:sp>
-      <p:sp>
-        <p:nvSpPr>
-          <p:cNvPr id="2" name="Titolo 1">
-            <a:extLst>
-              <a:ext uri="{FF2B5EF4-FFF2-40B4-BE49-F238E27FC236}">
-                <a16:creationId xmlns:a16="http://schemas.microsoft.com/office/drawing/2014/main" id="{F6C43D43-162B-4698-E03A-91A1B24E9CA6}"/>
-              </a:ext>
-            </a:extLst>
-          </p:cNvPr>
-          <p:cNvSpPr>
-            <a:spLocks noGrp="1"/>
-          </p:cNvSpPr>
-          <p:nvPr>
-            <p:ph type="title"/>
-          </p:nvPr>
-        </p:nvSpPr>
-        <p:spPr/>
-        <p:txBody>
-          <a:bodyPr/>
-          <a:lstStyle/>
-          <a:p>
-            <a:r>
-              <a:rPr lang="en-US" dirty="0"/>
-              <a:t>Start</a:t>
-            </a:r>
-          </a:p>
-        </p:txBody>
-      </p:sp>
     </p:spTree>
     <p:extLst>
       <p:ext uri="{BB962C8B-B14F-4D97-AF65-F5344CB8AC3E}">
@@ -16188,34 +16160,6 @@
           </a:prstGeom>
         </p:spPr>
       </p:pic>
-      <p:sp>
-        <p:nvSpPr>
-          <p:cNvPr id="2" name="Titolo 1">
-            <a:extLst>
-              <a:ext uri="{FF2B5EF4-FFF2-40B4-BE49-F238E27FC236}">
-                <a16:creationId xmlns:a16="http://schemas.microsoft.com/office/drawing/2014/main" id="{3BE1E256-B1C3-0C20-A952-85FB0BBBB396}"/>
-              </a:ext>
-            </a:extLst>
-          </p:cNvPr>
-          <p:cNvSpPr>
-            <a:spLocks noGrp="1"/>
-          </p:cNvSpPr>
-          <p:nvPr>
-            <p:ph type="title"/>
-          </p:nvPr>
-        </p:nvSpPr>
-        <p:spPr/>
-        <p:txBody>
-          <a:bodyPr/>
-          <a:lstStyle/>
-          <a:p>
-            <a:r>
-              <a:rPr lang="en-US" dirty="0"/>
-              <a:t>End</a:t>
-            </a:r>
-          </a:p>
-        </p:txBody>
-      </p:sp>
     </p:spTree>
     <p:extLst>
       <p:ext uri="{BB962C8B-B14F-4D97-AF65-F5344CB8AC3E}">

--- a/Steam.pptx
+++ b/Steam.pptx
@@ -5,7 +5,7 @@
     <p:sldMasterId id="2147483756" r:id="rId1"/>
   </p:sldMasterIdLst>
   <p:notesMasterIdLst>
-    <p:notesMasterId r:id="rId31"/>
+    <p:notesMasterId r:id="rId32"/>
   </p:notesMasterIdLst>
   <p:sldIdLst>
     <p:sldId id="257" r:id="rId2"/>
@@ -28,15 +28,16 @@
     <p:sldId id="274" r:id="rId19"/>
     <p:sldId id="278" r:id="rId20"/>
     <p:sldId id="277" r:id="rId21"/>
-    <p:sldId id="287" r:id="rId22"/>
-    <p:sldId id="275" r:id="rId23"/>
-    <p:sldId id="279" r:id="rId24"/>
-    <p:sldId id="280" r:id="rId25"/>
-    <p:sldId id="286" r:id="rId26"/>
-    <p:sldId id="285" r:id="rId27"/>
-    <p:sldId id="281" r:id="rId28"/>
-    <p:sldId id="283" r:id="rId29"/>
-    <p:sldId id="290" r:id="rId30"/>
+    <p:sldId id="291" r:id="rId22"/>
+    <p:sldId id="287" r:id="rId23"/>
+    <p:sldId id="275" r:id="rId24"/>
+    <p:sldId id="279" r:id="rId25"/>
+    <p:sldId id="280" r:id="rId26"/>
+    <p:sldId id="286" r:id="rId27"/>
+    <p:sldId id="285" r:id="rId28"/>
+    <p:sldId id="281" r:id="rId29"/>
+    <p:sldId id="283" r:id="rId30"/>
+    <p:sldId id="290" r:id="rId31"/>
   </p:sldIdLst>
   <p:sldSz cx="12192000" cy="6858000"/>
   <p:notesSz cx="6858000" cy="9144000"/>
@@ -558,7 +559,7 @@
           <a:p>
             <a:fld id="{A7553FA8-B7AE-4ACD-B9E8-7BB9AFC836CD}" type="slidenum">
               <a:rPr lang="en-US" smtClean="0"/>
-              <a:t>24</a:t>
+              <a:t>21</a:t>
             </a:fld>
             <a:endParaRPr lang="en-US"/>
           </a:p>
@@ -567,7 +568,7 @@
     </p:spTree>
     <p:extLst>
       <p:ext uri="{BB962C8B-B14F-4D97-AF65-F5344CB8AC3E}">
-        <p14:creationId xmlns:p14="http://schemas.microsoft.com/office/powerpoint/2010/main" val="284864161"/>
+        <p14:creationId xmlns:p14="http://schemas.microsoft.com/office/powerpoint/2010/main" val="565774654"/>
       </p:ext>
     </p:extLst>
   </p:cSld>
@@ -642,7 +643,7 @@
           <a:p>
             <a:fld id="{A7553FA8-B7AE-4ACD-B9E8-7BB9AFC836CD}" type="slidenum">
               <a:rPr lang="en-US" smtClean="0"/>
-              <a:t>28</a:t>
+              <a:t>25</a:t>
             </a:fld>
             <a:endParaRPr lang="en-US"/>
           </a:p>
@@ -651,7 +652,7 @@
     </p:spTree>
     <p:extLst>
       <p:ext uri="{BB962C8B-B14F-4D97-AF65-F5344CB8AC3E}">
-        <p14:creationId xmlns:p14="http://schemas.microsoft.com/office/powerpoint/2010/main" val="1035926901"/>
+        <p14:creationId xmlns:p14="http://schemas.microsoft.com/office/powerpoint/2010/main" val="284864161"/>
       </p:ext>
     </p:extLst>
   </p:cSld>
@@ -705,7 +706,7 @@
           <a:bodyPr/>
           <a:lstStyle/>
           <a:p>
-            <a:endParaRPr lang="en-US"/>
+            <a:endParaRPr lang="it-IT" dirty="0"/>
           </a:p>
         </p:txBody>
       </p:sp>
@@ -727,6 +728,90 @@
             <a:fld id="{A7553FA8-B7AE-4ACD-B9E8-7BB9AFC836CD}" type="slidenum">
               <a:rPr lang="en-US" smtClean="0"/>
               <a:t>29</a:t>
+            </a:fld>
+            <a:endParaRPr lang="en-US"/>
+          </a:p>
+        </p:txBody>
+      </p:sp>
+    </p:spTree>
+    <p:extLst>
+      <p:ext uri="{BB962C8B-B14F-4D97-AF65-F5344CB8AC3E}">
+        <p14:creationId xmlns:p14="http://schemas.microsoft.com/office/powerpoint/2010/main" val="1035926901"/>
+      </p:ext>
+    </p:extLst>
+  </p:cSld>
+  <p:clrMapOvr>
+    <a:masterClrMapping/>
+  </p:clrMapOvr>
+</p:notes>
+</file>
+
+<file path=ppt/notesSlides/notesSlide4.xml><?xml version="1.0" encoding="utf-8"?>
+<p:notes xmlns:a="http://schemas.openxmlformats.org/drawingml/2006/main" xmlns:r="http://schemas.openxmlformats.org/officeDocument/2006/relationships" xmlns:p="http://schemas.openxmlformats.org/presentationml/2006/main">
+  <p:cSld>
+    <p:spTree>
+      <p:nvGrpSpPr>
+        <p:cNvPr id="1" name=""/>
+        <p:cNvGrpSpPr/>
+        <p:nvPr/>
+      </p:nvGrpSpPr>
+      <p:grpSpPr>
+        <a:xfrm>
+          <a:off x="0" y="0"/>
+          <a:ext cx="0" cy="0"/>
+          <a:chOff x="0" y="0"/>
+          <a:chExt cx="0" cy="0"/>
+        </a:xfrm>
+      </p:grpSpPr>
+      <p:sp>
+        <p:nvSpPr>
+          <p:cNvPr id="2" name="Segnaposto immagine diapositiva 1"/>
+          <p:cNvSpPr>
+            <a:spLocks noGrp="1" noRot="1" noChangeAspect="1"/>
+          </p:cNvSpPr>
+          <p:nvPr>
+            <p:ph type="sldImg"/>
+          </p:nvPr>
+        </p:nvSpPr>
+        <p:spPr/>
+      </p:sp>
+      <p:sp>
+        <p:nvSpPr>
+          <p:cNvPr id="3" name="Segnaposto note 2"/>
+          <p:cNvSpPr>
+            <a:spLocks noGrp="1"/>
+          </p:cNvSpPr>
+          <p:nvPr>
+            <p:ph type="body" idx="1"/>
+          </p:nvPr>
+        </p:nvSpPr>
+        <p:spPr/>
+        <p:txBody>
+          <a:bodyPr/>
+          <a:lstStyle/>
+          <a:p>
+            <a:endParaRPr lang="en-US"/>
+          </a:p>
+        </p:txBody>
+      </p:sp>
+      <p:sp>
+        <p:nvSpPr>
+          <p:cNvPr id="4" name="Segnaposto numero diapositiva 3"/>
+          <p:cNvSpPr>
+            <a:spLocks noGrp="1"/>
+          </p:cNvSpPr>
+          <p:nvPr>
+            <p:ph type="sldNum" sz="quarter" idx="5"/>
+          </p:nvPr>
+        </p:nvSpPr>
+        <p:spPr/>
+        <p:txBody>
+          <a:bodyPr/>
+          <a:lstStyle/>
+          <a:p>
+            <a:fld id="{A7553FA8-B7AE-4ACD-B9E8-7BB9AFC836CD}" type="slidenum">
+              <a:rPr lang="en-US" smtClean="0"/>
+              <a:t>30</a:t>
             </a:fld>
             <a:endParaRPr lang="en-US"/>
           </a:p>
@@ -10898,6 +10983,190 @@
           <a:p>
             <a:pPr algn="ctr"/>
             <a:r>
+              <a:rPr lang="en-US" sz="3200" b="1" dirty="0" err="1">
+                <a:solidFill>
+                  <a:srgbClr val="66C0F4"/>
+                </a:solidFill>
+              </a:rPr>
+              <a:t>Distribuzione</a:t>
+            </a:r>
+            <a:r>
+              <a:rPr lang="en-US" sz="3200" b="1" dirty="0">
+                <a:solidFill>
+                  <a:srgbClr val="66C0F4"/>
+                </a:solidFill>
+              </a:rPr>
+              <a:t> Single/Multi/Coop per </a:t>
+            </a:r>
+            <a:r>
+              <a:rPr lang="en-US" sz="3200" b="1" dirty="0" err="1">
+                <a:solidFill>
+                  <a:srgbClr val="66C0F4"/>
+                </a:solidFill>
+              </a:rPr>
+              <a:t>indici</a:t>
+            </a:r>
+            <a:endParaRPr lang="en-US" sz="3200" b="1" dirty="0">
+              <a:solidFill>
+                <a:srgbClr val="66C0F4"/>
+              </a:solidFill>
+            </a:endParaRPr>
+          </a:p>
+        </p:txBody>
+      </p:sp>
+      <p:pic>
+        <p:nvPicPr>
+          <p:cNvPr id="17" name="Immagine 16" descr="Immagine che contiene Elementi grafici, cerchio, clipart, cartone animato">
+            <a:extLst>
+              <a:ext uri="{FF2B5EF4-FFF2-40B4-BE49-F238E27FC236}">
+                <a16:creationId xmlns:a16="http://schemas.microsoft.com/office/drawing/2014/main" id="{05A5E460-1E13-E434-F2FF-8F2679A217ED}"/>
+              </a:ext>
+            </a:extLst>
+          </p:cNvPr>
+          <p:cNvPicPr>
+            <a:picLocks noChangeAspect="1"/>
+          </p:cNvPicPr>
+          <p:nvPr/>
+        </p:nvPicPr>
+        <p:blipFill>
+          <a:blip r:embed="rId3">
+            <a:alphaModFix/>
+            <a:extLst>
+              <a:ext uri="{28A0092B-C50C-407E-A947-70E740481C1C}">
+                <a14:useLocalDpi xmlns:a14="http://schemas.microsoft.com/office/drawing/2010/main" val="0"/>
+              </a:ext>
+            </a:extLst>
+          </a:blip>
+          <a:stretch>
+            <a:fillRect/>
+          </a:stretch>
+        </p:blipFill>
+        <p:spPr>
+          <a:xfrm>
+            <a:off x="11642903" y="0"/>
+            <a:ext cx="549097" cy="548640"/>
+          </a:xfrm>
+          <a:prstGeom prst="rect">
+            <a:avLst/>
+          </a:prstGeom>
+          <a:effectLst>
+            <a:glow>
+              <a:schemeClr val="accent1">
+                <a:alpha val="40000"/>
+              </a:schemeClr>
+            </a:glow>
+            <a:outerShdw blurRad="1270000" dist="50800" algn="ctr" rotWithShape="0">
+              <a:srgbClr val="000000"/>
+            </a:outerShdw>
+            <a:reflection endPos="0" dir="5400000" sy="-100000" algn="bl" rotWithShape="0"/>
+            <a:softEdge rad="0"/>
+          </a:effectLst>
+        </p:spPr>
+      </p:pic>
+      <p:pic>
+        <p:nvPicPr>
+          <p:cNvPr id="15" name="Immagine 14" descr="Immagine che contiene schermata, Policromia, testo, Rettangolo&#10;&#10;Descrizione generata automaticamente">
+            <a:extLst>
+              <a:ext uri="{FF2B5EF4-FFF2-40B4-BE49-F238E27FC236}">
+                <a16:creationId xmlns:a16="http://schemas.microsoft.com/office/drawing/2014/main" id="{A567A78D-A2F2-F6FA-530D-98F40B660A57}"/>
+              </a:ext>
+            </a:extLst>
+          </p:cNvPr>
+          <p:cNvPicPr>
+            <a:picLocks noChangeAspect="1"/>
+          </p:cNvPicPr>
+          <p:nvPr/>
+        </p:nvPicPr>
+        <p:blipFill>
+          <a:blip r:embed="rId4">
+            <a:extLst>
+              <a:ext uri="{28A0092B-C50C-407E-A947-70E740481C1C}">
+                <a14:useLocalDpi xmlns:a14="http://schemas.microsoft.com/office/drawing/2010/main" val="0"/>
+              </a:ext>
+            </a:extLst>
+          </a:blip>
+          <a:stretch>
+            <a:fillRect/>
+          </a:stretch>
+        </p:blipFill>
+        <p:spPr>
+          <a:xfrm>
+            <a:off x="1061830" y="1133096"/>
+            <a:ext cx="10068339" cy="5139048"/>
+          </a:xfrm>
+          <a:prstGeom prst="rect">
+            <a:avLst/>
+          </a:prstGeom>
+        </p:spPr>
+      </p:pic>
+    </p:spTree>
+    <p:extLst>
+      <p:ext uri="{BB962C8B-B14F-4D97-AF65-F5344CB8AC3E}">
+        <p14:creationId xmlns:p14="http://schemas.microsoft.com/office/powerpoint/2010/main" val="465744872"/>
+      </p:ext>
+    </p:extLst>
+  </p:cSld>
+  <p:clrMapOvr>
+    <a:masterClrMapping/>
+  </p:clrMapOvr>
+</p:sld>
+</file>
+
+<file path=ppt/slides/slide22.xml><?xml version="1.0" encoding="utf-8"?>
+<p:sld xmlns:a="http://schemas.openxmlformats.org/drawingml/2006/main" xmlns:r="http://schemas.openxmlformats.org/officeDocument/2006/relationships" xmlns:p="http://schemas.openxmlformats.org/presentationml/2006/main">
+  <p:cSld>
+    <p:bg>
+      <p:bgPr>
+        <a:solidFill>
+          <a:srgbClr val="171A21"/>
+        </a:solidFill>
+        <a:effectLst/>
+      </p:bgPr>
+    </p:bg>
+    <p:spTree>
+      <p:nvGrpSpPr>
+        <p:cNvPr id="1" name=""/>
+        <p:cNvGrpSpPr/>
+        <p:nvPr/>
+      </p:nvGrpSpPr>
+      <p:grpSpPr>
+        <a:xfrm>
+          <a:off x="0" y="0"/>
+          <a:ext cx="0" cy="0"/>
+          <a:chOff x="0" y="0"/>
+          <a:chExt cx="0" cy="0"/>
+        </a:xfrm>
+      </p:grpSpPr>
+      <p:sp>
+        <p:nvSpPr>
+          <p:cNvPr id="16" name="Titolo 15">
+            <a:extLst>
+              <a:ext uri="{FF2B5EF4-FFF2-40B4-BE49-F238E27FC236}">
+                <a16:creationId xmlns:a16="http://schemas.microsoft.com/office/drawing/2014/main" id="{F7263360-930D-9D6A-C2AC-5E06A3EFBC66}"/>
+              </a:ext>
+            </a:extLst>
+          </p:cNvPr>
+          <p:cNvSpPr>
+            <a:spLocks noGrp="1"/>
+          </p:cNvSpPr>
+          <p:nvPr>
+            <p:ph type="title"/>
+          </p:nvPr>
+        </p:nvSpPr>
+        <p:spPr>
+          <a:xfrm>
+            <a:off x="838200" y="159702"/>
+            <a:ext cx="10515600" cy="777875"/>
+          </a:xfrm>
+        </p:spPr>
+        <p:txBody>
+          <a:bodyPr>
+            <a:normAutofit/>
+          </a:bodyPr>
+          <a:lstStyle/>
+          <a:p>
+            <a:pPr algn="ctr"/>
+            <a:r>
               <a:rPr lang="en-US" sz="3200" b="1" dirty="0">
                 <a:solidFill>
                   <a:srgbClr val="66C0F4"/>
@@ -11646,7 +11915,7 @@
 </p:sld>
 </file>
 
-<file path=ppt/slides/slide22.xml><?xml version="1.0" encoding="utf-8"?>
+<file path=ppt/slides/slide23.xml><?xml version="1.0" encoding="utf-8"?>
 <p:sld xmlns:a="http://schemas.openxmlformats.org/drawingml/2006/main" xmlns:r="http://schemas.openxmlformats.org/officeDocument/2006/relationships" xmlns:p="http://schemas.openxmlformats.org/presentationml/2006/main">
   <p:cSld>
     <p:bg>
@@ -11865,7 +12134,7 @@
 </p:sld>
 </file>
 
-<file path=ppt/slides/slide23.xml><?xml version="1.0" encoding="utf-8"?>
+<file path=ppt/slides/slide24.xml><?xml version="1.0" encoding="utf-8"?>
 <p:sld xmlns:a="http://schemas.openxmlformats.org/drawingml/2006/main" xmlns:r="http://schemas.openxmlformats.org/officeDocument/2006/relationships" xmlns:p="http://schemas.openxmlformats.org/presentationml/2006/main">
   <p:cSld>
     <p:bg>
@@ -12448,7 +12717,7 @@
 </p:sld>
 </file>
 
-<file path=ppt/slides/slide24.xml><?xml version="1.0" encoding="utf-8"?>
+<file path=ppt/slides/slide25.xml><?xml version="1.0" encoding="utf-8"?>
 <p:sld xmlns:a="http://schemas.openxmlformats.org/drawingml/2006/main" xmlns:r="http://schemas.openxmlformats.org/officeDocument/2006/relationships" xmlns:p="http://schemas.openxmlformats.org/presentationml/2006/main">
   <p:cSld>
     <p:bg>
@@ -12616,7 +12885,7 @@
 </p:sld>
 </file>
 
-<file path=ppt/slides/slide25.xml><?xml version="1.0" encoding="utf-8"?>
+<file path=ppt/slides/slide26.xml><?xml version="1.0" encoding="utf-8"?>
 <p:sld xmlns:a="http://schemas.openxmlformats.org/drawingml/2006/main" xmlns:r="http://schemas.openxmlformats.org/officeDocument/2006/relationships" xmlns:p="http://schemas.openxmlformats.org/presentationml/2006/main">
   <p:cSld>
     <p:bg>
@@ -12811,7 +13080,7 @@
 </p:sld>
 </file>
 
-<file path=ppt/slides/slide26.xml><?xml version="1.0" encoding="utf-8"?>
+<file path=ppt/slides/slide27.xml><?xml version="1.0" encoding="utf-8"?>
 <p:sld xmlns:a="http://schemas.openxmlformats.org/drawingml/2006/main" xmlns:r="http://schemas.openxmlformats.org/officeDocument/2006/relationships" xmlns:p="http://schemas.openxmlformats.org/presentationml/2006/main">
   <p:cSld>
     <p:bg>
@@ -13006,7 +13275,7 @@
 </p:sld>
 </file>
 
-<file path=ppt/slides/slide27.xml><?xml version="1.0" encoding="utf-8"?>
+<file path=ppt/slides/slide28.xml><?xml version="1.0" encoding="utf-8"?>
 <p:sld xmlns:a="http://schemas.openxmlformats.org/drawingml/2006/main" xmlns:r="http://schemas.openxmlformats.org/officeDocument/2006/relationships" xmlns:p="http://schemas.openxmlformats.org/presentationml/2006/main">
   <p:cSld>
     <p:bg>
@@ -13570,7 +13839,7 @@
 </p:sld>
 </file>
 
-<file path=ppt/slides/slide28.xml><?xml version="1.0" encoding="utf-8"?>
+<file path=ppt/slides/slide29.xml><?xml version="1.0" encoding="utf-8"?>
 <p:sld xmlns:a="http://schemas.openxmlformats.org/drawingml/2006/main" xmlns:r="http://schemas.openxmlformats.org/officeDocument/2006/relationships" xmlns:p="http://schemas.openxmlformats.org/presentationml/2006/main">
   <p:cSld>
     <p:bg>
@@ -14345,7 +14614,634 @@
 </p:sld>
 </file>
 
-<file path=ppt/slides/slide29.xml><?xml version="1.0" encoding="utf-8"?>
+<file path=ppt/slides/slide3.xml><?xml version="1.0" encoding="utf-8"?>
+<p:sld xmlns:a="http://schemas.openxmlformats.org/drawingml/2006/main" xmlns:r="http://schemas.openxmlformats.org/officeDocument/2006/relationships" xmlns:p="http://schemas.openxmlformats.org/presentationml/2006/main">
+  <p:cSld>
+    <p:bg>
+      <p:bgPr>
+        <a:solidFill>
+          <a:srgbClr val="171A21"/>
+        </a:solidFill>
+        <a:effectLst/>
+      </p:bgPr>
+    </p:bg>
+    <p:spTree>
+      <p:nvGrpSpPr>
+        <p:cNvPr id="1" name=""/>
+        <p:cNvGrpSpPr/>
+        <p:nvPr/>
+      </p:nvGrpSpPr>
+      <p:grpSpPr>
+        <a:xfrm>
+          <a:off x="0" y="0"/>
+          <a:ext cx="0" cy="0"/>
+          <a:chOff x="0" y="0"/>
+          <a:chExt cx="0" cy="0"/>
+        </a:xfrm>
+      </p:grpSpPr>
+      <p:sp>
+        <p:nvSpPr>
+          <p:cNvPr id="2" name="Titolo 1">
+            <a:extLst>
+              <a:ext uri="{FF2B5EF4-FFF2-40B4-BE49-F238E27FC236}">
+                <a16:creationId xmlns:a16="http://schemas.microsoft.com/office/drawing/2014/main" id="{B1E173E4-9095-D5C5-0AE2-752B1C242227}"/>
+              </a:ext>
+            </a:extLst>
+          </p:cNvPr>
+          <p:cNvSpPr>
+            <a:spLocks noGrp="1"/>
+          </p:cNvSpPr>
+          <p:nvPr>
+            <p:ph type="title"/>
+          </p:nvPr>
+        </p:nvSpPr>
+        <p:spPr>
+          <a:xfrm>
+            <a:off x="838200" y="49212"/>
+            <a:ext cx="10515600" cy="998855"/>
+          </a:xfrm>
+        </p:spPr>
+        <p:txBody>
+          <a:bodyPr>
+            <a:normAutofit/>
+          </a:bodyPr>
+          <a:lstStyle/>
+          <a:p>
+            <a:pPr algn="ctr"/>
+            <a:r>
+              <a:rPr lang="en-US" sz="3200" b="1" dirty="0" err="1">
+                <a:solidFill>
+                  <a:srgbClr val="66C0F4"/>
+                </a:solidFill>
+                <a:cs typeface="Arial" panose="020B0604020202020204" pitchFamily="34" charset="0"/>
+              </a:rPr>
+              <a:t>Raccolta</a:t>
+            </a:r>
+            <a:r>
+              <a:rPr lang="en-US" sz="3200" b="1" dirty="0">
+                <a:solidFill>
+                  <a:srgbClr val="66C0F4"/>
+                </a:solidFill>
+                <a:cs typeface="Arial" panose="020B0604020202020204" pitchFamily="34" charset="0"/>
+              </a:rPr>
+              <a:t> e </a:t>
+            </a:r>
+            <a:r>
+              <a:rPr lang="en-US" sz="3200" b="1" dirty="0" err="1">
+                <a:solidFill>
+                  <a:srgbClr val="66C0F4"/>
+                </a:solidFill>
+                <a:cs typeface="Arial" panose="020B0604020202020204" pitchFamily="34" charset="0"/>
+              </a:rPr>
+              <a:t>Analisi</a:t>
+            </a:r>
+            <a:r>
+              <a:rPr lang="en-US" sz="3200" b="1" dirty="0">
+                <a:solidFill>
+                  <a:srgbClr val="66C0F4"/>
+                </a:solidFill>
+                <a:cs typeface="Arial" panose="020B0604020202020204" pitchFamily="34" charset="0"/>
+              </a:rPr>
+              <a:t> di Dati</a:t>
+            </a:r>
+          </a:p>
+        </p:txBody>
+      </p:sp>
+      <p:pic>
+        <p:nvPicPr>
+          <p:cNvPr id="6" name="Immagine 5" descr="Immagine che contiene Elementi grafici, cerchio, clipart, cartone animato">
+            <a:extLst>
+              <a:ext uri="{FF2B5EF4-FFF2-40B4-BE49-F238E27FC236}">
+                <a16:creationId xmlns:a16="http://schemas.microsoft.com/office/drawing/2014/main" id="{87E760CE-C2A7-EC63-76D5-22BB387C88C7}"/>
+              </a:ext>
+            </a:extLst>
+          </p:cNvPr>
+          <p:cNvPicPr>
+            <a:picLocks noChangeAspect="1"/>
+          </p:cNvPicPr>
+          <p:nvPr/>
+        </p:nvPicPr>
+        <p:blipFill>
+          <a:blip r:embed="rId2">
+            <a:alphaModFix/>
+            <a:extLst>
+              <a:ext uri="{28A0092B-C50C-407E-A947-70E740481C1C}">
+                <a14:useLocalDpi xmlns:a14="http://schemas.microsoft.com/office/drawing/2010/main" val="0"/>
+              </a:ext>
+            </a:extLst>
+          </a:blip>
+          <a:stretch>
+            <a:fillRect/>
+          </a:stretch>
+        </p:blipFill>
+        <p:spPr>
+          <a:xfrm>
+            <a:off x="11642903" y="0"/>
+            <a:ext cx="549097" cy="548640"/>
+          </a:xfrm>
+          <a:prstGeom prst="rect">
+            <a:avLst/>
+          </a:prstGeom>
+          <a:effectLst>
+            <a:glow>
+              <a:schemeClr val="accent1">
+                <a:alpha val="40000"/>
+              </a:schemeClr>
+            </a:glow>
+            <a:outerShdw blurRad="1270000" dist="50800" algn="ctr" rotWithShape="0">
+              <a:srgbClr val="000000"/>
+            </a:outerShdw>
+            <a:reflection endPos="0" dir="5400000" sy="-100000" algn="bl" rotWithShape="0"/>
+            <a:softEdge rad="0"/>
+          </a:effectLst>
+        </p:spPr>
+      </p:pic>
+      <p:sp>
+        <p:nvSpPr>
+          <p:cNvPr id="3" name="CasellaDiTesto 2">
+            <a:extLst>
+              <a:ext uri="{FF2B5EF4-FFF2-40B4-BE49-F238E27FC236}">
+                <a16:creationId xmlns:a16="http://schemas.microsoft.com/office/drawing/2014/main" id="{66A09A67-51D7-7886-B02C-929C198060AE}"/>
+              </a:ext>
+            </a:extLst>
+          </p:cNvPr>
+          <p:cNvSpPr txBox="1"/>
+          <p:nvPr/>
+        </p:nvSpPr>
+        <p:spPr>
+          <a:xfrm>
+            <a:off x="2022960" y="1048067"/>
+            <a:ext cx="8146080" cy="2862322"/>
+          </a:xfrm>
+          <a:prstGeom prst="rect">
+            <a:avLst/>
+          </a:prstGeom>
+          <a:noFill/>
+        </p:spPr>
+        <p:txBody>
+          <a:bodyPr wrap="square" rtlCol="0">
+            <a:spAutoFit/>
+          </a:bodyPr>
+          <a:lstStyle/>
+          <a:p>
+            <a:r>
+              <a:rPr lang="en-US" dirty="0"/>
+              <a:t>Il </a:t>
+            </a:r>
+            <a:r>
+              <a:rPr lang="en-US" dirty="0">
+                <a:solidFill>
+                  <a:srgbClr val="66C0F4"/>
+                </a:solidFill>
+              </a:rPr>
+              <a:t>database</a:t>
+            </a:r>
+            <a:r>
+              <a:rPr lang="en-US" dirty="0"/>
+              <a:t> </a:t>
+            </a:r>
+            <a:r>
+              <a:rPr lang="en-US" dirty="0" err="1"/>
+              <a:t>costruito</a:t>
+            </a:r>
+            <a:r>
+              <a:rPr lang="en-US" dirty="0"/>
+              <a:t> </a:t>
+            </a:r>
+            <a:r>
+              <a:rPr lang="en-US" dirty="0" err="1"/>
+              <a:t>contiene</a:t>
+            </a:r>
+            <a:r>
+              <a:rPr lang="en-US" dirty="0"/>
+              <a:t> </a:t>
+            </a:r>
+            <a:r>
+              <a:rPr lang="en-US" dirty="0" err="1"/>
+              <a:t>informazioni</a:t>
+            </a:r>
+            <a:r>
+              <a:rPr lang="en-US" dirty="0"/>
+              <a:t> sui </a:t>
+            </a:r>
+            <a:r>
+              <a:rPr lang="en-US" dirty="0" err="1">
+                <a:solidFill>
+                  <a:srgbClr val="66C0F4"/>
+                </a:solidFill>
+              </a:rPr>
+              <a:t>Videogiochi</a:t>
+            </a:r>
+            <a:r>
+              <a:rPr lang="en-US" dirty="0"/>
+              <a:t> </a:t>
+            </a:r>
+            <a:r>
+              <a:rPr lang="en-US" dirty="0" err="1"/>
+              <a:t>distribuiti</a:t>
+            </a:r>
+            <a:r>
+              <a:rPr lang="en-US" dirty="0"/>
+              <a:t> da STEAM, </a:t>
+            </a:r>
+            <a:r>
+              <a:rPr lang="en-US" dirty="0" err="1"/>
+              <a:t>coprendo</a:t>
+            </a:r>
+            <a:r>
+              <a:rPr lang="en-US" dirty="0"/>
+              <a:t> </a:t>
+            </a:r>
+            <a:r>
+              <a:rPr lang="en-US" dirty="0" err="1"/>
+              <a:t>gli</a:t>
+            </a:r>
+            <a:r>
+              <a:rPr lang="en-US" dirty="0"/>
+              <a:t> anni dal 2003 al 2022.</a:t>
+            </a:r>
+          </a:p>
+          <a:p>
+            <a:endParaRPr lang="en-US" dirty="0"/>
+          </a:p>
+          <a:p>
+            <a:r>
+              <a:rPr lang="en-US" dirty="0"/>
+              <a:t>I </a:t>
+            </a:r>
+            <a:r>
+              <a:rPr lang="en-US" dirty="0" err="1"/>
+              <a:t>dati</a:t>
+            </a:r>
+            <a:r>
+              <a:rPr lang="en-US" dirty="0"/>
+              <a:t> </a:t>
+            </a:r>
+            <a:r>
+              <a:rPr lang="en-US" dirty="0" err="1"/>
+              <a:t>raccolti</a:t>
+            </a:r>
+            <a:r>
+              <a:rPr lang="en-US" dirty="0"/>
+              <a:t> </a:t>
+            </a:r>
+            <a:r>
+              <a:rPr lang="en-US" dirty="0" err="1"/>
+              <a:t>contengono</a:t>
+            </a:r>
+            <a:r>
+              <a:rPr lang="en-US" dirty="0"/>
+              <a:t> </a:t>
+            </a:r>
+            <a:r>
+              <a:rPr lang="en-US" dirty="0" err="1"/>
+              <a:t>informazioni</a:t>
+            </a:r>
+            <a:r>
+              <a:rPr lang="en-US" dirty="0"/>
+              <a:t> </a:t>
+            </a:r>
+            <a:r>
+              <a:rPr lang="en-US" dirty="0" err="1"/>
+              <a:t>su</a:t>
+            </a:r>
+            <a:r>
+              <a:rPr lang="en-US" dirty="0"/>
+              <a:t> </a:t>
+            </a:r>
+            <a:r>
+              <a:rPr lang="en-US" dirty="0">
+                <a:solidFill>
+                  <a:srgbClr val="66C0F4"/>
+                </a:solidFill>
+              </a:rPr>
+              <a:t>72934</a:t>
+            </a:r>
+            <a:r>
+              <a:rPr lang="en-US" dirty="0"/>
+              <a:t> </a:t>
+            </a:r>
+            <a:r>
+              <a:rPr lang="en-US" dirty="0" err="1"/>
+              <a:t>Videogiochi</a:t>
+            </a:r>
+            <a:r>
+              <a:rPr lang="en-US" dirty="0"/>
+              <a:t>:</a:t>
+            </a:r>
+          </a:p>
+          <a:p>
+            <a:r>
+              <a:rPr lang="en-US" dirty="0"/>
+              <a:t>Le </a:t>
+            </a:r>
+            <a:r>
+              <a:rPr lang="en-US" dirty="0" err="1">
+                <a:solidFill>
+                  <a:srgbClr val="66C0F4"/>
+                </a:solidFill>
+              </a:rPr>
+              <a:t>righe</a:t>
+            </a:r>
+            <a:r>
+              <a:rPr lang="en-US" dirty="0"/>
+              <a:t> di </a:t>
+            </a:r>
+            <a:r>
+              <a:rPr lang="en-US" dirty="0" err="1"/>
+              <a:t>questo</a:t>
+            </a:r>
+            <a:r>
+              <a:rPr lang="en-US" dirty="0"/>
+              <a:t> dataset </a:t>
+            </a:r>
+            <a:r>
+              <a:rPr lang="en-US" dirty="0" err="1"/>
+              <a:t>contengono</a:t>
+            </a:r>
+            <a:r>
+              <a:rPr lang="en-US" dirty="0"/>
+              <a:t> diverse </a:t>
+            </a:r>
+            <a:r>
+              <a:rPr lang="en-US" dirty="0" err="1">
+                <a:solidFill>
+                  <a:srgbClr val="66C0F4"/>
+                </a:solidFill>
+              </a:rPr>
+              <a:t>informazioni</a:t>
+            </a:r>
+            <a:r>
+              <a:rPr lang="en-US" dirty="0"/>
+              <a:t> </a:t>
+            </a:r>
+            <a:r>
+              <a:rPr lang="en-US" dirty="0" err="1"/>
+              <a:t>economiche</a:t>
+            </a:r>
+            <a:r>
+              <a:rPr lang="en-US" dirty="0"/>
+              <a:t>, </a:t>
+            </a:r>
+            <a:r>
+              <a:rPr lang="en-US" dirty="0" err="1"/>
+              <a:t>storiche</a:t>
+            </a:r>
+            <a:r>
+              <a:rPr lang="en-US" dirty="0"/>
+              <a:t> e </a:t>
+            </a:r>
+            <a:r>
+              <a:rPr lang="en-US" dirty="0" err="1"/>
+              <a:t>categoriche</a:t>
+            </a:r>
+            <a:r>
+              <a:rPr lang="en-US" dirty="0"/>
+              <a:t> sui </a:t>
+            </a:r>
+            <a:r>
+              <a:rPr lang="en-US" dirty="0" err="1"/>
+              <a:t>Videogiochi</a:t>
+            </a:r>
+            <a:r>
+              <a:rPr lang="en-US" dirty="0"/>
+              <a:t> </a:t>
+            </a:r>
+            <a:r>
+              <a:rPr lang="en-US" dirty="0" err="1"/>
+              <a:t>tra</a:t>
+            </a:r>
+            <a:r>
+              <a:rPr lang="en-US" dirty="0"/>
+              <a:t> le </a:t>
+            </a:r>
+            <a:r>
+              <a:rPr lang="en-US" dirty="0" err="1"/>
+              <a:t>quali</a:t>
+            </a:r>
+            <a:r>
+              <a:rPr lang="en-US" dirty="0"/>
+              <a:t>:</a:t>
+            </a:r>
+          </a:p>
+          <a:p>
+            <a:pPr marL="285750" indent="-285750">
+              <a:buFont typeface="Arial" panose="020B0604020202020204" pitchFamily="34" charset="0"/>
+              <a:buChar char="•"/>
+            </a:pPr>
+            <a:r>
+              <a:rPr lang="en-US" b="1" dirty="0">
+                <a:solidFill>
+                  <a:srgbClr val="66C0F4"/>
+                </a:solidFill>
+              </a:rPr>
+              <a:t>Data</a:t>
+            </a:r>
+            <a:r>
+              <a:rPr lang="en-US" dirty="0"/>
+              <a:t> di </a:t>
+            </a:r>
+            <a:r>
+              <a:rPr lang="en-US" dirty="0" err="1"/>
+              <a:t>uscita</a:t>
+            </a:r>
+            <a:endParaRPr lang="en-US" dirty="0"/>
+          </a:p>
+          <a:p>
+            <a:pPr marL="285750" indent="-285750">
+              <a:buFont typeface="Arial" panose="020B0604020202020204" pitchFamily="34" charset="0"/>
+              <a:buChar char="•"/>
+            </a:pPr>
+            <a:r>
+              <a:rPr lang="en-US" b="1" dirty="0">
+                <a:solidFill>
+                  <a:srgbClr val="66C0F4"/>
+                </a:solidFill>
+              </a:rPr>
+              <a:t>Prezzo</a:t>
+            </a:r>
+            <a:r>
+              <a:rPr lang="en-US" dirty="0"/>
+              <a:t> di </a:t>
+            </a:r>
+            <a:r>
+              <a:rPr lang="en-US" dirty="0" err="1"/>
+              <a:t>vendita</a:t>
+            </a:r>
+            <a:endParaRPr lang="en-US" dirty="0"/>
+          </a:p>
+          <a:p>
+            <a:pPr marL="285750" indent="-285750">
+              <a:buFont typeface="Arial" panose="020B0604020202020204" pitchFamily="34" charset="0"/>
+              <a:buChar char="•"/>
+            </a:pPr>
+            <a:r>
+              <a:rPr lang="en-US" b="1" dirty="0" err="1">
+                <a:solidFill>
+                  <a:srgbClr val="66C0F4"/>
+                </a:solidFill>
+              </a:rPr>
+              <a:t>Genere</a:t>
+            </a:r>
+            <a:endParaRPr lang="en-US" b="1" dirty="0">
+              <a:solidFill>
+                <a:srgbClr val="66C0F4"/>
+              </a:solidFill>
+            </a:endParaRPr>
+          </a:p>
+          <a:p>
+            <a:pPr marL="285750" indent="-285750">
+              <a:buClr>
+                <a:srgbClr val="66C0F4"/>
+              </a:buClr>
+              <a:buFont typeface="Arial" panose="020B0604020202020204" pitchFamily="34" charset="0"/>
+              <a:buChar char="•"/>
+            </a:pPr>
+            <a:r>
+              <a:rPr lang="en-US" dirty="0" err="1"/>
+              <a:t>Numero</a:t>
+            </a:r>
+            <a:r>
+              <a:rPr lang="en-US" dirty="0"/>
+              <a:t> di </a:t>
+            </a:r>
+            <a:r>
+              <a:rPr lang="en-US" b="1" dirty="0">
+                <a:solidFill>
+                  <a:srgbClr val="66C0F4"/>
+                </a:solidFill>
+              </a:rPr>
+              <a:t>downloads</a:t>
+            </a:r>
+            <a:r>
+              <a:rPr lang="en-US" dirty="0"/>
+              <a:t>/</a:t>
+            </a:r>
+            <a:r>
+              <a:rPr lang="en-US" dirty="0" err="1"/>
+              <a:t>acquisti</a:t>
+            </a:r>
+            <a:endParaRPr lang="en-US" dirty="0"/>
+          </a:p>
+        </p:txBody>
+      </p:sp>
+      <p:sp>
+        <p:nvSpPr>
+          <p:cNvPr id="4" name="Titolo 1">
+            <a:extLst>
+              <a:ext uri="{FF2B5EF4-FFF2-40B4-BE49-F238E27FC236}">
+                <a16:creationId xmlns:a16="http://schemas.microsoft.com/office/drawing/2014/main" id="{07958123-3581-532E-A0B7-DCD59CEEFCF3}"/>
+              </a:ext>
+            </a:extLst>
+          </p:cNvPr>
+          <p:cNvSpPr txBox="1">
+            <a:spLocks/>
+          </p:cNvSpPr>
+          <p:nvPr/>
+        </p:nvSpPr>
+        <p:spPr>
+          <a:xfrm>
+            <a:off x="838200" y="4324407"/>
+            <a:ext cx="10515600" cy="998855"/>
+          </a:xfrm>
+          <a:prstGeom prst="rect">
+            <a:avLst/>
+          </a:prstGeom>
+        </p:spPr>
+        <p:txBody>
+          <a:bodyPr vert="horz" lIns="91440" tIns="45720" rIns="91440" bIns="45720" rtlCol="0" anchor="ctr">
+            <a:normAutofit/>
+          </a:bodyPr>
+          <a:lstStyle>
+            <a:lvl1pPr algn="l" defTabSz="914400" rtl="0" eaLnBrk="1" latinLnBrk="0" hangingPunct="1">
+              <a:lnSpc>
+                <a:spcPct val="90000"/>
+              </a:lnSpc>
+              <a:spcBef>
+                <a:spcPct val="0"/>
+              </a:spcBef>
+              <a:buNone/>
+              <a:defRPr sz="4400" kern="1200">
+                <a:solidFill>
+                  <a:schemeClr val="tx1"/>
+                </a:solidFill>
+                <a:latin typeface="+mj-lt"/>
+                <a:ea typeface="+mj-ea"/>
+                <a:cs typeface="+mj-cs"/>
+              </a:defRPr>
+            </a:lvl1pPr>
+          </a:lstStyle>
+          <a:p>
+            <a:pPr algn="ctr"/>
+            <a:r>
+              <a:rPr lang="en-US" sz="3200" b="1" dirty="0">
+                <a:solidFill>
+                  <a:srgbClr val="66C0F4"/>
+                </a:solidFill>
+                <a:cs typeface="Arial" panose="020B0604020202020204" pitchFamily="34" charset="0"/>
+              </a:rPr>
+              <a:t>Data sources</a:t>
+            </a:r>
+          </a:p>
+        </p:txBody>
+      </p:sp>
+      <p:sp>
+        <p:nvSpPr>
+          <p:cNvPr id="5" name="CasellaDiTesto 4">
+            <a:extLst>
+              <a:ext uri="{FF2B5EF4-FFF2-40B4-BE49-F238E27FC236}">
+                <a16:creationId xmlns:a16="http://schemas.microsoft.com/office/drawing/2014/main" id="{80F125E3-8D35-5990-38A8-952821B2A9D1}"/>
+              </a:ext>
+            </a:extLst>
+          </p:cNvPr>
+          <p:cNvSpPr txBox="1"/>
+          <p:nvPr/>
+        </p:nvSpPr>
+        <p:spPr>
+          <a:xfrm>
+            <a:off x="2022960" y="5323262"/>
+            <a:ext cx="8146080" cy="646331"/>
+          </a:xfrm>
+          <a:prstGeom prst="rect">
+            <a:avLst/>
+          </a:prstGeom>
+          <a:noFill/>
+        </p:spPr>
+        <p:txBody>
+          <a:bodyPr wrap="square" rtlCol="0">
+            <a:spAutoFit/>
+          </a:bodyPr>
+          <a:lstStyle/>
+          <a:p>
+            <a:pPr algn="ctr"/>
+            <a:r>
+              <a:rPr lang="en-US" dirty="0"/>
+              <a:t>STEAM API – Dati del dataset</a:t>
+            </a:r>
+          </a:p>
+          <a:p>
+            <a:pPr algn="ctr"/>
+            <a:r>
+              <a:rPr lang="en-US" dirty="0"/>
+              <a:t>Ark invest Big Ideas 2021 – “Breakdown of Global Gaming Revenue”</a:t>
+            </a:r>
+          </a:p>
+        </p:txBody>
+      </p:sp>
+    </p:spTree>
+    <p:extLst>
+      <p:ext uri="{BB962C8B-B14F-4D97-AF65-F5344CB8AC3E}">
+        <p14:creationId xmlns:p14="http://schemas.microsoft.com/office/powerpoint/2010/main" val="3582928180"/>
+      </p:ext>
+    </p:extLst>
+  </p:cSld>
+  <p:clrMapOvr>
+    <a:masterClrMapping/>
+  </p:clrMapOvr>
+</p:sld>
+</file>
+
+<file path=ppt/slides/slide30.xml><?xml version="1.0" encoding="utf-8"?>
 <p:sld xmlns:a="http://schemas.openxmlformats.org/drawingml/2006/main" xmlns:r="http://schemas.openxmlformats.org/officeDocument/2006/relationships" xmlns:p="http://schemas.openxmlformats.org/presentationml/2006/main">
   <p:cSld>
     <p:bg>
@@ -14573,633 +15469,6 @@
     <p:extLst>
       <p:ext uri="{BB962C8B-B14F-4D97-AF65-F5344CB8AC3E}">
         <p14:creationId xmlns:p14="http://schemas.microsoft.com/office/powerpoint/2010/main" val="2337058424"/>
-      </p:ext>
-    </p:extLst>
-  </p:cSld>
-  <p:clrMapOvr>
-    <a:masterClrMapping/>
-  </p:clrMapOvr>
-</p:sld>
-</file>
-
-<file path=ppt/slides/slide3.xml><?xml version="1.0" encoding="utf-8"?>
-<p:sld xmlns:a="http://schemas.openxmlformats.org/drawingml/2006/main" xmlns:r="http://schemas.openxmlformats.org/officeDocument/2006/relationships" xmlns:p="http://schemas.openxmlformats.org/presentationml/2006/main">
-  <p:cSld>
-    <p:bg>
-      <p:bgPr>
-        <a:solidFill>
-          <a:srgbClr val="171A21"/>
-        </a:solidFill>
-        <a:effectLst/>
-      </p:bgPr>
-    </p:bg>
-    <p:spTree>
-      <p:nvGrpSpPr>
-        <p:cNvPr id="1" name=""/>
-        <p:cNvGrpSpPr/>
-        <p:nvPr/>
-      </p:nvGrpSpPr>
-      <p:grpSpPr>
-        <a:xfrm>
-          <a:off x="0" y="0"/>
-          <a:ext cx="0" cy="0"/>
-          <a:chOff x="0" y="0"/>
-          <a:chExt cx="0" cy="0"/>
-        </a:xfrm>
-      </p:grpSpPr>
-      <p:sp>
-        <p:nvSpPr>
-          <p:cNvPr id="2" name="Titolo 1">
-            <a:extLst>
-              <a:ext uri="{FF2B5EF4-FFF2-40B4-BE49-F238E27FC236}">
-                <a16:creationId xmlns:a16="http://schemas.microsoft.com/office/drawing/2014/main" id="{B1E173E4-9095-D5C5-0AE2-752B1C242227}"/>
-              </a:ext>
-            </a:extLst>
-          </p:cNvPr>
-          <p:cNvSpPr>
-            <a:spLocks noGrp="1"/>
-          </p:cNvSpPr>
-          <p:nvPr>
-            <p:ph type="title"/>
-          </p:nvPr>
-        </p:nvSpPr>
-        <p:spPr>
-          <a:xfrm>
-            <a:off x="838200" y="49212"/>
-            <a:ext cx="10515600" cy="998855"/>
-          </a:xfrm>
-        </p:spPr>
-        <p:txBody>
-          <a:bodyPr>
-            <a:normAutofit/>
-          </a:bodyPr>
-          <a:lstStyle/>
-          <a:p>
-            <a:pPr algn="ctr"/>
-            <a:r>
-              <a:rPr lang="en-US" sz="3200" b="1" dirty="0" err="1">
-                <a:solidFill>
-                  <a:srgbClr val="66C0F4"/>
-                </a:solidFill>
-                <a:cs typeface="Arial" panose="020B0604020202020204" pitchFamily="34" charset="0"/>
-              </a:rPr>
-              <a:t>Raccolta</a:t>
-            </a:r>
-            <a:r>
-              <a:rPr lang="en-US" sz="3200" b="1" dirty="0">
-                <a:solidFill>
-                  <a:srgbClr val="66C0F4"/>
-                </a:solidFill>
-                <a:cs typeface="Arial" panose="020B0604020202020204" pitchFamily="34" charset="0"/>
-              </a:rPr>
-              <a:t> e </a:t>
-            </a:r>
-            <a:r>
-              <a:rPr lang="en-US" sz="3200" b="1" dirty="0" err="1">
-                <a:solidFill>
-                  <a:srgbClr val="66C0F4"/>
-                </a:solidFill>
-                <a:cs typeface="Arial" panose="020B0604020202020204" pitchFamily="34" charset="0"/>
-              </a:rPr>
-              <a:t>Analisi</a:t>
-            </a:r>
-            <a:r>
-              <a:rPr lang="en-US" sz="3200" b="1" dirty="0">
-                <a:solidFill>
-                  <a:srgbClr val="66C0F4"/>
-                </a:solidFill>
-                <a:cs typeface="Arial" panose="020B0604020202020204" pitchFamily="34" charset="0"/>
-              </a:rPr>
-              <a:t> di Dati</a:t>
-            </a:r>
-          </a:p>
-        </p:txBody>
-      </p:sp>
-      <p:pic>
-        <p:nvPicPr>
-          <p:cNvPr id="6" name="Immagine 5" descr="Immagine che contiene Elementi grafici, cerchio, clipart, cartone animato">
-            <a:extLst>
-              <a:ext uri="{FF2B5EF4-FFF2-40B4-BE49-F238E27FC236}">
-                <a16:creationId xmlns:a16="http://schemas.microsoft.com/office/drawing/2014/main" id="{87E760CE-C2A7-EC63-76D5-22BB387C88C7}"/>
-              </a:ext>
-            </a:extLst>
-          </p:cNvPr>
-          <p:cNvPicPr>
-            <a:picLocks noChangeAspect="1"/>
-          </p:cNvPicPr>
-          <p:nvPr/>
-        </p:nvPicPr>
-        <p:blipFill>
-          <a:blip r:embed="rId2">
-            <a:alphaModFix/>
-            <a:extLst>
-              <a:ext uri="{28A0092B-C50C-407E-A947-70E740481C1C}">
-                <a14:useLocalDpi xmlns:a14="http://schemas.microsoft.com/office/drawing/2010/main" val="0"/>
-              </a:ext>
-            </a:extLst>
-          </a:blip>
-          <a:stretch>
-            <a:fillRect/>
-          </a:stretch>
-        </p:blipFill>
-        <p:spPr>
-          <a:xfrm>
-            <a:off x="11642903" y="0"/>
-            <a:ext cx="549097" cy="548640"/>
-          </a:xfrm>
-          <a:prstGeom prst="rect">
-            <a:avLst/>
-          </a:prstGeom>
-          <a:effectLst>
-            <a:glow>
-              <a:schemeClr val="accent1">
-                <a:alpha val="40000"/>
-              </a:schemeClr>
-            </a:glow>
-            <a:outerShdw blurRad="1270000" dist="50800" algn="ctr" rotWithShape="0">
-              <a:srgbClr val="000000"/>
-            </a:outerShdw>
-            <a:reflection endPos="0" dir="5400000" sy="-100000" algn="bl" rotWithShape="0"/>
-            <a:softEdge rad="0"/>
-          </a:effectLst>
-        </p:spPr>
-      </p:pic>
-      <p:sp>
-        <p:nvSpPr>
-          <p:cNvPr id="3" name="CasellaDiTesto 2">
-            <a:extLst>
-              <a:ext uri="{FF2B5EF4-FFF2-40B4-BE49-F238E27FC236}">
-                <a16:creationId xmlns:a16="http://schemas.microsoft.com/office/drawing/2014/main" id="{66A09A67-51D7-7886-B02C-929C198060AE}"/>
-              </a:ext>
-            </a:extLst>
-          </p:cNvPr>
-          <p:cNvSpPr txBox="1"/>
-          <p:nvPr/>
-        </p:nvSpPr>
-        <p:spPr>
-          <a:xfrm>
-            <a:off x="2022960" y="1048067"/>
-            <a:ext cx="8146080" cy="2862322"/>
-          </a:xfrm>
-          <a:prstGeom prst="rect">
-            <a:avLst/>
-          </a:prstGeom>
-          <a:noFill/>
-        </p:spPr>
-        <p:txBody>
-          <a:bodyPr wrap="square" rtlCol="0">
-            <a:spAutoFit/>
-          </a:bodyPr>
-          <a:lstStyle/>
-          <a:p>
-            <a:r>
-              <a:rPr lang="en-US" dirty="0"/>
-              <a:t>Il </a:t>
-            </a:r>
-            <a:r>
-              <a:rPr lang="en-US" dirty="0">
-                <a:solidFill>
-                  <a:srgbClr val="66C0F4"/>
-                </a:solidFill>
-              </a:rPr>
-              <a:t>database</a:t>
-            </a:r>
-            <a:r>
-              <a:rPr lang="en-US" dirty="0"/>
-              <a:t> </a:t>
-            </a:r>
-            <a:r>
-              <a:rPr lang="en-US" dirty="0" err="1"/>
-              <a:t>costruito</a:t>
-            </a:r>
-            <a:r>
-              <a:rPr lang="en-US" dirty="0"/>
-              <a:t> </a:t>
-            </a:r>
-            <a:r>
-              <a:rPr lang="en-US" dirty="0" err="1"/>
-              <a:t>contiene</a:t>
-            </a:r>
-            <a:r>
-              <a:rPr lang="en-US" dirty="0"/>
-              <a:t> </a:t>
-            </a:r>
-            <a:r>
-              <a:rPr lang="en-US" dirty="0" err="1"/>
-              <a:t>informazioni</a:t>
-            </a:r>
-            <a:r>
-              <a:rPr lang="en-US" dirty="0"/>
-              <a:t> sui </a:t>
-            </a:r>
-            <a:r>
-              <a:rPr lang="en-US" dirty="0" err="1">
-                <a:solidFill>
-                  <a:srgbClr val="66C0F4"/>
-                </a:solidFill>
-              </a:rPr>
-              <a:t>Videogiochi</a:t>
-            </a:r>
-            <a:r>
-              <a:rPr lang="en-US" dirty="0"/>
-              <a:t> </a:t>
-            </a:r>
-            <a:r>
-              <a:rPr lang="en-US" dirty="0" err="1"/>
-              <a:t>distribuiti</a:t>
-            </a:r>
-            <a:r>
-              <a:rPr lang="en-US" dirty="0"/>
-              <a:t> da STEAM, </a:t>
-            </a:r>
-            <a:r>
-              <a:rPr lang="en-US" dirty="0" err="1"/>
-              <a:t>coprendo</a:t>
-            </a:r>
-            <a:r>
-              <a:rPr lang="en-US" dirty="0"/>
-              <a:t> </a:t>
-            </a:r>
-            <a:r>
-              <a:rPr lang="en-US" dirty="0" err="1"/>
-              <a:t>gli</a:t>
-            </a:r>
-            <a:r>
-              <a:rPr lang="en-US" dirty="0"/>
-              <a:t> anni dal 2003 al 2022.</a:t>
-            </a:r>
-          </a:p>
-          <a:p>
-            <a:endParaRPr lang="en-US" dirty="0"/>
-          </a:p>
-          <a:p>
-            <a:r>
-              <a:rPr lang="en-US" dirty="0"/>
-              <a:t>I </a:t>
-            </a:r>
-            <a:r>
-              <a:rPr lang="en-US" dirty="0" err="1"/>
-              <a:t>dati</a:t>
-            </a:r>
-            <a:r>
-              <a:rPr lang="en-US" dirty="0"/>
-              <a:t> </a:t>
-            </a:r>
-            <a:r>
-              <a:rPr lang="en-US" dirty="0" err="1"/>
-              <a:t>raccolti</a:t>
-            </a:r>
-            <a:r>
-              <a:rPr lang="en-US" dirty="0"/>
-              <a:t> </a:t>
-            </a:r>
-            <a:r>
-              <a:rPr lang="en-US" dirty="0" err="1"/>
-              <a:t>contengono</a:t>
-            </a:r>
-            <a:r>
-              <a:rPr lang="en-US" dirty="0"/>
-              <a:t> </a:t>
-            </a:r>
-            <a:r>
-              <a:rPr lang="en-US" dirty="0" err="1"/>
-              <a:t>informazioni</a:t>
-            </a:r>
-            <a:r>
-              <a:rPr lang="en-US" dirty="0"/>
-              <a:t> </a:t>
-            </a:r>
-            <a:r>
-              <a:rPr lang="en-US" dirty="0" err="1"/>
-              <a:t>su</a:t>
-            </a:r>
-            <a:r>
-              <a:rPr lang="en-US" dirty="0"/>
-              <a:t> </a:t>
-            </a:r>
-            <a:r>
-              <a:rPr lang="en-US" dirty="0">
-                <a:solidFill>
-                  <a:srgbClr val="66C0F4"/>
-                </a:solidFill>
-              </a:rPr>
-              <a:t>72934</a:t>
-            </a:r>
-            <a:r>
-              <a:rPr lang="en-US" dirty="0"/>
-              <a:t> </a:t>
-            </a:r>
-            <a:r>
-              <a:rPr lang="en-US" dirty="0" err="1"/>
-              <a:t>Videogiochi</a:t>
-            </a:r>
-            <a:r>
-              <a:rPr lang="en-US" dirty="0"/>
-              <a:t>:</a:t>
-            </a:r>
-          </a:p>
-          <a:p>
-            <a:r>
-              <a:rPr lang="en-US" dirty="0"/>
-              <a:t>Le </a:t>
-            </a:r>
-            <a:r>
-              <a:rPr lang="en-US" dirty="0" err="1">
-                <a:solidFill>
-                  <a:srgbClr val="66C0F4"/>
-                </a:solidFill>
-              </a:rPr>
-              <a:t>righe</a:t>
-            </a:r>
-            <a:r>
-              <a:rPr lang="en-US" dirty="0"/>
-              <a:t> di </a:t>
-            </a:r>
-            <a:r>
-              <a:rPr lang="en-US" dirty="0" err="1"/>
-              <a:t>questo</a:t>
-            </a:r>
-            <a:r>
-              <a:rPr lang="en-US" dirty="0"/>
-              <a:t> dataset </a:t>
-            </a:r>
-            <a:r>
-              <a:rPr lang="en-US" dirty="0" err="1"/>
-              <a:t>contengono</a:t>
-            </a:r>
-            <a:r>
-              <a:rPr lang="en-US" dirty="0"/>
-              <a:t> diverse </a:t>
-            </a:r>
-            <a:r>
-              <a:rPr lang="en-US" dirty="0" err="1">
-                <a:solidFill>
-                  <a:srgbClr val="66C0F4"/>
-                </a:solidFill>
-              </a:rPr>
-              <a:t>informazioni</a:t>
-            </a:r>
-            <a:r>
-              <a:rPr lang="en-US" dirty="0"/>
-              <a:t> </a:t>
-            </a:r>
-            <a:r>
-              <a:rPr lang="en-US" dirty="0" err="1"/>
-              <a:t>economiche</a:t>
-            </a:r>
-            <a:r>
-              <a:rPr lang="en-US" dirty="0"/>
-              <a:t>, </a:t>
-            </a:r>
-            <a:r>
-              <a:rPr lang="en-US" dirty="0" err="1"/>
-              <a:t>storiche</a:t>
-            </a:r>
-            <a:r>
-              <a:rPr lang="en-US" dirty="0"/>
-              <a:t> e </a:t>
-            </a:r>
-            <a:r>
-              <a:rPr lang="en-US" dirty="0" err="1"/>
-              <a:t>categoriche</a:t>
-            </a:r>
-            <a:r>
-              <a:rPr lang="en-US" dirty="0"/>
-              <a:t> sui </a:t>
-            </a:r>
-            <a:r>
-              <a:rPr lang="en-US" dirty="0" err="1"/>
-              <a:t>Videogiochi</a:t>
-            </a:r>
-            <a:r>
-              <a:rPr lang="en-US" dirty="0"/>
-              <a:t> </a:t>
-            </a:r>
-            <a:r>
-              <a:rPr lang="en-US" dirty="0" err="1"/>
-              <a:t>tra</a:t>
-            </a:r>
-            <a:r>
-              <a:rPr lang="en-US" dirty="0"/>
-              <a:t> le </a:t>
-            </a:r>
-            <a:r>
-              <a:rPr lang="en-US" dirty="0" err="1"/>
-              <a:t>quali</a:t>
-            </a:r>
-            <a:r>
-              <a:rPr lang="en-US" dirty="0"/>
-              <a:t>:</a:t>
-            </a:r>
-          </a:p>
-          <a:p>
-            <a:pPr marL="285750" indent="-285750">
-              <a:buFont typeface="Arial" panose="020B0604020202020204" pitchFamily="34" charset="0"/>
-              <a:buChar char="•"/>
-            </a:pPr>
-            <a:r>
-              <a:rPr lang="en-US" b="1" dirty="0">
-                <a:solidFill>
-                  <a:srgbClr val="66C0F4"/>
-                </a:solidFill>
-              </a:rPr>
-              <a:t>Data</a:t>
-            </a:r>
-            <a:r>
-              <a:rPr lang="en-US" dirty="0"/>
-              <a:t> di </a:t>
-            </a:r>
-            <a:r>
-              <a:rPr lang="en-US" dirty="0" err="1"/>
-              <a:t>uscita</a:t>
-            </a:r>
-            <a:endParaRPr lang="en-US" dirty="0"/>
-          </a:p>
-          <a:p>
-            <a:pPr marL="285750" indent="-285750">
-              <a:buFont typeface="Arial" panose="020B0604020202020204" pitchFamily="34" charset="0"/>
-              <a:buChar char="•"/>
-            </a:pPr>
-            <a:r>
-              <a:rPr lang="en-US" b="1" dirty="0">
-                <a:solidFill>
-                  <a:srgbClr val="66C0F4"/>
-                </a:solidFill>
-              </a:rPr>
-              <a:t>Prezzo</a:t>
-            </a:r>
-            <a:r>
-              <a:rPr lang="en-US" dirty="0"/>
-              <a:t> di </a:t>
-            </a:r>
-            <a:r>
-              <a:rPr lang="en-US" dirty="0" err="1"/>
-              <a:t>vendita</a:t>
-            </a:r>
-            <a:endParaRPr lang="en-US" dirty="0"/>
-          </a:p>
-          <a:p>
-            <a:pPr marL="285750" indent="-285750">
-              <a:buFont typeface="Arial" panose="020B0604020202020204" pitchFamily="34" charset="0"/>
-              <a:buChar char="•"/>
-            </a:pPr>
-            <a:r>
-              <a:rPr lang="en-US" b="1" dirty="0" err="1">
-                <a:solidFill>
-                  <a:srgbClr val="66C0F4"/>
-                </a:solidFill>
-              </a:rPr>
-              <a:t>Genere</a:t>
-            </a:r>
-            <a:endParaRPr lang="en-US" b="1" dirty="0">
-              <a:solidFill>
-                <a:srgbClr val="66C0F4"/>
-              </a:solidFill>
-            </a:endParaRPr>
-          </a:p>
-          <a:p>
-            <a:pPr marL="285750" indent="-285750">
-              <a:buClr>
-                <a:srgbClr val="66C0F4"/>
-              </a:buClr>
-              <a:buFont typeface="Arial" panose="020B0604020202020204" pitchFamily="34" charset="0"/>
-              <a:buChar char="•"/>
-            </a:pPr>
-            <a:r>
-              <a:rPr lang="en-US" dirty="0" err="1"/>
-              <a:t>Numero</a:t>
-            </a:r>
-            <a:r>
-              <a:rPr lang="en-US" dirty="0"/>
-              <a:t> di </a:t>
-            </a:r>
-            <a:r>
-              <a:rPr lang="en-US" b="1" dirty="0">
-                <a:solidFill>
-                  <a:srgbClr val="66C0F4"/>
-                </a:solidFill>
-              </a:rPr>
-              <a:t>downloads</a:t>
-            </a:r>
-            <a:r>
-              <a:rPr lang="en-US" dirty="0"/>
-              <a:t>/</a:t>
-            </a:r>
-            <a:r>
-              <a:rPr lang="en-US" dirty="0" err="1"/>
-              <a:t>acquisti</a:t>
-            </a:r>
-            <a:endParaRPr lang="en-US" dirty="0"/>
-          </a:p>
-        </p:txBody>
-      </p:sp>
-      <p:sp>
-        <p:nvSpPr>
-          <p:cNvPr id="4" name="Titolo 1">
-            <a:extLst>
-              <a:ext uri="{FF2B5EF4-FFF2-40B4-BE49-F238E27FC236}">
-                <a16:creationId xmlns:a16="http://schemas.microsoft.com/office/drawing/2014/main" id="{07958123-3581-532E-A0B7-DCD59CEEFCF3}"/>
-              </a:ext>
-            </a:extLst>
-          </p:cNvPr>
-          <p:cNvSpPr txBox="1">
-            <a:spLocks/>
-          </p:cNvSpPr>
-          <p:nvPr/>
-        </p:nvSpPr>
-        <p:spPr>
-          <a:xfrm>
-            <a:off x="838200" y="4324407"/>
-            <a:ext cx="10515600" cy="998855"/>
-          </a:xfrm>
-          <a:prstGeom prst="rect">
-            <a:avLst/>
-          </a:prstGeom>
-        </p:spPr>
-        <p:txBody>
-          <a:bodyPr vert="horz" lIns="91440" tIns="45720" rIns="91440" bIns="45720" rtlCol="0" anchor="ctr">
-            <a:normAutofit/>
-          </a:bodyPr>
-          <a:lstStyle>
-            <a:lvl1pPr algn="l" defTabSz="914400" rtl="0" eaLnBrk="1" latinLnBrk="0" hangingPunct="1">
-              <a:lnSpc>
-                <a:spcPct val="90000"/>
-              </a:lnSpc>
-              <a:spcBef>
-                <a:spcPct val="0"/>
-              </a:spcBef>
-              <a:buNone/>
-              <a:defRPr sz="4400" kern="1200">
-                <a:solidFill>
-                  <a:schemeClr val="tx1"/>
-                </a:solidFill>
-                <a:latin typeface="+mj-lt"/>
-                <a:ea typeface="+mj-ea"/>
-                <a:cs typeface="+mj-cs"/>
-              </a:defRPr>
-            </a:lvl1pPr>
-          </a:lstStyle>
-          <a:p>
-            <a:pPr algn="ctr"/>
-            <a:r>
-              <a:rPr lang="en-US" sz="3200" b="1" dirty="0">
-                <a:solidFill>
-                  <a:srgbClr val="66C0F4"/>
-                </a:solidFill>
-                <a:cs typeface="Arial" panose="020B0604020202020204" pitchFamily="34" charset="0"/>
-              </a:rPr>
-              <a:t>Data sources</a:t>
-            </a:r>
-          </a:p>
-        </p:txBody>
-      </p:sp>
-      <p:sp>
-        <p:nvSpPr>
-          <p:cNvPr id="5" name="CasellaDiTesto 4">
-            <a:extLst>
-              <a:ext uri="{FF2B5EF4-FFF2-40B4-BE49-F238E27FC236}">
-                <a16:creationId xmlns:a16="http://schemas.microsoft.com/office/drawing/2014/main" id="{80F125E3-8D35-5990-38A8-952821B2A9D1}"/>
-              </a:ext>
-            </a:extLst>
-          </p:cNvPr>
-          <p:cNvSpPr txBox="1"/>
-          <p:nvPr/>
-        </p:nvSpPr>
-        <p:spPr>
-          <a:xfrm>
-            <a:off x="2022960" y="5323262"/>
-            <a:ext cx="8146080" cy="646331"/>
-          </a:xfrm>
-          <a:prstGeom prst="rect">
-            <a:avLst/>
-          </a:prstGeom>
-          <a:noFill/>
-        </p:spPr>
-        <p:txBody>
-          <a:bodyPr wrap="square" rtlCol="0">
-            <a:spAutoFit/>
-          </a:bodyPr>
-          <a:lstStyle/>
-          <a:p>
-            <a:pPr algn="ctr"/>
-            <a:r>
-              <a:rPr lang="en-US" dirty="0"/>
-              <a:t>STEAM API – Dati del dataset</a:t>
-            </a:r>
-          </a:p>
-          <a:p>
-            <a:pPr algn="ctr"/>
-            <a:r>
-              <a:rPr lang="en-US" dirty="0"/>
-              <a:t>Ark invest Big Ideas 2021 – “Breakdown of Global Gaming Revenue”</a:t>
-            </a:r>
-          </a:p>
-        </p:txBody>
-      </p:sp>
-    </p:spTree>
-    <p:extLst>
-      <p:ext uri="{BB962C8B-B14F-4D97-AF65-F5344CB8AC3E}">
-        <p14:creationId xmlns:p14="http://schemas.microsoft.com/office/powerpoint/2010/main" val="3582928180"/>
       </p:ext>
     </p:extLst>
   </p:cSld>

--- a/Steam.pptx
+++ b/Steam.pptx
@@ -226,7 +226,7 @@
           <a:p>
             <a:fld id="{7022550D-5032-4B1A-B8F2-136CEE1C1CE7}" type="datetimeFigureOut">
               <a:rPr lang="en-US" smtClean="0"/>
-              <a:t>7/8/2023</a:t>
+              <a:t>7/9/2023</a:t>
             </a:fld>
             <a:endParaRPr lang="en-US"/>
           </a:p>
@@ -559,7 +559,7 @@
           <a:p>
             <a:fld id="{A7553FA8-B7AE-4ACD-B9E8-7BB9AFC836CD}" type="slidenum">
               <a:rPr lang="en-US" smtClean="0"/>
-              <a:t>21</a:t>
+              <a:t>11</a:t>
             </a:fld>
             <a:endParaRPr lang="en-US"/>
           </a:p>
@@ -568,7 +568,7 @@
     </p:spTree>
     <p:extLst>
       <p:ext uri="{BB962C8B-B14F-4D97-AF65-F5344CB8AC3E}">
-        <p14:creationId xmlns:p14="http://schemas.microsoft.com/office/powerpoint/2010/main" val="565774654"/>
+        <p14:creationId xmlns:p14="http://schemas.microsoft.com/office/powerpoint/2010/main" val="661256914"/>
       </p:ext>
     </p:extLst>
   </p:cSld>
@@ -643,7 +643,7 @@
           <a:p>
             <a:fld id="{A7553FA8-B7AE-4ACD-B9E8-7BB9AFC836CD}" type="slidenum">
               <a:rPr lang="en-US" smtClean="0"/>
-              <a:t>25</a:t>
+              <a:t>21</a:t>
             </a:fld>
             <a:endParaRPr lang="en-US"/>
           </a:p>
@@ -652,7 +652,7 @@
     </p:spTree>
     <p:extLst>
       <p:ext uri="{BB962C8B-B14F-4D97-AF65-F5344CB8AC3E}">
-        <p14:creationId xmlns:p14="http://schemas.microsoft.com/office/powerpoint/2010/main" val="284864161"/>
+        <p14:creationId xmlns:p14="http://schemas.microsoft.com/office/powerpoint/2010/main" val="565774654"/>
       </p:ext>
     </p:extLst>
   </p:cSld>
@@ -727,6 +727,90 @@
           <a:p>
             <a:fld id="{A7553FA8-B7AE-4ACD-B9E8-7BB9AFC836CD}" type="slidenum">
               <a:rPr lang="en-US" smtClean="0"/>
+              <a:t>25</a:t>
+            </a:fld>
+            <a:endParaRPr lang="en-US"/>
+          </a:p>
+        </p:txBody>
+      </p:sp>
+    </p:spTree>
+    <p:extLst>
+      <p:ext uri="{BB962C8B-B14F-4D97-AF65-F5344CB8AC3E}">
+        <p14:creationId xmlns:p14="http://schemas.microsoft.com/office/powerpoint/2010/main" val="284864161"/>
+      </p:ext>
+    </p:extLst>
+  </p:cSld>
+  <p:clrMapOvr>
+    <a:masterClrMapping/>
+  </p:clrMapOvr>
+</p:notes>
+</file>
+
+<file path=ppt/notesSlides/notesSlide4.xml><?xml version="1.0" encoding="utf-8"?>
+<p:notes xmlns:a="http://schemas.openxmlformats.org/drawingml/2006/main" xmlns:r="http://schemas.openxmlformats.org/officeDocument/2006/relationships" xmlns:p="http://schemas.openxmlformats.org/presentationml/2006/main">
+  <p:cSld>
+    <p:spTree>
+      <p:nvGrpSpPr>
+        <p:cNvPr id="1" name=""/>
+        <p:cNvGrpSpPr/>
+        <p:nvPr/>
+      </p:nvGrpSpPr>
+      <p:grpSpPr>
+        <a:xfrm>
+          <a:off x="0" y="0"/>
+          <a:ext cx="0" cy="0"/>
+          <a:chOff x="0" y="0"/>
+          <a:chExt cx="0" cy="0"/>
+        </a:xfrm>
+      </p:grpSpPr>
+      <p:sp>
+        <p:nvSpPr>
+          <p:cNvPr id="2" name="Segnaposto immagine diapositiva 1"/>
+          <p:cNvSpPr>
+            <a:spLocks noGrp="1" noRot="1" noChangeAspect="1"/>
+          </p:cNvSpPr>
+          <p:nvPr>
+            <p:ph type="sldImg"/>
+          </p:nvPr>
+        </p:nvSpPr>
+        <p:spPr/>
+      </p:sp>
+      <p:sp>
+        <p:nvSpPr>
+          <p:cNvPr id="3" name="Segnaposto note 2"/>
+          <p:cNvSpPr>
+            <a:spLocks noGrp="1"/>
+          </p:cNvSpPr>
+          <p:nvPr>
+            <p:ph type="body" idx="1"/>
+          </p:nvPr>
+        </p:nvSpPr>
+        <p:spPr/>
+        <p:txBody>
+          <a:bodyPr/>
+          <a:lstStyle/>
+          <a:p>
+            <a:endParaRPr lang="it-IT" dirty="0"/>
+          </a:p>
+        </p:txBody>
+      </p:sp>
+      <p:sp>
+        <p:nvSpPr>
+          <p:cNvPr id="4" name="Segnaposto numero diapositiva 3"/>
+          <p:cNvSpPr>
+            <a:spLocks noGrp="1"/>
+          </p:cNvSpPr>
+          <p:nvPr>
+            <p:ph type="sldNum" sz="quarter" idx="5"/>
+          </p:nvPr>
+        </p:nvSpPr>
+        <p:spPr/>
+        <p:txBody>
+          <a:bodyPr/>
+          <a:lstStyle/>
+          <a:p>
+            <a:fld id="{A7553FA8-B7AE-4ACD-B9E8-7BB9AFC836CD}" type="slidenum">
+              <a:rPr lang="en-US" smtClean="0"/>
               <a:t>29</a:t>
             </a:fld>
             <a:endParaRPr lang="en-US"/>
@@ -746,7 +830,7 @@
 </p:notes>
 </file>
 
-<file path=ppt/notesSlides/notesSlide4.xml><?xml version="1.0" encoding="utf-8"?>
+<file path=ppt/notesSlides/notesSlide5.xml><?xml version="1.0" encoding="utf-8"?>
 <p:notes xmlns:a="http://schemas.openxmlformats.org/drawingml/2006/main" xmlns:r="http://schemas.openxmlformats.org/officeDocument/2006/relationships" xmlns:p="http://schemas.openxmlformats.org/presentationml/2006/main">
   <p:cSld>
     <p:spTree>
@@ -961,7 +1045,7 @@
           <a:p>
             <a:fld id="{6014689B-0DCE-4194-8205-09B15DFDD564}" type="datetimeFigureOut">
               <a:rPr lang="en-US" smtClean="0"/>
-              <a:t>7/8/2023</a:t>
+              <a:t>7/9/2023</a:t>
             </a:fld>
             <a:endParaRPr lang="en-US"/>
           </a:p>
@@ -1131,7 +1215,7 @@
           <a:p>
             <a:fld id="{6014689B-0DCE-4194-8205-09B15DFDD564}" type="datetimeFigureOut">
               <a:rPr lang="en-US" smtClean="0"/>
-              <a:t>7/8/2023</a:t>
+              <a:t>7/9/2023</a:t>
             </a:fld>
             <a:endParaRPr lang="en-US"/>
           </a:p>
@@ -1311,7 +1395,7 @@
           <a:p>
             <a:fld id="{6014689B-0DCE-4194-8205-09B15DFDD564}" type="datetimeFigureOut">
               <a:rPr lang="en-US" smtClean="0"/>
-              <a:t>7/8/2023</a:t>
+              <a:t>7/9/2023</a:t>
             </a:fld>
             <a:endParaRPr lang="en-US"/>
           </a:p>
@@ -1481,7 +1565,7 @@
           <a:p>
             <a:fld id="{6014689B-0DCE-4194-8205-09B15DFDD564}" type="datetimeFigureOut">
               <a:rPr lang="en-US" smtClean="0"/>
-              <a:t>7/8/2023</a:t>
+              <a:t>7/9/2023</a:t>
             </a:fld>
             <a:endParaRPr lang="en-US"/>
           </a:p>
@@ -1727,7 +1811,7 @@
           <a:p>
             <a:fld id="{6014689B-0DCE-4194-8205-09B15DFDD564}" type="datetimeFigureOut">
               <a:rPr lang="en-US" smtClean="0"/>
-              <a:t>7/8/2023</a:t>
+              <a:t>7/9/2023</a:t>
             </a:fld>
             <a:endParaRPr lang="en-US"/>
           </a:p>
@@ -1959,7 +2043,7 @@
           <a:p>
             <a:fld id="{6014689B-0DCE-4194-8205-09B15DFDD564}" type="datetimeFigureOut">
               <a:rPr lang="en-US" smtClean="0"/>
-              <a:t>7/8/2023</a:t>
+              <a:t>7/9/2023</a:t>
             </a:fld>
             <a:endParaRPr lang="en-US"/>
           </a:p>
@@ -2326,7 +2410,7 @@
           <a:p>
             <a:fld id="{6014689B-0DCE-4194-8205-09B15DFDD564}" type="datetimeFigureOut">
               <a:rPr lang="en-US" smtClean="0"/>
-              <a:t>7/8/2023</a:t>
+              <a:t>7/9/2023</a:t>
             </a:fld>
             <a:endParaRPr lang="en-US"/>
           </a:p>
@@ -2444,7 +2528,7 @@
           <a:p>
             <a:fld id="{6014689B-0DCE-4194-8205-09B15DFDD564}" type="datetimeFigureOut">
               <a:rPr lang="en-US" smtClean="0"/>
-              <a:t>7/8/2023</a:t>
+              <a:t>7/9/2023</a:t>
             </a:fld>
             <a:endParaRPr lang="en-US"/>
           </a:p>
@@ -2539,7 +2623,7 @@
           <a:p>
             <a:fld id="{6014689B-0DCE-4194-8205-09B15DFDD564}" type="datetimeFigureOut">
               <a:rPr lang="en-US" smtClean="0"/>
-              <a:t>7/8/2023</a:t>
+              <a:t>7/9/2023</a:t>
             </a:fld>
             <a:endParaRPr lang="en-US"/>
           </a:p>
@@ -2816,7 +2900,7 @@
           <a:p>
             <a:fld id="{6014689B-0DCE-4194-8205-09B15DFDD564}" type="datetimeFigureOut">
               <a:rPr lang="en-US" smtClean="0"/>
-              <a:t>7/8/2023</a:t>
+              <a:t>7/9/2023</a:t>
             </a:fld>
             <a:endParaRPr lang="en-US"/>
           </a:p>
@@ -3073,7 +3157,7 @@
           <a:p>
             <a:fld id="{6014689B-0DCE-4194-8205-09B15DFDD564}" type="datetimeFigureOut">
               <a:rPr lang="en-US" smtClean="0"/>
-              <a:t>7/8/2023</a:t>
+              <a:t>7/9/2023</a:t>
             </a:fld>
             <a:endParaRPr lang="en-US"/>
           </a:p>
@@ -3286,7 +3370,7 @@
           <a:p>
             <a:fld id="{6014689B-0DCE-4194-8205-09B15DFDD564}" type="datetimeFigureOut">
               <a:rPr lang="en-US" smtClean="0"/>
-              <a:t>7/8/2023</a:t>
+              <a:t>7/9/2023</a:t>
             </a:fld>
             <a:endParaRPr lang="en-US"/>
           </a:p>
@@ -3790,21 +3874,7 @@
                 <a:latin typeface="+mj-lt"/>
                 <a:cs typeface="Arial" panose="020B0604020202020204" pitchFamily="34" charset="0"/>
               </a:rPr>
-              <a:t>Marco </a:t>
-            </a:r>
-            <a:r>
-              <a:rPr lang="en-US" dirty="0" err="1">
-                <a:latin typeface="+mj-lt"/>
-                <a:cs typeface="Arial" panose="020B0604020202020204" pitchFamily="34" charset="0"/>
-              </a:rPr>
-              <a:t>Morandi</a:t>
-            </a:r>
-            <a:r>
-              <a:rPr lang="en-US" dirty="0">
-                <a:latin typeface="+mj-lt"/>
-                <a:cs typeface="Arial" panose="020B0604020202020204" pitchFamily="34" charset="0"/>
-              </a:rPr>
-              <a:t> 966631</a:t>
+              <a:t>Marco Morandi 966631</a:t>
             </a:r>
           </a:p>
         </p:txBody>
@@ -3838,7 +3908,7 @@
           <a:lstStyle/>
           <a:p>
             <a:r>
-              <a:rPr lang="en-US" sz="2800" dirty="0" err="1">
+              <a:rPr lang="it-IT" sz="2800" dirty="0">
                 <a:latin typeface="+mj-lt"/>
                 <a:cs typeface="Arial" panose="020B0604020202020204" pitchFamily="34" charset="0"/>
               </a:rPr>
@@ -4435,15 +4505,7 @@
                   <a:srgbClr val="66C0F4"/>
                 </a:solidFill>
               </a:rPr>
-              <a:t>socialita</a:t>
-            </a:r>
-            <a:r>
-              <a:rPr lang="en-US" sz="2000" dirty="0">
-                <a:solidFill>
-                  <a:srgbClr val="66C0F4"/>
-                </a:solidFill>
-              </a:rPr>
-              <a:t>’</a:t>
+              <a:t>socialità</a:t>
             </a:r>
             <a:r>
               <a:rPr lang="en-US" sz="2000" dirty="0">
@@ -4626,7 +4688,15 @@
             </a:r>
             <a:r>
               <a:rPr lang="en-US" sz="2000" dirty="0"/>
-              <a:t> piu’ o </a:t>
+              <a:t> </a:t>
+            </a:r>
+            <a:r>
+              <a:rPr lang="en-US" sz="2000" dirty="0" err="1"/>
+              <a:t>più</a:t>
+            </a:r>
+            <a:r>
+              <a:rPr lang="en-US" sz="2000" dirty="0"/>
+              <a:t> o </a:t>
             </a:r>
             <a:r>
               <a:rPr lang="en-US" sz="2000" dirty="0" err="1"/>
@@ -4729,11 +4799,11 @@
             </a:r>
             <a:r>
               <a:rPr lang="en-US" sz="2000" dirty="0" err="1"/>
-              <a:t>popolarita</a:t>
+              <a:t>popolarità</a:t>
             </a:r>
             <a:r>
               <a:rPr lang="en-US" sz="2000" dirty="0"/>
-              <a:t>’ </a:t>
+              <a:t> </a:t>
             </a:r>
             <a:r>
               <a:rPr lang="en-US" sz="2000" dirty="0" err="1"/>
@@ -4937,12 +5007,60 @@
           <a:p>
             <a:pPr algn="ctr"/>
             <a:r>
-              <a:rPr lang="en-US" sz="3200" b="1">
-                <a:solidFill>
-                  <a:srgbClr val="66C0F4"/>
-                </a:solidFill>
-              </a:rPr>
-              <a:t>Distribuzione dei Generi per popolarita’</a:t>
+              <a:rPr lang="en-US" sz="3200" b="1" dirty="0" err="1">
+                <a:solidFill>
+                  <a:srgbClr val="66C0F4"/>
+                </a:solidFill>
+              </a:rPr>
+              <a:t>Distribuzione</a:t>
+            </a:r>
+            <a:r>
+              <a:rPr lang="en-US" sz="3200" b="1" dirty="0">
+                <a:solidFill>
+                  <a:srgbClr val="66C0F4"/>
+                </a:solidFill>
+              </a:rPr>
+              <a:t> </a:t>
+            </a:r>
+            <a:r>
+              <a:rPr lang="en-US" sz="3200" b="1" dirty="0" err="1">
+                <a:solidFill>
+                  <a:srgbClr val="66C0F4"/>
+                </a:solidFill>
+              </a:rPr>
+              <a:t>dei</a:t>
+            </a:r>
+            <a:r>
+              <a:rPr lang="en-US" sz="3200" b="1" dirty="0">
+                <a:solidFill>
+                  <a:srgbClr val="66C0F4"/>
+                </a:solidFill>
+              </a:rPr>
+              <a:t> </a:t>
+            </a:r>
+            <a:r>
+              <a:rPr lang="en-US" sz="3200" b="1" dirty="0" err="1">
+                <a:solidFill>
+                  <a:srgbClr val="66C0F4"/>
+                </a:solidFill>
+              </a:rPr>
+              <a:t>Generi</a:t>
+            </a:r>
+            <a:r>
+              <a:rPr lang="en-US" sz="3200" b="1" dirty="0">
+                <a:solidFill>
+                  <a:srgbClr val="66C0F4"/>
+                </a:solidFill>
+              </a:rPr>
+              <a:t> per </a:t>
+            </a:r>
+            <a:r>
+              <a:rPr lang="en-US" sz="3200" b="1" dirty="0" err="1">
+                <a:solidFill>
+                  <a:srgbClr val="66C0F4"/>
+                </a:solidFill>
+              </a:rPr>
+              <a:t>popolarità</a:t>
             </a:r>
             <a:endParaRPr lang="en-US" sz="3200" b="1" dirty="0">
               <a:solidFill>
@@ -4967,7 +5085,7 @@
           <p:nvPr/>
         </p:nvPicPr>
         <p:blipFill>
-          <a:blip r:embed="rId2">
+          <a:blip r:embed="rId3">
             <a:alphaModFix/>
             <a:extLst>
               <a:ext uri="{28A0092B-C50C-407E-A947-70E740481C1C}">
@@ -5016,7 +5134,7 @@
           <p:nvPr/>
         </p:nvPicPr>
         <p:blipFill>
-          <a:blip r:embed="rId3">
+          <a:blip r:embed="rId4">
             <a:extLst>
               <a:ext uri="{28A0092B-C50C-407E-A947-70E740481C1C}">
                 <a14:useLocalDpi xmlns:a14="http://schemas.microsoft.com/office/drawing/2010/main" val="0"/>
@@ -5066,7 +5184,7 @@
           <a:lstStyle/>
           <a:p>
             <a:r>
-              <a:rPr lang="en-US" dirty="0" err="1"/>
+              <a:rPr lang="it-IT" dirty="0"/>
               <a:t>Notiamo</a:t>
             </a:r>
             <a:r>
@@ -5095,7 +5213,15 @@
             </a:r>
             <a:r>
               <a:rPr lang="en-US" dirty="0"/>
-              <a:t> piu’ </a:t>
+              <a:t> </a:t>
+            </a:r>
+            <a:r>
+              <a:rPr lang="en-US" dirty="0" err="1"/>
+              <a:t>più</a:t>
+            </a:r>
+            <a:r>
+              <a:rPr lang="en-US" dirty="0"/>
+              <a:t> </a:t>
             </a:r>
             <a:r>
               <a:rPr lang="en-US" dirty="0" err="1"/>
@@ -5181,7 +5307,15 @@
             </a:r>
             <a:r>
               <a:rPr lang="en-US" dirty="0"/>
-              <a:t> sara’ </a:t>
+              <a:t> </a:t>
+            </a:r>
+            <a:r>
+              <a:rPr lang="en-US" dirty="0" err="1"/>
+              <a:t>sarà</a:t>
+            </a:r>
+            <a:r>
+              <a:rPr lang="en-US" dirty="0"/>
+              <a:t> </a:t>
             </a:r>
             <a:r>
               <a:rPr lang="en-US" dirty="0" err="1"/>
@@ -5192,7 +5326,7 @@
               <a:t> </a:t>
             </a:r>
             <a:r>
-              <a:rPr lang="en-US" dirty="0" err="1"/>
+              <a:rPr lang="it-IT" dirty="0"/>
               <a:t>probabilmente</a:t>
             </a:r>
             <a:r>
@@ -6670,7 +6804,15 @@
             </a:r>
             <a:r>
               <a:rPr lang="en-US" sz="1600" dirty="0"/>
-              <a:t> di download molto piu’ alto per </a:t>
+              <a:t> di download molto </a:t>
+            </a:r>
+            <a:r>
+              <a:rPr lang="en-US" sz="1600" dirty="0" err="1"/>
+              <a:t>più</a:t>
+            </a:r>
+            <a:r>
+              <a:rPr lang="en-US" sz="1600" dirty="0"/>
+              <a:t> alto per </a:t>
             </a:r>
             <a:r>
               <a:rPr lang="en-US" sz="1600" dirty="0" err="1"/>
@@ -6725,7 +6867,7 @@
                   <a:srgbClr val="66C0F4"/>
                 </a:solidFill>
               </a:rPr>
-              <a:t>disparita</a:t>
+              <a:t>disparità</a:t>
             </a:r>
             <a:r>
               <a:rPr lang="en-US" sz="1600" dirty="0">
@@ -6733,11 +6875,11 @@
                   <a:srgbClr val="C7D5E0"/>
                 </a:solidFill>
               </a:rPr>
-              <a:t>’ </a:t>
+              <a:t> </a:t>
             </a:r>
             <a:r>
               <a:rPr lang="en-US" sz="1600" dirty="0"/>
-              <a:t>e’ </a:t>
+              <a:t>è </a:t>
             </a:r>
             <a:r>
               <a:rPr lang="en-US" sz="1600" dirty="0" err="1"/>
@@ -6753,7 +6895,15 @@
             </a:r>
             <a:r>
               <a:rPr lang="en-US" sz="1600" dirty="0"/>
-              <a:t> di VG F2P e’ molto piu’ piccolo del </a:t>
+              <a:t> di VG F2P è molto </a:t>
+            </a:r>
+            <a:r>
+              <a:rPr lang="en-US" sz="1600" dirty="0" err="1"/>
+              <a:t>più</a:t>
+            </a:r>
+            <a:r>
+              <a:rPr lang="en-US" sz="1600" dirty="0"/>
+              <a:t> piccolo del </a:t>
             </a:r>
             <a:r>
               <a:rPr lang="en-US" sz="1600" dirty="0" err="1"/>
@@ -6776,7 +6926,7 @@
             </a:r>
             <a:r>
               <a:rPr lang="en-US" sz="1600" dirty="0"/>
-              <a:t> e’ </a:t>
+              <a:t> è </a:t>
             </a:r>
             <a:r>
               <a:rPr lang="en-US" sz="1600" dirty="0" err="1"/>
@@ -6828,7 +6978,7 @@
             </a:r>
             <a:r>
               <a:rPr lang="en-US" sz="1600" dirty="0"/>
-              <a:t>e’ </a:t>
+              <a:t>è </a:t>
             </a:r>
             <a:r>
               <a:rPr lang="en-US" sz="1600" dirty="0" err="1"/>
@@ -7024,7 +7174,7 @@
               <a:t>La </a:t>
             </a:r>
             <a:r>
-              <a:rPr lang="en-US" sz="3200" b="1" dirty="0" err="1">
+              <a:rPr lang="it-IT" sz="3200" b="1" dirty="0">
                 <a:solidFill>
                   <a:srgbClr val="66C0F4"/>
                 </a:solidFill>
@@ -7335,7 +7485,7 @@
             </a:r>
             <a:r>
               <a:rPr lang="en-US" sz="1600" dirty="0"/>
-              <a:t>e’ </a:t>
+              <a:t>è </a:t>
             </a:r>
             <a:r>
               <a:rPr lang="en-US" sz="1600" dirty="0" err="1"/>
@@ -7972,7 +8122,7 @@
             </a:r>
             <a:r>
               <a:rPr lang="en-US" dirty="0"/>
-              <a:t>e’ un </a:t>
+              <a:t>è un </a:t>
             </a:r>
             <a:r>
               <a:rPr lang="en-US" dirty="0" err="1"/>
@@ -8173,7 +8323,7 @@
                   <a:srgbClr val="C7D5E0"/>
                 </a:solidFill>
               </a:rPr>
-              <a:t> e’ </a:t>
+              <a:t> è </a:t>
             </a:r>
             <a:r>
               <a:rPr lang="en-US" dirty="0" err="1">
@@ -8415,7 +8565,15 @@
             </a:r>
             <a:r>
               <a:rPr lang="en-US" dirty="0"/>
-              <a:t> piu’ alto </a:t>
+              <a:t> </a:t>
+            </a:r>
+            <a:r>
+              <a:rPr lang="en-US" dirty="0" err="1"/>
+              <a:t>più</a:t>
+            </a:r>
+            <a:r>
+              <a:rPr lang="en-US" dirty="0"/>
+              <a:t> alto </a:t>
             </a:r>
             <a:r>
               <a:rPr lang="en-US" dirty="0" err="1"/>
@@ -8912,15 +9070,7 @@
                   <a:srgbClr val="66C0F4"/>
                 </a:solidFill>
               </a:rPr>
-              <a:t>non e’</a:t>
-            </a:r>
-            <a:r>
-              <a:rPr lang="en-US" sz="1500" dirty="0">
-                <a:solidFill>
-                  <a:srgbClr val="C7D5E0"/>
-                </a:solidFill>
-              </a:rPr>
-              <a:t> </a:t>
+              <a:t>non è </a:t>
             </a:r>
             <a:r>
               <a:rPr lang="en-US" sz="1500" dirty="0" err="1">
@@ -9410,15 +9560,7 @@
                   <a:srgbClr val="66C0F4"/>
                 </a:solidFill>
               </a:rPr>
-              <a:t>non e’</a:t>
-            </a:r>
-            <a:r>
-              <a:rPr lang="en-US" sz="1500" dirty="0">
-                <a:solidFill>
-                  <a:srgbClr val="C7D5E0"/>
-                </a:solidFill>
-              </a:rPr>
-              <a:t> </a:t>
+              <a:t>non è </a:t>
             </a:r>
             <a:r>
               <a:rPr lang="en-US" sz="1500" dirty="0" err="1"/>
@@ -9791,7 +9933,7 @@
         <p:spPr>
           <a:xfrm>
             <a:off x="6906311" y="1847104"/>
-            <a:ext cx="4736592" cy="3170099"/>
+            <a:ext cx="4601510" cy="3170099"/>
           </a:xfrm>
           <a:prstGeom prst="rect">
             <a:avLst/>
@@ -10171,13 +10313,13 @@
               <a:rPr lang="en-US" sz="2000" dirty="0" err="1">
                 <a:cs typeface="Arial" panose="020B0604020202020204" pitchFamily="34" charset="0"/>
               </a:rPr>
-              <a:t>possibilita</a:t>
+              <a:t>possibilitàdi</a:t>
             </a:r>
             <a:r>
               <a:rPr lang="en-US" sz="2000" dirty="0">
                 <a:cs typeface="Arial" panose="020B0604020202020204" pitchFamily="34" charset="0"/>
               </a:rPr>
-              <a:t>’ di </a:t>
+              <a:t> </a:t>
             </a:r>
             <a:r>
               <a:rPr lang="en-US" sz="2000" dirty="0" err="1">
@@ -11530,11 +11672,11 @@
             </a:r>
             <a:r>
               <a:rPr lang="en-US" dirty="0" err="1"/>
-              <a:t>positivita</a:t>
-            </a:r>
-            <a:r>
-              <a:rPr lang="en-US" dirty="0"/>
-              <a:t>’ (User Score):</a:t>
+              <a:t>positività</a:t>
+            </a:r>
+            <a:r>
+              <a:rPr lang="en-US" dirty="0"/>
+              <a:t> (User Score):</a:t>
             </a:r>
             <a:endParaRPr lang="it-IT" dirty="0"/>
           </a:p>
@@ -11597,11 +11739,11 @@
             </a:r>
             <a:r>
               <a:rPr lang="en-US" dirty="0" err="1"/>
-              <a:t>puo</a:t>
-            </a:r>
-            <a:r>
-              <a:rPr lang="en-US" dirty="0"/>
-              <a:t>’ </a:t>
+              <a:t>può</a:t>
+            </a:r>
+            <a:r>
+              <a:rPr lang="en-US" dirty="0"/>
+              <a:t> </a:t>
             </a:r>
             <a:r>
               <a:rPr lang="en-US" dirty="0" err="1"/>
@@ -12327,11 +12469,11 @@
             </a:r>
             <a:r>
               <a:rPr lang="en-US" dirty="0" err="1"/>
-              <a:t>puo</a:t>
-            </a:r>
-            <a:r>
-              <a:rPr lang="en-US" dirty="0"/>
-              <a:t>’ </a:t>
+              <a:t>può</a:t>
+            </a:r>
+            <a:r>
+              <a:rPr lang="en-US" dirty="0"/>
+              <a:t> </a:t>
             </a:r>
             <a:r>
               <a:rPr lang="en-US" dirty="0" err="1"/>
@@ -12458,7 +12600,7 @@
             </a:pPr>
             <a:r>
               <a:rPr lang="en-US" dirty="0"/>
-              <a:t>E’ </a:t>
+              <a:t>È </a:t>
             </a:r>
             <a:r>
               <a:rPr lang="en-US" dirty="0" err="1"/>
@@ -12578,7 +12720,15 @@
             </a:r>
             <a:r>
               <a:rPr lang="en-US" dirty="0"/>
-              <a:t> piu di </a:t>
+              <a:t> </a:t>
+            </a:r>
+            <a:r>
+              <a:rPr lang="en-US" dirty="0" err="1"/>
+              <a:t>più</a:t>
+            </a:r>
+            <a:r>
+              <a:rPr lang="en-US" dirty="0"/>
+              <a:t> di </a:t>
             </a:r>
             <a:r>
               <a:rPr lang="en-US" dirty="0" err="1"/>
@@ -13566,7 +13716,7 @@
             </a:pPr>
             <a:r>
               <a:rPr lang="en-US" dirty="0"/>
-              <a:t>Maggiore e’ l’ </a:t>
+              <a:t>Maggiore è l’ </a:t>
             </a:r>
             <a:r>
               <a:rPr lang="en-US" dirty="0">
@@ -13586,7 +13736,7 @@
             </a:r>
             <a:r>
               <a:rPr lang="en-US" dirty="0"/>
-              <a:t> e’ il </a:t>
+              <a:t> è il </a:t>
             </a:r>
             <a:r>
               <a:rPr lang="en-US" dirty="0" err="1"/>
@@ -13627,7 +13777,7 @@
             </a:r>
             <a:r>
               <a:rPr lang="en-US" dirty="0"/>
-              <a:t>e’ un </a:t>
+              <a:t>è un </a:t>
             </a:r>
             <a:r>
               <a:rPr lang="en-US" dirty="0" err="1"/>
@@ -13665,15 +13815,15 @@
             </a:r>
             <a:r>
               <a:rPr lang="en-US" dirty="0"/>
-              <a:t>e’ la </a:t>
-            </a:r>
-            <a:r>
-              <a:rPr lang="en-US" dirty="0" err="1"/>
-              <a:t>modalita</a:t>
-            </a:r>
-            <a:r>
-              <a:rPr lang="en-US" dirty="0"/>
-              <a:t>’ di </a:t>
+              <a:t>è la </a:t>
+            </a:r>
+            <a:r>
+              <a:rPr lang="en-US" dirty="0" err="1"/>
+              <a:t>modalità</a:t>
+            </a:r>
+            <a:r>
+              <a:rPr lang="en-US" dirty="0"/>
+              <a:t> di </a:t>
             </a:r>
             <a:r>
               <a:rPr lang="en-US" dirty="0" err="1"/>
@@ -13715,7 +13865,7 @@
             </a:r>
             <a:r>
               <a:rPr lang="en-US" dirty="0"/>
-              <a:t> F2P e’:</a:t>
+              <a:t> F2P è:</a:t>
             </a:r>
           </a:p>
           <a:p>
@@ -13799,7 +13949,7 @@
             </a:r>
             <a:r>
               <a:rPr lang="en-US" dirty="0"/>
-              <a:t> e’:</a:t>
+              <a:t> è:</a:t>
             </a:r>
           </a:p>
           <a:p>
@@ -15894,7 +16044,15 @@
             </a:r>
             <a:r>
               <a:rPr lang="en-US" sz="1600" dirty="0"/>
-              <a:t> studio sara’ </a:t>
+              <a:t> studio </a:t>
+            </a:r>
+            <a:r>
+              <a:rPr lang="en-US" sz="1600" dirty="0" err="1"/>
+              <a:t>sarà</a:t>
+            </a:r>
+            <a:r>
+              <a:rPr lang="en-US" sz="1600" dirty="0"/>
+              <a:t> </a:t>
             </a:r>
             <a:r>
               <a:rPr lang="en-US" sz="1600" dirty="0" err="1"/>

--- a/Steam.pptx
+++ b/Steam.pptx
@@ -226,7 +226,7 @@
           <a:p>
             <a:fld id="{7022550D-5032-4B1A-B8F2-136CEE1C1CE7}" type="datetimeFigureOut">
               <a:rPr lang="en-US" smtClean="0"/>
-              <a:t>7/8/2023</a:t>
+              <a:t>7/9/2023</a:t>
             </a:fld>
             <a:endParaRPr lang="en-US"/>
           </a:p>
@@ -559,7 +559,7 @@
           <a:p>
             <a:fld id="{A7553FA8-B7AE-4ACD-B9E8-7BB9AFC836CD}" type="slidenum">
               <a:rPr lang="en-US" smtClean="0"/>
-              <a:t>21</a:t>
+              <a:t>11</a:t>
             </a:fld>
             <a:endParaRPr lang="en-US"/>
           </a:p>
@@ -568,7 +568,7 @@
     </p:spTree>
     <p:extLst>
       <p:ext uri="{BB962C8B-B14F-4D97-AF65-F5344CB8AC3E}">
-        <p14:creationId xmlns:p14="http://schemas.microsoft.com/office/powerpoint/2010/main" val="565774654"/>
+        <p14:creationId xmlns:p14="http://schemas.microsoft.com/office/powerpoint/2010/main" val="661256914"/>
       </p:ext>
     </p:extLst>
   </p:cSld>
@@ -643,7 +643,7 @@
           <a:p>
             <a:fld id="{A7553FA8-B7AE-4ACD-B9E8-7BB9AFC836CD}" type="slidenum">
               <a:rPr lang="en-US" smtClean="0"/>
-              <a:t>25</a:t>
+              <a:t>21</a:t>
             </a:fld>
             <a:endParaRPr lang="en-US"/>
           </a:p>
@@ -652,7 +652,7 @@
     </p:spTree>
     <p:extLst>
       <p:ext uri="{BB962C8B-B14F-4D97-AF65-F5344CB8AC3E}">
-        <p14:creationId xmlns:p14="http://schemas.microsoft.com/office/powerpoint/2010/main" val="284864161"/>
+        <p14:creationId xmlns:p14="http://schemas.microsoft.com/office/powerpoint/2010/main" val="565774654"/>
       </p:ext>
     </p:extLst>
   </p:cSld>
@@ -727,6 +727,90 @@
           <a:p>
             <a:fld id="{A7553FA8-B7AE-4ACD-B9E8-7BB9AFC836CD}" type="slidenum">
               <a:rPr lang="en-US" smtClean="0"/>
+              <a:t>25</a:t>
+            </a:fld>
+            <a:endParaRPr lang="en-US"/>
+          </a:p>
+        </p:txBody>
+      </p:sp>
+    </p:spTree>
+    <p:extLst>
+      <p:ext uri="{BB962C8B-B14F-4D97-AF65-F5344CB8AC3E}">
+        <p14:creationId xmlns:p14="http://schemas.microsoft.com/office/powerpoint/2010/main" val="284864161"/>
+      </p:ext>
+    </p:extLst>
+  </p:cSld>
+  <p:clrMapOvr>
+    <a:masterClrMapping/>
+  </p:clrMapOvr>
+</p:notes>
+</file>
+
+<file path=ppt/notesSlides/notesSlide4.xml><?xml version="1.0" encoding="utf-8"?>
+<p:notes xmlns:a="http://schemas.openxmlformats.org/drawingml/2006/main" xmlns:r="http://schemas.openxmlformats.org/officeDocument/2006/relationships" xmlns:p="http://schemas.openxmlformats.org/presentationml/2006/main">
+  <p:cSld>
+    <p:spTree>
+      <p:nvGrpSpPr>
+        <p:cNvPr id="1" name=""/>
+        <p:cNvGrpSpPr/>
+        <p:nvPr/>
+      </p:nvGrpSpPr>
+      <p:grpSpPr>
+        <a:xfrm>
+          <a:off x="0" y="0"/>
+          <a:ext cx="0" cy="0"/>
+          <a:chOff x="0" y="0"/>
+          <a:chExt cx="0" cy="0"/>
+        </a:xfrm>
+      </p:grpSpPr>
+      <p:sp>
+        <p:nvSpPr>
+          <p:cNvPr id="2" name="Segnaposto immagine diapositiva 1"/>
+          <p:cNvSpPr>
+            <a:spLocks noGrp="1" noRot="1" noChangeAspect="1"/>
+          </p:cNvSpPr>
+          <p:nvPr>
+            <p:ph type="sldImg"/>
+          </p:nvPr>
+        </p:nvSpPr>
+        <p:spPr/>
+      </p:sp>
+      <p:sp>
+        <p:nvSpPr>
+          <p:cNvPr id="3" name="Segnaposto note 2"/>
+          <p:cNvSpPr>
+            <a:spLocks noGrp="1"/>
+          </p:cNvSpPr>
+          <p:nvPr>
+            <p:ph type="body" idx="1"/>
+          </p:nvPr>
+        </p:nvSpPr>
+        <p:spPr/>
+        <p:txBody>
+          <a:bodyPr/>
+          <a:lstStyle/>
+          <a:p>
+            <a:endParaRPr lang="it-IT" dirty="0"/>
+          </a:p>
+        </p:txBody>
+      </p:sp>
+      <p:sp>
+        <p:nvSpPr>
+          <p:cNvPr id="4" name="Segnaposto numero diapositiva 3"/>
+          <p:cNvSpPr>
+            <a:spLocks noGrp="1"/>
+          </p:cNvSpPr>
+          <p:nvPr>
+            <p:ph type="sldNum" sz="quarter" idx="5"/>
+          </p:nvPr>
+        </p:nvSpPr>
+        <p:spPr/>
+        <p:txBody>
+          <a:bodyPr/>
+          <a:lstStyle/>
+          <a:p>
+            <a:fld id="{A7553FA8-B7AE-4ACD-B9E8-7BB9AFC836CD}" type="slidenum">
+              <a:rPr lang="en-US" smtClean="0"/>
               <a:t>29</a:t>
             </a:fld>
             <a:endParaRPr lang="en-US"/>
@@ -746,7 +830,7 @@
 </p:notes>
 </file>
 
-<file path=ppt/notesSlides/notesSlide4.xml><?xml version="1.0" encoding="utf-8"?>
+<file path=ppt/notesSlides/notesSlide5.xml><?xml version="1.0" encoding="utf-8"?>
 <p:notes xmlns:a="http://schemas.openxmlformats.org/drawingml/2006/main" xmlns:r="http://schemas.openxmlformats.org/officeDocument/2006/relationships" xmlns:p="http://schemas.openxmlformats.org/presentationml/2006/main">
   <p:cSld>
     <p:spTree>
@@ -961,7 +1045,7 @@
           <a:p>
             <a:fld id="{6014689B-0DCE-4194-8205-09B15DFDD564}" type="datetimeFigureOut">
               <a:rPr lang="en-US" smtClean="0"/>
-              <a:t>7/8/2023</a:t>
+              <a:t>7/9/2023</a:t>
             </a:fld>
             <a:endParaRPr lang="en-US"/>
           </a:p>
@@ -1131,7 +1215,7 @@
           <a:p>
             <a:fld id="{6014689B-0DCE-4194-8205-09B15DFDD564}" type="datetimeFigureOut">
               <a:rPr lang="en-US" smtClean="0"/>
-              <a:t>7/8/2023</a:t>
+              <a:t>7/9/2023</a:t>
             </a:fld>
             <a:endParaRPr lang="en-US"/>
           </a:p>
@@ -1311,7 +1395,7 @@
           <a:p>
             <a:fld id="{6014689B-0DCE-4194-8205-09B15DFDD564}" type="datetimeFigureOut">
               <a:rPr lang="en-US" smtClean="0"/>
-              <a:t>7/8/2023</a:t>
+              <a:t>7/9/2023</a:t>
             </a:fld>
             <a:endParaRPr lang="en-US"/>
           </a:p>
@@ -1481,7 +1565,7 @@
           <a:p>
             <a:fld id="{6014689B-0DCE-4194-8205-09B15DFDD564}" type="datetimeFigureOut">
               <a:rPr lang="en-US" smtClean="0"/>
-              <a:t>7/8/2023</a:t>
+              <a:t>7/9/2023</a:t>
             </a:fld>
             <a:endParaRPr lang="en-US"/>
           </a:p>
@@ -1727,7 +1811,7 @@
           <a:p>
             <a:fld id="{6014689B-0DCE-4194-8205-09B15DFDD564}" type="datetimeFigureOut">
               <a:rPr lang="en-US" smtClean="0"/>
-              <a:t>7/8/2023</a:t>
+              <a:t>7/9/2023</a:t>
             </a:fld>
             <a:endParaRPr lang="en-US"/>
           </a:p>
@@ -1959,7 +2043,7 @@
           <a:p>
             <a:fld id="{6014689B-0DCE-4194-8205-09B15DFDD564}" type="datetimeFigureOut">
               <a:rPr lang="en-US" smtClean="0"/>
-              <a:t>7/8/2023</a:t>
+              <a:t>7/9/2023</a:t>
             </a:fld>
             <a:endParaRPr lang="en-US"/>
           </a:p>
@@ -2326,7 +2410,7 @@
           <a:p>
             <a:fld id="{6014689B-0DCE-4194-8205-09B15DFDD564}" type="datetimeFigureOut">
               <a:rPr lang="en-US" smtClean="0"/>
-              <a:t>7/8/2023</a:t>
+              <a:t>7/9/2023</a:t>
             </a:fld>
             <a:endParaRPr lang="en-US"/>
           </a:p>
@@ -2444,7 +2528,7 @@
           <a:p>
             <a:fld id="{6014689B-0DCE-4194-8205-09B15DFDD564}" type="datetimeFigureOut">
               <a:rPr lang="en-US" smtClean="0"/>
-              <a:t>7/8/2023</a:t>
+              <a:t>7/9/2023</a:t>
             </a:fld>
             <a:endParaRPr lang="en-US"/>
           </a:p>
@@ -2539,7 +2623,7 @@
           <a:p>
             <a:fld id="{6014689B-0DCE-4194-8205-09B15DFDD564}" type="datetimeFigureOut">
               <a:rPr lang="en-US" smtClean="0"/>
-              <a:t>7/8/2023</a:t>
+              <a:t>7/9/2023</a:t>
             </a:fld>
             <a:endParaRPr lang="en-US"/>
           </a:p>
@@ -2816,7 +2900,7 @@
           <a:p>
             <a:fld id="{6014689B-0DCE-4194-8205-09B15DFDD564}" type="datetimeFigureOut">
               <a:rPr lang="en-US" smtClean="0"/>
-              <a:t>7/8/2023</a:t>
+              <a:t>7/9/2023</a:t>
             </a:fld>
             <a:endParaRPr lang="en-US"/>
           </a:p>
@@ -3073,7 +3157,7 @@
           <a:p>
             <a:fld id="{6014689B-0DCE-4194-8205-09B15DFDD564}" type="datetimeFigureOut">
               <a:rPr lang="en-US" smtClean="0"/>
-              <a:t>7/8/2023</a:t>
+              <a:t>7/9/2023</a:t>
             </a:fld>
             <a:endParaRPr lang="en-US"/>
           </a:p>
@@ -3286,7 +3370,7 @@
           <a:p>
             <a:fld id="{6014689B-0DCE-4194-8205-09B15DFDD564}" type="datetimeFigureOut">
               <a:rPr lang="en-US" smtClean="0"/>
-              <a:t>7/8/2023</a:t>
+              <a:t>7/9/2023</a:t>
             </a:fld>
             <a:endParaRPr lang="en-US"/>
           </a:p>
@@ -3790,21 +3874,7 @@
                 <a:latin typeface="+mj-lt"/>
                 <a:cs typeface="Arial" panose="020B0604020202020204" pitchFamily="34" charset="0"/>
               </a:rPr>
-              <a:t>Marco </a:t>
-            </a:r>
-            <a:r>
-              <a:rPr lang="en-US" dirty="0" err="1">
-                <a:latin typeface="+mj-lt"/>
-                <a:cs typeface="Arial" panose="020B0604020202020204" pitchFamily="34" charset="0"/>
-              </a:rPr>
-              <a:t>Morandi</a:t>
-            </a:r>
-            <a:r>
-              <a:rPr lang="en-US" dirty="0">
-                <a:latin typeface="+mj-lt"/>
-                <a:cs typeface="Arial" panose="020B0604020202020204" pitchFamily="34" charset="0"/>
-              </a:rPr>
-              <a:t> 966631</a:t>
+              <a:t>Marco Morandi 966631</a:t>
             </a:r>
           </a:p>
         </p:txBody>
@@ -3838,7 +3908,7 @@
           <a:lstStyle/>
           <a:p>
             <a:r>
-              <a:rPr lang="en-US" sz="2800" dirty="0" err="1">
+              <a:rPr lang="it-IT" sz="2800" dirty="0">
                 <a:latin typeface="+mj-lt"/>
                 <a:cs typeface="Arial" panose="020B0604020202020204" pitchFamily="34" charset="0"/>
               </a:rPr>
@@ -4435,15 +4505,7 @@
                   <a:srgbClr val="66C0F4"/>
                 </a:solidFill>
               </a:rPr>
-              <a:t>socialita</a:t>
-            </a:r>
-            <a:r>
-              <a:rPr lang="en-US" sz="2000" dirty="0">
-                <a:solidFill>
-                  <a:srgbClr val="66C0F4"/>
-                </a:solidFill>
-              </a:rPr>
-              <a:t>’</a:t>
+              <a:t>socialità</a:t>
             </a:r>
             <a:r>
               <a:rPr lang="en-US" sz="2000" dirty="0">
@@ -4626,7 +4688,15 @@
             </a:r>
             <a:r>
               <a:rPr lang="en-US" sz="2000" dirty="0"/>
-              <a:t> piu’ o </a:t>
+              <a:t> </a:t>
+            </a:r>
+            <a:r>
+              <a:rPr lang="en-US" sz="2000" dirty="0" err="1"/>
+              <a:t>più</a:t>
+            </a:r>
+            <a:r>
+              <a:rPr lang="en-US" sz="2000" dirty="0"/>
+              <a:t> o </a:t>
             </a:r>
             <a:r>
               <a:rPr lang="en-US" sz="2000" dirty="0" err="1"/>
@@ -4729,11 +4799,11 @@
             </a:r>
             <a:r>
               <a:rPr lang="en-US" sz="2000" dirty="0" err="1"/>
-              <a:t>popolarita</a:t>
+              <a:t>popolarità</a:t>
             </a:r>
             <a:r>
               <a:rPr lang="en-US" sz="2000" dirty="0"/>
-              <a:t>’ </a:t>
+              <a:t> </a:t>
             </a:r>
             <a:r>
               <a:rPr lang="en-US" sz="2000" dirty="0" err="1"/>
@@ -4937,12 +5007,60 @@
           <a:p>
             <a:pPr algn="ctr"/>
             <a:r>
-              <a:rPr lang="en-US" sz="3200" b="1">
-                <a:solidFill>
-                  <a:srgbClr val="66C0F4"/>
-                </a:solidFill>
-              </a:rPr>
-              <a:t>Distribuzione dei Generi per popolarita’</a:t>
+              <a:rPr lang="en-US" sz="3200" b="1" dirty="0" err="1">
+                <a:solidFill>
+                  <a:srgbClr val="66C0F4"/>
+                </a:solidFill>
+              </a:rPr>
+              <a:t>Distribuzione</a:t>
+            </a:r>
+            <a:r>
+              <a:rPr lang="en-US" sz="3200" b="1" dirty="0">
+                <a:solidFill>
+                  <a:srgbClr val="66C0F4"/>
+                </a:solidFill>
+              </a:rPr>
+              <a:t> </a:t>
+            </a:r>
+            <a:r>
+              <a:rPr lang="en-US" sz="3200" b="1" dirty="0" err="1">
+                <a:solidFill>
+                  <a:srgbClr val="66C0F4"/>
+                </a:solidFill>
+              </a:rPr>
+              <a:t>dei</a:t>
+            </a:r>
+            <a:r>
+              <a:rPr lang="en-US" sz="3200" b="1" dirty="0">
+                <a:solidFill>
+                  <a:srgbClr val="66C0F4"/>
+                </a:solidFill>
+              </a:rPr>
+              <a:t> </a:t>
+            </a:r>
+            <a:r>
+              <a:rPr lang="en-US" sz="3200" b="1" dirty="0" err="1">
+                <a:solidFill>
+                  <a:srgbClr val="66C0F4"/>
+                </a:solidFill>
+              </a:rPr>
+              <a:t>Generi</a:t>
+            </a:r>
+            <a:r>
+              <a:rPr lang="en-US" sz="3200" b="1" dirty="0">
+                <a:solidFill>
+                  <a:srgbClr val="66C0F4"/>
+                </a:solidFill>
+              </a:rPr>
+              <a:t> per </a:t>
+            </a:r>
+            <a:r>
+              <a:rPr lang="en-US" sz="3200" b="1" dirty="0" err="1">
+                <a:solidFill>
+                  <a:srgbClr val="66C0F4"/>
+                </a:solidFill>
+              </a:rPr>
+              <a:t>popolarità</a:t>
             </a:r>
             <a:endParaRPr lang="en-US" sz="3200" b="1" dirty="0">
               <a:solidFill>
@@ -4967,7 +5085,7 @@
           <p:nvPr/>
         </p:nvPicPr>
         <p:blipFill>
-          <a:blip r:embed="rId2">
+          <a:blip r:embed="rId3">
             <a:alphaModFix/>
             <a:extLst>
               <a:ext uri="{28A0092B-C50C-407E-A947-70E740481C1C}">
@@ -5016,7 +5134,7 @@
           <p:nvPr/>
         </p:nvPicPr>
         <p:blipFill>
-          <a:blip r:embed="rId3">
+          <a:blip r:embed="rId4">
             <a:extLst>
               <a:ext uri="{28A0092B-C50C-407E-A947-70E740481C1C}">
                 <a14:useLocalDpi xmlns:a14="http://schemas.microsoft.com/office/drawing/2010/main" val="0"/>
@@ -5066,7 +5184,7 @@
           <a:lstStyle/>
           <a:p>
             <a:r>
-              <a:rPr lang="en-US" dirty="0" err="1"/>
+              <a:rPr lang="it-IT" dirty="0"/>
               <a:t>Notiamo</a:t>
             </a:r>
             <a:r>
@@ -5095,7 +5213,15 @@
             </a:r>
             <a:r>
               <a:rPr lang="en-US" dirty="0"/>
-              <a:t> piu’ </a:t>
+              <a:t> </a:t>
+            </a:r>
+            <a:r>
+              <a:rPr lang="en-US" dirty="0" err="1"/>
+              <a:t>più</a:t>
+            </a:r>
+            <a:r>
+              <a:rPr lang="en-US" dirty="0"/>
+              <a:t> </a:t>
             </a:r>
             <a:r>
               <a:rPr lang="en-US" dirty="0" err="1"/>
@@ -5181,7 +5307,15 @@
             </a:r>
             <a:r>
               <a:rPr lang="en-US" dirty="0"/>
-              <a:t> sara’ </a:t>
+              <a:t> </a:t>
+            </a:r>
+            <a:r>
+              <a:rPr lang="en-US" dirty="0" err="1"/>
+              <a:t>sarà</a:t>
+            </a:r>
+            <a:r>
+              <a:rPr lang="en-US" dirty="0"/>
+              <a:t> </a:t>
             </a:r>
             <a:r>
               <a:rPr lang="en-US" dirty="0" err="1"/>
@@ -5192,7 +5326,7 @@
               <a:t> </a:t>
             </a:r>
             <a:r>
-              <a:rPr lang="en-US" dirty="0" err="1"/>
+              <a:rPr lang="it-IT" dirty="0"/>
               <a:t>probabilmente</a:t>
             </a:r>
             <a:r>
@@ -6670,7 +6804,15 @@
             </a:r>
             <a:r>
               <a:rPr lang="en-US" sz="1600" dirty="0"/>
-              <a:t> di download molto piu’ alto per </a:t>
+              <a:t> di download molto </a:t>
+            </a:r>
+            <a:r>
+              <a:rPr lang="en-US" sz="1600" dirty="0" err="1"/>
+              <a:t>più</a:t>
+            </a:r>
+            <a:r>
+              <a:rPr lang="en-US" sz="1600" dirty="0"/>
+              <a:t> alto per </a:t>
             </a:r>
             <a:r>
               <a:rPr lang="en-US" sz="1600" dirty="0" err="1"/>
@@ -6725,7 +6867,7 @@
                   <a:srgbClr val="66C0F4"/>
                 </a:solidFill>
               </a:rPr>
-              <a:t>disparita</a:t>
+              <a:t>disparità</a:t>
             </a:r>
             <a:r>
               <a:rPr lang="en-US" sz="1600" dirty="0">
@@ -6733,11 +6875,11 @@
                   <a:srgbClr val="C7D5E0"/>
                 </a:solidFill>
               </a:rPr>
-              <a:t>’ </a:t>
+              <a:t> </a:t>
             </a:r>
             <a:r>
               <a:rPr lang="en-US" sz="1600" dirty="0"/>
-              <a:t>e’ </a:t>
+              <a:t>è </a:t>
             </a:r>
             <a:r>
               <a:rPr lang="en-US" sz="1600" dirty="0" err="1"/>
@@ -6753,7 +6895,15 @@
             </a:r>
             <a:r>
               <a:rPr lang="en-US" sz="1600" dirty="0"/>
-              <a:t> di VG F2P e’ molto piu’ piccolo del </a:t>
+              <a:t> di VG F2P è molto </a:t>
+            </a:r>
+            <a:r>
+              <a:rPr lang="en-US" sz="1600" dirty="0" err="1"/>
+              <a:t>più</a:t>
+            </a:r>
+            <a:r>
+              <a:rPr lang="en-US" sz="1600" dirty="0"/>
+              <a:t> piccolo del </a:t>
             </a:r>
             <a:r>
               <a:rPr lang="en-US" sz="1600" dirty="0" err="1"/>
@@ -6776,7 +6926,7 @@
             </a:r>
             <a:r>
               <a:rPr lang="en-US" sz="1600" dirty="0"/>
-              <a:t> e’ </a:t>
+              <a:t> è </a:t>
             </a:r>
             <a:r>
               <a:rPr lang="en-US" sz="1600" dirty="0" err="1"/>
@@ -6828,7 +6978,7 @@
             </a:r>
             <a:r>
               <a:rPr lang="en-US" sz="1600" dirty="0"/>
-              <a:t>e’ </a:t>
+              <a:t>è </a:t>
             </a:r>
             <a:r>
               <a:rPr lang="en-US" sz="1600" dirty="0" err="1"/>
@@ -7024,7 +7174,7 @@
               <a:t>La </a:t>
             </a:r>
             <a:r>
-              <a:rPr lang="en-US" sz="3200" b="1" dirty="0" err="1">
+              <a:rPr lang="it-IT" sz="3200" b="1" dirty="0">
                 <a:solidFill>
                   <a:srgbClr val="66C0F4"/>
                 </a:solidFill>
@@ -7335,7 +7485,7 @@
             </a:r>
             <a:r>
               <a:rPr lang="en-US" sz="1600" dirty="0"/>
-              <a:t>e’ </a:t>
+              <a:t>è </a:t>
             </a:r>
             <a:r>
               <a:rPr lang="en-US" sz="1600" dirty="0" err="1"/>
@@ -7972,7 +8122,7 @@
             </a:r>
             <a:r>
               <a:rPr lang="en-US" dirty="0"/>
-              <a:t>e’ un </a:t>
+              <a:t>è un </a:t>
             </a:r>
             <a:r>
               <a:rPr lang="en-US" dirty="0" err="1"/>
@@ -8173,7 +8323,7 @@
                   <a:srgbClr val="C7D5E0"/>
                 </a:solidFill>
               </a:rPr>
-              <a:t> e’ </a:t>
+              <a:t> è </a:t>
             </a:r>
             <a:r>
               <a:rPr lang="en-US" dirty="0" err="1">
@@ -8265,7 +8415,15 @@
             </a:r>
             <a:r>
               <a:rPr lang="en-US" dirty="0"/>
-              <a:t> piu’ </a:t>
+              <a:t> </a:t>
+            </a:r>
+            <a:r>
+              <a:rPr lang="en-US" dirty="0" err="1"/>
+              <a:t>più</a:t>
+            </a:r>
+            <a:r>
+              <a:rPr lang="en-US" dirty="0"/>
+              <a:t> </a:t>
             </a:r>
             <a:r>
               <a:rPr lang="en-US" dirty="0" err="1"/>
@@ -8415,7 +8573,15 @@
             </a:r>
             <a:r>
               <a:rPr lang="en-US" dirty="0"/>
-              <a:t> piu’ alto </a:t>
+              <a:t> </a:t>
+            </a:r>
+            <a:r>
+              <a:rPr lang="en-US" dirty="0" err="1"/>
+              <a:t>più</a:t>
+            </a:r>
+            <a:r>
+              <a:rPr lang="en-US" dirty="0"/>
+              <a:t> alto </a:t>
             </a:r>
             <a:r>
               <a:rPr lang="en-US" dirty="0" err="1"/>
@@ -8912,15 +9078,7 @@
                   <a:srgbClr val="66C0F4"/>
                 </a:solidFill>
               </a:rPr>
-              <a:t>non e’</a:t>
-            </a:r>
-            <a:r>
-              <a:rPr lang="en-US" sz="1500" dirty="0">
-                <a:solidFill>
-                  <a:srgbClr val="C7D5E0"/>
-                </a:solidFill>
-              </a:rPr>
-              <a:t> </a:t>
+              <a:t>non è </a:t>
             </a:r>
             <a:r>
               <a:rPr lang="en-US" sz="1500" dirty="0" err="1">
@@ -9410,15 +9568,7 @@
                   <a:srgbClr val="66C0F4"/>
                 </a:solidFill>
               </a:rPr>
-              <a:t>non e’</a:t>
-            </a:r>
-            <a:r>
-              <a:rPr lang="en-US" sz="1500" dirty="0">
-                <a:solidFill>
-                  <a:srgbClr val="C7D5E0"/>
-                </a:solidFill>
-              </a:rPr>
-              <a:t> </a:t>
+              <a:t>non è </a:t>
             </a:r>
             <a:r>
               <a:rPr lang="en-US" sz="1500" dirty="0" err="1"/>
@@ -9791,7 +9941,7 @@
         <p:spPr>
           <a:xfrm>
             <a:off x="6906311" y="1847104"/>
-            <a:ext cx="4736592" cy="3170099"/>
+            <a:ext cx="4601510" cy="3170099"/>
           </a:xfrm>
           <a:prstGeom prst="rect">
             <a:avLst/>
@@ -10171,13 +10321,13 @@
               <a:rPr lang="en-US" sz="2000" dirty="0" err="1">
                 <a:cs typeface="Arial" panose="020B0604020202020204" pitchFamily="34" charset="0"/>
               </a:rPr>
-              <a:t>possibilita</a:t>
+              <a:t>possibilitàdi</a:t>
             </a:r>
             <a:r>
               <a:rPr lang="en-US" sz="2000" dirty="0">
                 <a:cs typeface="Arial" panose="020B0604020202020204" pitchFamily="34" charset="0"/>
               </a:rPr>
-              <a:t>’ di </a:t>
+              <a:t> </a:t>
             </a:r>
             <a:r>
               <a:rPr lang="en-US" sz="2000" dirty="0" err="1">
@@ -11530,11 +11680,11 @@
             </a:r>
             <a:r>
               <a:rPr lang="en-US" dirty="0" err="1"/>
-              <a:t>positivita</a:t>
-            </a:r>
-            <a:r>
-              <a:rPr lang="en-US" dirty="0"/>
-              <a:t>’ (User Score):</a:t>
+              <a:t>positività</a:t>
+            </a:r>
+            <a:r>
+              <a:rPr lang="en-US" dirty="0"/>
+              <a:t> (User Score):</a:t>
             </a:r>
             <a:endParaRPr lang="it-IT" dirty="0"/>
           </a:p>
@@ -11597,11 +11747,11 @@
             </a:r>
             <a:r>
               <a:rPr lang="en-US" dirty="0" err="1"/>
-              <a:t>puo</a:t>
-            </a:r>
-            <a:r>
-              <a:rPr lang="en-US" dirty="0"/>
-              <a:t>’ </a:t>
+              <a:t>può</a:t>
+            </a:r>
+            <a:r>
+              <a:rPr lang="en-US" dirty="0"/>
+              <a:t> </a:t>
             </a:r>
             <a:r>
               <a:rPr lang="en-US" dirty="0" err="1"/>
@@ -12023,7 +12173,7 @@
                   <a:srgbClr val="66C0F4"/>
                 </a:solidFill>
               </a:rPr>
-              <a:t>Positivita</a:t>
+              <a:t>Positività</a:t>
             </a:r>
             <a:r>
               <a:rPr lang="en-US" sz="3200" b="1" dirty="0">
@@ -12031,7 +12181,7 @@
                   <a:srgbClr val="66C0F4"/>
                 </a:solidFill>
               </a:rPr>
-              <a:t>’ e Owners</a:t>
+              <a:t> e Owners</a:t>
             </a:r>
           </a:p>
         </p:txBody>
@@ -12327,11 +12477,11 @@
             </a:r>
             <a:r>
               <a:rPr lang="en-US" dirty="0" err="1"/>
-              <a:t>puo</a:t>
-            </a:r>
-            <a:r>
-              <a:rPr lang="en-US" dirty="0"/>
-              <a:t>’ </a:t>
+              <a:t>può</a:t>
+            </a:r>
+            <a:r>
+              <a:rPr lang="en-US" dirty="0"/>
+              <a:t> </a:t>
             </a:r>
             <a:r>
               <a:rPr lang="en-US" dirty="0" err="1"/>
@@ -12458,7 +12608,7 @@
             </a:pPr>
             <a:r>
               <a:rPr lang="en-US" dirty="0"/>
-              <a:t>E’ </a:t>
+              <a:t>È </a:t>
             </a:r>
             <a:r>
               <a:rPr lang="en-US" dirty="0" err="1"/>
@@ -12578,7 +12728,15 @@
             </a:r>
             <a:r>
               <a:rPr lang="en-US" dirty="0"/>
-              <a:t> piu di </a:t>
+              <a:t> </a:t>
+            </a:r>
+            <a:r>
+              <a:rPr lang="en-US" dirty="0" err="1"/>
+              <a:t>più</a:t>
+            </a:r>
+            <a:r>
+              <a:rPr lang="en-US" dirty="0"/>
+              <a:t> di </a:t>
             </a:r>
             <a:r>
               <a:rPr lang="en-US" dirty="0" err="1"/>
@@ -13566,7 +13724,7 @@
             </a:pPr>
             <a:r>
               <a:rPr lang="en-US" dirty="0"/>
-              <a:t>Maggiore e’ l’ </a:t>
+              <a:t>Maggiore è l’ </a:t>
             </a:r>
             <a:r>
               <a:rPr lang="en-US" dirty="0">
@@ -13586,7 +13744,7 @@
             </a:r>
             <a:r>
               <a:rPr lang="en-US" dirty="0"/>
-              <a:t> e’ il </a:t>
+              <a:t> è il </a:t>
             </a:r>
             <a:r>
               <a:rPr lang="en-US" dirty="0" err="1"/>
@@ -13627,7 +13785,7 @@
             </a:r>
             <a:r>
               <a:rPr lang="en-US" dirty="0"/>
-              <a:t>e’ un </a:t>
+              <a:t>è un </a:t>
             </a:r>
             <a:r>
               <a:rPr lang="en-US" dirty="0" err="1"/>
@@ -13665,15 +13823,15 @@
             </a:r>
             <a:r>
               <a:rPr lang="en-US" dirty="0"/>
-              <a:t>e’ la </a:t>
-            </a:r>
-            <a:r>
-              <a:rPr lang="en-US" dirty="0" err="1"/>
-              <a:t>modalita</a:t>
-            </a:r>
-            <a:r>
-              <a:rPr lang="en-US" dirty="0"/>
-              <a:t>’ di </a:t>
+              <a:t>è la </a:t>
+            </a:r>
+            <a:r>
+              <a:rPr lang="en-US" dirty="0" err="1"/>
+              <a:t>modalità</a:t>
+            </a:r>
+            <a:r>
+              <a:rPr lang="en-US" dirty="0"/>
+              <a:t> di </a:t>
             </a:r>
             <a:r>
               <a:rPr lang="en-US" dirty="0" err="1"/>
@@ -13715,7 +13873,7 @@
             </a:r>
             <a:r>
               <a:rPr lang="en-US" dirty="0"/>
-              <a:t> F2P e’:</a:t>
+              <a:t> F2P è:</a:t>
             </a:r>
           </a:p>
           <a:p>
@@ -13799,7 +13957,7 @@
             </a:r>
             <a:r>
               <a:rPr lang="en-US" dirty="0"/>
-              <a:t> e’:</a:t>
+              <a:t> è:</a:t>
             </a:r>
           </a:p>
           <a:p>
@@ -14388,7 +14546,15 @@
             </a:r>
             <a:r>
               <a:rPr lang="en-US" dirty="0"/>
-              <a:t> piu’ </a:t>
+              <a:t> </a:t>
+            </a:r>
+            <a:r>
+              <a:rPr lang="en-US" dirty="0" err="1"/>
+              <a:t>più</a:t>
+            </a:r>
+            <a:r>
+              <a:rPr lang="en-US" dirty="0"/>
+              <a:t> </a:t>
             </a:r>
             <a:r>
               <a:rPr lang="en-US" dirty="0" err="1"/>
@@ -14592,11 +14758,11 @@
             </a:r>
             <a:r>
               <a:rPr lang="en-US" dirty="0" err="1"/>
-              <a:t>unita</a:t>
-            </a:r>
-            <a:r>
-              <a:rPr lang="en-US" dirty="0"/>
-              <a:t>’ di tempo).</a:t>
+              <a:t>unità</a:t>
+            </a:r>
+            <a:r>
+              <a:rPr lang="en-US" dirty="0"/>
+              <a:t> di tempo).</a:t>
             </a:r>
           </a:p>
         </p:txBody>
@@ -15894,7 +16060,15 @@
             </a:r>
             <a:r>
               <a:rPr lang="en-US" sz="1600" dirty="0"/>
-              <a:t> studio sara’ </a:t>
+              <a:t> studio </a:t>
+            </a:r>
+            <a:r>
+              <a:rPr lang="en-US" sz="1600" dirty="0" err="1"/>
+              <a:t>sarà</a:t>
+            </a:r>
+            <a:r>
+              <a:rPr lang="en-US" sz="1600" dirty="0"/>
+              <a:t> </a:t>
             </a:r>
             <a:r>
               <a:rPr lang="en-US" sz="1600" dirty="0" err="1"/>

--- a/Steam.pptx
+++ b/Steam.pptx
@@ -6086,7 +6086,7 @@
                   <a:srgbClr val="66C0F4"/>
                 </a:solidFill>
               </a:rPr>
-              <a:t>Fortnight</a:t>
+              <a:t>Fortnite</a:t>
             </a:r>
           </a:p>
           <a:p>
@@ -11325,12 +11325,28 @@
               <a:t>L’ </a:t>
             </a:r>
             <a:r>
+              <a:rPr lang="it-IT" sz="3200" b="1" dirty="0">
+                <a:solidFill>
+                  <a:srgbClr val="66C0F4"/>
+                </a:solidFill>
+              </a:rPr>
+              <a:t>importanza</a:t>
+            </a:r>
+            <a:r>
+              <a:rPr lang="en-US" sz="3200" b="1" dirty="0">
+                <a:solidFill>
+                  <a:srgbClr val="66C0F4"/>
+                </a:solidFill>
+              </a:rPr>
+              <a:t> </a:t>
+            </a:r>
+            <a:r>
               <a:rPr lang="en-US" sz="3200" b="1" dirty="0" err="1">
                 <a:solidFill>
                   <a:srgbClr val="66C0F4"/>
                 </a:solidFill>
               </a:rPr>
-              <a:t>importanza</a:t>
+              <a:t>delle</a:t>
             </a:r>
             <a:r>
               <a:rPr lang="en-US" sz="3200" b="1" dirty="0">
@@ -11346,7 +11362,7 @@
                   <a:srgbClr val="66C0F4"/>
                 </a:solidFill>
               </a:rPr>
-              <a:t>delle</a:t>
+              <a:t>opinioni</a:t>
             </a:r>
             <a:r>
               <a:rPr lang="en-US" sz="3200" b="1" dirty="0">
@@ -11354,7 +11370,7 @@
                   <a:srgbClr val="66C0F4"/>
                 </a:solidFill>
               </a:rPr>
-              <a:t> opinion </a:t>
+              <a:t> </a:t>
             </a:r>
             <a:r>
               <a:rPr lang="en-US" sz="3200" b="1" dirty="0" err="1">

--- a/Steam.pptx
+++ b/Steam.pptx
@@ -28,9 +28,9 @@
     <p:sldId id="274" r:id="rId19"/>
     <p:sldId id="278" r:id="rId20"/>
     <p:sldId id="277" r:id="rId21"/>
-    <p:sldId id="291" r:id="rId22"/>
-    <p:sldId id="287" r:id="rId23"/>
-    <p:sldId id="275" r:id="rId24"/>
+    <p:sldId id="287" r:id="rId22"/>
+    <p:sldId id="275" r:id="rId23"/>
+    <p:sldId id="291" r:id="rId24"/>
     <p:sldId id="279" r:id="rId25"/>
     <p:sldId id="280" r:id="rId26"/>
     <p:sldId id="286" r:id="rId27"/>
@@ -193,7 +193,7 @@
             </a:lvl1pPr>
           </a:lstStyle>
           <a:p>
-            <a:endParaRPr lang="en-US"/>
+            <a:endParaRPr lang="en-US" dirty="0"/>
           </a:p>
         </p:txBody>
       </p:sp>
@@ -228,7 +228,7 @@
               <a:rPr lang="en-US" smtClean="0"/>
               <a:t>7/9/2023</a:t>
             </a:fld>
-            <a:endParaRPr lang="en-US"/>
+            <a:endParaRPr lang="en-US" dirty="0"/>
           </a:p>
         </p:txBody>
       </p:sp>
@@ -261,7 +261,7 @@
           <a:bodyPr vert="horz" lIns="91440" tIns="45720" rIns="91440" bIns="45720" rtlCol="0" anchor="ctr"/>
           <a:lstStyle/>
           <a:p>
-            <a:endParaRPr lang="en-US"/>
+            <a:endParaRPr lang="en-US" dirty="0"/>
           </a:p>
         </p:txBody>
       </p:sp>
@@ -352,7 +352,7 @@
             </a:lvl1pPr>
           </a:lstStyle>
           <a:p>
-            <a:endParaRPr lang="en-US"/>
+            <a:endParaRPr lang="en-US" dirty="0"/>
           </a:p>
         </p:txBody>
       </p:sp>
@@ -387,7 +387,7 @@
               <a:rPr lang="en-US" smtClean="0"/>
               <a:t>‹N›</a:t>
             </a:fld>
-            <a:endParaRPr lang="en-US"/>
+            <a:endParaRPr lang="en-US" dirty="0"/>
           </a:p>
         </p:txBody>
       </p:sp>
@@ -561,7 +561,7 @@
               <a:rPr lang="en-US" smtClean="0"/>
               <a:t>11</a:t>
             </a:fld>
-            <a:endParaRPr lang="en-US"/>
+            <a:endParaRPr lang="en-US" dirty="0"/>
           </a:p>
         </p:txBody>
       </p:sp>
@@ -643,9 +643,9 @@
           <a:p>
             <a:fld id="{A7553FA8-B7AE-4ACD-B9E8-7BB9AFC836CD}" type="slidenum">
               <a:rPr lang="en-US" smtClean="0"/>
-              <a:t>21</a:t>
+              <a:t>23</a:t>
             </a:fld>
-            <a:endParaRPr lang="en-US"/>
+            <a:endParaRPr lang="en-US" dirty="0"/>
           </a:p>
         </p:txBody>
       </p:sp>
@@ -729,7 +729,7 @@
               <a:rPr lang="en-US" smtClean="0"/>
               <a:t>25</a:t>
             </a:fld>
-            <a:endParaRPr lang="en-US"/>
+            <a:endParaRPr lang="en-US" dirty="0"/>
           </a:p>
         </p:txBody>
       </p:sp>
@@ -813,7 +813,7 @@
               <a:rPr lang="en-US" smtClean="0"/>
               <a:t>29</a:t>
             </a:fld>
-            <a:endParaRPr lang="en-US"/>
+            <a:endParaRPr lang="en-US" dirty="0"/>
           </a:p>
         </p:txBody>
       </p:sp>
@@ -874,7 +874,7 @@
           <a:bodyPr/>
           <a:lstStyle/>
           <a:p>
-            <a:endParaRPr lang="en-US"/>
+            <a:endParaRPr lang="en-US" dirty="0"/>
           </a:p>
         </p:txBody>
       </p:sp>
@@ -897,7 +897,7 @@
               <a:rPr lang="en-US" smtClean="0"/>
               <a:t>30</a:t>
             </a:fld>
-            <a:endParaRPr lang="en-US"/>
+            <a:endParaRPr lang="en-US" dirty="0"/>
           </a:p>
         </p:txBody>
       </p:sp>
@@ -1047,7 +1047,7 @@
               <a:rPr lang="en-US" smtClean="0"/>
               <a:t>7/9/2023</a:t>
             </a:fld>
-            <a:endParaRPr lang="en-US"/>
+            <a:endParaRPr lang="en-US" dirty="0"/>
           </a:p>
         </p:txBody>
       </p:sp>
@@ -1066,7 +1066,7 @@
           <a:bodyPr/>
           <a:lstStyle/>
           <a:p>
-            <a:endParaRPr lang="en-US"/>
+            <a:endParaRPr lang="en-US" dirty="0"/>
           </a:p>
         </p:txBody>
       </p:sp>
@@ -1089,7 +1089,7 @@
               <a:rPr lang="en-US" smtClean="0"/>
               <a:t>‹N›</a:t>
             </a:fld>
-            <a:endParaRPr lang="en-US"/>
+            <a:endParaRPr lang="en-US" dirty="0"/>
           </a:p>
         </p:txBody>
       </p:sp>
@@ -1217,7 +1217,7 @@
               <a:rPr lang="en-US" smtClean="0"/>
               <a:t>7/9/2023</a:t>
             </a:fld>
-            <a:endParaRPr lang="en-US"/>
+            <a:endParaRPr lang="en-US" dirty="0"/>
           </a:p>
         </p:txBody>
       </p:sp>
@@ -1236,7 +1236,7 @@
           <a:bodyPr/>
           <a:lstStyle/>
           <a:p>
-            <a:endParaRPr lang="en-US"/>
+            <a:endParaRPr lang="en-US" dirty="0"/>
           </a:p>
         </p:txBody>
       </p:sp>
@@ -1259,7 +1259,7 @@
               <a:rPr lang="en-US" smtClean="0"/>
               <a:t>‹N›</a:t>
             </a:fld>
-            <a:endParaRPr lang="en-US"/>
+            <a:endParaRPr lang="en-US" dirty="0"/>
           </a:p>
         </p:txBody>
       </p:sp>
@@ -1397,7 +1397,7 @@
               <a:rPr lang="en-US" smtClean="0"/>
               <a:t>7/9/2023</a:t>
             </a:fld>
-            <a:endParaRPr lang="en-US"/>
+            <a:endParaRPr lang="en-US" dirty="0"/>
           </a:p>
         </p:txBody>
       </p:sp>
@@ -1416,7 +1416,7 @@
           <a:bodyPr/>
           <a:lstStyle/>
           <a:p>
-            <a:endParaRPr lang="en-US"/>
+            <a:endParaRPr lang="en-US" dirty="0"/>
           </a:p>
         </p:txBody>
       </p:sp>
@@ -1439,7 +1439,7 @@
               <a:rPr lang="en-US" smtClean="0"/>
               <a:t>‹N›</a:t>
             </a:fld>
-            <a:endParaRPr lang="en-US"/>
+            <a:endParaRPr lang="en-US" dirty="0"/>
           </a:p>
         </p:txBody>
       </p:sp>
@@ -1567,7 +1567,7 @@
               <a:rPr lang="en-US" smtClean="0"/>
               <a:t>7/9/2023</a:t>
             </a:fld>
-            <a:endParaRPr lang="en-US"/>
+            <a:endParaRPr lang="en-US" dirty="0"/>
           </a:p>
         </p:txBody>
       </p:sp>
@@ -1586,7 +1586,7 @@
           <a:bodyPr/>
           <a:lstStyle/>
           <a:p>
-            <a:endParaRPr lang="en-US"/>
+            <a:endParaRPr lang="en-US" dirty="0"/>
           </a:p>
         </p:txBody>
       </p:sp>
@@ -1609,7 +1609,7 @@
               <a:rPr lang="en-US" smtClean="0"/>
               <a:t>‹N›</a:t>
             </a:fld>
-            <a:endParaRPr lang="en-US"/>
+            <a:endParaRPr lang="en-US" dirty="0"/>
           </a:p>
         </p:txBody>
       </p:sp>
@@ -1813,7 +1813,7 @@
               <a:rPr lang="en-US" smtClean="0"/>
               <a:t>7/9/2023</a:t>
             </a:fld>
-            <a:endParaRPr lang="en-US"/>
+            <a:endParaRPr lang="en-US" dirty="0"/>
           </a:p>
         </p:txBody>
       </p:sp>
@@ -1832,7 +1832,7 @@
           <a:bodyPr/>
           <a:lstStyle/>
           <a:p>
-            <a:endParaRPr lang="en-US"/>
+            <a:endParaRPr lang="en-US" dirty="0"/>
           </a:p>
         </p:txBody>
       </p:sp>
@@ -1855,7 +1855,7 @@
               <a:rPr lang="en-US" smtClean="0"/>
               <a:t>‹N›</a:t>
             </a:fld>
-            <a:endParaRPr lang="en-US"/>
+            <a:endParaRPr lang="en-US" dirty="0"/>
           </a:p>
         </p:txBody>
       </p:sp>
@@ -2045,7 +2045,7 @@
               <a:rPr lang="en-US" smtClean="0"/>
               <a:t>7/9/2023</a:t>
             </a:fld>
-            <a:endParaRPr lang="en-US"/>
+            <a:endParaRPr lang="en-US" dirty="0"/>
           </a:p>
         </p:txBody>
       </p:sp>
@@ -2064,7 +2064,7 @@
           <a:bodyPr/>
           <a:lstStyle/>
           <a:p>
-            <a:endParaRPr lang="en-US"/>
+            <a:endParaRPr lang="en-US" dirty="0"/>
           </a:p>
         </p:txBody>
       </p:sp>
@@ -2087,7 +2087,7 @@
               <a:rPr lang="en-US" smtClean="0"/>
               <a:t>‹N›</a:t>
             </a:fld>
-            <a:endParaRPr lang="en-US"/>
+            <a:endParaRPr lang="en-US" dirty="0"/>
           </a:p>
         </p:txBody>
       </p:sp>
@@ -2412,7 +2412,7 @@
               <a:rPr lang="en-US" smtClean="0"/>
               <a:t>7/9/2023</a:t>
             </a:fld>
-            <a:endParaRPr lang="en-US"/>
+            <a:endParaRPr lang="en-US" dirty="0"/>
           </a:p>
         </p:txBody>
       </p:sp>
@@ -2431,7 +2431,7 @@
           <a:bodyPr/>
           <a:lstStyle/>
           <a:p>
-            <a:endParaRPr lang="en-US"/>
+            <a:endParaRPr lang="en-US" dirty="0"/>
           </a:p>
         </p:txBody>
       </p:sp>
@@ -2454,7 +2454,7 @@
               <a:rPr lang="en-US" smtClean="0"/>
               <a:t>‹N›</a:t>
             </a:fld>
-            <a:endParaRPr lang="en-US"/>
+            <a:endParaRPr lang="en-US" dirty="0"/>
           </a:p>
         </p:txBody>
       </p:sp>
@@ -2530,7 +2530,7 @@
               <a:rPr lang="en-US" smtClean="0"/>
               <a:t>7/9/2023</a:t>
             </a:fld>
-            <a:endParaRPr lang="en-US"/>
+            <a:endParaRPr lang="en-US" dirty="0"/>
           </a:p>
         </p:txBody>
       </p:sp>
@@ -2549,7 +2549,7 @@
           <a:bodyPr/>
           <a:lstStyle/>
           <a:p>
-            <a:endParaRPr lang="en-US"/>
+            <a:endParaRPr lang="en-US" dirty="0"/>
           </a:p>
         </p:txBody>
       </p:sp>
@@ -2572,7 +2572,7 @@
               <a:rPr lang="en-US" smtClean="0"/>
               <a:t>‹N›</a:t>
             </a:fld>
-            <a:endParaRPr lang="en-US"/>
+            <a:endParaRPr lang="en-US" dirty="0"/>
           </a:p>
         </p:txBody>
       </p:sp>
@@ -2625,7 +2625,7 @@
               <a:rPr lang="en-US" smtClean="0"/>
               <a:t>7/9/2023</a:t>
             </a:fld>
-            <a:endParaRPr lang="en-US"/>
+            <a:endParaRPr lang="en-US" dirty="0"/>
           </a:p>
         </p:txBody>
       </p:sp>
@@ -2644,7 +2644,7 @@
           <a:bodyPr/>
           <a:lstStyle/>
           <a:p>
-            <a:endParaRPr lang="en-US"/>
+            <a:endParaRPr lang="en-US" dirty="0"/>
           </a:p>
         </p:txBody>
       </p:sp>
@@ -2667,7 +2667,7 @@
               <a:rPr lang="en-US" smtClean="0"/>
               <a:t>‹N›</a:t>
             </a:fld>
-            <a:endParaRPr lang="en-US"/>
+            <a:endParaRPr lang="en-US" dirty="0"/>
           </a:p>
         </p:txBody>
       </p:sp>
@@ -2902,7 +2902,7 @@
               <a:rPr lang="en-US" smtClean="0"/>
               <a:t>7/9/2023</a:t>
             </a:fld>
-            <a:endParaRPr lang="en-US"/>
+            <a:endParaRPr lang="en-US" dirty="0"/>
           </a:p>
         </p:txBody>
       </p:sp>
@@ -2921,7 +2921,7 @@
           <a:bodyPr/>
           <a:lstStyle/>
           <a:p>
-            <a:endParaRPr lang="en-US"/>
+            <a:endParaRPr lang="en-US" dirty="0"/>
           </a:p>
         </p:txBody>
       </p:sp>
@@ -2944,7 +2944,7 @@
               <a:rPr lang="en-US" smtClean="0"/>
               <a:t>‹N›</a:t>
             </a:fld>
-            <a:endParaRPr lang="en-US"/>
+            <a:endParaRPr lang="en-US" dirty="0"/>
           </a:p>
         </p:txBody>
       </p:sp>
@@ -3068,7 +3068,7 @@
           </a:lstStyle>
           <a:p>
             <a:r>
-              <a:rPr lang="it-IT"/>
+              <a:rPr lang="it-IT" dirty="0"/>
               <a:t>Fare clic sull'icona per inserire un'immagine</a:t>
             </a:r>
             <a:endParaRPr lang="en-US" dirty="0"/>
@@ -3159,7 +3159,7 @@
               <a:rPr lang="en-US" smtClean="0"/>
               <a:t>7/9/2023</a:t>
             </a:fld>
-            <a:endParaRPr lang="en-US"/>
+            <a:endParaRPr lang="en-US" dirty="0"/>
           </a:p>
         </p:txBody>
       </p:sp>
@@ -3178,7 +3178,7 @@
           <a:bodyPr/>
           <a:lstStyle/>
           <a:p>
-            <a:endParaRPr lang="en-US"/>
+            <a:endParaRPr lang="en-US" dirty="0"/>
           </a:p>
         </p:txBody>
       </p:sp>
@@ -3201,7 +3201,7 @@
               <a:rPr lang="en-US" smtClean="0"/>
               <a:t>‹N›</a:t>
             </a:fld>
-            <a:endParaRPr lang="en-US"/>
+            <a:endParaRPr lang="en-US" dirty="0"/>
           </a:p>
         </p:txBody>
       </p:sp>
@@ -3372,7 +3372,7 @@
               <a:rPr lang="en-US" smtClean="0"/>
               <a:t>7/9/2023</a:t>
             </a:fld>
-            <a:endParaRPr lang="en-US"/>
+            <a:endParaRPr lang="en-US" dirty="0"/>
           </a:p>
         </p:txBody>
       </p:sp>
@@ -3409,7 +3409,7 @@
             </a:lvl1pPr>
           </a:lstStyle>
           <a:p>
-            <a:endParaRPr lang="en-US"/>
+            <a:endParaRPr lang="en-US" dirty="0"/>
           </a:p>
         </p:txBody>
       </p:sp>
@@ -3450,7 +3450,7 @@
               <a:rPr lang="en-US" smtClean="0"/>
               <a:t>‹N›</a:t>
             </a:fld>
-            <a:endParaRPr lang="en-US"/>
+            <a:endParaRPr lang="en-US" dirty="0"/>
           </a:p>
         </p:txBody>
       </p:sp>
@@ -3919,63 +3919,7 @@
                 <a:latin typeface="+mj-lt"/>
                 <a:cs typeface="Arial" panose="020B0604020202020204" pitchFamily="34" charset="0"/>
               </a:rPr>
-              <a:t> </a:t>
-            </a:r>
-            <a:r>
-              <a:rPr lang="en-US" sz="2800" dirty="0" err="1">
-                <a:latin typeface="+mj-lt"/>
-                <a:cs typeface="Arial" panose="020B0604020202020204" pitchFamily="34" charset="0"/>
-              </a:rPr>
-              <a:t>della</a:t>
-            </a:r>
-            <a:r>
-              <a:rPr lang="en-US" sz="2800" dirty="0">
-                <a:latin typeface="+mj-lt"/>
-                <a:cs typeface="Arial" panose="020B0604020202020204" pitchFamily="34" charset="0"/>
-              </a:rPr>
-              <a:t> </a:t>
-            </a:r>
-            <a:r>
-              <a:rPr lang="en-US" sz="2800" dirty="0" err="1">
-                <a:latin typeface="+mj-lt"/>
-                <a:cs typeface="Arial" panose="020B0604020202020204" pitchFamily="34" charset="0"/>
-              </a:rPr>
-              <a:t>piattaforma</a:t>
-            </a:r>
-            <a:r>
-              <a:rPr lang="en-US" sz="2800" dirty="0">
-                <a:latin typeface="+mj-lt"/>
-                <a:cs typeface="Arial" panose="020B0604020202020204" pitchFamily="34" charset="0"/>
-              </a:rPr>
-              <a:t> di </a:t>
-            </a:r>
-            <a:r>
-              <a:rPr lang="en-US" sz="2800" dirty="0" err="1">
-                <a:latin typeface="+mj-lt"/>
-                <a:cs typeface="Arial" panose="020B0604020202020204" pitchFamily="34" charset="0"/>
-              </a:rPr>
-              <a:t>distribuzione</a:t>
-            </a:r>
-            <a:r>
-              <a:rPr lang="en-US" sz="2800" dirty="0">
-                <a:latin typeface="+mj-lt"/>
-                <a:cs typeface="Arial" panose="020B0604020202020204" pitchFamily="34" charset="0"/>
-              </a:rPr>
-              <a:t> </a:t>
-            </a:r>
-            <a:r>
-              <a:rPr lang="en-US" sz="2800" dirty="0" err="1">
-                <a:latin typeface="+mj-lt"/>
-                <a:cs typeface="Arial" panose="020B0604020202020204" pitchFamily="34" charset="0"/>
-              </a:rPr>
-              <a:t>digitale</a:t>
-            </a:r>
-            <a:r>
-              <a:rPr lang="en-US" sz="2800" dirty="0">
-                <a:latin typeface="+mj-lt"/>
-                <a:cs typeface="Arial" panose="020B0604020202020204" pitchFamily="34" charset="0"/>
-              </a:rPr>
-              <a:t> di</a:t>
+              <a:t> della piattaforma di distribuzione digitale di</a:t>
             </a:r>
             <a:r>
               <a:rPr lang="en-US" sz="2800" dirty="0">
@@ -4170,18 +4114,13 @@
           <a:p>
             <a:pPr algn="ctr"/>
             <a:r>
-              <a:rPr lang="en-US" sz="3200" b="1">
+              <a:rPr lang="en-US" sz="3200" b="1" dirty="0">
                 <a:solidFill>
                   <a:srgbClr val="66C0F4"/>
                 </a:solidFill>
               </a:rPr>
               <a:t>Single-Player vs Multi-Player</a:t>
             </a:r>
-            <a:endParaRPr lang="en-US" sz="3200" b="1" dirty="0">
-              <a:solidFill>
-                <a:srgbClr val="66C0F4"/>
-              </a:solidFill>
-            </a:endParaRPr>
           </a:p>
         </p:txBody>
       </p:sp>
@@ -4436,232 +4375,40 @@
               <a:buNone/>
             </a:pPr>
             <a:r>
-              <a:rPr lang="en-US" sz="2000" dirty="0"/>
-              <a:t>Si </a:t>
-            </a:r>
-            <a:r>
-              <a:rPr lang="en-US" sz="2000" dirty="0" err="1"/>
-              <a:t>analizza</a:t>
-            </a:r>
-            <a:r>
-              <a:rPr lang="en-US" sz="2000" dirty="0"/>
-              <a:t> il </a:t>
-            </a:r>
-            <a:r>
-              <a:rPr lang="en-US" sz="2000" dirty="0" err="1"/>
-              <a:t>numero</a:t>
-            </a:r>
-            <a:r>
-              <a:rPr lang="en-US" sz="2000" dirty="0"/>
-              <a:t> di </a:t>
-            </a:r>
-            <a:r>
-              <a:rPr lang="en-US" sz="2000" dirty="0" err="1">
+              <a:rPr lang="it-IT" sz="2000" dirty="0"/>
+              <a:t>Si analizza il numero di </a:t>
+            </a:r>
+            <a:r>
+              <a:rPr lang="it-IT" sz="2000" dirty="0">
                 <a:solidFill>
                   <a:srgbClr val="66C0F4"/>
                 </a:solidFill>
               </a:rPr>
-              <a:t>acquisti</a:t>
-            </a:r>
-            <a:r>
-              <a:rPr lang="en-US" sz="2000" dirty="0">
+              <a:t>acquisti </a:t>
+            </a:r>
+            <a:r>
+              <a:rPr lang="it-IT" sz="2000" dirty="0"/>
+              <a:t>di VG per ciascuna delle categorie di </a:t>
+            </a:r>
+            <a:r>
+              <a:rPr lang="it-IT" sz="2000" dirty="0">
                 <a:solidFill>
                   <a:srgbClr val="66C0F4"/>
                 </a:solidFill>
               </a:rPr>
+              <a:t>socialità</a:t>
+            </a:r>
+            <a:r>
+              <a:rPr lang="it-IT" sz="2000" dirty="0">
+                <a:solidFill>
+                  <a:srgbClr val="C7D5E0"/>
+                </a:solidFill>
+              </a:rPr>
               <a:t> </a:t>
             </a:r>
             <a:r>
-              <a:rPr lang="en-US" sz="2000" dirty="0"/>
-              <a:t>di VG per </a:t>
-            </a:r>
-            <a:r>
-              <a:rPr lang="en-US" sz="2000" dirty="0" err="1"/>
-              <a:t>ciascuna</a:t>
-            </a:r>
-            <a:r>
-              <a:rPr lang="en-US" sz="2000" dirty="0"/>
-              <a:t> </a:t>
-            </a:r>
-            <a:r>
-              <a:rPr lang="en-US" sz="2000" dirty="0" err="1"/>
-              <a:t>delle</a:t>
-            </a:r>
-            <a:r>
-              <a:rPr lang="en-US" sz="2000" dirty="0"/>
-              <a:t> </a:t>
-            </a:r>
-            <a:r>
-              <a:rPr lang="en-US" sz="2000" dirty="0" err="1"/>
-              <a:t>categorie</a:t>
-            </a:r>
-            <a:r>
-              <a:rPr lang="en-US" sz="2000" dirty="0"/>
-              <a:t> di </a:t>
-            </a:r>
-            <a:r>
-              <a:rPr lang="en-US" sz="2000" dirty="0" err="1">
-                <a:solidFill>
-                  <a:srgbClr val="66C0F4"/>
-                </a:solidFill>
-              </a:rPr>
-              <a:t>socialità</a:t>
-            </a:r>
-            <a:r>
-              <a:rPr lang="en-US" sz="2000" dirty="0">
-                <a:solidFill>
-                  <a:srgbClr val="C7D5E0"/>
-                </a:solidFill>
-              </a:rPr>
-              <a:t> </a:t>
-            </a:r>
-            <a:r>
-              <a:rPr lang="en-US" sz="2000" dirty="0"/>
-              <a:t>del </a:t>
-            </a:r>
-            <a:r>
-              <a:rPr lang="en-US" sz="2000" dirty="0" err="1"/>
-              <a:t>prodotto</a:t>
-            </a:r>
-            <a:r>
-              <a:rPr lang="en-US" sz="2000" dirty="0"/>
-              <a:t>, </a:t>
-            </a:r>
-            <a:r>
-              <a:rPr lang="en-US" sz="2000" dirty="0" err="1"/>
-              <a:t>durante</a:t>
-            </a:r>
-            <a:r>
-              <a:rPr lang="en-US" sz="2000" dirty="0"/>
-              <a:t> </a:t>
-            </a:r>
-            <a:r>
-              <a:rPr lang="en-US" sz="2000" dirty="0" err="1"/>
-              <a:t>i</a:t>
-            </a:r>
-            <a:r>
-              <a:rPr lang="en-US" sz="2000" dirty="0"/>
-              <a:t> </a:t>
-            </a:r>
-            <a:r>
-              <a:rPr lang="en-US" sz="2000" dirty="0" err="1"/>
-              <a:t>tre</a:t>
-            </a:r>
-            <a:r>
-              <a:rPr lang="en-US" sz="2000" dirty="0"/>
-              <a:t> </a:t>
-            </a:r>
-            <a:r>
-              <a:rPr lang="en-US" sz="2000" dirty="0" err="1"/>
-              <a:t>periodi</a:t>
-            </a:r>
-            <a:r>
-              <a:rPr lang="en-US" sz="2000" dirty="0"/>
-              <a:t> </a:t>
-            </a:r>
-            <a:r>
-              <a:rPr lang="en-US" sz="2000" dirty="0" err="1"/>
-              <a:t>analizzati</a:t>
-            </a:r>
-            <a:r>
-              <a:rPr lang="en-US" sz="2000" dirty="0"/>
-              <a:t>, per </a:t>
-            </a:r>
-            <a:r>
-              <a:rPr lang="en-US" sz="2000" dirty="0" err="1"/>
-              <a:t>poter</a:t>
-            </a:r>
-            <a:r>
-              <a:rPr lang="en-US" sz="2000" dirty="0"/>
-              <a:t> </a:t>
-            </a:r>
-            <a:r>
-              <a:rPr lang="en-US" sz="2000" dirty="0" err="1"/>
-              <a:t>mettere</a:t>
-            </a:r>
-            <a:r>
-              <a:rPr lang="en-US" sz="2000" dirty="0"/>
-              <a:t> in </a:t>
-            </a:r>
-            <a:r>
-              <a:rPr lang="en-US" sz="2000" dirty="0" err="1"/>
-              <a:t>evidenza</a:t>
-            </a:r>
-            <a:r>
-              <a:rPr lang="en-US" sz="2000" dirty="0"/>
-              <a:t> </a:t>
-            </a:r>
-            <a:r>
-              <a:rPr lang="en-US" sz="2000" dirty="0" err="1"/>
-              <a:t>differenze</a:t>
-            </a:r>
-            <a:r>
-              <a:rPr lang="en-US" sz="2000" dirty="0"/>
-              <a:t> </a:t>
-            </a:r>
-            <a:r>
-              <a:rPr lang="en-US" sz="2000" dirty="0" err="1"/>
-              <a:t>nelle</a:t>
-            </a:r>
-            <a:r>
-              <a:rPr lang="en-US" sz="2000" dirty="0"/>
-              <a:t> </a:t>
-            </a:r>
-            <a:r>
-              <a:rPr lang="en-US" sz="2000" dirty="0" err="1"/>
-              <a:t>preferenze</a:t>
-            </a:r>
-            <a:r>
-              <a:rPr lang="en-US" sz="2000" dirty="0"/>
-              <a:t> di </a:t>
-            </a:r>
-            <a:r>
-              <a:rPr lang="en-US" sz="2000" dirty="0" err="1"/>
-              <a:t>acquisto</a:t>
-            </a:r>
-            <a:r>
-              <a:rPr lang="en-US" sz="2000" dirty="0"/>
-              <a:t> </a:t>
-            </a:r>
-            <a:r>
-              <a:rPr lang="en-US" sz="2000" dirty="0" err="1"/>
-              <a:t>degli</a:t>
-            </a:r>
-            <a:r>
-              <a:rPr lang="en-US" sz="2000" dirty="0"/>
-              <a:t> </a:t>
-            </a:r>
-            <a:r>
-              <a:rPr lang="en-US" sz="2000" dirty="0" err="1"/>
-              <a:t>utenti</a:t>
-            </a:r>
-            <a:r>
-              <a:rPr lang="en-US" sz="2000" dirty="0"/>
-              <a:t> in </a:t>
-            </a:r>
-            <a:r>
-              <a:rPr lang="en-US" sz="2000" dirty="0" err="1"/>
-              <a:t>situazioni</a:t>
-            </a:r>
-            <a:r>
-              <a:rPr lang="en-US" sz="2000" dirty="0"/>
-              <a:t> </a:t>
-            </a:r>
-            <a:r>
-              <a:rPr lang="en-US" sz="2000" dirty="0" err="1"/>
-              <a:t>sociali</a:t>
-            </a:r>
-            <a:r>
-              <a:rPr lang="en-US" sz="2000" dirty="0"/>
-              <a:t> </a:t>
-            </a:r>
-            <a:r>
-              <a:rPr lang="en-US" sz="2000" dirty="0" err="1"/>
-              <a:t>differenti</a:t>
-            </a:r>
-            <a:r>
-              <a:rPr lang="en-US" sz="2000" dirty="0"/>
-              <a:t>.</a:t>
+              <a:rPr lang="it-IT" sz="2000" dirty="0"/>
+              <a:t>del prodotto, durante i tre periodi analizzati, per poter mettere in evidenza differenze nelle preferenze di acquisto degli utenti in situazioni sociali differenti.</a:t>
             </a:r>
           </a:p>
           <a:p>
@@ -4671,88 +4418,20 @@
               </a:buClr>
             </a:pPr>
             <a:r>
-              <a:rPr lang="en-US" sz="2000" dirty="0"/>
-              <a:t>I VG </a:t>
-            </a:r>
-            <a:r>
-              <a:rPr lang="en-US" sz="2000" dirty="0" err="1"/>
-              <a:t>si</a:t>
-            </a:r>
-            <a:r>
-              <a:rPr lang="en-US" sz="2000" dirty="0"/>
-              <a:t> </a:t>
-            </a:r>
-            <a:r>
-              <a:rPr lang="en-US" sz="2000" dirty="0" err="1"/>
-              <a:t>distribuiscono</a:t>
-            </a:r>
-            <a:r>
-              <a:rPr lang="en-US" sz="2000" dirty="0"/>
-              <a:t> </a:t>
-            </a:r>
-            <a:r>
-              <a:rPr lang="en-US" sz="2000" dirty="0" err="1"/>
-              <a:t>più</a:t>
-            </a:r>
-            <a:r>
-              <a:rPr lang="en-US" sz="2000" dirty="0"/>
-              <a:t> o </a:t>
-            </a:r>
-            <a:r>
-              <a:rPr lang="en-US" sz="2000" dirty="0" err="1"/>
-              <a:t>meno</a:t>
-            </a:r>
-            <a:r>
-              <a:rPr lang="en-US" sz="2000" dirty="0"/>
-              <a:t> </a:t>
-            </a:r>
-            <a:r>
-              <a:rPr lang="en-US" sz="2000" dirty="0" err="1">
+              <a:rPr lang="it-IT" sz="2000" dirty="0"/>
+              <a:t>I VG si distribuiscono più o meno </a:t>
+            </a:r>
+            <a:r>
+              <a:rPr lang="it-IT" sz="2000" dirty="0">
                 <a:solidFill>
                   <a:srgbClr val="66C0F4"/>
                 </a:solidFill>
               </a:rPr>
-              <a:t>uniformemente</a:t>
-            </a:r>
-            <a:r>
-              <a:rPr lang="en-US" sz="2000" dirty="0">
-                <a:solidFill>
-                  <a:srgbClr val="66C0F4"/>
-                </a:solidFill>
-              </a:rPr>
-              <a:t> </a:t>
-            </a:r>
-            <a:r>
-              <a:rPr lang="en-US" sz="2000" dirty="0" err="1"/>
-              <a:t>tra</a:t>
-            </a:r>
-            <a:r>
-              <a:rPr lang="en-US" sz="2000" dirty="0"/>
-              <a:t> le </a:t>
-            </a:r>
-            <a:r>
-              <a:rPr lang="en-US" sz="2000" dirty="0" err="1"/>
-              <a:t>categorie</a:t>
-            </a:r>
-            <a:r>
-              <a:rPr lang="en-US" sz="2000" dirty="0"/>
-              <a:t> di </a:t>
-            </a:r>
-            <a:r>
-              <a:rPr lang="en-US" sz="2000" dirty="0" err="1"/>
-              <a:t>gruppo</a:t>
-            </a:r>
-            <a:r>
-              <a:rPr lang="en-US" sz="2000" dirty="0"/>
-              <a:t> e quelle in </a:t>
-            </a:r>
-            <a:r>
-              <a:rPr lang="en-US" sz="2000" dirty="0" err="1"/>
-              <a:t>singolo</a:t>
-            </a:r>
-            <a:r>
-              <a:rPr lang="en-US" sz="2000" dirty="0"/>
-              <a:t>.</a:t>
+              <a:t>uniformemente </a:t>
+            </a:r>
+            <a:r>
+              <a:rPr lang="it-IT" sz="2000" dirty="0"/>
+              <a:t>tra le categorie di gruppo e quelle in singolo.</a:t>
             </a:r>
           </a:p>
           <a:p>
@@ -4762,19 +4441,11 @@
               </a:buClr>
             </a:pPr>
             <a:r>
-              <a:rPr lang="en-US" sz="2000" dirty="0"/>
-              <a:t>Si </a:t>
-            </a:r>
-            <a:r>
-              <a:rPr lang="en-US" sz="2000" dirty="0" err="1"/>
-              <a:t>evidenzia</a:t>
-            </a:r>
-            <a:r>
-              <a:rPr lang="en-US" sz="2000" dirty="0"/>
-              <a:t> un </a:t>
-            </a:r>
-            <a:r>
-              <a:rPr lang="en-US" sz="2000" dirty="0">
+              <a:rPr lang="it-IT" sz="2000" dirty="0"/>
+              <a:t>Si evidenzia un </a:t>
+            </a:r>
+            <a:r>
+              <a:rPr lang="it-IT" sz="2000" dirty="0">
                 <a:solidFill>
                   <a:srgbClr val="66C0F4"/>
                 </a:solidFill>
@@ -4782,52 +4453,8 @@
               <a:t>leggero </a:t>
             </a:r>
             <a:r>
-              <a:rPr lang="en-US" sz="2000" dirty="0" err="1"/>
-              <a:t>aumento</a:t>
-            </a:r>
-            <a:r>
-              <a:rPr lang="en-US" sz="2000" dirty="0"/>
-              <a:t> </a:t>
-            </a:r>
-            <a:r>
-              <a:rPr lang="en-US" sz="2000" dirty="0" err="1"/>
-              <a:t>della</a:t>
-            </a:r>
-            <a:r>
-              <a:rPr lang="en-US" sz="2000" dirty="0"/>
-              <a:t> </a:t>
-            </a:r>
-            <a:r>
-              <a:rPr lang="en-US" sz="2000" dirty="0" err="1"/>
-              <a:t>popolarità</a:t>
-            </a:r>
-            <a:r>
-              <a:rPr lang="en-US" sz="2000" dirty="0"/>
-              <a:t> </a:t>
-            </a:r>
-            <a:r>
-              <a:rPr lang="en-US" sz="2000" dirty="0" err="1"/>
-              <a:t>della</a:t>
-            </a:r>
-            <a:r>
-              <a:rPr lang="en-US" sz="2000" dirty="0"/>
-              <a:t> </a:t>
-            </a:r>
-            <a:r>
-              <a:rPr lang="en-US" sz="2000" dirty="0" err="1"/>
-              <a:t>componente</a:t>
-            </a:r>
-            <a:r>
-              <a:rPr lang="en-US" sz="2000" dirty="0"/>
-              <a:t> Co-op </a:t>
-            </a:r>
-            <a:r>
-              <a:rPr lang="en-US" sz="2000" dirty="0" err="1"/>
-              <a:t>durante</a:t>
-            </a:r>
-            <a:r>
-              <a:rPr lang="en-US" sz="2000" dirty="0"/>
-              <a:t> il Covid19</a:t>
+              <a:rPr lang="it-IT" sz="2000" dirty="0"/>
+              <a:t>aumento della popolarità della componente Co-op durante il Covid19</a:t>
             </a:r>
           </a:p>
           <a:p>
@@ -4837,68 +4464,28 @@
               </a:buClr>
             </a:pPr>
             <a:r>
-              <a:rPr lang="en-US" sz="2000" dirty="0" err="1"/>
-              <a:t>Mentre</a:t>
-            </a:r>
-            <a:r>
-              <a:rPr lang="en-US" sz="2000" dirty="0"/>
-              <a:t> la </a:t>
-            </a:r>
-            <a:r>
-              <a:rPr lang="en-US" sz="2000" dirty="0" err="1"/>
-              <a:t>componente</a:t>
-            </a:r>
-            <a:r>
-              <a:rPr lang="en-US" sz="2000" dirty="0"/>
+              <a:rPr lang="it-IT" sz="2000" dirty="0"/>
+              <a:t>Mentre la componente SinglePlayer registra un </a:t>
+            </a:r>
+            <a:r>
+              <a:rPr lang="it-IT" sz="2000" dirty="0">
+                <a:solidFill>
+                  <a:srgbClr val="66C0F4"/>
+                </a:solidFill>
+              </a:rPr>
+              <a:t>leggero</a:t>
+            </a:r>
+            <a:r>
+              <a:rPr lang="it-IT" sz="2000" dirty="0">
+                <a:solidFill>
+                  <a:srgbClr val="C7D5E0"/>
+                </a:solidFill>
+              </a:rPr>
               <a:t> </a:t>
             </a:r>
             <a:r>
-              <a:rPr lang="en-US" sz="2000" dirty="0" err="1"/>
-              <a:t>SinglePlayer</a:t>
-            </a:r>
-            <a:r>
-              <a:rPr lang="en-US" sz="2000" dirty="0"/>
-              <a:t> </a:t>
-            </a:r>
-            <a:r>
-              <a:rPr lang="en-US" sz="2000" dirty="0" err="1"/>
-              <a:t>registra</a:t>
-            </a:r>
-            <a:r>
-              <a:rPr lang="en-US" sz="2000" dirty="0"/>
-              <a:t> un </a:t>
-            </a:r>
-            <a:r>
-              <a:rPr lang="en-US" sz="2000" dirty="0">
-                <a:solidFill>
-                  <a:srgbClr val="66C0F4"/>
-                </a:solidFill>
-              </a:rPr>
-              <a:t>leggero</a:t>
-            </a:r>
-            <a:r>
-              <a:rPr lang="en-US" sz="2000" dirty="0">
-                <a:solidFill>
-                  <a:srgbClr val="C7D5E0"/>
-                </a:solidFill>
-              </a:rPr>
-              <a:t> </a:t>
-            </a:r>
-            <a:r>
-              <a:rPr lang="en-US" sz="2000" dirty="0" err="1"/>
-              <a:t>aumento</a:t>
-            </a:r>
-            <a:r>
-              <a:rPr lang="en-US" sz="2000" dirty="0"/>
-              <a:t> </a:t>
-            </a:r>
-            <a:r>
-              <a:rPr lang="en-US" sz="2000" dirty="0" err="1"/>
-              <a:t>nel</a:t>
-            </a:r>
-            <a:r>
-              <a:rPr lang="en-US" sz="2000" dirty="0"/>
-              <a:t> period post-Covid19</a:t>
+              <a:rPr lang="it-IT" sz="2000" dirty="0"/>
+              <a:t>aumento nel period post-Covid19</a:t>
             </a:r>
           </a:p>
         </p:txBody>
@@ -5007,66 +4594,13 @@
           <a:p>
             <a:pPr algn="ctr"/>
             <a:r>
-              <a:rPr lang="en-US" sz="3200" b="1" dirty="0" err="1">
+              <a:rPr lang="it-IT" sz="3200" b="1" dirty="0">
                 <a:solidFill>
                   <a:srgbClr val="66C0F4"/>
                 </a:solidFill>
               </a:rPr>
-              <a:t>Distribuzione</a:t>
-            </a:r>
-            <a:r>
-              <a:rPr lang="en-US" sz="3200" b="1" dirty="0">
-                <a:solidFill>
-                  <a:srgbClr val="66C0F4"/>
-                </a:solidFill>
-              </a:rPr>
-              <a:t> </a:t>
-            </a:r>
-            <a:r>
-              <a:rPr lang="en-US" sz="3200" b="1" dirty="0" err="1">
-                <a:solidFill>
-                  <a:srgbClr val="66C0F4"/>
-                </a:solidFill>
-              </a:rPr>
-              <a:t>dei</a:t>
-            </a:r>
-            <a:r>
-              <a:rPr lang="en-US" sz="3200" b="1" dirty="0">
-                <a:solidFill>
-                  <a:srgbClr val="66C0F4"/>
-                </a:solidFill>
-              </a:rPr>
-              <a:t> </a:t>
-            </a:r>
-            <a:r>
-              <a:rPr lang="en-US" sz="3200" b="1" dirty="0" err="1">
-                <a:solidFill>
-                  <a:srgbClr val="66C0F4"/>
-                </a:solidFill>
-              </a:rPr>
-              <a:t>Generi</a:t>
-            </a:r>
-            <a:r>
-              <a:rPr lang="en-US" sz="3200" b="1" dirty="0">
-                <a:solidFill>
-                  <a:srgbClr val="66C0F4"/>
-                </a:solidFill>
-              </a:rPr>
-              <a:t> per </a:t>
-            </a:r>
-            <a:r>
-              <a:rPr lang="en-US" sz="3200" b="1" dirty="0" err="1">
-                <a:solidFill>
-                  <a:srgbClr val="66C0F4"/>
-                </a:solidFill>
-              </a:rPr>
-              <a:t>popolarità</a:t>
-            </a:r>
-            <a:endParaRPr lang="en-US" sz="3200" b="1" dirty="0">
-              <a:solidFill>
-                <a:srgbClr val="66C0F4"/>
-              </a:solidFill>
-            </a:endParaRPr>
+              <a:t>Distribuzione dei Generi per popolarità</a:t>
+            </a:r>
           </a:p>
         </p:txBody>
       </p:sp>
@@ -5189,55 +4723,7 @@
             </a:r>
             <a:r>
               <a:rPr lang="en-US" dirty="0"/>
-              <a:t> </a:t>
-            </a:r>
-            <a:r>
-              <a:rPr lang="en-US" dirty="0" err="1"/>
-              <a:t>che</a:t>
-            </a:r>
-            <a:r>
-              <a:rPr lang="en-US" dirty="0"/>
-              <a:t> </a:t>
-            </a:r>
-            <a:r>
-              <a:rPr lang="en-US" dirty="0" err="1"/>
-              <a:t>tra</a:t>
-            </a:r>
-            <a:r>
-              <a:rPr lang="en-US" dirty="0"/>
-              <a:t> I </a:t>
-            </a:r>
-            <a:r>
-              <a:rPr lang="en-US" dirty="0" err="1"/>
-              <a:t>generi</a:t>
-            </a:r>
-            <a:r>
-              <a:rPr lang="en-US" dirty="0"/>
-              <a:t> </a:t>
-            </a:r>
-            <a:r>
-              <a:rPr lang="en-US" dirty="0" err="1"/>
-              <a:t>più</a:t>
-            </a:r>
-            <a:r>
-              <a:rPr lang="en-US" dirty="0"/>
-              <a:t> </a:t>
-            </a:r>
-            <a:r>
-              <a:rPr lang="en-US" dirty="0" err="1"/>
-              <a:t>popolari</a:t>
-            </a:r>
-            <a:r>
-              <a:rPr lang="en-US" dirty="0"/>
-              <a:t> </a:t>
-            </a:r>
-            <a:r>
-              <a:rPr lang="en-US" dirty="0" err="1"/>
-              <a:t>figurano</a:t>
-            </a:r>
-            <a:r>
-              <a:rPr lang="en-US" dirty="0"/>
-              <a:t>:</a:t>
+              <a:t> che tra I generi più popolari figurano:</a:t>
             </a:r>
           </a:p>
           <a:p>
@@ -5299,31 +4785,7 @@
           <a:p>
             <a:r>
               <a:rPr lang="en-US" dirty="0"/>
-              <a:t>Uno di </a:t>
-            </a:r>
-            <a:r>
-              <a:rPr lang="en-US" dirty="0" err="1"/>
-              <a:t>questi</a:t>
-            </a:r>
-            <a:r>
-              <a:rPr lang="en-US" dirty="0"/>
-              <a:t> </a:t>
-            </a:r>
-            <a:r>
-              <a:rPr lang="en-US" dirty="0" err="1"/>
-              <a:t>sarà</a:t>
-            </a:r>
-            <a:r>
-              <a:rPr lang="en-US" dirty="0"/>
-              <a:t> </a:t>
-            </a:r>
-            <a:r>
-              <a:rPr lang="en-US" dirty="0" err="1"/>
-              <a:t>quindi</a:t>
-            </a:r>
-            <a:r>
-              <a:rPr lang="en-US" dirty="0"/>
-              <a:t> </a:t>
+              <a:t>Uno di questi sarà quindi </a:t>
             </a:r>
             <a:r>
               <a:rPr lang="it-IT" dirty="0"/>
@@ -5331,34 +4793,10 @@
             </a:r>
             <a:r>
               <a:rPr lang="en-US" dirty="0"/>
-              <a:t> il </a:t>
-            </a:r>
-            <a:r>
-              <a:rPr lang="en-US" dirty="0" err="1"/>
-              <a:t>genere</a:t>
-            </a:r>
-            <a:r>
-              <a:rPr lang="en-US" dirty="0"/>
-              <a:t> con </a:t>
-            </a:r>
-            <a:r>
-              <a:rPr lang="en-US" dirty="0" err="1"/>
-              <a:t>l’aspettativa</a:t>
-            </a:r>
-            <a:r>
-              <a:rPr lang="en-US" dirty="0"/>
-              <a:t> di </a:t>
-            </a:r>
-            <a:r>
-              <a:rPr lang="en-US" dirty="0" err="1"/>
-              <a:t>successo</a:t>
-            </a:r>
-            <a:r>
-              <a:rPr lang="en-US" dirty="0"/>
-              <a:t> </a:t>
-            </a:r>
-            <a:r>
-              <a:rPr lang="en-US" dirty="0" err="1">
+              <a:t> il genere con l’aspettativa di successo </a:t>
+            </a:r>
+            <a:r>
+              <a:rPr lang="en-US" dirty="0">
                 <a:solidFill>
                   <a:srgbClr val="66C0F4"/>
                 </a:solidFill>
@@ -5444,50 +4882,13 @@
           <a:p>
             <a:pPr algn="ctr"/>
             <a:r>
-              <a:rPr lang="en-US" sz="3200" b="1" dirty="0" err="1">
+              <a:rPr lang="en-US" sz="3200" b="1" dirty="0">
                 <a:solidFill>
                   <a:srgbClr val="66C0F4"/>
                 </a:solidFill>
               </a:rPr>
-              <a:t>Correlazione</a:t>
-            </a:r>
-            <a:r>
-              <a:rPr lang="en-US" sz="3200" b="1" dirty="0">
-                <a:solidFill>
-                  <a:srgbClr val="66C0F4"/>
-                </a:solidFill>
-              </a:rPr>
-              <a:t> </a:t>
-            </a:r>
-            <a:r>
-              <a:rPr lang="en-US" sz="3200" b="1" dirty="0" err="1">
-                <a:solidFill>
-                  <a:srgbClr val="66C0F4"/>
-                </a:solidFill>
-              </a:rPr>
-              <a:t>dei</a:t>
-            </a:r>
-            <a:r>
-              <a:rPr lang="en-US" sz="3200" b="1" dirty="0">
-                <a:solidFill>
-                  <a:srgbClr val="66C0F4"/>
-                </a:solidFill>
-              </a:rPr>
-              <a:t> </a:t>
-            </a:r>
-            <a:r>
-              <a:rPr lang="en-US" sz="3200" b="1" dirty="0" err="1">
-                <a:solidFill>
-                  <a:srgbClr val="66C0F4"/>
-                </a:solidFill>
-              </a:rPr>
-              <a:t>Generi</a:t>
-            </a:r>
-            <a:endParaRPr lang="en-US" sz="3200" b="1" dirty="0">
-              <a:solidFill>
-                <a:srgbClr val="66C0F4"/>
-              </a:solidFill>
-            </a:endParaRPr>
+              <a:t>Correlazione dei Generi</a:t>
+            </a:r>
           </a:p>
         </p:txBody>
       </p:sp>
@@ -5644,36 +5045,12 @@
           <a:p>
             <a:pPr algn="ctr"/>
             <a:r>
-              <a:rPr lang="en-US" sz="3200" b="1" dirty="0" err="1">
+              <a:rPr lang="en-US" sz="3200" b="1" dirty="0">
                 <a:solidFill>
                   <a:srgbClr val="66C0F4"/>
                 </a:solidFill>
               </a:rPr>
-              <a:t>FreeToPlay</a:t>
-            </a:r>
-            <a:r>
-              <a:rPr lang="en-US" sz="3200" b="1" dirty="0">
-                <a:solidFill>
-                  <a:srgbClr val="66C0F4"/>
-                </a:solidFill>
-              </a:rPr>
-              <a:t>(F2P) vs </a:t>
-            </a:r>
-            <a:r>
-              <a:rPr lang="en-US" sz="3200" b="1" dirty="0" err="1">
-                <a:solidFill>
-                  <a:srgbClr val="66C0F4"/>
-                </a:solidFill>
-              </a:rPr>
-              <a:t>PayToPlay</a:t>
-            </a:r>
-            <a:r>
-              <a:rPr lang="en-US" sz="3200" b="1" dirty="0">
-                <a:solidFill>
-                  <a:srgbClr val="66C0F4"/>
-                </a:solidFill>
-              </a:rPr>
-              <a:t>(P2P) - #N Download</a:t>
+              <a:t>FreeToPlay(F2P) vs PayToPlay(P2P) - #N Download</a:t>
             </a:r>
           </a:p>
         </p:txBody>
@@ -5926,88 +5303,8 @@
               <a:buNone/>
             </a:pPr>
             <a:r>
-              <a:rPr lang="en-US" sz="1600" dirty="0"/>
-              <a:t>Il </a:t>
-            </a:r>
-            <a:r>
-              <a:rPr lang="en-US" sz="1600" dirty="0" err="1"/>
-              <a:t>grafico</a:t>
-            </a:r>
-            <a:r>
-              <a:rPr lang="en-US" sz="1600" dirty="0"/>
-              <a:t> </a:t>
-            </a:r>
-            <a:r>
-              <a:rPr lang="en-US" sz="1600" dirty="0" err="1"/>
-              <a:t>mostra</a:t>
-            </a:r>
-            <a:r>
-              <a:rPr lang="en-US" sz="1600" dirty="0"/>
-              <a:t> la </a:t>
-            </a:r>
-            <a:r>
-              <a:rPr lang="en-US" sz="1600" dirty="0" err="1"/>
-              <a:t>distribuzione</a:t>
-            </a:r>
-            <a:r>
-              <a:rPr lang="en-US" sz="1600" dirty="0"/>
-              <a:t> del </a:t>
-            </a:r>
-            <a:r>
-              <a:rPr lang="en-US" sz="1600" dirty="0" err="1"/>
-              <a:t>numero</a:t>
-            </a:r>
-            <a:r>
-              <a:rPr lang="en-US" sz="1600" dirty="0"/>
-              <a:t> di </a:t>
-            </a:r>
-            <a:r>
-              <a:rPr lang="en-US" sz="1600" dirty="0" err="1"/>
-              <a:t>acquisti</a:t>
-            </a:r>
-            <a:r>
-              <a:rPr lang="en-US" sz="1600" dirty="0"/>
-              <a:t> per </a:t>
-            </a:r>
-            <a:r>
-              <a:rPr lang="en-US" sz="1600" dirty="0" err="1"/>
-              <a:t>Videogiochi</a:t>
-            </a:r>
-            <a:r>
-              <a:rPr lang="en-US" sz="1600" dirty="0"/>
-              <a:t> </a:t>
-            </a:r>
-            <a:r>
-              <a:rPr lang="en-US" sz="1600" dirty="0" err="1"/>
-              <a:t>delle</a:t>
-            </a:r>
-            <a:r>
-              <a:rPr lang="en-US" sz="1600" dirty="0"/>
-              <a:t> due diverse </a:t>
-            </a:r>
-            <a:r>
-              <a:rPr lang="en-US" sz="1600" dirty="0" err="1"/>
-              <a:t>categorie</a:t>
-            </a:r>
-            <a:r>
-              <a:rPr lang="en-US" sz="1600" dirty="0"/>
-              <a:t> </a:t>
-            </a:r>
-            <a:r>
-              <a:rPr lang="en-US" sz="1600" dirty="0" err="1"/>
-              <a:t>FreeToPlay</a:t>
-            </a:r>
-            <a:r>
-              <a:rPr lang="en-US" sz="1600" dirty="0"/>
-              <a:t> (F2P) e </a:t>
-            </a:r>
-            <a:r>
-              <a:rPr lang="en-US" sz="1600" dirty="0" err="1"/>
-              <a:t>PayToPlay</a:t>
-            </a:r>
-            <a:r>
-              <a:rPr lang="en-US" sz="1600" dirty="0"/>
-              <a:t> (P2P)</a:t>
+              <a:rPr lang="it-IT" sz="1600" dirty="0"/>
+              <a:t>Il grafico mostra la distribuzione del numero di acquisti per Videogiochi delle due diverse categorie FreeToPlay (F2P) e PayToPlay (P2P)</a:t>
             </a:r>
           </a:p>
           <a:p>
@@ -6017,71 +5314,11 @@
               </a:buClr>
             </a:pPr>
             <a:r>
-              <a:rPr lang="en-US" sz="1600" dirty="0" err="1"/>
-              <a:t>Crescita</a:t>
-            </a:r>
-            <a:r>
-              <a:rPr lang="en-US" sz="1600" dirty="0"/>
-              <a:t> </a:t>
-            </a:r>
-            <a:r>
-              <a:rPr lang="en-US" sz="1600" dirty="0" err="1"/>
-              <a:t>della</a:t>
-            </a:r>
-            <a:r>
-              <a:rPr lang="en-US" sz="1600" dirty="0"/>
-              <a:t> fetta di </a:t>
-            </a:r>
-            <a:r>
-              <a:rPr lang="en-US" sz="1600" dirty="0" err="1"/>
-              <a:t>mercato</a:t>
-            </a:r>
-            <a:r>
-              <a:rPr lang="en-US" sz="1600" dirty="0"/>
-              <a:t> </a:t>
-            </a:r>
-            <a:r>
-              <a:rPr lang="en-US" sz="1600" dirty="0" err="1"/>
-              <a:t>dei</a:t>
-            </a:r>
-            <a:r>
-              <a:rPr lang="en-US" sz="1600" dirty="0"/>
-              <a:t> f2p </a:t>
-            </a:r>
-            <a:r>
-              <a:rPr lang="en-US" sz="1600" dirty="0" err="1"/>
-              <a:t>che</a:t>
-            </a:r>
-            <a:r>
-              <a:rPr lang="en-US" sz="1600" dirty="0"/>
-              <a:t> </a:t>
-            </a:r>
-            <a:r>
-              <a:rPr lang="en-US" sz="1600" dirty="0" err="1"/>
-              <a:t>culmina</a:t>
-            </a:r>
-            <a:r>
-              <a:rPr lang="en-US" sz="1600" dirty="0"/>
-              <a:t> </a:t>
-            </a:r>
-            <a:r>
-              <a:rPr lang="en-US" sz="1600" dirty="0" err="1"/>
-              <a:t>nel</a:t>
-            </a:r>
-            <a:r>
-              <a:rPr lang="en-US" sz="1600" dirty="0"/>
-              <a:t> 2018 con </a:t>
-            </a:r>
-            <a:r>
-              <a:rPr lang="en-US" sz="1600" dirty="0" err="1"/>
-              <a:t>l’uscita</a:t>
-            </a:r>
-            <a:r>
-              <a:rPr lang="en-US" sz="1600" dirty="0"/>
-              <a:t> di </a:t>
-            </a:r>
-            <a:r>
-              <a:rPr lang="en-US" sz="1600" dirty="0">
+              <a:rPr lang="it-IT" sz="1600" dirty="0"/>
+              <a:t>Crescita della fetta di mercato dei f2p che culmina nel 2018 con l’uscita di </a:t>
+            </a:r>
+            <a:r>
+              <a:rPr lang="it-IT" sz="1600" dirty="0">
                 <a:solidFill>
                   <a:srgbClr val="66C0F4"/>
                 </a:solidFill>
@@ -6096,23 +5333,11 @@
               </a:buClr>
             </a:pPr>
             <a:r>
-              <a:rPr lang="en-US" sz="1600" dirty="0" err="1"/>
-              <a:t>Inizio</a:t>
-            </a:r>
-            <a:r>
-              <a:rPr lang="en-US" sz="1600" dirty="0"/>
-              <a:t> del </a:t>
-            </a:r>
-            <a:r>
-              <a:rPr lang="en-US" sz="1600" dirty="0" err="1"/>
-              <a:t>declino</a:t>
-            </a:r>
-            <a:r>
-              <a:rPr lang="en-US" sz="1600" dirty="0"/>
-              <a:t> con la fine del </a:t>
-            </a:r>
-            <a:r>
-              <a:rPr lang="en-US" sz="1600" dirty="0">
+              <a:rPr lang="it-IT" sz="1600" dirty="0"/>
+              <a:t>Inizio del declino con la fine del </a:t>
+            </a:r>
+            <a:r>
+              <a:rPr lang="it-IT" sz="1600" dirty="0">
                 <a:solidFill>
                   <a:srgbClr val="66C0F4"/>
                 </a:solidFill>
@@ -6120,7 +5345,7 @@
               <a:t>Covid19</a:t>
             </a:r>
             <a:r>
-              <a:rPr lang="en-US" sz="1600" dirty="0">
+              <a:rPr lang="it-IT" sz="1600" dirty="0">
                 <a:solidFill>
                   <a:srgbClr val="C7D5E0"/>
                 </a:solidFill>
@@ -6128,74 +5353,17 @@
               <a:t> </a:t>
             </a:r>
             <a:r>
-              <a:rPr lang="en-US" sz="1600" dirty="0" err="1"/>
-              <a:t>dovuto</a:t>
-            </a:r>
-            <a:r>
-              <a:rPr lang="en-US" sz="1600" dirty="0"/>
-              <a:t> </a:t>
-            </a:r>
-            <a:r>
-              <a:rPr lang="en-US" sz="1600" dirty="0" err="1"/>
-              <a:t>alla</a:t>
-            </a:r>
-            <a:r>
-              <a:rPr lang="en-US" sz="1600" dirty="0"/>
-              <a:t> </a:t>
-            </a:r>
-            <a:r>
-              <a:rPr lang="en-US" sz="1600" dirty="0" err="1"/>
-              <a:t>crescente</a:t>
-            </a:r>
-            <a:r>
-              <a:rPr lang="en-US" sz="1600" dirty="0"/>
-              <a:t> </a:t>
-            </a:r>
-            <a:r>
-              <a:rPr lang="en-US" sz="1600" dirty="0" err="1"/>
-              <a:t>infamia</a:t>
-            </a:r>
-            <a:r>
-              <a:rPr lang="en-US" sz="1600" dirty="0"/>
-              <a:t> </a:t>
-            </a:r>
-            <a:r>
-              <a:rPr lang="en-US" sz="1600" dirty="0" err="1"/>
-              <a:t>della</a:t>
-            </a:r>
-            <a:r>
-              <a:rPr lang="en-US" sz="1600" dirty="0"/>
-              <a:t> </a:t>
-            </a:r>
-            <a:r>
-              <a:rPr lang="en-US" sz="1600" dirty="0" err="1"/>
-              <a:t>pratica</a:t>
-            </a:r>
-            <a:r>
-              <a:rPr lang="en-US" sz="1600" dirty="0"/>
-              <a:t> </a:t>
-            </a:r>
-            <a:r>
-              <a:rPr lang="en-US" sz="1600" dirty="0" err="1"/>
-              <a:t>delle</a:t>
-            </a:r>
-            <a:r>
-              <a:rPr lang="en-US" sz="1600" dirty="0"/>
-              <a:t> </a:t>
-            </a:r>
-            <a:r>
-              <a:rPr lang="en-US" sz="1600" dirty="0" err="1">
+              <a:rPr lang="it-IT" sz="1600" dirty="0"/>
+              <a:t>dovuto alla crescente infamia della pratica delle </a:t>
+            </a:r>
+            <a:r>
+              <a:rPr lang="it-IT" sz="1600" dirty="0">
                 <a:solidFill>
                   <a:srgbClr val="66C0F4"/>
                 </a:solidFill>
               </a:rPr>
               <a:t>microtransazioni</a:t>
             </a:r>
-            <a:endParaRPr lang="en-US" sz="1600" dirty="0">
-              <a:solidFill>
-                <a:srgbClr val="66C0F4"/>
-              </a:solidFill>
-            </a:endParaRPr>
           </a:p>
           <a:p>
             <a:pPr>
@@ -6204,141 +5372,9 @@
               </a:buClr>
             </a:pPr>
             <a:r>
-              <a:rPr lang="en-US" sz="1600" dirty="0"/>
-              <a:t>Si </a:t>
-            </a:r>
-            <a:r>
-              <a:rPr lang="en-US" sz="1600" dirty="0" err="1"/>
-              <a:t>puo</a:t>
-            </a:r>
-            <a:r>
-              <a:rPr lang="en-US" sz="1600" dirty="0"/>
-              <a:t>’ </a:t>
-            </a:r>
-            <a:r>
-              <a:rPr lang="en-US" sz="1600" dirty="0" err="1"/>
-              <a:t>notare</a:t>
-            </a:r>
-            <a:r>
-              <a:rPr lang="en-US" sz="1600" dirty="0"/>
-              <a:t> come la </a:t>
-            </a:r>
-            <a:r>
-              <a:rPr lang="en-US" sz="1600" dirty="0" err="1"/>
-              <a:t>maggior</a:t>
-            </a:r>
-            <a:r>
-              <a:rPr lang="en-US" sz="1600" dirty="0"/>
-              <a:t> </a:t>
-            </a:r>
-            <a:r>
-              <a:rPr lang="en-US" sz="1600" dirty="0" err="1"/>
-              <a:t>parte</a:t>
-            </a:r>
-            <a:r>
-              <a:rPr lang="en-US" sz="1600" dirty="0"/>
-              <a:t> </a:t>
-            </a:r>
-            <a:r>
-              <a:rPr lang="en-US" sz="1600" dirty="0" err="1"/>
-              <a:t>dei</a:t>
-            </a:r>
-            <a:r>
-              <a:rPr lang="en-US" sz="1600" dirty="0"/>
-              <a:t> download </a:t>
-            </a:r>
-            <a:r>
-              <a:rPr lang="en-US" sz="1600" dirty="0" err="1"/>
-              <a:t>degli</a:t>
-            </a:r>
-            <a:r>
-              <a:rPr lang="en-US" sz="1600" dirty="0"/>
-              <a:t> </a:t>
-            </a:r>
-            <a:r>
-              <a:rPr lang="en-US" sz="1600" dirty="0" err="1"/>
-              <a:t>utenti</a:t>
-            </a:r>
-            <a:r>
-              <a:rPr lang="en-US" sz="1600" dirty="0"/>
-              <a:t> di STEAM </a:t>
-            </a:r>
-            <a:r>
-              <a:rPr lang="en-US" sz="1600" dirty="0" err="1"/>
-              <a:t>si</a:t>
-            </a:r>
-            <a:r>
-              <a:rPr lang="en-US" sz="1600" dirty="0"/>
-              <a:t> </a:t>
-            </a:r>
-            <a:r>
-              <a:rPr lang="en-US" sz="1600" dirty="0" err="1"/>
-              <a:t>distribuisca</a:t>
-            </a:r>
-            <a:r>
-              <a:rPr lang="en-US" sz="1600" dirty="0"/>
-              <a:t> </a:t>
-            </a:r>
-            <a:r>
-              <a:rPr lang="en-US" sz="1600" dirty="0" err="1"/>
-              <a:t>nella</a:t>
-            </a:r>
-            <a:r>
-              <a:rPr lang="en-US" sz="1600" dirty="0"/>
-              <a:t> </a:t>
-            </a:r>
-            <a:r>
-              <a:rPr lang="en-US" sz="1600" dirty="0" err="1"/>
-              <a:t>categoria</a:t>
-            </a:r>
-            <a:r>
-              <a:rPr lang="en-US" sz="1600" dirty="0"/>
-              <a:t> P2P </a:t>
-            </a:r>
-            <a:r>
-              <a:rPr lang="en-US" sz="1600" dirty="0" err="1"/>
-              <a:t>piuttosto</a:t>
-            </a:r>
-            <a:r>
-              <a:rPr lang="en-US" sz="1600" dirty="0"/>
-              <a:t> </a:t>
-            </a:r>
-            <a:r>
-              <a:rPr lang="en-US" sz="1600" dirty="0" err="1"/>
-              <a:t>che</a:t>
-            </a:r>
-            <a:r>
-              <a:rPr lang="en-US" sz="1600" dirty="0"/>
-              <a:t> </a:t>
-            </a:r>
-            <a:r>
-              <a:rPr lang="en-US" sz="1600" dirty="0" err="1"/>
-              <a:t>nella</a:t>
-            </a:r>
-            <a:r>
-              <a:rPr lang="en-US" sz="1600" dirty="0"/>
-              <a:t> </a:t>
-            </a:r>
-            <a:r>
-              <a:rPr lang="en-US" sz="1600" dirty="0" err="1"/>
-              <a:t>categoria</a:t>
-            </a:r>
-            <a:r>
-              <a:rPr lang="en-US" sz="1600" dirty="0"/>
-              <a:t> F2P.</a:t>
-            </a:r>
-          </a:p>
-          <a:p>
-            <a:pPr>
-              <a:buClr>
-                <a:srgbClr val="66C0F4"/>
-              </a:buClr>
-            </a:pPr>
-            <a:endParaRPr lang="en-US" sz="1600" dirty="0">
-              <a:solidFill>
-                <a:srgbClr val="66C0F4"/>
-              </a:solidFill>
-            </a:endParaRPr>
+              <a:rPr lang="it-IT" sz="1600" dirty="0"/>
+              <a:t>Si puo’ notare come la maggior parte dei download degli utenti di STEAM si distribuisca nella categoria P2P piuttosto che nella categoria F2P.</a:t>
+            </a:r>
           </a:p>
         </p:txBody>
       </p:sp>
@@ -6446,36 +5482,12 @@
           <a:p>
             <a:pPr algn="ctr"/>
             <a:r>
-              <a:rPr lang="en-US" sz="3200" b="1" dirty="0" err="1">
+              <a:rPr lang="en-US" sz="3200" b="1" dirty="0">
                 <a:solidFill>
                   <a:srgbClr val="66C0F4"/>
                 </a:solidFill>
               </a:rPr>
-              <a:t>FreeToPlay</a:t>
-            </a:r>
-            <a:r>
-              <a:rPr lang="en-US" sz="3200" b="1" dirty="0">
-                <a:solidFill>
-                  <a:srgbClr val="66C0F4"/>
-                </a:solidFill>
-              </a:rPr>
-              <a:t>(F2P) vs </a:t>
-            </a:r>
-            <a:r>
-              <a:rPr lang="en-US" sz="3200" b="1" dirty="0" err="1">
-                <a:solidFill>
-                  <a:srgbClr val="66C0F4"/>
-                </a:solidFill>
-              </a:rPr>
-              <a:t>PayToPlay</a:t>
-            </a:r>
-            <a:r>
-              <a:rPr lang="en-US" sz="3200" b="1" dirty="0">
-                <a:solidFill>
-                  <a:srgbClr val="66C0F4"/>
-                </a:solidFill>
-              </a:rPr>
-              <a:t>(P2P) - #Giochi</a:t>
+              <a:t>FreeToPlay(F2P) vs PayToPlay(P2P) - #Giochi</a:t>
             </a:r>
           </a:p>
         </p:txBody>
@@ -6767,7 +5779,7 @@
               <a:t>La slide </a:t>
             </a:r>
             <a:r>
-              <a:rPr lang="en-US" sz="1600" dirty="0" err="1">
+              <a:rPr lang="en-US" sz="1600" dirty="0">
                 <a:solidFill>
                   <a:srgbClr val="66C0F4"/>
                 </a:solidFill>
@@ -6783,44 +5795,8 @@
               <a:t> </a:t>
             </a:r>
             <a:r>
-              <a:rPr lang="en-US" sz="1600" dirty="0" err="1"/>
-              <a:t>evidenziava</a:t>
-            </a:r>
-            <a:r>
               <a:rPr lang="en-US" sz="1600" dirty="0"/>
-              <a:t> </a:t>
-            </a:r>
-            <a:r>
-              <a:rPr lang="en-US" sz="1600" dirty="0" err="1"/>
-              <a:t>una</a:t>
-            </a:r>
-            <a:r>
-              <a:rPr lang="en-US" sz="1600" dirty="0"/>
-              <a:t> </a:t>
-            </a:r>
-            <a:r>
-              <a:rPr lang="en-US" sz="1600" dirty="0" err="1"/>
-              <a:t>numero</a:t>
-            </a:r>
-            <a:r>
-              <a:rPr lang="en-US" sz="1600" dirty="0"/>
-              <a:t> di download molto </a:t>
-            </a:r>
-            <a:r>
-              <a:rPr lang="en-US" sz="1600" dirty="0" err="1"/>
-              <a:t>più</a:t>
-            </a:r>
-            <a:r>
-              <a:rPr lang="en-US" sz="1600" dirty="0"/>
-              <a:t> alto per </a:t>
-            </a:r>
-            <a:r>
-              <a:rPr lang="en-US" sz="1600" dirty="0" err="1"/>
-              <a:t>i</a:t>
-            </a:r>
-            <a:r>
-              <a:rPr lang="en-US" sz="1600" dirty="0"/>
-              <a:t> VG P2P:</a:t>
+              <a:t>evidenziava una numero di download molto più alto per i VG P2P:</a:t>
             </a:r>
           </a:p>
           <a:p>
@@ -6830,88 +5806,28 @@
               </a:buClr>
             </a:pPr>
             <a:r>
-              <a:rPr lang="en-US" sz="1600" dirty="0" err="1"/>
-              <a:t>Notiamo</a:t>
-            </a:r>
-            <a:r>
               <a:rPr lang="en-US" sz="1600" dirty="0"/>
+              <a:t>Notiamo che la motivazione di questa </a:t>
+            </a:r>
+            <a:r>
+              <a:rPr lang="en-US" sz="1600" dirty="0">
+                <a:solidFill>
+                  <a:srgbClr val="66C0F4"/>
+                </a:solidFill>
+              </a:rPr>
+              <a:t>disparità</a:t>
+            </a:r>
+            <a:r>
+              <a:rPr lang="en-US" sz="1600" dirty="0">
+                <a:solidFill>
+                  <a:srgbClr val="C7D5E0"/>
+                </a:solidFill>
+              </a:rPr>
               <a:t> </a:t>
             </a:r>
             <a:r>
-              <a:rPr lang="en-US" sz="1600" dirty="0" err="1"/>
-              <a:t>che</a:t>
-            </a:r>
-            <a:r>
               <a:rPr lang="en-US" sz="1600" dirty="0"/>
-              <a:t> la </a:t>
-            </a:r>
-            <a:r>
-              <a:rPr lang="en-US" sz="1600" dirty="0" err="1"/>
-              <a:t>motivazione</a:t>
-            </a:r>
-            <a:r>
-              <a:rPr lang="en-US" sz="1600" dirty="0"/>
-              <a:t> di </a:t>
-            </a:r>
-            <a:r>
-              <a:rPr lang="en-US" sz="1600" dirty="0" err="1"/>
-              <a:t>questa</a:t>
-            </a:r>
-            <a:r>
-              <a:rPr lang="en-US" sz="1600" dirty="0"/>
-              <a:t> </a:t>
-            </a:r>
-            <a:r>
-              <a:rPr lang="en-US" sz="1600" dirty="0" err="1">
-                <a:solidFill>
-                  <a:srgbClr val="66C0F4"/>
-                </a:solidFill>
-              </a:rPr>
-              <a:t>disparità</a:t>
-            </a:r>
-            <a:r>
-              <a:rPr lang="en-US" sz="1600" dirty="0">
-                <a:solidFill>
-                  <a:srgbClr val="C7D5E0"/>
-                </a:solidFill>
-              </a:rPr>
-              <a:t> </a:t>
-            </a:r>
-            <a:r>
-              <a:rPr lang="en-US" sz="1600" dirty="0"/>
-              <a:t>è </a:t>
-            </a:r>
-            <a:r>
-              <a:rPr lang="en-US" sz="1600" dirty="0" err="1"/>
-              <a:t>che</a:t>
-            </a:r>
-            <a:r>
-              <a:rPr lang="en-US" sz="1600" dirty="0"/>
-              <a:t> il </a:t>
-            </a:r>
-            <a:r>
-              <a:rPr lang="en-US" sz="1600" dirty="0" err="1"/>
-              <a:t>numero</a:t>
-            </a:r>
-            <a:r>
-              <a:rPr lang="en-US" sz="1600" dirty="0"/>
-              <a:t> di VG F2P è molto </a:t>
-            </a:r>
-            <a:r>
-              <a:rPr lang="en-US" sz="1600" dirty="0" err="1"/>
-              <a:t>più</a:t>
-            </a:r>
-            <a:r>
-              <a:rPr lang="en-US" sz="1600" dirty="0"/>
-              <a:t> piccolo del </a:t>
-            </a:r>
-            <a:r>
-              <a:rPr lang="en-US" sz="1600" dirty="0" err="1"/>
-              <a:t>numero</a:t>
-            </a:r>
-            <a:r>
-              <a:rPr lang="en-US" sz="1600" dirty="0"/>
-              <a:t> di VG P2P</a:t>
+              <a:t>è che il numero di VG F2P è molto più piccolo del numero di VG P2P</a:t>
             </a:r>
           </a:p>
           <a:p>
@@ -6921,131 +5837,59 @@
               </a:buClr>
             </a:pPr>
             <a:r>
-              <a:rPr lang="en-US" sz="1600" dirty="0" err="1"/>
-              <a:t>Questo</a:t>
-            </a:r>
-            <a:r>
               <a:rPr lang="en-US" sz="1600" dirty="0"/>
-              <a:t> è </a:t>
-            </a:r>
-            <a:r>
-              <a:rPr lang="en-US" sz="1600" dirty="0" err="1"/>
-              <a:t>facilmente</a:t>
+              <a:t>Questo è facilmente giustificato dal fatto che </a:t>
+            </a:r>
+            <a:r>
+              <a:rPr lang="en-US" sz="1600" dirty="0">
+                <a:solidFill>
+                  <a:srgbClr val="66C0F4"/>
+                </a:solidFill>
+              </a:rPr>
+              <a:t>STEAM</a:t>
+            </a:r>
+            <a:r>
+              <a:rPr lang="en-US" sz="1600" dirty="0">
+                <a:solidFill>
+                  <a:srgbClr val="C7D5E0"/>
+                </a:solidFill>
+              </a:rPr>
+              <a:t> </a:t>
             </a:r>
             <a:r>
               <a:rPr lang="en-US" sz="1600" dirty="0"/>
+              <a:t>è una piattaforma di </a:t>
+            </a:r>
+            <a:r>
+              <a:rPr lang="en-US" sz="1600" dirty="0">
+                <a:solidFill>
+                  <a:srgbClr val="66C0F4"/>
+                </a:solidFill>
+              </a:rPr>
+              <a:t>distribuzione</a:t>
+            </a:r>
+            <a:r>
+              <a:rPr lang="en-US" sz="1600" dirty="0">
+                <a:solidFill>
+                  <a:srgbClr val="C7D5E0"/>
+                </a:solidFill>
+              </a:rPr>
               <a:t> </a:t>
             </a:r>
             <a:r>
-              <a:rPr lang="en-US" sz="1600" dirty="0" err="1"/>
-              <a:t>giustificato</a:t>
-            </a:r>
-            <a:r>
               <a:rPr lang="en-US" sz="1600" dirty="0"/>
-              <a:t> dal </a:t>
-            </a:r>
-            <a:r>
-              <a:rPr lang="en-US" sz="1600" dirty="0" err="1"/>
-              <a:t>fatto</a:t>
-            </a:r>
-            <a:r>
-              <a:rPr lang="en-US" sz="1600" dirty="0"/>
+              <a:t>che si concentra sui VG a</a:t>
+            </a:r>
+            <a:r>
+              <a:rPr lang="en-US" sz="1600" dirty="0">
+                <a:solidFill>
+                  <a:srgbClr val="C7D5E0"/>
+                </a:solidFill>
+              </a:rPr>
               <a:t> </a:t>
             </a:r>
             <a:r>
-              <a:rPr lang="en-US" sz="1600" dirty="0" err="1"/>
-              <a:t>che</a:t>
-            </a:r>
-            <a:r>
-              <a:rPr lang="en-US" sz="1600" dirty="0"/>
-              <a:t> </a:t>
-            </a:r>
-            <a:r>
               <a:rPr lang="en-US" sz="1600" dirty="0">
-                <a:solidFill>
-                  <a:srgbClr val="66C0F4"/>
-                </a:solidFill>
-              </a:rPr>
-              <a:t>STEAM</a:t>
-            </a:r>
-            <a:r>
-              <a:rPr lang="en-US" sz="1600" dirty="0">
-                <a:solidFill>
-                  <a:srgbClr val="C7D5E0"/>
-                </a:solidFill>
-              </a:rPr>
-              <a:t> </a:t>
-            </a:r>
-            <a:r>
-              <a:rPr lang="en-US" sz="1600" dirty="0"/>
-              <a:t>è </a:t>
-            </a:r>
-            <a:r>
-              <a:rPr lang="en-US" sz="1600" dirty="0" err="1"/>
-              <a:t>una</a:t>
-            </a:r>
-            <a:r>
-              <a:rPr lang="en-US" sz="1600" dirty="0"/>
-              <a:t> </a:t>
-            </a:r>
-            <a:r>
-              <a:rPr lang="en-US" sz="1600" dirty="0" err="1"/>
-              <a:t>piattaforma</a:t>
-            </a:r>
-            <a:r>
-              <a:rPr lang="en-US" sz="1600" dirty="0"/>
-              <a:t> di </a:t>
-            </a:r>
-            <a:r>
-              <a:rPr lang="en-US" sz="1600" dirty="0" err="1">
-                <a:solidFill>
-                  <a:srgbClr val="66C0F4"/>
-                </a:solidFill>
-              </a:rPr>
-              <a:t>distribuzione</a:t>
-            </a:r>
-            <a:r>
-              <a:rPr lang="en-US" sz="1600" dirty="0">
-                <a:solidFill>
-                  <a:srgbClr val="C7D5E0"/>
-                </a:solidFill>
-              </a:rPr>
-              <a:t> </a:t>
-            </a:r>
-            <a:r>
-              <a:rPr lang="en-US" sz="1600" dirty="0" err="1"/>
-              <a:t>che</a:t>
-            </a:r>
-            <a:r>
-              <a:rPr lang="en-US" sz="1600" dirty="0"/>
-              <a:t> </a:t>
-            </a:r>
-            <a:r>
-              <a:rPr lang="en-US" sz="1600" dirty="0" err="1"/>
-              <a:t>si</a:t>
-            </a:r>
-            <a:r>
-              <a:rPr lang="en-US" sz="1600" dirty="0"/>
-              <a:t> </a:t>
-            </a:r>
-            <a:r>
-              <a:rPr lang="en-US" sz="1600" dirty="0" err="1"/>
-              <a:t>concentra</a:t>
-            </a:r>
-            <a:r>
-              <a:rPr lang="en-US" sz="1600" dirty="0"/>
-              <a:t> sui VG a</a:t>
-            </a:r>
-            <a:r>
-              <a:rPr lang="en-US" sz="1600" dirty="0">
-                <a:solidFill>
-                  <a:srgbClr val="C7D5E0"/>
-                </a:solidFill>
-              </a:rPr>
-              <a:t> </a:t>
-            </a:r>
-            <a:r>
-              <a:rPr lang="en-US" sz="1600" dirty="0" err="1">
                 <a:solidFill>
                   <a:srgbClr val="66C0F4"/>
                 </a:solidFill>
@@ -7187,23 +6031,7 @@
                   <a:srgbClr val="66C0F4"/>
                 </a:solidFill>
               </a:rPr>
-              <a:t> del </a:t>
-            </a:r>
-            <a:r>
-              <a:rPr lang="en-US" sz="3200" b="1" dirty="0" err="1">
-                <a:solidFill>
-                  <a:srgbClr val="66C0F4"/>
-                </a:solidFill>
-              </a:rPr>
-              <a:t>mercato</a:t>
-            </a:r>
-            <a:r>
-              <a:rPr lang="en-US" sz="3200" b="1" dirty="0">
-                <a:solidFill>
-                  <a:srgbClr val="66C0F4"/>
-                </a:solidFill>
-              </a:rPr>
-              <a:t> F2P</a:t>
+              <a:t> del mercato F2P</a:t>
             </a:r>
           </a:p>
         </p:txBody>
@@ -7286,31 +6114,51 @@
           <a:lstStyle/>
           <a:p>
             <a:r>
-              <a:rPr lang="en-US" sz="1600" dirty="0" err="1"/>
-              <a:t>Nonostante</a:t>
-            </a:r>
-            <a:r>
-              <a:rPr lang="en-US" sz="1600" dirty="0"/>
+              <a:rPr lang="it-IT" sz="1600" dirty="0"/>
+              <a:t>Nonostante i VG </a:t>
+            </a:r>
+            <a:r>
+              <a:rPr lang="it-IT" sz="1600" dirty="0">
+                <a:solidFill>
+                  <a:srgbClr val="66C0F4"/>
+                </a:solidFill>
+              </a:rPr>
+              <a:t>F2P</a:t>
+            </a:r>
+            <a:r>
+              <a:rPr lang="it-IT" sz="1600" dirty="0">
+                <a:solidFill>
+                  <a:srgbClr val="C7D5E0"/>
+                </a:solidFill>
+              </a:rPr>
               <a:t> </a:t>
             </a:r>
             <a:r>
-              <a:rPr lang="en-US" sz="1600" dirty="0" err="1"/>
-              <a:t>i</a:t>
-            </a:r>
-            <a:r>
-              <a:rPr lang="en-US" sz="1600" dirty="0"/>
-              <a:t> VG </a:t>
-            </a:r>
-            <a:r>
-              <a:rPr lang="en-US" sz="1600" dirty="0">
+              <a:rPr lang="it-IT" sz="1600" dirty="0"/>
+              <a:t>compongano solamente il 10% dei prodotti di </a:t>
+            </a:r>
+            <a:r>
+              <a:rPr lang="it-IT" sz="1600" dirty="0">
                 <a:solidFill>
                   <a:srgbClr val="66C0F4"/>
                 </a:solidFill>
               </a:rPr>
-              <a:t>F2P</a:t>
-            </a:r>
-            <a:r>
-              <a:rPr lang="en-US" sz="1600" dirty="0">
+              <a:t>STEAM</a:t>
+            </a:r>
+            <a:r>
+              <a:rPr lang="it-IT" sz="1600" dirty="0"/>
+              <a:t>, la revenue mondiale data dai contenuti aggiuntivi supera ormai di molto quella dei videogiochi </a:t>
+            </a:r>
+            <a:r>
+              <a:rPr lang="it-IT" sz="1600" dirty="0">
+                <a:solidFill>
+                  <a:srgbClr val="66C0F4"/>
+                </a:solidFill>
+              </a:rPr>
+              <a:t>P2P</a:t>
+            </a:r>
+            <a:r>
+              <a:rPr lang="it-IT" sz="1600" dirty="0">
                 <a:solidFill>
                   <a:srgbClr val="C7D5E0"/>
                 </a:solidFill>
@@ -7318,265 +6166,53 @@
               <a:t> </a:t>
             </a:r>
             <a:r>
-              <a:rPr lang="en-US" sz="1600" dirty="0" err="1"/>
-              <a:t>compongano</a:t>
-            </a:r>
-            <a:r>
-              <a:rPr lang="en-US" sz="1600" dirty="0"/>
+              <a:rPr lang="it-IT" sz="1600" dirty="0"/>
+              <a:t>(Premium)</a:t>
+            </a:r>
+          </a:p>
+          <a:p>
+            <a:r>
+              <a:rPr lang="it-IT" sz="1600" dirty="0"/>
+              <a:t>La</a:t>
+            </a:r>
+            <a:r>
+              <a:rPr lang="it-IT" sz="1600" dirty="0">
+                <a:solidFill>
+                  <a:srgbClr val="C7D5E0"/>
+                </a:solidFill>
+              </a:rPr>
               <a:t> </a:t>
             </a:r>
             <a:r>
-              <a:rPr lang="en-US" sz="1600" dirty="0" err="1"/>
-              <a:t>solamente</a:t>
-            </a:r>
-            <a:r>
-              <a:rPr lang="en-US" sz="1600" dirty="0"/>
-              <a:t> il 10% </a:t>
-            </a:r>
-            <a:r>
-              <a:rPr lang="en-US" sz="1600" dirty="0" err="1"/>
-              <a:t>dei</a:t>
-            </a:r>
-            <a:r>
-              <a:rPr lang="en-US" sz="1600" dirty="0"/>
+              <a:rPr lang="it-IT" sz="1600" dirty="0">
+                <a:solidFill>
+                  <a:srgbClr val="66C0F4"/>
+                </a:solidFill>
+              </a:rPr>
+              <a:t>previsione</a:t>
+            </a:r>
+            <a:r>
+              <a:rPr lang="it-IT" sz="1600" dirty="0">
+                <a:solidFill>
+                  <a:srgbClr val="C7D5E0"/>
+                </a:solidFill>
+              </a:rPr>
               <a:t> </a:t>
             </a:r>
             <a:r>
-              <a:rPr lang="en-US" sz="1600" dirty="0" err="1"/>
-              <a:t>prodotti</a:t>
-            </a:r>
-            <a:r>
-              <a:rPr lang="en-US" sz="1600" dirty="0"/>
-              <a:t> di </a:t>
-            </a:r>
-            <a:r>
-              <a:rPr lang="en-US" sz="1600" dirty="0">
+              <a:rPr lang="it-IT" sz="1600" dirty="0"/>
+              <a:t>è che tale valore vada ad aumentare ulteriormente nei prossimi anni (si parla del </a:t>
+            </a:r>
+            <a:r>
+              <a:rPr lang="it-IT" sz="1600" dirty="0">
                 <a:solidFill>
                   <a:srgbClr val="66C0F4"/>
                 </a:solidFill>
               </a:rPr>
-              <a:t>STEAM</a:t>
-            </a:r>
-            <a:r>
-              <a:rPr lang="en-US" sz="1600" dirty="0"/>
-              <a:t>, la revenue </a:t>
-            </a:r>
-            <a:r>
-              <a:rPr lang="en-US" sz="1600" dirty="0" err="1"/>
-              <a:t>mondiale</a:t>
-            </a:r>
-            <a:r>
-              <a:rPr lang="en-US" sz="1600" dirty="0"/>
-              <a:t> data </a:t>
-            </a:r>
-            <a:r>
-              <a:rPr lang="en-US" sz="1600" dirty="0" err="1"/>
-              <a:t>dai</a:t>
-            </a:r>
-            <a:r>
-              <a:rPr lang="en-US" sz="1600" dirty="0"/>
-              <a:t> </a:t>
-            </a:r>
-            <a:r>
-              <a:rPr lang="en-US" sz="1600" dirty="0" err="1"/>
-              <a:t>contenuti</a:t>
-            </a:r>
-            <a:r>
-              <a:rPr lang="en-US" sz="1600" dirty="0"/>
-              <a:t> </a:t>
-            </a:r>
-            <a:r>
-              <a:rPr lang="en-US" sz="1600" dirty="0" err="1"/>
-              <a:t>aggiuntivi</a:t>
-            </a:r>
-            <a:r>
-              <a:rPr lang="en-US" sz="1600" dirty="0"/>
-              <a:t> </a:t>
-            </a:r>
-            <a:r>
-              <a:rPr lang="en-US" sz="1600" dirty="0" err="1"/>
-              <a:t>supera</a:t>
-            </a:r>
-            <a:r>
-              <a:rPr lang="en-US" sz="1600" dirty="0"/>
-              <a:t> </a:t>
-            </a:r>
-            <a:r>
-              <a:rPr lang="en-US" sz="1600" dirty="0" err="1"/>
-              <a:t>ormai</a:t>
-            </a:r>
-            <a:r>
-              <a:rPr lang="en-US" sz="1600" dirty="0"/>
-              <a:t> di molto </a:t>
-            </a:r>
-            <a:r>
-              <a:rPr lang="en-US" sz="1600" dirty="0" err="1"/>
-              <a:t>quella</a:t>
-            </a:r>
-            <a:r>
-              <a:rPr lang="en-US" sz="1600" dirty="0"/>
-              <a:t> </a:t>
-            </a:r>
-            <a:r>
-              <a:rPr lang="en-US" sz="1600" dirty="0" err="1"/>
-              <a:t>dei</a:t>
-            </a:r>
-            <a:r>
-              <a:rPr lang="en-US" sz="1600" dirty="0"/>
-              <a:t> </a:t>
-            </a:r>
-            <a:r>
-              <a:rPr lang="en-US" sz="1600" dirty="0" err="1"/>
-              <a:t>videogiochi</a:t>
-            </a:r>
-            <a:r>
-              <a:rPr lang="en-US" sz="1600" dirty="0"/>
-              <a:t> </a:t>
-            </a:r>
-            <a:r>
-              <a:rPr lang="en-US" sz="1600" dirty="0">
-                <a:solidFill>
-                  <a:srgbClr val="66C0F4"/>
-                </a:solidFill>
-              </a:rPr>
-              <a:t>P2P</a:t>
-            </a:r>
-            <a:r>
-              <a:rPr lang="en-US" sz="1600" dirty="0">
-                <a:solidFill>
-                  <a:srgbClr val="C7D5E0"/>
-                </a:solidFill>
-              </a:rPr>
-              <a:t> </a:t>
-            </a:r>
-            <a:r>
-              <a:rPr lang="en-US" sz="1600" dirty="0"/>
-              <a:t>(Premium)</a:t>
-            </a:r>
-          </a:p>
-          <a:p>
-            <a:r>
-              <a:rPr lang="en-US" sz="1600" dirty="0"/>
-              <a:t>La</a:t>
-            </a:r>
-            <a:r>
-              <a:rPr lang="en-US" sz="1600" dirty="0">
-                <a:solidFill>
-                  <a:srgbClr val="C7D5E0"/>
-                </a:solidFill>
-              </a:rPr>
-              <a:t> </a:t>
-            </a:r>
-            <a:r>
-              <a:rPr lang="en-US" sz="1600" dirty="0" err="1">
-                <a:solidFill>
-                  <a:srgbClr val="66C0F4"/>
-                </a:solidFill>
-              </a:rPr>
-              <a:t>previsione</a:t>
-            </a:r>
-            <a:r>
-              <a:rPr lang="en-US" sz="1600" dirty="0">
-                <a:solidFill>
-                  <a:srgbClr val="C7D5E0"/>
-                </a:solidFill>
-              </a:rPr>
-              <a:t> </a:t>
-            </a:r>
-            <a:r>
-              <a:rPr lang="en-US" sz="1600" dirty="0"/>
-              <a:t>è </a:t>
-            </a:r>
-            <a:r>
-              <a:rPr lang="en-US" sz="1600" dirty="0" err="1"/>
-              <a:t>che</a:t>
-            </a:r>
-            <a:r>
-              <a:rPr lang="en-US" sz="1600" dirty="0"/>
-              <a:t> tale </a:t>
-            </a:r>
-            <a:r>
-              <a:rPr lang="en-US" sz="1600" dirty="0" err="1"/>
-              <a:t>valore</a:t>
-            </a:r>
-            <a:r>
-              <a:rPr lang="en-US" sz="1600" dirty="0"/>
-              <a:t> vada ad </a:t>
-            </a:r>
-            <a:r>
-              <a:rPr lang="en-US" sz="1600" dirty="0" err="1"/>
-              <a:t>aumentare</a:t>
-            </a:r>
-            <a:r>
-              <a:rPr lang="en-US" sz="1600" dirty="0"/>
-              <a:t> </a:t>
-            </a:r>
-            <a:r>
-              <a:rPr lang="en-US" sz="1600" dirty="0" err="1"/>
-              <a:t>ulteriormente</a:t>
-            </a:r>
-            <a:r>
-              <a:rPr lang="en-US" sz="1600" dirty="0"/>
-              <a:t> </a:t>
-            </a:r>
-            <a:r>
-              <a:rPr lang="en-US" sz="1600" dirty="0" err="1"/>
-              <a:t>nei</a:t>
-            </a:r>
-            <a:r>
-              <a:rPr lang="en-US" sz="1600" dirty="0"/>
-              <a:t> </a:t>
-            </a:r>
-            <a:r>
-              <a:rPr lang="en-US" sz="1600" dirty="0" err="1"/>
-              <a:t>prossimi</a:t>
-            </a:r>
-            <a:r>
-              <a:rPr lang="en-US" sz="1600" dirty="0"/>
-              <a:t> anni (</a:t>
-            </a:r>
-            <a:r>
-              <a:rPr lang="en-US" sz="1600" dirty="0" err="1"/>
-              <a:t>si</a:t>
-            </a:r>
-            <a:r>
-              <a:rPr lang="en-US" sz="1600" dirty="0"/>
-              <a:t> </a:t>
-            </a:r>
-            <a:r>
-              <a:rPr lang="en-US" sz="1600" dirty="0" err="1"/>
-              <a:t>parla</a:t>
-            </a:r>
-            <a:r>
-              <a:rPr lang="en-US" sz="1600" dirty="0"/>
-              <a:t> del </a:t>
-            </a:r>
-            <a:r>
-              <a:rPr lang="en-US" sz="1600" dirty="0">
-                <a:solidFill>
-                  <a:srgbClr val="66C0F4"/>
-                </a:solidFill>
-              </a:rPr>
-              <a:t>95% </a:t>
-            </a:r>
-            <a:r>
-              <a:rPr lang="en-US" sz="1600" dirty="0" err="1">
-                <a:solidFill>
-                  <a:srgbClr val="66C0F4"/>
-                </a:solidFill>
-              </a:rPr>
-              <a:t>nel</a:t>
-            </a:r>
-            <a:r>
-              <a:rPr lang="en-US" sz="1600" dirty="0">
-                <a:solidFill>
-                  <a:srgbClr val="66C0F4"/>
-                </a:solidFill>
-              </a:rPr>
-              <a:t> 2025</a:t>
-            </a:r>
-            <a:r>
-              <a:rPr lang="en-US" sz="1600" dirty="0"/>
+              <a:t>95% nel 2025</a:t>
+            </a:r>
+            <a:r>
+              <a:rPr lang="it-IT" sz="1600" dirty="0"/>
               <a:t>).</a:t>
             </a:r>
           </a:p>
@@ -7686,68 +6322,12 @@
           <a:p>
             <a:pPr algn="ctr"/>
             <a:r>
-              <a:rPr lang="en-US" sz="3200" b="1" dirty="0" err="1">
+              <a:rPr lang="it-IT" sz="3200" b="1" dirty="0">
                 <a:solidFill>
                   <a:srgbClr val="66C0F4"/>
                 </a:solidFill>
               </a:rPr>
-              <a:t>Scelta</a:t>
-            </a:r>
-            <a:r>
-              <a:rPr lang="en-US" sz="3200" b="1" dirty="0">
-                <a:solidFill>
-                  <a:srgbClr val="66C0F4"/>
-                </a:solidFill>
-              </a:rPr>
-              <a:t> di un </a:t>
-            </a:r>
-            <a:r>
-              <a:rPr lang="en-US" sz="3200" b="1" dirty="0" err="1">
-                <a:solidFill>
-                  <a:srgbClr val="66C0F4"/>
-                </a:solidFill>
-              </a:rPr>
-              <a:t>classificatore</a:t>
-            </a:r>
-            <a:r>
-              <a:rPr lang="en-US" sz="3200" b="1" dirty="0">
-                <a:solidFill>
-                  <a:srgbClr val="66C0F4"/>
-                </a:solidFill>
-              </a:rPr>
-              <a:t> per il </a:t>
-            </a:r>
-            <a:r>
-              <a:rPr lang="en-US" sz="3200" b="1" dirty="0" err="1">
-                <a:solidFill>
-                  <a:srgbClr val="66C0F4"/>
-                </a:solidFill>
-              </a:rPr>
-              <a:t>successo</a:t>
-            </a:r>
-            <a:r>
-              <a:rPr lang="en-US" sz="3200" b="1" dirty="0">
-                <a:solidFill>
-                  <a:srgbClr val="66C0F4"/>
-                </a:solidFill>
-              </a:rPr>
-              <a:t> </a:t>
-            </a:r>
-            <a:r>
-              <a:rPr lang="en-US" sz="3200" b="1" dirty="0" err="1">
-                <a:solidFill>
-                  <a:srgbClr val="66C0F4"/>
-                </a:solidFill>
-              </a:rPr>
-              <a:t>dei</a:t>
-            </a:r>
-            <a:r>
-              <a:rPr lang="en-US" sz="3200" b="1" dirty="0">
-                <a:solidFill>
-                  <a:srgbClr val="66C0F4"/>
-                </a:solidFill>
-              </a:rPr>
-              <a:t> F2P</a:t>
+              <a:t>Scelta di un classificatore per il successo dei F2P</a:t>
             </a:r>
           </a:p>
         </p:txBody>
@@ -7830,139 +6410,31 @@
           <a:lstStyle/>
           <a:p>
             <a:r>
-              <a:rPr lang="en-US" dirty="0"/>
-              <a:t>I </a:t>
-            </a:r>
-            <a:r>
-              <a:rPr lang="en-US" dirty="0" err="1"/>
-              <a:t>Videogiochi</a:t>
-            </a:r>
-            <a:r>
-              <a:rPr lang="en-US" dirty="0"/>
-              <a:t> </a:t>
-            </a:r>
-            <a:r>
-              <a:rPr lang="en-US" dirty="0" err="1">
+              <a:rPr lang="it-IT" dirty="0"/>
+              <a:t>I Videogiochi </a:t>
+            </a:r>
+            <a:r>
+              <a:rPr lang="it-IT" dirty="0">
                 <a:solidFill>
                   <a:srgbClr val="66C0F4"/>
                 </a:solidFill>
               </a:rPr>
-              <a:t>FreeToPlay</a:t>
-            </a:r>
-            <a:r>
-              <a:rPr lang="en-US" dirty="0">
+              <a:t>FreeToPlay (F2P) </a:t>
+            </a:r>
+            <a:r>
+              <a:rPr lang="it-IT" dirty="0"/>
+              <a:t>sono prodotti distribuiti gratutitamente che solitamente utilizzano un modello economico basato sulle </a:t>
+            </a:r>
+            <a:r>
+              <a:rPr lang="it-IT" dirty="0">
                 <a:solidFill>
                   <a:srgbClr val="66C0F4"/>
                 </a:solidFill>
               </a:rPr>
-              <a:t> (F2P) </a:t>
-            </a:r>
-            <a:r>
-              <a:rPr lang="en-US" dirty="0" err="1"/>
-              <a:t>sono</a:t>
-            </a:r>
-            <a:r>
-              <a:rPr lang="en-US" dirty="0"/>
-              <a:t> </a:t>
-            </a:r>
-            <a:r>
-              <a:rPr lang="en-US" dirty="0" err="1"/>
-              <a:t>prodotti</a:t>
-            </a:r>
-            <a:r>
-              <a:rPr lang="en-US" dirty="0"/>
-              <a:t> </a:t>
-            </a:r>
-            <a:r>
-              <a:rPr lang="en-US" dirty="0" err="1"/>
-              <a:t>distribuiti</a:t>
-            </a:r>
-            <a:r>
-              <a:rPr lang="en-US" dirty="0"/>
-              <a:t> </a:t>
-            </a:r>
-            <a:r>
-              <a:rPr lang="en-US" dirty="0" err="1"/>
-              <a:t>gratutitamente</a:t>
-            </a:r>
-            <a:r>
-              <a:rPr lang="en-US" dirty="0"/>
-              <a:t> </a:t>
-            </a:r>
-            <a:r>
-              <a:rPr lang="en-US" dirty="0" err="1"/>
-              <a:t>che</a:t>
-            </a:r>
-            <a:r>
-              <a:rPr lang="en-US" dirty="0"/>
-              <a:t> </a:t>
-            </a:r>
-            <a:r>
-              <a:rPr lang="en-US" dirty="0" err="1"/>
-              <a:t>solitamente</a:t>
-            </a:r>
-            <a:r>
-              <a:rPr lang="en-US" dirty="0"/>
-              <a:t> </a:t>
-            </a:r>
-            <a:r>
-              <a:rPr lang="en-US" dirty="0" err="1"/>
-              <a:t>utilizzano</a:t>
-            </a:r>
-            <a:r>
-              <a:rPr lang="en-US" dirty="0"/>
-              <a:t> un </a:t>
-            </a:r>
-            <a:r>
-              <a:rPr lang="en-US" dirty="0" err="1"/>
-              <a:t>modello</a:t>
-            </a:r>
-            <a:r>
-              <a:rPr lang="en-US" dirty="0"/>
-              <a:t> </a:t>
-            </a:r>
-            <a:r>
-              <a:rPr lang="en-US" dirty="0" err="1"/>
-              <a:t>economico</a:t>
-            </a:r>
-            <a:r>
-              <a:rPr lang="en-US" dirty="0"/>
-              <a:t> </a:t>
-            </a:r>
-            <a:r>
-              <a:rPr lang="en-US" dirty="0" err="1"/>
-              <a:t>basato</a:t>
-            </a:r>
-            <a:r>
-              <a:rPr lang="en-US" dirty="0"/>
-              <a:t> </a:t>
-            </a:r>
-            <a:r>
-              <a:rPr lang="en-US" dirty="0" err="1"/>
-              <a:t>sulle</a:t>
-            </a:r>
-            <a:r>
-              <a:rPr lang="en-US" dirty="0"/>
-              <a:t> </a:t>
-            </a:r>
-            <a:r>
-              <a:rPr lang="en-US" dirty="0" err="1">
-                <a:solidFill>
-                  <a:srgbClr val="66C0F4"/>
-                </a:solidFill>
-              </a:rPr>
-              <a:t>Microtransazioni</a:t>
-            </a:r>
-            <a:r>
-              <a:rPr lang="en-US" dirty="0">
-                <a:solidFill>
-                  <a:srgbClr val="66C0F4"/>
-                </a:solidFill>
-              </a:rPr>
-              <a:t> (MTX)</a:t>
-            </a:r>
-            <a:r>
-              <a:rPr lang="en-US" dirty="0">
+              <a:t>Microtransazioni (MTX)</a:t>
+            </a:r>
+            <a:r>
+              <a:rPr lang="it-IT" dirty="0">
                 <a:solidFill>
                   <a:srgbClr val="C7D5E0"/>
                 </a:solidFill>
@@ -7972,80 +6444,12 @@
           </a:p>
           <a:p>
             <a:r>
-              <a:rPr lang="en-US" dirty="0" err="1"/>
-              <a:t>Pertanto</a:t>
-            </a:r>
-            <a:r>
-              <a:rPr lang="en-US" dirty="0"/>
-              <a:t> il tempo di </a:t>
-            </a:r>
-            <a:r>
-              <a:rPr lang="en-US" dirty="0" err="1"/>
-              <a:t>gioco</a:t>
-            </a:r>
-            <a:r>
-              <a:rPr lang="en-US" dirty="0"/>
-              <a:t> ed il </a:t>
-            </a:r>
-            <a:r>
-              <a:rPr lang="en-US" dirty="0" err="1"/>
-              <a:t>numero</a:t>
-            </a:r>
-            <a:r>
-              <a:rPr lang="en-US" dirty="0"/>
-              <a:t> di </a:t>
-            </a:r>
-            <a:r>
-              <a:rPr lang="en-US" dirty="0" err="1"/>
-              <a:t>giocatori</a:t>
-            </a:r>
-            <a:r>
-              <a:rPr lang="en-US" dirty="0"/>
-              <a:t> online </a:t>
-            </a:r>
-            <a:r>
-              <a:rPr lang="en-US" dirty="0" err="1"/>
-              <a:t>temporaneamente</a:t>
-            </a:r>
-            <a:r>
-              <a:rPr lang="en-US" dirty="0"/>
-              <a:t> </a:t>
-            </a:r>
-            <a:r>
-              <a:rPr lang="en-US" dirty="0" err="1"/>
-              <a:t>influiscono</a:t>
-            </a:r>
-            <a:r>
-              <a:rPr lang="en-US" dirty="0"/>
-              <a:t> </a:t>
-            </a:r>
-            <a:r>
-              <a:rPr lang="en-US" dirty="0" err="1"/>
-              <a:t>sul</a:t>
-            </a:r>
-            <a:r>
-              <a:rPr lang="en-US" dirty="0"/>
-              <a:t> </a:t>
-            </a:r>
-            <a:r>
-              <a:rPr lang="en-US" dirty="0" err="1"/>
-              <a:t>profitto</a:t>
-            </a:r>
-            <a:r>
-              <a:rPr lang="en-US" dirty="0"/>
-              <a:t> </a:t>
-            </a:r>
-            <a:r>
-              <a:rPr lang="en-US" dirty="0" err="1"/>
-              <a:t>registrato</a:t>
-            </a:r>
-            <a:r>
-              <a:rPr lang="en-US" dirty="0"/>
-              <a:t> dale compagnie</a:t>
-            </a:r>
-          </a:p>
-          <a:p>
-            <a:endParaRPr lang="en-US" dirty="0">
+              <a:rPr lang="it-IT" dirty="0"/>
+              <a:t>Pertanto il tempo di gioco ed il numero di giocatori online temporaneamente influiscono sul profitto registrato dale compagnie</a:t>
+            </a:r>
+          </a:p>
+          <a:p>
+            <a:endParaRPr lang="it-IT" dirty="0">
               <a:solidFill>
                 <a:srgbClr val="C7D5E0"/>
               </a:solidFill>
@@ -8053,7 +6457,7 @@
           </a:p>
           <a:p>
             <a:r>
-              <a:rPr lang="en-US" dirty="0">
+              <a:rPr lang="it-IT" dirty="0">
                 <a:solidFill>
                   <a:srgbClr val="C7D5E0"/>
                 </a:solidFill>
@@ -8061,215 +6465,39 @@
               <a:t>Il </a:t>
             </a:r>
             <a:r>
-              <a:rPr lang="en-US" dirty="0" err="1">
+              <a:rPr lang="it-IT" dirty="0">
                 <a:solidFill>
                   <a:srgbClr val="66C0F4"/>
                 </a:solidFill>
               </a:rPr>
-              <a:t>numero</a:t>
-            </a:r>
-            <a:r>
-              <a:rPr lang="en-US" dirty="0">
+              <a:t>numero di download </a:t>
+            </a:r>
+            <a:r>
+              <a:rPr lang="it-IT" dirty="0"/>
+              <a:t>(Estimated Owners) nel caso dei Videogiochi F2P </a:t>
+            </a:r>
+            <a:r>
+              <a:rPr lang="it-IT" dirty="0">
                 <a:solidFill>
                   <a:srgbClr val="66C0F4"/>
                 </a:solidFill>
               </a:rPr>
-              <a:t> di download </a:t>
-            </a:r>
-            <a:r>
-              <a:rPr lang="en-US" dirty="0"/>
-              <a:t>(Estimated Owners) </a:t>
-            </a:r>
-            <a:r>
-              <a:rPr lang="en-US" dirty="0" err="1"/>
-              <a:t>nel</a:t>
-            </a:r>
-            <a:r>
-              <a:rPr lang="en-US" dirty="0"/>
-              <a:t> </a:t>
-            </a:r>
-            <a:r>
-              <a:rPr lang="en-US" dirty="0" err="1"/>
-              <a:t>caso</a:t>
-            </a:r>
-            <a:r>
-              <a:rPr lang="en-US" dirty="0"/>
-              <a:t> </a:t>
-            </a:r>
-            <a:r>
-              <a:rPr lang="en-US" dirty="0" err="1"/>
-              <a:t>dei</a:t>
-            </a:r>
-            <a:r>
-              <a:rPr lang="en-US" dirty="0"/>
-              <a:t> </a:t>
-            </a:r>
-            <a:r>
-              <a:rPr lang="en-US" dirty="0" err="1"/>
-              <a:t>Videogiochi</a:t>
-            </a:r>
-            <a:r>
-              <a:rPr lang="en-US" dirty="0"/>
-              <a:t> F2P </a:t>
-            </a:r>
-            <a:r>
-              <a:rPr lang="en-US" dirty="0">
+              <a:t>NON </a:t>
+            </a:r>
+            <a:r>
+              <a:rPr lang="it-IT" dirty="0"/>
+              <a:t>è un buon indicatore del successo economico degli stessi, che non avendo un prezzo di acquisto si basano sull’acquisto di </a:t>
+            </a:r>
+            <a:r>
+              <a:rPr lang="it-IT" dirty="0">
                 <a:solidFill>
                   <a:srgbClr val="66C0F4"/>
                 </a:solidFill>
               </a:rPr>
-              <a:t>NON </a:t>
-            </a:r>
-            <a:r>
-              <a:rPr lang="en-US" dirty="0"/>
-              <a:t>è un </a:t>
-            </a:r>
-            <a:r>
-              <a:rPr lang="en-US" dirty="0" err="1"/>
-              <a:t>buon</a:t>
-            </a:r>
-            <a:r>
-              <a:rPr lang="en-US" dirty="0"/>
-              <a:t> </a:t>
-            </a:r>
-            <a:r>
-              <a:rPr lang="en-US" dirty="0" err="1"/>
-              <a:t>indicatore</a:t>
-            </a:r>
-            <a:r>
-              <a:rPr lang="en-US" dirty="0"/>
-              <a:t> del </a:t>
-            </a:r>
-            <a:r>
-              <a:rPr lang="en-US" dirty="0" err="1"/>
-              <a:t>successo</a:t>
-            </a:r>
-            <a:r>
-              <a:rPr lang="en-US" dirty="0"/>
-              <a:t> </a:t>
-            </a:r>
-            <a:r>
-              <a:rPr lang="en-US" dirty="0" err="1"/>
-              <a:t>economico</a:t>
-            </a:r>
-            <a:r>
-              <a:rPr lang="en-US" dirty="0"/>
-              <a:t> </a:t>
-            </a:r>
-            <a:r>
-              <a:rPr lang="en-US" dirty="0" err="1"/>
-              <a:t>degli</a:t>
-            </a:r>
-            <a:r>
-              <a:rPr lang="en-US" dirty="0"/>
-              <a:t> </a:t>
-            </a:r>
-            <a:r>
-              <a:rPr lang="en-US" dirty="0" err="1"/>
-              <a:t>stessi</a:t>
-            </a:r>
-            <a:r>
-              <a:rPr lang="en-US" dirty="0"/>
-              <a:t>, </a:t>
-            </a:r>
-            <a:r>
-              <a:rPr lang="en-US" dirty="0" err="1"/>
-              <a:t>che</a:t>
-            </a:r>
-            <a:r>
-              <a:rPr lang="en-US" dirty="0"/>
-              <a:t> non </a:t>
-            </a:r>
-            <a:r>
-              <a:rPr lang="en-US" dirty="0" err="1"/>
-              <a:t>avendo</a:t>
-            </a:r>
-            <a:r>
-              <a:rPr lang="en-US" dirty="0"/>
-              <a:t> un </a:t>
-            </a:r>
-            <a:r>
-              <a:rPr lang="en-US" dirty="0" err="1"/>
-              <a:t>prezzo</a:t>
-            </a:r>
-            <a:r>
-              <a:rPr lang="en-US" dirty="0"/>
-              <a:t> di </a:t>
-            </a:r>
-            <a:r>
-              <a:rPr lang="en-US" dirty="0" err="1"/>
-              <a:t>acquisto</a:t>
-            </a:r>
-            <a:r>
-              <a:rPr lang="en-US" dirty="0"/>
-              <a:t> </a:t>
-            </a:r>
-            <a:r>
-              <a:rPr lang="en-US" dirty="0" err="1"/>
-              <a:t>si</a:t>
-            </a:r>
-            <a:r>
-              <a:rPr lang="en-US" dirty="0"/>
-              <a:t> </a:t>
-            </a:r>
-            <a:r>
-              <a:rPr lang="en-US" dirty="0" err="1"/>
-              <a:t>basano</a:t>
-            </a:r>
-            <a:r>
-              <a:rPr lang="en-US" dirty="0"/>
-              <a:t> </a:t>
-            </a:r>
-            <a:r>
-              <a:rPr lang="en-US" dirty="0" err="1"/>
-              <a:t>sull’acquisto</a:t>
-            </a:r>
-            <a:r>
-              <a:rPr lang="en-US" dirty="0"/>
-              <a:t> di </a:t>
-            </a:r>
-            <a:r>
-              <a:rPr lang="en-US" dirty="0" err="1">
-                <a:solidFill>
-                  <a:srgbClr val="66C0F4"/>
-                </a:solidFill>
-              </a:rPr>
-              <a:t>contenuto</a:t>
-            </a:r>
-            <a:r>
-              <a:rPr lang="en-US" dirty="0">
-                <a:solidFill>
-                  <a:srgbClr val="66C0F4"/>
-                </a:solidFill>
-              </a:rPr>
-              <a:t> </a:t>
-            </a:r>
-            <a:r>
-              <a:rPr lang="en-US" dirty="0" err="1">
-                <a:solidFill>
-                  <a:srgbClr val="66C0F4"/>
-                </a:solidFill>
-              </a:rPr>
-              <a:t>digitale</a:t>
-            </a:r>
-            <a:r>
-              <a:rPr lang="en-US" dirty="0">
-                <a:solidFill>
-                  <a:srgbClr val="66C0F4"/>
-                </a:solidFill>
-              </a:rPr>
-              <a:t> </a:t>
-            </a:r>
-            <a:r>
-              <a:rPr lang="en-US" dirty="0" err="1">
-                <a:solidFill>
-                  <a:srgbClr val="66C0F4"/>
-                </a:solidFill>
-              </a:rPr>
-              <a:t>aggiuntivo</a:t>
-            </a:r>
-            <a:r>
-              <a:rPr lang="en-US" dirty="0">
+              <a:t>contenuto digitale aggiuntivo</a:t>
+            </a:r>
+            <a:r>
+              <a:rPr lang="it-IT" dirty="0">
                 <a:solidFill>
                   <a:srgbClr val="C7D5E0"/>
                 </a:solidFill>
@@ -8278,7 +6506,7 @@
             </a:r>
           </a:p>
           <a:p>
-            <a:endParaRPr lang="en-US" dirty="0">
+            <a:endParaRPr lang="it-IT" dirty="0">
               <a:solidFill>
                 <a:srgbClr val="C7D5E0"/>
               </a:solidFill>
@@ -8286,196 +6514,52 @@
           </a:p>
           <a:p>
             <a:r>
-              <a:rPr lang="en-US" dirty="0">
+              <a:rPr lang="it-IT" dirty="0">
                 <a:solidFill>
                   <a:srgbClr val="C7D5E0"/>
                 </a:solidFill>
               </a:rPr>
-              <a:t>La </a:t>
-            </a:r>
-            <a:r>
-              <a:rPr lang="en-US" dirty="0" err="1">
+              <a:t>La tendenza del modello è quindi quella di aumentare il </a:t>
+            </a:r>
+            <a:r>
+              <a:rPr lang="it-IT" dirty="0">
+                <a:solidFill>
+                  <a:srgbClr val="66C0F4"/>
+                </a:solidFill>
+              </a:rPr>
+              <a:t>tempo passato online </a:t>
+            </a:r>
+            <a:r>
+              <a:rPr lang="it-IT" dirty="0"/>
+              <a:t>in modo da poter invogliare più frequentemente l’utente all’acquisto d</a:t>
+            </a:r>
+            <a:r>
+              <a:rPr lang="it-IT" dirty="0">
                 <a:solidFill>
                   <a:srgbClr val="C7D5E0"/>
                 </a:solidFill>
               </a:rPr>
-              <a:t>tendenza</a:t>
-            </a:r>
-            <a:r>
-              <a:rPr lang="en-US" dirty="0">
+              <a:t>i </a:t>
+            </a:r>
+            <a:r>
+              <a:rPr lang="it-IT" dirty="0">
+                <a:solidFill>
+                  <a:srgbClr val="66C0F4"/>
+                </a:solidFill>
+              </a:rPr>
+              <a:t>MTXs</a:t>
+            </a:r>
+            <a:r>
+              <a:rPr lang="it-IT" dirty="0">
                 <a:solidFill>
                   <a:srgbClr val="C7D5E0"/>
                 </a:solidFill>
               </a:rPr>
-              <a:t> del </a:t>
-            </a:r>
-            <a:r>
-              <a:rPr lang="en-US" dirty="0" err="1">
-                <a:solidFill>
-                  <a:srgbClr val="C7D5E0"/>
-                </a:solidFill>
-              </a:rPr>
-              <a:t>modello</a:t>
-            </a:r>
-            <a:r>
-              <a:rPr lang="en-US" dirty="0">
-                <a:solidFill>
-                  <a:srgbClr val="C7D5E0"/>
-                </a:solidFill>
-              </a:rPr>
-              <a:t> è </a:t>
-            </a:r>
-            <a:r>
-              <a:rPr lang="en-US" dirty="0" err="1">
-                <a:solidFill>
-                  <a:srgbClr val="C7D5E0"/>
-                </a:solidFill>
-              </a:rPr>
-              <a:t>quindi</a:t>
-            </a:r>
-            <a:r>
-              <a:rPr lang="en-US" dirty="0">
-                <a:solidFill>
-                  <a:srgbClr val="C7D5E0"/>
-                </a:solidFill>
-              </a:rPr>
-              <a:t> </a:t>
-            </a:r>
-            <a:r>
-              <a:rPr lang="en-US" dirty="0" err="1">
-                <a:solidFill>
-                  <a:srgbClr val="C7D5E0"/>
-                </a:solidFill>
-              </a:rPr>
-              <a:t>quella</a:t>
-            </a:r>
-            <a:r>
-              <a:rPr lang="en-US" dirty="0">
-                <a:solidFill>
-                  <a:srgbClr val="C7D5E0"/>
-                </a:solidFill>
-              </a:rPr>
-              <a:t> di </a:t>
-            </a:r>
-            <a:r>
-              <a:rPr lang="en-US" dirty="0" err="1">
-                <a:solidFill>
-                  <a:srgbClr val="C7D5E0"/>
-                </a:solidFill>
-              </a:rPr>
-              <a:t>aumentare</a:t>
-            </a:r>
-            <a:r>
-              <a:rPr lang="en-US" dirty="0">
-                <a:solidFill>
-                  <a:srgbClr val="C7D5E0"/>
-                </a:solidFill>
-              </a:rPr>
-              <a:t> il </a:t>
-            </a:r>
-            <a:r>
-              <a:rPr lang="en-US" dirty="0">
-                <a:solidFill>
-                  <a:srgbClr val="66C0F4"/>
-                </a:solidFill>
-              </a:rPr>
-              <a:t>tempo </a:t>
-            </a:r>
-            <a:r>
-              <a:rPr lang="en-US" dirty="0" err="1">
-                <a:solidFill>
-                  <a:srgbClr val="66C0F4"/>
-                </a:solidFill>
-              </a:rPr>
-              <a:t>passato</a:t>
-            </a:r>
-            <a:r>
-              <a:rPr lang="en-US" dirty="0">
-                <a:solidFill>
-                  <a:srgbClr val="66C0F4"/>
-                </a:solidFill>
-              </a:rPr>
-              <a:t> online </a:t>
-            </a:r>
-            <a:r>
-              <a:rPr lang="en-US" dirty="0"/>
-              <a:t>in modo da </a:t>
-            </a:r>
-            <a:r>
-              <a:rPr lang="en-US" dirty="0" err="1"/>
-              <a:t>poter</a:t>
-            </a:r>
-            <a:r>
-              <a:rPr lang="en-US" dirty="0"/>
-              <a:t> </a:t>
-            </a:r>
-            <a:r>
-              <a:rPr lang="en-US" dirty="0" err="1"/>
-              <a:t>invogliare</a:t>
-            </a:r>
-            <a:r>
-              <a:rPr lang="en-US" dirty="0"/>
-              <a:t> </a:t>
-            </a:r>
-            <a:r>
-              <a:rPr lang="en-US" dirty="0" err="1"/>
-              <a:t>più</a:t>
-            </a:r>
-            <a:r>
-              <a:rPr lang="en-US" dirty="0"/>
-              <a:t> </a:t>
-            </a:r>
-            <a:r>
-              <a:rPr lang="en-US" dirty="0" err="1"/>
-              <a:t>frequentemente</a:t>
-            </a:r>
-            <a:r>
-              <a:rPr lang="en-US" dirty="0"/>
-              <a:t> </a:t>
-            </a:r>
-            <a:r>
-              <a:rPr lang="en-US" dirty="0" err="1"/>
-              <a:t>l’utente</a:t>
-            </a:r>
-            <a:r>
-              <a:rPr lang="en-US" dirty="0"/>
-              <a:t> </a:t>
-            </a:r>
-            <a:r>
-              <a:rPr lang="en-US" dirty="0" err="1"/>
-              <a:t>all’acquisto</a:t>
-            </a:r>
-            <a:r>
-              <a:rPr lang="en-US" dirty="0"/>
-              <a:t> d</a:t>
-            </a:r>
-            <a:r>
-              <a:rPr lang="en-US" dirty="0">
-                <a:solidFill>
-                  <a:srgbClr val="C7D5E0"/>
-                </a:solidFill>
-              </a:rPr>
-              <a:t>i </a:t>
-            </a:r>
-            <a:r>
-              <a:rPr lang="en-US" dirty="0">
-                <a:solidFill>
-                  <a:srgbClr val="66C0F4"/>
-                </a:solidFill>
-              </a:rPr>
-              <a:t>MTXs</a:t>
-            </a:r>
-            <a:r>
-              <a:rPr lang="en-US" dirty="0">
-                <a:solidFill>
-                  <a:srgbClr val="C7D5E0"/>
-                </a:solidFill>
-              </a:rPr>
               <a:t>.</a:t>
             </a:r>
           </a:p>
           <a:p>
-            <a:endParaRPr lang="en-US" dirty="0">
+            <a:endParaRPr lang="it-IT" dirty="0">
               <a:solidFill>
                 <a:srgbClr val="C7D5E0"/>
               </a:solidFill>
@@ -8483,39 +6567,11 @@
           </a:p>
           <a:p>
             <a:r>
-              <a:rPr lang="en-US" dirty="0" err="1"/>
-              <a:t>Procediamo</a:t>
-            </a:r>
-            <a:r>
-              <a:rPr lang="en-US" dirty="0"/>
-              <a:t> </a:t>
-            </a:r>
-            <a:r>
-              <a:rPr lang="en-US" dirty="0" err="1"/>
-              <a:t>quindi</a:t>
-            </a:r>
-            <a:r>
-              <a:rPr lang="en-US" dirty="0"/>
-              <a:t> ad </a:t>
-            </a:r>
-            <a:r>
-              <a:rPr lang="en-US" dirty="0" err="1"/>
-              <a:t>analizzare</a:t>
-            </a:r>
-            <a:r>
-              <a:rPr lang="en-US" dirty="0"/>
-              <a:t> due </a:t>
-            </a:r>
-            <a:r>
-              <a:rPr lang="en-US" dirty="0" err="1"/>
-              <a:t>diversi</a:t>
-            </a:r>
-            <a:r>
-              <a:rPr lang="en-US" dirty="0"/>
-              <a:t> </a:t>
-            </a:r>
-            <a:r>
-              <a:rPr lang="en-US" dirty="0" err="1">
+              <a:rPr lang="it-IT" dirty="0"/>
+              <a:t>Procediamo quindi ad analizzare due diversi </a:t>
+            </a:r>
+            <a:r>
+              <a:rPr lang="it-IT" dirty="0">
                 <a:solidFill>
                   <a:srgbClr val="66C0F4"/>
                 </a:solidFill>
@@ -8523,7 +6579,7 @@
               <a:t>classificatori</a:t>
             </a:r>
             <a:r>
-              <a:rPr lang="en-US" dirty="0">
+              <a:rPr lang="it-IT" dirty="0">
                 <a:solidFill>
                   <a:srgbClr val="C7D5E0"/>
                 </a:solidFill>
@@ -8540,7 +6596,7 @@
               <a:buChar char="•"/>
             </a:pPr>
             <a:r>
-              <a:rPr lang="en-US" b="1" dirty="0">
+              <a:rPr lang="it-IT" b="1" dirty="0">
                 <a:solidFill>
                   <a:srgbClr val="66C0F4"/>
                 </a:solidFill>
@@ -8548,54 +6604,9 @@
               <a:t>Peak CCU </a:t>
             </a:r>
             <a:r>
-              <a:rPr lang="en-US" dirty="0"/>
-              <a:t>– Il </a:t>
-            </a:r>
-            <a:r>
-              <a:rPr lang="en-US" dirty="0" err="1"/>
-              <a:t>picco</a:t>
-            </a:r>
-            <a:r>
-              <a:rPr lang="en-US" dirty="0"/>
-              <a:t> di </a:t>
-            </a:r>
-            <a:r>
-              <a:rPr lang="en-US" dirty="0" err="1"/>
-              <a:t>giocatori</a:t>
-            </a:r>
-            <a:r>
-              <a:rPr lang="en-US" dirty="0"/>
-              <a:t> online in </a:t>
-            </a:r>
-            <a:r>
-              <a:rPr lang="en-US" dirty="0" err="1"/>
-              <a:t>contemporanea</a:t>
-            </a:r>
-            <a:r>
-              <a:rPr lang="en-US" dirty="0"/>
-              <a:t> </a:t>
-            </a:r>
-            <a:r>
-              <a:rPr lang="en-US" dirty="0" err="1"/>
-              <a:t>più</a:t>
-            </a:r>
-            <a:r>
-              <a:rPr lang="en-US" dirty="0"/>
-              <a:t> alto </a:t>
-            </a:r>
-            <a:r>
-              <a:rPr lang="en-US" dirty="0" err="1"/>
-              <a:t>mai</a:t>
-            </a:r>
-            <a:r>
-              <a:rPr lang="en-US" dirty="0"/>
-              <a:t> </a:t>
-            </a:r>
-            <a:r>
-              <a:rPr lang="en-US" dirty="0" err="1"/>
-              <a:t>registrato</a:t>
-            </a:r>
-            <a:endParaRPr lang="en-US" dirty="0"/>
+              <a:rPr lang="it-IT" dirty="0"/>
+              <a:t>– Il picco di giocatori online in contemporanea più alto mai registrato</a:t>
+            </a:r>
           </a:p>
           <a:p>
             <a:pPr marL="285750" indent="-285750">
@@ -8606,7 +6617,7 @@
               <a:buChar char="•"/>
             </a:pPr>
             <a:r>
-              <a:rPr lang="en-US" b="1" dirty="0" err="1">
+              <a:rPr lang="it-IT" b="1" dirty="0">
                 <a:solidFill>
                   <a:srgbClr val="66C0F4"/>
                 </a:solidFill>
@@ -8614,7 +6625,7 @@
               <a:t>AverageTime</a:t>
             </a:r>
             <a:r>
-              <a:rPr lang="en-US" b="1" dirty="0">
+              <a:rPr lang="it-IT" b="1" dirty="0">
                 <a:solidFill>
                   <a:srgbClr val="C7D5E0"/>
                 </a:solidFill>
@@ -8622,72 +6633,8 @@
               <a:t> </a:t>
             </a:r>
             <a:r>
-              <a:rPr lang="en-US" dirty="0"/>
-              <a:t>– Il tempo medio di </a:t>
-            </a:r>
-            <a:r>
-              <a:rPr lang="en-US" dirty="0" err="1"/>
-              <a:t>utilizzo</a:t>
-            </a:r>
-            <a:r>
-              <a:rPr lang="en-US" dirty="0"/>
-              <a:t> di un </a:t>
-            </a:r>
-            <a:r>
-              <a:rPr lang="en-US" dirty="0" err="1"/>
-              <a:t>Videogioco</a:t>
-            </a:r>
-            <a:r>
-              <a:rPr lang="en-US" dirty="0"/>
-              <a:t> da </a:t>
-            </a:r>
-            <a:r>
-              <a:rPr lang="en-US" dirty="0" err="1"/>
-              <a:t>parte</a:t>
-            </a:r>
-            <a:r>
-              <a:rPr lang="en-US" dirty="0"/>
-              <a:t> </a:t>
-            </a:r>
-            <a:r>
-              <a:rPr lang="en-US" dirty="0" err="1"/>
-              <a:t>degli</a:t>
-            </a:r>
-            <a:r>
-              <a:rPr lang="en-US" dirty="0"/>
-              <a:t> </a:t>
-            </a:r>
-            <a:r>
-              <a:rPr lang="en-US" dirty="0" err="1"/>
-              <a:t>utenti</a:t>
-            </a:r>
-            <a:r>
-              <a:rPr lang="en-US" dirty="0"/>
-              <a:t> </a:t>
-            </a:r>
-            <a:r>
-              <a:rPr lang="en-US" dirty="0" err="1"/>
-              <a:t>che</a:t>
-            </a:r>
-            <a:r>
-              <a:rPr lang="en-US" dirty="0"/>
-              <a:t> lo </a:t>
-            </a:r>
-            <a:r>
-              <a:rPr lang="en-US" dirty="0" err="1"/>
-              <a:t>acquistano</a:t>
-            </a:r>
-            <a:r>
-              <a:rPr lang="en-US" dirty="0"/>
-              <a:t> (o </a:t>
-            </a:r>
-            <a:r>
-              <a:rPr lang="en-US" dirty="0" err="1"/>
-              <a:t>scaricano</a:t>
-            </a:r>
-            <a:r>
-              <a:rPr lang="en-US" dirty="0"/>
-              <a:t>)</a:t>
+              <a:rPr lang="it-IT" dirty="0"/>
+              <a:t>– Il tempo medio di utilizzo di un Videogioco da parte degli utenti che lo acquistano (o scaricano)</a:t>
             </a:r>
           </a:p>
         </p:txBody>
@@ -8760,52 +6707,12 @@
           <a:p>
             <a:pPr algn="ctr"/>
             <a:r>
-              <a:rPr lang="en-US" sz="3200" b="1" dirty="0" err="1">
+              <a:rPr lang="it-IT" sz="3200" b="1" dirty="0">
                 <a:solidFill>
                   <a:srgbClr val="66C0F4"/>
                 </a:solidFill>
               </a:rPr>
-              <a:t>Scelta</a:t>
-            </a:r>
-            <a:r>
-              <a:rPr lang="en-US" sz="3200" b="1" dirty="0">
-                <a:solidFill>
-                  <a:srgbClr val="66C0F4"/>
-                </a:solidFill>
-              </a:rPr>
-              <a:t> di un </a:t>
-            </a:r>
-            <a:r>
-              <a:rPr lang="en-US" sz="3200" b="1" dirty="0" err="1">
-                <a:solidFill>
-                  <a:srgbClr val="66C0F4"/>
-                </a:solidFill>
-              </a:rPr>
-              <a:t>classificatore</a:t>
-            </a:r>
-            <a:r>
-              <a:rPr lang="en-US" sz="3200" b="1" dirty="0">
-                <a:solidFill>
-                  <a:srgbClr val="66C0F4"/>
-                </a:solidFill>
-              </a:rPr>
-              <a:t> per il </a:t>
-            </a:r>
-            <a:r>
-              <a:rPr lang="en-US" sz="3200" b="1" dirty="0" err="1">
-                <a:solidFill>
-                  <a:srgbClr val="66C0F4"/>
-                </a:solidFill>
-              </a:rPr>
-              <a:t>successo</a:t>
-            </a:r>
-            <a:r>
-              <a:rPr lang="en-US" sz="3200" b="1" dirty="0">
-                <a:solidFill>
-                  <a:srgbClr val="66C0F4"/>
-                </a:solidFill>
-              </a:rPr>
-              <a:t>: Peak CCU</a:t>
+              <a:t>Scelta di un classificatore per il successo: Peak CCU</a:t>
             </a:r>
           </a:p>
         </p:txBody>
@@ -8924,100 +6831,32 @@
           <a:lstStyle/>
           <a:p>
             <a:r>
-              <a:rPr lang="en-US" sz="1500" dirty="0" err="1"/>
-              <a:t>Notiamo</a:t>
-            </a:r>
-            <a:r>
-              <a:rPr lang="en-US" sz="1500" dirty="0"/>
-              <a:t> la </a:t>
-            </a:r>
-            <a:r>
-              <a:rPr lang="en-US" sz="1500" dirty="0" err="1"/>
-              <a:t>presenza</a:t>
-            </a:r>
-            <a:r>
-              <a:rPr lang="en-US" sz="1500" dirty="0"/>
-              <a:t> di </a:t>
-            </a:r>
-            <a:r>
-              <a:rPr lang="en-US" sz="1500" dirty="0" err="1"/>
-              <a:t>una</a:t>
-            </a:r>
-            <a:r>
-              <a:rPr lang="en-US" sz="1500" dirty="0"/>
+              <a:rPr lang="it-IT" sz="1500" dirty="0"/>
+              <a:t>Notiamo la presenza di una </a:t>
+            </a:r>
+            <a:r>
+              <a:rPr lang="it-IT" sz="1500" dirty="0">
+                <a:solidFill>
+                  <a:srgbClr val="66C0F4"/>
+                </a:solidFill>
+              </a:rPr>
+              <a:t>correlazione</a:t>
+            </a:r>
+            <a:r>
+              <a:rPr lang="it-IT" sz="1500" dirty="0">
+                <a:solidFill>
+                  <a:srgbClr val="C7D5E0"/>
+                </a:solidFill>
+              </a:rPr>
               <a:t> </a:t>
             </a:r>
             <a:r>
-              <a:rPr lang="en-US" sz="1500" dirty="0" err="1">
-                <a:solidFill>
-                  <a:srgbClr val="66C0F4"/>
-                </a:solidFill>
-              </a:rPr>
-              <a:t>correlazione</a:t>
-            </a:r>
-            <a:r>
-              <a:rPr lang="en-US" sz="1500" dirty="0">
-                <a:solidFill>
-                  <a:srgbClr val="C7D5E0"/>
-                </a:solidFill>
-              </a:rPr>
-              <a:t> </a:t>
-            </a:r>
-            <a:r>
-              <a:rPr lang="en-US" sz="1500" dirty="0"/>
-              <a:t>positive </a:t>
-            </a:r>
-            <a:r>
-              <a:rPr lang="en-US" sz="1500" dirty="0" err="1"/>
-              <a:t>tra</a:t>
-            </a:r>
-            <a:r>
-              <a:rPr lang="en-US" sz="1500" dirty="0"/>
-              <a:t> il Peak CCU ed il </a:t>
-            </a:r>
-            <a:r>
-              <a:rPr lang="en-US" sz="1500" dirty="0" err="1"/>
-              <a:t>numero</a:t>
-            </a:r>
-            <a:r>
-              <a:rPr lang="en-US" sz="1500" dirty="0"/>
-              <a:t> di </a:t>
-            </a:r>
-            <a:r>
-              <a:rPr lang="en-US" sz="1500" dirty="0" err="1"/>
-              <a:t>utenti</a:t>
-            </a:r>
-            <a:r>
-              <a:rPr lang="en-US" sz="1500" dirty="0"/>
-              <a:t> </a:t>
-            </a:r>
-            <a:r>
-              <a:rPr lang="en-US" sz="1500" dirty="0" err="1"/>
-              <a:t>che</a:t>
-            </a:r>
-            <a:r>
-              <a:rPr lang="en-US" sz="1500" dirty="0"/>
-              <a:t> </a:t>
-            </a:r>
-            <a:r>
-              <a:rPr lang="en-US" sz="1500" dirty="0" err="1"/>
-              <a:t>possiedono</a:t>
-            </a:r>
-            <a:r>
-              <a:rPr lang="en-US" sz="1500" dirty="0"/>
-              <a:t> il </a:t>
-            </a:r>
-            <a:r>
-              <a:rPr lang="en-US" sz="1500" dirty="0" err="1"/>
-              <a:t>gioco</a:t>
-            </a:r>
-            <a:r>
-              <a:rPr lang="en-US" sz="1500" dirty="0"/>
-              <a:t>.</a:t>
-            </a:r>
-          </a:p>
-          <a:p>
-            <a:endParaRPr lang="en-US" sz="1500" dirty="0">
+              <a:rPr lang="it-IT" sz="1500" dirty="0"/>
+              <a:t>positive tra il Peak CCU ed il numero di utenti che possiedono il gioco.</a:t>
+            </a:r>
+          </a:p>
+          <a:p>
+            <a:endParaRPr lang="it-IT" sz="1500" dirty="0">
               <a:solidFill>
                 <a:srgbClr val="C7D5E0"/>
               </a:solidFill>
@@ -9025,71 +6864,19 @@
           </a:p>
           <a:p>
             <a:r>
-              <a:rPr lang="en-US" sz="1500" dirty="0" err="1"/>
-              <a:t>Sebbene</a:t>
-            </a:r>
-            <a:r>
-              <a:rPr lang="en-US" sz="1500" dirty="0"/>
-              <a:t> </a:t>
-            </a:r>
-            <a:r>
-              <a:rPr lang="en-US" sz="1500" dirty="0" err="1"/>
-              <a:t>si</a:t>
-            </a:r>
-            <a:r>
-              <a:rPr lang="en-US" sz="1500" dirty="0"/>
-              <a:t> </a:t>
-            </a:r>
-            <a:r>
-              <a:rPr lang="en-US" sz="1500" dirty="0" err="1"/>
-              <a:t>tratti</a:t>
-            </a:r>
-            <a:r>
-              <a:rPr lang="en-US" sz="1500" dirty="0"/>
-              <a:t> di un </a:t>
-            </a:r>
-            <a:r>
-              <a:rPr lang="en-US" sz="1500" dirty="0" err="1"/>
-              <a:t>classificatore</a:t>
-            </a:r>
-            <a:r>
-              <a:rPr lang="en-US" sz="1500" dirty="0"/>
-              <a:t> </a:t>
-            </a:r>
-            <a:r>
-              <a:rPr lang="en-US" sz="1500" dirty="0" err="1"/>
-              <a:t>generalmente</a:t>
-            </a:r>
-            <a:r>
-              <a:rPr lang="en-US" sz="1500" dirty="0"/>
-              <a:t> </a:t>
-            </a:r>
-            <a:r>
-              <a:rPr lang="en-US" sz="1500" dirty="0" err="1"/>
-              <a:t>migliore</a:t>
-            </a:r>
-            <a:r>
-              <a:rPr lang="en-US" sz="1500" dirty="0"/>
-              <a:t>, </a:t>
-            </a:r>
-            <a:r>
-              <a:rPr lang="en-US" sz="1500" dirty="0">
+              <a:rPr lang="it-IT" sz="1500" dirty="0"/>
+              <a:t>Sebbene si tratti di un classificatore generalmente migliore, </a:t>
+            </a:r>
+            <a:r>
+              <a:rPr lang="it-IT" sz="1500" dirty="0">
                 <a:solidFill>
                   <a:srgbClr val="66C0F4"/>
                 </a:solidFill>
               </a:rPr>
-              <a:t>non è </a:t>
-            </a:r>
-            <a:r>
-              <a:rPr lang="en-US" sz="1500" dirty="0" err="1">
-                <a:solidFill>
-                  <a:srgbClr val="66C0F4"/>
-                </a:solidFill>
-              </a:rPr>
-              <a:t>sufficiente</a:t>
-            </a:r>
-            <a:r>
-              <a:rPr lang="en-US" sz="1500" dirty="0">
+              <a:t>non è sufficiente</a:t>
+            </a:r>
+            <a:r>
+              <a:rPr lang="it-IT" sz="1500" dirty="0">
                 <a:solidFill>
                   <a:srgbClr val="C7D5E0"/>
                 </a:solidFill>
@@ -9097,44 +6884,8 @@
               <a:t> a </a:t>
             </a:r>
             <a:r>
-              <a:rPr lang="en-US" sz="1500" dirty="0" err="1"/>
-              <a:t>caratterizzare</a:t>
-            </a:r>
-            <a:r>
-              <a:rPr lang="en-US" sz="1500" dirty="0"/>
-              <a:t> il </a:t>
-            </a:r>
-            <a:r>
-              <a:rPr lang="en-US" sz="1500" dirty="0" err="1"/>
-              <a:t>successo</a:t>
-            </a:r>
-            <a:r>
-              <a:rPr lang="en-US" sz="1500" dirty="0"/>
-              <a:t> </a:t>
-            </a:r>
-            <a:r>
-              <a:rPr lang="en-US" sz="1500" dirty="0" err="1"/>
-              <a:t>dei</a:t>
-            </a:r>
-            <a:r>
-              <a:rPr lang="en-US" sz="1500" dirty="0"/>
-              <a:t> </a:t>
-            </a:r>
-            <a:r>
-              <a:rPr lang="en-US" sz="1500" dirty="0" err="1"/>
-              <a:t>Videogiochi</a:t>
-            </a:r>
-            <a:r>
-              <a:rPr lang="en-US" sz="1500" dirty="0"/>
-              <a:t> </a:t>
-            </a:r>
-            <a:r>
-              <a:rPr lang="en-US" sz="1500" dirty="0" err="1"/>
-              <a:t>FreeToPlay</a:t>
-            </a:r>
-            <a:r>
-              <a:rPr lang="en-US" sz="1500" dirty="0"/>
-              <a:t>.</a:t>
+              <a:rPr lang="it-IT" sz="1500" dirty="0"/>
+              <a:t>caratterizzare il successo dei Videogiochi FreeToPlay.</a:t>
             </a:r>
           </a:p>
         </p:txBody>
@@ -9419,52 +7170,12 @@
           <a:p>
             <a:pPr algn="ctr"/>
             <a:r>
-              <a:rPr lang="en-US" sz="3200" b="1" dirty="0" err="1">
+              <a:rPr lang="it-IT" sz="3200" b="1" dirty="0">
                 <a:solidFill>
                   <a:srgbClr val="66C0F4"/>
                 </a:solidFill>
               </a:rPr>
-              <a:t>Scelta</a:t>
-            </a:r>
-            <a:r>
-              <a:rPr lang="en-US" sz="3200" b="1" dirty="0">
-                <a:solidFill>
-                  <a:srgbClr val="66C0F4"/>
-                </a:solidFill>
-              </a:rPr>
-              <a:t> di un </a:t>
-            </a:r>
-            <a:r>
-              <a:rPr lang="en-US" sz="3200" b="1" dirty="0" err="1">
-                <a:solidFill>
-                  <a:srgbClr val="66C0F4"/>
-                </a:solidFill>
-              </a:rPr>
-              <a:t>classificatore</a:t>
-            </a:r>
-            <a:r>
-              <a:rPr lang="en-US" sz="3200" b="1" dirty="0">
-                <a:solidFill>
-                  <a:srgbClr val="66C0F4"/>
-                </a:solidFill>
-              </a:rPr>
-              <a:t> per il </a:t>
-            </a:r>
-            <a:r>
-              <a:rPr lang="en-US" sz="3200" b="1" dirty="0" err="1">
-                <a:solidFill>
-                  <a:srgbClr val="66C0F4"/>
-                </a:solidFill>
-              </a:rPr>
-              <a:t>successo</a:t>
-            </a:r>
-            <a:r>
-              <a:rPr lang="en-US" sz="3200" b="1" dirty="0">
-                <a:solidFill>
-                  <a:srgbClr val="66C0F4"/>
-                </a:solidFill>
-              </a:rPr>
-              <a:t>: Average Time</a:t>
+              <a:t>Scelta di un classificatore per il successo: Average Time</a:t>
             </a:r>
           </a:p>
         </p:txBody>
@@ -9547,23 +7258,11 @@
           <a:lstStyle/>
           <a:p>
             <a:r>
-              <a:rPr lang="en-US" sz="1500" dirty="0" err="1"/>
-              <a:t>Notiamo</a:t>
-            </a:r>
-            <a:r>
-              <a:rPr lang="en-US" sz="1500" dirty="0"/>
-              <a:t> </a:t>
-            </a:r>
-            <a:r>
-              <a:rPr lang="en-US" sz="1500" dirty="0" err="1"/>
-              <a:t>che</a:t>
-            </a:r>
-            <a:r>
-              <a:rPr lang="en-US" sz="1500" dirty="0"/>
-              <a:t> </a:t>
-            </a:r>
-            <a:r>
-              <a:rPr lang="en-US" sz="1500" dirty="0">
+              <a:rPr lang="it-IT" sz="1500" dirty="0"/>
+              <a:t>Notiamo che </a:t>
+            </a:r>
+            <a:r>
+              <a:rPr lang="it-IT" sz="1500" dirty="0">
                 <a:solidFill>
                   <a:srgbClr val="66C0F4"/>
                 </a:solidFill>
@@ -9571,101 +7270,12 @@
               <a:t>non è </a:t>
             </a:r>
             <a:r>
-              <a:rPr lang="en-US" sz="1500" dirty="0" err="1"/>
-              <a:t>presente</a:t>
-            </a:r>
-            <a:r>
-              <a:rPr lang="en-US" sz="1500" dirty="0"/>
-              <a:t> </a:t>
-            </a:r>
-            <a:r>
-              <a:rPr lang="en-US" sz="1500" dirty="0" err="1"/>
-              <a:t>una</a:t>
-            </a:r>
-            <a:r>
-              <a:rPr lang="en-US" sz="1500" dirty="0"/>
-              <a:t> </a:t>
-            </a:r>
-            <a:r>
-              <a:rPr lang="en-US" sz="1500" dirty="0" err="1"/>
-              <a:t>correlazione</a:t>
-            </a:r>
-            <a:r>
-              <a:rPr lang="en-US" sz="1500" dirty="0"/>
-              <a:t> </a:t>
-            </a:r>
-            <a:r>
-              <a:rPr lang="en-US" sz="1500" dirty="0" err="1"/>
-              <a:t>tra</a:t>
-            </a:r>
-            <a:r>
-              <a:rPr lang="en-US" sz="1500" dirty="0"/>
-              <a:t> il </a:t>
-            </a:r>
-            <a:r>
-              <a:rPr lang="en-US" sz="1500" dirty="0" err="1"/>
-              <a:t>numero</a:t>
-            </a:r>
-            <a:r>
-              <a:rPr lang="en-US" sz="1500" dirty="0"/>
-              <a:t> di </a:t>
-            </a:r>
-            <a:r>
-              <a:rPr lang="en-US" sz="1500" dirty="0" err="1"/>
-              <a:t>Acquisti</a:t>
-            </a:r>
-            <a:r>
-              <a:rPr lang="en-US" sz="1500" dirty="0"/>
-              <a:t>/Download ed il tempo medio </a:t>
-            </a:r>
-            <a:r>
-              <a:rPr lang="en-US" sz="1500" dirty="0" err="1"/>
-              <a:t>che</a:t>
-            </a:r>
-            <a:r>
-              <a:rPr lang="en-US" sz="1500" dirty="0"/>
-              <a:t> </a:t>
-            </a:r>
-            <a:r>
-              <a:rPr lang="en-US" sz="1500" dirty="0" err="1"/>
-              <a:t>gli</a:t>
-            </a:r>
-            <a:r>
-              <a:rPr lang="en-US" sz="1500" dirty="0"/>
-              <a:t> </a:t>
-            </a:r>
-            <a:r>
-              <a:rPr lang="en-US" sz="1500" dirty="0" err="1"/>
-              <a:t>utenti</a:t>
-            </a:r>
-            <a:r>
-              <a:rPr lang="en-US" sz="1500" dirty="0"/>
-              <a:t> </a:t>
-            </a:r>
-            <a:r>
-              <a:rPr lang="en-US" sz="1500" dirty="0" err="1"/>
-              <a:t>passano</a:t>
-            </a:r>
-            <a:r>
-              <a:rPr lang="en-US" sz="1500" dirty="0"/>
-              <a:t> </a:t>
-            </a:r>
-            <a:r>
-              <a:rPr lang="en-US" sz="1500" dirty="0" err="1"/>
-              <a:t>nel</a:t>
-            </a:r>
-            <a:r>
-              <a:rPr lang="en-US" sz="1500" dirty="0"/>
-              <a:t> </a:t>
-            </a:r>
-            <a:r>
-              <a:rPr lang="en-US" sz="1500" dirty="0" err="1"/>
-              <a:t>Videogioco</a:t>
-            </a:r>
-            <a:endParaRPr lang="en-US" sz="1500" dirty="0"/>
-          </a:p>
-          <a:p>
-            <a:endParaRPr lang="en-US" sz="1500" dirty="0">
+              <a:rPr lang="it-IT" sz="1500" dirty="0"/>
+              <a:t>presente una correlazione tra il numero di Acquisti/Download ed il tempo medio che gli utenti passano nel Videogioco</a:t>
+            </a:r>
+          </a:p>
+          <a:p>
+            <a:endParaRPr lang="it-IT" sz="1500" dirty="0">
               <a:solidFill>
                 <a:srgbClr val="C7D5E0"/>
               </a:solidFill>
@@ -9673,19 +7283,11 @@
           </a:p>
           <a:p>
             <a:r>
-              <a:rPr lang="en-US" sz="1500" dirty="0"/>
-              <a:t>Si </a:t>
-            </a:r>
-            <a:r>
-              <a:rPr lang="en-US" sz="1500" dirty="0" err="1"/>
-              <a:t>tratta</a:t>
-            </a:r>
-            <a:r>
-              <a:rPr lang="en-US" sz="1500" dirty="0"/>
-              <a:t> di un </a:t>
-            </a:r>
-            <a:r>
-              <a:rPr lang="en-US" sz="1500" dirty="0" err="1">
+              <a:rPr lang="it-IT" sz="1500" dirty="0"/>
+              <a:t>Si tratta di un </a:t>
+            </a:r>
+            <a:r>
+              <a:rPr lang="it-IT" sz="1500" dirty="0">
                 <a:solidFill>
                   <a:srgbClr val="66C0F4"/>
                 </a:solidFill>
@@ -9693,7 +7295,7 @@
               <a:t>classificatore</a:t>
             </a:r>
             <a:r>
-              <a:rPr lang="en-US" sz="1500" dirty="0">
+              <a:rPr lang="it-IT" sz="1500" dirty="0">
                 <a:solidFill>
                   <a:srgbClr val="C7D5E0"/>
                 </a:solidFill>
@@ -9701,112 +7303,20 @@
               <a:t> </a:t>
             </a:r>
             <a:r>
-              <a:rPr lang="en-US" sz="1500" dirty="0" err="1"/>
-              <a:t>che</a:t>
-            </a:r>
-            <a:r>
-              <a:rPr lang="en-US" sz="1500" dirty="0"/>
-              <a:t> se </a:t>
-            </a:r>
-            <a:r>
-              <a:rPr lang="en-US" sz="1500" dirty="0" err="1">
+              <a:rPr lang="it-IT" sz="1500" dirty="0"/>
+              <a:t>che se </a:t>
+            </a:r>
+            <a:r>
+              <a:rPr lang="it-IT" sz="1500" dirty="0">
                 <a:solidFill>
                   <a:srgbClr val="66C0F4"/>
                 </a:solidFill>
               </a:rPr>
-              <a:t>unito</a:t>
-            </a:r>
-            <a:r>
-              <a:rPr lang="en-US" sz="1500" dirty="0">
-                <a:solidFill>
-                  <a:srgbClr val="66C0F4"/>
-                </a:solidFill>
-              </a:rPr>
-              <a:t> al </a:t>
-            </a:r>
-            <a:r>
-              <a:rPr lang="en-US" sz="1500" dirty="0" err="1">
-                <a:solidFill>
-                  <a:srgbClr val="66C0F4"/>
-                </a:solidFill>
-              </a:rPr>
-              <a:t>numero</a:t>
-            </a:r>
-            <a:r>
-              <a:rPr lang="en-US" sz="1500" dirty="0">
-                <a:solidFill>
-                  <a:srgbClr val="66C0F4"/>
-                </a:solidFill>
-              </a:rPr>
-              <a:t> di Download </a:t>
-            </a:r>
-            <a:r>
-              <a:rPr lang="en-US" sz="1500" dirty="0"/>
-              <a:t>ci </a:t>
-            </a:r>
-            <a:r>
-              <a:rPr lang="en-US" sz="1500" dirty="0" err="1"/>
-              <a:t>fornisce</a:t>
-            </a:r>
-            <a:r>
-              <a:rPr lang="en-US" sz="1500" dirty="0"/>
-              <a:t> </a:t>
-            </a:r>
-            <a:r>
-              <a:rPr lang="en-US" sz="1500" dirty="0" err="1"/>
-              <a:t>una</a:t>
-            </a:r>
-            <a:r>
-              <a:rPr lang="en-US" sz="1500" dirty="0"/>
-              <a:t> </a:t>
-            </a:r>
-            <a:r>
-              <a:rPr lang="en-US" sz="1500" dirty="0" err="1"/>
-              <a:t>stima</a:t>
-            </a:r>
-            <a:r>
-              <a:rPr lang="en-US" sz="1500" dirty="0"/>
-              <a:t> </a:t>
-            </a:r>
-            <a:r>
-              <a:rPr lang="en-US" sz="1500" dirty="0" err="1"/>
-              <a:t>migliore</a:t>
-            </a:r>
-            <a:r>
-              <a:rPr lang="en-US" sz="1500" dirty="0"/>
-              <a:t> del </a:t>
-            </a:r>
-            <a:r>
-              <a:rPr lang="en-US" sz="1500" dirty="0" err="1"/>
-              <a:t>successo</a:t>
-            </a:r>
-            <a:r>
-              <a:rPr lang="en-US" sz="1500" dirty="0"/>
-              <a:t> </a:t>
-            </a:r>
-            <a:r>
-              <a:rPr lang="en-US" sz="1500" dirty="0" err="1"/>
-              <a:t>economico</a:t>
-            </a:r>
-            <a:r>
-              <a:rPr lang="en-US" sz="1500" dirty="0"/>
-              <a:t> </a:t>
-            </a:r>
-            <a:r>
-              <a:rPr lang="en-US" sz="1500" dirty="0" err="1"/>
-              <a:t>dei</a:t>
-            </a:r>
-            <a:r>
-              <a:rPr lang="en-US" sz="1500" dirty="0"/>
-              <a:t> </a:t>
-            </a:r>
-            <a:r>
-              <a:rPr lang="en-US" sz="1500" dirty="0" err="1"/>
-              <a:t>Videogiochi</a:t>
-            </a:r>
-            <a:r>
-              <a:rPr lang="en-US" sz="1500" dirty="0"/>
-              <a:t> F2P</a:t>
+              <a:t>unito al numero di Download </a:t>
+            </a:r>
+            <a:r>
+              <a:rPr lang="it-IT" sz="1500" dirty="0"/>
+              <a:t>ci fornisce una stima migliore del successo economico dei Videogiochi F2P</a:t>
             </a:r>
           </a:p>
         </p:txBody>
@@ -9963,87 +7473,21 @@
               <a:buAutoNum type="arabicPeriod" startAt="4"/>
             </a:pPr>
             <a:r>
-              <a:rPr lang="en-US" sz="2000" dirty="0" err="1">
+              <a:rPr lang="it-IT" sz="2000" dirty="0">
                 <a:cs typeface="Arial" panose="020B0604020202020204" pitchFamily="34" charset="0"/>
               </a:rPr>
-              <a:t>Scelta</a:t>
-            </a:r>
-            <a:r>
-              <a:rPr lang="en-US" sz="2000" dirty="0">
+              <a:t>Scelta di un classificatore del successo nell’epoca dei videogiochi </a:t>
+            </a:r>
+            <a:r>
+              <a:rPr lang="it-IT" sz="2000" dirty="0">
+                <a:solidFill>
+                  <a:srgbClr val="66C0F4"/>
+                </a:solidFill>
                 <a:cs typeface="Arial" panose="020B0604020202020204" pitchFamily="34" charset="0"/>
               </a:rPr>
-              <a:t> di un </a:t>
-            </a:r>
-            <a:r>
-              <a:rPr lang="en-US" sz="2000" dirty="0" err="1">
-                <a:cs typeface="Arial" panose="020B0604020202020204" pitchFamily="34" charset="0"/>
-              </a:rPr>
-              <a:t>classificatore</a:t>
-            </a:r>
-            <a:r>
-              <a:rPr lang="en-US" sz="2000" dirty="0">
-                <a:cs typeface="Arial" panose="020B0604020202020204" pitchFamily="34" charset="0"/>
-              </a:rPr>
-              <a:t> del </a:t>
-            </a:r>
-            <a:r>
-              <a:rPr lang="en-US" sz="2000" dirty="0" err="1">
-                <a:cs typeface="Arial" panose="020B0604020202020204" pitchFamily="34" charset="0"/>
-              </a:rPr>
-              <a:t>successo</a:t>
-            </a:r>
-            <a:r>
-              <a:rPr lang="en-US" sz="2000" dirty="0">
-                <a:cs typeface="Arial" panose="020B0604020202020204" pitchFamily="34" charset="0"/>
-              </a:rPr>
-              <a:t> </a:t>
-            </a:r>
-            <a:r>
-              <a:rPr lang="en-US" sz="2000" dirty="0" err="1">
-                <a:cs typeface="Arial" panose="020B0604020202020204" pitchFamily="34" charset="0"/>
-              </a:rPr>
-              <a:t>nell’epoca</a:t>
-            </a:r>
-            <a:r>
-              <a:rPr lang="en-US" sz="2000" dirty="0">
-                <a:cs typeface="Arial" panose="020B0604020202020204" pitchFamily="34" charset="0"/>
-              </a:rPr>
-              <a:t> </a:t>
-            </a:r>
-            <a:r>
-              <a:rPr lang="en-US" sz="2000" dirty="0" err="1">
-                <a:cs typeface="Arial" panose="020B0604020202020204" pitchFamily="34" charset="0"/>
-              </a:rPr>
-              <a:t>dei</a:t>
-            </a:r>
-            <a:r>
-              <a:rPr lang="en-US" sz="2000" dirty="0">
-                <a:cs typeface="Arial" panose="020B0604020202020204" pitchFamily="34" charset="0"/>
-              </a:rPr>
-              <a:t> </a:t>
-            </a:r>
-            <a:r>
-              <a:rPr lang="en-US" sz="2000" dirty="0" err="1">
-                <a:cs typeface="Arial" panose="020B0604020202020204" pitchFamily="34" charset="0"/>
-              </a:rPr>
-              <a:t>videogiochi</a:t>
-            </a:r>
-            <a:r>
-              <a:rPr lang="en-US" sz="2000" dirty="0">
-                <a:cs typeface="Arial" panose="020B0604020202020204" pitchFamily="34" charset="0"/>
-              </a:rPr>
-              <a:t> </a:t>
-            </a:r>
-            <a:r>
-              <a:rPr lang="en-US" sz="2000" dirty="0">
-                <a:solidFill>
-                  <a:srgbClr val="66C0F4"/>
-                </a:solidFill>
-                <a:cs typeface="Arial" panose="020B0604020202020204" pitchFamily="34" charset="0"/>
-              </a:rPr>
               <a:t>Free2Play</a:t>
             </a:r>
-            <a:endParaRPr lang="en-US" sz="2000" dirty="0">
+            <a:endParaRPr lang="it-IT" sz="2000" dirty="0">
               <a:solidFill>
                 <a:srgbClr val="C7D5E0"/>
               </a:solidFill>
@@ -10059,7 +7503,7 @@
               <a:buFont typeface="+mj-lt"/>
               <a:buAutoNum type="arabicPeriod" startAt="4"/>
             </a:pPr>
-            <a:endParaRPr lang="en-US" sz="2000" dirty="0">
+            <a:endParaRPr lang="it-IT" sz="2000" dirty="0">
               <a:solidFill>
                 <a:srgbClr val="66C0F4"/>
               </a:solidFill>
@@ -10076,142 +7520,43 @@
               <a:buAutoNum type="arabicPeriod" startAt="4"/>
             </a:pPr>
             <a:r>
-              <a:rPr lang="en-US" sz="2000" dirty="0" err="1">
+              <a:rPr lang="it-IT" sz="2000" dirty="0">
                 <a:solidFill>
                   <a:srgbClr val="66C0F4"/>
                 </a:solidFill>
                 <a:cs typeface="Arial" panose="020B0604020202020204" pitchFamily="34" charset="0"/>
               </a:rPr>
-              <a:t>L’indice</a:t>
-            </a:r>
-            <a:r>
-              <a:rPr lang="en-US" sz="2000" dirty="0">
+              <a:t>L’indice di gradimento </a:t>
+            </a:r>
+            <a:r>
+              <a:rPr lang="it-IT" sz="2000" dirty="0">
+                <a:cs typeface="Arial" panose="020B0604020202020204" pitchFamily="34" charset="0"/>
+              </a:rPr>
+              <a:t>di un gioco e la sua accuratezza nel descrivere il </a:t>
+            </a:r>
+            <a:r>
+              <a:rPr lang="it-IT" sz="2000" dirty="0">
                 <a:solidFill>
                   <a:srgbClr val="66C0F4"/>
                 </a:solidFill>
                 <a:cs typeface="Arial" panose="020B0604020202020204" pitchFamily="34" charset="0"/>
               </a:rPr>
-              <a:t> di </a:t>
-            </a:r>
-            <a:r>
-              <a:rPr lang="en-US" sz="2000" dirty="0" err="1">
-                <a:solidFill>
-                  <a:srgbClr val="66C0F4"/>
+              <a:t>successo</a:t>
+            </a:r>
+            <a:r>
+              <a:rPr lang="it-IT" sz="2000" dirty="0">
+                <a:solidFill>
+                  <a:srgbClr val="C7D5E0"/>
                 </a:solidFill>
                 <a:cs typeface="Arial" panose="020B0604020202020204" pitchFamily="34" charset="0"/>
               </a:rPr>
-              <a:t>gradimento</a:t>
-            </a:r>
-            <a:r>
-              <a:rPr lang="en-US" sz="2000" dirty="0">
-                <a:solidFill>
-                  <a:srgbClr val="66C0F4"/>
-                </a:solidFill>
+              <a:t> </a:t>
+            </a:r>
+            <a:r>
+              <a:rPr lang="it-IT" sz="2000" dirty="0">
                 <a:cs typeface="Arial" panose="020B0604020202020204" pitchFamily="34" charset="0"/>
               </a:rPr>
-              <a:t> </a:t>
-            </a:r>
-            <a:r>
-              <a:rPr lang="en-US" sz="2000" dirty="0">
-                <a:cs typeface="Arial" panose="020B0604020202020204" pitchFamily="34" charset="0"/>
-              </a:rPr>
-              <a:t>di un </a:t>
-            </a:r>
-            <a:r>
-              <a:rPr lang="en-US" sz="2000" dirty="0" err="1">
-                <a:cs typeface="Arial" panose="020B0604020202020204" pitchFamily="34" charset="0"/>
-              </a:rPr>
-              <a:t>gioco</a:t>
-            </a:r>
-            <a:r>
-              <a:rPr lang="en-US" sz="2000" dirty="0">
-                <a:cs typeface="Arial" panose="020B0604020202020204" pitchFamily="34" charset="0"/>
-              </a:rPr>
-              <a:t> e la </a:t>
-            </a:r>
-            <a:r>
-              <a:rPr lang="en-US" sz="2000" dirty="0" err="1">
-                <a:cs typeface="Arial" panose="020B0604020202020204" pitchFamily="34" charset="0"/>
-              </a:rPr>
-              <a:t>sua</a:t>
-            </a:r>
-            <a:r>
-              <a:rPr lang="en-US" sz="2000" dirty="0">
-                <a:cs typeface="Arial" panose="020B0604020202020204" pitchFamily="34" charset="0"/>
-              </a:rPr>
-              <a:t> </a:t>
-            </a:r>
-            <a:r>
-              <a:rPr lang="en-US" sz="2000" dirty="0" err="1">
-                <a:cs typeface="Arial" panose="020B0604020202020204" pitchFamily="34" charset="0"/>
-              </a:rPr>
-              <a:t>accuratezza</a:t>
-            </a:r>
-            <a:r>
-              <a:rPr lang="en-US" sz="2000" dirty="0">
-                <a:cs typeface="Arial" panose="020B0604020202020204" pitchFamily="34" charset="0"/>
-              </a:rPr>
-              <a:t> </a:t>
-            </a:r>
-            <a:r>
-              <a:rPr lang="en-US" sz="2000" dirty="0" err="1">
-                <a:cs typeface="Arial" panose="020B0604020202020204" pitchFamily="34" charset="0"/>
-              </a:rPr>
-              <a:t>nel</a:t>
-            </a:r>
-            <a:r>
-              <a:rPr lang="en-US" sz="2000" dirty="0">
-                <a:cs typeface="Arial" panose="020B0604020202020204" pitchFamily="34" charset="0"/>
-              </a:rPr>
-              <a:t> </a:t>
-            </a:r>
-            <a:r>
-              <a:rPr lang="en-US" sz="2000" dirty="0" err="1">
-                <a:cs typeface="Arial" panose="020B0604020202020204" pitchFamily="34" charset="0"/>
-              </a:rPr>
-              <a:t>descrivere</a:t>
-            </a:r>
-            <a:r>
-              <a:rPr lang="en-US" sz="2000" dirty="0">
-                <a:cs typeface="Arial" panose="020B0604020202020204" pitchFamily="34" charset="0"/>
-              </a:rPr>
-              <a:t> il </a:t>
-            </a:r>
-            <a:r>
-              <a:rPr lang="en-US" sz="2000" dirty="0" err="1">
-                <a:solidFill>
-                  <a:srgbClr val="66C0F4"/>
-                </a:solidFill>
-                <a:cs typeface="Arial" panose="020B0604020202020204" pitchFamily="34" charset="0"/>
-              </a:rPr>
-              <a:t>successo</a:t>
-            </a:r>
-            <a:r>
-              <a:rPr lang="en-US" sz="2000" dirty="0">
-                <a:solidFill>
-                  <a:srgbClr val="C7D5E0"/>
-                </a:solidFill>
-                <a:cs typeface="Arial" panose="020B0604020202020204" pitchFamily="34" charset="0"/>
-              </a:rPr>
-              <a:t> </a:t>
-            </a:r>
-            <a:r>
-              <a:rPr lang="en-US" sz="2000" dirty="0">
-                <a:cs typeface="Arial" panose="020B0604020202020204" pitchFamily="34" charset="0"/>
-              </a:rPr>
-              <a:t>di un </a:t>
-            </a:r>
-            <a:r>
-              <a:rPr lang="en-US" sz="2000" dirty="0" err="1">
-                <a:cs typeface="Arial" panose="020B0604020202020204" pitchFamily="34" charset="0"/>
-              </a:rPr>
-              <a:t>gioco</a:t>
-            </a:r>
-            <a:r>
-              <a:rPr lang="en-US" sz="2000" dirty="0">
-                <a:cs typeface="Arial" panose="020B0604020202020204" pitchFamily="34" charset="0"/>
-              </a:rPr>
-              <a:t> </a:t>
+              <a:t>di un gioco </a:t>
             </a:r>
           </a:p>
           <a:p>
@@ -10223,7 +7568,7 @@
               <a:buFont typeface="+mj-lt"/>
               <a:buAutoNum type="arabicPeriod" startAt="4"/>
             </a:pPr>
-            <a:endParaRPr lang="en-US" sz="2000" dirty="0">
+            <a:endParaRPr lang="it-IT" sz="2000" dirty="0">
               <a:solidFill>
                 <a:srgbClr val="66C0F4"/>
               </a:solidFill>
@@ -10240,122 +7585,44 @@
               <a:buAutoNum type="arabicPeriod" startAt="4"/>
             </a:pPr>
             <a:r>
-              <a:rPr lang="en-US" sz="2000" dirty="0">
+              <a:rPr lang="it-IT" sz="2000" dirty="0">
                 <a:cs typeface="Arial" panose="020B0604020202020204" pitchFamily="34" charset="0"/>
               </a:rPr>
-              <a:t>Le </a:t>
-            </a:r>
-            <a:r>
-              <a:rPr lang="en-US" sz="2000" dirty="0" err="1">
+              <a:t>Le caratteristiche dei giochi di maggior </a:t>
+            </a:r>
+            <a:r>
+              <a:rPr lang="it-IT" sz="2000" dirty="0">
+                <a:solidFill>
+                  <a:srgbClr val="66C0F4"/>
+                </a:solidFill>
                 <a:cs typeface="Arial" panose="020B0604020202020204" pitchFamily="34" charset="0"/>
               </a:rPr>
-              <a:t>caratteristiche</a:t>
-            </a:r>
-            <a:r>
-              <a:rPr lang="en-US" sz="2000" dirty="0">
+              <a:t>successo</a:t>
+            </a:r>
+            <a:r>
+              <a:rPr lang="it-IT" sz="2000" dirty="0">
+                <a:solidFill>
+                  <a:srgbClr val="C7D5E0"/>
+                </a:solidFill>
                 <a:cs typeface="Arial" panose="020B0604020202020204" pitchFamily="34" charset="0"/>
               </a:rPr>
               <a:t> </a:t>
             </a:r>
             <a:r>
-              <a:rPr lang="en-US" sz="2000" dirty="0" err="1">
+              <a:rPr lang="it-IT" sz="2000" dirty="0">
                 <a:cs typeface="Arial" panose="020B0604020202020204" pitchFamily="34" charset="0"/>
               </a:rPr>
-              <a:t>dei</a:t>
-            </a:r>
-            <a:r>
-              <a:rPr lang="en-US" sz="2000" dirty="0">
+              <a:t>e la possibilitàdi una </a:t>
+            </a:r>
+            <a:r>
+              <a:rPr lang="it-IT" sz="2000" dirty="0">
+                <a:solidFill>
+                  <a:srgbClr val="66C0F4"/>
+                </a:solidFill>
                 <a:cs typeface="Arial" panose="020B0604020202020204" pitchFamily="34" charset="0"/>
               </a:rPr>
-              <a:t> </a:t>
-            </a:r>
-            <a:r>
-              <a:rPr lang="en-US" sz="2000" dirty="0" err="1">
-                <a:cs typeface="Arial" panose="020B0604020202020204" pitchFamily="34" charset="0"/>
-              </a:rPr>
-              <a:t>giochi</a:t>
-            </a:r>
-            <a:r>
-              <a:rPr lang="en-US" sz="2000" dirty="0">
-                <a:cs typeface="Arial" panose="020B0604020202020204" pitchFamily="34" charset="0"/>
-              </a:rPr>
-              <a:t> di </a:t>
-            </a:r>
-            <a:r>
-              <a:rPr lang="en-US" sz="2000" dirty="0" err="1">
-                <a:cs typeface="Arial" panose="020B0604020202020204" pitchFamily="34" charset="0"/>
-              </a:rPr>
-              <a:t>maggior</a:t>
-            </a:r>
-            <a:r>
-              <a:rPr lang="en-US" sz="2000" dirty="0">
-                <a:cs typeface="Arial" panose="020B0604020202020204" pitchFamily="34" charset="0"/>
-              </a:rPr>
-              <a:t> </a:t>
-            </a:r>
-            <a:r>
-              <a:rPr lang="en-US" sz="2000" dirty="0" err="1">
-                <a:solidFill>
-                  <a:srgbClr val="66C0F4"/>
-                </a:solidFill>
-                <a:cs typeface="Arial" panose="020B0604020202020204" pitchFamily="34" charset="0"/>
-              </a:rPr>
-              <a:t>successo</a:t>
-            </a:r>
-            <a:r>
-              <a:rPr lang="en-US" sz="2000" dirty="0">
-                <a:solidFill>
-                  <a:srgbClr val="C7D5E0"/>
-                </a:solidFill>
-                <a:cs typeface="Arial" panose="020B0604020202020204" pitchFamily="34" charset="0"/>
-              </a:rPr>
-              <a:t> </a:t>
-            </a:r>
-            <a:r>
-              <a:rPr lang="en-US" sz="2000" dirty="0">
-                <a:cs typeface="Arial" panose="020B0604020202020204" pitchFamily="34" charset="0"/>
-              </a:rPr>
-              <a:t>e la </a:t>
-            </a:r>
-            <a:r>
-              <a:rPr lang="en-US" sz="2000" dirty="0" err="1">
-                <a:cs typeface="Arial" panose="020B0604020202020204" pitchFamily="34" charset="0"/>
-              </a:rPr>
-              <a:t>possibilitàdi</a:t>
-            </a:r>
-            <a:r>
-              <a:rPr lang="en-US" sz="2000" dirty="0">
-                <a:cs typeface="Arial" panose="020B0604020202020204" pitchFamily="34" charset="0"/>
-              </a:rPr>
-              <a:t> </a:t>
-            </a:r>
-            <a:r>
-              <a:rPr lang="en-US" sz="2000" dirty="0" err="1">
-                <a:cs typeface="Arial" panose="020B0604020202020204" pitchFamily="34" charset="0"/>
-              </a:rPr>
-              <a:t>una</a:t>
-            </a:r>
-            <a:r>
-              <a:rPr lang="en-US" sz="2000" dirty="0">
-                <a:cs typeface="Arial" panose="020B0604020202020204" pitchFamily="34" charset="0"/>
-              </a:rPr>
-              <a:t> </a:t>
-            </a:r>
-            <a:r>
-              <a:rPr lang="en-US" sz="2000" dirty="0" err="1">
-                <a:solidFill>
-                  <a:srgbClr val="66C0F4"/>
-                </a:solidFill>
-                <a:cs typeface="Arial" panose="020B0604020202020204" pitchFamily="34" charset="0"/>
-              </a:rPr>
               <a:t>previsione</a:t>
             </a:r>
-            <a:endParaRPr lang="en-US" sz="2000" dirty="0">
-              <a:solidFill>
-                <a:srgbClr val="66C0F4"/>
-              </a:solidFill>
-              <a:cs typeface="Arial" panose="020B0604020202020204" pitchFamily="34" charset="0"/>
-            </a:endParaRPr>
           </a:p>
         </p:txBody>
       </p:sp>
@@ -10396,7 +7663,7 @@
               <a:buAutoNum type="arabicPeriod"/>
             </a:pPr>
             <a:r>
-              <a:rPr lang="en-US" sz="2000" dirty="0" err="1">
+              <a:rPr lang="it-IT" sz="2000" dirty="0">
                 <a:solidFill>
                   <a:srgbClr val="66C0F4"/>
                 </a:solidFill>
@@ -10405,7 +7672,7 @@
               <a:t>Analisi</a:t>
             </a:r>
             <a:r>
-              <a:rPr lang="en-US" sz="2000" dirty="0">
+              <a:rPr lang="it-IT" sz="2000" dirty="0">
                 <a:solidFill>
                   <a:srgbClr val="C7D5E0"/>
                 </a:solidFill>
@@ -10414,101 +7681,44 @@
               <a:t> </a:t>
             </a:r>
             <a:r>
-              <a:rPr lang="en-US" sz="2000" dirty="0" err="1">
+              <a:rPr lang="it-IT" sz="2000" dirty="0">
                 <a:cs typeface="Arial" panose="020B0604020202020204" pitchFamily="34" charset="0"/>
               </a:rPr>
-              <a:t>della</a:t>
-            </a:r>
-            <a:r>
-              <a:rPr lang="en-US" sz="2000" dirty="0">
+              <a:t>della crescita del</a:t>
+            </a:r>
+            <a:r>
+              <a:rPr lang="it-IT" sz="2000" dirty="0">
+                <a:solidFill>
+                  <a:srgbClr val="C7D5E0"/>
+                </a:solidFill>
                 <a:cs typeface="Arial" panose="020B0604020202020204" pitchFamily="34" charset="0"/>
               </a:rPr>
               <a:t> </a:t>
             </a:r>
             <a:r>
-              <a:rPr lang="en-US" sz="2000" dirty="0" err="1">
+              <a:rPr lang="it-IT" sz="2000" dirty="0">
+                <a:solidFill>
+                  <a:srgbClr val="66C0F4"/>
+                </a:solidFill>
                 <a:cs typeface="Arial" panose="020B0604020202020204" pitchFamily="34" charset="0"/>
               </a:rPr>
-              <a:t>crescita</a:t>
-            </a:r>
-            <a:r>
-              <a:rPr lang="en-US" sz="2000" dirty="0">
+              <a:t>mercato</a:t>
+            </a:r>
+            <a:r>
+              <a:rPr lang="it-IT" sz="2000" dirty="0">
+                <a:solidFill>
+                  <a:srgbClr val="C7D5E0"/>
+                </a:solidFill>
                 <a:cs typeface="Arial" panose="020B0604020202020204" pitchFamily="34" charset="0"/>
               </a:rPr>
-              <a:t> del</a:t>
-            </a:r>
-            <a:r>
-              <a:rPr lang="en-US" sz="2000" dirty="0">
-                <a:solidFill>
-                  <a:srgbClr val="C7D5E0"/>
-                </a:solidFill>
+              <a:t> </a:t>
+            </a:r>
+            <a:r>
+              <a:rPr lang="it-IT" sz="2000" dirty="0">
                 <a:cs typeface="Arial" panose="020B0604020202020204" pitchFamily="34" charset="0"/>
               </a:rPr>
-              <a:t> </a:t>
-            </a:r>
-            <a:r>
-              <a:rPr lang="en-US" sz="2000" dirty="0" err="1">
-                <a:solidFill>
-                  <a:srgbClr val="66C0F4"/>
-                </a:solidFill>
-                <a:cs typeface="Arial" panose="020B0604020202020204" pitchFamily="34" charset="0"/>
-              </a:rPr>
-              <a:t>mercato</a:t>
-            </a:r>
-            <a:r>
-              <a:rPr lang="en-US" sz="2000" dirty="0">
-                <a:solidFill>
-                  <a:srgbClr val="C7D5E0"/>
-                </a:solidFill>
-                <a:cs typeface="Arial" panose="020B0604020202020204" pitchFamily="34" charset="0"/>
-              </a:rPr>
-              <a:t> </a:t>
-            </a:r>
-            <a:r>
-              <a:rPr lang="en-US" sz="2000" dirty="0" err="1">
-                <a:cs typeface="Arial" panose="020B0604020202020204" pitchFamily="34" charset="0"/>
-              </a:rPr>
-              <a:t>videoludico</a:t>
-            </a:r>
-            <a:r>
-              <a:rPr lang="en-US" sz="2000" dirty="0">
-                <a:cs typeface="Arial" panose="020B0604020202020204" pitchFamily="34" charset="0"/>
-              </a:rPr>
-              <a:t> e del </a:t>
-            </a:r>
-            <a:r>
-              <a:rPr lang="en-US" sz="2000" dirty="0" err="1">
-                <a:cs typeface="Arial" panose="020B0604020202020204" pitchFamily="34" charset="0"/>
-              </a:rPr>
-              <a:t>prezzo</a:t>
-            </a:r>
-            <a:r>
-              <a:rPr lang="en-US" sz="2000" dirty="0">
-                <a:cs typeface="Arial" panose="020B0604020202020204" pitchFamily="34" charset="0"/>
-              </a:rPr>
-              <a:t> </a:t>
-            </a:r>
-            <a:r>
-              <a:rPr lang="en-US" sz="2000" dirty="0" err="1">
-                <a:cs typeface="Arial" panose="020B0604020202020204" pitchFamily="34" charset="0"/>
-              </a:rPr>
-              <a:t>dei</a:t>
-            </a:r>
-            <a:r>
-              <a:rPr lang="en-US" sz="2000" dirty="0">
-                <a:cs typeface="Arial" panose="020B0604020202020204" pitchFamily="34" charset="0"/>
-              </a:rPr>
-              <a:t> </a:t>
-            </a:r>
-            <a:r>
-              <a:rPr lang="en-US" sz="2000" dirty="0" err="1">
-                <a:cs typeface="Arial" panose="020B0604020202020204" pitchFamily="34" charset="0"/>
-              </a:rPr>
-              <a:t>videogiochi</a:t>
-            </a:r>
-            <a:endParaRPr lang="en-US" sz="2000" dirty="0">
-              <a:cs typeface="Arial" panose="020B0604020202020204" pitchFamily="34" charset="0"/>
-            </a:endParaRPr>
+              <a:t>videoludico e del prezzo dei videogiochi</a:t>
+            </a:r>
           </a:p>
           <a:p>
             <a:pPr marL="342900" indent="-342900">
@@ -10519,7 +7729,7 @@
               <a:buFont typeface="+mj-lt"/>
               <a:buAutoNum type="arabicPeriod"/>
             </a:pPr>
-            <a:endParaRPr lang="en-US" sz="2000" dirty="0">
+            <a:endParaRPr lang="it-IT" sz="2000" dirty="0">
               <a:solidFill>
                 <a:srgbClr val="66C0F4"/>
               </a:solidFill>
@@ -10536,7 +7746,7 @@
               <a:buAutoNum type="arabicPeriod"/>
             </a:pPr>
             <a:r>
-              <a:rPr lang="en-US" sz="2000" dirty="0">
+              <a:rPr lang="it-IT" sz="2000" dirty="0">
                 <a:solidFill>
                   <a:srgbClr val="66C0F4"/>
                 </a:solidFill>
@@ -10545,7 +7755,7 @@
               <a:t>Single-Player</a:t>
             </a:r>
             <a:r>
-              <a:rPr lang="en-US" sz="2000" dirty="0">
+              <a:rPr lang="it-IT" sz="2000" dirty="0">
                 <a:solidFill>
                   <a:srgbClr val="C7D5E0"/>
                 </a:solidFill>
@@ -10554,7 +7764,7 @@
               <a:t> o </a:t>
             </a:r>
             <a:r>
-              <a:rPr lang="en-US" sz="2000" dirty="0">
+              <a:rPr lang="it-IT" sz="2000" dirty="0">
                 <a:solidFill>
                   <a:srgbClr val="66C0F4"/>
                 </a:solidFill>
@@ -10563,7 +7773,7 @@
               <a:t>Multi-Player</a:t>
             </a:r>
             <a:r>
-              <a:rPr lang="en-US" sz="2000" dirty="0">
+              <a:rPr lang="it-IT" sz="2000" dirty="0">
                 <a:solidFill>
                   <a:srgbClr val="C7D5E0"/>
                 </a:solidFill>
@@ -10572,158 +7782,59 @@
               <a:t>: </a:t>
             </a:r>
             <a:r>
-              <a:rPr lang="en-US" sz="2000" dirty="0" err="1">
+              <a:rPr lang="it-IT" sz="2000" dirty="0">
                 <a:cs typeface="Arial" panose="020B0604020202020204" pitchFamily="34" charset="0"/>
               </a:rPr>
-              <a:t>L’importanza</a:t>
-            </a:r>
-            <a:r>
-              <a:rPr lang="en-US" sz="2000" dirty="0">
+              <a:t>L’importanza della componente </a:t>
+            </a:r>
+            <a:r>
+              <a:rPr lang="it-IT" sz="2000" dirty="0">
+                <a:solidFill>
+                  <a:srgbClr val="66C0F4"/>
+                </a:solidFill>
                 <a:cs typeface="Arial" panose="020B0604020202020204" pitchFamily="34" charset="0"/>
               </a:rPr>
+              <a:t>interpersonale</a:t>
+            </a:r>
+            <a:r>
+              <a:rPr lang="it-IT" sz="2000" dirty="0">
+                <a:solidFill>
+                  <a:srgbClr val="C7D5E0"/>
+                </a:solidFill>
+                <a:cs typeface="Arial" panose="020B0604020202020204" pitchFamily="34" charset="0"/>
+              </a:rPr>
               <a:t> </a:t>
             </a:r>
             <a:r>
-              <a:rPr lang="en-US" sz="2000" dirty="0" err="1">
+              <a:rPr lang="it-IT" sz="2000" dirty="0">
                 <a:cs typeface="Arial" panose="020B0604020202020204" pitchFamily="34" charset="0"/>
               </a:rPr>
-              <a:t>della</a:t>
-            </a:r>
-            <a:r>
-              <a:rPr lang="en-US" sz="2000" dirty="0">
+              <a:t>nei videogiochi e l’impatto del </a:t>
+            </a:r>
+            <a:r>
+              <a:rPr lang="it-IT" sz="2000" dirty="0">
+                <a:solidFill>
+                  <a:srgbClr val="66C0F4"/>
+                </a:solidFill>
                 <a:cs typeface="Arial" panose="020B0604020202020204" pitchFamily="34" charset="0"/>
               </a:rPr>
+              <a:t>Covid19</a:t>
+            </a:r>
+            <a:r>
+              <a:rPr lang="it-IT" sz="2000" dirty="0">
+                <a:solidFill>
+                  <a:srgbClr val="C7D5E0"/>
+                </a:solidFill>
+                <a:cs typeface="Arial" panose="020B0604020202020204" pitchFamily="34" charset="0"/>
+              </a:rPr>
               <a:t> </a:t>
             </a:r>
             <a:r>
-              <a:rPr lang="en-US" sz="2000" dirty="0" err="1">
+              <a:rPr lang="it-IT" sz="2000" dirty="0">
                 <a:cs typeface="Arial" panose="020B0604020202020204" pitchFamily="34" charset="0"/>
               </a:rPr>
-              <a:t>componente</a:t>
-            </a:r>
-            <a:r>
-              <a:rPr lang="en-US" sz="2000" dirty="0">
-                <a:cs typeface="Arial" panose="020B0604020202020204" pitchFamily="34" charset="0"/>
-              </a:rPr>
-              <a:t> </a:t>
-            </a:r>
-            <a:r>
-              <a:rPr lang="en-US" sz="2000" dirty="0" err="1">
-                <a:solidFill>
-                  <a:srgbClr val="66C0F4"/>
-                </a:solidFill>
-                <a:cs typeface="Arial" panose="020B0604020202020204" pitchFamily="34" charset="0"/>
-              </a:rPr>
-              <a:t>interpersonale</a:t>
-            </a:r>
-            <a:r>
-              <a:rPr lang="en-US" sz="2000" dirty="0">
-                <a:solidFill>
-                  <a:srgbClr val="C7D5E0"/>
-                </a:solidFill>
-                <a:cs typeface="Arial" panose="020B0604020202020204" pitchFamily="34" charset="0"/>
-              </a:rPr>
-              <a:t> </a:t>
-            </a:r>
-            <a:r>
-              <a:rPr lang="en-US" sz="2000" dirty="0" err="1">
-                <a:cs typeface="Arial" panose="020B0604020202020204" pitchFamily="34" charset="0"/>
-              </a:rPr>
-              <a:t>nei</a:t>
-            </a:r>
-            <a:r>
-              <a:rPr lang="en-US" sz="2000" dirty="0">
-                <a:cs typeface="Arial" panose="020B0604020202020204" pitchFamily="34" charset="0"/>
-              </a:rPr>
-              <a:t> </a:t>
-            </a:r>
-            <a:r>
-              <a:rPr lang="en-US" sz="2000" dirty="0" err="1">
-                <a:cs typeface="Arial" panose="020B0604020202020204" pitchFamily="34" charset="0"/>
-              </a:rPr>
-              <a:t>videogiochi</a:t>
-            </a:r>
-            <a:r>
-              <a:rPr lang="en-US" sz="2000" dirty="0">
-                <a:cs typeface="Arial" panose="020B0604020202020204" pitchFamily="34" charset="0"/>
-              </a:rPr>
-              <a:t> e </a:t>
-            </a:r>
-            <a:r>
-              <a:rPr lang="en-US" sz="2000" dirty="0" err="1">
-                <a:cs typeface="Arial" panose="020B0604020202020204" pitchFamily="34" charset="0"/>
-              </a:rPr>
-              <a:t>l’impatto</a:t>
-            </a:r>
-            <a:r>
-              <a:rPr lang="en-US" sz="2000" dirty="0">
-                <a:cs typeface="Arial" panose="020B0604020202020204" pitchFamily="34" charset="0"/>
-              </a:rPr>
-              <a:t> del </a:t>
-            </a:r>
-            <a:r>
-              <a:rPr lang="en-US" sz="2000" dirty="0">
-                <a:solidFill>
-                  <a:srgbClr val="66C0F4"/>
-                </a:solidFill>
-                <a:cs typeface="Arial" panose="020B0604020202020204" pitchFamily="34" charset="0"/>
-              </a:rPr>
-              <a:t>Covid19</a:t>
-            </a:r>
-            <a:r>
-              <a:rPr lang="en-US" sz="2000" dirty="0">
-                <a:solidFill>
-                  <a:srgbClr val="C7D5E0"/>
-                </a:solidFill>
-                <a:cs typeface="Arial" panose="020B0604020202020204" pitchFamily="34" charset="0"/>
-              </a:rPr>
-              <a:t> </a:t>
-            </a:r>
-            <a:r>
-              <a:rPr lang="en-US" sz="2000" dirty="0" err="1">
-                <a:cs typeface="Arial" panose="020B0604020202020204" pitchFamily="34" charset="0"/>
-              </a:rPr>
-              <a:t>sulle</a:t>
-            </a:r>
-            <a:r>
-              <a:rPr lang="en-US" sz="2000" dirty="0">
-                <a:cs typeface="Arial" panose="020B0604020202020204" pitchFamily="34" charset="0"/>
-              </a:rPr>
-              <a:t> </a:t>
-            </a:r>
-            <a:r>
-              <a:rPr lang="en-US" sz="2000" dirty="0" err="1">
-                <a:cs typeface="Arial" panose="020B0604020202020204" pitchFamily="34" charset="0"/>
-              </a:rPr>
-              <a:t>scelte</a:t>
-            </a:r>
-            <a:r>
-              <a:rPr lang="en-US" sz="2000" dirty="0">
-                <a:cs typeface="Arial" panose="020B0604020202020204" pitchFamily="34" charset="0"/>
-              </a:rPr>
-              <a:t> </a:t>
-            </a:r>
-            <a:r>
-              <a:rPr lang="en-US" sz="2000" dirty="0" err="1">
-                <a:cs typeface="Arial" panose="020B0604020202020204" pitchFamily="34" charset="0"/>
-              </a:rPr>
-              <a:t>dei</a:t>
-            </a:r>
-            <a:r>
-              <a:rPr lang="en-US" sz="2000" dirty="0">
-                <a:cs typeface="Arial" panose="020B0604020202020204" pitchFamily="34" charset="0"/>
-              </a:rPr>
-              <a:t> </a:t>
-            </a:r>
-            <a:r>
-              <a:rPr lang="en-US" sz="2000" dirty="0" err="1">
-                <a:cs typeface="Arial" panose="020B0604020202020204" pitchFamily="34" charset="0"/>
-              </a:rPr>
-              <a:t>giocatori</a:t>
-            </a:r>
-            <a:endParaRPr lang="en-US" sz="2000" dirty="0">
-              <a:cs typeface="Arial" panose="020B0604020202020204" pitchFamily="34" charset="0"/>
-            </a:endParaRPr>
+              <a:t>sulle scelte dei giocatori</a:t>
+            </a:r>
           </a:p>
           <a:p>
             <a:pPr marL="342900" indent="-342900">
@@ -10734,7 +7845,7 @@
               <a:buFont typeface="+mj-lt"/>
               <a:buAutoNum type="arabicPeriod"/>
             </a:pPr>
-            <a:endParaRPr lang="en-US" sz="2000" dirty="0">
+            <a:endParaRPr lang="it-IT" sz="2000" dirty="0">
               <a:solidFill>
                 <a:srgbClr val="C7D5E0"/>
               </a:solidFill>
@@ -10751,92 +7862,44 @@
               <a:buAutoNum type="arabicPeriod"/>
             </a:pPr>
             <a:r>
-              <a:rPr lang="en-US" sz="2000" dirty="0">
+              <a:rPr lang="it-IT" sz="2000" dirty="0">
                 <a:cs typeface="Arial" panose="020B0604020202020204" pitchFamily="34" charset="0"/>
               </a:rPr>
-              <a:t>La </a:t>
-            </a:r>
-            <a:r>
-              <a:rPr lang="en-US" sz="2000" dirty="0" err="1">
+              <a:t>La distribuzione dei </a:t>
+            </a:r>
+            <a:r>
+              <a:rPr lang="it-IT" sz="2000" dirty="0">
+                <a:solidFill>
+                  <a:srgbClr val="66C0F4"/>
+                </a:solidFill>
                 <a:cs typeface="Arial" panose="020B0604020202020204" pitchFamily="34" charset="0"/>
               </a:rPr>
-              <a:t>distribuzione</a:t>
-            </a:r>
-            <a:r>
-              <a:rPr lang="en-US" sz="2000" dirty="0">
+              <a:t>generi</a:t>
+            </a:r>
+            <a:r>
+              <a:rPr lang="it-IT" sz="2000" dirty="0">
+                <a:solidFill>
+                  <a:srgbClr val="C7D5E0"/>
+                </a:solidFill>
                 <a:cs typeface="Arial" panose="020B0604020202020204" pitchFamily="34" charset="0"/>
               </a:rPr>
               <a:t> </a:t>
             </a:r>
             <a:r>
-              <a:rPr lang="en-US" sz="2000" dirty="0" err="1">
+              <a:rPr lang="it-IT" sz="2000" dirty="0">
                 <a:cs typeface="Arial" panose="020B0604020202020204" pitchFamily="34" charset="0"/>
               </a:rPr>
-              <a:t>dei</a:t>
-            </a:r>
-            <a:r>
-              <a:rPr lang="en-US" sz="2000" dirty="0">
+              <a:t>videoludici e analisi di </a:t>
+            </a:r>
+            <a:r>
+              <a:rPr lang="it-IT" sz="2000" dirty="0">
+                <a:solidFill>
+                  <a:srgbClr val="66C0F4"/>
+                </a:solidFill>
                 <a:cs typeface="Arial" panose="020B0604020202020204" pitchFamily="34" charset="0"/>
               </a:rPr>
-              <a:t> </a:t>
-            </a:r>
-            <a:r>
-              <a:rPr lang="en-US" sz="2000" dirty="0" err="1">
-                <a:solidFill>
-                  <a:srgbClr val="66C0F4"/>
-                </a:solidFill>
-                <a:cs typeface="Arial" panose="020B0604020202020204" pitchFamily="34" charset="0"/>
-              </a:rPr>
-              <a:t>generi</a:t>
-            </a:r>
-            <a:r>
-              <a:rPr lang="en-US" sz="2000" dirty="0">
-                <a:solidFill>
-                  <a:srgbClr val="C7D5E0"/>
-                </a:solidFill>
-                <a:cs typeface="Arial" panose="020B0604020202020204" pitchFamily="34" charset="0"/>
-              </a:rPr>
-              <a:t> </a:t>
-            </a:r>
-            <a:r>
-              <a:rPr lang="en-US" sz="2000" dirty="0" err="1">
-                <a:cs typeface="Arial" panose="020B0604020202020204" pitchFamily="34" charset="0"/>
-              </a:rPr>
-              <a:t>videoludici</a:t>
-            </a:r>
-            <a:r>
-              <a:rPr lang="en-US" sz="2000" dirty="0">
-                <a:cs typeface="Arial" panose="020B0604020202020204" pitchFamily="34" charset="0"/>
-              </a:rPr>
-              <a:t> e </a:t>
-            </a:r>
-            <a:r>
-              <a:rPr lang="en-US" sz="2000" dirty="0" err="1">
-                <a:cs typeface="Arial" panose="020B0604020202020204" pitchFamily="34" charset="0"/>
-              </a:rPr>
-              <a:t>analisi</a:t>
-            </a:r>
-            <a:r>
-              <a:rPr lang="en-US" sz="2000" dirty="0">
-                <a:cs typeface="Arial" panose="020B0604020202020204" pitchFamily="34" charset="0"/>
-              </a:rPr>
-              <a:t> di </a:t>
-            </a:r>
-            <a:r>
-              <a:rPr lang="en-US" sz="2000" dirty="0" err="1">
-                <a:solidFill>
-                  <a:srgbClr val="66C0F4"/>
-                </a:solidFill>
-                <a:cs typeface="Arial" panose="020B0604020202020204" pitchFamily="34" charset="0"/>
-              </a:rPr>
               <a:t>correlazioni</a:t>
             </a:r>
-            <a:endParaRPr lang="en-US" sz="2000" dirty="0">
-              <a:solidFill>
-                <a:srgbClr val="66C0F4"/>
-              </a:solidFill>
-              <a:cs typeface="Arial" panose="020B0604020202020204" pitchFamily="34" charset="0"/>
-            </a:endParaRPr>
           </a:p>
         </p:txBody>
       </p:sp>
@@ -10962,21 +8025,8 @@
                   <a:srgbClr val="66C0F4"/>
                 </a:solidFill>
               </a:rPr>
-              <a:t>F2P vs P2P - #N Download * </a:t>
-            </a:r>
-            <a:r>
-              <a:rPr lang="en-US" sz="3200" b="1" dirty="0" err="1">
-                <a:solidFill>
-                  <a:srgbClr val="66C0F4"/>
-                </a:solidFill>
-              </a:rPr>
-              <a:t>TempoMedio</a:t>
-            </a:r>
-            <a:endParaRPr lang="en-US" sz="3200" b="1" dirty="0">
-              <a:solidFill>
-                <a:srgbClr val="66C0F4"/>
-              </a:solidFill>
-            </a:endParaRPr>
+              <a:t>F2P vs P2P - #N Download * TempoMedio</a:t>
+            </a:r>
           </a:p>
         </p:txBody>
       </p:sp>
@@ -11133,12 +8183,20 @@
           <a:p>
             <a:pPr algn="ctr"/>
             <a:r>
-              <a:rPr lang="en-US" sz="3200" b="1" dirty="0" err="1">
+              <a:rPr lang="en-US" sz="3200" b="1" dirty="0">
                 <a:solidFill>
                   <a:srgbClr val="66C0F4"/>
                 </a:solidFill>
               </a:rPr>
-              <a:t>Distribuzione</a:t>
+              <a:t>L’ </a:t>
+            </a:r>
+            <a:r>
+              <a:rPr lang="it-IT" sz="3200" b="1" dirty="0">
+                <a:solidFill>
+                  <a:srgbClr val="66C0F4"/>
+                </a:solidFill>
+              </a:rPr>
+              <a:t>importanza</a:t>
             </a:r>
             <a:r>
               <a:rPr lang="en-US" sz="3200" b="1" dirty="0">
@@ -11146,21 +8204,8 @@
                   <a:srgbClr val="66C0F4"/>
                 </a:solidFill>
               </a:rPr>
-              <a:t> Single/Multi/Coop per </a:t>
-            </a:r>
-            <a:r>
-              <a:rPr lang="en-US" sz="3200" b="1" dirty="0" err="1">
-                <a:solidFill>
-                  <a:srgbClr val="66C0F4"/>
-                </a:solidFill>
-              </a:rPr>
-              <a:t>indici</a:t>
-            </a:r>
-            <a:endParaRPr lang="en-US" sz="3200" b="1" dirty="0">
-              <a:solidFill>
-                <a:srgbClr val="66C0F4"/>
-              </a:solidFill>
-            </a:endParaRPr>
+              <a:t> delle opinioni degli Utenti</a:t>
+            </a:r>
           </a:p>
         </p:txBody>
       </p:sp>
@@ -11179,7 +8224,7 @@
           <p:nvPr/>
         </p:nvPicPr>
         <p:blipFill>
-          <a:blip r:embed="rId3">
+          <a:blip r:embed="rId2">
             <a:alphaModFix/>
             <a:extLst>
               <a:ext uri="{28A0092B-C50C-407E-A947-70E740481C1C}">
@@ -11213,46 +8258,237 @@
           </a:effectLst>
         </p:spPr>
       </p:pic>
-      <p:pic>
-        <p:nvPicPr>
-          <p:cNvPr id="15" name="Immagine 14" descr="Immagine che contiene schermata, Policromia, testo, Rettangolo&#10;&#10;Descrizione generata automaticamente">
+      <p:sp>
+        <p:nvSpPr>
+          <p:cNvPr id="2" name="CasellaDiTesto 1">
             <a:extLst>
               <a:ext uri="{FF2B5EF4-FFF2-40B4-BE49-F238E27FC236}">
-                <a16:creationId xmlns:a16="http://schemas.microsoft.com/office/drawing/2014/main" id="{A567A78D-A2F2-F6FA-530D-98F40B660A57}"/>
+                <a16:creationId xmlns:a16="http://schemas.microsoft.com/office/drawing/2014/main" id="{B0B488B5-AC13-0E8D-EA2D-9AB6B49D4D25}"/>
               </a:ext>
             </a:extLst>
           </p:cNvPr>
-          <p:cNvPicPr>
-            <a:picLocks noChangeAspect="1"/>
-          </p:cNvPicPr>
+          <p:cNvSpPr txBox="1"/>
           <p:nvPr/>
-        </p:nvPicPr>
-        <p:blipFill>
-          <a:blip r:embed="rId4">
-            <a:extLst>
-              <a:ext uri="{28A0092B-C50C-407E-A947-70E740481C1C}">
-                <a14:useLocalDpi xmlns:a14="http://schemas.microsoft.com/office/drawing/2010/main" val="0"/>
-              </a:ext>
-            </a:extLst>
-          </a:blip>
-          <a:stretch>
-            <a:fillRect/>
-          </a:stretch>
-        </p:blipFill>
-        <p:spPr>
-          <a:xfrm>
-            <a:off x="1061830" y="1133096"/>
-            <a:ext cx="10068339" cy="5139048"/>
+        </p:nvSpPr>
+        <p:spPr>
+          <a:xfrm>
+            <a:off x="2240273" y="1582340"/>
+            <a:ext cx="7711453" cy="3693319"/>
           </a:xfrm>
           <a:prstGeom prst="rect">
             <a:avLst/>
           </a:prstGeom>
-        </p:spPr>
-      </p:pic>
+          <a:noFill/>
+        </p:spPr>
+        <p:txBody>
+          <a:bodyPr wrap="square" rtlCol="0">
+            <a:spAutoFit/>
+          </a:bodyPr>
+          <a:lstStyle/>
+          <a:p>
+            <a:r>
+              <a:rPr lang="it-IT" dirty="0"/>
+              <a:t>Gli</a:t>
+            </a:r>
+            <a:r>
+              <a:rPr lang="en-US" dirty="0"/>
+              <a:t> utenti della piattaforma </a:t>
+            </a:r>
+            <a:r>
+              <a:rPr lang="en-US" dirty="0">
+                <a:solidFill>
+                  <a:srgbClr val="66C0F4"/>
+                </a:solidFill>
+              </a:rPr>
+              <a:t>STEAM</a:t>
+            </a:r>
+            <a:r>
+              <a:rPr lang="en-US" dirty="0">
+                <a:solidFill>
+                  <a:srgbClr val="C7D5E0"/>
+                </a:solidFill>
+              </a:rPr>
+              <a:t> </a:t>
+            </a:r>
+            <a:r>
+              <a:rPr lang="en-US" dirty="0"/>
+              <a:t>possono esprimere la propria </a:t>
+            </a:r>
+            <a:r>
+              <a:rPr lang="en-US" dirty="0">
+                <a:solidFill>
+                  <a:srgbClr val="66C0F4"/>
+                </a:solidFill>
+              </a:rPr>
+              <a:t>opinione</a:t>
+            </a:r>
+            <a:r>
+              <a:rPr lang="en-US" dirty="0">
+                <a:solidFill>
+                  <a:srgbClr val="C7D5E0"/>
+                </a:solidFill>
+              </a:rPr>
+              <a:t> </a:t>
+            </a:r>
+            <a:r>
+              <a:rPr lang="en-US" dirty="0"/>
+              <a:t>dando un parere positivo o negativo.</a:t>
+            </a:r>
+          </a:p>
+          <a:p>
+            <a:endParaRPr lang="en-US" dirty="0">
+              <a:solidFill>
+                <a:srgbClr val="C7D5E0"/>
+              </a:solidFill>
+            </a:endParaRPr>
+          </a:p>
+          <a:p>
+            <a:r>
+              <a:rPr lang="en-US" dirty="0"/>
+              <a:t>Il rapporto tra il numero dei pareri positivi ed il numero totale di pareri costituisce l’indice di positività (User Score):</a:t>
+            </a:r>
+            <a:endParaRPr lang="it-IT" dirty="0"/>
+          </a:p>
+          <a:p>
+            <a:pPr marL="285750" indent="-285750">
+              <a:buClr>
+                <a:srgbClr val="66C0F4"/>
+              </a:buClr>
+              <a:buFont typeface="Arial" panose="020B0604020202020204" pitchFamily="34" charset="0"/>
+              <a:buChar char="•"/>
+            </a:pPr>
+            <a:r>
+              <a:rPr lang="en-US" b="1" dirty="0">
+                <a:solidFill>
+                  <a:srgbClr val="66C0F4"/>
+                </a:solidFill>
+              </a:rPr>
+              <a:t>I_P </a:t>
+            </a:r>
+            <a:r>
+              <a:rPr lang="en-US" b="1" dirty="0"/>
+              <a:t>= #Positivi / #Pareri</a:t>
+            </a:r>
+          </a:p>
+          <a:p>
+            <a:pPr marL="285750" indent="-285750">
+              <a:buClr>
+                <a:srgbClr val="66C0F4"/>
+              </a:buClr>
+              <a:buFont typeface="Arial" panose="020B0604020202020204" pitchFamily="34" charset="0"/>
+              <a:buChar char="•"/>
+            </a:pPr>
+            <a:endParaRPr lang="en-US" dirty="0">
+              <a:solidFill>
+                <a:srgbClr val="C7D5E0"/>
+              </a:solidFill>
+            </a:endParaRPr>
+          </a:p>
+          <a:p>
+            <a:pPr>
+              <a:buClr>
+                <a:srgbClr val="66C0F4"/>
+              </a:buClr>
+            </a:pPr>
+            <a:r>
+              <a:rPr lang="en-US" dirty="0"/>
+              <a:t>Questo indice può essere utilizzato per analizzare il </a:t>
+            </a:r>
+            <a:r>
+              <a:rPr lang="en-US" dirty="0">
+                <a:solidFill>
+                  <a:srgbClr val="66C0F4"/>
+                </a:solidFill>
+              </a:rPr>
+              <a:t>gradimento</a:t>
+            </a:r>
+            <a:r>
+              <a:rPr lang="en-US" dirty="0">
+                <a:solidFill>
+                  <a:srgbClr val="C7D5E0"/>
+                </a:solidFill>
+              </a:rPr>
+              <a:t> </a:t>
+            </a:r>
+            <a:r>
+              <a:rPr lang="en-US" dirty="0"/>
+              <a:t>dei Videogiochi e potenzialmente come una caratteristica del </a:t>
+            </a:r>
+            <a:r>
+              <a:rPr lang="en-US" dirty="0">
+                <a:solidFill>
+                  <a:srgbClr val="66C0F4"/>
+                </a:solidFill>
+              </a:rPr>
+              <a:t>successo</a:t>
+            </a:r>
+            <a:r>
+              <a:rPr lang="en-US" dirty="0">
+                <a:solidFill>
+                  <a:srgbClr val="C7D5E0"/>
+                </a:solidFill>
+              </a:rPr>
+              <a:t> </a:t>
+            </a:r>
+            <a:r>
+              <a:rPr lang="en-US" dirty="0"/>
+              <a:t>degli stessi.</a:t>
+            </a:r>
+          </a:p>
+          <a:p>
+            <a:pPr>
+              <a:buClr>
+                <a:srgbClr val="66C0F4"/>
+              </a:buClr>
+            </a:pPr>
+            <a:endParaRPr lang="en-US" dirty="0">
+              <a:solidFill>
+                <a:srgbClr val="C7D5E0"/>
+              </a:solidFill>
+            </a:endParaRPr>
+          </a:p>
+          <a:p>
+            <a:pPr>
+              <a:buClr>
+                <a:srgbClr val="66C0F4"/>
+              </a:buClr>
+            </a:pPr>
+            <a:r>
+              <a:rPr lang="en-US" dirty="0"/>
+              <a:t>Si analizza quindi questo indice per cercare una </a:t>
+            </a:r>
+            <a:r>
+              <a:rPr lang="en-US" dirty="0">
+                <a:solidFill>
+                  <a:srgbClr val="66C0F4"/>
+                </a:solidFill>
+              </a:rPr>
+              <a:t>correlazione</a:t>
+            </a:r>
+            <a:r>
+              <a:rPr lang="en-US" dirty="0"/>
+              <a:t> con il numero di download effettuati (</a:t>
+            </a:r>
+            <a:r>
+              <a:rPr lang="en-US" dirty="0">
+                <a:solidFill>
+                  <a:srgbClr val="66C0F4"/>
+                </a:solidFill>
+              </a:rPr>
+              <a:t>Owners</a:t>
+            </a:r>
+            <a:r>
+              <a:rPr lang="en-US" dirty="0"/>
+              <a:t>), in modo da comprendere se questo indice possa essere utile per una potenziale previsione del successo.</a:t>
+            </a:r>
+            <a:endParaRPr lang="it-IT" dirty="0"/>
+          </a:p>
+        </p:txBody>
+      </p:sp>
     </p:spTree>
     <p:extLst>
       <p:ext uri="{BB962C8B-B14F-4D97-AF65-F5344CB8AC3E}">
-        <p14:creationId xmlns:p14="http://schemas.microsoft.com/office/powerpoint/2010/main" val="465744872"/>
+        <p14:creationId xmlns:p14="http://schemas.microsoft.com/office/powerpoint/2010/main" val="2675835995"/>
       </p:ext>
     </p:extLst>
   </p:cSld>
@@ -11322,85 +8558,8 @@
                   <a:srgbClr val="66C0F4"/>
                 </a:solidFill>
               </a:rPr>
-              <a:t>L’ </a:t>
-            </a:r>
-            <a:r>
-              <a:rPr lang="it-IT" sz="3200" b="1" dirty="0">
-                <a:solidFill>
-                  <a:srgbClr val="66C0F4"/>
-                </a:solidFill>
-              </a:rPr>
-              <a:t>importanza</a:t>
-            </a:r>
-            <a:r>
-              <a:rPr lang="en-US" sz="3200" b="1" dirty="0">
-                <a:solidFill>
-                  <a:srgbClr val="66C0F4"/>
-                </a:solidFill>
-              </a:rPr>
-              <a:t> </a:t>
-            </a:r>
-            <a:r>
-              <a:rPr lang="en-US" sz="3200" b="1" dirty="0" err="1">
-                <a:solidFill>
-                  <a:srgbClr val="66C0F4"/>
-                </a:solidFill>
-              </a:rPr>
-              <a:t>delle</a:t>
-            </a:r>
-            <a:r>
-              <a:rPr lang="en-US" sz="3200" b="1" dirty="0">
-                <a:solidFill>
-                  <a:srgbClr val="66C0F4"/>
-                </a:solidFill>
-              </a:rPr>
-              <a:t> </a:t>
-            </a:r>
-            <a:r>
-              <a:rPr lang="en-US" sz="3200" b="1" dirty="0" err="1">
-                <a:solidFill>
-                  <a:srgbClr val="66C0F4"/>
-                </a:solidFill>
-              </a:rPr>
-              <a:t>opinioni</a:t>
-            </a:r>
-            <a:r>
-              <a:rPr lang="en-US" sz="3200" b="1" dirty="0">
-                <a:solidFill>
-                  <a:srgbClr val="66C0F4"/>
-                </a:solidFill>
-              </a:rPr>
-              <a:t> </a:t>
-            </a:r>
-            <a:r>
-              <a:rPr lang="en-US" sz="3200" b="1" dirty="0" err="1">
-                <a:solidFill>
-                  <a:srgbClr val="66C0F4"/>
-                </a:solidFill>
-              </a:rPr>
-              <a:t>degli</a:t>
-            </a:r>
-            <a:r>
-              <a:rPr lang="en-US" sz="3200" b="1" dirty="0">
-                <a:solidFill>
-                  <a:srgbClr val="66C0F4"/>
-                </a:solidFill>
-              </a:rPr>
-              <a:t> </a:t>
-            </a:r>
-            <a:r>
-              <a:rPr lang="en-US" sz="3200" b="1" dirty="0" err="1">
-                <a:solidFill>
-                  <a:srgbClr val="66C0F4"/>
-                </a:solidFill>
-              </a:rPr>
-              <a:t>Utenti</a:t>
-            </a:r>
-            <a:endParaRPr lang="en-US" sz="3200" b="1" dirty="0">
-              <a:solidFill>
-                <a:srgbClr val="66C0F4"/>
-              </a:solidFill>
-            </a:endParaRPr>
+              <a:t>Correlazione tra Indice di Positività e Owners</a:t>
+            </a:r>
           </a:p>
         </p:txBody>
       </p:sp>
@@ -11453,625 +8612,46 @@
           </a:effectLst>
         </p:spPr>
       </p:pic>
-      <p:sp>
-        <p:nvSpPr>
-          <p:cNvPr id="2" name="CasellaDiTesto 1">
+      <p:pic>
+        <p:nvPicPr>
+          <p:cNvPr id="6" name="Immagine 5" descr="Immagine che contiene testo, schermata, linea, Diagramma&#10;&#10;Descrizione generata automaticamente">
             <a:extLst>
               <a:ext uri="{FF2B5EF4-FFF2-40B4-BE49-F238E27FC236}">
-                <a16:creationId xmlns:a16="http://schemas.microsoft.com/office/drawing/2014/main" id="{B0B488B5-AC13-0E8D-EA2D-9AB6B49D4D25}"/>
+                <a16:creationId xmlns:a16="http://schemas.microsoft.com/office/drawing/2014/main" id="{2E064A0D-4D63-DF24-373B-50B11751802B}"/>
               </a:ext>
             </a:extLst>
           </p:cNvPr>
-          <p:cNvSpPr txBox="1"/>
+          <p:cNvPicPr>
+            <a:picLocks noChangeAspect="1"/>
+          </p:cNvPicPr>
           <p:nvPr/>
-        </p:nvSpPr>
-        <p:spPr>
-          <a:xfrm>
-            <a:off x="2240273" y="1582340"/>
-            <a:ext cx="7711453" cy="3693319"/>
+        </p:nvPicPr>
+        <p:blipFill>
+          <a:blip r:embed="rId3">
+            <a:extLst>
+              <a:ext uri="{28A0092B-C50C-407E-A947-70E740481C1C}">
+                <a14:useLocalDpi xmlns:a14="http://schemas.microsoft.com/office/drawing/2010/main" val="0"/>
+              </a:ext>
+            </a:extLst>
+          </a:blip>
+          <a:stretch>
+            <a:fillRect/>
+          </a:stretch>
+        </p:blipFill>
+        <p:spPr>
+          <a:xfrm>
+            <a:off x="816175" y="937577"/>
+            <a:ext cx="10559649" cy="5029200"/>
           </a:xfrm>
           <a:prstGeom prst="rect">
             <a:avLst/>
           </a:prstGeom>
-          <a:noFill/>
-        </p:spPr>
-        <p:txBody>
-          <a:bodyPr wrap="square" rtlCol="0">
-            <a:spAutoFit/>
-          </a:bodyPr>
-          <a:lstStyle/>
-          <a:p>
-            <a:r>
-              <a:rPr lang="it-IT" dirty="0"/>
-              <a:t>Gli</a:t>
-            </a:r>
-            <a:r>
-              <a:rPr lang="en-US" dirty="0"/>
-              <a:t> </a:t>
-            </a:r>
-            <a:r>
-              <a:rPr lang="en-US" dirty="0" err="1"/>
-              <a:t>utenti</a:t>
-            </a:r>
-            <a:r>
-              <a:rPr lang="en-US" dirty="0"/>
-              <a:t> </a:t>
-            </a:r>
-            <a:r>
-              <a:rPr lang="en-US" dirty="0" err="1"/>
-              <a:t>della</a:t>
-            </a:r>
-            <a:r>
-              <a:rPr lang="en-US" dirty="0"/>
-              <a:t> </a:t>
-            </a:r>
-            <a:r>
-              <a:rPr lang="en-US" dirty="0" err="1"/>
-              <a:t>piattaforma</a:t>
-            </a:r>
-            <a:r>
-              <a:rPr lang="en-US" dirty="0"/>
-              <a:t> </a:t>
-            </a:r>
-            <a:r>
-              <a:rPr lang="en-US" dirty="0">
-                <a:solidFill>
-                  <a:srgbClr val="66C0F4"/>
-                </a:solidFill>
-              </a:rPr>
-              <a:t>STEAM</a:t>
-            </a:r>
-            <a:r>
-              <a:rPr lang="en-US" dirty="0">
-                <a:solidFill>
-                  <a:srgbClr val="C7D5E0"/>
-                </a:solidFill>
-              </a:rPr>
-              <a:t> </a:t>
-            </a:r>
-            <a:r>
-              <a:rPr lang="en-US" dirty="0" err="1"/>
-              <a:t>possono</a:t>
-            </a:r>
-            <a:r>
-              <a:rPr lang="en-US" dirty="0"/>
-              <a:t> </a:t>
-            </a:r>
-            <a:r>
-              <a:rPr lang="en-US" dirty="0" err="1"/>
-              <a:t>esprimere</a:t>
-            </a:r>
-            <a:r>
-              <a:rPr lang="en-US" dirty="0"/>
-              <a:t> la propria </a:t>
-            </a:r>
-            <a:r>
-              <a:rPr lang="en-US" dirty="0" err="1">
-                <a:solidFill>
-                  <a:srgbClr val="66C0F4"/>
-                </a:solidFill>
-              </a:rPr>
-              <a:t>opinione</a:t>
-            </a:r>
-            <a:r>
-              <a:rPr lang="en-US" dirty="0">
-                <a:solidFill>
-                  <a:srgbClr val="C7D5E0"/>
-                </a:solidFill>
-              </a:rPr>
-              <a:t> </a:t>
-            </a:r>
-            <a:r>
-              <a:rPr lang="en-US" dirty="0" err="1"/>
-              <a:t>dando</a:t>
-            </a:r>
-            <a:r>
-              <a:rPr lang="en-US" dirty="0"/>
-              <a:t> un </a:t>
-            </a:r>
-            <a:r>
-              <a:rPr lang="en-US" dirty="0" err="1"/>
-              <a:t>parere</a:t>
-            </a:r>
-            <a:r>
-              <a:rPr lang="en-US" dirty="0"/>
-              <a:t> </a:t>
-            </a:r>
-            <a:r>
-              <a:rPr lang="en-US" dirty="0" err="1"/>
-              <a:t>positivo</a:t>
-            </a:r>
-            <a:r>
-              <a:rPr lang="en-US" dirty="0"/>
-              <a:t> o </a:t>
-            </a:r>
-            <a:r>
-              <a:rPr lang="en-US" dirty="0" err="1"/>
-              <a:t>negativo</a:t>
-            </a:r>
-            <a:r>
-              <a:rPr lang="en-US" dirty="0"/>
-              <a:t>.</a:t>
-            </a:r>
-          </a:p>
-          <a:p>
-            <a:endParaRPr lang="en-US" dirty="0">
-              <a:solidFill>
-                <a:srgbClr val="C7D5E0"/>
-              </a:solidFill>
-            </a:endParaRPr>
-          </a:p>
-          <a:p>
-            <a:r>
-              <a:rPr lang="en-US" dirty="0"/>
-              <a:t>Il </a:t>
-            </a:r>
-            <a:r>
-              <a:rPr lang="en-US" dirty="0" err="1"/>
-              <a:t>rapporto</a:t>
-            </a:r>
-            <a:r>
-              <a:rPr lang="en-US" dirty="0"/>
-              <a:t> </a:t>
-            </a:r>
-            <a:r>
-              <a:rPr lang="en-US" dirty="0" err="1"/>
-              <a:t>tra</a:t>
-            </a:r>
-            <a:r>
-              <a:rPr lang="en-US" dirty="0"/>
-              <a:t> il </a:t>
-            </a:r>
-            <a:r>
-              <a:rPr lang="en-US" dirty="0" err="1"/>
-              <a:t>numero</a:t>
-            </a:r>
-            <a:r>
-              <a:rPr lang="en-US" dirty="0"/>
-              <a:t> </a:t>
-            </a:r>
-            <a:r>
-              <a:rPr lang="en-US" dirty="0" err="1"/>
-              <a:t>dei</a:t>
-            </a:r>
-            <a:r>
-              <a:rPr lang="en-US" dirty="0"/>
-              <a:t> </a:t>
-            </a:r>
-            <a:r>
-              <a:rPr lang="en-US" dirty="0" err="1"/>
-              <a:t>pareri</a:t>
-            </a:r>
-            <a:r>
-              <a:rPr lang="en-US" dirty="0"/>
-              <a:t> </a:t>
-            </a:r>
-            <a:r>
-              <a:rPr lang="en-US" dirty="0" err="1"/>
-              <a:t>positivi</a:t>
-            </a:r>
-            <a:r>
-              <a:rPr lang="en-US" dirty="0"/>
-              <a:t> ed il </a:t>
-            </a:r>
-            <a:r>
-              <a:rPr lang="en-US" dirty="0" err="1"/>
-              <a:t>numero</a:t>
-            </a:r>
-            <a:r>
-              <a:rPr lang="en-US" dirty="0"/>
-              <a:t> </a:t>
-            </a:r>
-            <a:r>
-              <a:rPr lang="en-US" dirty="0" err="1"/>
-              <a:t>totale</a:t>
-            </a:r>
-            <a:r>
-              <a:rPr lang="en-US" dirty="0"/>
-              <a:t> di </a:t>
-            </a:r>
-            <a:r>
-              <a:rPr lang="en-US" dirty="0" err="1"/>
-              <a:t>pareri</a:t>
-            </a:r>
-            <a:r>
-              <a:rPr lang="en-US" dirty="0"/>
-              <a:t> </a:t>
-            </a:r>
-            <a:r>
-              <a:rPr lang="en-US" dirty="0" err="1"/>
-              <a:t>costituisce</a:t>
-            </a:r>
-            <a:r>
-              <a:rPr lang="en-US" dirty="0"/>
-              <a:t> </a:t>
-            </a:r>
-            <a:r>
-              <a:rPr lang="en-US" dirty="0" err="1"/>
-              <a:t>l’indice</a:t>
-            </a:r>
-            <a:r>
-              <a:rPr lang="en-US" dirty="0"/>
-              <a:t> di </a:t>
-            </a:r>
-            <a:r>
-              <a:rPr lang="en-US" dirty="0" err="1"/>
-              <a:t>positività</a:t>
-            </a:r>
-            <a:r>
-              <a:rPr lang="en-US" dirty="0"/>
-              <a:t> (User Score):</a:t>
-            </a:r>
-            <a:endParaRPr lang="it-IT" dirty="0"/>
-          </a:p>
-          <a:p>
-            <a:pPr marL="285750" indent="-285750">
-              <a:buClr>
-                <a:srgbClr val="66C0F4"/>
-              </a:buClr>
-              <a:buFont typeface="Arial" panose="020B0604020202020204" pitchFamily="34" charset="0"/>
-              <a:buChar char="•"/>
-            </a:pPr>
-            <a:r>
-              <a:rPr lang="en-US" b="1" dirty="0">
-                <a:solidFill>
-                  <a:srgbClr val="66C0F4"/>
-                </a:solidFill>
-              </a:rPr>
-              <a:t>I_P </a:t>
-            </a:r>
-            <a:r>
-              <a:rPr lang="en-US" b="1" dirty="0"/>
-              <a:t>= #Positivi / #Pareri</a:t>
-            </a:r>
-          </a:p>
-          <a:p>
-            <a:pPr marL="285750" indent="-285750">
-              <a:buClr>
-                <a:srgbClr val="66C0F4"/>
-              </a:buClr>
-              <a:buFont typeface="Arial" panose="020B0604020202020204" pitchFamily="34" charset="0"/>
-              <a:buChar char="•"/>
-            </a:pPr>
-            <a:endParaRPr lang="en-US" dirty="0">
-              <a:solidFill>
-                <a:srgbClr val="C7D5E0"/>
-              </a:solidFill>
-            </a:endParaRPr>
-          </a:p>
-          <a:p>
-            <a:pPr>
-              <a:buClr>
-                <a:srgbClr val="66C0F4"/>
-              </a:buClr>
-            </a:pPr>
-            <a:r>
-              <a:rPr lang="en-US" dirty="0" err="1"/>
-              <a:t>Questo</a:t>
-            </a:r>
-            <a:r>
-              <a:rPr lang="en-US" dirty="0"/>
-              <a:t> </a:t>
-            </a:r>
-            <a:r>
-              <a:rPr lang="en-US" dirty="0" err="1"/>
-              <a:t>indice</a:t>
-            </a:r>
-            <a:r>
-              <a:rPr lang="en-US" dirty="0"/>
-              <a:t> </a:t>
-            </a:r>
-            <a:r>
-              <a:rPr lang="en-US" dirty="0" err="1"/>
-              <a:t>può</a:t>
-            </a:r>
-            <a:r>
-              <a:rPr lang="en-US" dirty="0"/>
-              <a:t> </a:t>
-            </a:r>
-            <a:r>
-              <a:rPr lang="en-US" dirty="0" err="1"/>
-              <a:t>essere</a:t>
-            </a:r>
-            <a:r>
-              <a:rPr lang="en-US" dirty="0"/>
-              <a:t> </a:t>
-            </a:r>
-            <a:r>
-              <a:rPr lang="en-US" dirty="0" err="1"/>
-              <a:t>utilizzato</a:t>
-            </a:r>
-            <a:r>
-              <a:rPr lang="en-US" dirty="0"/>
-              <a:t> per </a:t>
-            </a:r>
-            <a:r>
-              <a:rPr lang="en-US" dirty="0" err="1"/>
-              <a:t>analizzare</a:t>
-            </a:r>
-            <a:r>
-              <a:rPr lang="en-US" dirty="0"/>
-              <a:t> il </a:t>
-            </a:r>
-            <a:r>
-              <a:rPr lang="en-US" dirty="0" err="1">
-                <a:solidFill>
-                  <a:srgbClr val="66C0F4"/>
-                </a:solidFill>
-              </a:rPr>
-              <a:t>gradimento</a:t>
-            </a:r>
-            <a:r>
-              <a:rPr lang="en-US" dirty="0">
-                <a:solidFill>
-                  <a:srgbClr val="C7D5E0"/>
-                </a:solidFill>
-              </a:rPr>
-              <a:t> </a:t>
-            </a:r>
-            <a:r>
-              <a:rPr lang="en-US" dirty="0" err="1"/>
-              <a:t>dei</a:t>
-            </a:r>
-            <a:r>
-              <a:rPr lang="en-US" dirty="0"/>
-              <a:t> </a:t>
-            </a:r>
-            <a:r>
-              <a:rPr lang="en-US" dirty="0" err="1"/>
-              <a:t>Videogiochi</a:t>
-            </a:r>
-            <a:r>
-              <a:rPr lang="en-US" dirty="0"/>
-              <a:t> e </a:t>
-            </a:r>
-            <a:r>
-              <a:rPr lang="en-US" dirty="0" err="1"/>
-              <a:t>potenzialmente</a:t>
-            </a:r>
-            <a:r>
-              <a:rPr lang="en-US" dirty="0"/>
-              <a:t> come </a:t>
-            </a:r>
-            <a:r>
-              <a:rPr lang="en-US" dirty="0" err="1"/>
-              <a:t>una</a:t>
-            </a:r>
-            <a:r>
-              <a:rPr lang="en-US" dirty="0"/>
-              <a:t> </a:t>
-            </a:r>
-            <a:r>
-              <a:rPr lang="en-US" dirty="0" err="1"/>
-              <a:t>caratteristica</a:t>
-            </a:r>
-            <a:r>
-              <a:rPr lang="en-US" dirty="0"/>
-              <a:t> del </a:t>
-            </a:r>
-            <a:r>
-              <a:rPr lang="en-US" dirty="0" err="1">
-                <a:solidFill>
-                  <a:srgbClr val="66C0F4"/>
-                </a:solidFill>
-              </a:rPr>
-              <a:t>successo</a:t>
-            </a:r>
-            <a:r>
-              <a:rPr lang="en-US" dirty="0">
-                <a:solidFill>
-                  <a:srgbClr val="C7D5E0"/>
-                </a:solidFill>
-              </a:rPr>
-              <a:t> </a:t>
-            </a:r>
-            <a:r>
-              <a:rPr lang="en-US" dirty="0" err="1"/>
-              <a:t>degli</a:t>
-            </a:r>
-            <a:r>
-              <a:rPr lang="en-US" dirty="0"/>
-              <a:t> </a:t>
-            </a:r>
-            <a:r>
-              <a:rPr lang="en-US" dirty="0" err="1"/>
-              <a:t>stessi</a:t>
-            </a:r>
-            <a:r>
-              <a:rPr lang="en-US" dirty="0"/>
-              <a:t>.</a:t>
-            </a:r>
-          </a:p>
-          <a:p>
-            <a:pPr>
-              <a:buClr>
-                <a:srgbClr val="66C0F4"/>
-              </a:buClr>
-            </a:pPr>
-            <a:endParaRPr lang="en-US" dirty="0">
-              <a:solidFill>
-                <a:srgbClr val="C7D5E0"/>
-              </a:solidFill>
-            </a:endParaRPr>
-          </a:p>
-          <a:p>
-            <a:pPr>
-              <a:buClr>
-                <a:srgbClr val="66C0F4"/>
-              </a:buClr>
-            </a:pPr>
-            <a:r>
-              <a:rPr lang="en-US" dirty="0"/>
-              <a:t>Si </a:t>
-            </a:r>
-            <a:r>
-              <a:rPr lang="en-US" dirty="0" err="1"/>
-              <a:t>analizza</a:t>
-            </a:r>
-            <a:r>
-              <a:rPr lang="en-US" dirty="0"/>
-              <a:t> </a:t>
-            </a:r>
-            <a:r>
-              <a:rPr lang="en-US" dirty="0" err="1"/>
-              <a:t>quindi</a:t>
-            </a:r>
-            <a:r>
-              <a:rPr lang="en-US" dirty="0"/>
-              <a:t> </a:t>
-            </a:r>
-            <a:r>
-              <a:rPr lang="en-US" dirty="0" err="1"/>
-              <a:t>questo</a:t>
-            </a:r>
-            <a:r>
-              <a:rPr lang="en-US" dirty="0"/>
-              <a:t> </a:t>
-            </a:r>
-            <a:r>
-              <a:rPr lang="en-US" dirty="0" err="1"/>
-              <a:t>indice</a:t>
-            </a:r>
-            <a:r>
-              <a:rPr lang="en-US" dirty="0"/>
-              <a:t> per </a:t>
-            </a:r>
-            <a:r>
-              <a:rPr lang="en-US" dirty="0" err="1"/>
-              <a:t>cercare</a:t>
-            </a:r>
-            <a:r>
-              <a:rPr lang="en-US" dirty="0"/>
-              <a:t> </a:t>
-            </a:r>
-            <a:r>
-              <a:rPr lang="en-US" dirty="0" err="1"/>
-              <a:t>una</a:t>
-            </a:r>
-            <a:r>
-              <a:rPr lang="en-US" dirty="0"/>
-              <a:t> </a:t>
-            </a:r>
-            <a:r>
-              <a:rPr lang="en-US" dirty="0" err="1">
-                <a:solidFill>
-                  <a:srgbClr val="66C0F4"/>
-                </a:solidFill>
-              </a:rPr>
-              <a:t>correlazione</a:t>
-            </a:r>
-            <a:r>
-              <a:rPr lang="en-US" dirty="0"/>
-              <a:t> con il </a:t>
-            </a:r>
-            <a:r>
-              <a:rPr lang="en-US" dirty="0" err="1"/>
-              <a:t>numero</a:t>
-            </a:r>
-            <a:r>
-              <a:rPr lang="en-US" dirty="0"/>
-              <a:t> di download </a:t>
-            </a:r>
-            <a:r>
-              <a:rPr lang="en-US" dirty="0" err="1"/>
-              <a:t>effettuati</a:t>
-            </a:r>
-            <a:r>
-              <a:rPr lang="en-US" dirty="0"/>
-              <a:t> (</a:t>
-            </a:r>
-            <a:r>
-              <a:rPr lang="en-US" dirty="0">
-                <a:solidFill>
-                  <a:srgbClr val="66C0F4"/>
-                </a:solidFill>
-              </a:rPr>
-              <a:t>Owners</a:t>
-            </a:r>
-            <a:r>
-              <a:rPr lang="en-US" dirty="0"/>
-              <a:t>), in modo da </a:t>
-            </a:r>
-            <a:r>
-              <a:rPr lang="en-US" dirty="0" err="1"/>
-              <a:t>comprendere</a:t>
-            </a:r>
-            <a:r>
-              <a:rPr lang="en-US" dirty="0"/>
-              <a:t> se </a:t>
-            </a:r>
-            <a:r>
-              <a:rPr lang="en-US" dirty="0" err="1"/>
-              <a:t>questo</a:t>
-            </a:r>
-            <a:r>
-              <a:rPr lang="en-US" dirty="0"/>
-              <a:t> </a:t>
-            </a:r>
-            <a:r>
-              <a:rPr lang="en-US" dirty="0" err="1"/>
-              <a:t>indice</a:t>
-            </a:r>
-            <a:r>
-              <a:rPr lang="en-US" dirty="0"/>
-              <a:t> </a:t>
-            </a:r>
-            <a:r>
-              <a:rPr lang="en-US" dirty="0" err="1"/>
-              <a:t>possa</a:t>
-            </a:r>
-            <a:r>
-              <a:rPr lang="en-US" dirty="0"/>
-              <a:t> </a:t>
-            </a:r>
-            <a:r>
-              <a:rPr lang="en-US" dirty="0" err="1"/>
-              <a:t>essere</a:t>
-            </a:r>
-            <a:r>
-              <a:rPr lang="en-US" dirty="0"/>
-              <a:t> utile per </a:t>
-            </a:r>
-            <a:r>
-              <a:rPr lang="en-US" dirty="0" err="1"/>
-              <a:t>una</a:t>
-            </a:r>
-            <a:r>
-              <a:rPr lang="en-US" dirty="0"/>
-              <a:t> </a:t>
-            </a:r>
-            <a:r>
-              <a:rPr lang="en-US" dirty="0" err="1"/>
-              <a:t>potenziale</a:t>
-            </a:r>
-            <a:r>
-              <a:rPr lang="en-US" dirty="0"/>
-              <a:t> </a:t>
-            </a:r>
-            <a:r>
-              <a:rPr lang="en-US" dirty="0" err="1"/>
-              <a:t>previsione</a:t>
-            </a:r>
-            <a:r>
-              <a:rPr lang="en-US" dirty="0"/>
-              <a:t> del </a:t>
-            </a:r>
-            <a:r>
-              <a:rPr lang="en-US" dirty="0" err="1"/>
-              <a:t>successo</a:t>
-            </a:r>
-            <a:r>
-              <a:rPr lang="en-US" dirty="0"/>
-              <a:t>.</a:t>
-            </a:r>
-            <a:endParaRPr lang="it-IT" dirty="0"/>
-          </a:p>
-        </p:txBody>
-      </p:sp>
+        </p:spPr>
+      </p:pic>
     </p:spTree>
     <p:extLst>
       <p:ext uri="{BB962C8B-B14F-4D97-AF65-F5344CB8AC3E}">
-        <p14:creationId xmlns:p14="http://schemas.microsoft.com/office/powerpoint/2010/main" val="2675835995"/>
+        <p14:creationId xmlns:p14="http://schemas.microsoft.com/office/powerpoint/2010/main" val="551743755"/>
       </p:ext>
     </p:extLst>
   </p:cSld>
@@ -12136,68 +8716,12 @@
           <a:p>
             <a:pPr algn="ctr"/>
             <a:r>
-              <a:rPr lang="en-US" sz="3200" b="1" dirty="0" err="1">
+              <a:rPr lang="en-US" sz="3200" b="1" dirty="0">
                 <a:solidFill>
                   <a:srgbClr val="66C0F4"/>
                 </a:solidFill>
               </a:rPr>
-              <a:t>Correlazione</a:t>
-            </a:r>
-            <a:r>
-              <a:rPr lang="en-US" sz="3200" b="1" dirty="0">
-                <a:solidFill>
-                  <a:srgbClr val="66C0F4"/>
-                </a:solidFill>
-              </a:rPr>
-              <a:t> </a:t>
-            </a:r>
-            <a:r>
-              <a:rPr lang="en-US" sz="3200" b="1" dirty="0" err="1">
-                <a:solidFill>
-                  <a:srgbClr val="66C0F4"/>
-                </a:solidFill>
-              </a:rPr>
-              <a:t>tra</a:t>
-            </a:r>
-            <a:r>
-              <a:rPr lang="en-US" sz="3200" b="1" dirty="0">
-                <a:solidFill>
-                  <a:srgbClr val="66C0F4"/>
-                </a:solidFill>
-              </a:rPr>
-              <a:t> </a:t>
-            </a:r>
-            <a:r>
-              <a:rPr lang="en-US" sz="3200" b="1" dirty="0" err="1">
-                <a:solidFill>
-                  <a:srgbClr val="66C0F4"/>
-                </a:solidFill>
-              </a:rPr>
-              <a:t>Indice</a:t>
-            </a:r>
-            <a:r>
-              <a:rPr lang="en-US" sz="3200" b="1" dirty="0">
-                <a:solidFill>
-                  <a:srgbClr val="66C0F4"/>
-                </a:solidFill>
-              </a:rPr>
-              <a:t> di </a:t>
-            </a:r>
-            <a:r>
-              <a:rPr lang="en-US" sz="3200" b="1" dirty="0" err="1">
-                <a:solidFill>
-                  <a:srgbClr val="66C0F4"/>
-                </a:solidFill>
-              </a:rPr>
-              <a:t>Positività</a:t>
-            </a:r>
-            <a:r>
-              <a:rPr lang="en-US" sz="3200" b="1" dirty="0">
-                <a:solidFill>
-                  <a:srgbClr val="66C0F4"/>
-                </a:solidFill>
-              </a:rPr>
-              <a:t> e Owners</a:t>
+              <a:t>Distribuzione percentuale Single/Multi/Coop secondo gli indici</a:t>
             </a:r>
           </a:p>
         </p:txBody>
@@ -12217,7 +8741,7 @@
           <p:nvPr/>
         </p:nvPicPr>
         <p:blipFill>
-          <a:blip r:embed="rId2">
+          <a:blip r:embed="rId3">
             <a:alphaModFix/>
             <a:extLst>
               <a:ext uri="{28A0092B-C50C-407E-A947-70E740481C1C}">
@@ -12253,10 +8777,10 @@
       </p:pic>
       <p:pic>
         <p:nvPicPr>
-          <p:cNvPr id="6" name="Immagine 5" descr="Immagine che contiene testo, schermata, linea, Diagramma&#10;&#10;Descrizione generata automaticamente">
+          <p:cNvPr id="15" name="Immagine 14" descr="Immagine che contiene schermata, Policromia, testo, Rettangolo&#10;&#10;Descrizione generata automaticamente">
             <a:extLst>
               <a:ext uri="{FF2B5EF4-FFF2-40B4-BE49-F238E27FC236}">
-                <a16:creationId xmlns:a16="http://schemas.microsoft.com/office/drawing/2014/main" id="{2E064A0D-4D63-DF24-373B-50B11751802B}"/>
+                <a16:creationId xmlns:a16="http://schemas.microsoft.com/office/drawing/2014/main" id="{A567A78D-A2F2-F6FA-530D-98F40B660A57}"/>
               </a:ext>
             </a:extLst>
           </p:cNvPr>
@@ -12266,7 +8790,7 @@
           <p:nvPr/>
         </p:nvPicPr>
         <p:blipFill>
-          <a:blip r:embed="rId3">
+          <a:blip r:embed="rId4">
             <a:extLst>
               <a:ext uri="{28A0092B-C50C-407E-A947-70E740481C1C}">
                 <a14:useLocalDpi xmlns:a14="http://schemas.microsoft.com/office/drawing/2010/main" val="0"/>
@@ -12279,8 +8803,8 @@
         </p:blipFill>
         <p:spPr>
           <a:xfrm>
-            <a:off x="816175" y="937577"/>
-            <a:ext cx="10559649" cy="5029200"/>
+            <a:off x="1061830" y="1133096"/>
+            <a:ext cx="10068339" cy="5139048"/>
           </a:xfrm>
           <a:prstGeom prst="rect">
             <a:avLst/>
@@ -12290,7 +8814,7 @@
     </p:spTree>
     <p:extLst>
       <p:ext uri="{BB962C8B-B14F-4D97-AF65-F5344CB8AC3E}">
-        <p14:creationId xmlns:p14="http://schemas.microsoft.com/office/powerpoint/2010/main" val="551743755"/>
+        <p14:creationId xmlns:p14="http://schemas.microsoft.com/office/powerpoint/2010/main" val="465744872"/>
       </p:ext>
     </p:extLst>
   </p:cSld>
@@ -12355,42 +8879,13 @@
           <a:p>
             <a:pPr algn="ctr"/>
             <a:r>
-              <a:rPr lang="en-US" sz="3200" b="1" dirty="0">
+              <a:rPr lang="it-IT" sz="3200" b="1" dirty="0">
                 <a:solidFill>
                   <a:srgbClr val="66C0F4"/>
                 </a:solidFill>
               </a:rPr>
-              <a:t>Le </a:t>
-            </a:r>
-            <a:r>
-              <a:rPr lang="en-US" sz="3200" b="1" dirty="0" err="1">
-                <a:solidFill>
-                  <a:srgbClr val="66C0F4"/>
-                </a:solidFill>
-              </a:rPr>
-              <a:t>caratteristiche</a:t>
-            </a:r>
-            <a:r>
-              <a:rPr lang="en-US" sz="3200" b="1" dirty="0">
-                <a:solidFill>
-                  <a:srgbClr val="66C0F4"/>
-                </a:solidFill>
-              </a:rPr>
-              <a:t> del </a:t>
-            </a:r>
-            <a:r>
-              <a:rPr lang="en-US" sz="3200" b="1" dirty="0" err="1">
-                <a:solidFill>
-                  <a:srgbClr val="66C0F4"/>
-                </a:solidFill>
-              </a:rPr>
-              <a:t>successo</a:t>
-            </a:r>
-            <a:endParaRPr lang="en-US" sz="3200" b="1" dirty="0">
-              <a:solidFill>
-                <a:srgbClr val="66C0F4"/>
-              </a:solidFill>
-            </a:endParaRPr>
+              <a:t>Le caratteristiche del successo</a:t>
+            </a:r>
           </a:p>
         </p:txBody>
       </p:sp>
@@ -12472,80 +8967,8 @@
           <a:lstStyle/>
           <a:p>
             <a:r>
-              <a:rPr lang="en-US" dirty="0"/>
-              <a:t>Un </a:t>
-            </a:r>
-            <a:r>
-              <a:rPr lang="en-US" dirty="0" err="1"/>
-              <a:t>videogioco</a:t>
-            </a:r>
-            <a:r>
-              <a:rPr lang="en-US" dirty="0"/>
-              <a:t> di </a:t>
-            </a:r>
-            <a:r>
-              <a:rPr lang="en-US" dirty="0" err="1"/>
-              <a:t>successo</a:t>
-            </a:r>
-            <a:r>
-              <a:rPr lang="en-US" dirty="0"/>
-              <a:t> </a:t>
-            </a:r>
-            <a:r>
-              <a:rPr lang="en-US" dirty="0" err="1"/>
-              <a:t>può</a:t>
-            </a:r>
-            <a:r>
-              <a:rPr lang="en-US" dirty="0"/>
-              <a:t> </a:t>
-            </a:r>
-            <a:r>
-              <a:rPr lang="en-US" dirty="0" err="1"/>
-              <a:t>quindi</a:t>
-            </a:r>
-            <a:r>
-              <a:rPr lang="en-US" dirty="0"/>
-              <a:t> </a:t>
-            </a:r>
-            <a:r>
-              <a:rPr lang="en-US" dirty="0" err="1"/>
-              <a:t>essere</a:t>
-            </a:r>
-            <a:r>
-              <a:rPr lang="en-US" dirty="0"/>
-              <a:t> </a:t>
-            </a:r>
-            <a:r>
-              <a:rPr lang="en-US" dirty="0" err="1"/>
-              <a:t>identificato</a:t>
-            </a:r>
-            <a:r>
-              <a:rPr lang="en-US" dirty="0"/>
-              <a:t> a </a:t>
-            </a:r>
-            <a:r>
-              <a:rPr lang="en-US" dirty="0" err="1"/>
-              <a:t>partire</a:t>
-            </a:r>
-            <a:r>
-              <a:rPr lang="en-US" dirty="0"/>
-              <a:t> </a:t>
-            </a:r>
-            <a:r>
-              <a:rPr lang="en-US" dirty="0" err="1"/>
-              <a:t>dalle</a:t>
-            </a:r>
-            <a:r>
-              <a:rPr lang="en-US" dirty="0"/>
-              <a:t> </a:t>
-            </a:r>
-            <a:r>
-              <a:rPr lang="en-US" dirty="0" err="1"/>
-              <a:t>caratteristiche</a:t>
-            </a:r>
-            <a:r>
-              <a:rPr lang="en-US" dirty="0"/>
-              <a:t> di:</a:t>
+              <a:rPr lang="it-IT" dirty="0"/>
+              <a:t>Un videogioco di successo può quindi essere identificato a partire dalle caratteristiche di:</a:t>
             </a:r>
           </a:p>
           <a:p>
@@ -12557,7 +8980,7 @@
               <a:buChar char="•"/>
             </a:pPr>
             <a:r>
-              <a:rPr lang="en-US" b="1" dirty="0">
+              <a:rPr lang="it-IT" b="1" dirty="0">
                 <a:solidFill>
                   <a:srgbClr val="66C0F4"/>
                 </a:solidFill>
@@ -12574,11 +8997,11 @@
               <a:buChar char="•"/>
             </a:pPr>
             <a:r>
-              <a:rPr lang="en-US" b="1" dirty="0"/>
+              <a:rPr lang="it-IT" b="1" dirty="0"/>
               <a:t>#N </a:t>
             </a:r>
             <a:r>
-              <a:rPr lang="en-US" b="1" dirty="0">
+              <a:rPr lang="it-IT" b="1" dirty="0">
                 <a:solidFill>
                   <a:srgbClr val="66C0F4"/>
                 </a:solidFill>
@@ -12595,14 +9018,9 @@
               <a:buChar char="•"/>
             </a:pPr>
             <a:r>
-              <a:rPr lang="en-US" b="1" dirty="0"/>
-              <a:t>Tempo Medio di </a:t>
-            </a:r>
-            <a:r>
-              <a:rPr lang="en-US" b="1" dirty="0" err="1"/>
-              <a:t>utilizzo</a:t>
-            </a:r>
-            <a:endParaRPr lang="en-US" b="1" dirty="0"/>
+              <a:rPr lang="it-IT" b="1" dirty="0"/>
+              <a:t>Tempo Medio di utilizzo</a:t>
+            </a:r>
           </a:p>
           <a:p>
             <a:pPr>
@@ -12610,7 +9028,7 @@
                 <a:srgbClr val="66C0F4"/>
               </a:buClr>
             </a:pPr>
-            <a:endParaRPr lang="en-US" dirty="0">
+            <a:endParaRPr lang="it-IT" dirty="0">
               <a:solidFill>
                 <a:srgbClr val="C7D5E0"/>
               </a:solidFill>
@@ -12623,152 +9041,8 @@
               </a:buClr>
             </a:pPr>
             <a:r>
-              <a:rPr lang="en-US" dirty="0"/>
-              <a:t>È </a:t>
-            </a:r>
-            <a:r>
-              <a:rPr lang="en-US" dirty="0" err="1"/>
-              <a:t>quindi</a:t>
-            </a:r>
-            <a:r>
-              <a:rPr lang="en-US" dirty="0"/>
-              <a:t> </a:t>
-            </a:r>
-            <a:r>
-              <a:rPr lang="en-US" dirty="0" err="1"/>
-              <a:t>possibile</a:t>
-            </a:r>
-            <a:r>
-              <a:rPr lang="en-US" dirty="0"/>
-              <a:t> </a:t>
-            </a:r>
-            <a:r>
-              <a:rPr lang="en-US" dirty="0" err="1"/>
-              <a:t>utilizzare</a:t>
-            </a:r>
-            <a:r>
-              <a:rPr lang="en-US" dirty="0"/>
-              <a:t> </a:t>
-            </a:r>
-            <a:r>
-              <a:rPr lang="en-US" dirty="0" err="1"/>
-              <a:t>questi</a:t>
-            </a:r>
-            <a:r>
-              <a:rPr lang="en-US" dirty="0"/>
-              <a:t> </a:t>
-            </a:r>
-            <a:r>
-              <a:rPr lang="en-US" dirty="0" err="1"/>
-              <a:t>tre</a:t>
-            </a:r>
-            <a:r>
-              <a:rPr lang="en-US" dirty="0"/>
-              <a:t> </a:t>
-            </a:r>
-            <a:r>
-              <a:rPr lang="en-US" dirty="0" err="1"/>
-              <a:t>indicatori</a:t>
-            </a:r>
-            <a:r>
-              <a:rPr lang="en-US" dirty="0"/>
-              <a:t>, </a:t>
-            </a:r>
-            <a:r>
-              <a:rPr lang="en-US" dirty="0" err="1"/>
-              <a:t>unendoli</a:t>
-            </a:r>
-            <a:r>
-              <a:rPr lang="en-US" dirty="0"/>
-              <a:t> </a:t>
-            </a:r>
-            <a:r>
-              <a:rPr lang="en-US" dirty="0" err="1"/>
-              <a:t>all’indice</a:t>
-            </a:r>
-            <a:r>
-              <a:rPr lang="en-US" dirty="0"/>
-              <a:t> di </a:t>
-            </a:r>
-            <a:r>
-              <a:rPr lang="en-US" dirty="0" err="1"/>
-              <a:t>apprezzamento</a:t>
-            </a:r>
-            <a:r>
-              <a:rPr lang="en-US" dirty="0"/>
-              <a:t> del </a:t>
-            </a:r>
-            <a:r>
-              <a:rPr lang="en-US" dirty="0" err="1"/>
-              <a:t>videogioco</a:t>
-            </a:r>
-            <a:r>
-              <a:rPr lang="en-US" dirty="0"/>
-              <a:t> da </a:t>
-            </a:r>
-            <a:r>
-              <a:rPr lang="en-US" dirty="0" err="1"/>
-              <a:t>parte</a:t>
-            </a:r>
-            <a:r>
-              <a:rPr lang="en-US" dirty="0"/>
-              <a:t> del </a:t>
-            </a:r>
-            <a:r>
-              <a:rPr lang="en-US" dirty="0" err="1"/>
-              <a:t>pubblico</a:t>
-            </a:r>
-            <a:r>
-              <a:rPr lang="en-US" dirty="0"/>
-              <a:t> per </a:t>
-            </a:r>
-            <a:r>
-              <a:rPr lang="en-US" dirty="0" err="1"/>
-              <a:t>indicare</a:t>
-            </a:r>
-            <a:r>
-              <a:rPr lang="en-US" dirty="0"/>
-              <a:t> le </a:t>
-            </a:r>
-            <a:r>
-              <a:rPr lang="en-US" dirty="0" err="1"/>
-              <a:t>caratteristiche</a:t>
-            </a:r>
-            <a:r>
-              <a:rPr lang="en-US" dirty="0"/>
-              <a:t> di </a:t>
-            </a:r>
-            <a:r>
-              <a:rPr lang="en-US" dirty="0" err="1"/>
-              <a:t>sviluppo</a:t>
-            </a:r>
-            <a:r>
-              <a:rPr lang="en-US" dirty="0"/>
-              <a:t> </a:t>
-            </a:r>
-            <a:r>
-              <a:rPr lang="en-US" dirty="0" err="1"/>
-              <a:t>più</a:t>
-            </a:r>
-            <a:r>
-              <a:rPr lang="en-US" dirty="0"/>
-              <a:t> di </a:t>
-            </a:r>
-            <a:r>
-              <a:rPr lang="en-US" dirty="0" err="1"/>
-              <a:t>successo</a:t>
-            </a:r>
-            <a:r>
-              <a:rPr lang="en-US" dirty="0"/>
-              <a:t> dal punto di vista </a:t>
-            </a:r>
-            <a:r>
-              <a:rPr lang="en-US" dirty="0" err="1"/>
-              <a:t>economico</a:t>
-            </a:r>
-            <a:r>
-              <a:rPr lang="en-US" dirty="0"/>
-              <a:t>:</a:t>
+              <a:rPr lang="it-IT" dirty="0"/>
+              <a:t>È quindi possibile utilizzare questi tre indicatori, unendoli all’indice di apprezzamento del videogioco da parte del pubblico per indicare le caratteristiche di sviluppo più di successo dal punto di vista economico:</a:t>
             </a:r>
           </a:p>
           <a:p>
@@ -12780,18 +9054,13 @@
               <a:buChar char="•"/>
             </a:pPr>
             <a:r>
-              <a:rPr lang="en-US" b="1" dirty="0" err="1">
+              <a:rPr lang="it-IT" b="1" dirty="0">
                 <a:solidFill>
                   <a:srgbClr val="66C0F4"/>
                 </a:solidFill>
               </a:rPr>
               <a:t>Genere</a:t>
             </a:r>
-            <a:endParaRPr lang="en-US" b="1" dirty="0">
-              <a:solidFill>
-                <a:srgbClr val="66C0F4"/>
-              </a:solidFill>
-            </a:endParaRPr>
           </a:p>
           <a:p>
             <a:pPr marL="285750" indent="-285750">
@@ -12802,7 +9071,7 @@
               <a:buChar char="•"/>
             </a:pPr>
             <a:r>
-              <a:rPr lang="en-US" b="1" dirty="0">
+              <a:rPr lang="it-IT" b="1" dirty="0">
                 <a:solidFill>
                   <a:srgbClr val="66C0F4"/>
                 </a:solidFill>
@@ -12819,19 +9088,11 @@
               <a:buChar char="•"/>
             </a:pPr>
             <a:r>
-              <a:rPr lang="en-US" b="1" dirty="0"/>
-              <a:t>Focus </a:t>
-            </a:r>
-            <a:r>
-              <a:rPr lang="en-US" b="1" dirty="0" err="1"/>
-              <a:t>su</a:t>
-            </a:r>
-            <a:r>
-              <a:rPr lang="en-US" b="1" dirty="0"/>
-              <a:t> </a:t>
-            </a:r>
-            <a:r>
-              <a:rPr lang="en-US" b="1" dirty="0">
+              <a:rPr lang="it-IT" b="1" dirty="0"/>
+              <a:t>Focus su </a:t>
+            </a:r>
+            <a:r>
+              <a:rPr lang="it-IT" b="1" dirty="0">
                 <a:solidFill>
                   <a:srgbClr val="66C0F4"/>
                 </a:solidFill>
@@ -12839,7 +9100,7 @@
               <a:t>Co-op</a:t>
             </a:r>
             <a:r>
-              <a:rPr lang="en-US" b="1" dirty="0">
+              <a:rPr lang="it-IT" b="1" dirty="0">
                 <a:solidFill>
                   <a:srgbClr val="C7D5E0"/>
                 </a:solidFill>
@@ -12847,7 +9108,7 @@
               <a:t>, </a:t>
             </a:r>
             <a:r>
-              <a:rPr lang="en-US" b="1" dirty="0" err="1">
+              <a:rPr lang="it-IT" b="1" dirty="0">
                 <a:solidFill>
                   <a:srgbClr val="66C0F4"/>
                 </a:solidFill>
@@ -12855,7 +9116,7 @@
               <a:t>SinglePlayer</a:t>
             </a:r>
             <a:r>
-              <a:rPr lang="en-US" b="1" dirty="0">
+              <a:rPr lang="it-IT" b="1" dirty="0">
                 <a:solidFill>
                   <a:srgbClr val="C7D5E0"/>
                 </a:solidFill>
@@ -12863,18 +9124,13 @@
               <a:t>, </a:t>
             </a:r>
             <a:r>
-              <a:rPr lang="en-US" b="1" dirty="0" err="1">
+              <a:rPr lang="it-IT" b="1" dirty="0">
                 <a:solidFill>
                   <a:srgbClr val="66C0F4"/>
                 </a:solidFill>
               </a:rPr>
               <a:t>MultiPlayer</a:t>
             </a:r>
-            <a:endParaRPr lang="en-US" b="1" dirty="0">
-              <a:solidFill>
-                <a:srgbClr val="66C0F4"/>
-              </a:solidFill>
-            </a:endParaRPr>
           </a:p>
         </p:txBody>
       </p:sp>
@@ -12946,18 +9202,13 @@
           <a:p>
             <a:pPr algn="ctr"/>
             <a:r>
-              <a:rPr lang="en-US" sz="3200" b="1">
+              <a:rPr lang="en-US" sz="3200" b="1" dirty="0">
                 <a:solidFill>
                   <a:srgbClr val="66C0F4"/>
                 </a:solidFill>
               </a:rPr>
               <a:t>I generi di successo – #N Download</a:t>
             </a:r>
-            <a:endParaRPr lang="en-US" sz="3200" b="1" dirty="0">
-              <a:solidFill>
-                <a:srgbClr val="66C0F4"/>
-              </a:solidFill>
-            </a:endParaRPr>
           </a:p>
         </p:txBody>
       </p:sp>
@@ -13119,39 +9370,7 @@
                   <a:srgbClr val="66C0F4"/>
                 </a:solidFill>
               </a:rPr>
-              <a:t>I </a:t>
-            </a:r>
-            <a:r>
-              <a:rPr lang="en-US" sz="3200" b="1" dirty="0" err="1">
-                <a:solidFill>
-                  <a:srgbClr val="66C0F4"/>
-                </a:solidFill>
-              </a:rPr>
-              <a:t>generi</a:t>
-            </a:r>
-            <a:r>
-              <a:rPr lang="en-US" sz="3200" b="1" dirty="0">
-                <a:solidFill>
-                  <a:srgbClr val="66C0F4"/>
-                </a:solidFill>
-              </a:rPr>
-              <a:t> di </a:t>
-            </a:r>
-            <a:r>
-              <a:rPr lang="en-US" sz="3200" b="1" dirty="0" err="1">
-                <a:solidFill>
-                  <a:srgbClr val="66C0F4"/>
-                </a:solidFill>
-              </a:rPr>
-              <a:t>successo</a:t>
-            </a:r>
-            <a:r>
-              <a:rPr lang="en-US" sz="3200" b="1" dirty="0">
-                <a:solidFill>
-                  <a:srgbClr val="66C0F4"/>
-                </a:solidFill>
-              </a:rPr>
-              <a:t> – Peak CCU</a:t>
+              <a:t>I generi di successo – Peak CCU</a:t>
             </a:r>
           </a:p>
         </p:txBody>
@@ -13314,39 +9533,7 @@
                   <a:srgbClr val="66C0F4"/>
                 </a:solidFill>
               </a:rPr>
-              <a:t>I </a:t>
-            </a:r>
-            <a:r>
-              <a:rPr lang="en-US" sz="3200" b="1" dirty="0" err="1">
-                <a:solidFill>
-                  <a:srgbClr val="66C0F4"/>
-                </a:solidFill>
-              </a:rPr>
-              <a:t>generi</a:t>
-            </a:r>
-            <a:r>
-              <a:rPr lang="en-US" sz="3200" b="1" dirty="0">
-                <a:solidFill>
-                  <a:srgbClr val="66C0F4"/>
-                </a:solidFill>
-              </a:rPr>
-              <a:t> di </a:t>
-            </a:r>
-            <a:r>
-              <a:rPr lang="en-US" sz="3200" b="1" dirty="0" err="1">
-                <a:solidFill>
-                  <a:srgbClr val="66C0F4"/>
-                </a:solidFill>
-              </a:rPr>
-              <a:t>successo</a:t>
-            </a:r>
-            <a:r>
-              <a:rPr lang="en-US" sz="3200" b="1" dirty="0">
-                <a:solidFill>
-                  <a:srgbClr val="66C0F4"/>
-                </a:solidFill>
-              </a:rPr>
-              <a:t> – Tempo Medio</a:t>
+              <a:t>I generi di successo – Tempo Medio</a:t>
             </a:r>
           </a:p>
         </p:txBody>
@@ -13504,18 +9691,13 @@
           <a:p>
             <a:pPr algn="ctr"/>
             <a:r>
-              <a:rPr lang="en-US" sz="3200" b="1" dirty="0" err="1">
+              <a:rPr lang="it-IT" sz="3200" b="1" dirty="0">
                 <a:solidFill>
                   <a:srgbClr val="66C0F4"/>
                 </a:solidFill>
               </a:rPr>
               <a:t>Conclusione</a:t>
             </a:r>
-            <a:endParaRPr lang="en-US" sz="3200" b="1" dirty="0">
-              <a:solidFill>
-                <a:srgbClr val="66C0F4"/>
-              </a:solidFill>
-            </a:endParaRPr>
           </a:p>
         </p:txBody>
       </p:sp>
@@ -13597,55 +9779,11 @@
           <a:lstStyle/>
           <a:p>
             <a:r>
-              <a:rPr lang="en-US" dirty="0" err="1"/>
-              <a:t>Possiamo</a:t>
-            </a:r>
-            <a:r>
-              <a:rPr lang="en-US" dirty="0"/>
-              <a:t> </a:t>
-            </a:r>
-            <a:r>
-              <a:rPr lang="en-US" dirty="0" err="1"/>
-              <a:t>quindi</a:t>
-            </a:r>
-            <a:r>
-              <a:rPr lang="en-US" dirty="0"/>
-              <a:t> </a:t>
-            </a:r>
-            <a:r>
-              <a:rPr lang="en-US" dirty="0" err="1"/>
-              <a:t>concludere</a:t>
-            </a:r>
-            <a:r>
-              <a:rPr lang="en-US" dirty="0"/>
-              <a:t> </a:t>
-            </a:r>
-            <a:r>
-              <a:rPr lang="en-US" dirty="0" err="1"/>
-              <a:t>che</a:t>
-            </a:r>
-            <a:r>
-              <a:rPr lang="en-US" dirty="0"/>
-              <a:t> le </a:t>
-            </a:r>
-            <a:r>
-              <a:rPr lang="en-US" dirty="0" err="1"/>
-              <a:t>migliori</a:t>
-            </a:r>
-            <a:r>
-              <a:rPr lang="en-US" dirty="0"/>
-              <a:t> </a:t>
-            </a:r>
-            <a:r>
-              <a:rPr lang="en-US" dirty="0" err="1"/>
-              <a:t>caratteristiche</a:t>
-            </a:r>
-            <a:r>
-              <a:rPr lang="en-US" dirty="0"/>
-              <a:t> per il </a:t>
-            </a:r>
-            <a:r>
-              <a:rPr lang="en-US" dirty="0" err="1">
+              <a:rPr lang="it-IT" dirty="0"/>
+              <a:t>Possiamo quindi concludere che le migliori caratteristiche per il </a:t>
+            </a:r>
+            <a:r>
+              <a:rPr lang="it-IT" dirty="0">
                 <a:solidFill>
                   <a:srgbClr val="66C0F4"/>
                 </a:solidFill>
@@ -13653,32 +9791,8 @@
               <a:t>successo</a:t>
             </a:r>
             <a:r>
-              <a:rPr lang="en-US" dirty="0"/>
-              <a:t> di un </a:t>
-            </a:r>
-            <a:r>
-              <a:rPr lang="en-US" dirty="0" err="1"/>
-              <a:t>videogioco</a:t>
-            </a:r>
-            <a:r>
-              <a:rPr lang="en-US" dirty="0"/>
-              <a:t> </a:t>
-            </a:r>
-            <a:r>
-              <a:rPr lang="en-US" dirty="0" err="1"/>
-              <a:t>sono</a:t>
-            </a:r>
-            <a:r>
-              <a:rPr lang="en-US" dirty="0"/>
-              <a:t> le </a:t>
-            </a:r>
-            <a:r>
-              <a:rPr lang="en-US" dirty="0" err="1"/>
-              <a:t>seguenti</a:t>
-            </a:r>
-            <a:r>
-              <a:rPr lang="en-US" dirty="0"/>
-              <a:t>:</a:t>
+              <a:rPr lang="it-IT" dirty="0"/>
+              <a:t> di un videogioco sono le seguenti:</a:t>
             </a:r>
           </a:p>
           <a:p>
@@ -13690,15 +9804,11 @@
               <a:buChar char="•"/>
             </a:pPr>
             <a:r>
-              <a:rPr lang="en-US" b="1" dirty="0" err="1"/>
-              <a:t>Genere</a:t>
-            </a:r>
-            <a:r>
-              <a:rPr lang="en-US" b="1" dirty="0"/>
-              <a:t>: </a:t>
-            </a:r>
-            <a:r>
-              <a:rPr lang="en-US" dirty="0">
+              <a:rPr lang="it-IT" b="1" dirty="0"/>
+              <a:t>Genere: </a:t>
+            </a:r>
+            <a:r>
+              <a:rPr lang="it-IT" dirty="0">
                 <a:solidFill>
                   <a:srgbClr val="66C0F4"/>
                 </a:solidFill>
@@ -13706,19 +9816,11 @@
               <a:t>Action</a:t>
             </a:r>
             <a:r>
-              <a:rPr lang="en-US" dirty="0"/>
-              <a:t> (</a:t>
-            </a:r>
-            <a:r>
-              <a:rPr lang="en-US" dirty="0" err="1"/>
-              <a:t>Potenzialmente</a:t>
-            </a:r>
-            <a:r>
-              <a:rPr lang="en-US" dirty="0"/>
-              <a:t> </a:t>
-            </a:r>
-            <a:r>
-              <a:rPr lang="en-US" dirty="0">
+              <a:rPr lang="it-IT" dirty="0"/>
+              <a:t> (Potenzialmente </a:t>
+            </a:r>
+            <a:r>
+              <a:rPr lang="it-IT" dirty="0">
                 <a:solidFill>
                   <a:srgbClr val="66C0F4"/>
                 </a:solidFill>
@@ -13726,7 +9828,7 @@
               <a:t>Action-Shooter</a:t>
             </a:r>
             <a:r>
-              <a:rPr lang="en-US" dirty="0"/>
+              <a:rPr lang="it-IT" dirty="0"/>
               <a:t>)</a:t>
             </a:r>
           </a:p>
@@ -13739,11 +9841,11 @@
               <a:buChar char="•"/>
             </a:pPr>
             <a:r>
-              <a:rPr lang="en-US" dirty="0"/>
+              <a:rPr lang="it-IT" dirty="0"/>
               <a:t>Maggiore è l’ </a:t>
             </a:r>
             <a:r>
-              <a:rPr lang="en-US" dirty="0">
+              <a:rPr lang="it-IT" dirty="0">
                 <a:solidFill>
                   <a:srgbClr val="66C0F4"/>
                 </a:solidFill>
@@ -13751,32 +9853,8 @@
               <a:t>I_P</a:t>
             </a:r>
             <a:r>
-              <a:rPr lang="en-US" dirty="0"/>
-              <a:t> </a:t>
-            </a:r>
-            <a:r>
-              <a:rPr lang="en-US" dirty="0" err="1"/>
-              <a:t>maggiore</a:t>
-            </a:r>
-            <a:r>
-              <a:rPr lang="en-US" dirty="0"/>
-              <a:t> è il </a:t>
-            </a:r>
-            <a:r>
-              <a:rPr lang="en-US" dirty="0" err="1"/>
-              <a:t>potenziale</a:t>
-            </a:r>
-            <a:r>
-              <a:rPr lang="en-US" dirty="0"/>
-              <a:t> </a:t>
-            </a:r>
-            <a:r>
-              <a:rPr lang="en-US" dirty="0" err="1"/>
-              <a:t>successo</a:t>
-            </a:r>
-            <a:r>
-              <a:rPr lang="en-US" dirty="0"/>
-              <a:t> </a:t>
+              <a:rPr lang="it-IT" dirty="0"/>
+              <a:t> maggiore è il potenziale successo </a:t>
             </a:r>
           </a:p>
           <a:p>
@@ -13788,7 +9866,7 @@
               <a:buChar char="•"/>
             </a:pPr>
             <a:r>
-              <a:rPr lang="en-US" b="1" dirty="0">
+              <a:rPr lang="it-IT" b="1" dirty="0">
                 <a:solidFill>
                   <a:srgbClr val="66C0F4"/>
                 </a:solidFill>
@@ -13796,28 +9874,12 @@
               <a:t>Free2Play</a:t>
             </a:r>
             <a:r>
-              <a:rPr lang="en-US" b="1" dirty="0"/>
+              <a:rPr lang="it-IT" b="1" dirty="0"/>
               <a:t> </a:t>
             </a:r>
             <a:r>
-              <a:rPr lang="en-US" dirty="0"/>
-              <a:t>è un </a:t>
-            </a:r>
-            <a:r>
-              <a:rPr lang="en-US" dirty="0" err="1"/>
-              <a:t>modello</a:t>
-            </a:r>
-            <a:r>
-              <a:rPr lang="en-US" dirty="0"/>
-              <a:t> </a:t>
-            </a:r>
-            <a:r>
-              <a:rPr lang="en-US" dirty="0" err="1"/>
-              <a:t>migliore</a:t>
-            </a:r>
-            <a:r>
-              <a:rPr lang="en-US" dirty="0"/>
-              <a:t> </a:t>
+              <a:rPr lang="it-IT" dirty="0"/>
+              <a:t>è un modello migliore </a:t>
             </a:r>
           </a:p>
           <a:p>
@@ -13826,7 +9888,7 @@
               <a:buChar char="•"/>
             </a:pPr>
             <a:r>
-              <a:rPr lang="en-US" b="1" dirty="0">
+              <a:rPr lang="it-IT" b="1" dirty="0">
                 <a:solidFill>
                   <a:srgbClr val="66C0F4"/>
                 </a:solidFill>
@@ -13834,62 +9896,21 @@
               <a:t>Multiplayer</a:t>
             </a:r>
             <a:r>
-              <a:rPr lang="en-US" b="1" dirty="0"/>
+              <a:rPr lang="it-IT" b="1" dirty="0"/>
               <a:t> </a:t>
             </a:r>
             <a:r>
-              <a:rPr lang="en-US" dirty="0"/>
-              <a:t>è la </a:t>
-            </a:r>
-            <a:r>
-              <a:rPr lang="en-US" dirty="0" err="1"/>
-              <a:t>modalità</a:t>
-            </a:r>
-            <a:r>
-              <a:rPr lang="en-US" dirty="0"/>
-              <a:t> di </a:t>
-            </a:r>
-            <a:r>
-              <a:rPr lang="en-US" dirty="0" err="1"/>
-              <a:t>gioco</a:t>
-            </a:r>
-            <a:r>
-              <a:rPr lang="en-US" dirty="0"/>
-              <a:t> </a:t>
-            </a:r>
-            <a:r>
-              <a:rPr lang="en-US" dirty="0" err="1"/>
-              <a:t>migliore</a:t>
-            </a:r>
-            <a:endParaRPr lang="en-US" dirty="0"/>
-          </a:p>
-          <a:p>
-            <a:endParaRPr lang="en-US" dirty="0"/>
-          </a:p>
-          <a:p>
-            <a:r>
-              <a:rPr lang="en-US" dirty="0" err="1"/>
-              <a:t>L’indicatore</a:t>
-            </a:r>
-            <a:r>
-              <a:rPr lang="en-US" dirty="0"/>
-              <a:t> del </a:t>
-            </a:r>
-            <a:r>
-              <a:rPr lang="en-US" dirty="0" err="1"/>
-              <a:t>successo</a:t>
-            </a:r>
-            <a:r>
-              <a:rPr lang="en-US" dirty="0"/>
-              <a:t> </a:t>
-            </a:r>
-            <a:r>
-              <a:rPr lang="en-US" dirty="0" err="1"/>
-              <a:t>dei</a:t>
-            </a:r>
-            <a:r>
-              <a:rPr lang="en-US" dirty="0"/>
-              <a:t> F2P è:</a:t>
+              <a:rPr lang="it-IT" dirty="0"/>
+              <a:t>è la modalità di gioco migliore</a:t>
+            </a:r>
+          </a:p>
+          <a:p>
+            <a:endParaRPr lang="it-IT" dirty="0"/>
+          </a:p>
+          <a:p>
+            <a:r>
+              <a:rPr lang="it-IT" dirty="0"/>
+              <a:t>L’indicatore del successo dei F2P è:</a:t>
             </a:r>
           </a:p>
           <a:p>
@@ -13901,79 +9922,22 @@
               <a:buChar char="•"/>
             </a:pPr>
             <a:r>
-              <a:rPr lang="en-US" b="1" dirty="0" err="1">
+              <a:rPr lang="it-IT" b="1" dirty="0">
                 <a:solidFill>
                   <a:srgbClr val="66C0F4"/>
                 </a:solidFill>
               </a:rPr>
-              <a:t>Tempo_Medio</a:t>
-            </a:r>
-            <a:r>
-              <a:rPr lang="en-US" b="1" dirty="0">
-                <a:solidFill>
-                  <a:srgbClr val="66C0F4"/>
-                </a:solidFill>
-              </a:rPr>
-              <a:t> * #Download </a:t>
-            </a:r>
-            <a:r>
-              <a:rPr lang="en-US" b="1" dirty="0"/>
-              <a:t>come </a:t>
-            </a:r>
-            <a:r>
-              <a:rPr lang="en-US" b="1" dirty="0" err="1"/>
-              <a:t>indicatore</a:t>
-            </a:r>
-            <a:r>
-              <a:rPr lang="en-US" b="1" dirty="0"/>
-              <a:t> del </a:t>
-            </a:r>
-            <a:r>
-              <a:rPr lang="en-US" b="1" dirty="0" err="1"/>
-              <a:t>successo</a:t>
-            </a:r>
-            <a:endParaRPr lang="en-US" b="1" dirty="0"/>
-          </a:p>
-          <a:p>
-            <a:r>
-              <a:rPr lang="en-US" dirty="0" err="1"/>
-              <a:t>Mentre</a:t>
-            </a:r>
-            <a:r>
-              <a:rPr lang="en-US" dirty="0"/>
-              <a:t> </a:t>
-            </a:r>
-            <a:r>
-              <a:rPr lang="en-US" dirty="0" err="1"/>
-              <a:t>quello</a:t>
-            </a:r>
-            <a:r>
-              <a:rPr lang="en-US" dirty="0"/>
-              <a:t> per </a:t>
-            </a:r>
-            <a:r>
-              <a:rPr lang="en-US" dirty="0" err="1"/>
-              <a:t>i</a:t>
-            </a:r>
-            <a:r>
-              <a:rPr lang="en-US" dirty="0"/>
-              <a:t> </a:t>
-            </a:r>
-            <a:r>
-              <a:rPr lang="en-US" dirty="0" err="1"/>
-              <a:t>videogiochi</a:t>
-            </a:r>
-            <a:r>
-              <a:rPr lang="en-US" dirty="0"/>
-              <a:t> a </a:t>
-            </a:r>
-            <a:r>
-              <a:rPr lang="en-US" dirty="0" err="1"/>
-              <a:t>pagamento</a:t>
-            </a:r>
-            <a:r>
-              <a:rPr lang="en-US" dirty="0"/>
-              <a:t> è:</a:t>
+              <a:t>Tempo_Medio * #Download </a:t>
+            </a:r>
+            <a:r>
+              <a:rPr lang="it-IT" b="1" dirty="0"/>
+              <a:t>come indicatore del successo</a:t>
+            </a:r>
+          </a:p>
+          <a:p>
+            <a:r>
+              <a:rPr lang="it-IT" dirty="0"/>
+              <a:t>Mentre quello per i videogiochi a pagamento è:</a:t>
             </a:r>
           </a:p>
           <a:p>
@@ -13985,18 +9949,13 @@
               <a:buChar char="•"/>
             </a:pPr>
             <a:r>
-              <a:rPr lang="en-US" b="1" dirty="0" err="1">
+              <a:rPr lang="it-IT" b="1" dirty="0">
                 <a:solidFill>
                   <a:srgbClr val="66C0F4"/>
                 </a:solidFill>
               </a:rPr>
               <a:t>Estimated_Owners</a:t>
             </a:r>
-            <a:endParaRPr lang="en-US" b="1" dirty="0">
-              <a:solidFill>
-                <a:srgbClr val="66C0F4"/>
-              </a:solidFill>
-            </a:endParaRPr>
           </a:p>
         </p:txBody>
       </p:sp>
@@ -14068,34 +10027,13 @@
           <a:p>
             <a:pPr algn="ctr"/>
             <a:r>
-              <a:rPr lang="en-US" sz="3200" b="1" dirty="0" err="1">
+              <a:rPr lang="en-US" sz="3200" b="1" dirty="0">
                 <a:solidFill>
                   <a:srgbClr val="66C0F4"/>
                 </a:solidFill>
               </a:rPr>
-              <a:t>Possibili</a:t>
-            </a:r>
-            <a:r>
-              <a:rPr lang="en-US" sz="3200" b="1" dirty="0">
-                <a:solidFill>
-                  <a:srgbClr val="66C0F4"/>
-                </a:solidFill>
-              </a:rPr>
-              <a:t> </a:t>
-            </a:r>
-            <a:r>
-              <a:rPr lang="en-US" sz="3200" b="1" dirty="0" err="1">
-                <a:solidFill>
-                  <a:srgbClr val="66C0F4"/>
-                </a:solidFill>
-              </a:rPr>
-              <a:t>Sviluppi</a:t>
-            </a:r>
-            <a:endParaRPr lang="en-US" sz="3200" b="1" dirty="0">
-              <a:solidFill>
-                <a:srgbClr val="66C0F4"/>
-              </a:solidFill>
-            </a:endParaRPr>
+              <a:t>Possibili Sviluppi</a:t>
+            </a:r>
           </a:p>
         </p:txBody>
       </p:sp>
@@ -14177,608 +10115,32 @@
           <a:lstStyle/>
           <a:p>
             <a:r>
-              <a:rPr lang="en-US" dirty="0" err="1"/>
-              <a:t>Potrebbe</a:t>
-            </a:r>
-            <a:r>
               <a:rPr lang="en-US" dirty="0"/>
-              <a:t> </a:t>
-            </a:r>
-            <a:r>
-              <a:rPr lang="en-US" dirty="0" err="1"/>
-              <a:t>essere</a:t>
-            </a:r>
+              <a:t>Potrebbe essere interessante eseguire una simile analisi su altri storefront di distribuzione di videogiochi (anche su altre piattaforme come Mobile o Console) per approfondire le differenze tra le userbase degli store.</a:t>
+            </a:r>
+          </a:p>
+          <a:p>
+            <a:endParaRPr lang="en-US" dirty="0"/>
+          </a:p>
+          <a:p>
+            <a:endParaRPr lang="it-IT" dirty="0"/>
+          </a:p>
+          <a:p>
             <a:r>
               <a:rPr lang="en-US" dirty="0"/>
-              <a:t> </a:t>
-            </a:r>
-            <a:r>
-              <a:rPr lang="en-US" dirty="0" err="1"/>
-              <a:t>interessante</a:t>
-            </a:r>
+              <a:t>Si potrebbe utilizzare i classificatori analizzati per costruire un modello di predizione del successo di un videogioco in base alle sue caratteristiche principali (TAGS, GENERI, …) attraverso una regressione logistica.</a:t>
+            </a:r>
+          </a:p>
+          <a:p>
+            <a:endParaRPr lang="en-US" dirty="0"/>
+          </a:p>
+          <a:p>
+            <a:endParaRPr lang="en-US" dirty="0"/>
+          </a:p>
+          <a:p>
             <a:r>
               <a:rPr lang="en-US" dirty="0"/>
-              <a:t> </a:t>
-            </a:r>
-            <a:r>
-              <a:rPr lang="en-US" dirty="0" err="1"/>
-              <a:t>eseguire</a:t>
-            </a:r>
-            <a:r>
-              <a:rPr lang="en-US" dirty="0"/>
-              <a:t> </a:t>
-            </a:r>
-            <a:r>
-              <a:rPr lang="en-US" dirty="0" err="1"/>
-              <a:t>una</a:t>
-            </a:r>
-            <a:r>
-              <a:rPr lang="en-US" dirty="0"/>
-              <a:t> simile </a:t>
-            </a:r>
-            <a:r>
-              <a:rPr lang="en-US" dirty="0" err="1"/>
-              <a:t>analisi</a:t>
-            </a:r>
-            <a:r>
-              <a:rPr lang="en-US" dirty="0"/>
-              <a:t> </a:t>
-            </a:r>
-            <a:r>
-              <a:rPr lang="en-US" dirty="0" err="1"/>
-              <a:t>su</a:t>
-            </a:r>
-            <a:r>
-              <a:rPr lang="en-US" dirty="0"/>
-              <a:t> </a:t>
-            </a:r>
-            <a:r>
-              <a:rPr lang="en-US" dirty="0" err="1"/>
-              <a:t>altri</a:t>
-            </a:r>
-            <a:r>
-              <a:rPr lang="en-US" dirty="0"/>
-              <a:t> storefront di </a:t>
-            </a:r>
-            <a:r>
-              <a:rPr lang="en-US" dirty="0" err="1"/>
-              <a:t>distribuzione</a:t>
-            </a:r>
-            <a:r>
-              <a:rPr lang="en-US" dirty="0"/>
-              <a:t> di </a:t>
-            </a:r>
-            <a:r>
-              <a:rPr lang="en-US" dirty="0" err="1"/>
-              <a:t>videogiochi</a:t>
-            </a:r>
-            <a:r>
-              <a:rPr lang="en-US" dirty="0"/>
-              <a:t> (</a:t>
-            </a:r>
-            <a:r>
-              <a:rPr lang="en-US" dirty="0" err="1"/>
-              <a:t>anche</a:t>
-            </a:r>
-            <a:r>
-              <a:rPr lang="en-US" dirty="0"/>
-              <a:t> </a:t>
-            </a:r>
-            <a:r>
-              <a:rPr lang="en-US" dirty="0" err="1"/>
-              <a:t>su</a:t>
-            </a:r>
-            <a:r>
-              <a:rPr lang="en-US" dirty="0"/>
-              <a:t> </a:t>
-            </a:r>
-            <a:r>
-              <a:rPr lang="en-US" dirty="0" err="1"/>
-              <a:t>altre</a:t>
-            </a:r>
-            <a:r>
-              <a:rPr lang="en-US" dirty="0"/>
-              <a:t> </a:t>
-            </a:r>
-            <a:r>
-              <a:rPr lang="en-US" dirty="0" err="1"/>
-              <a:t>piattaforme</a:t>
-            </a:r>
-            <a:r>
-              <a:rPr lang="en-US" dirty="0"/>
-              <a:t> come Mobile o Console) per </a:t>
-            </a:r>
-            <a:r>
-              <a:rPr lang="en-US" dirty="0" err="1"/>
-              <a:t>approfondire</a:t>
-            </a:r>
-            <a:r>
-              <a:rPr lang="en-US" dirty="0"/>
-              <a:t> le </a:t>
-            </a:r>
-            <a:r>
-              <a:rPr lang="en-US" dirty="0" err="1"/>
-              <a:t>differenze</a:t>
-            </a:r>
-            <a:r>
-              <a:rPr lang="en-US" dirty="0"/>
-              <a:t> </a:t>
-            </a:r>
-            <a:r>
-              <a:rPr lang="en-US" dirty="0" err="1"/>
-              <a:t>tra</a:t>
-            </a:r>
-            <a:r>
-              <a:rPr lang="en-US" dirty="0"/>
-              <a:t> le userbase </a:t>
-            </a:r>
-            <a:r>
-              <a:rPr lang="en-US" dirty="0" err="1"/>
-              <a:t>degli</a:t>
-            </a:r>
-            <a:r>
-              <a:rPr lang="en-US" dirty="0"/>
-              <a:t> store.</a:t>
-            </a:r>
-          </a:p>
-          <a:p>
-            <a:endParaRPr lang="en-US" dirty="0"/>
-          </a:p>
-          <a:p>
-            <a:endParaRPr lang="it-IT" dirty="0"/>
-          </a:p>
-          <a:p>
-            <a:r>
-              <a:rPr lang="en-US" dirty="0"/>
-              <a:t>Si </a:t>
-            </a:r>
-            <a:r>
-              <a:rPr lang="en-US" dirty="0" err="1"/>
-              <a:t>potrebbe</a:t>
-            </a:r>
-            <a:r>
-              <a:rPr lang="en-US" dirty="0"/>
-              <a:t> </a:t>
-            </a:r>
-            <a:r>
-              <a:rPr lang="en-US" dirty="0" err="1"/>
-              <a:t>utilizzare</a:t>
-            </a:r>
-            <a:r>
-              <a:rPr lang="en-US" dirty="0"/>
-              <a:t> </a:t>
-            </a:r>
-            <a:r>
-              <a:rPr lang="en-US" dirty="0" err="1"/>
-              <a:t>i</a:t>
-            </a:r>
-            <a:r>
-              <a:rPr lang="en-US" dirty="0"/>
-              <a:t> </a:t>
-            </a:r>
-            <a:r>
-              <a:rPr lang="en-US" dirty="0" err="1"/>
-              <a:t>classificatori</a:t>
-            </a:r>
-            <a:r>
-              <a:rPr lang="en-US" dirty="0"/>
-              <a:t> </a:t>
-            </a:r>
-            <a:r>
-              <a:rPr lang="en-US" dirty="0" err="1"/>
-              <a:t>analizzati</a:t>
-            </a:r>
-            <a:r>
-              <a:rPr lang="en-US" dirty="0"/>
-              <a:t> per </a:t>
-            </a:r>
-            <a:r>
-              <a:rPr lang="en-US" dirty="0" err="1"/>
-              <a:t>costruire</a:t>
-            </a:r>
-            <a:r>
-              <a:rPr lang="en-US" dirty="0"/>
-              <a:t> un </a:t>
-            </a:r>
-            <a:r>
-              <a:rPr lang="en-US" dirty="0" err="1"/>
-              <a:t>modello</a:t>
-            </a:r>
-            <a:r>
-              <a:rPr lang="en-US" dirty="0"/>
-              <a:t> di </a:t>
-            </a:r>
-            <a:r>
-              <a:rPr lang="en-US" dirty="0" err="1"/>
-              <a:t>predizione</a:t>
-            </a:r>
-            <a:r>
-              <a:rPr lang="en-US" dirty="0"/>
-              <a:t> del </a:t>
-            </a:r>
-            <a:r>
-              <a:rPr lang="en-US" dirty="0" err="1"/>
-              <a:t>successo</a:t>
-            </a:r>
-            <a:r>
-              <a:rPr lang="en-US" dirty="0"/>
-              <a:t> di un </a:t>
-            </a:r>
-            <a:r>
-              <a:rPr lang="en-US" dirty="0" err="1"/>
-              <a:t>videogioco</a:t>
-            </a:r>
-            <a:r>
-              <a:rPr lang="en-US" dirty="0"/>
-              <a:t> in base alle sue </a:t>
-            </a:r>
-            <a:r>
-              <a:rPr lang="en-US" dirty="0" err="1"/>
-              <a:t>caratteristiche</a:t>
-            </a:r>
-            <a:r>
-              <a:rPr lang="en-US" dirty="0"/>
-              <a:t> </a:t>
-            </a:r>
-            <a:r>
-              <a:rPr lang="en-US" dirty="0" err="1"/>
-              <a:t>principali</a:t>
-            </a:r>
-            <a:r>
-              <a:rPr lang="en-US" dirty="0"/>
-              <a:t> (TAGS, GENERI, …) </a:t>
-            </a:r>
-            <a:r>
-              <a:rPr lang="en-US" dirty="0" err="1"/>
-              <a:t>attraverso</a:t>
-            </a:r>
-            <a:r>
-              <a:rPr lang="en-US" dirty="0"/>
-              <a:t> </a:t>
-            </a:r>
-            <a:r>
-              <a:rPr lang="en-US" dirty="0" err="1"/>
-              <a:t>una</a:t>
-            </a:r>
-            <a:r>
-              <a:rPr lang="en-US" dirty="0"/>
-              <a:t> </a:t>
-            </a:r>
-            <a:r>
-              <a:rPr lang="en-US" dirty="0" err="1"/>
-              <a:t>regressione</a:t>
-            </a:r>
-            <a:r>
-              <a:rPr lang="en-US" dirty="0"/>
-              <a:t> </a:t>
-            </a:r>
-            <a:r>
-              <a:rPr lang="en-US" dirty="0" err="1"/>
-              <a:t>logistica</a:t>
-            </a:r>
-            <a:r>
-              <a:rPr lang="en-US" dirty="0"/>
-              <a:t>.</a:t>
-            </a:r>
-          </a:p>
-          <a:p>
-            <a:endParaRPr lang="en-US" dirty="0"/>
-          </a:p>
-          <a:p>
-            <a:endParaRPr lang="en-US" dirty="0"/>
-          </a:p>
-          <a:p>
-            <a:r>
-              <a:rPr lang="en-US" dirty="0" err="1"/>
-              <a:t>Recuperando</a:t>
-            </a:r>
-            <a:r>
-              <a:rPr lang="en-US" dirty="0"/>
-              <a:t> le </a:t>
-            </a:r>
-            <a:r>
-              <a:rPr lang="en-US" dirty="0" err="1"/>
-              <a:t>informazioni</a:t>
-            </a:r>
-            <a:r>
-              <a:rPr lang="en-US" dirty="0"/>
-              <a:t> </a:t>
-            </a:r>
-            <a:r>
-              <a:rPr lang="en-US" dirty="0" err="1"/>
-              <a:t>sulle</a:t>
-            </a:r>
-            <a:r>
-              <a:rPr lang="en-US" dirty="0"/>
-              <a:t> </a:t>
-            </a:r>
-            <a:r>
-              <a:rPr lang="en-US" dirty="0" err="1"/>
-              <a:t>caratteristiche</a:t>
-            </a:r>
-            <a:r>
-              <a:rPr lang="en-US" dirty="0"/>
-              <a:t> </a:t>
-            </a:r>
-            <a:r>
-              <a:rPr lang="en-US" dirty="0" err="1"/>
-              <a:t>delle</a:t>
-            </a:r>
-            <a:r>
-              <a:rPr lang="en-US" dirty="0"/>
-              <a:t> MTX </a:t>
-            </a:r>
-            <a:r>
-              <a:rPr lang="en-US" dirty="0" err="1"/>
-              <a:t>vendute</a:t>
-            </a:r>
-            <a:r>
-              <a:rPr lang="en-US" dirty="0"/>
-              <a:t> </a:t>
-            </a:r>
-            <a:r>
-              <a:rPr lang="en-US" dirty="0" err="1"/>
-              <a:t>nei</a:t>
-            </a:r>
-            <a:r>
-              <a:rPr lang="en-US" dirty="0"/>
-              <a:t> </a:t>
-            </a:r>
-            <a:r>
-              <a:rPr lang="en-US" dirty="0" err="1"/>
-              <a:t>videogiochi</a:t>
-            </a:r>
-            <a:r>
-              <a:rPr lang="en-US" dirty="0"/>
-              <a:t> F2P </a:t>
-            </a:r>
-            <a:r>
-              <a:rPr lang="en-US" dirty="0" err="1"/>
-              <a:t>sarebbe</a:t>
-            </a:r>
-            <a:r>
-              <a:rPr lang="en-US" dirty="0"/>
-              <a:t> </a:t>
-            </a:r>
-            <a:r>
-              <a:rPr lang="en-US" dirty="0" err="1"/>
-              <a:t>possibile</a:t>
-            </a:r>
-            <a:r>
-              <a:rPr lang="en-US" dirty="0"/>
-              <a:t> </a:t>
-            </a:r>
-            <a:r>
-              <a:rPr lang="en-US" dirty="0" err="1"/>
-              <a:t>effettuare</a:t>
-            </a:r>
-            <a:r>
-              <a:rPr lang="en-US" dirty="0"/>
-              <a:t> </a:t>
-            </a:r>
-            <a:r>
-              <a:rPr lang="en-US" dirty="0" err="1"/>
-              <a:t>una</a:t>
-            </a:r>
-            <a:r>
-              <a:rPr lang="en-US" dirty="0"/>
-              <a:t> </a:t>
-            </a:r>
-            <a:r>
-              <a:rPr lang="en-US" dirty="0" err="1"/>
-              <a:t>più</a:t>
-            </a:r>
-            <a:r>
-              <a:rPr lang="en-US" dirty="0"/>
-              <a:t> </a:t>
-            </a:r>
-            <a:r>
-              <a:rPr lang="en-US" dirty="0" err="1"/>
-              <a:t>precisa</a:t>
-            </a:r>
-            <a:r>
-              <a:rPr lang="en-US" dirty="0"/>
-              <a:t> </a:t>
-            </a:r>
-            <a:r>
-              <a:rPr lang="en-US" dirty="0" err="1"/>
-              <a:t>analisi</a:t>
-            </a:r>
-            <a:r>
-              <a:rPr lang="en-US" dirty="0"/>
-              <a:t> </a:t>
-            </a:r>
-            <a:r>
-              <a:rPr lang="en-US" dirty="0" err="1"/>
-              <a:t>delle</a:t>
-            </a:r>
-            <a:r>
-              <a:rPr lang="en-US" dirty="0"/>
-              <a:t> </a:t>
-            </a:r>
-            <a:r>
-              <a:rPr lang="en-US" dirty="0" err="1"/>
-              <a:t>differenze</a:t>
-            </a:r>
-            <a:r>
-              <a:rPr lang="en-US" dirty="0"/>
-              <a:t> di Revenue </a:t>
-            </a:r>
-            <a:r>
-              <a:rPr lang="en-US" dirty="0" err="1"/>
-              <a:t>tra</a:t>
-            </a:r>
-            <a:r>
-              <a:rPr lang="en-US" dirty="0"/>
-              <a:t> </a:t>
-            </a:r>
-            <a:r>
-              <a:rPr lang="en-US" dirty="0" err="1"/>
-              <a:t>i</a:t>
-            </a:r>
-            <a:r>
-              <a:rPr lang="en-US" dirty="0"/>
-              <a:t> free to play ed </a:t>
-            </a:r>
-            <a:r>
-              <a:rPr lang="en-US" dirty="0" err="1"/>
-              <a:t>i</a:t>
-            </a:r>
-            <a:r>
-              <a:rPr lang="en-US" dirty="0"/>
-              <a:t> </a:t>
-            </a:r>
-            <a:r>
-              <a:rPr lang="en-US" dirty="0" err="1"/>
-              <a:t>videogiochi</a:t>
-            </a:r>
-            <a:r>
-              <a:rPr lang="en-US" dirty="0"/>
-              <a:t> a </a:t>
-            </a:r>
-            <a:r>
-              <a:rPr lang="en-US" dirty="0" err="1"/>
-              <a:t>pagamento</a:t>
-            </a:r>
-            <a:r>
-              <a:rPr lang="en-US" dirty="0"/>
-              <a:t>, </a:t>
-            </a:r>
-            <a:r>
-              <a:rPr lang="en-US" dirty="0" err="1"/>
-              <a:t>espandendo</a:t>
-            </a:r>
-            <a:r>
-              <a:rPr lang="en-US" dirty="0"/>
-              <a:t> </a:t>
-            </a:r>
-            <a:r>
-              <a:rPr lang="en-US" dirty="0" err="1"/>
-              <a:t>quindi</a:t>
-            </a:r>
-            <a:r>
-              <a:rPr lang="en-US" dirty="0"/>
-              <a:t> </a:t>
-            </a:r>
-            <a:r>
-              <a:rPr lang="en-US" dirty="0" err="1"/>
-              <a:t>gli</a:t>
-            </a:r>
-            <a:r>
-              <a:rPr lang="en-US" dirty="0"/>
-              <a:t> </a:t>
-            </a:r>
-            <a:r>
-              <a:rPr lang="en-US" dirty="0" err="1"/>
-              <a:t>indici</a:t>
-            </a:r>
-            <a:r>
-              <a:rPr lang="en-US" dirty="0"/>
-              <a:t> del </a:t>
-            </a:r>
-            <a:r>
-              <a:rPr lang="en-US" dirty="0" err="1"/>
-              <a:t>successo</a:t>
-            </a:r>
-            <a:r>
-              <a:rPr lang="en-US" dirty="0"/>
-              <a:t> ad </a:t>
-            </a:r>
-            <a:r>
-              <a:rPr lang="en-US" dirty="0" err="1"/>
-              <a:t>includere</a:t>
-            </a:r>
-            <a:r>
-              <a:rPr lang="en-US" dirty="0"/>
-              <a:t> il </a:t>
-            </a:r>
-            <a:r>
-              <a:rPr lang="en-US" dirty="0" err="1"/>
-              <a:t>concreto</a:t>
-            </a:r>
-            <a:r>
-              <a:rPr lang="en-US" dirty="0"/>
-              <a:t> </a:t>
-            </a:r>
-            <a:r>
-              <a:rPr lang="en-US" dirty="0" err="1"/>
-              <a:t>valore</a:t>
-            </a:r>
-            <a:r>
-              <a:rPr lang="en-US" dirty="0"/>
-              <a:t> </a:t>
-            </a:r>
-            <a:r>
-              <a:rPr lang="en-US" dirty="0" err="1"/>
-              <a:t>economico</a:t>
-            </a:r>
-            <a:r>
-              <a:rPr lang="en-US" dirty="0"/>
-              <a:t> </a:t>
-            </a:r>
-            <a:r>
-              <a:rPr lang="en-US" dirty="0" err="1"/>
-              <a:t>dei</a:t>
-            </a:r>
-            <a:r>
-              <a:rPr lang="en-US" dirty="0"/>
-              <a:t> download o del tempo </a:t>
-            </a:r>
-            <a:r>
-              <a:rPr lang="en-US" dirty="0" err="1"/>
-              <a:t>passato</a:t>
-            </a:r>
-            <a:r>
-              <a:rPr lang="en-US" dirty="0"/>
-              <a:t> online (</a:t>
-            </a:r>
-            <a:r>
-              <a:rPr lang="en-US" dirty="0" err="1"/>
-              <a:t>utilizzando</a:t>
-            </a:r>
-            <a:r>
-              <a:rPr lang="en-US" dirty="0"/>
-              <a:t> </a:t>
-            </a:r>
-            <a:r>
-              <a:rPr lang="en-US" dirty="0" err="1"/>
-              <a:t>una</a:t>
-            </a:r>
-            <a:r>
-              <a:rPr lang="en-US" dirty="0"/>
-              <a:t> </a:t>
-            </a:r>
-            <a:r>
-              <a:rPr lang="en-US" dirty="0" err="1"/>
-              <a:t>correlazione</a:t>
-            </a:r>
-            <a:r>
-              <a:rPr lang="en-US" dirty="0"/>
-              <a:t> con il </a:t>
-            </a:r>
-            <a:r>
-              <a:rPr lang="en-US" dirty="0" err="1"/>
-              <a:t>numero</a:t>
-            </a:r>
-            <a:r>
-              <a:rPr lang="en-US" dirty="0"/>
-              <a:t> medio di </a:t>
-            </a:r>
-            <a:r>
-              <a:rPr lang="en-US" dirty="0" err="1"/>
-              <a:t>acquisti</a:t>
-            </a:r>
-            <a:r>
-              <a:rPr lang="en-US" dirty="0"/>
-              <a:t> di MTX per </a:t>
-            </a:r>
-            <a:r>
-              <a:rPr lang="en-US" dirty="0" err="1"/>
-              <a:t>unità</a:t>
-            </a:r>
-            <a:r>
-              <a:rPr lang="en-US" dirty="0"/>
-              <a:t> di tempo).</a:t>
+              <a:t>Recuperando le informazioni sulle caratteristiche delle MTX vendute nei videogiochi F2P sarebbe possibile effettuare una più precisa analisi delle differenze di Revenue tra i free to play ed i videogiochi a pagamento, espandendo quindi gli indici del successo ad includere il concreto valore economico dei download o del tempo passato online (utilizzando una correlazione con il numero medio di acquisti di MTX per unità di tempo).</a:t>
             </a:r>
           </a:p>
         </p:txBody>
@@ -14851,40 +10213,13 @@
           <a:p>
             <a:pPr algn="ctr"/>
             <a:r>
-              <a:rPr lang="en-US" sz="3200" b="1" dirty="0" err="1">
+              <a:rPr lang="en-US" sz="3200" b="1" dirty="0">
                 <a:solidFill>
                   <a:srgbClr val="66C0F4"/>
                 </a:solidFill>
                 <a:cs typeface="Arial" panose="020B0604020202020204" pitchFamily="34" charset="0"/>
               </a:rPr>
-              <a:t>Raccolta</a:t>
-            </a:r>
-            <a:r>
-              <a:rPr lang="en-US" sz="3200" b="1" dirty="0">
-                <a:solidFill>
-                  <a:srgbClr val="66C0F4"/>
-                </a:solidFill>
-                <a:cs typeface="Arial" panose="020B0604020202020204" pitchFamily="34" charset="0"/>
-              </a:rPr>
-              <a:t> e </a:t>
-            </a:r>
-            <a:r>
-              <a:rPr lang="en-US" sz="3200" b="1" dirty="0" err="1">
-                <a:solidFill>
-                  <a:srgbClr val="66C0F4"/>
-                </a:solidFill>
-                <a:cs typeface="Arial" panose="020B0604020202020204" pitchFamily="34" charset="0"/>
-              </a:rPr>
-              <a:t>Analisi</a:t>
-            </a:r>
-            <a:r>
-              <a:rPr lang="en-US" sz="3200" b="1" dirty="0">
-                <a:solidFill>
-                  <a:srgbClr val="66C0F4"/>
-                </a:solidFill>
-                <a:cs typeface="Arial" panose="020B0604020202020204" pitchFamily="34" charset="0"/>
-              </a:rPr>
-              <a:t> di Dati</a:t>
+              <a:t>Raccolta e Analisi di Dati</a:t>
             </a:r>
           </a:p>
         </p:txBody>
@@ -14967,11 +10302,11 @@
           <a:lstStyle/>
           <a:p>
             <a:r>
-              <a:rPr lang="en-US" dirty="0"/>
+              <a:rPr lang="it-IT" dirty="0"/>
               <a:t>Il </a:t>
             </a:r>
             <a:r>
-              <a:rPr lang="en-US" dirty="0">
+              <a:rPr lang="it-IT" dirty="0">
                 <a:solidFill>
                   <a:srgbClr val="66C0F4"/>
                 </a:solidFill>
@@ -14979,231 +10314,71 @@
               <a:t>database</a:t>
             </a:r>
             <a:r>
-              <a:rPr lang="en-US" dirty="0"/>
-              <a:t> </a:t>
-            </a:r>
-            <a:r>
-              <a:rPr lang="en-US" dirty="0" err="1"/>
-              <a:t>costruito</a:t>
-            </a:r>
-            <a:r>
-              <a:rPr lang="en-US" dirty="0"/>
-              <a:t> </a:t>
-            </a:r>
-            <a:r>
-              <a:rPr lang="en-US" dirty="0" err="1"/>
-              <a:t>contiene</a:t>
-            </a:r>
-            <a:r>
-              <a:rPr lang="en-US" dirty="0"/>
-              <a:t> </a:t>
-            </a:r>
-            <a:r>
-              <a:rPr lang="en-US" dirty="0" err="1"/>
+              <a:rPr lang="it-IT" dirty="0"/>
+              <a:t> costruito contiene informazioni sui </a:t>
+            </a:r>
+            <a:r>
+              <a:rPr lang="it-IT" dirty="0">
+                <a:solidFill>
+                  <a:srgbClr val="66C0F4"/>
+                </a:solidFill>
+              </a:rPr>
+              <a:t>Videogiochi</a:t>
+            </a:r>
+            <a:r>
+              <a:rPr lang="it-IT" dirty="0"/>
+              <a:t> distribuiti da STEAM, coprendo gli anni dal 2003 al 2022.</a:t>
+            </a:r>
+          </a:p>
+          <a:p>
+            <a:endParaRPr lang="it-IT" dirty="0"/>
+          </a:p>
+          <a:p>
+            <a:r>
+              <a:rPr lang="it-IT" dirty="0"/>
+              <a:t>I dati raccolti contengono informazioni su </a:t>
+            </a:r>
+            <a:r>
+              <a:rPr lang="it-IT" dirty="0">
+                <a:solidFill>
+                  <a:srgbClr val="66C0F4"/>
+                </a:solidFill>
+              </a:rPr>
+              <a:t>72934</a:t>
+            </a:r>
+            <a:r>
+              <a:rPr lang="it-IT" dirty="0"/>
+              <a:t> Videogiochi:</a:t>
+            </a:r>
+          </a:p>
+          <a:p>
+            <a:r>
+              <a:rPr lang="it-IT" dirty="0"/>
+              <a:t>Le </a:t>
+            </a:r>
+            <a:r>
+              <a:rPr lang="it-IT" dirty="0">
+                <a:solidFill>
+                  <a:srgbClr val="66C0F4"/>
+                </a:solidFill>
+              </a:rPr>
+              <a:t>righe</a:t>
+            </a:r>
+            <a:r>
+              <a:rPr lang="it-IT" dirty="0"/>
+              <a:t> di questo dataset contengono diverse </a:t>
+            </a:r>
+            <a:r>
+              <a:rPr lang="it-IT" dirty="0">
+                <a:solidFill>
+                  <a:srgbClr val="66C0F4"/>
+                </a:solidFill>
+              </a:rPr>
               <a:t>informazioni</a:t>
             </a:r>
             <a:r>
-              <a:rPr lang="en-US" dirty="0"/>
-              <a:t> sui </a:t>
-            </a:r>
-            <a:r>
-              <a:rPr lang="en-US" dirty="0" err="1">
-                <a:solidFill>
-                  <a:srgbClr val="66C0F4"/>
-                </a:solidFill>
-              </a:rPr>
-              <a:t>Videogiochi</a:t>
-            </a:r>
-            <a:r>
-              <a:rPr lang="en-US" dirty="0"/>
-              <a:t> </a:t>
-            </a:r>
-            <a:r>
-              <a:rPr lang="en-US" dirty="0" err="1"/>
-              <a:t>distribuiti</a:t>
-            </a:r>
-            <a:r>
-              <a:rPr lang="en-US" dirty="0"/>
-              <a:t> da STEAM, </a:t>
-            </a:r>
-            <a:r>
-              <a:rPr lang="en-US" dirty="0" err="1"/>
-              <a:t>coprendo</a:t>
-            </a:r>
-            <a:r>
-              <a:rPr lang="en-US" dirty="0"/>
-              <a:t> </a:t>
-            </a:r>
-            <a:r>
-              <a:rPr lang="en-US" dirty="0" err="1"/>
-              <a:t>gli</a:t>
-            </a:r>
-            <a:r>
-              <a:rPr lang="en-US" dirty="0"/>
-              <a:t> anni dal 2003 al 2022.</a:t>
-            </a:r>
-          </a:p>
-          <a:p>
-            <a:endParaRPr lang="en-US" dirty="0"/>
-          </a:p>
-          <a:p>
-            <a:r>
-              <a:rPr lang="en-US" dirty="0"/>
-              <a:t>I </a:t>
-            </a:r>
-            <a:r>
-              <a:rPr lang="en-US" dirty="0" err="1"/>
-              <a:t>dati</a:t>
-            </a:r>
-            <a:r>
-              <a:rPr lang="en-US" dirty="0"/>
-              <a:t> </a:t>
-            </a:r>
-            <a:r>
-              <a:rPr lang="en-US" dirty="0" err="1"/>
-              <a:t>raccolti</a:t>
-            </a:r>
-            <a:r>
-              <a:rPr lang="en-US" dirty="0"/>
-              <a:t> </a:t>
-            </a:r>
-            <a:r>
-              <a:rPr lang="en-US" dirty="0" err="1"/>
-              <a:t>contengono</a:t>
-            </a:r>
-            <a:r>
-              <a:rPr lang="en-US" dirty="0"/>
-              <a:t> </a:t>
-            </a:r>
-            <a:r>
-              <a:rPr lang="en-US" dirty="0" err="1"/>
-              <a:t>informazioni</a:t>
-            </a:r>
-            <a:r>
-              <a:rPr lang="en-US" dirty="0"/>
-              <a:t> </a:t>
-            </a:r>
-            <a:r>
-              <a:rPr lang="en-US" dirty="0" err="1"/>
-              <a:t>su</a:t>
-            </a:r>
-            <a:r>
-              <a:rPr lang="en-US" dirty="0"/>
-              <a:t> </a:t>
-            </a:r>
-            <a:r>
-              <a:rPr lang="en-US" dirty="0">
-                <a:solidFill>
-                  <a:srgbClr val="66C0F4"/>
-                </a:solidFill>
-              </a:rPr>
-              <a:t>72934</a:t>
-            </a:r>
-            <a:r>
-              <a:rPr lang="en-US" dirty="0"/>
-              <a:t> </a:t>
-            </a:r>
-            <a:r>
-              <a:rPr lang="en-US" dirty="0" err="1"/>
-              <a:t>Videogiochi</a:t>
-            </a:r>
-            <a:r>
-              <a:rPr lang="en-US" dirty="0"/>
-              <a:t>:</a:t>
-            </a:r>
-          </a:p>
-          <a:p>
-            <a:r>
-              <a:rPr lang="en-US" dirty="0"/>
-              <a:t>Le </a:t>
-            </a:r>
-            <a:r>
-              <a:rPr lang="en-US" dirty="0" err="1">
-                <a:solidFill>
-                  <a:srgbClr val="66C0F4"/>
-                </a:solidFill>
-              </a:rPr>
-              <a:t>righe</a:t>
-            </a:r>
-            <a:r>
-              <a:rPr lang="en-US" dirty="0"/>
-              <a:t> di </a:t>
-            </a:r>
-            <a:r>
-              <a:rPr lang="en-US" dirty="0" err="1"/>
-              <a:t>questo</a:t>
-            </a:r>
-            <a:r>
-              <a:rPr lang="en-US" dirty="0"/>
-              <a:t> dataset </a:t>
-            </a:r>
-            <a:r>
-              <a:rPr lang="en-US" dirty="0" err="1"/>
-              <a:t>contengono</a:t>
-            </a:r>
-            <a:r>
-              <a:rPr lang="en-US" dirty="0"/>
-              <a:t> diverse </a:t>
-            </a:r>
-            <a:r>
-              <a:rPr lang="en-US" dirty="0" err="1">
-                <a:solidFill>
-                  <a:srgbClr val="66C0F4"/>
-                </a:solidFill>
-              </a:rPr>
-              <a:t>informazioni</a:t>
-            </a:r>
-            <a:r>
-              <a:rPr lang="en-US" dirty="0"/>
-              <a:t> </a:t>
-            </a:r>
-            <a:r>
-              <a:rPr lang="en-US" dirty="0" err="1"/>
-              <a:t>economiche</a:t>
-            </a:r>
-            <a:r>
-              <a:rPr lang="en-US" dirty="0"/>
-              <a:t>, </a:t>
-            </a:r>
-            <a:r>
-              <a:rPr lang="en-US" dirty="0" err="1"/>
-              <a:t>storiche</a:t>
-            </a:r>
-            <a:r>
-              <a:rPr lang="en-US" dirty="0"/>
-              <a:t> e </a:t>
-            </a:r>
-            <a:r>
-              <a:rPr lang="en-US" dirty="0" err="1"/>
-              <a:t>categoriche</a:t>
-            </a:r>
-            <a:r>
-              <a:rPr lang="en-US" dirty="0"/>
-              <a:t> sui </a:t>
-            </a:r>
-            <a:r>
-              <a:rPr lang="en-US" dirty="0" err="1"/>
-              <a:t>Videogiochi</a:t>
-            </a:r>
-            <a:r>
-              <a:rPr lang="en-US" dirty="0"/>
-              <a:t> </a:t>
-            </a:r>
-            <a:r>
-              <a:rPr lang="en-US" dirty="0" err="1"/>
-              <a:t>tra</a:t>
-            </a:r>
-            <a:r>
-              <a:rPr lang="en-US" dirty="0"/>
-              <a:t> le </a:t>
-            </a:r>
-            <a:r>
-              <a:rPr lang="en-US" dirty="0" err="1"/>
-              <a:t>quali</a:t>
-            </a:r>
-            <a:r>
-              <a:rPr lang="en-US" dirty="0"/>
-              <a:t>:</a:t>
+              <a:rPr lang="it-IT" dirty="0"/>
+              <a:t> economiche, storiche e categoriche sui Videogiochi tra le quali:</a:t>
             </a:r>
           </a:p>
           <a:p>
@@ -15212,7 +10387,7 @@
               <a:buChar char="•"/>
             </a:pPr>
             <a:r>
-              <a:rPr lang="en-US" b="1" dirty="0">
+              <a:rPr lang="it-IT" b="1" dirty="0">
                 <a:solidFill>
                   <a:srgbClr val="66C0F4"/>
                 </a:solidFill>
@@ -15220,14 +10395,9 @@
               <a:t>Data</a:t>
             </a:r>
             <a:r>
-              <a:rPr lang="en-US" dirty="0"/>
-              <a:t> di </a:t>
-            </a:r>
-            <a:r>
-              <a:rPr lang="en-US" dirty="0" err="1"/>
-              <a:t>uscita</a:t>
-            </a:r>
-            <a:endParaRPr lang="en-US" dirty="0"/>
+              <a:rPr lang="it-IT" dirty="0"/>
+              <a:t> di uscita</a:t>
+            </a:r>
           </a:p>
           <a:p>
             <a:pPr marL="285750" indent="-285750">
@@ -15235,7 +10405,7 @@
               <a:buChar char="•"/>
             </a:pPr>
             <a:r>
-              <a:rPr lang="en-US" b="1" dirty="0">
+              <a:rPr lang="it-IT" b="1" dirty="0">
                 <a:solidFill>
                   <a:srgbClr val="66C0F4"/>
                 </a:solidFill>
@@ -15243,14 +10413,9 @@
               <a:t>Prezzo</a:t>
             </a:r>
             <a:r>
-              <a:rPr lang="en-US" dirty="0"/>
-              <a:t> di </a:t>
-            </a:r>
-            <a:r>
-              <a:rPr lang="en-US" dirty="0" err="1"/>
-              <a:t>vendita</a:t>
-            </a:r>
-            <a:endParaRPr lang="en-US" dirty="0"/>
+              <a:rPr lang="it-IT" dirty="0"/>
+              <a:t> di vendita</a:t>
+            </a:r>
           </a:p>
           <a:p>
             <a:pPr marL="285750" indent="-285750">
@@ -15258,18 +10423,13 @@
               <a:buChar char="•"/>
             </a:pPr>
             <a:r>
-              <a:rPr lang="en-US" b="1" dirty="0" err="1">
+              <a:rPr lang="it-IT" b="1" dirty="0">
                 <a:solidFill>
                   <a:srgbClr val="66C0F4"/>
                 </a:solidFill>
               </a:rPr>
               <a:t>Genere</a:t>
             </a:r>
-            <a:endParaRPr lang="en-US" b="1" dirty="0">
-              <a:solidFill>
-                <a:srgbClr val="66C0F4"/>
-              </a:solidFill>
-            </a:endParaRPr>
           </a:p>
           <a:p>
             <a:pPr marL="285750" indent="-285750">
@@ -15280,15 +10440,11 @@
               <a:buChar char="•"/>
             </a:pPr>
             <a:r>
-              <a:rPr lang="en-US" dirty="0" err="1"/>
-              <a:t>Numero</a:t>
-            </a:r>
-            <a:r>
-              <a:rPr lang="en-US" dirty="0"/>
-              <a:t> di </a:t>
-            </a:r>
-            <a:r>
-              <a:rPr lang="en-US" b="1" dirty="0">
+              <a:rPr lang="it-IT" dirty="0"/>
+              <a:t>Numero di </a:t>
+            </a:r>
+            <a:r>
+              <a:rPr lang="it-IT" b="1" dirty="0">
                 <a:solidFill>
                   <a:srgbClr val="66C0F4"/>
                 </a:solidFill>
@@ -15296,14 +10452,9 @@
               <a:t>downloads</a:t>
             </a:r>
             <a:r>
-              <a:rPr lang="en-US" dirty="0"/>
-              <a:t>/</a:t>
-            </a:r>
-            <a:r>
-              <a:rPr lang="en-US" dirty="0" err="1"/>
-              <a:t>acquisti</a:t>
-            </a:r>
-            <a:endParaRPr lang="en-US" dirty="0"/>
+              <a:rPr lang="it-IT" dirty="0"/>
+              <a:t>/acquisti</a:t>
+            </a:r>
           </a:p>
         </p:txBody>
       </p:sp>
@@ -15539,21 +10690,7 @@
                 <a:latin typeface="+mj-lt"/>
                 <a:cs typeface="Arial" panose="020B0604020202020204" pitchFamily="34" charset="0"/>
               </a:rPr>
-              <a:t>Marco </a:t>
-            </a:r>
-            <a:r>
-              <a:rPr lang="en-US" dirty="0" err="1">
-                <a:latin typeface="+mj-lt"/>
-                <a:cs typeface="Arial" panose="020B0604020202020204" pitchFamily="34" charset="0"/>
-              </a:rPr>
-              <a:t>Morandi</a:t>
-            </a:r>
-            <a:r>
-              <a:rPr lang="en-US" dirty="0">
-                <a:latin typeface="+mj-lt"/>
-                <a:cs typeface="Arial" panose="020B0604020202020204" pitchFamily="34" charset="0"/>
-              </a:rPr>
-              <a:t> 966631</a:t>
+              <a:t>Marco Morandi 966631</a:t>
             </a:r>
           </a:p>
         </p:txBody>
@@ -15587,32 +10724,11 @@
           <a:lstStyle/>
           <a:p>
             <a:r>
-              <a:rPr lang="en-US" sz="2800" dirty="0" err="1">
-                <a:latin typeface="+mj-lt"/>
-                <a:cs typeface="Arial" panose="020B0604020202020204" pitchFamily="34" charset="0"/>
-              </a:rPr>
-              <a:t>Grazie</a:t>
-            </a:r>
-            <a:r>
               <a:rPr lang="en-US" sz="2800" dirty="0">
                 <a:latin typeface="+mj-lt"/>
                 <a:cs typeface="Arial" panose="020B0604020202020204" pitchFamily="34" charset="0"/>
               </a:rPr>
-              <a:t> per </a:t>
-            </a:r>
-            <a:r>
-              <a:rPr lang="en-US" sz="2800" dirty="0" err="1">
-                <a:latin typeface="+mj-lt"/>
-                <a:cs typeface="Arial" panose="020B0604020202020204" pitchFamily="34" charset="0"/>
-              </a:rPr>
-              <a:t>l’attenzione</a:t>
-            </a:r>
-            <a:r>
-              <a:rPr lang="en-US" sz="2800" dirty="0">
-                <a:latin typeface="+mj-lt"/>
-                <a:cs typeface="Arial" panose="020B0604020202020204" pitchFamily="34" charset="0"/>
-              </a:rPr>
-              <a:t>!</a:t>
+              <a:t>Grazie per l’attenzione!</a:t>
             </a:r>
           </a:p>
         </p:txBody>
@@ -15720,23 +10836,7 @@
                   <a:srgbClr val="66C0F4"/>
                 </a:solidFill>
               </a:rPr>
-              <a:t>I  </a:t>
-            </a:r>
-            <a:r>
-              <a:rPr lang="en-US" sz="3200" b="1" dirty="0" err="1">
-                <a:solidFill>
-                  <a:srgbClr val="66C0F4"/>
-                </a:solidFill>
-              </a:rPr>
-              <a:t>Prodotti</a:t>
-            </a:r>
-            <a:r>
-              <a:rPr lang="en-US" sz="3200" b="1" dirty="0">
-                <a:solidFill>
-                  <a:srgbClr val="66C0F4"/>
-                </a:solidFill>
-              </a:rPr>
-              <a:t> di STEAM</a:t>
+              <a:t>I  Prodotti di STEAM</a:t>
             </a:r>
           </a:p>
         </p:txBody>
@@ -15806,8 +10906,8 @@
         </p:nvSpPr>
         <p:spPr>
           <a:xfrm>
-            <a:off x="931058" y="2717817"/>
-            <a:ext cx="5164942" cy="1422365"/>
+            <a:off x="931058" y="2860832"/>
+            <a:ext cx="5164942" cy="1136336"/>
           </a:xfrm>
           <a:prstGeom prst="rect">
             <a:avLst/>
@@ -15988,7 +11088,7 @@
               </a:buClr>
             </a:pPr>
             <a:r>
-              <a:rPr lang="en-US" sz="1600" dirty="0">
+              <a:rPr lang="it-IT" sz="1600" dirty="0">
                 <a:solidFill>
                   <a:srgbClr val="C7D5E0"/>
                 </a:solidFill>
@@ -15996,7 +11096,7 @@
               <a:t>I </a:t>
             </a:r>
             <a:r>
-              <a:rPr lang="en-US" sz="1600" dirty="0">
+              <a:rPr lang="it-IT" sz="1600" dirty="0">
                 <a:solidFill>
                   <a:srgbClr val="66C0F4"/>
                 </a:solidFill>
@@ -16004,7 +11104,7 @@
               <a:t>Videogames</a:t>
             </a:r>
             <a:r>
-              <a:rPr lang="en-US" sz="1600" dirty="0">
+              <a:rPr lang="it-IT" sz="1600" dirty="0">
                 <a:solidFill>
                   <a:srgbClr val="C7D5E0"/>
                 </a:solidFill>
@@ -16012,52 +11112,8 @@
               <a:t> </a:t>
             </a:r>
             <a:r>
-              <a:rPr lang="en-US" sz="1600" dirty="0" err="1"/>
-              <a:t>rappresentano</a:t>
-            </a:r>
-            <a:r>
-              <a:rPr lang="en-US" sz="1600" dirty="0"/>
-              <a:t> la </a:t>
-            </a:r>
-            <a:r>
-              <a:rPr lang="en-US" sz="1600" dirty="0" err="1"/>
-              <a:t>stragrande</a:t>
-            </a:r>
-            <a:r>
-              <a:rPr lang="en-US" sz="1600" dirty="0"/>
-              <a:t> </a:t>
-            </a:r>
-            <a:r>
-              <a:rPr lang="en-US" sz="1600" dirty="0" err="1"/>
-              <a:t>maggioranza</a:t>
-            </a:r>
-            <a:r>
-              <a:rPr lang="en-US" sz="1600" dirty="0"/>
-              <a:t> </a:t>
-            </a:r>
-            <a:r>
-              <a:rPr lang="en-US" sz="1600" dirty="0" err="1"/>
-              <a:t>dei</a:t>
-            </a:r>
-            <a:r>
-              <a:rPr lang="en-US" sz="1600" dirty="0"/>
-              <a:t> </a:t>
-            </a:r>
-            <a:r>
-              <a:rPr lang="en-US" sz="1600" dirty="0" err="1"/>
-              <a:t>prodotti</a:t>
-            </a:r>
-            <a:r>
-              <a:rPr lang="en-US" sz="1600" dirty="0"/>
-              <a:t> </a:t>
-            </a:r>
-            <a:r>
-              <a:rPr lang="en-US" sz="1600" dirty="0" err="1"/>
-              <a:t>venduti</a:t>
-            </a:r>
-            <a:r>
-              <a:rPr lang="en-US" sz="1600" dirty="0"/>
-              <a:t> da Steam</a:t>
+              <a:rPr lang="it-IT" sz="1600" dirty="0"/>
+              <a:t>rappresentano la stragrande maggioranza dei prodotti venduti da Steam</a:t>
             </a:r>
           </a:p>
           <a:p>
@@ -16067,106 +11123,17 @@
               </a:buClr>
             </a:pPr>
             <a:r>
-              <a:rPr lang="en-US" sz="1600" dirty="0"/>
-              <a:t>Il focus </a:t>
-            </a:r>
-            <a:r>
-              <a:rPr lang="en-US" sz="1600" dirty="0" err="1"/>
-              <a:t>dello</a:t>
-            </a:r>
-            <a:r>
-              <a:rPr lang="en-US" sz="1600" dirty="0"/>
-              <a:t> studio </a:t>
-            </a:r>
-            <a:r>
-              <a:rPr lang="en-US" sz="1600" dirty="0" err="1"/>
-              <a:t>sarà</a:t>
-            </a:r>
-            <a:r>
-              <a:rPr lang="en-US" sz="1600" dirty="0"/>
-              <a:t> </a:t>
-            </a:r>
-            <a:r>
-              <a:rPr lang="en-US" sz="1600" dirty="0" err="1"/>
-              <a:t>pertanto</a:t>
-            </a:r>
-            <a:r>
-              <a:rPr lang="en-US" sz="1600" dirty="0"/>
-              <a:t> </a:t>
-            </a:r>
-            <a:r>
-              <a:rPr lang="en-US" sz="1600" dirty="0" err="1"/>
-              <a:t>sul</a:t>
-            </a:r>
-            <a:r>
-              <a:rPr lang="en-US" sz="1600" dirty="0"/>
-              <a:t> </a:t>
-            </a:r>
-            <a:r>
-              <a:rPr lang="en-US" sz="1600" dirty="0" err="1"/>
-              <a:t>comportamento</a:t>
-            </a:r>
-            <a:r>
-              <a:rPr lang="en-US" sz="1600" dirty="0"/>
-              <a:t> </a:t>
-            </a:r>
-            <a:r>
-              <a:rPr lang="en-US" sz="1600" dirty="0" err="1"/>
-              <a:t>degli</a:t>
-            </a:r>
-            <a:r>
-              <a:rPr lang="en-US" sz="1600" dirty="0"/>
-              <a:t> </a:t>
-            </a:r>
-            <a:r>
-              <a:rPr lang="en-US" sz="1600" dirty="0" err="1"/>
-              <a:t>utenti</a:t>
-            </a:r>
-            <a:r>
-              <a:rPr lang="en-US" sz="1600" dirty="0"/>
-              <a:t> di Steam </a:t>
-            </a:r>
-            <a:r>
-              <a:rPr lang="en-US" sz="1600" dirty="0" err="1"/>
-              <a:t>che</a:t>
-            </a:r>
-            <a:r>
-              <a:rPr lang="en-US" sz="1600" dirty="0"/>
-              <a:t> </a:t>
-            </a:r>
-            <a:r>
-              <a:rPr lang="en-US" sz="1600" dirty="0" err="1"/>
-              <a:t>sono</a:t>
-            </a:r>
-            <a:r>
-              <a:rPr lang="en-US" sz="1600" dirty="0"/>
-              <a:t> </a:t>
-            </a:r>
-            <a:r>
-              <a:rPr lang="en-US" sz="1600" dirty="0" err="1">
+              <a:rPr lang="it-IT" sz="1600" dirty="0"/>
+              <a:t>Il focus dello studio sarà pertanto sul comportamento degli utenti di Steam che sono </a:t>
+            </a:r>
+            <a:r>
+              <a:rPr lang="it-IT" sz="1600" dirty="0">
                 <a:solidFill>
                   <a:srgbClr val="66C0F4"/>
                 </a:solidFill>
               </a:rPr>
               <a:t>videogiocatori</a:t>
             </a:r>
-            <a:endParaRPr lang="en-US" sz="1600" dirty="0">
-              <a:solidFill>
-                <a:srgbClr val="66C0F4"/>
-              </a:solidFill>
-            </a:endParaRPr>
-          </a:p>
-          <a:p>
-            <a:pPr>
-              <a:buClr>
-                <a:srgbClr val="66C0F4"/>
-              </a:buClr>
-            </a:pPr>
-            <a:endParaRPr lang="en-US" sz="1600" dirty="0">
-              <a:solidFill>
-                <a:srgbClr val="C7D5E0"/>
-              </a:solidFill>
-            </a:endParaRPr>
           </a:p>
         </p:txBody>
       </p:sp>
@@ -16308,66 +11275,13 @@
           <a:p>
             <a:pPr algn="ctr"/>
             <a:r>
-              <a:rPr lang="en-US" sz="3200" b="1" dirty="0" err="1">
+              <a:rPr lang="en-US" sz="3200" b="1" dirty="0">
                 <a:solidFill>
                   <a:srgbClr val="66C0F4"/>
                 </a:solidFill>
               </a:rPr>
-              <a:t>Rilasci</a:t>
-            </a:r>
-            <a:r>
-              <a:rPr lang="en-US" sz="3200" b="1" dirty="0">
-                <a:solidFill>
-                  <a:srgbClr val="66C0F4"/>
-                </a:solidFill>
-              </a:rPr>
-              <a:t> </a:t>
-            </a:r>
-            <a:r>
-              <a:rPr lang="en-US" sz="3200" b="1" dirty="0" err="1">
-                <a:solidFill>
-                  <a:srgbClr val="66C0F4"/>
-                </a:solidFill>
-              </a:rPr>
-              <a:t>Annui</a:t>
-            </a:r>
-            <a:r>
-              <a:rPr lang="en-US" sz="3200" b="1" dirty="0">
-                <a:solidFill>
-                  <a:srgbClr val="66C0F4"/>
-                </a:solidFill>
-              </a:rPr>
-              <a:t> </a:t>
-            </a:r>
-            <a:r>
-              <a:rPr lang="en-US" sz="3200" b="1" dirty="0" err="1">
-                <a:solidFill>
-                  <a:srgbClr val="66C0F4"/>
-                </a:solidFill>
-              </a:rPr>
-              <a:t>dei</a:t>
-            </a:r>
-            <a:r>
-              <a:rPr lang="en-US" sz="3200" b="1" dirty="0">
-                <a:solidFill>
-                  <a:srgbClr val="66C0F4"/>
-                </a:solidFill>
-              </a:rPr>
-              <a:t> </a:t>
-            </a:r>
-            <a:r>
-              <a:rPr lang="en-US" sz="3200" b="1" dirty="0" err="1">
-                <a:solidFill>
-                  <a:srgbClr val="66C0F4"/>
-                </a:solidFill>
-              </a:rPr>
-              <a:t>Videogiochi</a:t>
-            </a:r>
-            <a:endParaRPr lang="en-US" sz="3200" b="1" dirty="0">
-              <a:solidFill>
-                <a:srgbClr val="66C0F4"/>
-              </a:solidFill>
-            </a:endParaRPr>
+              <a:t>Rilasci Annui dei Videogiochi</a:t>
+            </a:r>
           </a:p>
         </p:txBody>
       </p:sp>
@@ -16524,66 +11438,13 @@
           <a:p>
             <a:pPr algn="ctr"/>
             <a:r>
-              <a:rPr lang="en-US" sz="3200" b="1" dirty="0" err="1">
+              <a:rPr lang="en-US" sz="3200" b="1" dirty="0">
                 <a:solidFill>
                   <a:srgbClr val="66C0F4"/>
                 </a:solidFill>
               </a:rPr>
-              <a:t>Distribuzione</a:t>
-            </a:r>
-            <a:r>
-              <a:rPr lang="en-US" sz="3200" b="1" dirty="0">
-                <a:solidFill>
-                  <a:srgbClr val="66C0F4"/>
-                </a:solidFill>
-              </a:rPr>
-              <a:t> </a:t>
-            </a:r>
-            <a:r>
-              <a:rPr lang="en-US" sz="3200" b="1" dirty="0" err="1">
-                <a:solidFill>
-                  <a:srgbClr val="66C0F4"/>
-                </a:solidFill>
-              </a:rPr>
-              <a:t>Mensile</a:t>
-            </a:r>
-            <a:r>
-              <a:rPr lang="en-US" sz="3200" b="1" dirty="0">
-                <a:solidFill>
-                  <a:srgbClr val="66C0F4"/>
-                </a:solidFill>
-              </a:rPr>
-              <a:t> </a:t>
-            </a:r>
-            <a:r>
-              <a:rPr lang="en-US" sz="3200" b="1" dirty="0" err="1">
-                <a:solidFill>
-                  <a:srgbClr val="66C0F4"/>
-                </a:solidFill>
-              </a:rPr>
-              <a:t>dei</a:t>
-            </a:r>
-            <a:r>
-              <a:rPr lang="en-US" sz="3200" b="1" dirty="0">
-                <a:solidFill>
-                  <a:srgbClr val="66C0F4"/>
-                </a:solidFill>
-              </a:rPr>
-              <a:t> </a:t>
-            </a:r>
-            <a:r>
-              <a:rPr lang="en-US" sz="3200" b="1" dirty="0" err="1">
-                <a:solidFill>
-                  <a:srgbClr val="66C0F4"/>
-                </a:solidFill>
-              </a:rPr>
-              <a:t>Rilasci</a:t>
-            </a:r>
-            <a:endParaRPr lang="en-US" sz="3200" b="1" dirty="0">
-              <a:solidFill>
-                <a:srgbClr val="66C0F4"/>
-              </a:solidFill>
-            </a:endParaRPr>
+              <a:t>Distribuzione Mensile dei Rilasci</a:t>
+            </a:r>
           </a:p>
         </p:txBody>
       </p:sp>
@@ -16740,50 +11601,13 @@
           <a:p>
             <a:pPr algn="ctr"/>
             <a:r>
-              <a:rPr lang="en-US" sz="3200" b="1" dirty="0" err="1">
+              <a:rPr lang="en-US" sz="3200" b="1" dirty="0">
                 <a:solidFill>
                   <a:srgbClr val="66C0F4"/>
                 </a:solidFill>
               </a:rPr>
-              <a:t>Acquisti</a:t>
-            </a:r>
-            <a:r>
-              <a:rPr lang="en-US" sz="3200" b="1" dirty="0">
-                <a:solidFill>
-                  <a:srgbClr val="66C0F4"/>
-                </a:solidFill>
-              </a:rPr>
-              <a:t> </a:t>
-            </a:r>
-            <a:r>
-              <a:rPr lang="en-US" sz="3200" b="1" dirty="0" err="1">
-                <a:solidFill>
-                  <a:srgbClr val="66C0F4"/>
-                </a:solidFill>
-              </a:rPr>
-              <a:t>Annui</a:t>
-            </a:r>
-            <a:r>
-              <a:rPr lang="en-US" sz="3200" b="1" dirty="0">
-                <a:solidFill>
-                  <a:srgbClr val="66C0F4"/>
-                </a:solidFill>
-              </a:rPr>
-              <a:t> e </a:t>
-            </a:r>
-            <a:r>
-              <a:rPr lang="en-US" sz="3200" b="1" dirty="0" err="1">
-                <a:solidFill>
-                  <a:srgbClr val="66C0F4"/>
-                </a:solidFill>
-              </a:rPr>
-              <a:t>Cumulativi</a:t>
-            </a:r>
-            <a:endParaRPr lang="en-US" sz="3200" b="1" dirty="0">
-              <a:solidFill>
-                <a:srgbClr val="66C0F4"/>
-              </a:solidFill>
-            </a:endParaRPr>
+              <a:t>Acquisti Annui e Cumulativi</a:t>
+            </a:r>
           </a:p>
         </p:txBody>
       </p:sp>
@@ -16940,50 +11764,13 @@
           <a:p>
             <a:pPr algn="ctr"/>
             <a:r>
-              <a:rPr lang="en-US" sz="3200" b="1" dirty="0" err="1">
+              <a:rPr lang="en-US" sz="3200" b="1" dirty="0">
                 <a:solidFill>
                   <a:srgbClr val="66C0F4"/>
                 </a:solidFill>
               </a:rPr>
-              <a:t>Distribuzione</a:t>
-            </a:r>
-            <a:r>
-              <a:rPr lang="en-US" sz="3200" b="1" dirty="0">
-                <a:solidFill>
-                  <a:srgbClr val="66C0F4"/>
-                </a:solidFill>
-              </a:rPr>
-              <a:t> del Prezzo </a:t>
-            </a:r>
-            <a:r>
-              <a:rPr lang="en-US" sz="3200" b="1" dirty="0" err="1">
-                <a:solidFill>
-                  <a:srgbClr val="66C0F4"/>
-                </a:solidFill>
-              </a:rPr>
-              <a:t>dei</a:t>
-            </a:r>
-            <a:r>
-              <a:rPr lang="en-US" sz="3200" b="1" dirty="0">
-                <a:solidFill>
-                  <a:srgbClr val="66C0F4"/>
-                </a:solidFill>
-              </a:rPr>
-              <a:t> </a:t>
-            </a:r>
-            <a:r>
-              <a:rPr lang="en-US" sz="3200" b="1" dirty="0" err="1">
-                <a:solidFill>
-                  <a:srgbClr val="66C0F4"/>
-                </a:solidFill>
-              </a:rPr>
-              <a:t>Videogiochi</a:t>
-            </a:r>
-            <a:endParaRPr lang="en-US" sz="3200" b="1" dirty="0">
-              <a:solidFill>
-                <a:srgbClr val="66C0F4"/>
-              </a:solidFill>
-            </a:endParaRPr>
+              <a:t>Distribuzione del Prezzo dei Videogiochi</a:t>
+            </a:r>
           </a:p>
         </p:txBody>
       </p:sp>
@@ -17140,34 +11927,13 @@
           <a:p>
             <a:pPr algn="ctr"/>
             <a:r>
-              <a:rPr lang="en-US" sz="3200" b="1" dirty="0" err="1">
+              <a:rPr lang="en-US" sz="3200" b="1" dirty="0">
                 <a:solidFill>
                   <a:srgbClr val="66C0F4"/>
                 </a:solidFill>
               </a:rPr>
-              <a:t>Confronto</a:t>
-            </a:r>
-            <a:r>
-              <a:rPr lang="en-US" sz="3200" b="1" dirty="0">
-                <a:solidFill>
-                  <a:srgbClr val="66C0F4"/>
-                </a:solidFill>
-              </a:rPr>
-              <a:t>: Prezzo VG / </a:t>
-            </a:r>
-            <a:r>
-              <a:rPr lang="en-US" sz="3200" b="1" dirty="0" err="1">
-                <a:solidFill>
-                  <a:srgbClr val="66C0F4"/>
-                </a:solidFill>
-              </a:rPr>
-              <a:t>Reddito</a:t>
-            </a:r>
-            <a:endParaRPr lang="en-US" sz="3200" b="1" dirty="0">
-              <a:solidFill>
-                <a:srgbClr val="66C0F4"/>
-              </a:solidFill>
-            </a:endParaRPr>
+              <a:t>Confronto: Prezzo VG / Reddito</a:t>
+            </a:r>
           </a:p>
         </p:txBody>
       </p:sp>

--- a/Steam.pptx
+++ b/Steam.pptx
@@ -8716,12 +8716,20 @@
           <a:p>
             <a:pPr algn="ctr"/>
             <a:r>
+              <a:rPr lang="it-IT" sz="3200" b="1" dirty="0">
+                <a:solidFill>
+                  <a:srgbClr val="66C0F4"/>
+                </a:solidFill>
+              </a:rPr>
+              <a:t>Distribuzione</a:t>
+            </a:r>
+            <a:r>
               <a:rPr lang="en-US" sz="3200" b="1" dirty="0">
                 <a:solidFill>
                   <a:srgbClr val="66C0F4"/>
                 </a:solidFill>
               </a:rPr>
-              <a:t>Distribuzione percentuale Single/Multi/Coop secondo gli indici</a:t>
+              <a:t> (%) Single/Multi/Coop</a:t>
             </a:r>
           </a:p>
         </p:txBody>
@@ -8777,10 +8785,10 @@
       </p:pic>
       <p:pic>
         <p:nvPicPr>
-          <p:cNvPr id="15" name="Immagine 14" descr="Immagine che contiene schermata, Policromia, testo, Rettangolo&#10;&#10;Descrizione generata automaticamente">
+          <p:cNvPr id="3" name="Immagine 2" descr="Immagine che contiene schermata, Policromia, Rettangolo, testo&#10;&#10;Descrizione generata automaticamente">
             <a:extLst>
               <a:ext uri="{FF2B5EF4-FFF2-40B4-BE49-F238E27FC236}">
-                <a16:creationId xmlns:a16="http://schemas.microsoft.com/office/drawing/2014/main" id="{A567A78D-A2F2-F6FA-530D-98F40B660A57}"/>
+                <a16:creationId xmlns:a16="http://schemas.microsoft.com/office/drawing/2014/main" id="{BBBC8700-C57A-0DC2-FF32-C51A4E8FB5A0}"/>
               </a:ext>
             </a:extLst>
           </p:cNvPr>
@@ -8791,6 +8799,7 @@
         </p:nvPicPr>
         <p:blipFill>
           <a:blip r:embed="rId4">
+            <a:alphaModFix/>
             <a:extLst>
               <a:ext uri="{28A0092B-C50C-407E-A947-70E740481C1C}">
                 <a14:useLocalDpi xmlns:a14="http://schemas.microsoft.com/office/drawing/2010/main" val="0"/>
@@ -8803,8 +8812,43 @@
         </p:blipFill>
         <p:spPr>
           <a:xfrm>
-            <a:off x="1061830" y="1133096"/>
-            <a:ext cx="10068339" cy="5139048"/>
+            <a:off x="1261234" y="937577"/>
+            <a:ext cx="9669531" cy="5439111"/>
+          </a:xfrm>
+          <a:prstGeom prst="rect">
+            <a:avLst/>
+          </a:prstGeom>
+        </p:spPr>
+      </p:pic>
+      <p:pic>
+        <p:nvPicPr>
+          <p:cNvPr id="15" name="Immagine 14" descr="Immagine che contiene schermata, Policromia, testo, Rettangolo&#10;&#10;Descrizione generata automaticamente">
+            <a:extLst>
+              <a:ext uri="{FF2B5EF4-FFF2-40B4-BE49-F238E27FC236}">
+                <a16:creationId xmlns:a16="http://schemas.microsoft.com/office/drawing/2014/main" id="{A567A78D-A2F2-F6FA-530D-98F40B660A57}"/>
+              </a:ext>
+            </a:extLst>
+          </p:cNvPr>
+          <p:cNvPicPr>
+            <a:picLocks noChangeAspect="1"/>
+          </p:cNvPicPr>
+          <p:nvPr/>
+        </p:nvPicPr>
+        <p:blipFill rotWithShape="1">
+          <a:blip r:embed="rId5">
+            <a:extLst>
+              <a:ext uri="{28A0092B-C50C-407E-A947-70E740481C1C}">
+                <a14:useLocalDpi xmlns:a14="http://schemas.microsoft.com/office/drawing/2010/main" val="0"/>
+              </a:ext>
+            </a:extLst>
+          </a:blip>
+          <a:srcRect l="93793" b="82424"/>
+          <a:stretch/>
+        </p:blipFill>
+        <p:spPr>
+          <a:xfrm>
+            <a:off x="9661756" y="937577"/>
+            <a:ext cx="1269009" cy="1834198"/>
           </a:xfrm>
           <a:prstGeom prst="rect">
             <a:avLst/>

--- a/Steam.pptx
+++ b/Steam.pptx
@@ -4492,10 +4492,10 @@
       </p:sp>
       <p:pic>
         <p:nvPicPr>
-          <p:cNvPr id="11" name="Immagine 10" descr="Immagine che contiene testo, cerchio, schermata, Policromia&#10;&#10;Descrizione generata automaticamente">
+          <p:cNvPr id="3" name="Immagine 2" descr="Immagine che contiene testo, cerchio, schermata, Elementi grafici&#10;&#10;Descrizione generata automaticamente">
             <a:extLst>
               <a:ext uri="{FF2B5EF4-FFF2-40B4-BE49-F238E27FC236}">
-                <a16:creationId xmlns:a16="http://schemas.microsoft.com/office/drawing/2014/main" id="{3FD6F79F-300C-6BB5-229A-D1616D9A88D9}"/>
+                <a16:creationId xmlns:a16="http://schemas.microsoft.com/office/drawing/2014/main" id="{785893BB-7661-C550-25E7-C21E3E05600A}"/>
               </a:ext>
             </a:extLst>
           </p:cNvPr>
@@ -4518,8 +4518,8 @@
         </p:blipFill>
         <p:spPr>
           <a:xfrm>
-            <a:off x="5869969" y="650816"/>
-            <a:ext cx="6047482" cy="6047482"/>
+            <a:off x="5826413" y="520755"/>
+            <a:ext cx="5816490" cy="5816490"/>
           </a:xfrm>
           <a:prstGeom prst="rect">
             <a:avLst/>

--- a/Steam.pptx
+++ b/Steam.pptx
@@ -811,6 +811,90 @@
           <a:p>
             <a:fld id="{A7553FA8-B7AE-4ACD-B9E8-7BB9AFC836CD}" type="slidenum">
               <a:rPr lang="en-US" smtClean="0"/>
+              <a:t>27</a:t>
+            </a:fld>
+            <a:endParaRPr lang="en-US" dirty="0"/>
+          </a:p>
+        </p:txBody>
+      </p:sp>
+    </p:spTree>
+    <p:extLst>
+      <p:ext uri="{BB962C8B-B14F-4D97-AF65-F5344CB8AC3E}">
+        <p14:creationId xmlns:p14="http://schemas.microsoft.com/office/powerpoint/2010/main" val="1818137570"/>
+      </p:ext>
+    </p:extLst>
+  </p:cSld>
+  <p:clrMapOvr>
+    <a:masterClrMapping/>
+  </p:clrMapOvr>
+</p:notes>
+</file>
+
+<file path=ppt/notesSlides/notesSlide5.xml><?xml version="1.0" encoding="utf-8"?>
+<p:notes xmlns:a="http://schemas.openxmlformats.org/drawingml/2006/main" xmlns:r="http://schemas.openxmlformats.org/officeDocument/2006/relationships" xmlns:p="http://schemas.openxmlformats.org/presentationml/2006/main">
+  <p:cSld>
+    <p:spTree>
+      <p:nvGrpSpPr>
+        <p:cNvPr id="1" name=""/>
+        <p:cNvGrpSpPr/>
+        <p:nvPr/>
+      </p:nvGrpSpPr>
+      <p:grpSpPr>
+        <a:xfrm>
+          <a:off x="0" y="0"/>
+          <a:ext cx="0" cy="0"/>
+          <a:chOff x="0" y="0"/>
+          <a:chExt cx="0" cy="0"/>
+        </a:xfrm>
+      </p:grpSpPr>
+      <p:sp>
+        <p:nvSpPr>
+          <p:cNvPr id="2" name="Segnaposto immagine diapositiva 1"/>
+          <p:cNvSpPr>
+            <a:spLocks noGrp="1" noRot="1" noChangeAspect="1"/>
+          </p:cNvSpPr>
+          <p:nvPr>
+            <p:ph type="sldImg"/>
+          </p:nvPr>
+        </p:nvSpPr>
+        <p:spPr/>
+      </p:sp>
+      <p:sp>
+        <p:nvSpPr>
+          <p:cNvPr id="3" name="Segnaposto note 2"/>
+          <p:cNvSpPr>
+            <a:spLocks noGrp="1"/>
+          </p:cNvSpPr>
+          <p:nvPr>
+            <p:ph type="body" idx="1"/>
+          </p:nvPr>
+        </p:nvSpPr>
+        <p:spPr/>
+        <p:txBody>
+          <a:bodyPr/>
+          <a:lstStyle/>
+          <a:p>
+            <a:endParaRPr lang="it-IT" dirty="0"/>
+          </a:p>
+        </p:txBody>
+      </p:sp>
+      <p:sp>
+        <p:nvSpPr>
+          <p:cNvPr id="4" name="Segnaposto numero diapositiva 3"/>
+          <p:cNvSpPr>
+            <a:spLocks noGrp="1"/>
+          </p:cNvSpPr>
+          <p:nvPr>
+            <p:ph type="sldNum" sz="quarter" idx="5"/>
+          </p:nvPr>
+        </p:nvSpPr>
+        <p:spPr/>
+        <p:txBody>
+          <a:bodyPr/>
+          <a:lstStyle/>
+          <a:p>
+            <a:fld id="{A7553FA8-B7AE-4ACD-B9E8-7BB9AFC836CD}" type="slidenum">
+              <a:rPr lang="en-US" smtClean="0"/>
               <a:t>29</a:t>
             </a:fld>
             <a:endParaRPr lang="en-US" dirty="0"/>
@@ -830,7 +914,7 @@
 </p:notes>
 </file>
 
-<file path=ppt/notesSlides/notesSlide5.xml><?xml version="1.0" encoding="utf-8"?>
+<file path=ppt/notesSlides/notesSlide6.xml><?xml version="1.0" encoding="utf-8"?>
 <p:notes xmlns:a="http://schemas.openxmlformats.org/drawingml/2006/main" xmlns:r="http://schemas.openxmlformats.org/officeDocument/2006/relationships" xmlns:p="http://schemas.openxmlformats.org/presentationml/2006/main">
   <p:cSld>
     <p:spTree>
@@ -9307,10 +9391,10 @@
       </p:pic>
       <p:pic>
         <p:nvPicPr>
-          <p:cNvPr id="10" name="Immagine 9" descr="Immagine che contiene schermata, testo, Rettangolo, quadrato&#10;&#10;Descrizione generata automaticamente">
+          <p:cNvPr id="2" name="Immagine 1" descr="Immagine che contiene testo, schermata, schermo, Rettangolo&#10;&#10;Descrizione generata automaticamente">
             <a:extLst>
               <a:ext uri="{FF2B5EF4-FFF2-40B4-BE49-F238E27FC236}">
-                <a16:creationId xmlns:a16="http://schemas.microsoft.com/office/drawing/2014/main" id="{C833C9C0-D491-E08B-20CC-DC91D134297C}"/>
+                <a16:creationId xmlns:a16="http://schemas.microsoft.com/office/drawing/2014/main" id="{ED854BFF-CA23-0F07-BDD0-A0ED4251F6B0}"/>
               </a:ext>
             </a:extLst>
           </p:cNvPr>
@@ -9597,7 +9681,7 @@
           <p:nvPr/>
         </p:nvPicPr>
         <p:blipFill>
-          <a:blip r:embed="rId2">
+          <a:blip r:embed="rId3">
             <a:alphaModFix/>
             <a:extLst>
               <a:ext uri="{28A0092B-C50C-407E-A947-70E740481C1C}">
@@ -9633,10 +9717,10 @@
       </p:pic>
       <p:pic>
         <p:nvPicPr>
-          <p:cNvPr id="4" name="Immagine 3" descr="Immagine che contiene testo, schermata, schermo, Rettangolo&#10;&#10;Descrizione generata automaticamente">
+          <p:cNvPr id="2" name="Immagine 1" descr="Immagine che contiene schermata, testo, Rettangolo, quadrato&#10;&#10;Descrizione generata automaticamente">
             <a:extLst>
               <a:ext uri="{FF2B5EF4-FFF2-40B4-BE49-F238E27FC236}">
-                <a16:creationId xmlns:a16="http://schemas.microsoft.com/office/drawing/2014/main" id="{AA71A543-A90F-EB8E-C1D7-3CB9224E422B}"/>
+                <a16:creationId xmlns:a16="http://schemas.microsoft.com/office/drawing/2014/main" id="{14394476-BCB8-0127-716D-276C3F16D8A1}"/>
               </a:ext>
             </a:extLst>
           </p:cNvPr>
@@ -9646,7 +9730,7 @@
           <p:nvPr/>
         </p:nvPicPr>
         <p:blipFill>
-          <a:blip r:embed="rId3">
+          <a:blip r:embed="rId4">
             <a:extLst>
               <a:ext uri="{28A0092B-C50C-407E-A947-70E740481C1C}">
                 <a14:useLocalDpi xmlns:a14="http://schemas.microsoft.com/office/drawing/2010/main" val="0"/>
